--- a/webcomponents.pptx
+++ b/webcomponents.pptx
@@ -5,7 +5,7 @@
     <p:sldMasterId id="2147483648" r:id="rId1"/>
   </p:sldMasterIdLst>
   <p:notesMasterIdLst>
-    <p:notesMasterId r:id="rId15"/>
+    <p:notesMasterId r:id="rId16"/>
   </p:notesMasterIdLst>
   <p:sldIdLst>
     <p:sldId id="315" r:id="rId2"/>
@@ -14,13 +14,14 @@
     <p:sldId id="320" r:id="rId5"/>
     <p:sldId id="328" r:id="rId6"/>
     <p:sldId id="264" r:id="rId7"/>
-    <p:sldId id="329" r:id="rId8"/>
-    <p:sldId id="319" r:id="rId9"/>
-    <p:sldId id="321" r:id="rId10"/>
-    <p:sldId id="326" r:id="rId11"/>
-    <p:sldId id="325" r:id="rId12"/>
-    <p:sldId id="312" r:id="rId13"/>
-    <p:sldId id="279" r:id="rId14"/>
+    <p:sldId id="330" r:id="rId8"/>
+    <p:sldId id="329" r:id="rId9"/>
+    <p:sldId id="319" r:id="rId10"/>
+    <p:sldId id="321" r:id="rId11"/>
+    <p:sldId id="326" r:id="rId12"/>
+    <p:sldId id="325" r:id="rId13"/>
+    <p:sldId id="312" r:id="rId14"/>
+    <p:sldId id="279" r:id="rId15"/>
   </p:sldIdLst>
   <p:sldSz cx="12192000" cy="6858000"/>
   <p:notesSz cx="6858000" cy="9144000"/>
@@ -130,6 +131,7 @@
             <p14:sldId id="320"/>
             <p14:sldId id="328"/>
             <p14:sldId id="264"/>
+            <p14:sldId id="330"/>
             <p14:sldId id="329"/>
             <p14:sldId id="319"/>
             <p14:sldId id="321"/>
@@ -241,7 +243,7 @@
           <a:p>
             <a:fld id="{70FE56F2-0B60-44FC-AC55-491897A4F355}" type="datetimeFigureOut">
               <a:rPr lang="en-GB" smtClean="0"/>
-              <a:t>09/11/2020</a:t>
+              <a:t>11/11/2020</a:t>
             </a:fld>
             <a:endParaRPr lang="en-GB"/>
           </a:p>
@@ -658,7 +660,7 @@
           <a:p>
             <a:fld id="{4D723AB6-704A-42C8-AB51-31B091223600}" type="datetimeFigureOut">
               <a:rPr lang="en-GB" smtClean="0"/>
-              <a:t>09/11/2020</a:t>
+              <a:t>11/11/2020</a:t>
             </a:fld>
             <a:endParaRPr lang="en-GB"/>
           </a:p>
@@ -858,7 +860,7 @@
           <a:p>
             <a:fld id="{4D723AB6-704A-42C8-AB51-31B091223600}" type="datetimeFigureOut">
               <a:rPr lang="en-GB" smtClean="0"/>
-              <a:t>09/11/2020</a:t>
+              <a:t>11/11/2020</a:t>
             </a:fld>
             <a:endParaRPr lang="en-GB"/>
           </a:p>
@@ -1068,7 +1070,7 @@
           <a:p>
             <a:fld id="{4D723AB6-704A-42C8-AB51-31B091223600}" type="datetimeFigureOut">
               <a:rPr lang="en-GB" smtClean="0"/>
-              <a:t>09/11/2020</a:t>
+              <a:t>11/11/2020</a:t>
             </a:fld>
             <a:endParaRPr lang="en-GB"/>
           </a:p>
@@ -1268,7 +1270,7 @@
           <a:p>
             <a:fld id="{4D723AB6-704A-42C8-AB51-31B091223600}" type="datetimeFigureOut">
               <a:rPr lang="en-GB" smtClean="0"/>
-              <a:t>09/11/2020</a:t>
+              <a:t>11/11/2020</a:t>
             </a:fld>
             <a:endParaRPr lang="en-GB"/>
           </a:p>
@@ -1544,7 +1546,7 @@
           <a:p>
             <a:fld id="{4D723AB6-704A-42C8-AB51-31B091223600}" type="datetimeFigureOut">
               <a:rPr lang="en-GB" smtClean="0"/>
-              <a:t>09/11/2020</a:t>
+              <a:t>11/11/2020</a:t>
             </a:fld>
             <a:endParaRPr lang="en-GB"/>
           </a:p>
@@ -1812,7 +1814,7 @@
           <a:p>
             <a:fld id="{4D723AB6-704A-42C8-AB51-31B091223600}" type="datetimeFigureOut">
               <a:rPr lang="en-GB" smtClean="0"/>
-              <a:t>09/11/2020</a:t>
+              <a:t>11/11/2020</a:t>
             </a:fld>
             <a:endParaRPr lang="en-GB"/>
           </a:p>
@@ -2227,7 +2229,7 @@
           <a:p>
             <a:fld id="{4D723AB6-704A-42C8-AB51-31B091223600}" type="datetimeFigureOut">
               <a:rPr lang="en-GB" smtClean="0"/>
-              <a:t>09/11/2020</a:t>
+              <a:t>11/11/2020</a:t>
             </a:fld>
             <a:endParaRPr lang="en-GB"/>
           </a:p>
@@ -2369,7 +2371,7 @@
           <a:p>
             <a:fld id="{4D723AB6-704A-42C8-AB51-31B091223600}" type="datetimeFigureOut">
               <a:rPr lang="en-GB" smtClean="0"/>
-              <a:t>09/11/2020</a:t>
+              <a:t>11/11/2020</a:t>
             </a:fld>
             <a:endParaRPr lang="en-GB"/>
           </a:p>
@@ -2482,7 +2484,7 @@
           <a:p>
             <a:fld id="{4D723AB6-704A-42C8-AB51-31B091223600}" type="datetimeFigureOut">
               <a:rPr lang="en-GB" smtClean="0"/>
-              <a:t>09/11/2020</a:t>
+              <a:t>11/11/2020</a:t>
             </a:fld>
             <a:endParaRPr lang="en-GB"/>
           </a:p>
@@ -2795,7 +2797,7 @@
           <a:p>
             <a:fld id="{4D723AB6-704A-42C8-AB51-31B091223600}" type="datetimeFigureOut">
               <a:rPr lang="en-GB" smtClean="0"/>
-              <a:t>09/11/2020</a:t>
+              <a:t>11/11/2020</a:t>
             </a:fld>
             <a:endParaRPr lang="en-GB"/>
           </a:p>
@@ -3084,7 +3086,7 @@
           <a:p>
             <a:fld id="{4D723AB6-704A-42C8-AB51-31B091223600}" type="datetimeFigureOut">
               <a:rPr lang="en-GB" smtClean="0"/>
-              <a:t>09/11/2020</a:t>
+              <a:t>11/11/2020</a:t>
             </a:fld>
             <a:endParaRPr lang="en-GB"/>
           </a:p>
@@ -3327,7 +3329,7 @@
           <a:p>
             <a:fld id="{4D723AB6-704A-42C8-AB51-31B091223600}" type="datetimeFigureOut">
               <a:rPr lang="en-GB" smtClean="0"/>
-              <a:t>09/11/2020</a:t>
+              <a:t>11/11/2020</a:t>
             </a:fld>
             <a:endParaRPr lang="en-GB"/>
           </a:p>
@@ -4070,307 +4072,1335 @@
       </p:grpSpPr>
       <p:sp>
         <p:nvSpPr>
-          <p:cNvPr id="2" name="Title 1">
-            <a:extLst>
-              <a:ext uri="{FF2B5EF4-FFF2-40B4-BE49-F238E27FC236}">
-                <a16:creationId xmlns:a16="http://schemas.microsoft.com/office/drawing/2014/main" id="{5D7568B3-EC9A-45DD-8A17-CFE685194B65}"/>
-              </a:ext>
-            </a:extLst>
-          </p:cNvPr>
-          <p:cNvSpPr>
-            <a:spLocks noGrp="1"/>
-          </p:cNvSpPr>
-          <p:nvPr>
-            <p:ph type="title"/>
-          </p:nvPr>
+          <p:cNvPr id="5" name="Rectangle: Rounded Corners 4">
+            <a:extLst>
+              <a:ext uri="{FF2B5EF4-FFF2-40B4-BE49-F238E27FC236}">
+                <a16:creationId xmlns:a16="http://schemas.microsoft.com/office/drawing/2014/main" id="{65B1CF75-47B8-4AC4-BD1E-926B376FD50D}"/>
+              </a:ext>
+            </a:extLst>
+          </p:cNvPr>
+          <p:cNvSpPr/>
+          <p:nvPr/>
         </p:nvSpPr>
         <p:spPr>
           <a:xfrm>
-            <a:off x="838200" y="0"/>
-            <a:ext cx="10515600" cy="1325563"/>
-          </a:xfrm>
+            <a:off x="886408" y="4376057"/>
+            <a:ext cx="1819470" cy="942392"/>
+          </a:xfrm>
+          <a:prstGeom prst="roundRect">
+            <a:avLst/>
+          </a:prstGeom>
           <a:solidFill>
-            <a:srgbClr val="2196F3"/>
+            <a:schemeClr val="bg1">
+              <a:lumMod val="85000"/>
+            </a:schemeClr>
           </a:solidFill>
-        </p:spPr>
-        <p:txBody>
-          <a:bodyPr>
-            <a:normAutofit/>
-          </a:bodyPr>
+          <a:ln w="28575">
+            <a:solidFill>
+              <a:srgbClr val="FF0000"/>
+            </a:solidFill>
+          </a:ln>
+        </p:spPr>
+        <p:style>
+          <a:lnRef idx="2">
+            <a:schemeClr val="accent1">
+              <a:shade val="50000"/>
+            </a:schemeClr>
+          </a:lnRef>
+          <a:fillRef idx="1">
+            <a:schemeClr val="accent1"/>
+          </a:fillRef>
+          <a:effectRef idx="0">
+            <a:schemeClr val="accent1"/>
+          </a:effectRef>
+          <a:fontRef idx="minor">
+            <a:schemeClr val="lt1"/>
+          </a:fontRef>
+        </p:style>
+        <p:txBody>
+          <a:bodyPr rtlCol="0" anchor="ctr"/>
           <a:lstStyle/>
           <a:p>
             <a:pPr algn="ctr"/>
-            <a:r>
-              <a:rPr lang="en-GB" sz="6600" dirty="0">
-                <a:solidFill>
-                  <a:schemeClr val="bg1"/>
-                </a:solidFill>
-                <a:latin typeface="Segoe UI" panose="020B0502040204020203" pitchFamily="34" charset="0"/>
-                <a:cs typeface="Segoe UI" panose="020B0502040204020203" pitchFamily="34" charset="0"/>
-              </a:rPr>
-              <a:t>Build tools</a:t>
-            </a:r>
-          </a:p>
-        </p:txBody>
-      </p:sp>
-      <p:sp>
-        <p:nvSpPr>
-          <p:cNvPr id="4" name="Content Placeholder 2">
-            <a:extLst>
-              <a:ext uri="{FF2B5EF4-FFF2-40B4-BE49-F238E27FC236}">
-                <a16:creationId xmlns:a16="http://schemas.microsoft.com/office/drawing/2014/main" id="{088CCB65-11B4-408B-9ED3-1304FE85032F}"/>
-              </a:ext>
-            </a:extLst>
-          </p:cNvPr>
-          <p:cNvSpPr>
-            <a:spLocks noGrp="1"/>
-          </p:cNvSpPr>
-          <p:nvPr>
-            <p:ph idx="1"/>
-          </p:nvPr>
-        </p:nvSpPr>
-        <p:spPr>
-          <a:xfrm>
-            <a:off x="838200" y="1325563"/>
-            <a:ext cx="10515600" cy="5326907"/>
-          </a:xfrm>
-        </p:spPr>
-        <p:txBody>
-          <a:bodyPr wrap="square" bIns="252000">
-            <a:normAutofit lnSpcReduction="10000"/>
-          </a:bodyPr>
-          <a:lstStyle/>
-          <a:p>
-            <a:pPr marL="457200" lvl="1" indent="0" algn="ctr">
-              <a:buNone/>
-            </a:pPr>
-            <a:endParaRPr lang="en-GB" sz="1600" dirty="0">
-              <a:solidFill>
-                <a:srgbClr val="2196F3"/>
-              </a:solidFill>
+            <a:endParaRPr lang="en-GB">
               <a:latin typeface="Segoe UI" panose="020B0502040204020203" pitchFamily="34" charset="0"/>
               <a:cs typeface="Segoe UI" panose="020B0502040204020203" pitchFamily="34" charset="0"/>
             </a:endParaRPr>
           </a:p>
-          <a:p>
-            <a:pPr marL="457200" lvl="1" indent="0">
-              <a:buNone/>
-            </a:pPr>
-            <a:r>
-              <a:rPr lang="en-GB" sz="3600" dirty="0">
-                <a:solidFill>
-                  <a:srgbClr val="2196F3"/>
-                </a:solidFill>
-                <a:latin typeface="Segoe UI" panose="020B0502040204020203" pitchFamily="34" charset="0"/>
-                <a:cs typeface="Segoe UI" panose="020B0502040204020203" pitchFamily="34" charset="0"/>
-              </a:rPr>
-              <a:t>JS compilers (not frameworks):</a:t>
-            </a:r>
-          </a:p>
-          <a:p>
-            <a:pPr marL="457200" lvl="1" indent="0">
-              <a:buNone/>
-            </a:pPr>
-            <a:endParaRPr lang="en-GB" sz="1300" dirty="0">
-              <a:solidFill>
-                <a:srgbClr val="2196F3"/>
-              </a:solidFill>
+        </p:txBody>
+      </p:sp>
+      <p:cxnSp>
+        <p:nvCxnSpPr>
+          <p:cNvPr id="9" name="Straight Connector 8">
+            <a:extLst>
+              <a:ext uri="{FF2B5EF4-FFF2-40B4-BE49-F238E27FC236}">
+                <a16:creationId xmlns:a16="http://schemas.microsoft.com/office/drawing/2014/main" id="{8ECDE257-0E06-4C73-B713-15F600FA91AE}"/>
+              </a:ext>
+            </a:extLst>
+          </p:cNvPr>
+          <p:cNvCxnSpPr>
+            <a:cxnSpLocks/>
+          </p:cNvCxnSpPr>
+          <p:nvPr/>
+        </p:nvCxnSpPr>
+        <p:spPr>
+          <a:xfrm>
+            <a:off x="3097763" y="3437944"/>
+            <a:ext cx="0" cy="2449286"/>
+          </a:xfrm>
+          <a:prstGeom prst="line">
+            <a:avLst/>
+          </a:prstGeom>
+          <a:ln w="15875" cmpd="dbl">
+            <a:solidFill>
+              <a:schemeClr val="accent6">
+                <a:lumMod val="75000"/>
+              </a:schemeClr>
+            </a:solidFill>
+            <a:prstDash val="lgDash"/>
+          </a:ln>
+        </p:spPr>
+        <p:style>
+          <a:lnRef idx="1">
+            <a:schemeClr val="accent1"/>
+          </a:lnRef>
+          <a:fillRef idx="0">
+            <a:schemeClr val="accent1"/>
+          </a:fillRef>
+          <a:effectRef idx="0">
+            <a:schemeClr val="accent1"/>
+          </a:effectRef>
+          <a:fontRef idx="minor">
+            <a:schemeClr val="tx1"/>
+          </a:fontRef>
+        </p:style>
+      </p:cxnSp>
+      <p:sp>
+        <p:nvSpPr>
+          <p:cNvPr id="11" name="Rectangle: Rounded Corners 10">
+            <a:extLst>
+              <a:ext uri="{FF2B5EF4-FFF2-40B4-BE49-F238E27FC236}">
+                <a16:creationId xmlns:a16="http://schemas.microsoft.com/office/drawing/2014/main" id="{1D5DB675-0CE6-474A-B918-0BBB81FDF253}"/>
+              </a:ext>
+            </a:extLst>
+          </p:cNvPr>
+          <p:cNvSpPr/>
+          <p:nvPr/>
+        </p:nvSpPr>
+        <p:spPr>
+          <a:xfrm>
+            <a:off x="9193764" y="709127"/>
+            <a:ext cx="2251787" cy="4609322"/>
+          </a:xfrm>
+          <a:prstGeom prst="roundRect">
+            <a:avLst/>
+          </a:prstGeom>
+          <a:solidFill>
+            <a:schemeClr val="bg1">
+              <a:lumMod val="85000"/>
+            </a:schemeClr>
+          </a:solidFill>
+          <a:ln w="28575">
+            <a:solidFill>
+              <a:srgbClr val="FF0000"/>
+            </a:solidFill>
+          </a:ln>
+        </p:spPr>
+        <p:style>
+          <a:lnRef idx="2">
+            <a:schemeClr val="accent1">
+              <a:shade val="50000"/>
+            </a:schemeClr>
+          </a:lnRef>
+          <a:fillRef idx="1">
+            <a:schemeClr val="accent1"/>
+          </a:fillRef>
+          <a:effectRef idx="0">
+            <a:schemeClr val="accent1"/>
+          </a:effectRef>
+          <a:fontRef idx="minor">
+            <a:schemeClr val="lt1"/>
+          </a:fontRef>
+        </p:style>
+        <p:txBody>
+          <a:bodyPr rtlCol="0" anchor="ctr"/>
+          <a:lstStyle/>
+          <a:p>
+            <a:pPr algn="ctr"/>
+            <a:endParaRPr lang="en-GB">
               <a:latin typeface="Segoe UI" panose="020B0502040204020203" pitchFamily="34" charset="0"/>
               <a:cs typeface="Segoe UI" panose="020B0502040204020203" pitchFamily="34" charset="0"/>
             </a:endParaRPr>
           </a:p>
-          <a:p>
-            <a:pPr marL="914400" lvl="2" indent="0">
-              <a:buNone/>
-            </a:pPr>
-            <a:r>
-              <a:rPr lang="en-GB" sz="3200" dirty="0">
-                <a:solidFill>
-                  <a:srgbClr val="2196F3"/>
-                </a:solidFill>
-                <a:latin typeface="Segoe UI" panose="020B0502040204020203" pitchFamily="34" charset="0"/>
-                <a:cs typeface="Segoe UI" panose="020B0502040204020203" pitchFamily="34" charset="0"/>
-              </a:rPr>
-              <a:t>Stencil JS (Part of Ionic)</a:t>
-            </a:r>
-          </a:p>
-          <a:p>
-            <a:pPr marL="914400" lvl="2" indent="0">
-              <a:buNone/>
-            </a:pPr>
-            <a:r>
-              <a:rPr lang="en-GB" sz="3200" dirty="0">
-                <a:solidFill>
-                  <a:srgbClr val="2196F3"/>
-                </a:solidFill>
-                <a:latin typeface="Segoe UI" panose="020B0502040204020203" pitchFamily="34" charset="0"/>
-                <a:cs typeface="Segoe UI" panose="020B0502040204020203" pitchFamily="34" charset="0"/>
-              </a:rPr>
-              <a:t>Lit Element/Lit HTML</a:t>
-            </a:r>
-          </a:p>
-          <a:p>
-            <a:pPr marL="914400" lvl="2" indent="0">
-              <a:buNone/>
-            </a:pPr>
-            <a:r>
-              <a:rPr lang="en-GB" sz="3200" dirty="0">
-                <a:solidFill>
-                  <a:srgbClr val="2196F3"/>
-                </a:solidFill>
-                <a:latin typeface="Segoe UI" panose="020B0502040204020203" pitchFamily="34" charset="0"/>
-                <a:cs typeface="Segoe UI" panose="020B0502040204020203" pitchFamily="34" charset="0"/>
-              </a:rPr>
-              <a:t>Svelte</a:t>
-            </a:r>
-          </a:p>
-          <a:p>
-            <a:pPr marL="914400" lvl="2" indent="0">
-              <a:buNone/>
-            </a:pPr>
-            <a:r>
-              <a:rPr lang="en-GB" sz="3200" dirty="0">
-                <a:solidFill>
-                  <a:srgbClr val="2196F3"/>
-                </a:solidFill>
-                <a:latin typeface="Segoe UI" panose="020B0502040204020203" pitchFamily="34" charset="0"/>
-                <a:cs typeface="Segoe UI" panose="020B0502040204020203" pitchFamily="34" charset="0"/>
-              </a:rPr>
-              <a:t>Open WC</a:t>
-            </a:r>
-          </a:p>
-          <a:p>
-            <a:pPr marL="457200" lvl="1" indent="0">
-              <a:buNone/>
-            </a:pPr>
-            <a:endParaRPr lang="en-GB" sz="3600" dirty="0">
-              <a:solidFill>
-                <a:srgbClr val="2196F3"/>
-              </a:solidFill>
+        </p:txBody>
+      </p:sp>
+      <p:sp>
+        <p:nvSpPr>
+          <p:cNvPr id="13" name="Rectangle: Rounded Corners 12">
+            <a:extLst>
+              <a:ext uri="{FF2B5EF4-FFF2-40B4-BE49-F238E27FC236}">
+                <a16:creationId xmlns:a16="http://schemas.microsoft.com/office/drawing/2014/main" id="{497DB97B-039D-4182-8A21-C324F5A05084}"/>
+              </a:ext>
+            </a:extLst>
+          </p:cNvPr>
+          <p:cNvSpPr/>
+          <p:nvPr/>
+        </p:nvSpPr>
+        <p:spPr>
+          <a:xfrm>
+            <a:off x="1003054" y="777913"/>
+            <a:ext cx="6884431" cy="2183363"/>
+          </a:xfrm>
+          <a:prstGeom prst="roundRect">
+            <a:avLst/>
+          </a:prstGeom>
+          <a:solidFill>
+            <a:schemeClr val="bg1">
+              <a:lumMod val="85000"/>
+            </a:schemeClr>
+          </a:solidFill>
+          <a:ln w="28575">
+            <a:solidFill>
+              <a:srgbClr val="FF0000"/>
+            </a:solidFill>
+          </a:ln>
+        </p:spPr>
+        <p:style>
+          <a:lnRef idx="2">
+            <a:schemeClr val="accent1">
+              <a:shade val="50000"/>
+            </a:schemeClr>
+          </a:lnRef>
+          <a:fillRef idx="1">
+            <a:schemeClr val="accent1"/>
+          </a:fillRef>
+          <a:effectRef idx="0">
+            <a:schemeClr val="accent1"/>
+          </a:effectRef>
+          <a:fontRef idx="minor">
+            <a:schemeClr val="lt1"/>
+          </a:fontRef>
+        </p:style>
+        <p:txBody>
+          <a:bodyPr rtlCol="0" anchor="ctr"/>
+          <a:lstStyle/>
+          <a:p>
+            <a:pPr algn="ctr"/>
+            <a:endParaRPr lang="en-GB">
               <a:latin typeface="Segoe UI" panose="020B0502040204020203" pitchFamily="34" charset="0"/>
               <a:cs typeface="Segoe UI" panose="020B0502040204020203" pitchFamily="34" charset="0"/>
             </a:endParaRPr>
           </a:p>
-          <a:p>
-            <a:pPr marL="457200" lvl="1" indent="0">
-              <a:buNone/>
-            </a:pPr>
-            <a:r>
-              <a:rPr lang="en-GB" sz="3600" dirty="0">
-                <a:solidFill>
-                  <a:srgbClr val="2196F3"/>
-                </a:solidFill>
-                <a:latin typeface="Segoe UI" panose="020B0502040204020203" pitchFamily="34" charset="0"/>
-                <a:cs typeface="Segoe UI" panose="020B0502040204020203" pitchFamily="34" charset="0"/>
-              </a:rPr>
-              <a:t>Wrappers:</a:t>
-            </a:r>
-          </a:p>
-          <a:p>
-            <a:pPr marL="457200" lvl="1" indent="0">
-              <a:buNone/>
-            </a:pPr>
-            <a:endParaRPr lang="en-GB" sz="1600" dirty="0">
-              <a:solidFill>
-                <a:srgbClr val="2196F3"/>
-              </a:solidFill>
+        </p:txBody>
+      </p:sp>
+      <p:sp>
+        <p:nvSpPr>
+          <p:cNvPr id="14" name="Rectangle: Rounded Corners 13">
+            <a:extLst>
+              <a:ext uri="{FF2B5EF4-FFF2-40B4-BE49-F238E27FC236}">
+                <a16:creationId xmlns:a16="http://schemas.microsoft.com/office/drawing/2014/main" id="{670B406B-FAA1-4A47-9E0F-388A4554F760}"/>
+              </a:ext>
+            </a:extLst>
+          </p:cNvPr>
+          <p:cNvSpPr/>
+          <p:nvPr/>
+        </p:nvSpPr>
+        <p:spPr>
+          <a:xfrm>
+            <a:off x="5951371" y="4406768"/>
+            <a:ext cx="1819465" cy="942392"/>
+          </a:xfrm>
+          <a:prstGeom prst="roundRect">
+            <a:avLst/>
+          </a:prstGeom>
+          <a:solidFill>
+            <a:schemeClr val="bg1">
+              <a:lumMod val="85000"/>
+            </a:schemeClr>
+          </a:solidFill>
+          <a:ln w="28575">
+            <a:solidFill>
+              <a:srgbClr val="FF0000"/>
+            </a:solidFill>
+          </a:ln>
+        </p:spPr>
+        <p:style>
+          <a:lnRef idx="2">
+            <a:schemeClr val="accent1">
+              <a:shade val="50000"/>
+            </a:schemeClr>
+          </a:lnRef>
+          <a:fillRef idx="1">
+            <a:schemeClr val="accent1"/>
+          </a:fillRef>
+          <a:effectRef idx="0">
+            <a:schemeClr val="accent1"/>
+          </a:effectRef>
+          <a:fontRef idx="minor">
+            <a:schemeClr val="lt1"/>
+          </a:fontRef>
+        </p:style>
+        <p:txBody>
+          <a:bodyPr rtlCol="0" anchor="ctr"/>
+          <a:lstStyle/>
+          <a:p>
+            <a:pPr algn="ctr"/>
+            <a:endParaRPr lang="en-GB">
               <a:latin typeface="Segoe UI" panose="020B0502040204020203" pitchFamily="34" charset="0"/>
               <a:cs typeface="Segoe UI" panose="020B0502040204020203" pitchFamily="34" charset="0"/>
             </a:endParaRPr>
           </a:p>
-          <a:p>
-            <a:pPr marL="914400" lvl="2" indent="0">
-              <a:buNone/>
-            </a:pPr>
-            <a:r>
-              <a:rPr lang="en-GB" sz="3200" dirty="0">
-                <a:solidFill>
-                  <a:srgbClr val="2196F3"/>
-                </a:solidFill>
-                <a:latin typeface="Segoe UI" panose="020B0502040204020203" pitchFamily="34" charset="0"/>
-                <a:cs typeface="Segoe UI" panose="020B0502040204020203" pitchFamily="34" charset="0"/>
-              </a:rPr>
-              <a:t>Vue, Angular, React etc have builds that add a web component wrapper.</a:t>
-            </a:r>
-          </a:p>
-          <a:p>
-            <a:pPr marL="457200" lvl="1" indent="0">
-              <a:buNone/>
-            </a:pPr>
-            <a:endParaRPr lang="en-GB" sz="3600" dirty="0">
-              <a:solidFill>
-                <a:srgbClr val="2196F3"/>
-              </a:solidFill>
+        </p:txBody>
+      </p:sp>
+      <p:sp>
+        <p:nvSpPr>
+          <p:cNvPr id="15" name="Rectangle: Rounded Corners 14">
+            <a:extLst>
+              <a:ext uri="{FF2B5EF4-FFF2-40B4-BE49-F238E27FC236}">
+                <a16:creationId xmlns:a16="http://schemas.microsoft.com/office/drawing/2014/main" id="{56FA4A14-0892-4CE1-BE7A-A2056ECF1DAC}"/>
+              </a:ext>
+            </a:extLst>
+          </p:cNvPr>
+          <p:cNvSpPr/>
+          <p:nvPr/>
+        </p:nvSpPr>
+        <p:spPr>
+          <a:xfrm>
+            <a:off x="3456987" y="4406768"/>
+            <a:ext cx="1895667" cy="942392"/>
+          </a:xfrm>
+          <a:prstGeom prst="roundRect">
+            <a:avLst/>
+          </a:prstGeom>
+          <a:solidFill>
+            <a:schemeClr val="bg1">
+              <a:lumMod val="85000"/>
+            </a:schemeClr>
+          </a:solidFill>
+          <a:ln w="28575">
+            <a:solidFill>
+              <a:srgbClr val="FF0000"/>
+            </a:solidFill>
+          </a:ln>
+        </p:spPr>
+        <p:style>
+          <a:lnRef idx="2">
+            <a:schemeClr val="accent1">
+              <a:shade val="50000"/>
+            </a:schemeClr>
+          </a:lnRef>
+          <a:fillRef idx="1">
+            <a:schemeClr val="accent1"/>
+          </a:fillRef>
+          <a:effectRef idx="0">
+            <a:schemeClr val="accent1"/>
+          </a:effectRef>
+          <a:fontRef idx="minor">
+            <a:schemeClr val="lt1"/>
+          </a:fontRef>
+        </p:style>
+        <p:txBody>
+          <a:bodyPr rtlCol="0" anchor="ctr"/>
+          <a:lstStyle/>
+          <a:p>
+            <a:pPr algn="ctr"/>
+            <a:endParaRPr lang="en-GB">
               <a:latin typeface="Segoe UI" panose="020B0502040204020203" pitchFamily="34" charset="0"/>
               <a:cs typeface="Segoe UI" panose="020B0502040204020203" pitchFamily="34" charset="0"/>
             </a:endParaRPr>
           </a:p>
-          <a:p>
-            <a:pPr marL="457200" lvl="1" indent="0">
-              <a:buNone/>
-            </a:pPr>
-            <a:endParaRPr lang="en-GB" sz="3600" dirty="0">
-              <a:solidFill>
-                <a:srgbClr val="2196F3"/>
-              </a:solidFill>
+        </p:txBody>
+      </p:sp>
+      <p:cxnSp>
+        <p:nvCxnSpPr>
+          <p:cNvPr id="16" name="Straight Connector 15">
+            <a:extLst>
+              <a:ext uri="{FF2B5EF4-FFF2-40B4-BE49-F238E27FC236}">
+                <a16:creationId xmlns:a16="http://schemas.microsoft.com/office/drawing/2014/main" id="{B8646BD2-FF5F-47C6-9788-5228BF540137}"/>
+              </a:ext>
+            </a:extLst>
+          </p:cNvPr>
+          <p:cNvCxnSpPr>
+            <a:cxnSpLocks/>
+          </p:cNvCxnSpPr>
+          <p:nvPr/>
+        </p:nvCxnSpPr>
+        <p:spPr>
+          <a:xfrm>
+            <a:off x="5592147" y="3429000"/>
+            <a:ext cx="0" cy="2449286"/>
+          </a:xfrm>
+          <a:prstGeom prst="line">
+            <a:avLst/>
+          </a:prstGeom>
+          <a:ln w="15875" cmpd="dbl">
+            <a:solidFill>
+              <a:schemeClr val="accent6">
+                <a:lumMod val="75000"/>
+              </a:schemeClr>
+            </a:solidFill>
+            <a:prstDash val="lgDash"/>
+          </a:ln>
+        </p:spPr>
+        <p:style>
+          <a:lnRef idx="1">
+            <a:schemeClr val="accent1"/>
+          </a:lnRef>
+          <a:fillRef idx="0">
+            <a:schemeClr val="accent1"/>
+          </a:fillRef>
+          <a:effectRef idx="0">
+            <a:schemeClr val="accent1"/>
+          </a:effectRef>
+          <a:fontRef idx="minor">
+            <a:schemeClr val="tx1"/>
+          </a:fontRef>
+        </p:style>
+      </p:cxnSp>
+      <p:sp>
+        <p:nvSpPr>
+          <p:cNvPr id="17" name="TextBox 16">
+            <a:extLst>
+              <a:ext uri="{FF2B5EF4-FFF2-40B4-BE49-F238E27FC236}">
+                <a16:creationId xmlns:a16="http://schemas.microsoft.com/office/drawing/2014/main" id="{6E8BFC32-3AFA-4B4C-9172-2CBE21A80A58}"/>
+              </a:ext>
+            </a:extLst>
+          </p:cNvPr>
+          <p:cNvSpPr txBox="1"/>
+          <p:nvPr/>
+        </p:nvSpPr>
+        <p:spPr>
+          <a:xfrm>
+            <a:off x="2908044" y="1063132"/>
+            <a:ext cx="3187956" cy="1446550"/>
+          </a:xfrm>
+          <a:prstGeom prst="rect">
+            <a:avLst/>
+          </a:prstGeom>
+          <a:noFill/>
+        </p:spPr>
+        <p:txBody>
+          <a:bodyPr wrap="square" rtlCol="0">
+            <a:spAutoFit/>
+          </a:bodyPr>
+          <a:lstStyle/>
+          <a:p>
+            <a:r>
+              <a:rPr lang="en-GB" sz="8800" dirty="0">
+                <a:latin typeface="Segoe UI" panose="020B0502040204020203" pitchFamily="34" charset="0"/>
+                <a:cs typeface="Segoe UI" panose="020B0502040204020203" pitchFamily="34" charset="0"/>
+              </a:rPr>
+              <a:t>HTML</a:t>
+            </a:r>
+          </a:p>
+        </p:txBody>
+      </p:sp>
+      <p:sp>
+        <p:nvSpPr>
+          <p:cNvPr id="19" name="TextBox 18">
+            <a:extLst>
+              <a:ext uri="{FF2B5EF4-FFF2-40B4-BE49-F238E27FC236}">
+                <a16:creationId xmlns:a16="http://schemas.microsoft.com/office/drawing/2014/main" id="{C81F58F9-1FC7-477B-877C-80F0959EBC0E}"/>
+              </a:ext>
+            </a:extLst>
+          </p:cNvPr>
+          <p:cNvSpPr txBox="1"/>
+          <p:nvPr/>
+        </p:nvSpPr>
+        <p:spPr>
+          <a:xfrm>
+            <a:off x="6019022" y="4693298"/>
+            <a:ext cx="1702057" cy="369332"/>
+          </a:xfrm>
+          <a:prstGeom prst="rect">
+            <a:avLst/>
+          </a:prstGeom>
+          <a:noFill/>
+        </p:spPr>
+        <p:txBody>
+          <a:bodyPr wrap="square" rtlCol="0">
+            <a:spAutoFit/>
+          </a:bodyPr>
+          <a:lstStyle/>
+          <a:p>
+            <a:r>
+              <a:rPr lang="en-GB" dirty="0">
+                <a:latin typeface="Segoe UI" panose="020B0502040204020203" pitchFamily="34" charset="0"/>
+                <a:cs typeface="Segoe UI" panose="020B0502040204020203" pitchFamily="34" charset="0"/>
+              </a:rPr>
+              <a:t>Framework ...n</a:t>
+            </a:r>
+          </a:p>
+        </p:txBody>
+      </p:sp>
+      <p:sp>
+        <p:nvSpPr>
+          <p:cNvPr id="20" name="TextBox 19">
+            <a:extLst>
+              <a:ext uri="{FF2B5EF4-FFF2-40B4-BE49-F238E27FC236}">
+                <a16:creationId xmlns:a16="http://schemas.microsoft.com/office/drawing/2014/main" id="{FB923CCF-0EA9-4C2D-AC00-B89B13CB18B9}"/>
+              </a:ext>
+            </a:extLst>
+          </p:cNvPr>
+          <p:cNvSpPr txBox="1"/>
+          <p:nvPr/>
+        </p:nvSpPr>
+        <p:spPr>
+          <a:xfrm>
+            <a:off x="3619499" y="4693298"/>
+            <a:ext cx="1488233" cy="369332"/>
+          </a:xfrm>
+          <a:prstGeom prst="rect">
+            <a:avLst/>
+          </a:prstGeom>
+          <a:noFill/>
+        </p:spPr>
+        <p:txBody>
+          <a:bodyPr wrap="square" rtlCol="0">
+            <a:spAutoFit/>
+          </a:bodyPr>
+          <a:lstStyle/>
+          <a:p>
+            <a:r>
+              <a:rPr lang="en-GB" dirty="0">
+                <a:latin typeface="Segoe UI" panose="020B0502040204020203" pitchFamily="34" charset="0"/>
+                <a:cs typeface="Segoe UI" panose="020B0502040204020203" pitchFamily="34" charset="0"/>
+              </a:rPr>
+              <a:t>Framework 2</a:t>
+            </a:r>
+          </a:p>
+        </p:txBody>
+      </p:sp>
+      <p:sp>
+        <p:nvSpPr>
+          <p:cNvPr id="21" name="TextBox 20">
+            <a:extLst>
+              <a:ext uri="{FF2B5EF4-FFF2-40B4-BE49-F238E27FC236}">
+                <a16:creationId xmlns:a16="http://schemas.microsoft.com/office/drawing/2014/main" id="{000E004F-3DEE-453A-880F-3667A9536687}"/>
+              </a:ext>
+            </a:extLst>
+          </p:cNvPr>
+          <p:cNvSpPr txBox="1"/>
+          <p:nvPr/>
+        </p:nvSpPr>
+        <p:spPr>
+          <a:xfrm>
+            <a:off x="1091681" y="4693298"/>
+            <a:ext cx="1488233" cy="369332"/>
+          </a:xfrm>
+          <a:prstGeom prst="rect">
+            <a:avLst/>
+          </a:prstGeom>
+          <a:noFill/>
+        </p:spPr>
+        <p:txBody>
+          <a:bodyPr wrap="square" rtlCol="0">
+            <a:spAutoFit/>
+          </a:bodyPr>
+          <a:lstStyle/>
+          <a:p>
+            <a:r>
+              <a:rPr lang="en-GB" dirty="0">
+                <a:latin typeface="Segoe UI" panose="020B0502040204020203" pitchFamily="34" charset="0"/>
+                <a:cs typeface="Segoe UI" panose="020B0502040204020203" pitchFamily="34" charset="0"/>
+              </a:rPr>
+              <a:t>Framework 1</a:t>
+            </a:r>
+          </a:p>
+        </p:txBody>
+      </p:sp>
+      <p:sp>
+        <p:nvSpPr>
+          <p:cNvPr id="2" name="Rectangle 1">
+            <a:extLst>
+              <a:ext uri="{FF2B5EF4-FFF2-40B4-BE49-F238E27FC236}">
+                <a16:creationId xmlns:a16="http://schemas.microsoft.com/office/drawing/2014/main" id="{FDD2DDAE-CA83-4119-9F26-87A3775E731D}"/>
+              </a:ext>
+            </a:extLst>
+          </p:cNvPr>
+          <p:cNvSpPr/>
+          <p:nvPr/>
+        </p:nvSpPr>
+        <p:spPr>
+          <a:xfrm>
+            <a:off x="886406" y="3150607"/>
+            <a:ext cx="6884431" cy="811764"/>
+          </a:xfrm>
+          <a:prstGeom prst="rect">
+            <a:avLst/>
+          </a:prstGeom>
+        </p:spPr>
+        <p:style>
+          <a:lnRef idx="2">
+            <a:schemeClr val="accent6">
+              <a:shade val="50000"/>
+            </a:schemeClr>
+          </a:lnRef>
+          <a:fillRef idx="1">
+            <a:schemeClr val="accent6"/>
+          </a:fillRef>
+          <a:effectRef idx="0">
+            <a:schemeClr val="accent6"/>
+          </a:effectRef>
+          <a:fontRef idx="minor">
+            <a:schemeClr val="lt1"/>
+          </a:fontRef>
+        </p:style>
+        <p:txBody>
+          <a:bodyPr rtlCol="0" anchor="ctr"/>
+          <a:lstStyle/>
+          <a:p>
+            <a:pPr algn="ctr"/>
+            <a:endParaRPr lang="en-GB">
               <a:latin typeface="Segoe UI" panose="020B0502040204020203" pitchFamily="34" charset="0"/>
               <a:cs typeface="Segoe UI" panose="020B0502040204020203" pitchFamily="34" charset="0"/>
             </a:endParaRPr>
           </a:p>
-          <a:p>
-            <a:pPr marL="457200" lvl="1" indent="0">
-              <a:buNone/>
-            </a:pPr>
-            <a:endParaRPr lang="en-GB" sz="6700" dirty="0">
-              <a:solidFill>
-                <a:srgbClr val="2196F3"/>
-              </a:solidFill>
-              <a:latin typeface="Segoe UI" panose="020B0502040204020203" pitchFamily="34" charset="0"/>
-              <a:cs typeface="Segoe UI" panose="020B0502040204020203" pitchFamily="34" charset="0"/>
-            </a:endParaRPr>
-          </a:p>
-          <a:p>
-            <a:pPr marL="457200" lvl="1" indent="0">
-              <a:buNone/>
-            </a:pPr>
-            <a:endParaRPr lang="en-GB" sz="6700" dirty="0">
-              <a:solidFill>
-                <a:srgbClr val="2196F3"/>
-              </a:solidFill>
-              <a:latin typeface="Segoe UI" panose="020B0502040204020203" pitchFamily="34" charset="0"/>
-              <a:cs typeface="Segoe UI" panose="020B0502040204020203" pitchFamily="34" charset="0"/>
-            </a:endParaRPr>
-          </a:p>
-          <a:p>
-            <a:pPr marL="457200" lvl="1" indent="0">
-              <a:buNone/>
-            </a:pPr>
-            <a:endParaRPr lang="en-GB" sz="6700" dirty="0">
-              <a:latin typeface="Segoe UI" panose="020B0502040204020203" pitchFamily="34" charset="0"/>
-              <a:cs typeface="Segoe UI" panose="020B0502040204020203" pitchFamily="34" charset="0"/>
-            </a:endParaRPr>
-          </a:p>
-          <a:p>
-            <a:pPr marL="0" indent="0">
-              <a:buNone/>
-            </a:pPr>
-            <a:endParaRPr lang="en-GB" dirty="0">
-              <a:latin typeface="Segoe UI" panose="020B0502040204020203" pitchFamily="34" charset="0"/>
-              <a:cs typeface="Segoe UI" panose="020B0502040204020203" pitchFamily="34" charset="0"/>
-            </a:endParaRPr>
-          </a:p>
-          <a:p>
-            <a:endParaRPr lang="en-GB" dirty="0">
-              <a:latin typeface="Segoe UI" panose="020B0502040204020203" pitchFamily="34" charset="0"/>
-              <a:cs typeface="Segoe UI" panose="020B0502040204020203" pitchFamily="34" charset="0"/>
-            </a:endParaRPr>
+        </p:txBody>
+      </p:sp>
+      <p:sp>
+        <p:nvSpPr>
+          <p:cNvPr id="3" name="TextBox 2">
+            <a:extLst>
+              <a:ext uri="{FF2B5EF4-FFF2-40B4-BE49-F238E27FC236}">
+                <a16:creationId xmlns:a16="http://schemas.microsoft.com/office/drawing/2014/main" id="{0F9AD193-E370-4053-AFC8-A661FCE69253}"/>
+              </a:ext>
+            </a:extLst>
+          </p:cNvPr>
+          <p:cNvSpPr txBox="1"/>
+          <p:nvPr/>
+        </p:nvSpPr>
+        <p:spPr>
+          <a:xfrm>
+            <a:off x="2292122" y="3288787"/>
+            <a:ext cx="4123332" cy="584775"/>
+          </a:xfrm>
+          <a:prstGeom prst="rect">
+            <a:avLst/>
+          </a:prstGeom>
+          <a:noFill/>
+        </p:spPr>
+        <p:txBody>
+          <a:bodyPr wrap="square" rtlCol="0">
+            <a:spAutoFit/>
+          </a:bodyPr>
+          <a:lstStyle/>
+          <a:p>
+            <a:r>
+              <a:rPr lang="en-GB" sz="3200" b="1" dirty="0">
+                <a:solidFill>
+                  <a:schemeClr val="bg1"/>
+                </a:solidFill>
+                <a:latin typeface="Segoe UI" panose="020B0502040204020203" pitchFamily="34" charset="0"/>
+                <a:cs typeface="Segoe UI" panose="020B0502040204020203" pitchFamily="34" charset="0"/>
+              </a:rPr>
+              <a:t>WEB COMPONENTS</a:t>
+            </a:r>
+          </a:p>
+        </p:txBody>
+      </p:sp>
+      <p:cxnSp>
+        <p:nvCxnSpPr>
+          <p:cNvPr id="6" name="Straight Arrow Connector 5">
+            <a:extLst>
+              <a:ext uri="{FF2B5EF4-FFF2-40B4-BE49-F238E27FC236}">
+                <a16:creationId xmlns:a16="http://schemas.microsoft.com/office/drawing/2014/main" id="{D229A287-52AB-46FC-9CD3-F99C53ACEF34}"/>
+              </a:ext>
+            </a:extLst>
+          </p:cNvPr>
+          <p:cNvCxnSpPr/>
+          <p:nvPr/>
+        </p:nvCxnSpPr>
+        <p:spPr>
+          <a:xfrm flipV="1">
+            <a:off x="2062065" y="3960073"/>
+            <a:ext cx="0" cy="415984"/>
+          </a:xfrm>
+          <a:prstGeom prst="straightConnector1">
+            <a:avLst/>
+          </a:prstGeom>
+          <a:ln w="50800">
+            <a:tailEnd type="triangle"/>
+          </a:ln>
+        </p:spPr>
+        <p:style>
+          <a:lnRef idx="1">
+            <a:schemeClr val="accent6"/>
+          </a:lnRef>
+          <a:fillRef idx="0">
+            <a:schemeClr val="accent6"/>
+          </a:fillRef>
+          <a:effectRef idx="0">
+            <a:schemeClr val="accent6"/>
+          </a:effectRef>
+          <a:fontRef idx="minor">
+            <a:schemeClr val="tx1"/>
+          </a:fontRef>
+        </p:style>
+      </p:cxnSp>
+      <p:cxnSp>
+        <p:nvCxnSpPr>
+          <p:cNvPr id="22" name="Straight Arrow Connector 21">
+            <a:extLst>
+              <a:ext uri="{FF2B5EF4-FFF2-40B4-BE49-F238E27FC236}">
+                <a16:creationId xmlns:a16="http://schemas.microsoft.com/office/drawing/2014/main" id="{F12C64DB-7B75-4A11-AC0A-77AB2AC81EAD}"/>
+              </a:ext>
+            </a:extLst>
+          </p:cNvPr>
+          <p:cNvCxnSpPr/>
+          <p:nvPr/>
+        </p:nvCxnSpPr>
+        <p:spPr>
+          <a:xfrm flipV="1">
+            <a:off x="4261757" y="3978735"/>
+            <a:ext cx="0" cy="415984"/>
+          </a:xfrm>
+          <a:prstGeom prst="straightConnector1">
+            <a:avLst/>
+          </a:prstGeom>
+          <a:ln w="50800">
+            <a:tailEnd type="triangle"/>
+          </a:ln>
+        </p:spPr>
+        <p:style>
+          <a:lnRef idx="1">
+            <a:schemeClr val="accent6"/>
+          </a:lnRef>
+          <a:fillRef idx="0">
+            <a:schemeClr val="accent6"/>
+          </a:fillRef>
+          <a:effectRef idx="0">
+            <a:schemeClr val="accent6"/>
+          </a:effectRef>
+          <a:fontRef idx="minor">
+            <a:schemeClr val="tx1"/>
+          </a:fontRef>
+        </p:style>
+      </p:cxnSp>
+      <p:cxnSp>
+        <p:nvCxnSpPr>
+          <p:cNvPr id="23" name="Straight Arrow Connector 22">
+            <a:extLst>
+              <a:ext uri="{FF2B5EF4-FFF2-40B4-BE49-F238E27FC236}">
+                <a16:creationId xmlns:a16="http://schemas.microsoft.com/office/drawing/2014/main" id="{8B1C15C1-C3CB-4D87-A0BB-7C3A15158A95}"/>
+              </a:ext>
+            </a:extLst>
+          </p:cNvPr>
+          <p:cNvCxnSpPr/>
+          <p:nvPr/>
+        </p:nvCxnSpPr>
+        <p:spPr>
+          <a:xfrm flipV="1">
+            <a:off x="6304384" y="3962371"/>
+            <a:ext cx="0" cy="415984"/>
+          </a:xfrm>
+          <a:prstGeom prst="straightConnector1">
+            <a:avLst/>
+          </a:prstGeom>
+          <a:ln w="50800">
+            <a:tailEnd type="triangle"/>
+          </a:ln>
+        </p:spPr>
+        <p:style>
+          <a:lnRef idx="1">
+            <a:schemeClr val="accent6"/>
+          </a:lnRef>
+          <a:fillRef idx="0">
+            <a:schemeClr val="accent6"/>
+          </a:fillRef>
+          <a:effectRef idx="0">
+            <a:schemeClr val="accent6"/>
+          </a:effectRef>
+          <a:fontRef idx="minor">
+            <a:schemeClr val="tx1"/>
+          </a:fontRef>
+        </p:style>
+      </p:cxnSp>
+      <p:cxnSp>
+        <p:nvCxnSpPr>
+          <p:cNvPr id="24" name="Straight Arrow Connector 23">
+            <a:extLst>
+              <a:ext uri="{FF2B5EF4-FFF2-40B4-BE49-F238E27FC236}">
+                <a16:creationId xmlns:a16="http://schemas.microsoft.com/office/drawing/2014/main" id="{163353F7-B0B9-4F80-AC63-42827D10FDAE}"/>
+              </a:ext>
+            </a:extLst>
+          </p:cNvPr>
+          <p:cNvCxnSpPr>
+            <a:cxnSpLocks/>
+          </p:cNvCxnSpPr>
+          <p:nvPr/>
+        </p:nvCxnSpPr>
+        <p:spPr>
+          <a:xfrm flipV="1">
+            <a:off x="4261757" y="2220686"/>
+            <a:ext cx="0" cy="929921"/>
+          </a:xfrm>
+          <a:prstGeom prst="straightConnector1">
+            <a:avLst/>
+          </a:prstGeom>
+          <a:ln w="50800">
+            <a:tailEnd type="triangle"/>
+          </a:ln>
+        </p:spPr>
+        <p:style>
+          <a:lnRef idx="1">
+            <a:schemeClr val="accent6"/>
+          </a:lnRef>
+          <a:fillRef idx="0">
+            <a:schemeClr val="accent6"/>
+          </a:fillRef>
+          <a:effectRef idx="0">
+            <a:schemeClr val="accent6"/>
+          </a:effectRef>
+          <a:fontRef idx="minor">
+            <a:schemeClr val="tx1"/>
+          </a:fontRef>
+        </p:style>
+      </p:cxnSp>
+      <p:cxnSp>
+        <p:nvCxnSpPr>
+          <p:cNvPr id="25" name="Straight Arrow Connector 24">
+            <a:extLst>
+              <a:ext uri="{FF2B5EF4-FFF2-40B4-BE49-F238E27FC236}">
+                <a16:creationId xmlns:a16="http://schemas.microsoft.com/office/drawing/2014/main" id="{CC440C1A-3EF4-4B67-8663-C472C2FCEE45}"/>
+              </a:ext>
+            </a:extLst>
+          </p:cNvPr>
+          <p:cNvCxnSpPr>
+            <a:cxnSpLocks/>
+          </p:cNvCxnSpPr>
+          <p:nvPr/>
+        </p:nvCxnSpPr>
+        <p:spPr>
+          <a:xfrm>
+            <a:off x="2062065" y="3997396"/>
+            <a:ext cx="1464906" cy="490628"/>
+          </a:xfrm>
+          <a:prstGeom prst="straightConnector1">
+            <a:avLst/>
+          </a:prstGeom>
+          <a:ln w="50800">
+            <a:tailEnd type="triangle"/>
+          </a:ln>
+        </p:spPr>
+        <p:style>
+          <a:lnRef idx="1">
+            <a:schemeClr val="accent6"/>
+          </a:lnRef>
+          <a:fillRef idx="0">
+            <a:schemeClr val="accent6"/>
+          </a:fillRef>
+          <a:effectRef idx="0">
+            <a:schemeClr val="accent6"/>
+          </a:effectRef>
+          <a:fontRef idx="minor">
+            <a:schemeClr val="tx1"/>
+          </a:fontRef>
+        </p:style>
+      </p:cxnSp>
+      <p:cxnSp>
+        <p:nvCxnSpPr>
+          <p:cNvPr id="28" name="Straight Arrow Connector 27">
+            <a:extLst>
+              <a:ext uri="{FF2B5EF4-FFF2-40B4-BE49-F238E27FC236}">
+                <a16:creationId xmlns:a16="http://schemas.microsoft.com/office/drawing/2014/main" id="{BB158374-8877-4243-9769-72088526DB6A}"/>
+              </a:ext>
+            </a:extLst>
+          </p:cNvPr>
+          <p:cNvCxnSpPr>
+            <a:cxnSpLocks/>
+          </p:cNvCxnSpPr>
+          <p:nvPr/>
+        </p:nvCxnSpPr>
+        <p:spPr>
+          <a:xfrm>
+            <a:off x="4261757" y="3997396"/>
+            <a:ext cx="1689614" cy="490628"/>
+          </a:xfrm>
+          <a:prstGeom prst="straightConnector1">
+            <a:avLst/>
+          </a:prstGeom>
+          <a:ln w="50800">
+            <a:tailEnd type="triangle"/>
+          </a:ln>
+        </p:spPr>
+        <p:style>
+          <a:lnRef idx="1">
+            <a:schemeClr val="accent6"/>
+          </a:lnRef>
+          <a:fillRef idx="0">
+            <a:schemeClr val="accent6"/>
+          </a:fillRef>
+          <a:effectRef idx="0">
+            <a:schemeClr val="accent6"/>
+          </a:effectRef>
+          <a:fontRef idx="minor">
+            <a:schemeClr val="tx1"/>
+          </a:fontRef>
+        </p:style>
+      </p:cxnSp>
+      <p:sp>
+        <p:nvSpPr>
+          <p:cNvPr id="8" name="Arrow: Right 7">
+            <a:extLst>
+              <a:ext uri="{FF2B5EF4-FFF2-40B4-BE49-F238E27FC236}">
+                <a16:creationId xmlns:a16="http://schemas.microsoft.com/office/drawing/2014/main" id="{25BD3FE5-5BA0-48FE-B758-52C44C0D1DC1}"/>
+              </a:ext>
+            </a:extLst>
+          </p:cNvPr>
+          <p:cNvSpPr/>
+          <p:nvPr/>
+        </p:nvSpPr>
+        <p:spPr>
+          <a:xfrm rot="10800000">
+            <a:off x="7770836" y="3134313"/>
+            <a:ext cx="1411331" cy="825759"/>
+          </a:xfrm>
+          <a:prstGeom prst="rightArrow">
+            <a:avLst/>
+          </a:prstGeom>
+        </p:spPr>
+        <p:style>
+          <a:lnRef idx="2">
+            <a:schemeClr val="accent1">
+              <a:shade val="50000"/>
+            </a:schemeClr>
+          </a:lnRef>
+          <a:fillRef idx="1">
+            <a:schemeClr val="accent1"/>
+          </a:fillRef>
+          <a:effectRef idx="0">
+            <a:schemeClr val="accent1"/>
+          </a:effectRef>
+          <a:fontRef idx="minor">
+            <a:schemeClr val="lt1"/>
+          </a:fontRef>
+        </p:style>
+        <p:txBody>
+          <a:bodyPr rtlCol="0" anchor="ctr"/>
+          <a:lstStyle/>
+          <a:p>
+            <a:pPr algn="ctr"/>
+            <a:endParaRPr lang="en-GB"/>
+          </a:p>
+        </p:txBody>
+      </p:sp>
+      <p:sp>
+        <p:nvSpPr>
+          <p:cNvPr id="30" name="TextBox 29">
+            <a:extLst>
+              <a:ext uri="{FF2B5EF4-FFF2-40B4-BE49-F238E27FC236}">
+                <a16:creationId xmlns:a16="http://schemas.microsoft.com/office/drawing/2014/main" id="{20D77E3C-AC7F-43B7-8FF2-980322AACB93}"/>
+              </a:ext>
+            </a:extLst>
+          </p:cNvPr>
+          <p:cNvSpPr txBox="1"/>
+          <p:nvPr/>
+        </p:nvSpPr>
+        <p:spPr>
+          <a:xfrm>
+            <a:off x="9300027" y="3199941"/>
+            <a:ext cx="2070867" cy="649536"/>
+          </a:xfrm>
+          <a:prstGeom prst="rect">
+            <a:avLst/>
+          </a:prstGeom>
+        </p:spPr>
+        <p:style>
+          <a:lnRef idx="2">
+            <a:schemeClr val="accent6">
+              <a:shade val="50000"/>
+            </a:schemeClr>
+          </a:lnRef>
+          <a:fillRef idx="1">
+            <a:schemeClr val="accent6"/>
+          </a:fillRef>
+          <a:effectRef idx="0">
+            <a:schemeClr val="accent6"/>
+          </a:effectRef>
+          <a:fontRef idx="minor">
+            <a:schemeClr val="lt1"/>
+          </a:fontRef>
+        </p:style>
+        <p:txBody>
+          <a:bodyPr rtlCol="0" anchor="ctr"/>
+          <a:lstStyle>
+            <a:defPPr>
+              <a:defRPr lang="en-US"/>
+            </a:defPPr>
+            <a:lvl1pPr algn="ctr">
+              <a:defRPr>
+                <a:solidFill>
+                  <a:schemeClr val="lt1"/>
+                </a:solidFill>
+                <a:latin typeface="Segoe UI" panose="020B0502040204020203" pitchFamily="34" charset="0"/>
+                <a:cs typeface="Segoe UI" panose="020B0502040204020203" pitchFamily="34" charset="0"/>
+              </a:defRPr>
+            </a:lvl1pPr>
+            <a:lvl2pPr>
+              <a:defRPr>
+                <a:solidFill>
+                  <a:schemeClr val="lt1"/>
+                </a:solidFill>
+              </a:defRPr>
+            </a:lvl2pPr>
+            <a:lvl3pPr>
+              <a:defRPr>
+                <a:solidFill>
+                  <a:schemeClr val="lt1"/>
+                </a:solidFill>
+              </a:defRPr>
+            </a:lvl3pPr>
+            <a:lvl4pPr>
+              <a:defRPr>
+                <a:solidFill>
+                  <a:schemeClr val="lt1"/>
+                </a:solidFill>
+              </a:defRPr>
+            </a:lvl4pPr>
+            <a:lvl5pPr>
+              <a:defRPr>
+                <a:solidFill>
+                  <a:schemeClr val="lt1"/>
+                </a:solidFill>
+              </a:defRPr>
+            </a:lvl5pPr>
+            <a:lvl6pPr>
+              <a:defRPr>
+                <a:solidFill>
+                  <a:schemeClr val="lt1"/>
+                </a:solidFill>
+              </a:defRPr>
+            </a:lvl6pPr>
+            <a:lvl7pPr>
+              <a:defRPr>
+                <a:solidFill>
+                  <a:schemeClr val="lt1"/>
+                </a:solidFill>
+              </a:defRPr>
+            </a:lvl7pPr>
+            <a:lvl8pPr>
+              <a:defRPr>
+                <a:solidFill>
+                  <a:schemeClr val="lt1"/>
+                </a:solidFill>
+              </a:defRPr>
+            </a:lvl8pPr>
+            <a:lvl9pPr>
+              <a:defRPr>
+                <a:solidFill>
+                  <a:schemeClr val="lt1"/>
+                </a:solidFill>
+              </a:defRPr>
+            </a:lvl9pPr>
+          </a:lstStyle>
+          <a:p>
+            <a:r>
+              <a:rPr lang="en-GB" dirty="0"/>
+              <a:t>Web Components</a:t>
+            </a:r>
+          </a:p>
+        </p:txBody>
+      </p:sp>
+      <p:sp>
+        <p:nvSpPr>
+          <p:cNvPr id="7" name="TextBox 6">
+            <a:extLst>
+              <a:ext uri="{FF2B5EF4-FFF2-40B4-BE49-F238E27FC236}">
+                <a16:creationId xmlns:a16="http://schemas.microsoft.com/office/drawing/2014/main" id="{E43BE3A4-2CE9-4073-B059-EA24D3386969}"/>
+              </a:ext>
+            </a:extLst>
+          </p:cNvPr>
+          <p:cNvSpPr txBox="1"/>
+          <p:nvPr/>
+        </p:nvSpPr>
+        <p:spPr>
+          <a:xfrm>
+            <a:off x="9461241" y="4416299"/>
+            <a:ext cx="1844351" cy="646331"/>
+          </a:xfrm>
+          <a:prstGeom prst="rect">
+            <a:avLst/>
+          </a:prstGeom>
+          <a:noFill/>
+        </p:spPr>
+        <p:txBody>
+          <a:bodyPr wrap="square" rtlCol="0">
+            <a:spAutoFit/>
+          </a:bodyPr>
+          <a:lstStyle/>
+          <a:p>
+            <a:r>
+              <a:rPr lang="en-GB" dirty="0"/>
+              <a:t>WP PHP PAGES</a:t>
+            </a:r>
+          </a:p>
+          <a:p>
+            <a:r>
+              <a:rPr lang="en-GB" dirty="0"/>
+              <a:t>Gutenberg Blocks</a:t>
+            </a:r>
+          </a:p>
+        </p:txBody>
+      </p:sp>
+      <p:cxnSp>
+        <p:nvCxnSpPr>
+          <p:cNvPr id="34" name="Straight Arrow Connector 33">
+            <a:extLst>
+              <a:ext uri="{FF2B5EF4-FFF2-40B4-BE49-F238E27FC236}">
+                <a16:creationId xmlns:a16="http://schemas.microsoft.com/office/drawing/2014/main" id="{3224BDD2-743D-4365-AF4A-A42C3D6B51E2}"/>
+              </a:ext>
+            </a:extLst>
+          </p:cNvPr>
+          <p:cNvCxnSpPr>
+            <a:cxnSpLocks/>
+          </p:cNvCxnSpPr>
+          <p:nvPr/>
+        </p:nvCxnSpPr>
+        <p:spPr>
+          <a:xfrm>
+            <a:off x="10319390" y="3873562"/>
+            <a:ext cx="8035" cy="562723"/>
+          </a:xfrm>
+          <a:prstGeom prst="straightConnector1">
+            <a:avLst/>
+          </a:prstGeom>
+          <a:ln w="38100">
+            <a:solidFill>
+              <a:schemeClr val="accent1">
+                <a:lumMod val="75000"/>
+              </a:schemeClr>
+            </a:solidFill>
+            <a:tailEnd type="triangle"/>
+          </a:ln>
+        </p:spPr>
+        <p:style>
+          <a:lnRef idx="1">
+            <a:schemeClr val="accent1"/>
+          </a:lnRef>
+          <a:fillRef idx="0">
+            <a:schemeClr val="accent1"/>
+          </a:fillRef>
+          <a:effectRef idx="0">
+            <a:schemeClr val="accent1"/>
+          </a:effectRef>
+          <a:fontRef idx="minor">
+            <a:schemeClr val="tx1"/>
+          </a:fontRef>
+        </p:style>
+      </p:cxnSp>
+      <p:pic>
+        <p:nvPicPr>
+          <p:cNvPr id="10" name="Graphic 9" descr="Smiling face with no fill">
+            <a:extLst>
+              <a:ext uri="{FF2B5EF4-FFF2-40B4-BE49-F238E27FC236}">
+                <a16:creationId xmlns:a16="http://schemas.microsoft.com/office/drawing/2014/main" id="{948FA2EF-7A78-4EE3-B2FE-AE0D3A001999}"/>
+              </a:ext>
+            </a:extLst>
+          </p:cNvPr>
+          <p:cNvPicPr>
+            <a:picLocks noChangeAspect="1"/>
+          </p:cNvPicPr>
+          <p:nvPr/>
+        </p:nvPicPr>
+        <p:blipFill>
+          <a:blip r:embed="rId2">
+            <a:extLst>
+              <a:ext uri="{28A0092B-C50C-407E-A947-70E740481C1C}">
+                <a14:useLocalDpi xmlns:a14="http://schemas.microsoft.com/office/drawing/2010/main" val="0"/>
+              </a:ext>
+              <a:ext uri="{96DAC541-7B7A-43D3-8B79-37D633B846F1}">
+                <asvg:svgBlip xmlns:asvg="http://schemas.microsoft.com/office/drawing/2016/SVG/main" r:embed="rId3"/>
+              </a:ext>
+            </a:extLst>
+          </a:blip>
+          <a:stretch>
+            <a:fillRect/>
+          </a:stretch>
+        </p:blipFill>
+        <p:spPr>
+          <a:xfrm>
+            <a:off x="9541349" y="1296525"/>
+            <a:ext cx="1647597" cy="1647597"/>
+          </a:xfrm>
+          <a:prstGeom prst="rect">
+            <a:avLst/>
+          </a:prstGeom>
+        </p:spPr>
+      </p:pic>
+      <p:cxnSp>
+        <p:nvCxnSpPr>
+          <p:cNvPr id="31" name="Straight Arrow Connector 30">
+            <a:extLst>
+              <a:ext uri="{FF2B5EF4-FFF2-40B4-BE49-F238E27FC236}">
+                <a16:creationId xmlns:a16="http://schemas.microsoft.com/office/drawing/2014/main" id="{337058BE-0D49-4EC0-B972-1EBA8C485F2D}"/>
+              </a:ext>
+            </a:extLst>
+          </p:cNvPr>
+          <p:cNvCxnSpPr>
+            <a:cxnSpLocks/>
+          </p:cNvCxnSpPr>
+          <p:nvPr/>
+        </p:nvCxnSpPr>
+        <p:spPr>
+          <a:xfrm flipH="1" flipV="1">
+            <a:off x="6143841" y="1786407"/>
+            <a:ext cx="3019774" cy="1433290"/>
+          </a:xfrm>
+          <a:prstGeom prst="straightConnector1">
+            <a:avLst/>
+          </a:prstGeom>
+          <a:ln w="76200">
+            <a:solidFill>
+              <a:schemeClr val="accent1">
+                <a:lumMod val="75000"/>
+              </a:schemeClr>
+            </a:solidFill>
+            <a:tailEnd type="triangle"/>
+          </a:ln>
+        </p:spPr>
+        <p:style>
+          <a:lnRef idx="1">
+            <a:schemeClr val="accent1"/>
+          </a:lnRef>
+          <a:fillRef idx="0">
+            <a:schemeClr val="accent1"/>
+          </a:fillRef>
+          <a:effectRef idx="0">
+            <a:schemeClr val="accent1"/>
+          </a:effectRef>
+          <a:fontRef idx="minor">
+            <a:schemeClr val="tx1"/>
+          </a:fontRef>
+        </p:style>
+      </p:cxnSp>
+      <p:sp>
+        <p:nvSpPr>
+          <p:cNvPr id="27" name="TextBox 26">
+            <a:extLst>
+              <a:ext uri="{FF2B5EF4-FFF2-40B4-BE49-F238E27FC236}">
+                <a16:creationId xmlns:a16="http://schemas.microsoft.com/office/drawing/2014/main" id="{1794E5C5-20F5-4436-91DA-BD85E1E31CB0}"/>
+              </a:ext>
+            </a:extLst>
+          </p:cNvPr>
+          <p:cNvSpPr txBox="1"/>
+          <p:nvPr/>
+        </p:nvSpPr>
+        <p:spPr>
+          <a:xfrm>
+            <a:off x="9680243" y="834281"/>
+            <a:ext cx="1278294" cy="369332"/>
+          </a:xfrm>
+          <a:prstGeom prst="rect">
+            <a:avLst/>
+          </a:prstGeom>
+          <a:solidFill>
+            <a:schemeClr val="accent1">
+              <a:lumMod val="60000"/>
+              <a:lumOff val="40000"/>
+            </a:schemeClr>
+          </a:solidFill>
+        </p:spPr>
+        <p:style>
+          <a:lnRef idx="2">
+            <a:schemeClr val="accent6">
+              <a:shade val="50000"/>
+            </a:schemeClr>
+          </a:lnRef>
+          <a:fillRef idx="1">
+            <a:schemeClr val="accent6"/>
+          </a:fillRef>
+          <a:effectRef idx="0">
+            <a:schemeClr val="accent6"/>
+          </a:effectRef>
+          <a:fontRef idx="minor">
+            <a:schemeClr val="lt1"/>
+          </a:fontRef>
+        </p:style>
+        <p:txBody>
+          <a:bodyPr rtlCol="0" anchor="ctr"/>
+          <a:lstStyle>
+            <a:defPPr>
+              <a:defRPr lang="en-US"/>
+            </a:defPPr>
+            <a:lvl1pPr algn="ctr">
+              <a:defRPr>
+                <a:solidFill>
+                  <a:schemeClr val="lt1"/>
+                </a:solidFill>
+                <a:latin typeface="Segoe UI" panose="020B0502040204020203" pitchFamily="34" charset="0"/>
+                <a:cs typeface="Segoe UI" panose="020B0502040204020203" pitchFamily="34" charset="0"/>
+              </a:defRPr>
+            </a:lvl1pPr>
+            <a:lvl2pPr>
+              <a:defRPr>
+                <a:solidFill>
+                  <a:schemeClr val="lt1"/>
+                </a:solidFill>
+              </a:defRPr>
+            </a:lvl2pPr>
+            <a:lvl3pPr>
+              <a:defRPr>
+                <a:solidFill>
+                  <a:schemeClr val="lt1"/>
+                </a:solidFill>
+              </a:defRPr>
+            </a:lvl3pPr>
+            <a:lvl4pPr>
+              <a:defRPr>
+                <a:solidFill>
+                  <a:schemeClr val="lt1"/>
+                </a:solidFill>
+              </a:defRPr>
+            </a:lvl4pPr>
+            <a:lvl5pPr>
+              <a:defRPr>
+                <a:solidFill>
+                  <a:schemeClr val="lt1"/>
+                </a:solidFill>
+              </a:defRPr>
+            </a:lvl5pPr>
+            <a:lvl6pPr>
+              <a:defRPr>
+                <a:solidFill>
+                  <a:schemeClr val="lt1"/>
+                </a:solidFill>
+              </a:defRPr>
+            </a:lvl6pPr>
+            <a:lvl7pPr>
+              <a:defRPr>
+                <a:solidFill>
+                  <a:schemeClr val="lt1"/>
+                </a:solidFill>
+              </a:defRPr>
+            </a:lvl7pPr>
+            <a:lvl8pPr>
+              <a:defRPr>
+                <a:solidFill>
+                  <a:schemeClr val="lt1"/>
+                </a:solidFill>
+              </a:defRPr>
+            </a:lvl8pPr>
+            <a:lvl9pPr>
+              <a:defRPr>
+                <a:solidFill>
+                  <a:schemeClr val="lt1"/>
+                </a:solidFill>
+              </a:defRPr>
+            </a:lvl9pPr>
+          </a:lstStyle>
+          <a:p>
+            <a:r>
+              <a:rPr lang="en-GB" dirty="0"/>
+              <a:t>WordPress</a:t>
+            </a:r>
           </a:p>
         </p:txBody>
       </p:sp>
     </p:spTree>
     <p:extLst>
       <p:ext uri="{BB962C8B-B14F-4D97-AF65-F5344CB8AC3E}">
-        <p14:creationId xmlns:p14="http://schemas.microsoft.com/office/powerpoint/2010/main" val="77845080"/>
+        <p14:creationId xmlns:p14="http://schemas.microsoft.com/office/powerpoint/2010/main" val="3043959635"/>
       </p:ext>
     </p:extLst>
   </p:cSld>
@@ -4437,7 +5467,7 @@
                 <a:latin typeface="Segoe UI" panose="020B0502040204020203" pitchFamily="34" charset="0"/>
                 <a:cs typeface="Segoe UI" panose="020B0502040204020203" pitchFamily="34" charset="0"/>
               </a:rPr>
-              <a:t>Types of components</a:t>
+              <a:t>Build tools</a:t>
             </a:r>
           </a:p>
         </p:txBody>
@@ -4466,7 +5496,7 @@
         </p:spPr>
         <p:txBody>
           <a:bodyPr wrap="square" bIns="252000">
-            <a:normAutofit fontScale="92500"/>
+            <a:normAutofit lnSpcReduction="10000"/>
           </a:bodyPr>
           <a:lstStyle/>
           <a:p>
@@ -4486,21 +5516,21 @@
               <a:buNone/>
             </a:pPr>
             <a:r>
-              <a:rPr lang="en-GB" sz="2800" dirty="0">
+              <a:rPr lang="en-GB" sz="3600" dirty="0">
                 <a:solidFill>
                   <a:srgbClr val="2196F3"/>
                 </a:solidFill>
                 <a:latin typeface="Segoe UI" panose="020B0502040204020203" pitchFamily="34" charset="0"/>
                 <a:cs typeface="Segoe UI" panose="020B0502040204020203" pitchFamily="34" charset="0"/>
               </a:rPr>
-              <a:t>These are only limited by JS.</a:t>
+              <a:t>JS compilers (not frameworks):</a:t>
             </a:r>
           </a:p>
           <a:p>
             <a:pPr marL="457200" lvl="1" indent="0">
               <a:buNone/>
             </a:pPr>
-            <a:endParaRPr lang="en-GB" sz="1200" dirty="0">
+            <a:endParaRPr lang="en-GB" sz="1300" dirty="0">
               <a:solidFill>
                 <a:srgbClr val="2196F3"/>
               </a:solidFill>
@@ -4509,144 +5539,63 @@
             </a:endParaRPr>
           </a:p>
           <a:p>
-            <a:pPr marL="457200" lvl="1" indent="0">
-              <a:buNone/>
-            </a:pPr>
-            <a:r>
-              <a:rPr lang="en-GB" sz="2800" dirty="0">
+            <a:pPr marL="914400" lvl="2" indent="0">
+              <a:buNone/>
+            </a:pPr>
+            <a:r>
+              <a:rPr lang="en-GB" sz="3200" dirty="0">
                 <a:solidFill>
                   <a:srgbClr val="2196F3"/>
                 </a:solidFill>
                 <a:latin typeface="Segoe UI" panose="020B0502040204020203" pitchFamily="34" charset="0"/>
                 <a:cs typeface="Segoe UI" panose="020B0502040204020203" pitchFamily="34" charset="0"/>
               </a:rPr>
-              <a:t>We will look at couple of UI components and many more highly functional components that have built in:</a:t>
-            </a:r>
-          </a:p>
-          <a:p>
-            <a:pPr marL="457200" lvl="1" indent="0">
-              <a:buNone/>
-            </a:pPr>
-            <a:endParaRPr lang="en-GB" sz="1200" dirty="0">
-              <a:solidFill>
-                <a:srgbClr val="2196F3"/>
-              </a:solidFill>
-              <a:latin typeface="Segoe UI" panose="020B0502040204020203" pitchFamily="34" charset="0"/>
-              <a:cs typeface="Segoe UI" panose="020B0502040204020203" pitchFamily="34" charset="0"/>
-            </a:endParaRPr>
-          </a:p>
-          <a:p>
-            <a:pPr lvl="1"/>
-            <a:r>
-              <a:rPr lang="en-GB" sz="2800" dirty="0">
+              <a:t>Stencil JS (Part of Ionic)</a:t>
+            </a:r>
+          </a:p>
+          <a:p>
+            <a:pPr marL="914400" lvl="2" indent="0">
+              <a:buNone/>
+            </a:pPr>
+            <a:r>
+              <a:rPr lang="en-GB" sz="3200" dirty="0">
                 <a:solidFill>
                   <a:srgbClr val="2196F3"/>
                 </a:solidFill>
                 <a:latin typeface="Segoe UI" panose="020B0502040204020203" pitchFamily="34" charset="0"/>
                 <a:cs typeface="Segoe UI" panose="020B0502040204020203" pitchFamily="34" charset="0"/>
               </a:rPr>
-              <a:t>Fetch requests.</a:t>
-            </a:r>
-          </a:p>
-          <a:p>
-            <a:pPr lvl="1"/>
-            <a:r>
-              <a:rPr lang="en-GB" sz="2800" dirty="0">
+              <a:t>Lit Element/Lit HTML</a:t>
+            </a:r>
+          </a:p>
+          <a:p>
+            <a:pPr marL="914400" lvl="2" indent="0">
+              <a:buNone/>
+            </a:pPr>
+            <a:r>
+              <a:rPr lang="en-GB" sz="3200" dirty="0">
                 <a:solidFill>
                   <a:srgbClr val="2196F3"/>
                 </a:solidFill>
                 <a:latin typeface="Segoe UI" panose="020B0502040204020203" pitchFamily="34" charset="0"/>
                 <a:cs typeface="Segoe UI" panose="020B0502040204020203" pitchFamily="34" charset="0"/>
               </a:rPr>
-              <a:t>Lazy loading and dynamic loading (scripts/components).</a:t>
-            </a:r>
-          </a:p>
-          <a:p>
-            <a:pPr lvl="1"/>
-            <a:r>
-              <a:rPr lang="en-GB" sz="2800" dirty="0">
+              <a:t>Svelte</a:t>
+            </a:r>
+          </a:p>
+          <a:p>
+            <a:pPr marL="914400" lvl="2" indent="0">
+              <a:buNone/>
+            </a:pPr>
+            <a:r>
+              <a:rPr lang="en-GB" sz="3200" dirty="0">
                 <a:solidFill>
                   <a:srgbClr val="2196F3"/>
                 </a:solidFill>
                 <a:latin typeface="Segoe UI" panose="020B0502040204020203" pitchFamily="34" charset="0"/>
                 <a:cs typeface="Segoe UI" panose="020B0502040204020203" pitchFamily="34" charset="0"/>
               </a:rPr>
-              <a:t>Storing JSON in IndexedDB and rendering it via templates.</a:t>
-            </a:r>
-          </a:p>
-          <a:p>
-            <a:pPr lvl="1"/>
-            <a:r>
-              <a:rPr lang="en-GB" sz="2800" dirty="0">
-                <a:solidFill>
-                  <a:srgbClr val="2196F3"/>
-                </a:solidFill>
-                <a:latin typeface="Segoe UI" panose="020B0502040204020203" pitchFamily="34" charset="0"/>
-                <a:cs typeface="Segoe UI" panose="020B0502040204020203" pitchFamily="34" charset="0"/>
-              </a:rPr>
-              <a:t>Authentication and storage of JSON Web Tokens.</a:t>
-            </a:r>
-          </a:p>
-          <a:p>
-            <a:pPr lvl="1"/>
-            <a:r>
-              <a:rPr lang="en-GB" sz="2800" dirty="0">
-                <a:solidFill>
-                  <a:srgbClr val="2196F3"/>
-                </a:solidFill>
-                <a:latin typeface="Segoe UI" panose="020B0502040204020203" pitchFamily="34" charset="0"/>
-                <a:cs typeface="Segoe UI" panose="020B0502040204020203" pitchFamily="34" charset="0"/>
-              </a:rPr>
-              <a:t>Added offline capability and ‘instant’ pages.</a:t>
-            </a:r>
-          </a:p>
-          <a:p>
-            <a:pPr marL="457200" lvl="1" indent="0">
-              <a:buNone/>
-            </a:pPr>
-            <a:endParaRPr lang="en-GB" sz="1200" dirty="0">
-              <a:solidFill>
-                <a:srgbClr val="2196F3"/>
-              </a:solidFill>
-              <a:latin typeface="Segoe UI" panose="020B0502040204020203" pitchFamily="34" charset="0"/>
-              <a:cs typeface="Segoe UI" panose="020B0502040204020203" pitchFamily="34" charset="0"/>
-            </a:endParaRPr>
-          </a:p>
-          <a:p>
-            <a:pPr marL="457200" lvl="1" indent="0">
-              <a:buNone/>
-            </a:pPr>
-            <a:r>
-              <a:rPr lang="en-GB" sz="2800" dirty="0">
-                <a:solidFill>
-                  <a:srgbClr val="2196F3"/>
-                </a:solidFill>
-                <a:latin typeface="Segoe UI" panose="020B0502040204020203" pitchFamily="34" charset="0"/>
-                <a:cs typeface="Segoe UI" panose="020B0502040204020203" pitchFamily="34" charset="0"/>
-              </a:rPr>
-              <a:t>Let’s see an example: </a:t>
-            </a:r>
-            <a:r>
-              <a:rPr lang="en-GB" sz="2800" dirty="0">
-                <a:latin typeface="Segoe UI" panose="020B0502040204020203" pitchFamily="34" charset="0"/>
-                <a:cs typeface="Segoe UI" panose="020B0502040204020203" pitchFamily="34" charset="0"/>
-              </a:rPr>
-              <a:t>https://49plus.co.uk/udemy-webcomponents/</a:t>
-            </a:r>
-          </a:p>
-          <a:p>
-            <a:pPr marL="457200" lvl="1" indent="0">
-              <a:buNone/>
-            </a:pPr>
-            <a:r>
-              <a:rPr lang="en-GB" sz="2800" dirty="0">
-                <a:solidFill>
-                  <a:srgbClr val="2196F3"/>
-                </a:solidFill>
-                <a:latin typeface="Segoe UI" panose="020B0502040204020203" pitchFamily="34" charset="0"/>
-                <a:cs typeface="Segoe UI" panose="020B0502040204020203" pitchFamily="34" charset="0"/>
-              </a:rPr>
-              <a:t>(Vanilla JS)</a:t>
+              <a:t>Open WC</a:t>
             </a:r>
           </a:p>
           <a:p>
@@ -4665,6 +5614,48 @@
             <a:pPr marL="457200" lvl="1" indent="0">
               <a:buNone/>
             </a:pPr>
+            <a:r>
+              <a:rPr lang="en-GB" sz="3600" dirty="0">
+                <a:solidFill>
+                  <a:srgbClr val="2196F3"/>
+                </a:solidFill>
+                <a:latin typeface="Segoe UI" panose="020B0502040204020203" pitchFamily="34" charset="0"/>
+                <a:cs typeface="Segoe UI" panose="020B0502040204020203" pitchFamily="34" charset="0"/>
+              </a:rPr>
+              <a:t>Wrappers:</a:t>
+            </a:r>
+          </a:p>
+          <a:p>
+            <a:pPr marL="457200" lvl="1" indent="0">
+              <a:buNone/>
+            </a:pPr>
+            <a:endParaRPr lang="en-GB" sz="1600" dirty="0">
+              <a:solidFill>
+                <a:srgbClr val="2196F3"/>
+              </a:solidFill>
+              <a:latin typeface="Segoe UI" panose="020B0502040204020203" pitchFamily="34" charset="0"/>
+              <a:cs typeface="Segoe UI" panose="020B0502040204020203" pitchFamily="34" charset="0"/>
+            </a:endParaRPr>
+          </a:p>
+          <a:p>
+            <a:pPr marL="914400" lvl="2" indent="0">
+              <a:buNone/>
+            </a:pPr>
+            <a:r>
+              <a:rPr lang="en-GB" sz="3200" dirty="0">
+                <a:solidFill>
+                  <a:srgbClr val="2196F3"/>
+                </a:solidFill>
+                <a:latin typeface="Segoe UI" panose="020B0502040204020203" pitchFamily="34" charset="0"/>
+                <a:cs typeface="Segoe UI" panose="020B0502040204020203" pitchFamily="34" charset="0"/>
+              </a:rPr>
+              <a:t>Vue, Angular, React etc have builds that add a web component wrapper.</a:t>
+            </a:r>
+          </a:p>
+          <a:p>
+            <a:pPr marL="457200" lvl="1" indent="0">
+              <a:buNone/>
+            </a:pPr>
             <a:endParaRPr lang="en-GB" sz="3600" dirty="0">
               <a:solidFill>
                 <a:srgbClr val="2196F3"/>
@@ -4677,6 +5668,18 @@
             <a:pPr marL="457200" lvl="1" indent="0">
               <a:buNone/>
             </a:pPr>
+            <a:endParaRPr lang="en-GB" sz="3600" dirty="0">
+              <a:solidFill>
+                <a:srgbClr val="2196F3"/>
+              </a:solidFill>
+              <a:latin typeface="Segoe UI" panose="020B0502040204020203" pitchFamily="34" charset="0"/>
+              <a:cs typeface="Segoe UI" panose="020B0502040204020203" pitchFamily="34" charset="0"/>
+            </a:endParaRPr>
+          </a:p>
+          <a:p>
+            <a:pPr marL="457200" lvl="1" indent="0">
+              <a:buNone/>
+            </a:pPr>
             <a:endParaRPr lang="en-GB" sz="6700" dirty="0">
               <a:solidFill>
                 <a:srgbClr val="2196F3"/>
@@ -4726,7 +5729,7 @@
     </p:spTree>
     <p:extLst>
       <p:ext uri="{BB962C8B-B14F-4D97-AF65-F5344CB8AC3E}">
-        <p14:creationId xmlns:p14="http://schemas.microsoft.com/office/powerpoint/2010/main" val="105346925"/>
+        <p14:creationId xmlns:p14="http://schemas.microsoft.com/office/powerpoint/2010/main" val="77845080"/>
       </p:ext>
     </p:extLst>
   </p:cSld>
@@ -4755,6 +5758,362 @@
       </p:grpSpPr>
       <p:sp>
         <p:nvSpPr>
+          <p:cNvPr id="2" name="Title 1">
+            <a:extLst>
+              <a:ext uri="{FF2B5EF4-FFF2-40B4-BE49-F238E27FC236}">
+                <a16:creationId xmlns:a16="http://schemas.microsoft.com/office/drawing/2014/main" id="{5D7568B3-EC9A-45DD-8A17-CFE685194B65}"/>
+              </a:ext>
+            </a:extLst>
+          </p:cNvPr>
+          <p:cNvSpPr>
+            <a:spLocks noGrp="1"/>
+          </p:cNvSpPr>
+          <p:nvPr>
+            <p:ph type="title"/>
+          </p:nvPr>
+        </p:nvSpPr>
+        <p:spPr>
+          <a:xfrm>
+            <a:off x="838200" y="0"/>
+            <a:ext cx="10515600" cy="1325563"/>
+          </a:xfrm>
+          <a:solidFill>
+            <a:srgbClr val="2196F3"/>
+          </a:solidFill>
+        </p:spPr>
+        <p:txBody>
+          <a:bodyPr>
+            <a:normAutofit/>
+          </a:bodyPr>
+          <a:lstStyle/>
+          <a:p>
+            <a:pPr algn="ctr"/>
+            <a:r>
+              <a:rPr lang="en-GB" sz="6600" dirty="0">
+                <a:solidFill>
+                  <a:schemeClr val="bg1"/>
+                </a:solidFill>
+                <a:latin typeface="Segoe UI" panose="020B0502040204020203" pitchFamily="34" charset="0"/>
+                <a:cs typeface="Segoe UI" panose="020B0502040204020203" pitchFamily="34" charset="0"/>
+              </a:rPr>
+              <a:t>Types of components</a:t>
+            </a:r>
+          </a:p>
+        </p:txBody>
+      </p:sp>
+      <p:sp>
+        <p:nvSpPr>
+          <p:cNvPr id="4" name="Content Placeholder 2">
+            <a:extLst>
+              <a:ext uri="{FF2B5EF4-FFF2-40B4-BE49-F238E27FC236}">
+                <a16:creationId xmlns:a16="http://schemas.microsoft.com/office/drawing/2014/main" id="{088CCB65-11B4-408B-9ED3-1304FE85032F}"/>
+              </a:ext>
+            </a:extLst>
+          </p:cNvPr>
+          <p:cNvSpPr>
+            <a:spLocks noGrp="1"/>
+          </p:cNvSpPr>
+          <p:nvPr>
+            <p:ph idx="1"/>
+          </p:nvPr>
+        </p:nvSpPr>
+        <p:spPr>
+          <a:xfrm>
+            <a:off x="838200" y="1325563"/>
+            <a:ext cx="10515600" cy="5326907"/>
+          </a:xfrm>
+        </p:spPr>
+        <p:txBody>
+          <a:bodyPr wrap="square" bIns="252000">
+            <a:normAutofit fontScale="92500"/>
+          </a:bodyPr>
+          <a:lstStyle/>
+          <a:p>
+            <a:pPr marL="457200" lvl="1" indent="0" algn="ctr">
+              <a:buNone/>
+            </a:pPr>
+            <a:endParaRPr lang="en-GB" sz="1600" dirty="0">
+              <a:solidFill>
+                <a:srgbClr val="2196F3"/>
+              </a:solidFill>
+              <a:latin typeface="Segoe UI" panose="020B0502040204020203" pitchFamily="34" charset="0"/>
+              <a:cs typeface="Segoe UI" panose="020B0502040204020203" pitchFamily="34" charset="0"/>
+            </a:endParaRPr>
+          </a:p>
+          <a:p>
+            <a:pPr marL="457200" lvl="1" indent="0">
+              <a:buNone/>
+            </a:pPr>
+            <a:r>
+              <a:rPr lang="en-GB" sz="2800" dirty="0">
+                <a:solidFill>
+                  <a:srgbClr val="2196F3"/>
+                </a:solidFill>
+                <a:latin typeface="Segoe UI" panose="020B0502040204020203" pitchFamily="34" charset="0"/>
+                <a:cs typeface="Segoe UI" panose="020B0502040204020203" pitchFamily="34" charset="0"/>
+              </a:rPr>
+              <a:t>These are only limited by JS.</a:t>
+            </a:r>
+          </a:p>
+          <a:p>
+            <a:pPr marL="457200" lvl="1" indent="0">
+              <a:buNone/>
+            </a:pPr>
+            <a:endParaRPr lang="en-GB" sz="1200" dirty="0">
+              <a:solidFill>
+                <a:srgbClr val="2196F3"/>
+              </a:solidFill>
+              <a:latin typeface="Segoe UI" panose="020B0502040204020203" pitchFamily="34" charset="0"/>
+              <a:cs typeface="Segoe UI" panose="020B0502040204020203" pitchFamily="34" charset="0"/>
+            </a:endParaRPr>
+          </a:p>
+          <a:p>
+            <a:pPr marL="457200" lvl="1" indent="0">
+              <a:buNone/>
+            </a:pPr>
+            <a:r>
+              <a:rPr lang="en-GB" sz="2800" dirty="0">
+                <a:solidFill>
+                  <a:srgbClr val="2196F3"/>
+                </a:solidFill>
+                <a:latin typeface="Segoe UI" panose="020B0502040204020203" pitchFamily="34" charset="0"/>
+                <a:cs typeface="Segoe UI" panose="020B0502040204020203" pitchFamily="34" charset="0"/>
+              </a:rPr>
+              <a:t>We will look at couple of UI components and many more highly functional components that have built in:</a:t>
+            </a:r>
+          </a:p>
+          <a:p>
+            <a:pPr marL="457200" lvl="1" indent="0">
+              <a:buNone/>
+            </a:pPr>
+            <a:endParaRPr lang="en-GB" sz="1200" dirty="0">
+              <a:solidFill>
+                <a:srgbClr val="2196F3"/>
+              </a:solidFill>
+              <a:latin typeface="Segoe UI" panose="020B0502040204020203" pitchFamily="34" charset="0"/>
+              <a:cs typeface="Segoe UI" panose="020B0502040204020203" pitchFamily="34" charset="0"/>
+            </a:endParaRPr>
+          </a:p>
+          <a:p>
+            <a:pPr lvl="1"/>
+            <a:r>
+              <a:rPr lang="en-GB" sz="2800" dirty="0">
+                <a:solidFill>
+                  <a:srgbClr val="2196F3"/>
+                </a:solidFill>
+                <a:latin typeface="Segoe UI" panose="020B0502040204020203" pitchFamily="34" charset="0"/>
+                <a:cs typeface="Segoe UI" panose="020B0502040204020203" pitchFamily="34" charset="0"/>
+              </a:rPr>
+              <a:t>Fetch requests.</a:t>
+            </a:r>
+          </a:p>
+          <a:p>
+            <a:pPr lvl="1"/>
+            <a:r>
+              <a:rPr lang="en-GB" sz="2800" dirty="0">
+                <a:solidFill>
+                  <a:srgbClr val="2196F3"/>
+                </a:solidFill>
+                <a:latin typeface="Segoe UI" panose="020B0502040204020203" pitchFamily="34" charset="0"/>
+                <a:cs typeface="Segoe UI" panose="020B0502040204020203" pitchFamily="34" charset="0"/>
+              </a:rPr>
+              <a:t>Lazy loading and dynamic loading (scripts/components).</a:t>
+            </a:r>
+          </a:p>
+          <a:p>
+            <a:pPr lvl="1"/>
+            <a:r>
+              <a:rPr lang="en-GB" sz="2800" dirty="0">
+                <a:solidFill>
+                  <a:srgbClr val="2196F3"/>
+                </a:solidFill>
+                <a:latin typeface="Segoe UI" panose="020B0502040204020203" pitchFamily="34" charset="0"/>
+                <a:cs typeface="Segoe UI" panose="020B0502040204020203" pitchFamily="34" charset="0"/>
+              </a:rPr>
+              <a:t>Storing JSON in IndexedDB and rendering it via templates.</a:t>
+            </a:r>
+          </a:p>
+          <a:p>
+            <a:pPr lvl="1"/>
+            <a:r>
+              <a:rPr lang="en-GB" sz="2800" dirty="0">
+                <a:solidFill>
+                  <a:srgbClr val="2196F3"/>
+                </a:solidFill>
+                <a:latin typeface="Segoe UI" panose="020B0502040204020203" pitchFamily="34" charset="0"/>
+                <a:cs typeface="Segoe UI" panose="020B0502040204020203" pitchFamily="34" charset="0"/>
+              </a:rPr>
+              <a:t>Authentication and storage of JSON Web Tokens.</a:t>
+            </a:r>
+          </a:p>
+          <a:p>
+            <a:pPr lvl="1"/>
+            <a:r>
+              <a:rPr lang="en-GB" sz="2800" dirty="0">
+                <a:solidFill>
+                  <a:srgbClr val="2196F3"/>
+                </a:solidFill>
+                <a:latin typeface="Segoe UI" panose="020B0502040204020203" pitchFamily="34" charset="0"/>
+                <a:cs typeface="Segoe UI" panose="020B0502040204020203" pitchFamily="34" charset="0"/>
+              </a:rPr>
+              <a:t>Added offline capability and ‘instant’ pages.</a:t>
+            </a:r>
+          </a:p>
+          <a:p>
+            <a:pPr marL="457200" lvl="1" indent="0">
+              <a:buNone/>
+            </a:pPr>
+            <a:endParaRPr lang="en-GB" sz="1200" dirty="0">
+              <a:solidFill>
+                <a:srgbClr val="2196F3"/>
+              </a:solidFill>
+              <a:latin typeface="Segoe UI" panose="020B0502040204020203" pitchFamily="34" charset="0"/>
+              <a:cs typeface="Segoe UI" panose="020B0502040204020203" pitchFamily="34" charset="0"/>
+            </a:endParaRPr>
+          </a:p>
+          <a:p>
+            <a:pPr marL="457200" lvl="1" indent="0">
+              <a:buNone/>
+            </a:pPr>
+            <a:r>
+              <a:rPr lang="en-GB" sz="2800" dirty="0">
+                <a:solidFill>
+                  <a:srgbClr val="2196F3"/>
+                </a:solidFill>
+                <a:latin typeface="Segoe UI" panose="020B0502040204020203" pitchFamily="34" charset="0"/>
+                <a:cs typeface="Segoe UI" panose="020B0502040204020203" pitchFamily="34" charset="0"/>
+              </a:rPr>
+              <a:t>Let’s see an example: </a:t>
+            </a:r>
+            <a:r>
+              <a:rPr lang="en-GB" sz="2800" dirty="0">
+                <a:latin typeface="Segoe UI" panose="020B0502040204020203" pitchFamily="34" charset="0"/>
+                <a:cs typeface="Segoe UI" panose="020B0502040204020203" pitchFamily="34" charset="0"/>
+              </a:rPr>
+              <a:t>https://49plus.co.uk/udemy-webcomponents/</a:t>
+            </a:r>
+          </a:p>
+          <a:p>
+            <a:pPr marL="457200" lvl="1" indent="0">
+              <a:buNone/>
+            </a:pPr>
+            <a:r>
+              <a:rPr lang="en-GB" sz="2800" dirty="0">
+                <a:solidFill>
+                  <a:srgbClr val="2196F3"/>
+                </a:solidFill>
+                <a:latin typeface="Segoe UI" panose="020B0502040204020203" pitchFamily="34" charset="0"/>
+                <a:cs typeface="Segoe UI" panose="020B0502040204020203" pitchFamily="34" charset="0"/>
+              </a:rPr>
+              <a:t>(Vanilla JS)</a:t>
+            </a:r>
+          </a:p>
+          <a:p>
+            <a:pPr marL="457200" lvl="1" indent="0">
+              <a:buNone/>
+            </a:pPr>
+            <a:endParaRPr lang="en-GB" sz="3600" dirty="0">
+              <a:solidFill>
+                <a:srgbClr val="2196F3"/>
+              </a:solidFill>
+              <a:latin typeface="Segoe UI" panose="020B0502040204020203" pitchFamily="34" charset="0"/>
+              <a:cs typeface="Segoe UI" panose="020B0502040204020203" pitchFamily="34" charset="0"/>
+            </a:endParaRPr>
+          </a:p>
+          <a:p>
+            <a:pPr marL="457200" lvl="1" indent="0">
+              <a:buNone/>
+            </a:pPr>
+            <a:endParaRPr lang="en-GB" sz="3600" dirty="0">
+              <a:solidFill>
+                <a:srgbClr val="2196F3"/>
+              </a:solidFill>
+              <a:latin typeface="Segoe UI" panose="020B0502040204020203" pitchFamily="34" charset="0"/>
+              <a:cs typeface="Segoe UI" panose="020B0502040204020203" pitchFamily="34" charset="0"/>
+            </a:endParaRPr>
+          </a:p>
+          <a:p>
+            <a:pPr marL="457200" lvl="1" indent="0">
+              <a:buNone/>
+            </a:pPr>
+            <a:endParaRPr lang="en-GB" sz="6700" dirty="0">
+              <a:solidFill>
+                <a:srgbClr val="2196F3"/>
+              </a:solidFill>
+              <a:latin typeface="Segoe UI" panose="020B0502040204020203" pitchFamily="34" charset="0"/>
+              <a:cs typeface="Segoe UI" panose="020B0502040204020203" pitchFamily="34" charset="0"/>
+            </a:endParaRPr>
+          </a:p>
+          <a:p>
+            <a:pPr marL="457200" lvl="1" indent="0">
+              <a:buNone/>
+            </a:pPr>
+            <a:endParaRPr lang="en-GB" sz="6700" dirty="0">
+              <a:solidFill>
+                <a:srgbClr val="2196F3"/>
+              </a:solidFill>
+              <a:latin typeface="Segoe UI" panose="020B0502040204020203" pitchFamily="34" charset="0"/>
+              <a:cs typeface="Segoe UI" panose="020B0502040204020203" pitchFamily="34" charset="0"/>
+            </a:endParaRPr>
+          </a:p>
+          <a:p>
+            <a:pPr marL="457200" lvl="1" indent="0">
+              <a:buNone/>
+            </a:pPr>
+            <a:endParaRPr lang="en-GB" sz="6700" dirty="0">
+              <a:latin typeface="Segoe UI" panose="020B0502040204020203" pitchFamily="34" charset="0"/>
+              <a:cs typeface="Segoe UI" panose="020B0502040204020203" pitchFamily="34" charset="0"/>
+            </a:endParaRPr>
+          </a:p>
+          <a:p>
+            <a:pPr marL="0" indent="0">
+              <a:buNone/>
+            </a:pPr>
+            <a:endParaRPr lang="en-GB" dirty="0">
+              <a:latin typeface="Segoe UI" panose="020B0502040204020203" pitchFamily="34" charset="0"/>
+              <a:cs typeface="Segoe UI" panose="020B0502040204020203" pitchFamily="34" charset="0"/>
+            </a:endParaRPr>
+          </a:p>
+          <a:p>
+            <a:endParaRPr lang="en-GB" dirty="0">
+              <a:latin typeface="Segoe UI" panose="020B0502040204020203" pitchFamily="34" charset="0"/>
+              <a:cs typeface="Segoe UI" panose="020B0502040204020203" pitchFamily="34" charset="0"/>
+            </a:endParaRPr>
+          </a:p>
+        </p:txBody>
+      </p:sp>
+    </p:spTree>
+    <p:extLst>
+      <p:ext uri="{BB962C8B-B14F-4D97-AF65-F5344CB8AC3E}">
+        <p14:creationId xmlns:p14="http://schemas.microsoft.com/office/powerpoint/2010/main" val="105346925"/>
+      </p:ext>
+    </p:extLst>
+  </p:cSld>
+  <p:clrMapOvr>
+    <a:masterClrMapping/>
+  </p:clrMapOvr>
+</p:sld>
+</file>
+
+<file path=ppt/slides/slide13.xml><?xml version="1.0" encoding="utf-8"?>
+<p:sld xmlns:a="http://schemas.openxmlformats.org/drawingml/2006/main" xmlns:r="http://schemas.openxmlformats.org/officeDocument/2006/relationships" xmlns:p="http://schemas.openxmlformats.org/presentationml/2006/main">
+  <p:cSld>
+    <p:spTree>
+      <p:nvGrpSpPr>
+        <p:cNvPr id="1" name=""/>
+        <p:cNvGrpSpPr/>
+        <p:nvPr/>
+      </p:nvGrpSpPr>
+      <p:grpSpPr>
+        <a:xfrm>
+          <a:off x="0" y="0"/>
+          <a:ext cx="0" cy="0"/>
+          <a:chOff x="0" y="0"/>
+          <a:chExt cx="0" cy="0"/>
+        </a:xfrm>
+      </p:grpSpPr>
+      <p:sp>
+        <p:nvSpPr>
           <p:cNvPr id="3" name="Content Placeholder 2">
             <a:extLst>
               <a:ext uri="{FF2B5EF4-FFF2-40B4-BE49-F238E27FC236}">
@@ -4990,7 +6349,7 @@
 </p:sld>
 </file>
 
-<file path=ppt/slides/slide13.xml><?xml version="1.0" encoding="utf-8"?>
+<file path=ppt/slides/slide14.xml><?xml version="1.0" encoding="utf-8"?>
 <p:sld xmlns:a="http://schemas.openxmlformats.org/drawingml/2006/main" xmlns:r="http://schemas.openxmlformats.org/officeDocument/2006/relationships" xmlns:p="http://schemas.openxmlformats.org/presentationml/2006/main">
   <p:cSld>
     <p:spTree>
@@ -6040,8 +7399,25 @@
                 <a:latin typeface="Segoe UI" panose="020B0502040204020203" pitchFamily="34" charset="0"/>
                 <a:cs typeface="Segoe UI" panose="020B0502040204020203" pitchFamily="34" charset="0"/>
               </a:rPr>
-              <a:t>Web Components</a:t>
-            </a:r>
+              <a:t>In </a:t>
+            </a:r>
+            <a:r>
+              <a:rPr lang="en-GB" sz="6600">
+                <a:solidFill>
+                  <a:schemeClr val="bg1"/>
+                </a:solidFill>
+                <a:latin typeface="Segoe UI" panose="020B0502040204020203" pitchFamily="34" charset="0"/>
+                <a:cs typeface="Segoe UI" panose="020B0502040204020203" pitchFamily="34" charset="0"/>
+              </a:rPr>
+              <a:t>this talk…</a:t>
+            </a:r>
+            <a:endParaRPr lang="en-GB" sz="6600" dirty="0">
+              <a:solidFill>
+                <a:schemeClr val="bg1"/>
+              </a:solidFill>
+              <a:latin typeface="Segoe UI" panose="020B0502040204020203" pitchFamily="34" charset="0"/>
+              <a:cs typeface="Segoe UI" panose="020B0502040204020203" pitchFamily="34" charset="0"/>
+            </a:endParaRPr>
           </a:p>
         </p:txBody>
       </p:sp>
@@ -6752,7 +8128,7 @@
                 <a:latin typeface="Segoe UI" panose="020B0502040204020203" pitchFamily="34" charset="0"/>
                 <a:cs typeface="Segoe UI" panose="020B0502040204020203" pitchFamily="34" charset="0"/>
               </a:rPr>
-              <a:t>What is a Web Component? </a:t>
+              <a:t>What is HTML? </a:t>
             </a:r>
           </a:p>
         </p:txBody>
@@ -6781,23 +8157,14 @@
         </p:spPr>
         <p:txBody>
           <a:bodyPr wrap="square" bIns="252000">
-            <a:normAutofit fontScale="77500" lnSpcReduction="20000"/>
+            <a:normAutofit/>
           </a:bodyPr>
           <a:lstStyle/>
           <a:p>
-            <a:pPr marL="0" indent="0">
-              <a:buNone/>
-            </a:pPr>
-            <a:endParaRPr lang="en-GB" sz="900" dirty="0">
-              <a:latin typeface="Segoe UI" panose="020B0502040204020203" pitchFamily="34" charset="0"/>
-              <a:cs typeface="Segoe UI" panose="020B0502040204020203" pitchFamily="34" charset="0"/>
-            </a:endParaRPr>
-          </a:p>
-          <a:p>
-            <a:pPr marL="457200" lvl="1" indent="0">
-              <a:buNone/>
-            </a:pPr>
-            <a:endParaRPr lang="en-GB" sz="400" dirty="0">
+            <a:pPr marL="0" indent="0" algn="ctr">
+              <a:buNone/>
+            </a:pPr>
+            <a:endParaRPr lang="en-GB" sz="1050" dirty="0">
               <a:solidFill>
                 <a:srgbClr val="2196F3"/>
               </a:solidFill>
@@ -6806,40 +8173,52 @@
             </a:endParaRPr>
           </a:p>
           <a:p>
-            <a:pPr marL="457200" lvl="1" indent="0" algn="ctr">
-              <a:buNone/>
-            </a:pPr>
-            <a:r>
-              <a:rPr lang="en-GB" sz="4300" dirty="0">
+            <a:pPr marL="0" indent="0" algn="ctr">
+              <a:buNone/>
+            </a:pPr>
+            <a:r>
+              <a:rPr lang="en-GB" sz="3600" dirty="0">
                 <a:solidFill>
                   <a:srgbClr val="2196F3"/>
                 </a:solidFill>
                 <a:latin typeface="Segoe UI" panose="020B0502040204020203" pitchFamily="34" charset="0"/>
                 <a:cs typeface="Segoe UI" panose="020B0502040204020203" pitchFamily="34" charset="0"/>
               </a:rPr>
-              <a:t>&lt;my-component&gt;&lt;/my-component&gt;</a:t>
-            </a:r>
-          </a:p>
-          <a:p>
-            <a:pPr marL="457200" lvl="1" indent="0" algn="ctr">
-              <a:buNone/>
-            </a:pPr>
-            <a:r>
-              <a:rPr lang="en-GB" sz="4300" dirty="0">
+              <a:t>&lt;a </a:t>
+            </a:r>
+            <a:r>
+              <a:rPr lang="en-GB" sz="3600" dirty="0" err="1">
                 <a:solidFill>
                   <a:srgbClr val="2196F3"/>
                 </a:solidFill>
                 <a:latin typeface="Segoe UI" panose="020B0502040204020203" pitchFamily="34" charset="0"/>
                 <a:cs typeface="Segoe UI" panose="020B0502040204020203" pitchFamily="34" charset="0"/>
               </a:rPr>
-              <a:t>&lt;script src=“file.js”&gt;&lt;/script&gt;</a:t>
-            </a:r>
-          </a:p>
-          <a:p>
-            <a:pPr marL="457200" lvl="1" indent="0" algn="ctr">
-              <a:buNone/>
-            </a:pPr>
-            <a:endParaRPr lang="en-GB" sz="1100" dirty="0">
+              <a:t>href</a:t>
+            </a:r>
+            <a:r>
+              <a:rPr lang="en-GB" sz="3600" dirty="0">
+                <a:solidFill>
+                  <a:srgbClr val="2196F3"/>
+                </a:solidFill>
+                <a:latin typeface="Segoe UI" panose="020B0502040204020203" pitchFamily="34" charset="0"/>
+                <a:cs typeface="Segoe UI" panose="020B0502040204020203" pitchFamily="34" charset="0"/>
+              </a:rPr>
+              <a:t>=“#” target=“_blank&gt;CLICK EVENT&lt;/a&gt;</a:t>
+            </a:r>
+          </a:p>
+          <a:p>
+            <a:pPr marL="457200" lvl="1" indent="0">
+              <a:buNone/>
+            </a:pPr>
+            <a:r>
+              <a:rPr lang="en-GB" sz="1800" dirty="0">
+                <a:latin typeface="Segoe UI" panose="020B0502040204020203" pitchFamily="34" charset="0"/>
+                <a:cs typeface="Segoe UI" panose="020B0502040204020203" pitchFamily="34" charset="0"/>
+              </a:rPr>
+              <a:t>                          props </a:t>
+            </a:r>
+            <a:endParaRPr lang="en-GB" sz="1800" dirty="0">
               <a:solidFill>
                 <a:srgbClr val="2196F3"/>
               </a:solidFill>
@@ -6848,39 +8227,211 @@
             </a:endParaRPr>
           </a:p>
           <a:p>
-            <a:pPr lvl="1">
-              <a:lnSpc>
-                <a:spcPts val="3600"/>
-              </a:lnSpc>
-            </a:pPr>
-            <a:r>
-              <a:rPr lang="en-GB" sz="3600" dirty="0">
+            <a:pPr marL="457200" lvl="1" indent="0">
+              <a:buNone/>
+            </a:pPr>
+            <a:r>
+              <a:rPr lang="en-GB" sz="2000" dirty="0">
+                <a:latin typeface="Segoe UI" panose="020B0502040204020203" pitchFamily="34" charset="0"/>
+                <a:cs typeface="Segoe UI" panose="020B0502040204020203" pitchFamily="34" charset="0"/>
+              </a:rPr>
+              <a:t>							slot </a:t>
+            </a:r>
+            <a:r>
+              <a:rPr lang="en-GB" sz="2000" dirty="0" err="1">
+                <a:latin typeface="Segoe UI" panose="020B0502040204020203" pitchFamily="34" charset="0"/>
+                <a:cs typeface="Segoe UI" panose="020B0502040204020203" pitchFamily="34" charset="0"/>
+              </a:rPr>
+              <a:t>api</a:t>
+            </a:r>
+            <a:r>
+              <a:rPr lang="en-GB" sz="2000" dirty="0">
+                <a:latin typeface="Segoe UI" panose="020B0502040204020203" pitchFamily="34" charset="0"/>
+                <a:cs typeface="Segoe UI" panose="020B0502040204020203" pitchFamily="34" charset="0"/>
+              </a:rPr>
+              <a:t> &amp; in built click method										</a:t>
+            </a:r>
+            <a:r>
+              <a:rPr lang="en-GB" sz="2000">
+                <a:latin typeface="Segoe UI" panose="020B0502040204020203" pitchFamily="34" charset="0"/>
+                <a:cs typeface="Segoe UI" panose="020B0502040204020203" pitchFamily="34" charset="0"/>
+              </a:rPr>
+              <a:t>	</a:t>
+            </a:r>
+          </a:p>
+          <a:p>
+            <a:pPr marL="457200" lvl="1" indent="0">
+              <a:buNone/>
+            </a:pPr>
+            <a:r>
+              <a:rPr lang="en-GB" sz="2000">
+                <a:latin typeface="Segoe UI" panose="020B0502040204020203" pitchFamily="34" charset="0"/>
+                <a:cs typeface="Segoe UI" panose="020B0502040204020203" pitchFamily="34" charset="0"/>
+              </a:rPr>
+              <a:t>MY </a:t>
+            </a:r>
+            <a:r>
+              <a:rPr lang="en-GB" sz="2000" dirty="0">
+                <a:latin typeface="Segoe UI" panose="020B0502040204020203" pitchFamily="34" charset="0"/>
+                <a:cs typeface="Segoe UI" panose="020B0502040204020203" pitchFamily="34" charset="0"/>
+              </a:rPr>
+              <a:t>FRAME:						</a:t>
+            </a:r>
+          </a:p>
+          <a:p>
+            <a:pPr marL="457200" lvl="1" indent="0">
+              <a:buNone/>
+            </a:pPr>
+            <a:r>
+              <a:rPr lang="en-GB" sz="2000" i="1" dirty="0">
                 <a:solidFill>
                   <a:srgbClr val="2196F3"/>
                 </a:solidFill>
                 <a:latin typeface="Segoe UI" panose="020B0502040204020203" pitchFamily="34" charset="0"/>
                 <a:cs typeface="Segoe UI" panose="020B0502040204020203" pitchFamily="34" charset="0"/>
               </a:rPr>
-              <a:t>Must contain at least one hyphen.</a:t>
-            </a:r>
-          </a:p>
-          <a:p>
-            <a:pPr lvl="1">
-              <a:lnSpc>
-                <a:spcPts val="3600"/>
-              </a:lnSpc>
-            </a:pPr>
-            <a:r>
-              <a:rPr lang="en-GB" sz="3600" dirty="0">
+              <a:t>It is like &lt;a&gt; is syntax to create an instance of a class, </a:t>
+            </a:r>
+            <a:r>
+              <a:rPr lang="en-GB" sz="2000" i="1" dirty="0" err="1">
                 <a:solidFill>
                   <a:srgbClr val="2196F3"/>
                 </a:solidFill>
                 <a:latin typeface="Segoe UI" panose="020B0502040204020203" pitchFamily="34" charset="0"/>
                 <a:cs typeface="Segoe UI" panose="020B0502040204020203" pitchFamily="34" charset="0"/>
               </a:rPr>
-              <a:t>Use just like any HTML tag.</a:t>
-            </a:r>
-            <a:endParaRPr lang="en-GB" sz="1200" dirty="0">
+              <a:t>HTMLAnchorElement</a:t>
+            </a:r>
+            <a:r>
+              <a:rPr lang="en-GB" sz="2000" i="1" dirty="0">
+                <a:solidFill>
+                  <a:srgbClr val="2196F3"/>
+                </a:solidFill>
+                <a:latin typeface="Segoe UI" panose="020B0502040204020203" pitchFamily="34" charset="0"/>
+                <a:cs typeface="Segoe UI" panose="020B0502040204020203" pitchFamily="34" charset="0"/>
+              </a:rPr>
+              <a:t>, which can then have its methods and properties used:</a:t>
+            </a:r>
+          </a:p>
+          <a:p>
+            <a:pPr marL="457200" lvl="1" indent="0">
+              <a:buNone/>
+            </a:pPr>
+            <a:r>
+              <a:rPr lang="en-GB" sz="2000" i="1" dirty="0">
+                <a:solidFill>
+                  <a:srgbClr val="2196F3"/>
+                </a:solidFill>
+                <a:latin typeface="Segoe UI" panose="020B0502040204020203" pitchFamily="34" charset="0"/>
+                <a:cs typeface="Segoe UI" panose="020B0502040204020203" pitchFamily="34" charset="0"/>
+              </a:rPr>
+              <a:t>&lt;a&gt;&lt;/a&gt; === </a:t>
+            </a:r>
+            <a:r>
+              <a:rPr lang="en-GB" sz="2000" i="1" dirty="0" err="1">
+                <a:solidFill>
+                  <a:srgbClr val="2196F3"/>
+                </a:solidFill>
+                <a:latin typeface="Segoe UI" panose="020B0502040204020203" pitchFamily="34" charset="0"/>
+                <a:cs typeface="Segoe UI" panose="020B0502040204020203" pitchFamily="34" charset="0"/>
+              </a:rPr>
+              <a:t>objA</a:t>
+            </a:r>
+            <a:r>
+              <a:rPr lang="en-GB" sz="2000" i="1" dirty="0">
+                <a:solidFill>
+                  <a:srgbClr val="2196F3"/>
+                </a:solidFill>
+                <a:latin typeface="Segoe UI" panose="020B0502040204020203" pitchFamily="34" charset="0"/>
+                <a:cs typeface="Segoe UI" panose="020B0502040204020203" pitchFamily="34" charset="0"/>
+              </a:rPr>
+              <a:t> = new </a:t>
+            </a:r>
+            <a:r>
+              <a:rPr lang="en-GB" sz="2000" i="1" dirty="0" err="1">
+                <a:solidFill>
+                  <a:srgbClr val="00B0F0"/>
+                </a:solidFill>
+                <a:latin typeface="Segoe UI" panose="020B0502040204020203" pitchFamily="34" charset="0"/>
+                <a:cs typeface="Segoe UI" panose="020B0502040204020203" pitchFamily="34" charset="0"/>
+              </a:rPr>
+              <a:t>HTMLAnchorElement</a:t>
+            </a:r>
+            <a:endParaRPr lang="en-GB" sz="2000" i="1" dirty="0">
+              <a:solidFill>
+                <a:srgbClr val="00B0F0"/>
+              </a:solidFill>
+              <a:latin typeface="Segoe UI" panose="020B0502040204020203" pitchFamily="34" charset="0"/>
+              <a:cs typeface="Segoe UI" panose="020B0502040204020203" pitchFamily="34" charset="0"/>
+            </a:endParaRPr>
+          </a:p>
+          <a:p>
+            <a:pPr marL="457200" lvl="1" indent="0">
+              <a:buNone/>
+            </a:pPr>
+            <a:endParaRPr lang="en-GB" sz="2000" i="1" dirty="0">
+              <a:solidFill>
+                <a:srgbClr val="00B0F0"/>
+              </a:solidFill>
+              <a:latin typeface="Segoe UI" panose="020B0502040204020203" pitchFamily="34" charset="0"/>
+              <a:cs typeface="Segoe UI" panose="020B0502040204020203" pitchFamily="34" charset="0"/>
+            </a:endParaRPr>
+          </a:p>
+          <a:p>
+            <a:pPr marL="457200" lvl="1" indent="0">
+              <a:buNone/>
+            </a:pPr>
+            <a:r>
+              <a:rPr lang="en-GB" sz="2000" i="1" dirty="0">
+                <a:solidFill>
+                  <a:srgbClr val="00B0F0"/>
+                </a:solidFill>
+                <a:latin typeface="Segoe UI" panose="020B0502040204020203" pitchFamily="34" charset="0"/>
+                <a:cs typeface="Segoe UI" panose="020B0502040204020203" pitchFamily="34" charset="0"/>
+              </a:rPr>
+              <a:t>Thus with web components in index.html we can do the following:</a:t>
+            </a:r>
+          </a:p>
+          <a:p>
+            <a:pPr marL="457200" lvl="1" indent="0">
+              <a:buNone/>
+            </a:pPr>
+            <a:r>
+              <a:rPr lang="en-GB" sz="2000" i="1" dirty="0">
+                <a:solidFill>
+                  <a:srgbClr val="2196F3"/>
+                </a:solidFill>
+                <a:latin typeface="Segoe UI" panose="020B0502040204020203" pitchFamily="34" charset="0"/>
+                <a:cs typeface="Segoe UI" panose="020B0502040204020203" pitchFamily="34" charset="0"/>
+              </a:rPr>
+              <a:t>document.querySelector(‘my-</a:t>
+            </a:r>
+            <a:r>
+              <a:rPr lang="en-GB" sz="2000" i="1" dirty="0" err="1">
+                <a:solidFill>
+                  <a:srgbClr val="2196F3"/>
+                </a:solidFill>
+                <a:latin typeface="Segoe UI" panose="020B0502040204020203" pitchFamily="34" charset="0"/>
+                <a:cs typeface="Segoe UI" panose="020B0502040204020203" pitchFamily="34" charset="0"/>
+              </a:rPr>
+              <a:t>webcomponent</a:t>
+            </a:r>
+            <a:r>
+              <a:rPr lang="en-GB" sz="2000" i="1" dirty="0">
+                <a:solidFill>
+                  <a:srgbClr val="2196F3"/>
+                </a:solidFill>
+                <a:latin typeface="Segoe UI" panose="020B0502040204020203" pitchFamily="34" charset="0"/>
+                <a:cs typeface="Segoe UI" panose="020B0502040204020203" pitchFamily="34" charset="0"/>
+              </a:rPr>
+              <a:t>’).method()</a:t>
+            </a:r>
+          </a:p>
+          <a:p>
+            <a:pPr marL="457200" lvl="1" indent="0">
+              <a:buNone/>
+            </a:pPr>
+            <a:endParaRPr lang="en-GB" sz="2000" dirty="0">
               <a:solidFill>
                 <a:srgbClr val="2196F3"/>
               </a:solidFill>
@@ -6889,215 +8440,142 @@
             </a:endParaRPr>
           </a:p>
           <a:p>
-            <a:pPr lvl="1">
-              <a:lnSpc>
-                <a:spcPts val="3600"/>
-              </a:lnSpc>
-            </a:pPr>
-            <a:r>
-              <a:rPr lang="en-GB" sz="3600" dirty="0">
-                <a:solidFill>
-                  <a:srgbClr val="2196F3"/>
-                </a:solidFill>
-                <a:latin typeface="Segoe UI" panose="020B0502040204020203" pitchFamily="34" charset="0"/>
-                <a:cs typeface="Segoe UI" panose="020B0502040204020203" pitchFamily="34" charset="0"/>
-              </a:rPr>
-              <a:t>They extend HTMLElement class.</a:t>
-            </a:r>
-          </a:p>
-          <a:p>
-            <a:pPr lvl="1">
-              <a:lnSpc>
-                <a:spcPts val="3600"/>
-              </a:lnSpc>
-            </a:pPr>
-            <a:r>
-              <a:rPr lang="en-GB" sz="3600" dirty="0">
-                <a:solidFill>
-                  <a:srgbClr val="2196F3"/>
-                </a:solidFill>
-                <a:latin typeface="Segoe UI" panose="020B0502040204020203" pitchFamily="34" charset="0"/>
-                <a:cs typeface="Segoe UI" panose="020B0502040204020203" pitchFamily="34" charset="0"/>
-              </a:rPr>
-              <a:t>Hybrids is a non-class based library - https://hybrids.js.org/</a:t>
-            </a:r>
-          </a:p>
-          <a:p>
             <a:pPr marL="457200" lvl="1" indent="0">
               <a:buNone/>
             </a:pPr>
-            <a:endParaRPr lang="en-GB" sz="300" dirty="0">
-              <a:solidFill>
-                <a:srgbClr val="2196F3"/>
-              </a:solidFill>
-              <a:latin typeface="Segoe UI" panose="020B0502040204020203" pitchFamily="34" charset="0"/>
-              <a:cs typeface="Segoe UI" panose="020B0502040204020203" pitchFamily="34" charset="0"/>
-              <a:hlinkClick r:id="rId2">
-                <a:extLst>
-                  <a:ext uri="{A12FA001-AC4F-418D-AE19-62706E023703}">
-                    <ahyp:hlinkClr xmlns:ahyp="http://schemas.microsoft.com/office/drawing/2018/hyperlinkcolor" val="tx"/>
-                  </a:ext>
-                </a:extLst>
-              </a:hlinkClick>
-            </a:endParaRPr>
-          </a:p>
-          <a:p>
-            <a:pPr marL="457200" lvl="1" indent="0">
-              <a:buNone/>
-            </a:pPr>
-            <a:r>
-              <a:rPr lang="en-GB" sz="3600" dirty="0">
-                <a:solidFill>
-                  <a:srgbClr val="2196F3"/>
-                </a:solidFill>
-                <a:latin typeface="Segoe UI" panose="020B0502040204020203" pitchFamily="34" charset="0"/>
-                <a:cs typeface="Segoe UI" panose="020B0502040204020203" pitchFamily="34" charset="0"/>
-                <a:hlinkClick r:id="rId2">
-                  <a:extLst>
-                    <a:ext uri="{A12FA001-AC4F-418D-AE19-62706E023703}">
-                      <ahyp:hlinkClr xmlns:ahyp="http://schemas.microsoft.com/office/drawing/2018/hyperlinkcolor" val="tx"/>
-                    </a:ext>
-                  </a:extLst>
-                </a:hlinkClick>
-              </a:rPr>
-              <a:t>https://www.webcomponents.org/</a:t>
-            </a:r>
-            <a:endParaRPr lang="en-GB" sz="3600" dirty="0">
-              <a:solidFill>
-                <a:srgbClr val="2196F3"/>
-              </a:solidFill>
-              <a:latin typeface="Segoe UI" panose="020B0502040204020203" pitchFamily="34" charset="0"/>
-              <a:cs typeface="Segoe UI" panose="020B0502040204020203" pitchFamily="34" charset="0"/>
-            </a:endParaRPr>
-          </a:p>
-          <a:p>
-            <a:pPr marL="457200" lvl="1" indent="0">
-              <a:buNone/>
-            </a:pPr>
-            <a:endParaRPr lang="en-GB" sz="1300" dirty="0">
-              <a:solidFill>
-                <a:srgbClr val="2196F3"/>
-              </a:solidFill>
-              <a:latin typeface="Segoe UI" panose="020B0502040204020203" pitchFamily="34" charset="0"/>
-              <a:cs typeface="Segoe UI" panose="020B0502040204020203" pitchFamily="34" charset="0"/>
-            </a:endParaRPr>
-          </a:p>
-          <a:p>
-            <a:pPr marL="457200" lvl="1" indent="0">
-              <a:buNone/>
-            </a:pPr>
-            <a:r>
-              <a:rPr lang="en-GB" sz="3600" dirty="0">
-                <a:solidFill>
-                  <a:srgbClr val="2196F3"/>
-                </a:solidFill>
-                <a:latin typeface="Segoe UI" panose="020B0502040204020203" pitchFamily="34" charset="0"/>
-                <a:cs typeface="Segoe UI" panose="020B0502040204020203" pitchFamily="34" charset="0"/>
-                <a:hlinkClick r:id="rId3">
-                  <a:extLst>
-                    <a:ext uri="{A12FA001-AC4F-418D-AE19-62706E023703}">
-                      <ahyp:hlinkClr xmlns:ahyp="http://schemas.microsoft.com/office/drawing/2018/hyperlinkcolor" val="tx"/>
-                    </a:ext>
-                  </a:extLst>
-                </a:hlinkClick>
-              </a:rPr>
-              <a:t>https://custom-elements-everywhere.com/</a:t>
-            </a:r>
-            <a:r>
-              <a:rPr lang="en-GB" sz="3600" dirty="0">
-                <a:solidFill>
-                  <a:srgbClr val="2196F3"/>
-                </a:solidFill>
-                <a:latin typeface="Segoe UI" panose="020B0502040204020203" pitchFamily="34" charset="0"/>
-                <a:cs typeface="Segoe UI" panose="020B0502040204020203" pitchFamily="34" charset="0"/>
-              </a:rPr>
-              <a:t> </a:t>
-            </a:r>
-          </a:p>
-          <a:p>
-            <a:pPr marL="457200" lvl="1" indent="0">
-              <a:buNone/>
-            </a:pPr>
-            <a:r>
-              <a:rPr lang="en-GB" dirty="0">
-                <a:solidFill>
-                  <a:srgbClr val="2196F3"/>
-                </a:solidFill>
-                <a:latin typeface="Segoe UI" panose="020B0502040204020203" pitchFamily="34" charset="0"/>
-                <a:cs typeface="Segoe UI" panose="020B0502040204020203" pitchFamily="34" charset="0"/>
-              </a:rPr>
-              <a:t>(Making sure frameworks and custom elements can be BFFs )</a:t>
-            </a:r>
-            <a:endParaRPr lang="en-GB" sz="3600" dirty="0">
-              <a:solidFill>
-                <a:srgbClr val="2196F3"/>
-              </a:solidFill>
-              <a:latin typeface="Segoe UI" panose="020B0502040204020203" pitchFamily="34" charset="0"/>
-              <a:cs typeface="Segoe UI" panose="020B0502040204020203" pitchFamily="34" charset="0"/>
-            </a:endParaRPr>
-          </a:p>
-          <a:p>
-            <a:pPr marL="457200" lvl="1" indent="0">
-              <a:buNone/>
-            </a:pPr>
-            <a:endParaRPr lang="en-GB" sz="1200" dirty="0">
-              <a:solidFill>
-                <a:srgbClr val="2196F3"/>
-              </a:solidFill>
-              <a:latin typeface="Segoe UI" panose="020B0502040204020203" pitchFamily="34" charset="0"/>
-              <a:cs typeface="Segoe UI" panose="020B0502040204020203" pitchFamily="34" charset="0"/>
-            </a:endParaRPr>
-          </a:p>
-          <a:p>
-            <a:pPr marL="457200" lvl="1" indent="0">
-              <a:buNone/>
-            </a:pPr>
-            <a:endParaRPr lang="en-GB" sz="6700" dirty="0">
-              <a:solidFill>
-                <a:srgbClr val="2196F3"/>
-              </a:solidFill>
-              <a:latin typeface="Segoe UI" panose="020B0502040204020203" pitchFamily="34" charset="0"/>
-              <a:cs typeface="Segoe UI" panose="020B0502040204020203" pitchFamily="34" charset="0"/>
-            </a:endParaRPr>
-          </a:p>
-          <a:p>
-            <a:pPr marL="457200" lvl="1" indent="0">
-              <a:buNone/>
-            </a:pPr>
-            <a:endParaRPr lang="en-GB" sz="6700" dirty="0">
-              <a:solidFill>
-                <a:srgbClr val="2196F3"/>
-              </a:solidFill>
-              <a:latin typeface="Segoe UI" panose="020B0502040204020203" pitchFamily="34" charset="0"/>
-              <a:cs typeface="Segoe UI" panose="020B0502040204020203" pitchFamily="34" charset="0"/>
-            </a:endParaRPr>
-          </a:p>
-          <a:p>
-            <a:pPr marL="457200" lvl="1" indent="0">
-              <a:buNone/>
-            </a:pPr>
-            <a:endParaRPr lang="en-GB" sz="6700" dirty="0">
-              <a:latin typeface="Segoe UI" panose="020B0502040204020203" pitchFamily="34" charset="0"/>
-              <a:cs typeface="Segoe UI" panose="020B0502040204020203" pitchFamily="34" charset="0"/>
-            </a:endParaRPr>
-          </a:p>
-          <a:p>
-            <a:pPr marL="0" indent="0">
-              <a:buNone/>
-            </a:pPr>
-            <a:endParaRPr lang="en-GB" dirty="0">
-              <a:latin typeface="Segoe UI" panose="020B0502040204020203" pitchFamily="34" charset="0"/>
-              <a:cs typeface="Segoe UI" panose="020B0502040204020203" pitchFamily="34" charset="0"/>
-            </a:endParaRPr>
-          </a:p>
-          <a:p>
-            <a:endParaRPr lang="en-GB" dirty="0">
-              <a:latin typeface="Segoe UI" panose="020B0502040204020203" pitchFamily="34" charset="0"/>
-              <a:cs typeface="Segoe UI" panose="020B0502040204020203" pitchFamily="34" charset="0"/>
-            </a:endParaRPr>
-          </a:p>
-        </p:txBody>
-      </p:sp>
+            <a:r>
+              <a:rPr lang="en-GB" sz="2000" dirty="0">
+                <a:latin typeface="Segoe UI" panose="020B0502040204020203" pitchFamily="34" charset="0"/>
+                <a:cs typeface="Segoe UI" panose="020B0502040204020203" pitchFamily="34" charset="0"/>
+              </a:rPr>
+              <a:t>https://developer.mozilla.org/en-US/docs/Web/API/HTMLAnchorElement</a:t>
+            </a:r>
+          </a:p>
+        </p:txBody>
+      </p:sp>
+      <p:cxnSp>
+        <p:nvCxnSpPr>
+          <p:cNvPr id="5" name="Straight Arrow Connector 4">
+            <a:extLst>
+              <a:ext uri="{FF2B5EF4-FFF2-40B4-BE49-F238E27FC236}">
+                <a16:creationId xmlns:a16="http://schemas.microsoft.com/office/drawing/2014/main" id="{EEDCF59B-98C5-4D8D-9EDC-5F14C5E98A23}"/>
+              </a:ext>
+            </a:extLst>
+          </p:cNvPr>
+          <p:cNvCxnSpPr>
+            <a:cxnSpLocks/>
+          </p:cNvCxnSpPr>
+          <p:nvPr/>
+        </p:nvCxnSpPr>
+        <p:spPr>
+          <a:xfrm flipH="1" flipV="1">
+            <a:off x="2550253" y="2085906"/>
+            <a:ext cx="335560" cy="506292"/>
+          </a:xfrm>
+          <a:prstGeom prst="straightConnector1">
+            <a:avLst/>
+          </a:prstGeom>
+          <a:ln w="50800">
+            <a:tailEnd type="triangle"/>
+          </a:ln>
+        </p:spPr>
+        <p:style>
+          <a:lnRef idx="1">
+            <a:schemeClr val="accent1"/>
+          </a:lnRef>
+          <a:fillRef idx="0">
+            <a:schemeClr val="accent1"/>
+          </a:fillRef>
+          <a:effectRef idx="0">
+            <a:schemeClr val="accent1"/>
+          </a:effectRef>
+          <a:fontRef idx="minor">
+            <a:schemeClr val="tx1"/>
+          </a:fontRef>
+        </p:style>
+      </p:cxnSp>
+      <p:cxnSp>
+        <p:nvCxnSpPr>
+          <p:cNvPr id="8" name="Straight Arrow Connector 7">
+            <a:extLst>
+              <a:ext uri="{FF2B5EF4-FFF2-40B4-BE49-F238E27FC236}">
+                <a16:creationId xmlns:a16="http://schemas.microsoft.com/office/drawing/2014/main" id="{8A86BFA2-7BAB-4060-9F65-764DADE73518}"/>
+              </a:ext>
+            </a:extLst>
+          </p:cNvPr>
+          <p:cNvCxnSpPr>
+            <a:cxnSpLocks/>
+          </p:cNvCxnSpPr>
+          <p:nvPr/>
+        </p:nvCxnSpPr>
+        <p:spPr>
+          <a:xfrm flipV="1">
+            <a:off x="3632719" y="2085907"/>
+            <a:ext cx="650352" cy="506291"/>
+          </a:xfrm>
+          <a:prstGeom prst="straightConnector1">
+            <a:avLst/>
+          </a:prstGeom>
+          <a:ln w="50800">
+            <a:tailEnd type="triangle"/>
+          </a:ln>
+        </p:spPr>
+        <p:style>
+          <a:lnRef idx="1">
+            <a:schemeClr val="accent1"/>
+          </a:lnRef>
+          <a:fillRef idx="0">
+            <a:schemeClr val="accent1"/>
+          </a:fillRef>
+          <a:effectRef idx="0">
+            <a:schemeClr val="accent1"/>
+          </a:effectRef>
+          <a:fontRef idx="minor">
+            <a:schemeClr val="tx1"/>
+          </a:fontRef>
+        </p:style>
+      </p:cxnSp>
+      <p:cxnSp>
+        <p:nvCxnSpPr>
+          <p:cNvPr id="14" name="Straight Arrow Connector 13">
+            <a:extLst>
+              <a:ext uri="{FF2B5EF4-FFF2-40B4-BE49-F238E27FC236}">
+                <a16:creationId xmlns:a16="http://schemas.microsoft.com/office/drawing/2014/main" id="{607DA826-7495-45D1-81E3-7623EBC87E8D}"/>
+              </a:ext>
+            </a:extLst>
+          </p:cNvPr>
+          <p:cNvCxnSpPr>
+            <a:cxnSpLocks/>
+          </p:cNvCxnSpPr>
+          <p:nvPr/>
+        </p:nvCxnSpPr>
+        <p:spPr>
+          <a:xfrm flipV="1">
+            <a:off x="8550893" y="2060889"/>
+            <a:ext cx="0" cy="380307"/>
+          </a:xfrm>
+          <a:prstGeom prst="straightConnector1">
+            <a:avLst/>
+          </a:prstGeom>
+          <a:ln w="50800">
+            <a:tailEnd type="triangle"/>
+          </a:ln>
+        </p:spPr>
+        <p:style>
+          <a:lnRef idx="1">
+            <a:schemeClr val="accent1"/>
+          </a:lnRef>
+          <a:fillRef idx="0">
+            <a:schemeClr val="accent1"/>
+          </a:fillRef>
+          <a:effectRef idx="0">
+            <a:schemeClr val="accent1"/>
+          </a:effectRef>
+          <a:fontRef idx="minor">
+            <a:schemeClr val="tx1"/>
+          </a:fontRef>
+        </p:style>
+      </p:cxnSp>
     </p:spTree>
     <p:extLst>
       <p:ext uri="{BB962C8B-B14F-4D97-AF65-F5344CB8AC3E}">
@@ -7168,7 +8646,7 @@
                 <a:latin typeface="Segoe UI" panose="020B0502040204020203" pitchFamily="34" charset="0"/>
                 <a:cs typeface="Segoe UI" panose="020B0502040204020203" pitchFamily="34" charset="0"/>
               </a:rPr>
-              <a:t>COMMUNICATION </a:t>
+              <a:t>What is a Web Component? </a:t>
             </a:r>
           </a:p>
         </p:txBody>
@@ -7197,7 +8675,7 @@
         </p:spPr>
         <p:txBody>
           <a:bodyPr wrap="square" bIns="252000">
-            <a:normAutofit/>
+            <a:normAutofit fontScale="77500" lnSpcReduction="20000"/>
           </a:bodyPr>
           <a:lstStyle/>
           <a:p>
@@ -7222,10 +8700,40 @@
             </a:endParaRPr>
           </a:p>
           <a:p>
-            <a:pPr marL="457200" lvl="1" indent="0">
-              <a:buNone/>
-            </a:pPr>
-            <a:endParaRPr lang="en-GB" sz="2800" dirty="0">
+            <a:pPr marL="457200" lvl="1" indent="0" algn="ctr">
+              <a:buNone/>
+            </a:pPr>
+            <a:r>
+              <a:rPr lang="en-GB" sz="4300" dirty="0">
+                <a:solidFill>
+                  <a:srgbClr val="2196F3"/>
+                </a:solidFill>
+                <a:latin typeface="Segoe UI" panose="020B0502040204020203" pitchFamily="34" charset="0"/>
+                <a:cs typeface="Segoe UI" panose="020B0502040204020203" pitchFamily="34" charset="0"/>
+              </a:rPr>
+              <a:t>&lt;my-component&gt;&lt;/my-component&gt;</a:t>
+            </a:r>
+          </a:p>
+          <a:p>
+            <a:pPr marL="457200" lvl="1" indent="0" algn="ctr">
+              <a:buNone/>
+            </a:pPr>
+            <a:r>
+              <a:rPr lang="en-GB" sz="4300" dirty="0">
+                <a:solidFill>
+                  <a:srgbClr val="2196F3"/>
+                </a:solidFill>
+                <a:latin typeface="Segoe UI" panose="020B0502040204020203" pitchFamily="34" charset="0"/>
+                <a:cs typeface="Segoe UI" panose="020B0502040204020203" pitchFamily="34" charset="0"/>
+              </a:rPr>
+              <a:t>&lt;script src=“file.js”&gt;&lt;/script&gt;</a:t>
+            </a:r>
+          </a:p>
+          <a:p>
+            <a:pPr marL="457200" lvl="1" indent="0" algn="ctr">
+              <a:buNone/>
+            </a:pPr>
+            <a:endParaRPr lang="en-GB" sz="1100" dirty="0">
               <a:solidFill>
                 <a:srgbClr val="2196F3"/>
               </a:solidFill>
@@ -7234,47 +8742,39 @@
             </a:endParaRPr>
           </a:p>
           <a:p>
-            <a:pPr marL="457200" lvl="1" indent="0">
-              <a:buNone/>
-            </a:pPr>
-            <a:r>
-              <a:rPr lang="en-GB" sz="2800" b="1" u="sng" dirty="0">
+            <a:pPr lvl="1">
+              <a:lnSpc>
+                <a:spcPts val="3600"/>
+              </a:lnSpc>
+            </a:pPr>
+            <a:r>
+              <a:rPr lang="en-GB" sz="3600" dirty="0">
                 <a:solidFill>
                   <a:srgbClr val="2196F3"/>
                 </a:solidFill>
                 <a:latin typeface="Segoe UI" panose="020B0502040204020203" pitchFamily="34" charset="0"/>
                 <a:cs typeface="Segoe UI" panose="020B0502040204020203" pitchFamily="34" charset="0"/>
               </a:rPr>
-              <a:t>PROPS DOWN</a:t>
-            </a:r>
-          </a:p>
-          <a:p>
-            <a:pPr marL="457200" lvl="1" indent="0">
-              <a:buNone/>
-            </a:pPr>
-            <a:r>
-              <a:rPr lang="en-GB" sz="2800" dirty="0">
+              <a:t>Must contain at least one hyphen.</a:t>
+            </a:r>
+          </a:p>
+          <a:p>
+            <a:pPr lvl="1">
+              <a:lnSpc>
+                <a:spcPts val="3600"/>
+              </a:lnSpc>
+            </a:pPr>
+            <a:r>
+              <a:rPr lang="en-GB" sz="3600" dirty="0">
                 <a:solidFill>
                   <a:srgbClr val="2196F3"/>
                 </a:solidFill>
                 <a:latin typeface="Segoe UI" panose="020B0502040204020203" pitchFamily="34" charset="0"/>
                 <a:cs typeface="Segoe UI" panose="020B0502040204020203" pitchFamily="34" charset="0"/>
               </a:rPr>
-              <a:t>Demo</a:t>
-            </a:r>
-            <a:r>
-              <a:rPr lang="en-GB" sz="2800" dirty="0">
-                <a:latin typeface="Segoe UI" panose="020B0502040204020203" pitchFamily="34" charset="0"/>
-                <a:cs typeface="Segoe UI" panose="020B0502040204020203" pitchFamily="34" charset="0"/>
-              </a:rPr>
-              <a:t>: 06-library/01-ndc-show-post </a:t>
-            </a:r>
-          </a:p>
-          <a:p>
-            <a:pPr marL="457200" lvl="1" indent="0">
-              <a:buNone/>
-            </a:pPr>
-            <a:endParaRPr lang="en-GB" sz="2800" dirty="0">
+              <a:t>Use just like any HTML tag.</a:t>
+            </a:r>
+            <a:endParaRPr lang="en-GB" sz="1200" dirty="0">
               <a:solidFill>
                 <a:srgbClr val="2196F3"/>
               </a:solidFill>
@@ -7283,62 +8783,80 @@
             </a:endParaRPr>
           </a:p>
           <a:p>
+            <a:pPr lvl="1">
+              <a:lnSpc>
+                <a:spcPts val="3600"/>
+              </a:lnSpc>
+            </a:pPr>
+            <a:r>
+              <a:rPr lang="en-GB" sz="3600" dirty="0">
+                <a:solidFill>
+                  <a:srgbClr val="2196F3"/>
+                </a:solidFill>
+                <a:latin typeface="Segoe UI" panose="020B0502040204020203" pitchFamily="34" charset="0"/>
+                <a:cs typeface="Segoe UI" panose="020B0502040204020203" pitchFamily="34" charset="0"/>
+              </a:rPr>
+              <a:t>They extend HTMLElement class.</a:t>
+            </a:r>
+          </a:p>
+          <a:p>
+            <a:pPr lvl="1">
+              <a:lnSpc>
+                <a:spcPts val="3600"/>
+              </a:lnSpc>
+            </a:pPr>
+            <a:r>
+              <a:rPr lang="en-GB" sz="3600" dirty="0">
+                <a:solidFill>
+                  <a:srgbClr val="2196F3"/>
+                </a:solidFill>
+                <a:latin typeface="Segoe UI" panose="020B0502040204020203" pitchFamily="34" charset="0"/>
+                <a:cs typeface="Segoe UI" panose="020B0502040204020203" pitchFamily="34" charset="0"/>
+              </a:rPr>
+              <a:t>Hybrids is a non-class based library - https://hybrids.js.org/</a:t>
+            </a:r>
+          </a:p>
+          <a:p>
             <a:pPr marL="457200" lvl="1" indent="0">
               <a:buNone/>
             </a:pPr>
-            <a:r>
-              <a:rPr lang="en-GB" sz="2800" b="1" u="sng" dirty="0">
+            <a:endParaRPr lang="en-GB" sz="300" dirty="0">
+              <a:solidFill>
+                <a:srgbClr val="2196F3"/>
+              </a:solidFill>
+              <a:latin typeface="Segoe UI" panose="020B0502040204020203" pitchFamily="34" charset="0"/>
+              <a:cs typeface="Segoe UI" panose="020B0502040204020203" pitchFamily="34" charset="0"/>
+              <a:hlinkClick r:id="rId2">
+                <a:extLst>
+                  <a:ext uri="{A12FA001-AC4F-418D-AE19-62706E023703}">
+                    <ahyp:hlinkClr xmlns:ahyp="http://schemas.microsoft.com/office/drawing/2018/hyperlinkcolor" val="tx"/>
+                  </a:ext>
+                </a:extLst>
+              </a:hlinkClick>
+            </a:endParaRPr>
+          </a:p>
+          <a:p>
+            <a:pPr marL="457200" lvl="1" indent="0">
+              <a:buNone/>
+            </a:pPr>
+            <a:r>
+              <a:rPr lang="en-GB" sz="3600" dirty="0">
                 <a:solidFill>
                   <a:srgbClr val="2196F3"/>
                 </a:solidFill>
                 <a:latin typeface="Segoe UI" panose="020B0502040204020203" pitchFamily="34" charset="0"/>
                 <a:cs typeface="Segoe UI" panose="020B0502040204020203" pitchFamily="34" charset="0"/>
-              </a:rPr>
-              <a:t>EVENTS UP</a:t>
-            </a:r>
-          </a:p>
-          <a:p>
-            <a:pPr marL="457200" lvl="1" indent="0">
-              <a:buNone/>
-            </a:pPr>
-            <a:r>
-              <a:rPr lang="en-GB" sz="2800" dirty="0">
-                <a:solidFill>
-                  <a:srgbClr val="2196F3"/>
-                </a:solidFill>
-                <a:latin typeface="Segoe UI" panose="020B0502040204020203" pitchFamily="34" charset="0"/>
-                <a:cs typeface="Segoe UI" panose="020B0502040204020203" pitchFamily="34" charset="0"/>
-              </a:rPr>
-              <a:t>Demo: </a:t>
-            </a:r>
-            <a:r>
-              <a:rPr lang="en-GB" sz="2800" dirty="0">
-                <a:latin typeface="Segoe UI" panose="020B0502040204020203" pitchFamily="34" charset="0"/>
-                <a:cs typeface="Segoe UI" panose="020B0502040204020203" pitchFamily="34" charset="0"/>
-              </a:rPr>
-              <a:t>05-events/15-child-to-parent</a:t>
-            </a:r>
-          </a:p>
-          <a:p>
-            <a:pPr marL="457200" lvl="1" indent="0">
-              <a:buNone/>
-            </a:pPr>
-            <a:r>
-              <a:rPr lang="en-GB" sz="2800" dirty="0">
-                <a:solidFill>
-                  <a:srgbClr val="2196F3"/>
-                </a:solidFill>
-                <a:latin typeface="Segoe UI" panose="020B0502040204020203" pitchFamily="34" charset="0"/>
-                <a:cs typeface="Segoe UI" panose="020B0502040204020203" pitchFamily="34" charset="0"/>
-              </a:rPr>
-              <a:t>We use JS Custom Events to send event and data.</a:t>
-            </a:r>
-          </a:p>
-          <a:p>
-            <a:pPr marL="457200" lvl="1" indent="0">
-              <a:buNone/>
-            </a:pPr>
-            <a:endParaRPr lang="en-GB" dirty="0">
+                <a:hlinkClick r:id="rId2">
+                  <a:extLst>
+                    <a:ext uri="{A12FA001-AC4F-418D-AE19-62706E023703}">
+                      <ahyp:hlinkClr xmlns:ahyp="http://schemas.microsoft.com/office/drawing/2018/hyperlinkcolor" val="tx"/>
+                    </a:ext>
+                  </a:extLst>
+                </a:hlinkClick>
+              </a:rPr>
+              <a:t>https://www.webcomponents.org/</a:t>
+            </a:r>
+            <a:endParaRPr lang="en-GB" sz="3600" dirty="0">
               <a:solidFill>
                 <a:srgbClr val="2196F3"/>
               </a:solidFill>
@@ -7350,6 +8868,50 @@
             <a:pPr marL="457200" lvl="1" indent="0">
               <a:buNone/>
             </a:pPr>
+            <a:endParaRPr lang="en-GB" sz="1300" dirty="0">
+              <a:solidFill>
+                <a:srgbClr val="2196F3"/>
+              </a:solidFill>
+              <a:latin typeface="Segoe UI" panose="020B0502040204020203" pitchFamily="34" charset="0"/>
+              <a:cs typeface="Segoe UI" panose="020B0502040204020203" pitchFamily="34" charset="0"/>
+            </a:endParaRPr>
+          </a:p>
+          <a:p>
+            <a:pPr marL="457200" lvl="1" indent="0">
+              <a:buNone/>
+            </a:pPr>
+            <a:r>
+              <a:rPr lang="en-GB" sz="3600" dirty="0">
+                <a:solidFill>
+                  <a:srgbClr val="2196F3"/>
+                </a:solidFill>
+                <a:latin typeface="Segoe UI" panose="020B0502040204020203" pitchFamily="34" charset="0"/>
+                <a:cs typeface="Segoe UI" panose="020B0502040204020203" pitchFamily="34" charset="0"/>
+                <a:hlinkClick r:id="rId3">
+                  <a:extLst>
+                    <a:ext uri="{A12FA001-AC4F-418D-AE19-62706E023703}">
+                      <ahyp:hlinkClr xmlns:ahyp="http://schemas.microsoft.com/office/drawing/2018/hyperlinkcolor" val="tx"/>
+                    </a:ext>
+                  </a:extLst>
+                </a:hlinkClick>
+              </a:rPr>
+              <a:t>https://custom-elements-everywhere.com/</a:t>
+            </a:r>
+            <a:r>
+              <a:rPr lang="en-GB" sz="3600" dirty="0">
+                <a:solidFill>
+                  <a:srgbClr val="2196F3"/>
+                </a:solidFill>
+                <a:latin typeface="Segoe UI" panose="020B0502040204020203" pitchFamily="34" charset="0"/>
+                <a:cs typeface="Segoe UI" panose="020B0502040204020203" pitchFamily="34" charset="0"/>
+              </a:rPr>
+              <a:t> </a:t>
+            </a:r>
+          </a:p>
+          <a:p>
+            <a:pPr marL="457200" lvl="1" indent="0">
+              <a:buNone/>
+            </a:pPr>
             <a:r>
               <a:rPr lang="en-GB" dirty="0">
                 <a:solidFill>
@@ -7358,8 +8920,27 @@
                 <a:latin typeface="Segoe UI" panose="020B0502040204020203" pitchFamily="34" charset="0"/>
                 <a:cs typeface="Segoe UI" panose="020B0502040204020203" pitchFamily="34" charset="0"/>
               </a:rPr>
-              <a:t>NB Methods and properties on components can be directly accessed. This would be a design choice as components tend to use props down events up, rather than sibling to sibling.</a:t>
-            </a:r>
+              <a:t>(Making sure frameworks and custom elements can be BFFs )</a:t>
+            </a:r>
+            <a:endParaRPr lang="en-GB" sz="3600" dirty="0">
+              <a:solidFill>
+                <a:srgbClr val="2196F3"/>
+              </a:solidFill>
+              <a:latin typeface="Segoe UI" panose="020B0502040204020203" pitchFamily="34" charset="0"/>
+              <a:cs typeface="Segoe UI" panose="020B0502040204020203" pitchFamily="34" charset="0"/>
+            </a:endParaRPr>
+          </a:p>
+          <a:p>
+            <a:pPr marL="457200" lvl="1" indent="0">
+              <a:buNone/>
+            </a:pPr>
+            <a:endParaRPr lang="en-GB" sz="1200" dirty="0">
+              <a:solidFill>
+                <a:srgbClr val="2196F3"/>
+              </a:solidFill>
+              <a:latin typeface="Segoe UI" panose="020B0502040204020203" pitchFamily="34" charset="0"/>
+              <a:cs typeface="Segoe UI" panose="020B0502040204020203" pitchFamily="34" charset="0"/>
+            </a:endParaRPr>
           </a:p>
           <a:p>
             <a:pPr marL="457200" lvl="1" indent="0">
@@ -7378,6 +8959,18 @@
               <a:buNone/>
             </a:pPr>
             <a:endParaRPr lang="en-GB" sz="6700" dirty="0">
+              <a:solidFill>
+                <a:srgbClr val="2196F3"/>
+              </a:solidFill>
+              <a:latin typeface="Segoe UI" panose="020B0502040204020203" pitchFamily="34" charset="0"/>
+              <a:cs typeface="Segoe UI" panose="020B0502040204020203" pitchFamily="34" charset="0"/>
+            </a:endParaRPr>
+          </a:p>
+          <a:p>
+            <a:pPr marL="457200" lvl="1" indent="0">
+              <a:buNone/>
+            </a:pPr>
+            <a:endParaRPr lang="en-GB" sz="6700" dirty="0">
               <a:latin typeface="Segoe UI" panose="020B0502040204020203" pitchFamily="34" charset="0"/>
               <a:cs typeface="Segoe UI" panose="020B0502040204020203" pitchFamily="34" charset="0"/>
             </a:endParaRPr>
@@ -7402,7 +8995,7 @@
     </p:spTree>
     <p:extLst>
       <p:ext uri="{BB962C8B-B14F-4D97-AF65-F5344CB8AC3E}">
-        <p14:creationId xmlns:p14="http://schemas.microsoft.com/office/powerpoint/2010/main" val="3886042273"/>
+        <p14:creationId xmlns:p14="http://schemas.microsoft.com/office/powerpoint/2010/main" val="2534555949"/>
       </p:ext>
     </p:extLst>
   </p:cSld>
@@ -7431,941 +9024,279 @@
       </p:grpSpPr>
       <p:sp>
         <p:nvSpPr>
-          <p:cNvPr id="5" name="Rectangle: Rounded Corners 4">
-            <a:extLst>
-              <a:ext uri="{FF2B5EF4-FFF2-40B4-BE49-F238E27FC236}">
-                <a16:creationId xmlns:a16="http://schemas.microsoft.com/office/drawing/2014/main" id="{65B1CF75-47B8-4AC4-BD1E-926B376FD50D}"/>
-              </a:ext>
-            </a:extLst>
-          </p:cNvPr>
-          <p:cNvSpPr/>
-          <p:nvPr/>
+          <p:cNvPr id="2" name="Title 1">
+            <a:extLst>
+              <a:ext uri="{FF2B5EF4-FFF2-40B4-BE49-F238E27FC236}">
+                <a16:creationId xmlns:a16="http://schemas.microsoft.com/office/drawing/2014/main" id="{5D7568B3-EC9A-45DD-8A17-CFE685194B65}"/>
+              </a:ext>
+            </a:extLst>
+          </p:cNvPr>
+          <p:cNvSpPr>
+            <a:spLocks noGrp="1"/>
+          </p:cNvSpPr>
+          <p:nvPr>
+            <p:ph type="title"/>
+          </p:nvPr>
         </p:nvSpPr>
         <p:spPr>
           <a:xfrm>
-            <a:off x="886408" y="4376057"/>
-            <a:ext cx="1819470" cy="942392"/>
-          </a:xfrm>
-          <a:prstGeom prst="roundRect">
-            <a:avLst/>
-          </a:prstGeom>
+            <a:off x="838200" y="0"/>
+            <a:ext cx="10515600" cy="1325563"/>
+          </a:xfrm>
           <a:solidFill>
-            <a:schemeClr val="bg1">
-              <a:lumMod val="85000"/>
-            </a:schemeClr>
+            <a:srgbClr val="2196F3"/>
           </a:solidFill>
-          <a:ln w="28575">
-            <a:solidFill>
-              <a:srgbClr val="FF0000"/>
-            </a:solidFill>
-          </a:ln>
-        </p:spPr>
-        <p:style>
-          <a:lnRef idx="2">
-            <a:schemeClr val="accent1">
-              <a:shade val="50000"/>
-            </a:schemeClr>
-          </a:lnRef>
-          <a:fillRef idx="1">
-            <a:schemeClr val="accent1"/>
-          </a:fillRef>
-          <a:effectRef idx="0">
-            <a:schemeClr val="accent1"/>
-          </a:effectRef>
-          <a:fontRef idx="minor">
-            <a:schemeClr val="lt1"/>
-          </a:fontRef>
-        </p:style>
-        <p:txBody>
-          <a:bodyPr rtlCol="0" anchor="ctr"/>
+        </p:spPr>
+        <p:txBody>
+          <a:bodyPr>
+            <a:normAutofit/>
+          </a:bodyPr>
           <a:lstStyle/>
           <a:p>
             <a:pPr algn="ctr"/>
-            <a:endParaRPr lang="en-GB">
+            <a:r>
+              <a:rPr lang="en-GB" sz="6600" dirty="0">
+                <a:solidFill>
+                  <a:schemeClr val="bg1"/>
+                </a:solidFill>
+                <a:latin typeface="Segoe UI" panose="020B0502040204020203" pitchFamily="34" charset="0"/>
+                <a:cs typeface="Segoe UI" panose="020B0502040204020203" pitchFamily="34" charset="0"/>
+              </a:rPr>
+              <a:t>COMMUNICATION </a:t>
+            </a:r>
+          </a:p>
+        </p:txBody>
+      </p:sp>
+      <p:sp>
+        <p:nvSpPr>
+          <p:cNvPr id="4" name="Content Placeholder 2">
+            <a:extLst>
+              <a:ext uri="{FF2B5EF4-FFF2-40B4-BE49-F238E27FC236}">
+                <a16:creationId xmlns:a16="http://schemas.microsoft.com/office/drawing/2014/main" id="{088CCB65-11B4-408B-9ED3-1304FE85032F}"/>
+              </a:ext>
+            </a:extLst>
+          </p:cNvPr>
+          <p:cNvSpPr>
+            <a:spLocks noGrp="1"/>
+          </p:cNvSpPr>
+          <p:nvPr>
+            <p:ph idx="1"/>
+          </p:nvPr>
+        </p:nvSpPr>
+        <p:spPr>
+          <a:xfrm>
+            <a:off x="838200" y="1325563"/>
+            <a:ext cx="10515600" cy="5326907"/>
+          </a:xfrm>
+        </p:spPr>
+        <p:txBody>
+          <a:bodyPr wrap="square" bIns="252000">
+            <a:normAutofit/>
+          </a:bodyPr>
+          <a:lstStyle/>
+          <a:p>
+            <a:pPr marL="0" indent="0">
+              <a:buNone/>
+            </a:pPr>
+            <a:endParaRPr lang="en-GB" sz="900" dirty="0">
               <a:latin typeface="Segoe UI" panose="020B0502040204020203" pitchFamily="34" charset="0"/>
               <a:cs typeface="Segoe UI" panose="020B0502040204020203" pitchFamily="34" charset="0"/>
             </a:endParaRPr>
           </a:p>
-        </p:txBody>
-      </p:sp>
-      <p:cxnSp>
-        <p:nvCxnSpPr>
-          <p:cNvPr id="7" name="Straight Connector 6">
-            <a:extLst>
-              <a:ext uri="{FF2B5EF4-FFF2-40B4-BE49-F238E27FC236}">
-                <a16:creationId xmlns:a16="http://schemas.microsoft.com/office/drawing/2014/main" id="{5B3AFA23-E550-4B2B-8247-AFA75329D28C}"/>
-              </a:ext>
-            </a:extLst>
-          </p:cNvPr>
-          <p:cNvCxnSpPr>
-            <a:cxnSpLocks/>
-          </p:cNvCxnSpPr>
-          <p:nvPr/>
-        </p:nvCxnSpPr>
-        <p:spPr>
-          <a:xfrm>
-            <a:off x="8238930" y="0"/>
-            <a:ext cx="0" cy="6858000"/>
-          </a:xfrm>
-          <a:prstGeom prst="line">
-            <a:avLst/>
-          </a:prstGeom>
-          <a:ln w="127000">
-            <a:solidFill>
-              <a:schemeClr val="tx1"/>
-            </a:solidFill>
-          </a:ln>
-        </p:spPr>
-        <p:style>
-          <a:lnRef idx="1">
-            <a:schemeClr val="accent1"/>
-          </a:lnRef>
-          <a:fillRef idx="0">
-            <a:schemeClr val="accent1"/>
-          </a:fillRef>
-          <a:effectRef idx="0">
-            <a:schemeClr val="accent1"/>
-          </a:effectRef>
-          <a:fontRef idx="minor">
-            <a:schemeClr val="tx1"/>
-          </a:fontRef>
-        </p:style>
-      </p:cxnSp>
-      <p:cxnSp>
-        <p:nvCxnSpPr>
-          <p:cNvPr id="9" name="Straight Connector 8">
-            <a:extLst>
-              <a:ext uri="{FF2B5EF4-FFF2-40B4-BE49-F238E27FC236}">
-                <a16:creationId xmlns:a16="http://schemas.microsoft.com/office/drawing/2014/main" id="{8ECDE257-0E06-4C73-B713-15F600FA91AE}"/>
-              </a:ext>
-            </a:extLst>
-          </p:cNvPr>
-          <p:cNvCxnSpPr>
-            <a:cxnSpLocks/>
-          </p:cNvCxnSpPr>
-          <p:nvPr/>
-        </p:nvCxnSpPr>
-        <p:spPr>
-          <a:xfrm>
-            <a:off x="3097763" y="3437944"/>
-            <a:ext cx="0" cy="2449286"/>
-          </a:xfrm>
-          <a:prstGeom prst="line">
-            <a:avLst/>
-          </a:prstGeom>
-          <a:ln w="15875" cmpd="dbl">
-            <a:solidFill>
-              <a:schemeClr val="accent6">
-                <a:lumMod val="75000"/>
-              </a:schemeClr>
-            </a:solidFill>
-            <a:prstDash val="lgDash"/>
-          </a:ln>
-        </p:spPr>
-        <p:style>
-          <a:lnRef idx="1">
-            <a:schemeClr val="accent1"/>
-          </a:lnRef>
-          <a:fillRef idx="0">
-            <a:schemeClr val="accent1"/>
-          </a:fillRef>
-          <a:effectRef idx="0">
-            <a:schemeClr val="accent1"/>
-          </a:effectRef>
-          <a:fontRef idx="minor">
-            <a:schemeClr val="tx1"/>
-          </a:fontRef>
-        </p:style>
-      </p:cxnSp>
-      <p:sp>
-        <p:nvSpPr>
-          <p:cNvPr id="13" name="Rectangle: Rounded Corners 12">
-            <a:extLst>
-              <a:ext uri="{FF2B5EF4-FFF2-40B4-BE49-F238E27FC236}">
-                <a16:creationId xmlns:a16="http://schemas.microsoft.com/office/drawing/2014/main" id="{497DB97B-039D-4182-8A21-C324F5A05084}"/>
-              </a:ext>
-            </a:extLst>
-          </p:cNvPr>
-          <p:cNvSpPr/>
-          <p:nvPr/>
-        </p:nvSpPr>
-        <p:spPr>
-          <a:xfrm>
-            <a:off x="1244080" y="709127"/>
-            <a:ext cx="5520611" cy="2183363"/>
-          </a:xfrm>
-          <a:prstGeom prst="roundRect">
-            <a:avLst/>
-          </a:prstGeom>
-          <a:solidFill>
-            <a:schemeClr val="bg1">
-              <a:lumMod val="85000"/>
-            </a:schemeClr>
-          </a:solidFill>
-          <a:ln w="28575">
-            <a:solidFill>
-              <a:srgbClr val="FF0000"/>
-            </a:solidFill>
-          </a:ln>
-        </p:spPr>
-        <p:style>
-          <a:lnRef idx="2">
-            <a:schemeClr val="accent1">
-              <a:shade val="50000"/>
-            </a:schemeClr>
-          </a:lnRef>
-          <a:fillRef idx="1">
-            <a:schemeClr val="accent1"/>
-          </a:fillRef>
-          <a:effectRef idx="0">
-            <a:schemeClr val="accent1"/>
-          </a:effectRef>
-          <a:fontRef idx="minor">
-            <a:schemeClr val="lt1"/>
-          </a:fontRef>
-        </p:style>
-        <p:txBody>
-          <a:bodyPr rtlCol="0" anchor="ctr"/>
-          <a:lstStyle/>
-          <a:p>
-            <a:pPr algn="ctr"/>
-            <a:endParaRPr lang="en-GB">
+          <a:p>
+            <a:pPr marL="457200" lvl="1" indent="0">
+              <a:buNone/>
+            </a:pPr>
+            <a:endParaRPr lang="en-GB" sz="400" dirty="0">
+              <a:solidFill>
+                <a:srgbClr val="2196F3"/>
+              </a:solidFill>
               <a:latin typeface="Segoe UI" panose="020B0502040204020203" pitchFamily="34" charset="0"/>
               <a:cs typeface="Segoe UI" panose="020B0502040204020203" pitchFamily="34" charset="0"/>
             </a:endParaRPr>
           </a:p>
-        </p:txBody>
-      </p:sp>
-      <p:sp>
-        <p:nvSpPr>
-          <p:cNvPr id="14" name="Rectangle: Rounded Corners 13">
-            <a:extLst>
-              <a:ext uri="{FF2B5EF4-FFF2-40B4-BE49-F238E27FC236}">
-                <a16:creationId xmlns:a16="http://schemas.microsoft.com/office/drawing/2014/main" id="{670B406B-FAA1-4A47-9E0F-388A4554F760}"/>
-              </a:ext>
-            </a:extLst>
-          </p:cNvPr>
-          <p:cNvSpPr/>
-          <p:nvPr/>
-        </p:nvSpPr>
-        <p:spPr>
-          <a:xfrm>
-            <a:off x="5951371" y="4406768"/>
-            <a:ext cx="1819470" cy="942392"/>
-          </a:xfrm>
-          <a:prstGeom prst="roundRect">
-            <a:avLst/>
-          </a:prstGeom>
-          <a:solidFill>
-            <a:schemeClr val="bg1">
-              <a:lumMod val="85000"/>
-            </a:schemeClr>
-          </a:solidFill>
-          <a:ln w="28575">
-            <a:solidFill>
-              <a:srgbClr val="FF0000"/>
-            </a:solidFill>
-          </a:ln>
-        </p:spPr>
-        <p:style>
-          <a:lnRef idx="2">
-            <a:schemeClr val="accent1">
-              <a:shade val="50000"/>
-            </a:schemeClr>
-          </a:lnRef>
-          <a:fillRef idx="1">
-            <a:schemeClr val="accent1"/>
-          </a:fillRef>
-          <a:effectRef idx="0">
-            <a:schemeClr val="accent1"/>
-          </a:effectRef>
-          <a:fontRef idx="minor">
-            <a:schemeClr val="lt1"/>
-          </a:fontRef>
-        </p:style>
-        <p:txBody>
-          <a:bodyPr rtlCol="0" anchor="ctr"/>
-          <a:lstStyle/>
-          <a:p>
-            <a:pPr algn="ctr"/>
-            <a:endParaRPr lang="en-GB">
+          <a:p>
+            <a:pPr marL="457200" lvl="1" indent="0">
+              <a:buNone/>
+            </a:pPr>
+            <a:endParaRPr lang="en-GB" sz="2800" dirty="0">
+              <a:solidFill>
+                <a:srgbClr val="2196F3"/>
+              </a:solidFill>
               <a:latin typeface="Segoe UI" panose="020B0502040204020203" pitchFamily="34" charset="0"/>
               <a:cs typeface="Segoe UI" panose="020B0502040204020203" pitchFamily="34" charset="0"/>
             </a:endParaRPr>
           </a:p>
-        </p:txBody>
-      </p:sp>
-      <p:sp>
-        <p:nvSpPr>
-          <p:cNvPr id="15" name="Rectangle: Rounded Corners 14">
-            <a:extLst>
-              <a:ext uri="{FF2B5EF4-FFF2-40B4-BE49-F238E27FC236}">
-                <a16:creationId xmlns:a16="http://schemas.microsoft.com/office/drawing/2014/main" id="{56FA4A14-0892-4CE1-BE7A-A2056ECF1DAC}"/>
-              </a:ext>
-            </a:extLst>
-          </p:cNvPr>
-          <p:cNvSpPr/>
-          <p:nvPr/>
-        </p:nvSpPr>
-        <p:spPr>
-          <a:xfrm>
-            <a:off x="3456988" y="4406768"/>
-            <a:ext cx="1819470" cy="942392"/>
-          </a:xfrm>
-          <a:prstGeom prst="roundRect">
-            <a:avLst/>
-          </a:prstGeom>
-          <a:solidFill>
-            <a:schemeClr val="bg1">
-              <a:lumMod val="85000"/>
-            </a:schemeClr>
-          </a:solidFill>
-          <a:ln w="28575">
-            <a:solidFill>
-              <a:srgbClr val="FF0000"/>
-            </a:solidFill>
-          </a:ln>
-        </p:spPr>
-        <p:style>
-          <a:lnRef idx="2">
-            <a:schemeClr val="accent1">
-              <a:shade val="50000"/>
-            </a:schemeClr>
-          </a:lnRef>
-          <a:fillRef idx="1">
-            <a:schemeClr val="accent1"/>
-          </a:fillRef>
-          <a:effectRef idx="0">
-            <a:schemeClr val="accent1"/>
-          </a:effectRef>
-          <a:fontRef idx="minor">
-            <a:schemeClr val="lt1"/>
-          </a:fontRef>
-        </p:style>
-        <p:txBody>
-          <a:bodyPr rtlCol="0" anchor="ctr"/>
-          <a:lstStyle/>
-          <a:p>
-            <a:pPr algn="ctr"/>
-            <a:endParaRPr lang="en-GB">
+          <a:p>
+            <a:pPr marL="457200" lvl="1" indent="0">
+              <a:buNone/>
+            </a:pPr>
+            <a:r>
+              <a:rPr lang="en-GB" sz="2800" b="1" u="sng" dirty="0">
+                <a:solidFill>
+                  <a:srgbClr val="2196F3"/>
+                </a:solidFill>
+                <a:latin typeface="Segoe UI" panose="020B0502040204020203" pitchFamily="34" charset="0"/>
+                <a:cs typeface="Segoe UI" panose="020B0502040204020203" pitchFamily="34" charset="0"/>
+              </a:rPr>
+              <a:t>PROPS DOWN</a:t>
+            </a:r>
+          </a:p>
+          <a:p>
+            <a:pPr marL="457200" lvl="1" indent="0">
+              <a:buNone/>
+            </a:pPr>
+            <a:r>
+              <a:rPr lang="en-GB" sz="2800" dirty="0">
+                <a:solidFill>
+                  <a:srgbClr val="2196F3"/>
+                </a:solidFill>
+                <a:latin typeface="Segoe UI" panose="020B0502040204020203" pitchFamily="34" charset="0"/>
+                <a:cs typeface="Segoe UI" panose="020B0502040204020203" pitchFamily="34" charset="0"/>
+              </a:rPr>
+              <a:t>Demo</a:t>
+            </a:r>
+            <a:r>
+              <a:rPr lang="en-GB" sz="2800" dirty="0">
+                <a:latin typeface="Segoe UI" panose="020B0502040204020203" pitchFamily="34" charset="0"/>
+                <a:cs typeface="Segoe UI" panose="020B0502040204020203" pitchFamily="34" charset="0"/>
+              </a:rPr>
+              <a:t>: 06-library/01-ndc-show-post </a:t>
+            </a:r>
+          </a:p>
+          <a:p>
+            <a:pPr marL="457200" lvl="1" indent="0">
+              <a:buNone/>
+            </a:pPr>
+            <a:endParaRPr lang="en-GB" sz="2800" dirty="0">
+              <a:solidFill>
+                <a:srgbClr val="2196F3"/>
+              </a:solidFill>
               <a:latin typeface="Segoe UI" panose="020B0502040204020203" pitchFamily="34" charset="0"/>
               <a:cs typeface="Segoe UI" panose="020B0502040204020203" pitchFamily="34" charset="0"/>
             </a:endParaRPr>
           </a:p>
-        </p:txBody>
-      </p:sp>
-      <p:cxnSp>
-        <p:nvCxnSpPr>
-          <p:cNvPr id="16" name="Straight Connector 15">
-            <a:extLst>
-              <a:ext uri="{FF2B5EF4-FFF2-40B4-BE49-F238E27FC236}">
-                <a16:creationId xmlns:a16="http://schemas.microsoft.com/office/drawing/2014/main" id="{B8646BD2-FF5F-47C6-9788-5228BF540137}"/>
-              </a:ext>
-            </a:extLst>
-          </p:cNvPr>
-          <p:cNvCxnSpPr>
-            <a:cxnSpLocks/>
-          </p:cNvCxnSpPr>
-          <p:nvPr/>
-        </p:nvCxnSpPr>
-        <p:spPr>
-          <a:xfrm>
-            <a:off x="5592147" y="3429000"/>
-            <a:ext cx="0" cy="2449286"/>
-          </a:xfrm>
-          <a:prstGeom prst="line">
-            <a:avLst/>
-          </a:prstGeom>
-          <a:ln w="15875" cmpd="dbl">
-            <a:solidFill>
-              <a:schemeClr val="accent6">
-                <a:lumMod val="75000"/>
-              </a:schemeClr>
-            </a:solidFill>
-            <a:prstDash val="lgDash"/>
-          </a:ln>
-        </p:spPr>
-        <p:style>
-          <a:lnRef idx="1">
-            <a:schemeClr val="accent1"/>
-          </a:lnRef>
-          <a:fillRef idx="0">
-            <a:schemeClr val="accent1"/>
-          </a:fillRef>
-          <a:effectRef idx="0">
-            <a:schemeClr val="accent1"/>
-          </a:effectRef>
-          <a:fontRef idx="minor">
-            <a:schemeClr val="tx1"/>
-          </a:fontRef>
-        </p:style>
-      </p:cxnSp>
-      <p:sp>
-        <p:nvSpPr>
-          <p:cNvPr id="17" name="TextBox 16">
-            <a:extLst>
-              <a:ext uri="{FF2B5EF4-FFF2-40B4-BE49-F238E27FC236}">
-                <a16:creationId xmlns:a16="http://schemas.microsoft.com/office/drawing/2014/main" id="{6E8BFC32-3AFA-4B4C-9172-2CBE21A80A58}"/>
-              </a:ext>
-            </a:extLst>
-          </p:cNvPr>
-          <p:cNvSpPr txBox="1"/>
-          <p:nvPr/>
-        </p:nvSpPr>
-        <p:spPr>
-          <a:xfrm>
-            <a:off x="2362465" y="1178588"/>
-            <a:ext cx="3187956" cy="1446550"/>
-          </a:xfrm>
-          <a:prstGeom prst="rect">
-            <a:avLst/>
-          </a:prstGeom>
-          <a:noFill/>
-        </p:spPr>
-        <p:txBody>
-          <a:bodyPr wrap="square" rtlCol="0">
-            <a:spAutoFit/>
-          </a:bodyPr>
-          <a:lstStyle/>
-          <a:p>
-            <a:r>
-              <a:rPr lang="en-GB" sz="8800" dirty="0">
-                <a:latin typeface="Segoe UI" panose="020B0502040204020203" pitchFamily="34" charset="0"/>
-                <a:cs typeface="Segoe UI" panose="020B0502040204020203" pitchFamily="34" charset="0"/>
-              </a:rPr>
-              <a:t>HTML</a:t>
-            </a:r>
-          </a:p>
-        </p:txBody>
-      </p:sp>
-      <p:sp>
-        <p:nvSpPr>
-          <p:cNvPr id="19" name="TextBox 18">
-            <a:extLst>
-              <a:ext uri="{FF2B5EF4-FFF2-40B4-BE49-F238E27FC236}">
-                <a16:creationId xmlns:a16="http://schemas.microsoft.com/office/drawing/2014/main" id="{C81F58F9-1FC7-477B-877C-80F0959EBC0E}"/>
-              </a:ext>
-            </a:extLst>
-          </p:cNvPr>
-          <p:cNvSpPr txBox="1"/>
-          <p:nvPr/>
-        </p:nvSpPr>
-        <p:spPr>
-          <a:xfrm>
-            <a:off x="6019022" y="4693298"/>
-            <a:ext cx="1686507" cy="369332"/>
-          </a:xfrm>
-          <a:prstGeom prst="rect">
-            <a:avLst/>
-          </a:prstGeom>
-          <a:noFill/>
-        </p:spPr>
-        <p:txBody>
-          <a:bodyPr wrap="square" rtlCol="0">
-            <a:spAutoFit/>
-          </a:bodyPr>
-          <a:lstStyle/>
-          <a:p>
-            <a:r>
-              <a:rPr lang="en-GB" dirty="0">
-                <a:latin typeface="Segoe UI" panose="020B0502040204020203" pitchFamily="34" charset="0"/>
-                <a:cs typeface="Segoe UI" panose="020B0502040204020203" pitchFamily="34" charset="0"/>
-              </a:rPr>
-              <a:t>Framework ...n</a:t>
-            </a:r>
-          </a:p>
-        </p:txBody>
-      </p:sp>
-      <p:sp>
-        <p:nvSpPr>
-          <p:cNvPr id="20" name="TextBox 19">
-            <a:extLst>
-              <a:ext uri="{FF2B5EF4-FFF2-40B4-BE49-F238E27FC236}">
-                <a16:creationId xmlns:a16="http://schemas.microsoft.com/office/drawing/2014/main" id="{FB923CCF-0EA9-4C2D-AC00-B89B13CB18B9}"/>
-              </a:ext>
-            </a:extLst>
-          </p:cNvPr>
-          <p:cNvSpPr txBox="1"/>
-          <p:nvPr/>
-        </p:nvSpPr>
-        <p:spPr>
-          <a:xfrm>
-            <a:off x="3619499" y="4693298"/>
-            <a:ext cx="1488233" cy="369332"/>
-          </a:xfrm>
-          <a:prstGeom prst="rect">
-            <a:avLst/>
-          </a:prstGeom>
-          <a:noFill/>
-        </p:spPr>
-        <p:txBody>
-          <a:bodyPr wrap="square" rtlCol="0">
-            <a:spAutoFit/>
-          </a:bodyPr>
-          <a:lstStyle/>
-          <a:p>
-            <a:r>
-              <a:rPr lang="en-GB" dirty="0">
-                <a:latin typeface="Segoe UI" panose="020B0502040204020203" pitchFamily="34" charset="0"/>
-                <a:cs typeface="Segoe UI" panose="020B0502040204020203" pitchFamily="34" charset="0"/>
-              </a:rPr>
-              <a:t>Framework 2</a:t>
-            </a:r>
-          </a:p>
-        </p:txBody>
-      </p:sp>
-      <p:sp>
-        <p:nvSpPr>
-          <p:cNvPr id="21" name="TextBox 20">
-            <a:extLst>
-              <a:ext uri="{FF2B5EF4-FFF2-40B4-BE49-F238E27FC236}">
-                <a16:creationId xmlns:a16="http://schemas.microsoft.com/office/drawing/2014/main" id="{000E004F-3DEE-453A-880F-3667A9536687}"/>
-              </a:ext>
-            </a:extLst>
-          </p:cNvPr>
-          <p:cNvSpPr txBox="1"/>
-          <p:nvPr/>
-        </p:nvSpPr>
-        <p:spPr>
-          <a:xfrm>
-            <a:off x="1091681" y="4693298"/>
-            <a:ext cx="1488233" cy="369332"/>
-          </a:xfrm>
-          <a:prstGeom prst="rect">
-            <a:avLst/>
-          </a:prstGeom>
-          <a:noFill/>
-        </p:spPr>
-        <p:txBody>
-          <a:bodyPr wrap="square" rtlCol="0">
-            <a:spAutoFit/>
-          </a:bodyPr>
-          <a:lstStyle/>
-          <a:p>
-            <a:r>
-              <a:rPr lang="en-GB" dirty="0">
-                <a:latin typeface="Segoe UI" panose="020B0502040204020203" pitchFamily="34" charset="0"/>
-                <a:cs typeface="Segoe UI" panose="020B0502040204020203" pitchFamily="34" charset="0"/>
-              </a:rPr>
-              <a:t>Framework 1</a:t>
-            </a:r>
-          </a:p>
-        </p:txBody>
-      </p:sp>
-      <p:sp>
-        <p:nvSpPr>
-          <p:cNvPr id="23" name="Rectangle: Rounded Corners 22">
-            <a:extLst>
-              <a:ext uri="{FF2B5EF4-FFF2-40B4-BE49-F238E27FC236}">
-                <a16:creationId xmlns:a16="http://schemas.microsoft.com/office/drawing/2014/main" id="{B8A217E0-2E19-412E-A686-048F33BFC561}"/>
-              </a:ext>
-            </a:extLst>
-          </p:cNvPr>
-          <p:cNvSpPr/>
-          <p:nvPr/>
-        </p:nvSpPr>
-        <p:spPr>
-          <a:xfrm>
-            <a:off x="9193762" y="709127"/>
-            <a:ext cx="2251787" cy="4609322"/>
-          </a:xfrm>
-          <a:prstGeom prst="roundRect">
-            <a:avLst/>
-          </a:prstGeom>
-          <a:solidFill>
-            <a:schemeClr val="bg1">
-              <a:lumMod val="85000"/>
-            </a:schemeClr>
-          </a:solidFill>
-          <a:ln w="28575">
-            <a:solidFill>
-              <a:srgbClr val="FF0000"/>
-            </a:solidFill>
-          </a:ln>
-        </p:spPr>
-        <p:style>
-          <a:lnRef idx="2">
-            <a:schemeClr val="accent1">
-              <a:shade val="50000"/>
-            </a:schemeClr>
-          </a:lnRef>
-          <a:fillRef idx="1">
-            <a:schemeClr val="accent1"/>
-          </a:fillRef>
-          <a:effectRef idx="0">
-            <a:schemeClr val="accent1"/>
-          </a:effectRef>
-          <a:fontRef idx="minor">
-            <a:schemeClr val="lt1"/>
-          </a:fontRef>
-        </p:style>
-        <p:txBody>
-          <a:bodyPr rtlCol="0" anchor="ctr"/>
-          <a:lstStyle/>
-          <a:p>
-            <a:pPr algn="ctr"/>
-            <a:endParaRPr lang="en-GB">
+          <a:p>
+            <a:pPr marL="457200" lvl="1" indent="0">
+              <a:buNone/>
+            </a:pPr>
+            <a:r>
+              <a:rPr lang="en-GB" sz="2800" b="1" u="sng" dirty="0">
+                <a:solidFill>
+                  <a:srgbClr val="2196F3"/>
+                </a:solidFill>
+                <a:latin typeface="Segoe UI" panose="020B0502040204020203" pitchFamily="34" charset="0"/>
+                <a:cs typeface="Segoe UI" panose="020B0502040204020203" pitchFamily="34" charset="0"/>
+              </a:rPr>
+              <a:t>EVENTS UP</a:t>
+            </a:r>
+          </a:p>
+          <a:p>
+            <a:pPr marL="457200" lvl="1" indent="0">
+              <a:buNone/>
+            </a:pPr>
+            <a:r>
+              <a:rPr lang="en-GB" sz="2800" dirty="0">
+                <a:solidFill>
+                  <a:srgbClr val="2196F3"/>
+                </a:solidFill>
+                <a:latin typeface="Segoe UI" panose="020B0502040204020203" pitchFamily="34" charset="0"/>
+                <a:cs typeface="Segoe UI" panose="020B0502040204020203" pitchFamily="34" charset="0"/>
+              </a:rPr>
+              <a:t>Demo: </a:t>
+            </a:r>
+            <a:r>
+              <a:rPr lang="en-GB" sz="2800" dirty="0">
+                <a:latin typeface="Segoe UI" panose="020B0502040204020203" pitchFamily="34" charset="0"/>
+                <a:cs typeface="Segoe UI" panose="020B0502040204020203" pitchFamily="34" charset="0"/>
+              </a:rPr>
+              <a:t>05-events/15-child-to-parent</a:t>
+            </a:r>
+          </a:p>
+          <a:p>
+            <a:pPr marL="457200" lvl="1" indent="0">
+              <a:buNone/>
+            </a:pPr>
+            <a:r>
+              <a:rPr lang="en-GB" sz="2800" dirty="0">
+                <a:solidFill>
+                  <a:srgbClr val="2196F3"/>
+                </a:solidFill>
+                <a:latin typeface="Segoe UI" panose="020B0502040204020203" pitchFamily="34" charset="0"/>
+                <a:cs typeface="Segoe UI" panose="020B0502040204020203" pitchFamily="34" charset="0"/>
+              </a:rPr>
+              <a:t>We use JS Custom Events to send event and data.</a:t>
+            </a:r>
+          </a:p>
+          <a:p>
+            <a:pPr marL="457200" lvl="1" indent="0">
+              <a:buNone/>
+            </a:pPr>
+            <a:endParaRPr lang="en-GB" dirty="0">
+              <a:solidFill>
+                <a:srgbClr val="2196F3"/>
+              </a:solidFill>
               <a:latin typeface="Segoe UI" panose="020B0502040204020203" pitchFamily="34" charset="0"/>
               <a:cs typeface="Segoe UI" panose="020B0502040204020203" pitchFamily="34" charset="0"/>
             </a:endParaRPr>
           </a:p>
-        </p:txBody>
-      </p:sp>
-      <p:cxnSp>
-        <p:nvCxnSpPr>
-          <p:cNvPr id="18" name="Straight Arrow Connector 17">
-            <a:extLst>
-              <a:ext uri="{FF2B5EF4-FFF2-40B4-BE49-F238E27FC236}">
-                <a16:creationId xmlns:a16="http://schemas.microsoft.com/office/drawing/2014/main" id="{5F7D620A-347A-4465-8346-ADDE9EFF331B}"/>
-              </a:ext>
-            </a:extLst>
-          </p:cNvPr>
-          <p:cNvCxnSpPr>
-            <a:cxnSpLocks/>
-          </p:cNvCxnSpPr>
-          <p:nvPr/>
-        </p:nvCxnSpPr>
-        <p:spPr>
-          <a:xfrm flipV="1">
-            <a:off x="1688841" y="1346327"/>
-            <a:ext cx="0" cy="3029730"/>
-          </a:xfrm>
-          <a:prstGeom prst="straightConnector1">
-            <a:avLst/>
-          </a:prstGeom>
-          <a:ln w="38100">
-            <a:solidFill>
-              <a:schemeClr val="accent1">
-                <a:lumMod val="75000"/>
-              </a:schemeClr>
-            </a:solidFill>
-            <a:tailEnd type="triangle"/>
-          </a:ln>
-        </p:spPr>
-        <p:style>
-          <a:lnRef idx="1">
-            <a:schemeClr val="accent1"/>
-          </a:lnRef>
-          <a:fillRef idx="0">
-            <a:schemeClr val="accent1"/>
-          </a:fillRef>
-          <a:effectRef idx="0">
-            <a:schemeClr val="accent1"/>
-          </a:effectRef>
-          <a:fontRef idx="minor">
-            <a:schemeClr val="tx1"/>
-          </a:fontRef>
-        </p:style>
-      </p:cxnSp>
-      <p:cxnSp>
-        <p:nvCxnSpPr>
-          <p:cNvPr id="22" name="Straight Arrow Connector 21">
-            <a:extLst>
-              <a:ext uri="{FF2B5EF4-FFF2-40B4-BE49-F238E27FC236}">
-                <a16:creationId xmlns:a16="http://schemas.microsoft.com/office/drawing/2014/main" id="{58038E94-A816-4097-B154-9278E5E3AEC5}"/>
-              </a:ext>
-            </a:extLst>
-          </p:cNvPr>
-          <p:cNvCxnSpPr>
-            <a:cxnSpLocks/>
-          </p:cNvCxnSpPr>
-          <p:nvPr/>
-        </p:nvCxnSpPr>
-        <p:spPr>
-          <a:xfrm flipV="1">
-            <a:off x="4266429" y="2692866"/>
-            <a:ext cx="0" cy="1713902"/>
-          </a:xfrm>
-          <a:prstGeom prst="straightConnector1">
-            <a:avLst/>
-          </a:prstGeom>
-          <a:ln w="38100">
-            <a:solidFill>
-              <a:schemeClr val="accent1">
-                <a:lumMod val="75000"/>
-              </a:schemeClr>
-            </a:solidFill>
-            <a:tailEnd type="triangle"/>
-          </a:ln>
-        </p:spPr>
-        <p:style>
-          <a:lnRef idx="1">
-            <a:schemeClr val="accent1"/>
-          </a:lnRef>
-          <a:fillRef idx="0">
-            <a:schemeClr val="accent1"/>
-          </a:fillRef>
-          <a:effectRef idx="0">
-            <a:schemeClr val="accent1"/>
-          </a:effectRef>
-          <a:fontRef idx="minor">
-            <a:schemeClr val="tx1"/>
-          </a:fontRef>
-        </p:style>
-      </p:cxnSp>
-      <p:cxnSp>
-        <p:nvCxnSpPr>
-          <p:cNvPr id="25" name="Straight Arrow Connector 24">
-            <a:extLst>
-              <a:ext uri="{FF2B5EF4-FFF2-40B4-BE49-F238E27FC236}">
-                <a16:creationId xmlns:a16="http://schemas.microsoft.com/office/drawing/2014/main" id="{CE3C969B-AEB4-4EC9-9A8E-B3AE9B64804C}"/>
-              </a:ext>
-            </a:extLst>
-          </p:cNvPr>
-          <p:cNvCxnSpPr/>
-          <p:nvPr/>
-        </p:nvCxnSpPr>
-        <p:spPr>
-          <a:xfrm flipV="1">
-            <a:off x="6263180" y="1666564"/>
-            <a:ext cx="0" cy="2740204"/>
-          </a:xfrm>
-          <a:prstGeom prst="straightConnector1">
-            <a:avLst/>
-          </a:prstGeom>
-          <a:ln w="38100">
-            <a:solidFill>
-              <a:schemeClr val="accent1">
-                <a:lumMod val="75000"/>
-              </a:schemeClr>
-            </a:solidFill>
-            <a:tailEnd type="triangle"/>
-          </a:ln>
-        </p:spPr>
-        <p:style>
-          <a:lnRef idx="1">
-            <a:schemeClr val="accent1"/>
-          </a:lnRef>
-          <a:fillRef idx="0">
-            <a:schemeClr val="accent1"/>
-          </a:fillRef>
-          <a:effectRef idx="0">
-            <a:schemeClr val="accent1"/>
-          </a:effectRef>
-          <a:fontRef idx="minor">
-            <a:schemeClr val="tx1"/>
-          </a:fontRef>
-        </p:style>
-      </p:cxnSp>
-      <p:sp>
-        <p:nvSpPr>
-          <p:cNvPr id="2" name="TextBox 1">
-            <a:extLst>
-              <a:ext uri="{FF2B5EF4-FFF2-40B4-BE49-F238E27FC236}">
-                <a16:creationId xmlns:a16="http://schemas.microsoft.com/office/drawing/2014/main" id="{750521FD-EDC1-47B6-839B-F4D55BFCABCF}"/>
-              </a:ext>
-            </a:extLst>
-          </p:cNvPr>
-          <p:cNvSpPr txBox="1"/>
-          <p:nvPr/>
-        </p:nvSpPr>
-        <p:spPr>
-          <a:xfrm>
-            <a:off x="1388706" y="830901"/>
-            <a:ext cx="3590988" cy="646331"/>
-          </a:xfrm>
-          <a:prstGeom prst="rect">
-            <a:avLst/>
-          </a:prstGeom>
-          <a:noFill/>
-        </p:spPr>
-        <p:txBody>
-          <a:bodyPr wrap="square" rtlCol="0">
-            <a:spAutoFit/>
-          </a:bodyPr>
-          <a:lstStyle/>
-          <a:p>
+          <a:p>
+            <a:pPr marL="457200" lvl="1" indent="0">
+              <a:buNone/>
+            </a:pPr>
             <a:r>
               <a:rPr lang="en-GB" dirty="0">
                 <a:solidFill>
-                  <a:schemeClr val="accent1">
-                    <a:lumMod val="75000"/>
-                  </a:schemeClr>
-                </a:solidFill>
-              </a:rPr>
-              <a:t>&lt;script src=“bundle.js”&gt;&lt;/script&gt;</a:t>
-            </a:r>
-          </a:p>
-          <a:p>
-            <a:r>
-              <a:rPr lang="en-GB" dirty="0">
-                <a:solidFill>
-                  <a:schemeClr val="accent1">
-                    <a:lumMod val="75000"/>
-                  </a:schemeClr>
-                </a:solidFill>
-              </a:rPr>
-              <a:t>&lt;div id=“app”&gt;</a:t>
-            </a:r>
-          </a:p>
-        </p:txBody>
-      </p:sp>
-      <p:sp>
-        <p:nvSpPr>
-          <p:cNvPr id="26" name="TextBox 25">
-            <a:extLst>
-              <a:ext uri="{FF2B5EF4-FFF2-40B4-BE49-F238E27FC236}">
-                <a16:creationId xmlns:a16="http://schemas.microsoft.com/office/drawing/2014/main" id="{92E01203-6628-42AA-B191-2BE8EE04C15B}"/>
-              </a:ext>
-            </a:extLst>
-          </p:cNvPr>
-          <p:cNvSpPr txBox="1"/>
-          <p:nvPr/>
-        </p:nvSpPr>
-        <p:spPr>
-          <a:xfrm>
-            <a:off x="9728713" y="1046454"/>
-            <a:ext cx="1278294" cy="369332"/>
-          </a:xfrm>
-          <a:prstGeom prst="rect">
-            <a:avLst/>
-          </a:prstGeom>
-          <a:solidFill>
-            <a:schemeClr val="accent1">
-              <a:lumMod val="60000"/>
-              <a:lumOff val="40000"/>
-            </a:schemeClr>
-          </a:solidFill>
-        </p:spPr>
-        <p:style>
-          <a:lnRef idx="2">
-            <a:schemeClr val="accent6">
-              <a:shade val="50000"/>
-            </a:schemeClr>
-          </a:lnRef>
-          <a:fillRef idx="1">
-            <a:schemeClr val="accent6"/>
-          </a:fillRef>
-          <a:effectRef idx="0">
-            <a:schemeClr val="accent6"/>
-          </a:effectRef>
-          <a:fontRef idx="minor">
-            <a:schemeClr val="lt1"/>
-          </a:fontRef>
-        </p:style>
-        <p:txBody>
-          <a:bodyPr rtlCol="0" anchor="ctr"/>
-          <a:lstStyle>
-            <a:defPPr>
-              <a:defRPr lang="en-US"/>
-            </a:defPPr>
-            <a:lvl1pPr algn="ctr">
-              <a:defRPr>
-                <a:solidFill>
-                  <a:schemeClr val="lt1"/>
-                </a:solidFill>
-                <a:latin typeface="Segoe UI" panose="020B0502040204020203" pitchFamily="34" charset="0"/>
-                <a:cs typeface="Segoe UI" panose="020B0502040204020203" pitchFamily="34" charset="0"/>
-              </a:defRPr>
-            </a:lvl1pPr>
-            <a:lvl2pPr>
-              <a:defRPr>
-                <a:solidFill>
-                  <a:schemeClr val="lt1"/>
-                </a:solidFill>
-              </a:defRPr>
-            </a:lvl2pPr>
-            <a:lvl3pPr>
-              <a:defRPr>
-                <a:solidFill>
-                  <a:schemeClr val="lt1"/>
-                </a:solidFill>
-              </a:defRPr>
-            </a:lvl3pPr>
-            <a:lvl4pPr>
-              <a:defRPr>
-                <a:solidFill>
-                  <a:schemeClr val="lt1"/>
-                </a:solidFill>
-              </a:defRPr>
-            </a:lvl4pPr>
-            <a:lvl5pPr>
-              <a:defRPr>
-                <a:solidFill>
-                  <a:schemeClr val="lt1"/>
-                </a:solidFill>
-              </a:defRPr>
-            </a:lvl5pPr>
-            <a:lvl6pPr>
-              <a:defRPr>
-                <a:solidFill>
-                  <a:schemeClr val="lt1"/>
-                </a:solidFill>
-              </a:defRPr>
-            </a:lvl6pPr>
-            <a:lvl7pPr>
-              <a:defRPr>
-                <a:solidFill>
-                  <a:schemeClr val="lt1"/>
-                </a:solidFill>
-              </a:defRPr>
-            </a:lvl7pPr>
-            <a:lvl8pPr>
-              <a:defRPr>
-                <a:solidFill>
-                  <a:schemeClr val="lt1"/>
-                </a:solidFill>
-              </a:defRPr>
-            </a:lvl8pPr>
-            <a:lvl9pPr>
-              <a:defRPr>
-                <a:solidFill>
-                  <a:schemeClr val="lt1"/>
-                </a:solidFill>
-              </a:defRPr>
-            </a:lvl9pPr>
-          </a:lstStyle>
-          <a:p>
-            <a:r>
-              <a:rPr lang="en-GB" dirty="0"/>
-              <a:t>WordPress</a:t>
-            </a:r>
-          </a:p>
-        </p:txBody>
-      </p:sp>
-      <p:pic>
-        <p:nvPicPr>
-          <p:cNvPr id="4" name="Graphic 3" descr="Sad face with no fill">
-            <a:extLst>
-              <a:ext uri="{FF2B5EF4-FFF2-40B4-BE49-F238E27FC236}">
-                <a16:creationId xmlns:a16="http://schemas.microsoft.com/office/drawing/2014/main" id="{66A14EB3-BF63-41D8-9A63-AE052D7983C9}"/>
-              </a:ext>
-            </a:extLst>
-          </p:cNvPr>
-          <p:cNvPicPr>
-            <a:picLocks noChangeAspect="1"/>
-          </p:cNvPicPr>
-          <p:nvPr/>
-        </p:nvPicPr>
-        <p:blipFill>
-          <a:blip r:embed="rId2">
-            <a:extLst>
-              <a:ext uri="{28A0092B-C50C-407E-A947-70E740481C1C}">
-                <a14:useLocalDpi xmlns:a14="http://schemas.microsoft.com/office/drawing/2010/main" val="0"/>
-              </a:ext>
-              <a:ext uri="{96DAC541-7B7A-43D3-8B79-37D633B846F1}">
-                <asvg:svgBlip xmlns:asvg="http://schemas.microsoft.com/office/drawing/2016/SVG/main" r:embed="rId3"/>
-              </a:ext>
-            </a:extLst>
-          </a:blip>
-          <a:stretch>
-            <a:fillRect/>
-          </a:stretch>
-        </p:blipFill>
-        <p:spPr>
-          <a:xfrm>
-            <a:off x="9259074" y="1901863"/>
-            <a:ext cx="2155961" cy="2155961"/>
-          </a:xfrm>
-          <a:prstGeom prst="rect">
-            <a:avLst/>
-          </a:prstGeom>
-        </p:spPr>
-      </p:pic>
+                  <a:srgbClr val="2196F3"/>
+                </a:solidFill>
+                <a:latin typeface="Segoe UI" panose="020B0502040204020203" pitchFamily="34" charset="0"/>
+                <a:cs typeface="Segoe UI" panose="020B0502040204020203" pitchFamily="34" charset="0"/>
+              </a:rPr>
+              <a:t>NB Methods and properties on components can be directly accessed. This would be a design choice as components tend to use props down events up, rather than sibling to sibling.</a:t>
+            </a:r>
+          </a:p>
+          <a:p>
+            <a:pPr marL="457200" lvl="1" indent="0">
+              <a:buNone/>
+            </a:pPr>
+            <a:endParaRPr lang="en-GB" sz="6700" dirty="0">
+              <a:solidFill>
+                <a:srgbClr val="2196F3"/>
+              </a:solidFill>
+              <a:latin typeface="Segoe UI" panose="020B0502040204020203" pitchFamily="34" charset="0"/>
+              <a:cs typeface="Segoe UI" panose="020B0502040204020203" pitchFamily="34" charset="0"/>
+            </a:endParaRPr>
+          </a:p>
+          <a:p>
+            <a:pPr marL="457200" lvl="1" indent="0">
+              <a:buNone/>
+            </a:pPr>
+            <a:endParaRPr lang="en-GB" sz="6700" dirty="0">
+              <a:latin typeface="Segoe UI" panose="020B0502040204020203" pitchFamily="34" charset="0"/>
+              <a:cs typeface="Segoe UI" panose="020B0502040204020203" pitchFamily="34" charset="0"/>
+            </a:endParaRPr>
+          </a:p>
+          <a:p>
+            <a:pPr marL="0" indent="0">
+              <a:buNone/>
+            </a:pPr>
+            <a:endParaRPr lang="en-GB" dirty="0">
+              <a:latin typeface="Segoe UI" panose="020B0502040204020203" pitchFamily="34" charset="0"/>
+              <a:cs typeface="Segoe UI" panose="020B0502040204020203" pitchFamily="34" charset="0"/>
+            </a:endParaRPr>
+          </a:p>
+          <a:p>
+            <a:endParaRPr lang="en-GB" dirty="0">
+              <a:latin typeface="Segoe UI" panose="020B0502040204020203" pitchFamily="34" charset="0"/>
+              <a:cs typeface="Segoe UI" panose="020B0502040204020203" pitchFamily="34" charset="0"/>
+            </a:endParaRPr>
+          </a:p>
+        </p:txBody>
+      </p:sp>
     </p:spTree>
     <p:extLst>
       <p:ext uri="{BB962C8B-B14F-4D97-AF65-F5344CB8AC3E}">
-        <p14:creationId xmlns:p14="http://schemas.microsoft.com/office/powerpoint/2010/main" val="2165501006"/>
+        <p14:creationId xmlns:p14="http://schemas.microsoft.com/office/powerpoint/2010/main" val="3886042273"/>
       </p:ext>
     </p:extLst>
   </p:cSld>
@@ -8453,10 +9384,10 @@
       </p:sp>
       <p:cxnSp>
         <p:nvCxnSpPr>
-          <p:cNvPr id="9" name="Straight Connector 8">
-            <a:extLst>
-              <a:ext uri="{FF2B5EF4-FFF2-40B4-BE49-F238E27FC236}">
-                <a16:creationId xmlns:a16="http://schemas.microsoft.com/office/drawing/2014/main" id="{8ECDE257-0E06-4C73-B713-15F600FA91AE}"/>
+          <p:cNvPr id="7" name="Straight Connector 6">
+            <a:extLst>
+              <a:ext uri="{FF2B5EF4-FFF2-40B4-BE49-F238E27FC236}">
+                <a16:creationId xmlns:a16="http://schemas.microsoft.com/office/drawing/2014/main" id="{5B3AFA23-E550-4B2B-8247-AFA75329D28C}"/>
               </a:ext>
             </a:extLst>
           </p:cNvPr>
@@ -8467,19 +9398,16 @@
         </p:nvCxnSpPr>
         <p:spPr>
           <a:xfrm>
-            <a:off x="3097763" y="3437944"/>
-            <a:ext cx="0" cy="2449286"/>
+            <a:off x="8238930" y="0"/>
+            <a:ext cx="0" cy="6858000"/>
           </a:xfrm>
           <a:prstGeom prst="line">
             <a:avLst/>
           </a:prstGeom>
-          <a:ln w="15875" cmpd="dbl">
+          <a:ln w="127000">
             <a:solidFill>
-              <a:schemeClr val="accent6">
-                <a:lumMod val="75000"/>
-              </a:schemeClr>
+              <a:schemeClr val="tx1"/>
             </a:solidFill>
-            <a:prstDash val="lgDash"/>
           </a:ln>
         </p:spPr>
         <p:style>
@@ -8497,12 +9425,58 @@
           </a:fontRef>
         </p:style>
       </p:cxnSp>
-      <p:sp>
-        <p:nvSpPr>
-          <p:cNvPr id="11" name="Rectangle: Rounded Corners 10">
-            <a:extLst>
-              <a:ext uri="{FF2B5EF4-FFF2-40B4-BE49-F238E27FC236}">
-                <a16:creationId xmlns:a16="http://schemas.microsoft.com/office/drawing/2014/main" id="{1D5DB675-0CE6-474A-B918-0BBB81FDF253}"/>
+      <p:cxnSp>
+        <p:nvCxnSpPr>
+          <p:cNvPr id="9" name="Straight Connector 8">
+            <a:extLst>
+              <a:ext uri="{FF2B5EF4-FFF2-40B4-BE49-F238E27FC236}">
+                <a16:creationId xmlns:a16="http://schemas.microsoft.com/office/drawing/2014/main" id="{8ECDE257-0E06-4C73-B713-15F600FA91AE}"/>
+              </a:ext>
+            </a:extLst>
+          </p:cNvPr>
+          <p:cNvCxnSpPr>
+            <a:cxnSpLocks/>
+          </p:cNvCxnSpPr>
+          <p:nvPr/>
+        </p:nvCxnSpPr>
+        <p:spPr>
+          <a:xfrm>
+            <a:off x="3097763" y="3437944"/>
+            <a:ext cx="0" cy="2449286"/>
+          </a:xfrm>
+          <a:prstGeom prst="line">
+            <a:avLst/>
+          </a:prstGeom>
+          <a:ln w="15875" cmpd="dbl">
+            <a:solidFill>
+              <a:schemeClr val="accent6">
+                <a:lumMod val="75000"/>
+              </a:schemeClr>
+            </a:solidFill>
+            <a:prstDash val="lgDash"/>
+          </a:ln>
+        </p:spPr>
+        <p:style>
+          <a:lnRef idx="1">
+            <a:schemeClr val="accent1"/>
+          </a:lnRef>
+          <a:fillRef idx="0">
+            <a:schemeClr val="accent1"/>
+          </a:fillRef>
+          <a:effectRef idx="0">
+            <a:schemeClr val="accent1"/>
+          </a:effectRef>
+          <a:fontRef idx="minor">
+            <a:schemeClr val="tx1"/>
+          </a:fontRef>
+        </p:style>
+      </p:cxnSp>
+      <p:sp>
+        <p:nvSpPr>
+          <p:cNvPr id="13" name="Rectangle: Rounded Corners 12">
+            <a:extLst>
+              <a:ext uri="{FF2B5EF4-FFF2-40B4-BE49-F238E27FC236}">
+                <a16:creationId xmlns:a16="http://schemas.microsoft.com/office/drawing/2014/main" id="{497DB97B-039D-4182-8A21-C324F5A05084}"/>
               </a:ext>
             </a:extLst>
           </p:cNvPr>
@@ -8511,8 +9485,8 @@
         </p:nvSpPr>
         <p:spPr>
           <a:xfrm>
-            <a:off x="9193764" y="709127"/>
-            <a:ext cx="2251787" cy="4609322"/>
+            <a:off x="1244080" y="709127"/>
+            <a:ext cx="5520611" cy="2183363"/>
           </a:xfrm>
           <a:prstGeom prst="roundRect">
             <a:avLst/>
@@ -8558,10 +9532,10 @@
       </p:sp>
       <p:sp>
         <p:nvSpPr>
-          <p:cNvPr id="13" name="Rectangle: Rounded Corners 12">
-            <a:extLst>
-              <a:ext uri="{FF2B5EF4-FFF2-40B4-BE49-F238E27FC236}">
-                <a16:creationId xmlns:a16="http://schemas.microsoft.com/office/drawing/2014/main" id="{497DB97B-039D-4182-8A21-C324F5A05084}"/>
+          <p:cNvPr id="14" name="Rectangle: Rounded Corners 13">
+            <a:extLst>
+              <a:ext uri="{FF2B5EF4-FFF2-40B4-BE49-F238E27FC236}">
+                <a16:creationId xmlns:a16="http://schemas.microsoft.com/office/drawing/2014/main" id="{670B406B-FAA1-4A47-9E0F-388A4554F760}"/>
               </a:ext>
             </a:extLst>
           </p:cNvPr>
@@ -8570,8 +9544,8 @@
         </p:nvSpPr>
         <p:spPr>
           <a:xfrm>
-            <a:off x="1003054" y="777913"/>
-            <a:ext cx="6884431" cy="2183363"/>
+            <a:off x="5951371" y="4406768"/>
+            <a:ext cx="1819470" cy="942392"/>
           </a:xfrm>
           <a:prstGeom prst="roundRect">
             <a:avLst/>
@@ -8617,10 +9591,10 @@
       </p:sp>
       <p:sp>
         <p:nvSpPr>
-          <p:cNvPr id="14" name="Rectangle: Rounded Corners 13">
-            <a:extLst>
-              <a:ext uri="{FF2B5EF4-FFF2-40B4-BE49-F238E27FC236}">
-                <a16:creationId xmlns:a16="http://schemas.microsoft.com/office/drawing/2014/main" id="{670B406B-FAA1-4A47-9E0F-388A4554F760}"/>
+          <p:cNvPr id="15" name="Rectangle: Rounded Corners 14">
+            <a:extLst>
+              <a:ext uri="{FF2B5EF4-FFF2-40B4-BE49-F238E27FC236}">
+                <a16:creationId xmlns:a16="http://schemas.microsoft.com/office/drawing/2014/main" id="{56FA4A14-0892-4CE1-BE7A-A2056ECF1DAC}"/>
               </a:ext>
             </a:extLst>
           </p:cNvPr>
@@ -8629,8 +9603,8 @@
         </p:nvSpPr>
         <p:spPr>
           <a:xfrm>
-            <a:off x="5951371" y="4406768"/>
-            <a:ext cx="1819465" cy="942392"/>
+            <a:off x="3456988" y="4406768"/>
+            <a:ext cx="1819470" cy="942392"/>
           </a:xfrm>
           <a:prstGeom prst="roundRect">
             <a:avLst/>
@@ -8674,12 +9648,210 @@
           </a:p>
         </p:txBody>
       </p:sp>
-      <p:sp>
-        <p:nvSpPr>
-          <p:cNvPr id="15" name="Rectangle: Rounded Corners 14">
-            <a:extLst>
-              <a:ext uri="{FF2B5EF4-FFF2-40B4-BE49-F238E27FC236}">
-                <a16:creationId xmlns:a16="http://schemas.microsoft.com/office/drawing/2014/main" id="{56FA4A14-0892-4CE1-BE7A-A2056ECF1DAC}"/>
+      <p:cxnSp>
+        <p:nvCxnSpPr>
+          <p:cNvPr id="16" name="Straight Connector 15">
+            <a:extLst>
+              <a:ext uri="{FF2B5EF4-FFF2-40B4-BE49-F238E27FC236}">
+                <a16:creationId xmlns:a16="http://schemas.microsoft.com/office/drawing/2014/main" id="{B8646BD2-FF5F-47C6-9788-5228BF540137}"/>
+              </a:ext>
+            </a:extLst>
+          </p:cNvPr>
+          <p:cNvCxnSpPr>
+            <a:cxnSpLocks/>
+          </p:cNvCxnSpPr>
+          <p:nvPr/>
+        </p:nvCxnSpPr>
+        <p:spPr>
+          <a:xfrm>
+            <a:off x="5592147" y="3429000"/>
+            <a:ext cx="0" cy="2449286"/>
+          </a:xfrm>
+          <a:prstGeom prst="line">
+            <a:avLst/>
+          </a:prstGeom>
+          <a:ln w="15875" cmpd="dbl">
+            <a:solidFill>
+              <a:schemeClr val="accent6">
+                <a:lumMod val="75000"/>
+              </a:schemeClr>
+            </a:solidFill>
+            <a:prstDash val="lgDash"/>
+          </a:ln>
+        </p:spPr>
+        <p:style>
+          <a:lnRef idx="1">
+            <a:schemeClr val="accent1"/>
+          </a:lnRef>
+          <a:fillRef idx="0">
+            <a:schemeClr val="accent1"/>
+          </a:fillRef>
+          <a:effectRef idx="0">
+            <a:schemeClr val="accent1"/>
+          </a:effectRef>
+          <a:fontRef idx="minor">
+            <a:schemeClr val="tx1"/>
+          </a:fontRef>
+        </p:style>
+      </p:cxnSp>
+      <p:sp>
+        <p:nvSpPr>
+          <p:cNvPr id="17" name="TextBox 16">
+            <a:extLst>
+              <a:ext uri="{FF2B5EF4-FFF2-40B4-BE49-F238E27FC236}">
+                <a16:creationId xmlns:a16="http://schemas.microsoft.com/office/drawing/2014/main" id="{6E8BFC32-3AFA-4B4C-9172-2CBE21A80A58}"/>
+              </a:ext>
+            </a:extLst>
+          </p:cNvPr>
+          <p:cNvSpPr txBox="1"/>
+          <p:nvPr/>
+        </p:nvSpPr>
+        <p:spPr>
+          <a:xfrm>
+            <a:off x="2362465" y="1178588"/>
+            <a:ext cx="3187956" cy="1446550"/>
+          </a:xfrm>
+          <a:prstGeom prst="rect">
+            <a:avLst/>
+          </a:prstGeom>
+          <a:noFill/>
+        </p:spPr>
+        <p:txBody>
+          <a:bodyPr wrap="square" rtlCol="0">
+            <a:spAutoFit/>
+          </a:bodyPr>
+          <a:lstStyle/>
+          <a:p>
+            <a:r>
+              <a:rPr lang="en-GB" sz="8800" dirty="0">
+                <a:latin typeface="Segoe UI" panose="020B0502040204020203" pitchFamily="34" charset="0"/>
+                <a:cs typeface="Segoe UI" panose="020B0502040204020203" pitchFamily="34" charset="0"/>
+              </a:rPr>
+              <a:t>HTML</a:t>
+            </a:r>
+          </a:p>
+        </p:txBody>
+      </p:sp>
+      <p:sp>
+        <p:nvSpPr>
+          <p:cNvPr id="19" name="TextBox 18">
+            <a:extLst>
+              <a:ext uri="{FF2B5EF4-FFF2-40B4-BE49-F238E27FC236}">
+                <a16:creationId xmlns:a16="http://schemas.microsoft.com/office/drawing/2014/main" id="{C81F58F9-1FC7-477B-877C-80F0959EBC0E}"/>
+              </a:ext>
+            </a:extLst>
+          </p:cNvPr>
+          <p:cNvSpPr txBox="1"/>
+          <p:nvPr/>
+        </p:nvSpPr>
+        <p:spPr>
+          <a:xfrm>
+            <a:off x="6019022" y="4693298"/>
+            <a:ext cx="1686507" cy="369332"/>
+          </a:xfrm>
+          <a:prstGeom prst="rect">
+            <a:avLst/>
+          </a:prstGeom>
+          <a:noFill/>
+        </p:spPr>
+        <p:txBody>
+          <a:bodyPr wrap="square" rtlCol="0">
+            <a:spAutoFit/>
+          </a:bodyPr>
+          <a:lstStyle/>
+          <a:p>
+            <a:r>
+              <a:rPr lang="en-GB" dirty="0">
+                <a:latin typeface="Segoe UI" panose="020B0502040204020203" pitchFamily="34" charset="0"/>
+                <a:cs typeface="Segoe UI" panose="020B0502040204020203" pitchFamily="34" charset="0"/>
+              </a:rPr>
+              <a:t>Framework ...n</a:t>
+            </a:r>
+          </a:p>
+        </p:txBody>
+      </p:sp>
+      <p:sp>
+        <p:nvSpPr>
+          <p:cNvPr id="20" name="TextBox 19">
+            <a:extLst>
+              <a:ext uri="{FF2B5EF4-FFF2-40B4-BE49-F238E27FC236}">
+                <a16:creationId xmlns:a16="http://schemas.microsoft.com/office/drawing/2014/main" id="{FB923CCF-0EA9-4C2D-AC00-B89B13CB18B9}"/>
+              </a:ext>
+            </a:extLst>
+          </p:cNvPr>
+          <p:cNvSpPr txBox="1"/>
+          <p:nvPr/>
+        </p:nvSpPr>
+        <p:spPr>
+          <a:xfrm>
+            <a:off x="3619499" y="4693298"/>
+            <a:ext cx="1488233" cy="369332"/>
+          </a:xfrm>
+          <a:prstGeom prst="rect">
+            <a:avLst/>
+          </a:prstGeom>
+          <a:noFill/>
+        </p:spPr>
+        <p:txBody>
+          <a:bodyPr wrap="square" rtlCol="0">
+            <a:spAutoFit/>
+          </a:bodyPr>
+          <a:lstStyle/>
+          <a:p>
+            <a:r>
+              <a:rPr lang="en-GB" dirty="0">
+                <a:latin typeface="Segoe UI" panose="020B0502040204020203" pitchFamily="34" charset="0"/>
+                <a:cs typeface="Segoe UI" panose="020B0502040204020203" pitchFamily="34" charset="0"/>
+              </a:rPr>
+              <a:t>Framework 2</a:t>
+            </a:r>
+          </a:p>
+        </p:txBody>
+      </p:sp>
+      <p:sp>
+        <p:nvSpPr>
+          <p:cNvPr id="21" name="TextBox 20">
+            <a:extLst>
+              <a:ext uri="{FF2B5EF4-FFF2-40B4-BE49-F238E27FC236}">
+                <a16:creationId xmlns:a16="http://schemas.microsoft.com/office/drawing/2014/main" id="{000E004F-3DEE-453A-880F-3667A9536687}"/>
+              </a:ext>
+            </a:extLst>
+          </p:cNvPr>
+          <p:cNvSpPr txBox="1"/>
+          <p:nvPr/>
+        </p:nvSpPr>
+        <p:spPr>
+          <a:xfrm>
+            <a:off x="1091681" y="4693298"/>
+            <a:ext cx="1488233" cy="369332"/>
+          </a:xfrm>
+          <a:prstGeom prst="rect">
+            <a:avLst/>
+          </a:prstGeom>
+          <a:noFill/>
+        </p:spPr>
+        <p:txBody>
+          <a:bodyPr wrap="square" rtlCol="0">
+            <a:spAutoFit/>
+          </a:bodyPr>
+          <a:lstStyle/>
+          <a:p>
+            <a:r>
+              <a:rPr lang="en-GB" dirty="0">
+                <a:latin typeface="Segoe UI" panose="020B0502040204020203" pitchFamily="34" charset="0"/>
+                <a:cs typeface="Segoe UI" panose="020B0502040204020203" pitchFamily="34" charset="0"/>
+              </a:rPr>
+              <a:t>Framework 1</a:t>
+            </a:r>
+          </a:p>
+        </p:txBody>
+      </p:sp>
+      <p:sp>
+        <p:nvSpPr>
+          <p:cNvPr id="23" name="Rectangle: Rounded Corners 22">
+            <a:extLst>
+              <a:ext uri="{FF2B5EF4-FFF2-40B4-BE49-F238E27FC236}">
+                <a16:creationId xmlns:a16="http://schemas.microsoft.com/office/drawing/2014/main" id="{B8A217E0-2E19-412E-A686-048F33BFC561}"/>
               </a:ext>
             </a:extLst>
           </p:cNvPr>
@@ -8688,8 +9860,8 @@
         </p:nvSpPr>
         <p:spPr>
           <a:xfrm>
-            <a:off x="3456987" y="4406768"/>
-            <a:ext cx="1895667" cy="942392"/>
+            <a:off x="9193762" y="709127"/>
+            <a:ext cx="2251787" cy="4609322"/>
           </a:xfrm>
           <a:prstGeom prst="roundRect">
             <a:avLst/>
@@ -8735,10 +9907,10 @@
       </p:sp>
       <p:cxnSp>
         <p:nvCxnSpPr>
-          <p:cNvPr id="16" name="Straight Connector 15">
-            <a:extLst>
-              <a:ext uri="{FF2B5EF4-FFF2-40B4-BE49-F238E27FC236}">
-                <a16:creationId xmlns:a16="http://schemas.microsoft.com/office/drawing/2014/main" id="{B8646BD2-FF5F-47C6-9788-5228BF540137}"/>
+          <p:cNvPr id="18" name="Straight Arrow Connector 17">
+            <a:extLst>
+              <a:ext uri="{FF2B5EF4-FFF2-40B4-BE49-F238E27FC236}">
+                <a16:creationId xmlns:a16="http://schemas.microsoft.com/office/drawing/2014/main" id="{5F7D620A-347A-4465-8346-ADDE9EFF331B}"/>
               </a:ext>
             </a:extLst>
           </p:cNvPr>
@@ -8748,20 +9920,20 @@
           <p:nvPr/>
         </p:nvCxnSpPr>
         <p:spPr>
-          <a:xfrm>
-            <a:off x="5592147" y="3429000"/>
-            <a:ext cx="0" cy="2449286"/>
-          </a:xfrm>
-          <a:prstGeom prst="line">
+          <a:xfrm flipV="1">
+            <a:off x="1688841" y="1346327"/>
+            <a:ext cx="0" cy="3029730"/>
+          </a:xfrm>
+          <a:prstGeom prst="straightConnector1">
             <a:avLst/>
           </a:prstGeom>
-          <a:ln w="15875" cmpd="dbl">
+          <a:ln w="38100">
             <a:solidFill>
-              <a:schemeClr val="accent6">
+              <a:schemeClr val="accent1">
                 <a:lumMod val="75000"/>
               </a:schemeClr>
             </a:solidFill>
-            <a:prstDash val="lgDash"/>
+            <a:tailEnd type="triangle"/>
           </a:ln>
         </p:spPr>
         <p:style>
@@ -8779,12 +9951,102 @@
           </a:fontRef>
         </p:style>
       </p:cxnSp>
-      <p:sp>
-        <p:nvSpPr>
-          <p:cNvPr id="17" name="TextBox 16">
-            <a:extLst>
-              <a:ext uri="{FF2B5EF4-FFF2-40B4-BE49-F238E27FC236}">
-                <a16:creationId xmlns:a16="http://schemas.microsoft.com/office/drawing/2014/main" id="{6E8BFC32-3AFA-4B4C-9172-2CBE21A80A58}"/>
+      <p:cxnSp>
+        <p:nvCxnSpPr>
+          <p:cNvPr id="22" name="Straight Arrow Connector 21">
+            <a:extLst>
+              <a:ext uri="{FF2B5EF4-FFF2-40B4-BE49-F238E27FC236}">
+                <a16:creationId xmlns:a16="http://schemas.microsoft.com/office/drawing/2014/main" id="{58038E94-A816-4097-B154-9278E5E3AEC5}"/>
+              </a:ext>
+            </a:extLst>
+          </p:cNvPr>
+          <p:cNvCxnSpPr>
+            <a:cxnSpLocks/>
+          </p:cNvCxnSpPr>
+          <p:nvPr/>
+        </p:nvCxnSpPr>
+        <p:spPr>
+          <a:xfrm flipV="1">
+            <a:off x="4266429" y="2692866"/>
+            <a:ext cx="0" cy="1713902"/>
+          </a:xfrm>
+          <a:prstGeom prst="straightConnector1">
+            <a:avLst/>
+          </a:prstGeom>
+          <a:ln w="38100">
+            <a:solidFill>
+              <a:schemeClr val="accent1">
+                <a:lumMod val="75000"/>
+              </a:schemeClr>
+            </a:solidFill>
+            <a:tailEnd type="triangle"/>
+          </a:ln>
+        </p:spPr>
+        <p:style>
+          <a:lnRef idx="1">
+            <a:schemeClr val="accent1"/>
+          </a:lnRef>
+          <a:fillRef idx="0">
+            <a:schemeClr val="accent1"/>
+          </a:fillRef>
+          <a:effectRef idx="0">
+            <a:schemeClr val="accent1"/>
+          </a:effectRef>
+          <a:fontRef idx="minor">
+            <a:schemeClr val="tx1"/>
+          </a:fontRef>
+        </p:style>
+      </p:cxnSp>
+      <p:cxnSp>
+        <p:nvCxnSpPr>
+          <p:cNvPr id="25" name="Straight Arrow Connector 24">
+            <a:extLst>
+              <a:ext uri="{FF2B5EF4-FFF2-40B4-BE49-F238E27FC236}">
+                <a16:creationId xmlns:a16="http://schemas.microsoft.com/office/drawing/2014/main" id="{CE3C969B-AEB4-4EC9-9A8E-B3AE9B64804C}"/>
+              </a:ext>
+            </a:extLst>
+          </p:cNvPr>
+          <p:cNvCxnSpPr/>
+          <p:nvPr/>
+        </p:nvCxnSpPr>
+        <p:spPr>
+          <a:xfrm flipV="1">
+            <a:off x="6263180" y="1666564"/>
+            <a:ext cx="0" cy="2740204"/>
+          </a:xfrm>
+          <a:prstGeom prst="straightConnector1">
+            <a:avLst/>
+          </a:prstGeom>
+          <a:ln w="38100">
+            <a:solidFill>
+              <a:schemeClr val="accent1">
+                <a:lumMod val="75000"/>
+              </a:schemeClr>
+            </a:solidFill>
+            <a:tailEnd type="triangle"/>
+          </a:ln>
+        </p:spPr>
+        <p:style>
+          <a:lnRef idx="1">
+            <a:schemeClr val="accent1"/>
+          </a:lnRef>
+          <a:fillRef idx="0">
+            <a:schemeClr val="accent1"/>
+          </a:fillRef>
+          <a:effectRef idx="0">
+            <a:schemeClr val="accent1"/>
+          </a:effectRef>
+          <a:fontRef idx="minor">
+            <a:schemeClr val="tx1"/>
+          </a:fontRef>
+        </p:style>
+      </p:cxnSp>
+      <p:sp>
+        <p:nvSpPr>
+          <p:cNvPr id="2" name="TextBox 1">
+            <a:extLst>
+              <a:ext uri="{FF2B5EF4-FFF2-40B4-BE49-F238E27FC236}">
+                <a16:creationId xmlns:a16="http://schemas.microsoft.com/office/drawing/2014/main" id="{750521FD-EDC1-47B6-839B-F4D55BFCABCF}"/>
               </a:ext>
             </a:extLst>
           </p:cNvPr>
@@ -8793,8 +10055,8 @@
         </p:nvSpPr>
         <p:spPr>
           <a:xfrm>
-            <a:off x="2908044" y="1063132"/>
-            <a:ext cx="3187956" cy="1446550"/>
+            <a:off x="1388706" y="830901"/>
+            <a:ext cx="3590988" cy="646331"/>
           </a:xfrm>
           <a:prstGeom prst="rect">
             <a:avLst/>
@@ -8808,21 +10070,36 @@
           <a:lstStyle/>
           <a:p>
             <a:r>
-              <a:rPr lang="en-GB" sz="8800" dirty="0">
-                <a:latin typeface="Segoe UI" panose="020B0502040204020203" pitchFamily="34" charset="0"/>
-                <a:cs typeface="Segoe UI" panose="020B0502040204020203" pitchFamily="34" charset="0"/>
-              </a:rPr>
-              <a:t>HTML</a:t>
-            </a:r>
-          </a:p>
-        </p:txBody>
-      </p:sp>
-      <p:sp>
-        <p:nvSpPr>
-          <p:cNvPr id="19" name="TextBox 18">
-            <a:extLst>
-              <a:ext uri="{FF2B5EF4-FFF2-40B4-BE49-F238E27FC236}">
-                <a16:creationId xmlns:a16="http://schemas.microsoft.com/office/drawing/2014/main" id="{C81F58F9-1FC7-477B-877C-80F0959EBC0E}"/>
+              <a:rPr lang="en-GB" dirty="0">
+                <a:solidFill>
+                  <a:schemeClr val="accent1">
+                    <a:lumMod val="75000"/>
+                  </a:schemeClr>
+                </a:solidFill>
+              </a:rPr>
+              <a:t>&lt;script src=“bundle.js”&gt;&lt;/script&gt;</a:t>
+            </a:r>
+          </a:p>
+          <a:p>
+            <a:r>
+              <a:rPr lang="en-GB" dirty="0">
+                <a:solidFill>
+                  <a:schemeClr val="accent1">
+                    <a:lumMod val="75000"/>
+                  </a:schemeClr>
+                </a:solidFill>
+              </a:rPr>
+              <a:t>&lt;div id=“app”&gt;</a:t>
+            </a:r>
+          </a:p>
+        </p:txBody>
+      </p:sp>
+      <p:sp>
+        <p:nvSpPr>
+          <p:cNvPr id="26" name="TextBox 25">
+            <a:extLst>
+              <a:ext uri="{FF2B5EF4-FFF2-40B4-BE49-F238E27FC236}">
+                <a16:creationId xmlns:a16="http://schemas.microsoft.com/office/drawing/2014/main" id="{92E01203-6628-42AA-B191-2BE8EE04C15B}"/>
               </a:ext>
             </a:extLst>
           </p:cNvPr>
@@ -8831,126 +10108,18 @@
         </p:nvSpPr>
         <p:spPr>
           <a:xfrm>
-            <a:off x="6019022" y="4693298"/>
-            <a:ext cx="1702057" cy="369332"/>
+            <a:off x="9728713" y="1046454"/>
+            <a:ext cx="1278294" cy="369332"/>
           </a:xfrm>
           <a:prstGeom prst="rect">
             <a:avLst/>
           </a:prstGeom>
-          <a:noFill/>
-        </p:spPr>
-        <p:txBody>
-          <a:bodyPr wrap="square" rtlCol="0">
-            <a:spAutoFit/>
-          </a:bodyPr>
-          <a:lstStyle/>
-          <a:p>
-            <a:r>
-              <a:rPr lang="en-GB" dirty="0">
-                <a:latin typeface="Segoe UI" panose="020B0502040204020203" pitchFamily="34" charset="0"/>
-                <a:cs typeface="Segoe UI" panose="020B0502040204020203" pitchFamily="34" charset="0"/>
-              </a:rPr>
-              <a:t>Framework ...n</a:t>
-            </a:r>
-          </a:p>
-        </p:txBody>
-      </p:sp>
-      <p:sp>
-        <p:nvSpPr>
-          <p:cNvPr id="20" name="TextBox 19">
-            <a:extLst>
-              <a:ext uri="{FF2B5EF4-FFF2-40B4-BE49-F238E27FC236}">
-                <a16:creationId xmlns:a16="http://schemas.microsoft.com/office/drawing/2014/main" id="{FB923CCF-0EA9-4C2D-AC00-B89B13CB18B9}"/>
-              </a:ext>
-            </a:extLst>
-          </p:cNvPr>
-          <p:cNvSpPr txBox="1"/>
-          <p:nvPr/>
-        </p:nvSpPr>
-        <p:spPr>
-          <a:xfrm>
-            <a:off x="3619499" y="4693298"/>
-            <a:ext cx="1488233" cy="369332"/>
-          </a:xfrm>
-          <a:prstGeom prst="rect">
-            <a:avLst/>
-          </a:prstGeom>
-          <a:noFill/>
-        </p:spPr>
-        <p:txBody>
-          <a:bodyPr wrap="square" rtlCol="0">
-            <a:spAutoFit/>
-          </a:bodyPr>
-          <a:lstStyle/>
-          <a:p>
-            <a:r>
-              <a:rPr lang="en-GB" dirty="0">
-                <a:latin typeface="Segoe UI" panose="020B0502040204020203" pitchFamily="34" charset="0"/>
-                <a:cs typeface="Segoe UI" panose="020B0502040204020203" pitchFamily="34" charset="0"/>
-              </a:rPr>
-              <a:t>Framework 2</a:t>
-            </a:r>
-          </a:p>
-        </p:txBody>
-      </p:sp>
-      <p:sp>
-        <p:nvSpPr>
-          <p:cNvPr id="21" name="TextBox 20">
-            <a:extLst>
-              <a:ext uri="{FF2B5EF4-FFF2-40B4-BE49-F238E27FC236}">
-                <a16:creationId xmlns:a16="http://schemas.microsoft.com/office/drawing/2014/main" id="{000E004F-3DEE-453A-880F-3667A9536687}"/>
-              </a:ext>
-            </a:extLst>
-          </p:cNvPr>
-          <p:cNvSpPr txBox="1"/>
-          <p:nvPr/>
-        </p:nvSpPr>
-        <p:spPr>
-          <a:xfrm>
-            <a:off x="1091681" y="4693298"/>
-            <a:ext cx="1488233" cy="369332"/>
-          </a:xfrm>
-          <a:prstGeom prst="rect">
-            <a:avLst/>
-          </a:prstGeom>
-          <a:noFill/>
-        </p:spPr>
-        <p:txBody>
-          <a:bodyPr wrap="square" rtlCol="0">
-            <a:spAutoFit/>
-          </a:bodyPr>
-          <a:lstStyle/>
-          <a:p>
-            <a:r>
-              <a:rPr lang="en-GB" dirty="0">
-                <a:latin typeface="Segoe UI" panose="020B0502040204020203" pitchFamily="34" charset="0"/>
-                <a:cs typeface="Segoe UI" panose="020B0502040204020203" pitchFamily="34" charset="0"/>
-              </a:rPr>
-              <a:t>Framework 1</a:t>
-            </a:r>
-          </a:p>
-        </p:txBody>
-      </p:sp>
-      <p:sp>
-        <p:nvSpPr>
-          <p:cNvPr id="2" name="Rectangle 1">
-            <a:extLst>
-              <a:ext uri="{FF2B5EF4-FFF2-40B4-BE49-F238E27FC236}">
-                <a16:creationId xmlns:a16="http://schemas.microsoft.com/office/drawing/2014/main" id="{FDD2DDAE-CA83-4119-9F26-87A3775E731D}"/>
-              </a:ext>
-            </a:extLst>
-          </p:cNvPr>
-          <p:cNvSpPr/>
-          <p:nvPr/>
-        </p:nvSpPr>
-        <p:spPr>
-          <a:xfrm>
-            <a:off x="886406" y="3150607"/>
-            <a:ext cx="6884431" cy="811764"/>
-          </a:xfrm>
-          <a:prstGeom prst="rect">
-            <a:avLst/>
-          </a:prstGeom>
+          <a:solidFill>
+            <a:schemeClr val="accent1">
+              <a:lumMod val="60000"/>
+              <a:lumOff val="40000"/>
+            </a:schemeClr>
+          </a:solidFill>
         </p:spPr>
         <p:style>
           <a:lnRef idx="2">
@@ -8970,382 +10139,6 @@
         </p:style>
         <p:txBody>
           <a:bodyPr rtlCol="0" anchor="ctr"/>
-          <a:lstStyle/>
-          <a:p>
-            <a:pPr algn="ctr"/>
-            <a:endParaRPr lang="en-GB">
-              <a:latin typeface="Segoe UI" panose="020B0502040204020203" pitchFamily="34" charset="0"/>
-              <a:cs typeface="Segoe UI" panose="020B0502040204020203" pitchFamily="34" charset="0"/>
-            </a:endParaRPr>
-          </a:p>
-        </p:txBody>
-      </p:sp>
-      <p:sp>
-        <p:nvSpPr>
-          <p:cNvPr id="3" name="TextBox 2">
-            <a:extLst>
-              <a:ext uri="{FF2B5EF4-FFF2-40B4-BE49-F238E27FC236}">
-                <a16:creationId xmlns:a16="http://schemas.microsoft.com/office/drawing/2014/main" id="{0F9AD193-E370-4053-AFC8-A661FCE69253}"/>
-              </a:ext>
-            </a:extLst>
-          </p:cNvPr>
-          <p:cNvSpPr txBox="1"/>
-          <p:nvPr/>
-        </p:nvSpPr>
-        <p:spPr>
-          <a:xfrm>
-            <a:off x="2292122" y="3288787"/>
-            <a:ext cx="4123332" cy="584775"/>
-          </a:xfrm>
-          <a:prstGeom prst="rect">
-            <a:avLst/>
-          </a:prstGeom>
-          <a:noFill/>
-        </p:spPr>
-        <p:txBody>
-          <a:bodyPr wrap="square" rtlCol="0">
-            <a:spAutoFit/>
-          </a:bodyPr>
-          <a:lstStyle/>
-          <a:p>
-            <a:r>
-              <a:rPr lang="en-GB" sz="3200" b="1" dirty="0">
-                <a:solidFill>
-                  <a:schemeClr val="bg1"/>
-                </a:solidFill>
-                <a:latin typeface="Segoe UI" panose="020B0502040204020203" pitchFamily="34" charset="0"/>
-                <a:cs typeface="Segoe UI" panose="020B0502040204020203" pitchFamily="34" charset="0"/>
-              </a:rPr>
-              <a:t>WEB COMPONENTS</a:t>
-            </a:r>
-          </a:p>
-        </p:txBody>
-      </p:sp>
-      <p:cxnSp>
-        <p:nvCxnSpPr>
-          <p:cNvPr id="6" name="Straight Arrow Connector 5">
-            <a:extLst>
-              <a:ext uri="{FF2B5EF4-FFF2-40B4-BE49-F238E27FC236}">
-                <a16:creationId xmlns:a16="http://schemas.microsoft.com/office/drawing/2014/main" id="{D229A287-52AB-46FC-9CD3-F99C53ACEF34}"/>
-              </a:ext>
-            </a:extLst>
-          </p:cNvPr>
-          <p:cNvCxnSpPr/>
-          <p:nvPr/>
-        </p:nvCxnSpPr>
-        <p:spPr>
-          <a:xfrm flipV="1">
-            <a:off x="2062065" y="3960073"/>
-            <a:ext cx="0" cy="415984"/>
-          </a:xfrm>
-          <a:prstGeom prst="straightConnector1">
-            <a:avLst/>
-          </a:prstGeom>
-          <a:ln w="50800">
-            <a:tailEnd type="triangle"/>
-          </a:ln>
-        </p:spPr>
-        <p:style>
-          <a:lnRef idx="1">
-            <a:schemeClr val="accent6"/>
-          </a:lnRef>
-          <a:fillRef idx="0">
-            <a:schemeClr val="accent6"/>
-          </a:fillRef>
-          <a:effectRef idx="0">
-            <a:schemeClr val="accent6"/>
-          </a:effectRef>
-          <a:fontRef idx="minor">
-            <a:schemeClr val="tx1"/>
-          </a:fontRef>
-        </p:style>
-      </p:cxnSp>
-      <p:cxnSp>
-        <p:nvCxnSpPr>
-          <p:cNvPr id="22" name="Straight Arrow Connector 21">
-            <a:extLst>
-              <a:ext uri="{FF2B5EF4-FFF2-40B4-BE49-F238E27FC236}">
-                <a16:creationId xmlns:a16="http://schemas.microsoft.com/office/drawing/2014/main" id="{F12C64DB-7B75-4A11-AC0A-77AB2AC81EAD}"/>
-              </a:ext>
-            </a:extLst>
-          </p:cNvPr>
-          <p:cNvCxnSpPr/>
-          <p:nvPr/>
-        </p:nvCxnSpPr>
-        <p:spPr>
-          <a:xfrm flipV="1">
-            <a:off x="4261757" y="3978735"/>
-            <a:ext cx="0" cy="415984"/>
-          </a:xfrm>
-          <a:prstGeom prst="straightConnector1">
-            <a:avLst/>
-          </a:prstGeom>
-          <a:ln w="50800">
-            <a:tailEnd type="triangle"/>
-          </a:ln>
-        </p:spPr>
-        <p:style>
-          <a:lnRef idx="1">
-            <a:schemeClr val="accent6"/>
-          </a:lnRef>
-          <a:fillRef idx="0">
-            <a:schemeClr val="accent6"/>
-          </a:fillRef>
-          <a:effectRef idx="0">
-            <a:schemeClr val="accent6"/>
-          </a:effectRef>
-          <a:fontRef idx="minor">
-            <a:schemeClr val="tx1"/>
-          </a:fontRef>
-        </p:style>
-      </p:cxnSp>
-      <p:cxnSp>
-        <p:nvCxnSpPr>
-          <p:cNvPr id="23" name="Straight Arrow Connector 22">
-            <a:extLst>
-              <a:ext uri="{FF2B5EF4-FFF2-40B4-BE49-F238E27FC236}">
-                <a16:creationId xmlns:a16="http://schemas.microsoft.com/office/drawing/2014/main" id="{8B1C15C1-C3CB-4D87-A0BB-7C3A15158A95}"/>
-              </a:ext>
-            </a:extLst>
-          </p:cNvPr>
-          <p:cNvCxnSpPr/>
-          <p:nvPr/>
-        </p:nvCxnSpPr>
-        <p:spPr>
-          <a:xfrm flipV="1">
-            <a:off x="6304384" y="3962371"/>
-            <a:ext cx="0" cy="415984"/>
-          </a:xfrm>
-          <a:prstGeom prst="straightConnector1">
-            <a:avLst/>
-          </a:prstGeom>
-          <a:ln w="50800">
-            <a:tailEnd type="triangle"/>
-          </a:ln>
-        </p:spPr>
-        <p:style>
-          <a:lnRef idx="1">
-            <a:schemeClr val="accent6"/>
-          </a:lnRef>
-          <a:fillRef idx="0">
-            <a:schemeClr val="accent6"/>
-          </a:fillRef>
-          <a:effectRef idx="0">
-            <a:schemeClr val="accent6"/>
-          </a:effectRef>
-          <a:fontRef idx="minor">
-            <a:schemeClr val="tx1"/>
-          </a:fontRef>
-        </p:style>
-      </p:cxnSp>
-      <p:cxnSp>
-        <p:nvCxnSpPr>
-          <p:cNvPr id="24" name="Straight Arrow Connector 23">
-            <a:extLst>
-              <a:ext uri="{FF2B5EF4-FFF2-40B4-BE49-F238E27FC236}">
-                <a16:creationId xmlns:a16="http://schemas.microsoft.com/office/drawing/2014/main" id="{163353F7-B0B9-4F80-AC63-42827D10FDAE}"/>
-              </a:ext>
-            </a:extLst>
-          </p:cNvPr>
-          <p:cNvCxnSpPr>
-            <a:cxnSpLocks/>
-          </p:cNvCxnSpPr>
-          <p:nvPr/>
-        </p:nvCxnSpPr>
-        <p:spPr>
-          <a:xfrm flipV="1">
-            <a:off x="4261757" y="2220686"/>
-            <a:ext cx="0" cy="929921"/>
-          </a:xfrm>
-          <a:prstGeom prst="straightConnector1">
-            <a:avLst/>
-          </a:prstGeom>
-          <a:ln w="50800">
-            <a:tailEnd type="triangle"/>
-          </a:ln>
-        </p:spPr>
-        <p:style>
-          <a:lnRef idx="1">
-            <a:schemeClr val="accent6"/>
-          </a:lnRef>
-          <a:fillRef idx="0">
-            <a:schemeClr val="accent6"/>
-          </a:fillRef>
-          <a:effectRef idx="0">
-            <a:schemeClr val="accent6"/>
-          </a:effectRef>
-          <a:fontRef idx="minor">
-            <a:schemeClr val="tx1"/>
-          </a:fontRef>
-        </p:style>
-      </p:cxnSp>
-      <p:cxnSp>
-        <p:nvCxnSpPr>
-          <p:cNvPr id="25" name="Straight Arrow Connector 24">
-            <a:extLst>
-              <a:ext uri="{FF2B5EF4-FFF2-40B4-BE49-F238E27FC236}">
-                <a16:creationId xmlns:a16="http://schemas.microsoft.com/office/drawing/2014/main" id="{CC440C1A-3EF4-4B67-8663-C472C2FCEE45}"/>
-              </a:ext>
-            </a:extLst>
-          </p:cNvPr>
-          <p:cNvCxnSpPr>
-            <a:cxnSpLocks/>
-          </p:cNvCxnSpPr>
-          <p:nvPr/>
-        </p:nvCxnSpPr>
-        <p:spPr>
-          <a:xfrm>
-            <a:off x="2062065" y="3997396"/>
-            <a:ext cx="1464906" cy="490628"/>
-          </a:xfrm>
-          <a:prstGeom prst="straightConnector1">
-            <a:avLst/>
-          </a:prstGeom>
-          <a:ln w="50800">
-            <a:tailEnd type="triangle"/>
-          </a:ln>
-        </p:spPr>
-        <p:style>
-          <a:lnRef idx="1">
-            <a:schemeClr val="accent6"/>
-          </a:lnRef>
-          <a:fillRef idx="0">
-            <a:schemeClr val="accent6"/>
-          </a:fillRef>
-          <a:effectRef idx="0">
-            <a:schemeClr val="accent6"/>
-          </a:effectRef>
-          <a:fontRef idx="minor">
-            <a:schemeClr val="tx1"/>
-          </a:fontRef>
-        </p:style>
-      </p:cxnSp>
-      <p:cxnSp>
-        <p:nvCxnSpPr>
-          <p:cNvPr id="28" name="Straight Arrow Connector 27">
-            <a:extLst>
-              <a:ext uri="{FF2B5EF4-FFF2-40B4-BE49-F238E27FC236}">
-                <a16:creationId xmlns:a16="http://schemas.microsoft.com/office/drawing/2014/main" id="{BB158374-8877-4243-9769-72088526DB6A}"/>
-              </a:ext>
-            </a:extLst>
-          </p:cNvPr>
-          <p:cNvCxnSpPr>
-            <a:cxnSpLocks/>
-          </p:cNvCxnSpPr>
-          <p:nvPr/>
-        </p:nvCxnSpPr>
-        <p:spPr>
-          <a:xfrm>
-            <a:off x="4261757" y="3997396"/>
-            <a:ext cx="1689614" cy="490628"/>
-          </a:xfrm>
-          <a:prstGeom prst="straightConnector1">
-            <a:avLst/>
-          </a:prstGeom>
-          <a:ln w="50800">
-            <a:tailEnd type="triangle"/>
-          </a:ln>
-        </p:spPr>
-        <p:style>
-          <a:lnRef idx="1">
-            <a:schemeClr val="accent6"/>
-          </a:lnRef>
-          <a:fillRef idx="0">
-            <a:schemeClr val="accent6"/>
-          </a:fillRef>
-          <a:effectRef idx="0">
-            <a:schemeClr val="accent6"/>
-          </a:effectRef>
-          <a:fontRef idx="minor">
-            <a:schemeClr val="tx1"/>
-          </a:fontRef>
-        </p:style>
-      </p:cxnSp>
-      <p:sp>
-        <p:nvSpPr>
-          <p:cNvPr id="8" name="Arrow: Right 7">
-            <a:extLst>
-              <a:ext uri="{FF2B5EF4-FFF2-40B4-BE49-F238E27FC236}">
-                <a16:creationId xmlns:a16="http://schemas.microsoft.com/office/drawing/2014/main" id="{25BD3FE5-5BA0-48FE-B758-52C44C0D1DC1}"/>
-              </a:ext>
-            </a:extLst>
-          </p:cNvPr>
-          <p:cNvSpPr/>
-          <p:nvPr/>
-        </p:nvSpPr>
-        <p:spPr>
-          <a:xfrm rot="10800000">
-            <a:off x="7770836" y="3134313"/>
-            <a:ext cx="1411331" cy="825759"/>
-          </a:xfrm>
-          <a:prstGeom prst="rightArrow">
-            <a:avLst/>
-          </a:prstGeom>
-        </p:spPr>
-        <p:style>
-          <a:lnRef idx="2">
-            <a:schemeClr val="accent1">
-              <a:shade val="50000"/>
-            </a:schemeClr>
-          </a:lnRef>
-          <a:fillRef idx="1">
-            <a:schemeClr val="accent1"/>
-          </a:fillRef>
-          <a:effectRef idx="0">
-            <a:schemeClr val="accent1"/>
-          </a:effectRef>
-          <a:fontRef idx="minor">
-            <a:schemeClr val="lt1"/>
-          </a:fontRef>
-        </p:style>
-        <p:txBody>
-          <a:bodyPr rtlCol="0" anchor="ctr"/>
-          <a:lstStyle/>
-          <a:p>
-            <a:pPr algn="ctr"/>
-            <a:endParaRPr lang="en-GB"/>
-          </a:p>
-        </p:txBody>
-      </p:sp>
-      <p:sp>
-        <p:nvSpPr>
-          <p:cNvPr id="30" name="TextBox 29">
-            <a:extLst>
-              <a:ext uri="{FF2B5EF4-FFF2-40B4-BE49-F238E27FC236}">
-                <a16:creationId xmlns:a16="http://schemas.microsoft.com/office/drawing/2014/main" id="{20D77E3C-AC7F-43B7-8FF2-980322AACB93}"/>
-              </a:ext>
-            </a:extLst>
-          </p:cNvPr>
-          <p:cNvSpPr txBox="1"/>
-          <p:nvPr/>
-        </p:nvSpPr>
-        <p:spPr>
-          <a:xfrm>
-            <a:off x="9300027" y="3199941"/>
-            <a:ext cx="2070867" cy="649536"/>
-          </a:xfrm>
-          <a:prstGeom prst="rect">
-            <a:avLst/>
-          </a:prstGeom>
-        </p:spPr>
-        <p:style>
-          <a:lnRef idx="2">
-            <a:schemeClr val="accent6">
-              <a:shade val="50000"/>
-            </a:schemeClr>
-          </a:lnRef>
-          <a:fillRef idx="1">
-            <a:schemeClr val="accent6"/>
-          </a:fillRef>
-          <a:effectRef idx="0">
-            <a:schemeClr val="accent6"/>
-          </a:effectRef>
-          <a:fontRef idx="minor">
-            <a:schemeClr val="lt1"/>
-          </a:fontRef>
-        </p:style>
-        <p:txBody>
-          <a:bodyPr rtlCol="0" anchor="ctr"/>
           <a:lstStyle>
             <a:defPPr>
               <a:defRPr lang="en-US"/>
@@ -9419,104 +10212,17 @@
           <a:p>
             <a:r>
               <a:rPr lang="en-GB" dirty="0"/>
-              <a:t>Web Components</a:t>
-            </a:r>
-          </a:p>
-        </p:txBody>
-      </p:sp>
-      <p:sp>
-        <p:nvSpPr>
-          <p:cNvPr id="7" name="TextBox 6">
-            <a:extLst>
-              <a:ext uri="{FF2B5EF4-FFF2-40B4-BE49-F238E27FC236}">
-                <a16:creationId xmlns:a16="http://schemas.microsoft.com/office/drawing/2014/main" id="{E43BE3A4-2CE9-4073-B059-EA24D3386969}"/>
-              </a:ext>
-            </a:extLst>
-          </p:cNvPr>
-          <p:cNvSpPr txBox="1"/>
-          <p:nvPr/>
-        </p:nvSpPr>
-        <p:spPr>
-          <a:xfrm>
-            <a:off x="9461241" y="4416299"/>
-            <a:ext cx="1844351" cy="646331"/>
-          </a:xfrm>
-          <a:prstGeom prst="rect">
-            <a:avLst/>
-          </a:prstGeom>
-          <a:noFill/>
-        </p:spPr>
-        <p:txBody>
-          <a:bodyPr wrap="square" rtlCol="0">
-            <a:spAutoFit/>
-          </a:bodyPr>
-          <a:lstStyle/>
-          <a:p>
-            <a:r>
-              <a:rPr lang="en-GB" dirty="0"/>
-              <a:t>WP PHP PAGES</a:t>
-            </a:r>
-          </a:p>
-          <a:p>
-            <a:r>
-              <a:rPr lang="en-GB" dirty="0"/>
-              <a:t>Gutenberg Blocks</a:t>
-            </a:r>
-          </a:p>
-        </p:txBody>
-      </p:sp>
-      <p:cxnSp>
-        <p:nvCxnSpPr>
-          <p:cNvPr id="34" name="Straight Arrow Connector 33">
-            <a:extLst>
-              <a:ext uri="{FF2B5EF4-FFF2-40B4-BE49-F238E27FC236}">
-                <a16:creationId xmlns:a16="http://schemas.microsoft.com/office/drawing/2014/main" id="{3224BDD2-743D-4365-AF4A-A42C3D6B51E2}"/>
-              </a:ext>
-            </a:extLst>
-          </p:cNvPr>
-          <p:cNvCxnSpPr>
-            <a:cxnSpLocks/>
-          </p:cNvCxnSpPr>
-          <p:nvPr/>
-        </p:nvCxnSpPr>
-        <p:spPr>
-          <a:xfrm>
-            <a:off x="10319390" y="3873562"/>
-            <a:ext cx="8035" cy="562723"/>
-          </a:xfrm>
-          <a:prstGeom prst="straightConnector1">
-            <a:avLst/>
-          </a:prstGeom>
-          <a:ln w="38100">
-            <a:solidFill>
-              <a:schemeClr val="accent1">
-                <a:lumMod val="75000"/>
-              </a:schemeClr>
-            </a:solidFill>
-            <a:tailEnd type="triangle"/>
-          </a:ln>
-        </p:spPr>
-        <p:style>
-          <a:lnRef idx="1">
-            <a:schemeClr val="accent1"/>
-          </a:lnRef>
-          <a:fillRef idx="0">
-            <a:schemeClr val="accent1"/>
-          </a:fillRef>
-          <a:effectRef idx="0">
-            <a:schemeClr val="accent1"/>
-          </a:effectRef>
-          <a:fontRef idx="minor">
-            <a:schemeClr val="tx1"/>
-          </a:fontRef>
-        </p:style>
-      </p:cxnSp>
+              <a:t>WordPress</a:t>
+            </a:r>
+          </a:p>
+        </p:txBody>
+      </p:sp>
       <p:pic>
         <p:nvPicPr>
-          <p:cNvPr id="10" name="Graphic 9" descr="Smiling face with no fill">
-            <a:extLst>
-              <a:ext uri="{FF2B5EF4-FFF2-40B4-BE49-F238E27FC236}">
-                <a16:creationId xmlns:a16="http://schemas.microsoft.com/office/drawing/2014/main" id="{948FA2EF-7A78-4EE3-B2FE-AE0D3A001999}"/>
+          <p:cNvPr id="4" name="Graphic 3" descr="Sad face with no fill">
+            <a:extLst>
+              <a:ext uri="{FF2B5EF4-FFF2-40B4-BE49-F238E27FC236}">
+                <a16:creationId xmlns:a16="http://schemas.microsoft.com/office/drawing/2014/main" id="{66A14EB3-BF63-41D8-9A63-AE052D7983C9}"/>
               </a:ext>
             </a:extLst>
           </p:cNvPr>
@@ -9542,187 +10248,18 @@
         </p:blipFill>
         <p:spPr>
           <a:xfrm>
-            <a:off x="9541349" y="1296525"/>
-            <a:ext cx="1647597" cy="1647597"/>
+            <a:off x="9259074" y="1901863"/>
+            <a:ext cx="2155961" cy="2155961"/>
           </a:xfrm>
           <a:prstGeom prst="rect">
             <a:avLst/>
           </a:prstGeom>
         </p:spPr>
       </p:pic>
-      <p:cxnSp>
-        <p:nvCxnSpPr>
-          <p:cNvPr id="31" name="Straight Arrow Connector 30">
-            <a:extLst>
-              <a:ext uri="{FF2B5EF4-FFF2-40B4-BE49-F238E27FC236}">
-                <a16:creationId xmlns:a16="http://schemas.microsoft.com/office/drawing/2014/main" id="{337058BE-0D49-4EC0-B972-1EBA8C485F2D}"/>
-              </a:ext>
-            </a:extLst>
-          </p:cNvPr>
-          <p:cNvCxnSpPr>
-            <a:cxnSpLocks/>
-          </p:cNvCxnSpPr>
-          <p:nvPr/>
-        </p:nvCxnSpPr>
-        <p:spPr>
-          <a:xfrm flipH="1" flipV="1">
-            <a:off x="6143841" y="1786407"/>
-            <a:ext cx="3019774" cy="1433290"/>
-          </a:xfrm>
-          <a:prstGeom prst="straightConnector1">
-            <a:avLst/>
-          </a:prstGeom>
-          <a:ln w="76200">
-            <a:solidFill>
-              <a:schemeClr val="accent1">
-                <a:lumMod val="75000"/>
-              </a:schemeClr>
-            </a:solidFill>
-            <a:tailEnd type="triangle"/>
-          </a:ln>
-        </p:spPr>
-        <p:style>
-          <a:lnRef idx="1">
-            <a:schemeClr val="accent1"/>
-          </a:lnRef>
-          <a:fillRef idx="0">
-            <a:schemeClr val="accent1"/>
-          </a:fillRef>
-          <a:effectRef idx="0">
-            <a:schemeClr val="accent1"/>
-          </a:effectRef>
-          <a:fontRef idx="minor">
-            <a:schemeClr val="tx1"/>
-          </a:fontRef>
-        </p:style>
-      </p:cxnSp>
-      <p:sp>
-        <p:nvSpPr>
-          <p:cNvPr id="27" name="TextBox 26">
-            <a:extLst>
-              <a:ext uri="{FF2B5EF4-FFF2-40B4-BE49-F238E27FC236}">
-                <a16:creationId xmlns:a16="http://schemas.microsoft.com/office/drawing/2014/main" id="{1794E5C5-20F5-4436-91DA-BD85E1E31CB0}"/>
-              </a:ext>
-            </a:extLst>
-          </p:cNvPr>
-          <p:cNvSpPr txBox="1"/>
-          <p:nvPr/>
-        </p:nvSpPr>
-        <p:spPr>
-          <a:xfrm>
-            <a:off x="9680243" y="834281"/>
-            <a:ext cx="1278294" cy="369332"/>
-          </a:xfrm>
-          <a:prstGeom prst="rect">
-            <a:avLst/>
-          </a:prstGeom>
-          <a:solidFill>
-            <a:schemeClr val="accent1">
-              <a:lumMod val="60000"/>
-              <a:lumOff val="40000"/>
-            </a:schemeClr>
-          </a:solidFill>
-        </p:spPr>
-        <p:style>
-          <a:lnRef idx="2">
-            <a:schemeClr val="accent6">
-              <a:shade val="50000"/>
-            </a:schemeClr>
-          </a:lnRef>
-          <a:fillRef idx="1">
-            <a:schemeClr val="accent6"/>
-          </a:fillRef>
-          <a:effectRef idx="0">
-            <a:schemeClr val="accent6"/>
-          </a:effectRef>
-          <a:fontRef idx="minor">
-            <a:schemeClr val="lt1"/>
-          </a:fontRef>
-        </p:style>
-        <p:txBody>
-          <a:bodyPr rtlCol="0" anchor="ctr"/>
-          <a:lstStyle>
-            <a:defPPr>
-              <a:defRPr lang="en-US"/>
-            </a:defPPr>
-            <a:lvl1pPr algn="ctr">
-              <a:defRPr>
-                <a:solidFill>
-                  <a:schemeClr val="lt1"/>
-                </a:solidFill>
-                <a:latin typeface="Segoe UI" panose="020B0502040204020203" pitchFamily="34" charset="0"/>
-                <a:cs typeface="Segoe UI" panose="020B0502040204020203" pitchFamily="34" charset="0"/>
-              </a:defRPr>
-            </a:lvl1pPr>
-            <a:lvl2pPr>
-              <a:defRPr>
-                <a:solidFill>
-                  <a:schemeClr val="lt1"/>
-                </a:solidFill>
-              </a:defRPr>
-            </a:lvl2pPr>
-            <a:lvl3pPr>
-              <a:defRPr>
-                <a:solidFill>
-                  <a:schemeClr val="lt1"/>
-                </a:solidFill>
-              </a:defRPr>
-            </a:lvl3pPr>
-            <a:lvl4pPr>
-              <a:defRPr>
-                <a:solidFill>
-                  <a:schemeClr val="lt1"/>
-                </a:solidFill>
-              </a:defRPr>
-            </a:lvl4pPr>
-            <a:lvl5pPr>
-              <a:defRPr>
-                <a:solidFill>
-                  <a:schemeClr val="lt1"/>
-                </a:solidFill>
-              </a:defRPr>
-            </a:lvl5pPr>
-            <a:lvl6pPr>
-              <a:defRPr>
-                <a:solidFill>
-                  <a:schemeClr val="lt1"/>
-                </a:solidFill>
-              </a:defRPr>
-            </a:lvl6pPr>
-            <a:lvl7pPr>
-              <a:defRPr>
-                <a:solidFill>
-                  <a:schemeClr val="lt1"/>
-                </a:solidFill>
-              </a:defRPr>
-            </a:lvl7pPr>
-            <a:lvl8pPr>
-              <a:defRPr>
-                <a:solidFill>
-                  <a:schemeClr val="lt1"/>
-                </a:solidFill>
-              </a:defRPr>
-            </a:lvl8pPr>
-            <a:lvl9pPr>
-              <a:defRPr>
-                <a:solidFill>
-                  <a:schemeClr val="lt1"/>
-                </a:solidFill>
-              </a:defRPr>
-            </a:lvl9pPr>
-          </a:lstStyle>
-          <a:p>
-            <a:r>
-              <a:rPr lang="en-GB" dirty="0"/>
-              <a:t>WordPress</a:t>
-            </a:r>
-          </a:p>
-        </p:txBody>
-      </p:sp>
     </p:spTree>
     <p:extLst>
       <p:ext uri="{BB962C8B-B14F-4D97-AF65-F5344CB8AC3E}">
-        <p14:creationId xmlns:p14="http://schemas.microsoft.com/office/powerpoint/2010/main" val="3043959635"/>
+        <p14:creationId xmlns:p14="http://schemas.microsoft.com/office/powerpoint/2010/main" val="2165501006"/>
       </p:ext>
     </p:extLst>
   </p:cSld>

--- a/webcomponents.pptx
+++ b/webcomponents.pptx
@@ -5,7 +5,7 @@
     <p:sldMasterId id="2147483648" r:id="rId1"/>
   </p:sldMasterIdLst>
   <p:notesMasterIdLst>
-    <p:notesMasterId r:id="rId16"/>
+    <p:notesMasterId r:id="rId18"/>
   </p:notesMasterIdLst>
   <p:sldIdLst>
     <p:sldId id="315" r:id="rId2"/>
@@ -13,15 +13,17 @@
     <p:sldId id="327" r:id="rId4"/>
     <p:sldId id="320" r:id="rId5"/>
     <p:sldId id="328" r:id="rId6"/>
-    <p:sldId id="264" r:id="rId7"/>
-    <p:sldId id="330" r:id="rId8"/>
-    <p:sldId id="329" r:id="rId9"/>
-    <p:sldId id="319" r:id="rId10"/>
-    <p:sldId id="321" r:id="rId11"/>
-    <p:sldId id="326" r:id="rId12"/>
-    <p:sldId id="325" r:id="rId13"/>
-    <p:sldId id="312" r:id="rId14"/>
-    <p:sldId id="279" r:id="rId15"/>
+    <p:sldId id="332" r:id="rId7"/>
+    <p:sldId id="331" r:id="rId8"/>
+    <p:sldId id="264" r:id="rId9"/>
+    <p:sldId id="330" r:id="rId10"/>
+    <p:sldId id="329" r:id="rId11"/>
+    <p:sldId id="319" r:id="rId12"/>
+    <p:sldId id="321" r:id="rId13"/>
+    <p:sldId id="326" r:id="rId14"/>
+    <p:sldId id="325" r:id="rId15"/>
+    <p:sldId id="312" r:id="rId16"/>
+    <p:sldId id="279" r:id="rId17"/>
   </p:sldIdLst>
   <p:sldSz cx="12192000" cy="6858000"/>
   <p:notesSz cx="6858000" cy="9144000"/>
@@ -130,6 +132,8 @@
             <p14:sldId id="327"/>
             <p14:sldId id="320"/>
             <p14:sldId id="328"/>
+            <p14:sldId id="332"/>
+            <p14:sldId id="331"/>
             <p14:sldId id="264"/>
             <p14:sldId id="330"/>
             <p14:sldId id="329"/>
@@ -243,7 +247,7 @@
           <a:p>
             <a:fld id="{70FE56F2-0B60-44FC-AC55-491897A4F355}" type="datetimeFigureOut">
               <a:rPr lang="en-GB" smtClean="0"/>
-              <a:t>11/11/2020</a:t>
+              <a:t>12/11/2020</a:t>
             </a:fld>
             <a:endParaRPr lang="en-GB"/>
           </a:p>
@@ -660,7 +664,7 @@
           <a:p>
             <a:fld id="{4D723AB6-704A-42C8-AB51-31B091223600}" type="datetimeFigureOut">
               <a:rPr lang="en-GB" smtClean="0"/>
-              <a:t>11/11/2020</a:t>
+              <a:t>12/11/2020</a:t>
             </a:fld>
             <a:endParaRPr lang="en-GB"/>
           </a:p>
@@ -860,7 +864,7 @@
           <a:p>
             <a:fld id="{4D723AB6-704A-42C8-AB51-31B091223600}" type="datetimeFigureOut">
               <a:rPr lang="en-GB" smtClean="0"/>
-              <a:t>11/11/2020</a:t>
+              <a:t>12/11/2020</a:t>
             </a:fld>
             <a:endParaRPr lang="en-GB"/>
           </a:p>
@@ -1070,7 +1074,7 @@
           <a:p>
             <a:fld id="{4D723AB6-704A-42C8-AB51-31B091223600}" type="datetimeFigureOut">
               <a:rPr lang="en-GB" smtClean="0"/>
-              <a:t>11/11/2020</a:t>
+              <a:t>12/11/2020</a:t>
             </a:fld>
             <a:endParaRPr lang="en-GB"/>
           </a:p>
@@ -1270,7 +1274,7 @@
           <a:p>
             <a:fld id="{4D723AB6-704A-42C8-AB51-31B091223600}" type="datetimeFigureOut">
               <a:rPr lang="en-GB" smtClean="0"/>
-              <a:t>11/11/2020</a:t>
+              <a:t>12/11/2020</a:t>
             </a:fld>
             <a:endParaRPr lang="en-GB"/>
           </a:p>
@@ -1546,7 +1550,7 @@
           <a:p>
             <a:fld id="{4D723AB6-704A-42C8-AB51-31B091223600}" type="datetimeFigureOut">
               <a:rPr lang="en-GB" smtClean="0"/>
-              <a:t>11/11/2020</a:t>
+              <a:t>12/11/2020</a:t>
             </a:fld>
             <a:endParaRPr lang="en-GB"/>
           </a:p>
@@ -1814,7 +1818,7 @@
           <a:p>
             <a:fld id="{4D723AB6-704A-42C8-AB51-31B091223600}" type="datetimeFigureOut">
               <a:rPr lang="en-GB" smtClean="0"/>
-              <a:t>11/11/2020</a:t>
+              <a:t>12/11/2020</a:t>
             </a:fld>
             <a:endParaRPr lang="en-GB"/>
           </a:p>
@@ -2229,7 +2233,7 @@
           <a:p>
             <a:fld id="{4D723AB6-704A-42C8-AB51-31B091223600}" type="datetimeFigureOut">
               <a:rPr lang="en-GB" smtClean="0"/>
-              <a:t>11/11/2020</a:t>
+              <a:t>12/11/2020</a:t>
             </a:fld>
             <a:endParaRPr lang="en-GB"/>
           </a:p>
@@ -2371,7 +2375,7 @@
           <a:p>
             <a:fld id="{4D723AB6-704A-42C8-AB51-31B091223600}" type="datetimeFigureOut">
               <a:rPr lang="en-GB" smtClean="0"/>
-              <a:t>11/11/2020</a:t>
+              <a:t>12/11/2020</a:t>
             </a:fld>
             <a:endParaRPr lang="en-GB"/>
           </a:p>
@@ -2484,7 +2488,7 @@
           <a:p>
             <a:fld id="{4D723AB6-704A-42C8-AB51-31B091223600}" type="datetimeFigureOut">
               <a:rPr lang="en-GB" smtClean="0"/>
-              <a:t>11/11/2020</a:t>
+              <a:t>12/11/2020</a:t>
             </a:fld>
             <a:endParaRPr lang="en-GB"/>
           </a:p>
@@ -2797,7 +2801,7 @@
           <a:p>
             <a:fld id="{4D723AB6-704A-42C8-AB51-31B091223600}" type="datetimeFigureOut">
               <a:rPr lang="en-GB" smtClean="0"/>
-              <a:t>11/11/2020</a:t>
+              <a:t>12/11/2020</a:t>
             </a:fld>
             <a:endParaRPr lang="en-GB"/>
           </a:p>
@@ -3086,7 +3090,7 @@
           <a:p>
             <a:fld id="{4D723AB6-704A-42C8-AB51-31B091223600}" type="datetimeFigureOut">
               <a:rPr lang="en-GB" smtClean="0"/>
-              <a:t>11/11/2020</a:t>
+              <a:t>12/11/2020</a:t>
             </a:fld>
             <a:endParaRPr lang="en-GB"/>
           </a:p>
@@ -3329,7 +3333,7 @@
           <a:p>
             <a:fld id="{4D723AB6-704A-42C8-AB51-31B091223600}" type="datetimeFigureOut">
               <a:rPr lang="en-GB" smtClean="0"/>
-              <a:t>11/11/2020</a:t>
+              <a:t>12/11/2020</a:t>
             </a:fld>
             <a:endParaRPr lang="en-GB"/>
           </a:p>
@@ -3888,71 +3892,25 @@
                 <a:latin typeface="Segoe UI" panose="020B0502040204020203" pitchFamily="34" charset="0"/>
                 <a:cs typeface="Segoe UI" panose="020B0502040204020203" pitchFamily="34" charset="0"/>
               </a:rPr>
-              <a:t>Feel free to contact me: </a:t>
-            </a:r>
-            <a:r>
-              <a:rPr lang="en-GB" sz="4000" b="1" dirty="0">
-                <a:solidFill>
-                  <a:srgbClr val="002060"/>
-                </a:solidFill>
-                <a:latin typeface="Segoe UI" panose="020B0502040204020203" pitchFamily="34" charset="0"/>
-                <a:cs typeface="Segoe UI" panose="020B0502040204020203" pitchFamily="34" charset="0"/>
-                <a:hlinkClick r:id="rId2">
-                  <a:extLst>
-                    <a:ext uri="{A12FA001-AC4F-418D-AE19-62706E023703}">
-                      <ahyp:hlinkClr xmlns:ahyp="http://schemas.microsoft.com/office/drawing/2018/hyperlinkcolor" val="tx"/>
-                    </a:ext>
-                  </a:extLst>
-                </a:hlinkClick>
-              </a:rPr>
-              <a:t>craig@wpjs.co.uk</a:t>
-            </a:r>
-            <a:endParaRPr lang="en-GB" sz="600" b="1" dirty="0">
-              <a:solidFill>
-                <a:srgbClr val="002060"/>
-              </a:solidFill>
-              <a:latin typeface="Segoe UI" panose="020B0502040204020203" pitchFamily="34" charset="0"/>
-              <a:cs typeface="Segoe UI" panose="020B0502040204020203" pitchFamily="34" charset="0"/>
-            </a:endParaRPr>
-          </a:p>
-          <a:p>
-            <a:pPr marL="457200" lvl="1" indent="0">
-              <a:buNone/>
-            </a:pPr>
-            <a:endParaRPr lang="en-GB" sz="300" dirty="0">
+              <a:t>Repo with course files, accompanying  YouTube videos as well as </a:t>
+            </a:r>
+            <a:r>
+              <a:rPr lang="en-GB" sz="4000">
+                <a:solidFill>
+                  <a:srgbClr val="2196F3"/>
+                </a:solidFill>
+                <a:latin typeface="Segoe UI" panose="020B0502040204020203" pitchFamily="34" charset="0"/>
+                <a:cs typeface="Segoe UI" panose="020B0502040204020203" pitchFamily="34" charset="0"/>
+              </a:rPr>
+              <a:t>these slides:</a:t>
+            </a:r>
+            <a:endParaRPr lang="en-GB" sz="4000" dirty="0">
               <a:solidFill>
                 <a:srgbClr val="2196F3"/>
               </a:solidFill>
               <a:latin typeface="Segoe UI" panose="020B0502040204020203" pitchFamily="34" charset="0"/>
               <a:cs typeface="Segoe UI" panose="020B0502040204020203" pitchFamily="34" charset="0"/>
             </a:endParaRPr>
-          </a:p>
-          <a:p>
-            <a:pPr marL="457200" lvl="1" indent="0">
-              <a:buNone/>
-            </a:pPr>
-            <a:endParaRPr lang="en-GB" sz="1600" dirty="0">
-              <a:solidFill>
-                <a:srgbClr val="2196F3"/>
-              </a:solidFill>
-              <a:latin typeface="Segoe UI" panose="020B0502040204020203" pitchFamily="34" charset="0"/>
-              <a:cs typeface="Segoe UI" panose="020B0502040204020203" pitchFamily="34" charset="0"/>
-            </a:endParaRPr>
-          </a:p>
-          <a:p>
-            <a:pPr marL="457200" lvl="1" indent="0">
-              <a:buNone/>
-            </a:pPr>
-            <a:r>
-              <a:rPr lang="en-GB" sz="4000" dirty="0">
-                <a:solidFill>
-                  <a:srgbClr val="2196F3"/>
-                </a:solidFill>
-                <a:latin typeface="Segoe UI" panose="020B0502040204020203" pitchFamily="34" charset="0"/>
-                <a:cs typeface="Segoe UI" panose="020B0502040204020203" pitchFamily="34" charset="0"/>
-              </a:rPr>
-              <a:t>Repo with course files, YouTube videos and slides:</a:t>
-            </a:r>
           </a:p>
           <a:p>
             <a:pPr marL="457200" lvl="1" indent="0">
@@ -3976,7 +3934,7 @@
               </a:solidFill>
               <a:latin typeface="Segoe UI" panose="020B0502040204020203" pitchFamily="34" charset="0"/>
               <a:cs typeface="Segoe UI" panose="020B0502040204020203" pitchFamily="34" charset="0"/>
-              <a:hlinkClick r:id="rId3">
+              <a:hlinkClick r:id="rId2">
                 <a:extLst>
                   <a:ext uri="{A12FA001-AC4F-418D-AE19-62706E023703}">
                     <ahyp:hlinkClr xmlns:ahyp="http://schemas.microsoft.com/office/drawing/2018/hyperlinkcolor" val="tx"/>
@@ -3996,7 +3954,7 @@
                 </a:solidFill>
                 <a:latin typeface="Segoe UI" panose="020B0502040204020203" pitchFamily="34" charset="0"/>
                 <a:cs typeface="Segoe UI" panose="020B0502040204020203" pitchFamily="34" charset="0"/>
-                <a:hlinkClick r:id="rId3">
+                <a:hlinkClick r:id="rId2">
                   <a:extLst>
                     <a:ext uri="{A12FA001-AC4F-418D-AE19-62706E023703}">
                       <ahyp:hlinkClr xmlns:ahyp="http://schemas.microsoft.com/office/drawing/2018/hyperlinkcolor" val="tx"/>
@@ -4072,1335 +4030,279 @@
       </p:grpSpPr>
       <p:sp>
         <p:nvSpPr>
-          <p:cNvPr id="5" name="Rectangle: Rounded Corners 4">
-            <a:extLst>
-              <a:ext uri="{FF2B5EF4-FFF2-40B4-BE49-F238E27FC236}">
-                <a16:creationId xmlns:a16="http://schemas.microsoft.com/office/drawing/2014/main" id="{65B1CF75-47B8-4AC4-BD1E-926B376FD50D}"/>
-              </a:ext>
-            </a:extLst>
-          </p:cNvPr>
-          <p:cNvSpPr/>
-          <p:nvPr/>
+          <p:cNvPr id="2" name="Title 1">
+            <a:extLst>
+              <a:ext uri="{FF2B5EF4-FFF2-40B4-BE49-F238E27FC236}">
+                <a16:creationId xmlns:a16="http://schemas.microsoft.com/office/drawing/2014/main" id="{5D7568B3-EC9A-45DD-8A17-CFE685194B65}"/>
+              </a:ext>
+            </a:extLst>
+          </p:cNvPr>
+          <p:cNvSpPr>
+            <a:spLocks noGrp="1"/>
+          </p:cNvSpPr>
+          <p:nvPr>
+            <p:ph type="title"/>
+          </p:nvPr>
         </p:nvSpPr>
         <p:spPr>
           <a:xfrm>
-            <a:off x="886408" y="4376057"/>
-            <a:ext cx="1819470" cy="942392"/>
-          </a:xfrm>
-          <a:prstGeom prst="roundRect">
-            <a:avLst/>
-          </a:prstGeom>
+            <a:off x="838200" y="0"/>
+            <a:ext cx="10515600" cy="1325563"/>
+          </a:xfrm>
           <a:solidFill>
-            <a:schemeClr val="bg1">
-              <a:lumMod val="85000"/>
-            </a:schemeClr>
+            <a:srgbClr val="2196F3"/>
           </a:solidFill>
-          <a:ln w="28575">
-            <a:solidFill>
-              <a:srgbClr val="FF0000"/>
-            </a:solidFill>
-          </a:ln>
-        </p:spPr>
-        <p:style>
-          <a:lnRef idx="2">
-            <a:schemeClr val="accent1">
-              <a:shade val="50000"/>
-            </a:schemeClr>
-          </a:lnRef>
-          <a:fillRef idx="1">
-            <a:schemeClr val="accent1"/>
-          </a:fillRef>
-          <a:effectRef idx="0">
-            <a:schemeClr val="accent1"/>
-          </a:effectRef>
-          <a:fontRef idx="minor">
-            <a:schemeClr val="lt1"/>
-          </a:fontRef>
-        </p:style>
-        <p:txBody>
-          <a:bodyPr rtlCol="0" anchor="ctr"/>
-          <a:lstStyle/>
-          <a:p>
-            <a:pPr algn="ctr"/>
-            <a:endParaRPr lang="en-GB">
-              <a:latin typeface="Segoe UI" panose="020B0502040204020203" pitchFamily="34" charset="0"/>
-              <a:cs typeface="Segoe UI" panose="020B0502040204020203" pitchFamily="34" charset="0"/>
-            </a:endParaRPr>
-          </a:p>
-        </p:txBody>
-      </p:sp>
-      <p:cxnSp>
-        <p:nvCxnSpPr>
-          <p:cNvPr id="9" name="Straight Connector 8">
-            <a:extLst>
-              <a:ext uri="{FF2B5EF4-FFF2-40B4-BE49-F238E27FC236}">
-                <a16:creationId xmlns:a16="http://schemas.microsoft.com/office/drawing/2014/main" id="{8ECDE257-0E06-4C73-B713-15F600FA91AE}"/>
-              </a:ext>
-            </a:extLst>
-          </p:cNvPr>
-          <p:cNvCxnSpPr>
-            <a:cxnSpLocks/>
-          </p:cNvCxnSpPr>
-          <p:nvPr/>
-        </p:nvCxnSpPr>
-        <p:spPr>
-          <a:xfrm>
-            <a:off x="3097763" y="3437944"/>
-            <a:ext cx="0" cy="2449286"/>
-          </a:xfrm>
-          <a:prstGeom prst="line">
-            <a:avLst/>
-          </a:prstGeom>
-          <a:ln w="15875" cmpd="dbl">
-            <a:solidFill>
-              <a:schemeClr val="accent6">
-                <a:lumMod val="75000"/>
-              </a:schemeClr>
-            </a:solidFill>
-            <a:prstDash val="lgDash"/>
-          </a:ln>
-        </p:spPr>
-        <p:style>
-          <a:lnRef idx="1">
-            <a:schemeClr val="accent1"/>
-          </a:lnRef>
-          <a:fillRef idx="0">
-            <a:schemeClr val="accent1"/>
-          </a:fillRef>
-          <a:effectRef idx="0">
-            <a:schemeClr val="accent1"/>
-          </a:effectRef>
-          <a:fontRef idx="minor">
-            <a:schemeClr val="tx1"/>
-          </a:fontRef>
-        </p:style>
-      </p:cxnSp>
-      <p:sp>
-        <p:nvSpPr>
-          <p:cNvPr id="11" name="Rectangle: Rounded Corners 10">
-            <a:extLst>
-              <a:ext uri="{FF2B5EF4-FFF2-40B4-BE49-F238E27FC236}">
-                <a16:creationId xmlns:a16="http://schemas.microsoft.com/office/drawing/2014/main" id="{1D5DB675-0CE6-474A-B918-0BBB81FDF253}"/>
-              </a:ext>
-            </a:extLst>
-          </p:cNvPr>
-          <p:cNvSpPr/>
-          <p:nvPr/>
-        </p:nvSpPr>
-        <p:spPr>
-          <a:xfrm>
-            <a:off x="9193764" y="709127"/>
-            <a:ext cx="2251787" cy="4609322"/>
-          </a:xfrm>
-          <a:prstGeom prst="roundRect">
-            <a:avLst/>
-          </a:prstGeom>
-          <a:solidFill>
-            <a:schemeClr val="bg1">
-              <a:lumMod val="85000"/>
-            </a:schemeClr>
-          </a:solidFill>
-          <a:ln w="28575">
-            <a:solidFill>
-              <a:srgbClr val="FF0000"/>
-            </a:solidFill>
-          </a:ln>
-        </p:spPr>
-        <p:style>
-          <a:lnRef idx="2">
-            <a:schemeClr val="accent1">
-              <a:shade val="50000"/>
-            </a:schemeClr>
-          </a:lnRef>
-          <a:fillRef idx="1">
-            <a:schemeClr val="accent1"/>
-          </a:fillRef>
-          <a:effectRef idx="0">
-            <a:schemeClr val="accent1"/>
-          </a:effectRef>
-          <a:fontRef idx="minor">
-            <a:schemeClr val="lt1"/>
-          </a:fontRef>
-        </p:style>
-        <p:txBody>
-          <a:bodyPr rtlCol="0" anchor="ctr"/>
-          <a:lstStyle/>
-          <a:p>
-            <a:pPr algn="ctr"/>
-            <a:endParaRPr lang="en-GB">
-              <a:latin typeface="Segoe UI" panose="020B0502040204020203" pitchFamily="34" charset="0"/>
-              <a:cs typeface="Segoe UI" panose="020B0502040204020203" pitchFamily="34" charset="0"/>
-            </a:endParaRPr>
-          </a:p>
-        </p:txBody>
-      </p:sp>
-      <p:sp>
-        <p:nvSpPr>
-          <p:cNvPr id="13" name="Rectangle: Rounded Corners 12">
-            <a:extLst>
-              <a:ext uri="{FF2B5EF4-FFF2-40B4-BE49-F238E27FC236}">
-                <a16:creationId xmlns:a16="http://schemas.microsoft.com/office/drawing/2014/main" id="{497DB97B-039D-4182-8A21-C324F5A05084}"/>
-              </a:ext>
-            </a:extLst>
-          </p:cNvPr>
-          <p:cNvSpPr/>
-          <p:nvPr/>
-        </p:nvSpPr>
-        <p:spPr>
-          <a:xfrm>
-            <a:off x="1003054" y="777913"/>
-            <a:ext cx="6884431" cy="2183363"/>
-          </a:xfrm>
-          <a:prstGeom prst="roundRect">
-            <a:avLst/>
-          </a:prstGeom>
-          <a:solidFill>
-            <a:schemeClr val="bg1">
-              <a:lumMod val="85000"/>
-            </a:schemeClr>
-          </a:solidFill>
-          <a:ln w="28575">
-            <a:solidFill>
-              <a:srgbClr val="FF0000"/>
-            </a:solidFill>
-          </a:ln>
-        </p:spPr>
-        <p:style>
-          <a:lnRef idx="2">
-            <a:schemeClr val="accent1">
-              <a:shade val="50000"/>
-            </a:schemeClr>
-          </a:lnRef>
-          <a:fillRef idx="1">
-            <a:schemeClr val="accent1"/>
-          </a:fillRef>
-          <a:effectRef idx="0">
-            <a:schemeClr val="accent1"/>
-          </a:effectRef>
-          <a:fontRef idx="minor">
-            <a:schemeClr val="lt1"/>
-          </a:fontRef>
-        </p:style>
-        <p:txBody>
-          <a:bodyPr rtlCol="0" anchor="ctr"/>
-          <a:lstStyle/>
-          <a:p>
-            <a:pPr algn="ctr"/>
-            <a:endParaRPr lang="en-GB">
-              <a:latin typeface="Segoe UI" panose="020B0502040204020203" pitchFamily="34" charset="0"/>
-              <a:cs typeface="Segoe UI" panose="020B0502040204020203" pitchFamily="34" charset="0"/>
-            </a:endParaRPr>
-          </a:p>
-        </p:txBody>
-      </p:sp>
-      <p:sp>
-        <p:nvSpPr>
-          <p:cNvPr id="14" name="Rectangle: Rounded Corners 13">
-            <a:extLst>
-              <a:ext uri="{FF2B5EF4-FFF2-40B4-BE49-F238E27FC236}">
-                <a16:creationId xmlns:a16="http://schemas.microsoft.com/office/drawing/2014/main" id="{670B406B-FAA1-4A47-9E0F-388A4554F760}"/>
-              </a:ext>
-            </a:extLst>
-          </p:cNvPr>
-          <p:cNvSpPr/>
-          <p:nvPr/>
-        </p:nvSpPr>
-        <p:spPr>
-          <a:xfrm>
-            <a:off x="5951371" y="4406768"/>
-            <a:ext cx="1819465" cy="942392"/>
-          </a:xfrm>
-          <a:prstGeom prst="roundRect">
-            <a:avLst/>
-          </a:prstGeom>
-          <a:solidFill>
-            <a:schemeClr val="bg1">
-              <a:lumMod val="85000"/>
-            </a:schemeClr>
-          </a:solidFill>
-          <a:ln w="28575">
-            <a:solidFill>
-              <a:srgbClr val="FF0000"/>
-            </a:solidFill>
-          </a:ln>
-        </p:spPr>
-        <p:style>
-          <a:lnRef idx="2">
-            <a:schemeClr val="accent1">
-              <a:shade val="50000"/>
-            </a:schemeClr>
-          </a:lnRef>
-          <a:fillRef idx="1">
-            <a:schemeClr val="accent1"/>
-          </a:fillRef>
-          <a:effectRef idx="0">
-            <a:schemeClr val="accent1"/>
-          </a:effectRef>
-          <a:fontRef idx="minor">
-            <a:schemeClr val="lt1"/>
-          </a:fontRef>
-        </p:style>
-        <p:txBody>
-          <a:bodyPr rtlCol="0" anchor="ctr"/>
-          <a:lstStyle/>
-          <a:p>
-            <a:pPr algn="ctr"/>
-            <a:endParaRPr lang="en-GB">
-              <a:latin typeface="Segoe UI" panose="020B0502040204020203" pitchFamily="34" charset="0"/>
-              <a:cs typeface="Segoe UI" panose="020B0502040204020203" pitchFamily="34" charset="0"/>
-            </a:endParaRPr>
-          </a:p>
-        </p:txBody>
-      </p:sp>
-      <p:sp>
-        <p:nvSpPr>
-          <p:cNvPr id="15" name="Rectangle: Rounded Corners 14">
-            <a:extLst>
-              <a:ext uri="{FF2B5EF4-FFF2-40B4-BE49-F238E27FC236}">
-                <a16:creationId xmlns:a16="http://schemas.microsoft.com/office/drawing/2014/main" id="{56FA4A14-0892-4CE1-BE7A-A2056ECF1DAC}"/>
-              </a:ext>
-            </a:extLst>
-          </p:cNvPr>
-          <p:cNvSpPr/>
-          <p:nvPr/>
-        </p:nvSpPr>
-        <p:spPr>
-          <a:xfrm>
-            <a:off x="3456987" y="4406768"/>
-            <a:ext cx="1895667" cy="942392"/>
-          </a:xfrm>
-          <a:prstGeom prst="roundRect">
-            <a:avLst/>
-          </a:prstGeom>
-          <a:solidFill>
-            <a:schemeClr val="bg1">
-              <a:lumMod val="85000"/>
-            </a:schemeClr>
-          </a:solidFill>
-          <a:ln w="28575">
-            <a:solidFill>
-              <a:srgbClr val="FF0000"/>
-            </a:solidFill>
-          </a:ln>
-        </p:spPr>
-        <p:style>
-          <a:lnRef idx="2">
-            <a:schemeClr val="accent1">
-              <a:shade val="50000"/>
-            </a:schemeClr>
-          </a:lnRef>
-          <a:fillRef idx="1">
-            <a:schemeClr val="accent1"/>
-          </a:fillRef>
-          <a:effectRef idx="0">
-            <a:schemeClr val="accent1"/>
-          </a:effectRef>
-          <a:fontRef idx="minor">
-            <a:schemeClr val="lt1"/>
-          </a:fontRef>
-        </p:style>
-        <p:txBody>
-          <a:bodyPr rtlCol="0" anchor="ctr"/>
-          <a:lstStyle/>
-          <a:p>
-            <a:pPr algn="ctr"/>
-            <a:endParaRPr lang="en-GB">
-              <a:latin typeface="Segoe UI" panose="020B0502040204020203" pitchFamily="34" charset="0"/>
-              <a:cs typeface="Segoe UI" panose="020B0502040204020203" pitchFamily="34" charset="0"/>
-            </a:endParaRPr>
-          </a:p>
-        </p:txBody>
-      </p:sp>
-      <p:cxnSp>
-        <p:nvCxnSpPr>
-          <p:cNvPr id="16" name="Straight Connector 15">
-            <a:extLst>
-              <a:ext uri="{FF2B5EF4-FFF2-40B4-BE49-F238E27FC236}">
-                <a16:creationId xmlns:a16="http://schemas.microsoft.com/office/drawing/2014/main" id="{B8646BD2-FF5F-47C6-9788-5228BF540137}"/>
-              </a:ext>
-            </a:extLst>
-          </p:cNvPr>
-          <p:cNvCxnSpPr>
-            <a:cxnSpLocks/>
-          </p:cNvCxnSpPr>
-          <p:nvPr/>
-        </p:nvCxnSpPr>
-        <p:spPr>
-          <a:xfrm>
-            <a:off x="5592147" y="3429000"/>
-            <a:ext cx="0" cy="2449286"/>
-          </a:xfrm>
-          <a:prstGeom prst="line">
-            <a:avLst/>
-          </a:prstGeom>
-          <a:ln w="15875" cmpd="dbl">
-            <a:solidFill>
-              <a:schemeClr val="accent6">
-                <a:lumMod val="75000"/>
-              </a:schemeClr>
-            </a:solidFill>
-            <a:prstDash val="lgDash"/>
-          </a:ln>
-        </p:spPr>
-        <p:style>
-          <a:lnRef idx="1">
-            <a:schemeClr val="accent1"/>
-          </a:lnRef>
-          <a:fillRef idx="0">
-            <a:schemeClr val="accent1"/>
-          </a:fillRef>
-          <a:effectRef idx="0">
-            <a:schemeClr val="accent1"/>
-          </a:effectRef>
-          <a:fontRef idx="minor">
-            <a:schemeClr val="tx1"/>
-          </a:fontRef>
-        </p:style>
-      </p:cxnSp>
-      <p:sp>
-        <p:nvSpPr>
-          <p:cNvPr id="17" name="TextBox 16">
-            <a:extLst>
-              <a:ext uri="{FF2B5EF4-FFF2-40B4-BE49-F238E27FC236}">
-                <a16:creationId xmlns:a16="http://schemas.microsoft.com/office/drawing/2014/main" id="{6E8BFC32-3AFA-4B4C-9172-2CBE21A80A58}"/>
-              </a:ext>
-            </a:extLst>
-          </p:cNvPr>
-          <p:cNvSpPr txBox="1"/>
-          <p:nvPr/>
-        </p:nvSpPr>
-        <p:spPr>
-          <a:xfrm>
-            <a:off x="2908044" y="1063132"/>
-            <a:ext cx="3187956" cy="1446550"/>
-          </a:xfrm>
-          <a:prstGeom prst="rect">
-            <a:avLst/>
-          </a:prstGeom>
-          <a:noFill/>
-        </p:spPr>
-        <p:txBody>
-          <a:bodyPr wrap="square" rtlCol="0">
-            <a:spAutoFit/>
+        </p:spPr>
+        <p:txBody>
+          <a:bodyPr>
+            <a:normAutofit/>
           </a:bodyPr>
           <a:lstStyle/>
           <a:p>
-            <a:r>
-              <a:rPr lang="en-GB" sz="8800" dirty="0">
-                <a:latin typeface="Segoe UI" panose="020B0502040204020203" pitchFamily="34" charset="0"/>
-                <a:cs typeface="Segoe UI" panose="020B0502040204020203" pitchFamily="34" charset="0"/>
-              </a:rPr>
-              <a:t>HTML</a:t>
-            </a:r>
-          </a:p>
-        </p:txBody>
-      </p:sp>
-      <p:sp>
-        <p:nvSpPr>
-          <p:cNvPr id="19" name="TextBox 18">
-            <a:extLst>
-              <a:ext uri="{FF2B5EF4-FFF2-40B4-BE49-F238E27FC236}">
-                <a16:creationId xmlns:a16="http://schemas.microsoft.com/office/drawing/2014/main" id="{C81F58F9-1FC7-477B-877C-80F0959EBC0E}"/>
-              </a:ext>
-            </a:extLst>
-          </p:cNvPr>
-          <p:cNvSpPr txBox="1"/>
-          <p:nvPr/>
+            <a:pPr algn="ctr"/>
+            <a:r>
+              <a:rPr lang="en-GB" sz="6600" dirty="0">
+                <a:solidFill>
+                  <a:schemeClr val="bg1"/>
+                </a:solidFill>
+                <a:latin typeface="Segoe UI" panose="020B0502040204020203" pitchFamily="34" charset="0"/>
+                <a:cs typeface="Segoe UI" panose="020B0502040204020203" pitchFamily="34" charset="0"/>
+              </a:rPr>
+              <a:t>COMMUNICATION </a:t>
+            </a:r>
+          </a:p>
+        </p:txBody>
+      </p:sp>
+      <p:sp>
+        <p:nvSpPr>
+          <p:cNvPr id="4" name="Content Placeholder 2">
+            <a:extLst>
+              <a:ext uri="{FF2B5EF4-FFF2-40B4-BE49-F238E27FC236}">
+                <a16:creationId xmlns:a16="http://schemas.microsoft.com/office/drawing/2014/main" id="{088CCB65-11B4-408B-9ED3-1304FE85032F}"/>
+              </a:ext>
+            </a:extLst>
+          </p:cNvPr>
+          <p:cNvSpPr>
+            <a:spLocks noGrp="1"/>
+          </p:cNvSpPr>
+          <p:nvPr>
+            <p:ph idx="1"/>
+          </p:nvPr>
         </p:nvSpPr>
         <p:spPr>
           <a:xfrm>
-            <a:off x="6019022" y="4693298"/>
-            <a:ext cx="1702057" cy="369332"/>
-          </a:xfrm>
-          <a:prstGeom prst="rect">
-            <a:avLst/>
-          </a:prstGeom>
-          <a:noFill/>
-        </p:spPr>
-        <p:txBody>
-          <a:bodyPr wrap="square" rtlCol="0">
-            <a:spAutoFit/>
+            <a:off x="838200" y="1325563"/>
+            <a:ext cx="10515600" cy="5326907"/>
+          </a:xfrm>
+        </p:spPr>
+        <p:txBody>
+          <a:bodyPr wrap="square" bIns="252000">
+            <a:normAutofit/>
           </a:bodyPr>
           <a:lstStyle/>
           <a:p>
+            <a:pPr marL="0" indent="0">
+              <a:buNone/>
+            </a:pPr>
+            <a:endParaRPr lang="en-GB" sz="900" dirty="0">
+              <a:latin typeface="Segoe UI" panose="020B0502040204020203" pitchFamily="34" charset="0"/>
+              <a:cs typeface="Segoe UI" panose="020B0502040204020203" pitchFamily="34" charset="0"/>
+            </a:endParaRPr>
+          </a:p>
+          <a:p>
+            <a:pPr marL="457200" lvl="1" indent="0">
+              <a:buNone/>
+            </a:pPr>
+            <a:endParaRPr lang="en-GB" sz="400" dirty="0">
+              <a:solidFill>
+                <a:srgbClr val="2196F3"/>
+              </a:solidFill>
+              <a:latin typeface="Segoe UI" panose="020B0502040204020203" pitchFamily="34" charset="0"/>
+              <a:cs typeface="Segoe UI" panose="020B0502040204020203" pitchFamily="34" charset="0"/>
+            </a:endParaRPr>
+          </a:p>
+          <a:p>
+            <a:pPr marL="457200" lvl="1" indent="0">
+              <a:buNone/>
+            </a:pPr>
+            <a:endParaRPr lang="en-GB" sz="2800" dirty="0">
+              <a:solidFill>
+                <a:srgbClr val="2196F3"/>
+              </a:solidFill>
+              <a:latin typeface="Segoe UI" panose="020B0502040204020203" pitchFamily="34" charset="0"/>
+              <a:cs typeface="Segoe UI" panose="020B0502040204020203" pitchFamily="34" charset="0"/>
+            </a:endParaRPr>
+          </a:p>
+          <a:p>
+            <a:pPr marL="457200" lvl="1" indent="0">
+              <a:buNone/>
+            </a:pPr>
+            <a:r>
+              <a:rPr lang="en-GB" sz="2800" b="1" u="sng" dirty="0">
+                <a:solidFill>
+                  <a:srgbClr val="2196F3"/>
+                </a:solidFill>
+                <a:latin typeface="Segoe UI" panose="020B0502040204020203" pitchFamily="34" charset="0"/>
+                <a:cs typeface="Segoe UI" panose="020B0502040204020203" pitchFamily="34" charset="0"/>
+              </a:rPr>
+              <a:t>PROPS DOWN</a:t>
+            </a:r>
+          </a:p>
+          <a:p>
+            <a:pPr marL="457200" lvl="1" indent="0">
+              <a:buNone/>
+            </a:pPr>
+            <a:r>
+              <a:rPr lang="en-GB" sz="2800" dirty="0">
+                <a:solidFill>
+                  <a:srgbClr val="2196F3"/>
+                </a:solidFill>
+                <a:latin typeface="Segoe UI" panose="020B0502040204020203" pitchFamily="34" charset="0"/>
+                <a:cs typeface="Segoe UI" panose="020B0502040204020203" pitchFamily="34" charset="0"/>
+              </a:rPr>
+              <a:t>Demo</a:t>
+            </a:r>
+            <a:r>
+              <a:rPr lang="en-GB" sz="2800" dirty="0">
+                <a:latin typeface="Segoe UI" panose="020B0502040204020203" pitchFamily="34" charset="0"/>
+                <a:cs typeface="Segoe UI" panose="020B0502040204020203" pitchFamily="34" charset="0"/>
+              </a:rPr>
+              <a:t>: 06-library/01-ndc-show-post </a:t>
+            </a:r>
+          </a:p>
+          <a:p>
+            <a:pPr marL="457200" lvl="1" indent="0">
+              <a:buNone/>
+            </a:pPr>
+            <a:endParaRPr lang="en-GB" sz="2800" dirty="0">
+              <a:solidFill>
+                <a:srgbClr val="2196F3"/>
+              </a:solidFill>
+              <a:latin typeface="Segoe UI" panose="020B0502040204020203" pitchFamily="34" charset="0"/>
+              <a:cs typeface="Segoe UI" panose="020B0502040204020203" pitchFamily="34" charset="0"/>
+            </a:endParaRPr>
+          </a:p>
+          <a:p>
+            <a:pPr marL="457200" lvl="1" indent="0">
+              <a:buNone/>
+            </a:pPr>
+            <a:r>
+              <a:rPr lang="en-GB" sz="2800" b="1" u="sng" dirty="0">
+                <a:solidFill>
+                  <a:srgbClr val="2196F3"/>
+                </a:solidFill>
+                <a:latin typeface="Segoe UI" panose="020B0502040204020203" pitchFamily="34" charset="0"/>
+                <a:cs typeface="Segoe UI" panose="020B0502040204020203" pitchFamily="34" charset="0"/>
+              </a:rPr>
+              <a:t>EVENTS UP</a:t>
+            </a:r>
+          </a:p>
+          <a:p>
+            <a:pPr marL="457200" lvl="1" indent="0">
+              <a:buNone/>
+            </a:pPr>
+            <a:r>
+              <a:rPr lang="en-GB" sz="2800" dirty="0">
+                <a:solidFill>
+                  <a:srgbClr val="2196F3"/>
+                </a:solidFill>
+                <a:latin typeface="Segoe UI" panose="020B0502040204020203" pitchFamily="34" charset="0"/>
+                <a:cs typeface="Segoe UI" panose="020B0502040204020203" pitchFamily="34" charset="0"/>
+              </a:rPr>
+              <a:t>Demo: </a:t>
+            </a:r>
+            <a:r>
+              <a:rPr lang="en-GB" sz="2800" dirty="0">
+                <a:latin typeface="Segoe UI" panose="020B0502040204020203" pitchFamily="34" charset="0"/>
+                <a:cs typeface="Segoe UI" panose="020B0502040204020203" pitchFamily="34" charset="0"/>
+              </a:rPr>
+              <a:t>05-events/15-child-to-parent</a:t>
+            </a:r>
+          </a:p>
+          <a:p>
+            <a:pPr marL="457200" lvl="1" indent="0">
+              <a:buNone/>
+            </a:pPr>
+            <a:r>
+              <a:rPr lang="en-GB" sz="2800" dirty="0">
+                <a:solidFill>
+                  <a:srgbClr val="2196F3"/>
+                </a:solidFill>
+                <a:latin typeface="Segoe UI" panose="020B0502040204020203" pitchFamily="34" charset="0"/>
+                <a:cs typeface="Segoe UI" panose="020B0502040204020203" pitchFamily="34" charset="0"/>
+              </a:rPr>
+              <a:t>We use JS Custom Events to send event and data.</a:t>
+            </a:r>
+          </a:p>
+          <a:p>
+            <a:pPr marL="457200" lvl="1" indent="0">
+              <a:buNone/>
+            </a:pPr>
+            <a:endParaRPr lang="en-GB" dirty="0">
+              <a:solidFill>
+                <a:srgbClr val="2196F3"/>
+              </a:solidFill>
+              <a:latin typeface="Segoe UI" panose="020B0502040204020203" pitchFamily="34" charset="0"/>
+              <a:cs typeface="Segoe UI" panose="020B0502040204020203" pitchFamily="34" charset="0"/>
+            </a:endParaRPr>
+          </a:p>
+          <a:p>
+            <a:pPr marL="457200" lvl="1" indent="0">
+              <a:buNone/>
+            </a:pPr>
             <a:r>
               <a:rPr lang="en-GB" dirty="0">
-                <a:latin typeface="Segoe UI" panose="020B0502040204020203" pitchFamily="34" charset="0"/>
-                <a:cs typeface="Segoe UI" panose="020B0502040204020203" pitchFamily="34" charset="0"/>
-              </a:rPr>
-              <a:t>Framework ...n</a:t>
-            </a:r>
-          </a:p>
-        </p:txBody>
-      </p:sp>
-      <p:sp>
-        <p:nvSpPr>
-          <p:cNvPr id="20" name="TextBox 19">
-            <a:extLst>
-              <a:ext uri="{FF2B5EF4-FFF2-40B4-BE49-F238E27FC236}">
-                <a16:creationId xmlns:a16="http://schemas.microsoft.com/office/drawing/2014/main" id="{FB923CCF-0EA9-4C2D-AC00-B89B13CB18B9}"/>
-              </a:ext>
-            </a:extLst>
-          </p:cNvPr>
-          <p:cNvSpPr txBox="1"/>
-          <p:nvPr/>
-        </p:nvSpPr>
-        <p:spPr>
-          <a:xfrm>
-            <a:off x="3619499" y="4693298"/>
-            <a:ext cx="1488233" cy="369332"/>
-          </a:xfrm>
-          <a:prstGeom prst="rect">
-            <a:avLst/>
-          </a:prstGeom>
-          <a:noFill/>
-        </p:spPr>
-        <p:txBody>
-          <a:bodyPr wrap="square" rtlCol="0">
-            <a:spAutoFit/>
-          </a:bodyPr>
-          <a:lstStyle/>
-          <a:p>
-            <a:r>
-              <a:rPr lang="en-GB" dirty="0">
-                <a:latin typeface="Segoe UI" panose="020B0502040204020203" pitchFamily="34" charset="0"/>
-                <a:cs typeface="Segoe UI" panose="020B0502040204020203" pitchFamily="34" charset="0"/>
-              </a:rPr>
-              <a:t>Framework 2</a:t>
-            </a:r>
-          </a:p>
-        </p:txBody>
-      </p:sp>
-      <p:sp>
-        <p:nvSpPr>
-          <p:cNvPr id="21" name="TextBox 20">
-            <a:extLst>
-              <a:ext uri="{FF2B5EF4-FFF2-40B4-BE49-F238E27FC236}">
-                <a16:creationId xmlns:a16="http://schemas.microsoft.com/office/drawing/2014/main" id="{000E004F-3DEE-453A-880F-3667A9536687}"/>
-              </a:ext>
-            </a:extLst>
-          </p:cNvPr>
-          <p:cNvSpPr txBox="1"/>
-          <p:nvPr/>
-        </p:nvSpPr>
-        <p:spPr>
-          <a:xfrm>
-            <a:off x="1091681" y="4693298"/>
-            <a:ext cx="1488233" cy="369332"/>
-          </a:xfrm>
-          <a:prstGeom prst="rect">
-            <a:avLst/>
-          </a:prstGeom>
-          <a:noFill/>
-        </p:spPr>
-        <p:txBody>
-          <a:bodyPr wrap="square" rtlCol="0">
-            <a:spAutoFit/>
-          </a:bodyPr>
-          <a:lstStyle/>
-          <a:p>
-            <a:r>
-              <a:rPr lang="en-GB" dirty="0">
-                <a:latin typeface="Segoe UI" panose="020B0502040204020203" pitchFamily="34" charset="0"/>
-                <a:cs typeface="Segoe UI" panose="020B0502040204020203" pitchFamily="34" charset="0"/>
-              </a:rPr>
-              <a:t>Framework 1</a:t>
-            </a:r>
-          </a:p>
-        </p:txBody>
-      </p:sp>
-      <p:sp>
-        <p:nvSpPr>
-          <p:cNvPr id="2" name="Rectangle 1">
-            <a:extLst>
-              <a:ext uri="{FF2B5EF4-FFF2-40B4-BE49-F238E27FC236}">
-                <a16:creationId xmlns:a16="http://schemas.microsoft.com/office/drawing/2014/main" id="{FDD2DDAE-CA83-4119-9F26-87A3775E731D}"/>
-              </a:ext>
-            </a:extLst>
-          </p:cNvPr>
-          <p:cNvSpPr/>
-          <p:nvPr/>
-        </p:nvSpPr>
-        <p:spPr>
-          <a:xfrm>
-            <a:off x="886406" y="3150607"/>
-            <a:ext cx="6884431" cy="811764"/>
-          </a:xfrm>
-          <a:prstGeom prst="rect">
-            <a:avLst/>
-          </a:prstGeom>
-        </p:spPr>
-        <p:style>
-          <a:lnRef idx="2">
-            <a:schemeClr val="accent6">
-              <a:shade val="50000"/>
-            </a:schemeClr>
-          </a:lnRef>
-          <a:fillRef idx="1">
-            <a:schemeClr val="accent6"/>
-          </a:fillRef>
-          <a:effectRef idx="0">
-            <a:schemeClr val="accent6"/>
-          </a:effectRef>
-          <a:fontRef idx="minor">
-            <a:schemeClr val="lt1"/>
-          </a:fontRef>
-        </p:style>
-        <p:txBody>
-          <a:bodyPr rtlCol="0" anchor="ctr"/>
-          <a:lstStyle/>
-          <a:p>
-            <a:pPr algn="ctr"/>
-            <a:endParaRPr lang="en-GB">
-              <a:latin typeface="Segoe UI" panose="020B0502040204020203" pitchFamily="34" charset="0"/>
-              <a:cs typeface="Segoe UI" panose="020B0502040204020203" pitchFamily="34" charset="0"/>
-            </a:endParaRPr>
-          </a:p>
-        </p:txBody>
-      </p:sp>
-      <p:sp>
-        <p:nvSpPr>
-          <p:cNvPr id="3" name="TextBox 2">
-            <a:extLst>
-              <a:ext uri="{FF2B5EF4-FFF2-40B4-BE49-F238E27FC236}">
-                <a16:creationId xmlns:a16="http://schemas.microsoft.com/office/drawing/2014/main" id="{0F9AD193-E370-4053-AFC8-A661FCE69253}"/>
-              </a:ext>
-            </a:extLst>
-          </p:cNvPr>
-          <p:cNvSpPr txBox="1"/>
-          <p:nvPr/>
-        </p:nvSpPr>
-        <p:spPr>
-          <a:xfrm>
-            <a:off x="2292122" y="3288787"/>
-            <a:ext cx="4123332" cy="584775"/>
-          </a:xfrm>
-          <a:prstGeom prst="rect">
-            <a:avLst/>
-          </a:prstGeom>
-          <a:noFill/>
-        </p:spPr>
-        <p:txBody>
-          <a:bodyPr wrap="square" rtlCol="0">
-            <a:spAutoFit/>
-          </a:bodyPr>
-          <a:lstStyle/>
-          <a:p>
-            <a:r>
-              <a:rPr lang="en-GB" sz="3200" b="1" dirty="0">
-                <a:solidFill>
-                  <a:schemeClr val="bg1"/>
-                </a:solidFill>
-                <a:latin typeface="Segoe UI" panose="020B0502040204020203" pitchFamily="34" charset="0"/>
-                <a:cs typeface="Segoe UI" panose="020B0502040204020203" pitchFamily="34" charset="0"/>
-              </a:rPr>
-              <a:t>WEB COMPONENTS</a:t>
-            </a:r>
-          </a:p>
-        </p:txBody>
-      </p:sp>
-      <p:cxnSp>
-        <p:nvCxnSpPr>
-          <p:cNvPr id="6" name="Straight Arrow Connector 5">
-            <a:extLst>
-              <a:ext uri="{FF2B5EF4-FFF2-40B4-BE49-F238E27FC236}">
-                <a16:creationId xmlns:a16="http://schemas.microsoft.com/office/drawing/2014/main" id="{D229A287-52AB-46FC-9CD3-F99C53ACEF34}"/>
-              </a:ext>
-            </a:extLst>
-          </p:cNvPr>
-          <p:cNvCxnSpPr/>
-          <p:nvPr/>
-        </p:nvCxnSpPr>
-        <p:spPr>
-          <a:xfrm flipV="1">
-            <a:off x="2062065" y="3960073"/>
-            <a:ext cx="0" cy="415984"/>
-          </a:xfrm>
-          <a:prstGeom prst="straightConnector1">
-            <a:avLst/>
-          </a:prstGeom>
-          <a:ln w="50800">
-            <a:tailEnd type="triangle"/>
-          </a:ln>
-        </p:spPr>
-        <p:style>
-          <a:lnRef idx="1">
-            <a:schemeClr val="accent6"/>
-          </a:lnRef>
-          <a:fillRef idx="0">
-            <a:schemeClr val="accent6"/>
-          </a:fillRef>
-          <a:effectRef idx="0">
-            <a:schemeClr val="accent6"/>
-          </a:effectRef>
-          <a:fontRef idx="minor">
-            <a:schemeClr val="tx1"/>
-          </a:fontRef>
-        </p:style>
-      </p:cxnSp>
-      <p:cxnSp>
-        <p:nvCxnSpPr>
-          <p:cNvPr id="22" name="Straight Arrow Connector 21">
-            <a:extLst>
-              <a:ext uri="{FF2B5EF4-FFF2-40B4-BE49-F238E27FC236}">
-                <a16:creationId xmlns:a16="http://schemas.microsoft.com/office/drawing/2014/main" id="{F12C64DB-7B75-4A11-AC0A-77AB2AC81EAD}"/>
-              </a:ext>
-            </a:extLst>
-          </p:cNvPr>
-          <p:cNvCxnSpPr/>
-          <p:nvPr/>
-        </p:nvCxnSpPr>
-        <p:spPr>
-          <a:xfrm flipV="1">
-            <a:off x="4261757" y="3978735"/>
-            <a:ext cx="0" cy="415984"/>
-          </a:xfrm>
-          <a:prstGeom prst="straightConnector1">
-            <a:avLst/>
-          </a:prstGeom>
-          <a:ln w="50800">
-            <a:tailEnd type="triangle"/>
-          </a:ln>
-        </p:spPr>
-        <p:style>
-          <a:lnRef idx="1">
-            <a:schemeClr val="accent6"/>
-          </a:lnRef>
-          <a:fillRef idx="0">
-            <a:schemeClr val="accent6"/>
-          </a:fillRef>
-          <a:effectRef idx="0">
-            <a:schemeClr val="accent6"/>
-          </a:effectRef>
-          <a:fontRef idx="minor">
-            <a:schemeClr val="tx1"/>
-          </a:fontRef>
-        </p:style>
-      </p:cxnSp>
-      <p:cxnSp>
-        <p:nvCxnSpPr>
-          <p:cNvPr id="23" name="Straight Arrow Connector 22">
-            <a:extLst>
-              <a:ext uri="{FF2B5EF4-FFF2-40B4-BE49-F238E27FC236}">
-                <a16:creationId xmlns:a16="http://schemas.microsoft.com/office/drawing/2014/main" id="{8B1C15C1-C3CB-4D87-A0BB-7C3A15158A95}"/>
-              </a:ext>
-            </a:extLst>
-          </p:cNvPr>
-          <p:cNvCxnSpPr/>
-          <p:nvPr/>
-        </p:nvCxnSpPr>
-        <p:spPr>
-          <a:xfrm flipV="1">
-            <a:off x="6304384" y="3962371"/>
-            <a:ext cx="0" cy="415984"/>
-          </a:xfrm>
-          <a:prstGeom prst="straightConnector1">
-            <a:avLst/>
-          </a:prstGeom>
-          <a:ln w="50800">
-            <a:tailEnd type="triangle"/>
-          </a:ln>
-        </p:spPr>
-        <p:style>
-          <a:lnRef idx="1">
-            <a:schemeClr val="accent6"/>
-          </a:lnRef>
-          <a:fillRef idx="0">
-            <a:schemeClr val="accent6"/>
-          </a:fillRef>
-          <a:effectRef idx="0">
-            <a:schemeClr val="accent6"/>
-          </a:effectRef>
-          <a:fontRef idx="minor">
-            <a:schemeClr val="tx1"/>
-          </a:fontRef>
-        </p:style>
-      </p:cxnSp>
-      <p:cxnSp>
-        <p:nvCxnSpPr>
-          <p:cNvPr id="24" name="Straight Arrow Connector 23">
-            <a:extLst>
-              <a:ext uri="{FF2B5EF4-FFF2-40B4-BE49-F238E27FC236}">
-                <a16:creationId xmlns:a16="http://schemas.microsoft.com/office/drawing/2014/main" id="{163353F7-B0B9-4F80-AC63-42827D10FDAE}"/>
-              </a:ext>
-            </a:extLst>
-          </p:cNvPr>
-          <p:cNvCxnSpPr>
-            <a:cxnSpLocks/>
-          </p:cNvCxnSpPr>
-          <p:nvPr/>
-        </p:nvCxnSpPr>
-        <p:spPr>
-          <a:xfrm flipV="1">
-            <a:off x="4261757" y="2220686"/>
-            <a:ext cx="0" cy="929921"/>
-          </a:xfrm>
-          <a:prstGeom prst="straightConnector1">
-            <a:avLst/>
-          </a:prstGeom>
-          <a:ln w="50800">
-            <a:tailEnd type="triangle"/>
-          </a:ln>
-        </p:spPr>
-        <p:style>
-          <a:lnRef idx="1">
-            <a:schemeClr val="accent6"/>
-          </a:lnRef>
-          <a:fillRef idx="0">
-            <a:schemeClr val="accent6"/>
-          </a:fillRef>
-          <a:effectRef idx="0">
-            <a:schemeClr val="accent6"/>
-          </a:effectRef>
-          <a:fontRef idx="minor">
-            <a:schemeClr val="tx1"/>
-          </a:fontRef>
-        </p:style>
-      </p:cxnSp>
-      <p:cxnSp>
-        <p:nvCxnSpPr>
-          <p:cNvPr id="25" name="Straight Arrow Connector 24">
-            <a:extLst>
-              <a:ext uri="{FF2B5EF4-FFF2-40B4-BE49-F238E27FC236}">
-                <a16:creationId xmlns:a16="http://schemas.microsoft.com/office/drawing/2014/main" id="{CC440C1A-3EF4-4B67-8663-C472C2FCEE45}"/>
-              </a:ext>
-            </a:extLst>
-          </p:cNvPr>
-          <p:cNvCxnSpPr>
-            <a:cxnSpLocks/>
-          </p:cNvCxnSpPr>
-          <p:nvPr/>
-        </p:nvCxnSpPr>
-        <p:spPr>
-          <a:xfrm>
-            <a:off x="2062065" y="3997396"/>
-            <a:ext cx="1464906" cy="490628"/>
-          </a:xfrm>
-          <a:prstGeom prst="straightConnector1">
-            <a:avLst/>
-          </a:prstGeom>
-          <a:ln w="50800">
-            <a:tailEnd type="triangle"/>
-          </a:ln>
-        </p:spPr>
-        <p:style>
-          <a:lnRef idx="1">
-            <a:schemeClr val="accent6"/>
-          </a:lnRef>
-          <a:fillRef idx="0">
-            <a:schemeClr val="accent6"/>
-          </a:fillRef>
-          <a:effectRef idx="0">
-            <a:schemeClr val="accent6"/>
-          </a:effectRef>
-          <a:fontRef idx="minor">
-            <a:schemeClr val="tx1"/>
-          </a:fontRef>
-        </p:style>
-      </p:cxnSp>
-      <p:cxnSp>
-        <p:nvCxnSpPr>
-          <p:cNvPr id="28" name="Straight Arrow Connector 27">
-            <a:extLst>
-              <a:ext uri="{FF2B5EF4-FFF2-40B4-BE49-F238E27FC236}">
-                <a16:creationId xmlns:a16="http://schemas.microsoft.com/office/drawing/2014/main" id="{BB158374-8877-4243-9769-72088526DB6A}"/>
-              </a:ext>
-            </a:extLst>
-          </p:cNvPr>
-          <p:cNvCxnSpPr>
-            <a:cxnSpLocks/>
-          </p:cNvCxnSpPr>
-          <p:nvPr/>
-        </p:nvCxnSpPr>
-        <p:spPr>
-          <a:xfrm>
-            <a:off x="4261757" y="3997396"/>
-            <a:ext cx="1689614" cy="490628"/>
-          </a:xfrm>
-          <a:prstGeom prst="straightConnector1">
-            <a:avLst/>
-          </a:prstGeom>
-          <a:ln w="50800">
-            <a:tailEnd type="triangle"/>
-          </a:ln>
-        </p:spPr>
-        <p:style>
-          <a:lnRef idx="1">
-            <a:schemeClr val="accent6"/>
-          </a:lnRef>
-          <a:fillRef idx="0">
-            <a:schemeClr val="accent6"/>
-          </a:fillRef>
-          <a:effectRef idx="0">
-            <a:schemeClr val="accent6"/>
-          </a:effectRef>
-          <a:fontRef idx="minor">
-            <a:schemeClr val="tx1"/>
-          </a:fontRef>
-        </p:style>
-      </p:cxnSp>
-      <p:sp>
-        <p:nvSpPr>
-          <p:cNvPr id="8" name="Arrow: Right 7">
-            <a:extLst>
-              <a:ext uri="{FF2B5EF4-FFF2-40B4-BE49-F238E27FC236}">
-                <a16:creationId xmlns:a16="http://schemas.microsoft.com/office/drawing/2014/main" id="{25BD3FE5-5BA0-48FE-B758-52C44C0D1DC1}"/>
-              </a:ext>
-            </a:extLst>
-          </p:cNvPr>
-          <p:cNvSpPr/>
-          <p:nvPr/>
-        </p:nvSpPr>
-        <p:spPr>
-          <a:xfrm rot="10800000">
-            <a:off x="7770836" y="3134313"/>
-            <a:ext cx="1411331" cy="825759"/>
-          </a:xfrm>
-          <a:prstGeom prst="rightArrow">
-            <a:avLst/>
-          </a:prstGeom>
-        </p:spPr>
-        <p:style>
-          <a:lnRef idx="2">
-            <a:schemeClr val="accent1">
-              <a:shade val="50000"/>
-            </a:schemeClr>
-          </a:lnRef>
-          <a:fillRef idx="1">
-            <a:schemeClr val="accent1"/>
-          </a:fillRef>
-          <a:effectRef idx="0">
-            <a:schemeClr val="accent1"/>
-          </a:effectRef>
-          <a:fontRef idx="minor">
-            <a:schemeClr val="lt1"/>
-          </a:fontRef>
-        </p:style>
-        <p:txBody>
-          <a:bodyPr rtlCol="0" anchor="ctr"/>
-          <a:lstStyle/>
-          <a:p>
-            <a:pPr algn="ctr"/>
-            <a:endParaRPr lang="en-GB"/>
-          </a:p>
-        </p:txBody>
-      </p:sp>
-      <p:sp>
-        <p:nvSpPr>
-          <p:cNvPr id="30" name="TextBox 29">
-            <a:extLst>
-              <a:ext uri="{FF2B5EF4-FFF2-40B4-BE49-F238E27FC236}">
-                <a16:creationId xmlns:a16="http://schemas.microsoft.com/office/drawing/2014/main" id="{20D77E3C-AC7F-43B7-8FF2-980322AACB93}"/>
-              </a:ext>
-            </a:extLst>
-          </p:cNvPr>
-          <p:cNvSpPr txBox="1"/>
-          <p:nvPr/>
-        </p:nvSpPr>
-        <p:spPr>
-          <a:xfrm>
-            <a:off x="9300027" y="3199941"/>
-            <a:ext cx="2070867" cy="649536"/>
-          </a:xfrm>
-          <a:prstGeom prst="rect">
-            <a:avLst/>
-          </a:prstGeom>
-        </p:spPr>
-        <p:style>
-          <a:lnRef idx="2">
-            <a:schemeClr val="accent6">
-              <a:shade val="50000"/>
-            </a:schemeClr>
-          </a:lnRef>
-          <a:fillRef idx="1">
-            <a:schemeClr val="accent6"/>
-          </a:fillRef>
-          <a:effectRef idx="0">
-            <a:schemeClr val="accent6"/>
-          </a:effectRef>
-          <a:fontRef idx="minor">
-            <a:schemeClr val="lt1"/>
-          </a:fontRef>
-        </p:style>
-        <p:txBody>
-          <a:bodyPr rtlCol="0" anchor="ctr"/>
-          <a:lstStyle>
-            <a:defPPr>
-              <a:defRPr lang="en-US"/>
-            </a:defPPr>
-            <a:lvl1pPr algn="ctr">
-              <a:defRPr>
-                <a:solidFill>
-                  <a:schemeClr val="lt1"/>
-                </a:solidFill>
-                <a:latin typeface="Segoe UI" panose="020B0502040204020203" pitchFamily="34" charset="0"/>
-                <a:cs typeface="Segoe UI" panose="020B0502040204020203" pitchFamily="34" charset="0"/>
-              </a:defRPr>
-            </a:lvl1pPr>
-            <a:lvl2pPr>
-              <a:defRPr>
-                <a:solidFill>
-                  <a:schemeClr val="lt1"/>
-                </a:solidFill>
-              </a:defRPr>
-            </a:lvl2pPr>
-            <a:lvl3pPr>
-              <a:defRPr>
-                <a:solidFill>
-                  <a:schemeClr val="lt1"/>
-                </a:solidFill>
-              </a:defRPr>
-            </a:lvl3pPr>
-            <a:lvl4pPr>
-              <a:defRPr>
-                <a:solidFill>
-                  <a:schemeClr val="lt1"/>
-                </a:solidFill>
-              </a:defRPr>
-            </a:lvl4pPr>
-            <a:lvl5pPr>
-              <a:defRPr>
-                <a:solidFill>
-                  <a:schemeClr val="lt1"/>
-                </a:solidFill>
-              </a:defRPr>
-            </a:lvl5pPr>
-            <a:lvl6pPr>
-              <a:defRPr>
-                <a:solidFill>
-                  <a:schemeClr val="lt1"/>
-                </a:solidFill>
-              </a:defRPr>
-            </a:lvl6pPr>
-            <a:lvl7pPr>
-              <a:defRPr>
-                <a:solidFill>
-                  <a:schemeClr val="lt1"/>
-                </a:solidFill>
-              </a:defRPr>
-            </a:lvl7pPr>
-            <a:lvl8pPr>
-              <a:defRPr>
-                <a:solidFill>
-                  <a:schemeClr val="lt1"/>
-                </a:solidFill>
-              </a:defRPr>
-            </a:lvl8pPr>
-            <a:lvl9pPr>
-              <a:defRPr>
-                <a:solidFill>
-                  <a:schemeClr val="lt1"/>
-                </a:solidFill>
-              </a:defRPr>
-            </a:lvl9pPr>
-          </a:lstStyle>
-          <a:p>
-            <a:r>
-              <a:rPr lang="en-GB" dirty="0"/>
-              <a:t>Web Components</a:t>
-            </a:r>
-          </a:p>
-        </p:txBody>
-      </p:sp>
-      <p:sp>
-        <p:nvSpPr>
-          <p:cNvPr id="7" name="TextBox 6">
-            <a:extLst>
-              <a:ext uri="{FF2B5EF4-FFF2-40B4-BE49-F238E27FC236}">
-                <a16:creationId xmlns:a16="http://schemas.microsoft.com/office/drawing/2014/main" id="{E43BE3A4-2CE9-4073-B059-EA24D3386969}"/>
-              </a:ext>
-            </a:extLst>
-          </p:cNvPr>
-          <p:cNvSpPr txBox="1"/>
-          <p:nvPr/>
-        </p:nvSpPr>
-        <p:spPr>
-          <a:xfrm>
-            <a:off x="9461241" y="4416299"/>
-            <a:ext cx="1844351" cy="646331"/>
-          </a:xfrm>
-          <a:prstGeom prst="rect">
-            <a:avLst/>
-          </a:prstGeom>
-          <a:noFill/>
-        </p:spPr>
-        <p:txBody>
-          <a:bodyPr wrap="square" rtlCol="0">
-            <a:spAutoFit/>
-          </a:bodyPr>
-          <a:lstStyle/>
-          <a:p>
-            <a:r>
-              <a:rPr lang="en-GB" dirty="0"/>
-              <a:t>WP PHP PAGES</a:t>
-            </a:r>
-          </a:p>
-          <a:p>
-            <a:r>
-              <a:rPr lang="en-GB" dirty="0"/>
-              <a:t>Gutenberg Blocks</a:t>
-            </a:r>
-          </a:p>
-        </p:txBody>
-      </p:sp>
-      <p:cxnSp>
-        <p:nvCxnSpPr>
-          <p:cNvPr id="34" name="Straight Arrow Connector 33">
-            <a:extLst>
-              <a:ext uri="{FF2B5EF4-FFF2-40B4-BE49-F238E27FC236}">
-                <a16:creationId xmlns:a16="http://schemas.microsoft.com/office/drawing/2014/main" id="{3224BDD2-743D-4365-AF4A-A42C3D6B51E2}"/>
-              </a:ext>
-            </a:extLst>
-          </p:cNvPr>
-          <p:cNvCxnSpPr>
-            <a:cxnSpLocks/>
-          </p:cNvCxnSpPr>
-          <p:nvPr/>
-        </p:nvCxnSpPr>
-        <p:spPr>
-          <a:xfrm>
-            <a:off x="10319390" y="3873562"/>
-            <a:ext cx="8035" cy="562723"/>
-          </a:xfrm>
-          <a:prstGeom prst="straightConnector1">
-            <a:avLst/>
-          </a:prstGeom>
-          <a:ln w="38100">
-            <a:solidFill>
-              <a:schemeClr val="accent1">
-                <a:lumMod val="75000"/>
-              </a:schemeClr>
-            </a:solidFill>
-            <a:tailEnd type="triangle"/>
-          </a:ln>
-        </p:spPr>
-        <p:style>
-          <a:lnRef idx="1">
-            <a:schemeClr val="accent1"/>
-          </a:lnRef>
-          <a:fillRef idx="0">
-            <a:schemeClr val="accent1"/>
-          </a:fillRef>
-          <a:effectRef idx="0">
-            <a:schemeClr val="accent1"/>
-          </a:effectRef>
-          <a:fontRef idx="minor">
-            <a:schemeClr val="tx1"/>
-          </a:fontRef>
-        </p:style>
-      </p:cxnSp>
-      <p:pic>
-        <p:nvPicPr>
-          <p:cNvPr id="10" name="Graphic 9" descr="Smiling face with no fill">
-            <a:extLst>
-              <a:ext uri="{FF2B5EF4-FFF2-40B4-BE49-F238E27FC236}">
-                <a16:creationId xmlns:a16="http://schemas.microsoft.com/office/drawing/2014/main" id="{948FA2EF-7A78-4EE3-B2FE-AE0D3A001999}"/>
-              </a:ext>
-            </a:extLst>
-          </p:cNvPr>
-          <p:cNvPicPr>
-            <a:picLocks noChangeAspect="1"/>
-          </p:cNvPicPr>
-          <p:nvPr/>
-        </p:nvPicPr>
-        <p:blipFill>
-          <a:blip r:embed="rId2">
-            <a:extLst>
-              <a:ext uri="{28A0092B-C50C-407E-A947-70E740481C1C}">
-                <a14:useLocalDpi xmlns:a14="http://schemas.microsoft.com/office/drawing/2010/main" val="0"/>
-              </a:ext>
-              <a:ext uri="{96DAC541-7B7A-43D3-8B79-37D633B846F1}">
-                <asvg:svgBlip xmlns:asvg="http://schemas.microsoft.com/office/drawing/2016/SVG/main" r:embed="rId3"/>
-              </a:ext>
-            </a:extLst>
-          </a:blip>
-          <a:stretch>
-            <a:fillRect/>
-          </a:stretch>
-        </p:blipFill>
-        <p:spPr>
-          <a:xfrm>
-            <a:off x="9541349" y="1296525"/>
-            <a:ext cx="1647597" cy="1647597"/>
-          </a:xfrm>
-          <a:prstGeom prst="rect">
-            <a:avLst/>
-          </a:prstGeom>
-        </p:spPr>
-      </p:pic>
-      <p:cxnSp>
-        <p:nvCxnSpPr>
-          <p:cNvPr id="31" name="Straight Arrow Connector 30">
-            <a:extLst>
-              <a:ext uri="{FF2B5EF4-FFF2-40B4-BE49-F238E27FC236}">
-                <a16:creationId xmlns:a16="http://schemas.microsoft.com/office/drawing/2014/main" id="{337058BE-0D49-4EC0-B972-1EBA8C485F2D}"/>
-              </a:ext>
-            </a:extLst>
-          </p:cNvPr>
-          <p:cNvCxnSpPr>
-            <a:cxnSpLocks/>
-          </p:cNvCxnSpPr>
-          <p:nvPr/>
-        </p:nvCxnSpPr>
-        <p:spPr>
-          <a:xfrm flipH="1" flipV="1">
-            <a:off x="6143841" y="1786407"/>
-            <a:ext cx="3019774" cy="1433290"/>
-          </a:xfrm>
-          <a:prstGeom prst="straightConnector1">
-            <a:avLst/>
-          </a:prstGeom>
-          <a:ln w="76200">
-            <a:solidFill>
-              <a:schemeClr val="accent1">
-                <a:lumMod val="75000"/>
-              </a:schemeClr>
-            </a:solidFill>
-            <a:tailEnd type="triangle"/>
-          </a:ln>
-        </p:spPr>
-        <p:style>
-          <a:lnRef idx="1">
-            <a:schemeClr val="accent1"/>
-          </a:lnRef>
-          <a:fillRef idx="0">
-            <a:schemeClr val="accent1"/>
-          </a:fillRef>
-          <a:effectRef idx="0">
-            <a:schemeClr val="accent1"/>
-          </a:effectRef>
-          <a:fontRef idx="minor">
-            <a:schemeClr val="tx1"/>
-          </a:fontRef>
-        </p:style>
-      </p:cxnSp>
-      <p:sp>
-        <p:nvSpPr>
-          <p:cNvPr id="27" name="TextBox 26">
-            <a:extLst>
-              <a:ext uri="{FF2B5EF4-FFF2-40B4-BE49-F238E27FC236}">
-                <a16:creationId xmlns:a16="http://schemas.microsoft.com/office/drawing/2014/main" id="{1794E5C5-20F5-4436-91DA-BD85E1E31CB0}"/>
-              </a:ext>
-            </a:extLst>
-          </p:cNvPr>
-          <p:cNvSpPr txBox="1"/>
-          <p:nvPr/>
-        </p:nvSpPr>
-        <p:spPr>
-          <a:xfrm>
-            <a:off x="9680243" y="834281"/>
-            <a:ext cx="1278294" cy="369332"/>
-          </a:xfrm>
-          <a:prstGeom prst="rect">
-            <a:avLst/>
-          </a:prstGeom>
-          <a:solidFill>
-            <a:schemeClr val="accent1">
-              <a:lumMod val="60000"/>
-              <a:lumOff val="40000"/>
-            </a:schemeClr>
-          </a:solidFill>
-        </p:spPr>
-        <p:style>
-          <a:lnRef idx="2">
-            <a:schemeClr val="accent6">
-              <a:shade val="50000"/>
-            </a:schemeClr>
-          </a:lnRef>
-          <a:fillRef idx="1">
-            <a:schemeClr val="accent6"/>
-          </a:fillRef>
-          <a:effectRef idx="0">
-            <a:schemeClr val="accent6"/>
-          </a:effectRef>
-          <a:fontRef idx="minor">
-            <a:schemeClr val="lt1"/>
-          </a:fontRef>
-        </p:style>
-        <p:txBody>
-          <a:bodyPr rtlCol="0" anchor="ctr"/>
-          <a:lstStyle>
-            <a:defPPr>
-              <a:defRPr lang="en-US"/>
-            </a:defPPr>
-            <a:lvl1pPr algn="ctr">
-              <a:defRPr>
-                <a:solidFill>
-                  <a:schemeClr val="lt1"/>
-                </a:solidFill>
-                <a:latin typeface="Segoe UI" panose="020B0502040204020203" pitchFamily="34" charset="0"/>
-                <a:cs typeface="Segoe UI" panose="020B0502040204020203" pitchFamily="34" charset="0"/>
-              </a:defRPr>
-            </a:lvl1pPr>
-            <a:lvl2pPr>
-              <a:defRPr>
-                <a:solidFill>
-                  <a:schemeClr val="lt1"/>
-                </a:solidFill>
-              </a:defRPr>
-            </a:lvl2pPr>
-            <a:lvl3pPr>
-              <a:defRPr>
-                <a:solidFill>
-                  <a:schemeClr val="lt1"/>
-                </a:solidFill>
-              </a:defRPr>
-            </a:lvl3pPr>
-            <a:lvl4pPr>
-              <a:defRPr>
-                <a:solidFill>
-                  <a:schemeClr val="lt1"/>
-                </a:solidFill>
-              </a:defRPr>
-            </a:lvl4pPr>
-            <a:lvl5pPr>
-              <a:defRPr>
-                <a:solidFill>
-                  <a:schemeClr val="lt1"/>
-                </a:solidFill>
-              </a:defRPr>
-            </a:lvl5pPr>
-            <a:lvl6pPr>
-              <a:defRPr>
-                <a:solidFill>
-                  <a:schemeClr val="lt1"/>
-                </a:solidFill>
-              </a:defRPr>
-            </a:lvl6pPr>
-            <a:lvl7pPr>
-              <a:defRPr>
-                <a:solidFill>
-                  <a:schemeClr val="lt1"/>
-                </a:solidFill>
-              </a:defRPr>
-            </a:lvl7pPr>
-            <a:lvl8pPr>
-              <a:defRPr>
-                <a:solidFill>
-                  <a:schemeClr val="lt1"/>
-                </a:solidFill>
-              </a:defRPr>
-            </a:lvl8pPr>
-            <a:lvl9pPr>
-              <a:defRPr>
-                <a:solidFill>
-                  <a:schemeClr val="lt1"/>
-                </a:solidFill>
-              </a:defRPr>
-            </a:lvl9pPr>
-          </a:lstStyle>
-          <a:p>
-            <a:r>
-              <a:rPr lang="en-GB" dirty="0"/>
-              <a:t>WordPress</a:t>
-            </a:r>
+                <a:solidFill>
+                  <a:srgbClr val="2196F3"/>
+                </a:solidFill>
+                <a:latin typeface="Segoe UI" panose="020B0502040204020203" pitchFamily="34" charset="0"/>
+                <a:cs typeface="Segoe UI" panose="020B0502040204020203" pitchFamily="34" charset="0"/>
+              </a:rPr>
+              <a:t>NB Methods and properties on components can be directly accessed. This would be a design choice as components tend to use props down events up, rather than sibling to sibling.</a:t>
+            </a:r>
+          </a:p>
+          <a:p>
+            <a:pPr marL="457200" lvl="1" indent="0">
+              <a:buNone/>
+            </a:pPr>
+            <a:endParaRPr lang="en-GB" sz="6700" dirty="0">
+              <a:solidFill>
+                <a:srgbClr val="2196F3"/>
+              </a:solidFill>
+              <a:latin typeface="Segoe UI" panose="020B0502040204020203" pitchFamily="34" charset="0"/>
+              <a:cs typeface="Segoe UI" panose="020B0502040204020203" pitchFamily="34" charset="0"/>
+            </a:endParaRPr>
+          </a:p>
+          <a:p>
+            <a:pPr marL="457200" lvl="1" indent="0">
+              <a:buNone/>
+            </a:pPr>
+            <a:endParaRPr lang="en-GB" sz="6700" dirty="0">
+              <a:latin typeface="Segoe UI" panose="020B0502040204020203" pitchFamily="34" charset="0"/>
+              <a:cs typeface="Segoe UI" panose="020B0502040204020203" pitchFamily="34" charset="0"/>
+            </a:endParaRPr>
+          </a:p>
+          <a:p>
+            <a:pPr marL="0" indent="0">
+              <a:buNone/>
+            </a:pPr>
+            <a:endParaRPr lang="en-GB" dirty="0">
+              <a:latin typeface="Segoe UI" panose="020B0502040204020203" pitchFamily="34" charset="0"/>
+              <a:cs typeface="Segoe UI" panose="020B0502040204020203" pitchFamily="34" charset="0"/>
+            </a:endParaRPr>
+          </a:p>
+          <a:p>
+            <a:endParaRPr lang="en-GB" dirty="0">
+              <a:latin typeface="Segoe UI" panose="020B0502040204020203" pitchFamily="34" charset="0"/>
+              <a:cs typeface="Segoe UI" panose="020B0502040204020203" pitchFamily="34" charset="0"/>
+            </a:endParaRPr>
           </a:p>
         </p:txBody>
       </p:sp>
     </p:spTree>
     <p:extLst>
       <p:ext uri="{BB962C8B-B14F-4D97-AF65-F5344CB8AC3E}">
-        <p14:creationId xmlns:p14="http://schemas.microsoft.com/office/powerpoint/2010/main" val="3043959635"/>
+        <p14:creationId xmlns:p14="http://schemas.microsoft.com/office/powerpoint/2010/main" val="3886042273"/>
       </p:ext>
     </p:extLst>
   </p:cSld>
@@ -5429,307 +4331,941 @@
       </p:grpSpPr>
       <p:sp>
         <p:nvSpPr>
-          <p:cNvPr id="2" name="Title 1">
-            <a:extLst>
-              <a:ext uri="{FF2B5EF4-FFF2-40B4-BE49-F238E27FC236}">
-                <a16:creationId xmlns:a16="http://schemas.microsoft.com/office/drawing/2014/main" id="{5D7568B3-EC9A-45DD-8A17-CFE685194B65}"/>
-              </a:ext>
-            </a:extLst>
-          </p:cNvPr>
-          <p:cNvSpPr>
-            <a:spLocks noGrp="1"/>
-          </p:cNvSpPr>
-          <p:nvPr>
-            <p:ph type="title"/>
-          </p:nvPr>
+          <p:cNvPr id="5" name="Rectangle: Rounded Corners 4">
+            <a:extLst>
+              <a:ext uri="{FF2B5EF4-FFF2-40B4-BE49-F238E27FC236}">
+                <a16:creationId xmlns:a16="http://schemas.microsoft.com/office/drawing/2014/main" id="{65B1CF75-47B8-4AC4-BD1E-926B376FD50D}"/>
+              </a:ext>
+            </a:extLst>
+          </p:cNvPr>
+          <p:cNvSpPr/>
+          <p:nvPr/>
         </p:nvSpPr>
         <p:spPr>
           <a:xfrm>
-            <a:off x="838200" y="0"/>
-            <a:ext cx="10515600" cy="1325563"/>
-          </a:xfrm>
+            <a:off x="886408" y="4376057"/>
+            <a:ext cx="1819470" cy="942392"/>
+          </a:xfrm>
+          <a:prstGeom prst="roundRect">
+            <a:avLst/>
+          </a:prstGeom>
           <a:solidFill>
-            <a:srgbClr val="2196F3"/>
+            <a:schemeClr val="bg1">
+              <a:lumMod val="85000"/>
+            </a:schemeClr>
           </a:solidFill>
-        </p:spPr>
-        <p:txBody>
-          <a:bodyPr>
-            <a:normAutofit/>
+          <a:ln w="28575">
+            <a:solidFill>
+              <a:srgbClr val="FF0000"/>
+            </a:solidFill>
+          </a:ln>
+        </p:spPr>
+        <p:style>
+          <a:lnRef idx="2">
+            <a:schemeClr val="accent1">
+              <a:shade val="50000"/>
+            </a:schemeClr>
+          </a:lnRef>
+          <a:fillRef idx="1">
+            <a:schemeClr val="accent1"/>
+          </a:fillRef>
+          <a:effectRef idx="0">
+            <a:schemeClr val="accent1"/>
+          </a:effectRef>
+          <a:fontRef idx="minor">
+            <a:schemeClr val="lt1"/>
+          </a:fontRef>
+        </p:style>
+        <p:txBody>
+          <a:bodyPr rtlCol="0" anchor="ctr"/>
+          <a:lstStyle/>
+          <a:p>
+            <a:pPr algn="ctr"/>
+            <a:endParaRPr lang="en-GB">
+              <a:latin typeface="Segoe UI" panose="020B0502040204020203" pitchFamily="34" charset="0"/>
+              <a:cs typeface="Segoe UI" panose="020B0502040204020203" pitchFamily="34" charset="0"/>
+            </a:endParaRPr>
+          </a:p>
+        </p:txBody>
+      </p:sp>
+      <p:cxnSp>
+        <p:nvCxnSpPr>
+          <p:cNvPr id="7" name="Straight Connector 6">
+            <a:extLst>
+              <a:ext uri="{FF2B5EF4-FFF2-40B4-BE49-F238E27FC236}">
+                <a16:creationId xmlns:a16="http://schemas.microsoft.com/office/drawing/2014/main" id="{5B3AFA23-E550-4B2B-8247-AFA75329D28C}"/>
+              </a:ext>
+            </a:extLst>
+          </p:cNvPr>
+          <p:cNvCxnSpPr>
+            <a:cxnSpLocks/>
+          </p:cNvCxnSpPr>
+          <p:nvPr/>
+        </p:nvCxnSpPr>
+        <p:spPr>
+          <a:xfrm>
+            <a:off x="8238930" y="0"/>
+            <a:ext cx="0" cy="6858000"/>
+          </a:xfrm>
+          <a:prstGeom prst="line">
+            <a:avLst/>
+          </a:prstGeom>
+          <a:ln w="127000">
+            <a:solidFill>
+              <a:schemeClr val="tx1"/>
+            </a:solidFill>
+          </a:ln>
+        </p:spPr>
+        <p:style>
+          <a:lnRef idx="1">
+            <a:schemeClr val="accent1"/>
+          </a:lnRef>
+          <a:fillRef idx="0">
+            <a:schemeClr val="accent1"/>
+          </a:fillRef>
+          <a:effectRef idx="0">
+            <a:schemeClr val="accent1"/>
+          </a:effectRef>
+          <a:fontRef idx="minor">
+            <a:schemeClr val="tx1"/>
+          </a:fontRef>
+        </p:style>
+      </p:cxnSp>
+      <p:cxnSp>
+        <p:nvCxnSpPr>
+          <p:cNvPr id="9" name="Straight Connector 8">
+            <a:extLst>
+              <a:ext uri="{FF2B5EF4-FFF2-40B4-BE49-F238E27FC236}">
+                <a16:creationId xmlns:a16="http://schemas.microsoft.com/office/drawing/2014/main" id="{8ECDE257-0E06-4C73-B713-15F600FA91AE}"/>
+              </a:ext>
+            </a:extLst>
+          </p:cNvPr>
+          <p:cNvCxnSpPr>
+            <a:cxnSpLocks/>
+          </p:cNvCxnSpPr>
+          <p:nvPr/>
+        </p:nvCxnSpPr>
+        <p:spPr>
+          <a:xfrm>
+            <a:off x="3097763" y="3437944"/>
+            <a:ext cx="0" cy="2449286"/>
+          </a:xfrm>
+          <a:prstGeom prst="line">
+            <a:avLst/>
+          </a:prstGeom>
+          <a:ln w="15875" cmpd="dbl">
+            <a:solidFill>
+              <a:schemeClr val="accent6">
+                <a:lumMod val="75000"/>
+              </a:schemeClr>
+            </a:solidFill>
+            <a:prstDash val="lgDash"/>
+          </a:ln>
+        </p:spPr>
+        <p:style>
+          <a:lnRef idx="1">
+            <a:schemeClr val="accent1"/>
+          </a:lnRef>
+          <a:fillRef idx="0">
+            <a:schemeClr val="accent1"/>
+          </a:fillRef>
+          <a:effectRef idx="0">
+            <a:schemeClr val="accent1"/>
+          </a:effectRef>
+          <a:fontRef idx="minor">
+            <a:schemeClr val="tx1"/>
+          </a:fontRef>
+        </p:style>
+      </p:cxnSp>
+      <p:sp>
+        <p:nvSpPr>
+          <p:cNvPr id="13" name="Rectangle: Rounded Corners 12">
+            <a:extLst>
+              <a:ext uri="{FF2B5EF4-FFF2-40B4-BE49-F238E27FC236}">
+                <a16:creationId xmlns:a16="http://schemas.microsoft.com/office/drawing/2014/main" id="{497DB97B-039D-4182-8A21-C324F5A05084}"/>
+              </a:ext>
+            </a:extLst>
+          </p:cNvPr>
+          <p:cNvSpPr/>
+          <p:nvPr/>
+        </p:nvSpPr>
+        <p:spPr>
+          <a:xfrm>
+            <a:off x="1244080" y="709127"/>
+            <a:ext cx="5520611" cy="2183363"/>
+          </a:xfrm>
+          <a:prstGeom prst="roundRect">
+            <a:avLst/>
+          </a:prstGeom>
+          <a:solidFill>
+            <a:schemeClr val="bg1">
+              <a:lumMod val="85000"/>
+            </a:schemeClr>
+          </a:solidFill>
+          <a:ln w="28575">
+            <a:solidFill>
+              <a:srgbClr val="FF0000"/>
+            </a:solidFill>
+          </a:ln>
+        </p:spPr>
+        <p:style>
+          <a:lnRef idx="2">
+            <a:schemeClr val="accent1">
+              <a:shade val="50000"/>
+            </a:schemeClr>
+          </a:lnRef>
+          <a:fillRef idx="1">
+            <a:schemeClr val="accent1"/>
+          </a:fillRef>
+          <a:effectRef idx="0">
+            <a:schemeClr val="accent1"/>
+          </a:effectRef>
+          <a:fontRef idx="minor">
+            <a:schemeClr val="lt1"/>
+          </a:fontRef>
+        </p:style>
+        <p:txBody>
+          <a:bodyPr rtlCol="0" anchor="ctr"/>
+          <a:lstStyle/>
+          <a:p>
+            <a:pPr algn="ctr"/>
+            <a:endParaRPr lang="en-GB">
+              <a:latin typeface="Segoe UI" panose="020B0502040204020203" pitchFamily="34" charset="0"/>
+              <a:cs typeface="Segoe UI" panose="020B0502040204020203" pitchFamily="34" charset="0"/>
+            </a:endParaRPr>
+          </a:p>
+        </p:txBody>
+      </p:sp>
+      <p:sp>
+        <p:nvSpPr>
+          <p:cNvPr id="14" name="Rectangle: Rounded Corners 13">
+            <a:extLst>
+              <a:ext uri="{FF2B5EF4-FFF2-40B4-BE49-F238E27FC236}">
+                <a16:creationId xmlns:a16="http://schemas.microsoft.com/office/drawing/2014/main" id="{670B406B-FAA1-4A47-9E0F-388A4554F760}"/>
+              </a:ext>
+            </a:extLst>
+          </p:cNvPr>
+          <p:cNvSpPr/>
+          <p:nvPr/>
+        </p:nvSpPr>
+        <p:spPr>
+          <a:xfrm>
+            <a:off x="5951371" y="4406768"/>
+            <a:ext cx="1819470" cy="942392"/>
+          </a:xfrm>
+          <a:prstGeom prst="roundRect">
+            <a:avLst/>
+          </a:prstGeom>
+          <a:solidFill>
+            <a:schemeClr val="bg1">
+              <a:lumMod val="85000"/>
+            </a:schemeClr>
+          </a:solidFill>
+          <a:ln w="28575">
+            <a:solidFill>
+              <a:srgbClr val="FF0000"/>
+            </a:solidFill>
+          </a:ln>
+        </p:spPr>
+        <p:style>
+          <a:lnRef idx="2">
+            <a:schemeClr val="accent1">
+              <a:shade val="50000"/>
+            </a:schemeClr>
+          </a:lnRef>
+          <a:fillRef idx="1">
+            <a:schemeClr val="accent1"/>
+          </a:fillRef>
+          <a:effectRef idx="0">
+            <a:schemeClr val="accent1"/>
+          </a:effectRef>
+          <a:fontRef idx="minor">
+            <a:schemeClr val="lt1"/>
+          </a:fontRef>
+        </p:style>
+        <p:txBody>
+          <a:bodyPr rtlCol="0" anchor="ctr"/>
+          <a:lstStyle/>
+          <a:p>
+            <a:pPr algn="ctr"/>
+            <a:endParaRPr lang="en-GB">
+              <a:latin typeface="Segoe UI" panose="020B0502040204020203" pitchFamily="34" charset="0"/>
+              <a:cs typeface="Segoe UI" panose="020B0502040204020203" pitchFamily="34" charset="0"/>
+            </a:endParaRPr>
+          </a:p>
+        </p:txBody>
+      </p:sp>
+      <p:sp>
+        <p:nvSpPr>
+          <p:cNvPr id="15" name="Rectangle: Rounded Corners 14">
+            <a:extLst>
+              <a:ext uri="{FF2B5EF4-FFF2-40B4-BE49-F238E27FC236}">
+                <a16:creationId xmlns:a16="http://schemas.microsoft.com/office/drawing/2014/main" id="{56FA4A14-0892-4CE1-BE7A-A2056ECF1DAC}"/>
+              </a:ext>
+            </a:extLst>
+          </p:cNvPr>
+          <p:cNvSpPr/>
+          <p:nvPr/>
+        </p:nvSpPr>
+        <p:spPr>
+          <a:xfrm>
+            <a:off x="3456988" y="4406768"/>
+            <a:ext cx="1819470" cy="942392"/>
+          </a:xfrm>
+          <a:prstGeom prst="roundRect">
+            <a:avLst/>
+          </a:prstGeom>
+          <a:solidFill>
+            <a:schemeClr val="bg1">
+              <a:lumMod val="85000"/>
+            </a:schemeClr>
+          </a:solidFill>
+          <a:ln w="28575">
+            <a:solidFill>
+              <a:srgbClr val="FF0000"/>
+            </a:solidFill>
+          </a:ln>
+        </p:spPr>
+        <p:style>
+          <a:lnRef idx="2">
+            <a:schemeClr val="accent1">
+              <a:shade val="50000"/>
+            </a:schemeClr>
+          </a:lnRef>
+          <a:fillRef idx="1">
+            <a:schemeClr val="accent1"/>
+          </a:fillRef>
+          <a:effectRef idx="0">
+            <a:schemeClr val="accent1"/>
+          </a:effectRef>
+          <a:fontRef idx="minor">
+            <a:schemeClr val="lt1"/>
+          </a:fontRef>
+        </p:style>
+        <p:txBody>
+          <a:bodyPr rtlCol="0" anchor="ctr"/>
+          <a:lstStyle/>
+          <a:p>
+            <a:pPr algn="ctr"/>
+            <a:endParaRPr lang="en-GB">
+              <a:latin typeface="Segoe UI" panose="020B0502040204020203" pitchFamily="34" charset="0"/>
+              <a:cs typeface="Segoe UI" panose="020B0502040204020203" pitchFamily="34" charset="0"/>
+            </a:endParaRPr>
+          </a:p>
+        </p:txBody>
+      </p:sp>
+      <p:cxnSp>
+        <p:nvCxnSpPr>
+          <p:cNvPr id="16" name="Straight Connector 15">
+            <a:extLst>
+              <a:ext uri="{FF2B5EF4-FFF2-40B4-BE49-F238E27FC236}">
+                <a16:creationId xmlns:a16="http://schemas.microsoft.com/office/drawing/2014/main" id="{B8646BD2-FF5F-47C6-9788-5228BF540137}"/>
+              </a:ext>
+            </a:extLst>
+          </p:cNvPr>
+          <p:cNvCxnSpPr>
+            <a:cxnSpLocks/>
+          </p:cNvCxnSpPr>
+          <p:nvPr/>
+        </p:nvCxnSpPr>
+        <p:spPr>
+          <a:xfrm>
+            <a:off x="5592147" y="3429000"/>
+            <a:ext cx="0" cy="2449286"/>
+          </a:xfrm>
+          <a:prstGeom prst="line">
+            <a:avLst/>
+          </a:prstGeom>
+          <a:ln w="15875" cmpd="dbl">
+            <a:solidFill>
+              <a:schemeClr val="accent6">
+                <a:lumMod val="75000"/>
+              </a:schemeClr>
+            </a:solidFill>
+            <a:prstDash val="lgDash"/>
+          </a:ln>
+        </p:spPr>
+        <p:style>
+          <a:lnRef idx="1">
+            <a:schemeClr val="accent1"/>
+          </a:lnRef>
+          <a:fillRef idx="0">
+            <a:schemeClr val="accent1"/>
+          </a:fillRef>
+          <a:effectRef idx="0">
+            <a:schemeClr val="accent1"/>
+          </a:effectRef>
+          <a:fontRef idx="minor">
+            <a:schemeClr val="tx1"/>
+          </a:fontRef>
+        </p:style>
+      </p:cxnSp>
+      <p:sp>
+        <p:nvSpPr>
+          <p:cNvPr id="17" name="TextBox 16">
+            <a:extLst>
+              <a:ext uri="{FF2B5EF4-FFF2-40B4-BE49-F238E27FC236}">
+                <a16:creationId xmlns:a16="http://schemas.microsoft.com/office/drawing/2014/main" id="{6E8BFC32-3AFA-4B4C-9172-2CBE21A80A58}"/>
+              </a:ext>
+            </a:extLst>
+          </p:cNvPr>
+          <p:cNvSpPr txBox="1"/>
+          <p:nvPr/>
+        </p:nvSpPr>
+        <p:spPr>
+          <a:xfrm>
+            <a:off x="2362465" y="1178588"/>
+            <a:ext cx="3187956" cy="1446550"/>
+          </a:xfrm>
+          <a:prstGeom prst="rect">
+            <a:avLst/>
+          </a:prstGeom>
+          <a:noFill/>
+        </p:spPr>
+        <p:txBody>
+          <a:bodyPr wrap="square" rtlCol="0">
+            <a:spAutoFit/>
           </a:bodyPr>
           <a:lstStyle/>
           <a:p>
-            <a:pPr algn="ctr"/>
-            <a:r>
-              <a:rPr lang="en-GB" sz="6600" dirty="0">
-                <a:solidFill>
-                  <a:schemeClr val="bg1"/>
-                </a:solidFill>
-                <a:latin typeface="Segoe UI" panose="020B0502040204020203" pitchFamily="34" charset="0"/>
-                <a:cs typeface="Segoe UI" panose="020B0502040204020203" pitchFamily="34" charset="0"/>
-              </a:rPr>
-              <a:t>Build tools</a:t>
-            </a:r>
-          </a:p>
-        </p:txBody>
-      </p:sp>
-      <p:sp>
-        <p:nvSpPr>
-          <p:cNvPr id="4" name="Content Placeholder 2">
-            <a:extLst>
-              <a:ext uri="{FF2B5EF4-FFF2-40B4-BE49-F238E27FC236}">
-                <a16:creationId xmlns:a16="http://schemas.microsoft.com/office/drawing/2014/main" id="{088CCB65-11B4-408B-9ED3-1304FE85032F}"/>
-              </a:ext>
-            </a:extLst>
-          </p:cNvPr>
-          <p:cNvSpPr>
-            <a:spLocks noGrp="1"/>
-          </p:cNvSpPr>
-          <p:nvPr>
-            <p:ph idx="1"/>
-          </p:nvPr>
+            <a:r>
+              <a:rPr lang="en-GB" sz="8800" dirty="0">
+                <a:latin typeface="Segoe UI" panose="020B0502040204020203" pitchFamily="34" charset="0"/>
+                <a:cs typeface="Segoe UI" panose="020B0502040204020203" pitchFamily="34" charset="0"/>
+              </a:rPr>
+              <a:t>HTML</a:t>
+            </a:r>
+          </a:p>
+        </p:txBody>
+      </p:sp>
+      <p:sp>
+        <p:nvSpPr>
+          <p:cNvPr id="19" name="TextBox 18">
+            <a:extLst>
+              <a:ext uri="{FF2B5EF4-FFF2-40B4-BE49-F238E27FC236}">
+                <a16:creationId xmlns:a16="http://schemas.microsoft.com/office/drawing/2014/main" id="{C81F58F9-1FC7-477B-877C-80F0959EBC0E}"/>
+              </a:ext>
+            </a:extLst>
+          </p:cNvPr>
+          <p:cNvSpPr txBox="1"/>
+          <p:nvPr/>
         </p:nvSpPr>
         <p:spPr>
           <a:xfrm>
-            <a:off x="838200" y="1325563"/>
-            <a:ext cx="10515600" cy="5326907"/>
-          </a:xfrm>
-        </p:spPr>
-        <p:txBody>
-          <a:bodyPr wrap="square" bIns="252000">
-            <a:normAutofit lnSpcReduction="10000"/>
+            <a:off x="6019022" y="4693298"/>
+            <a:ext cx="1686507" cy="369332"/>
+          </a:xfrm>
+          <a:prstGeom prst="rect">
+            <a:avLst/>
+          </a:prstGeom>
+          <a:noFill/>
+        </p:spPr>
+        <p:txBody>
+          <a:bodyPr wrap="square" rtlCol="0">
+            <a:spAutoFit/>
           </a:bodyPr>
           <a:lstStyle/>
           <a:p>
-            <a:pPr marL="457200" lvl="1" indent="0" algn="ctr">
-              <a:buNone/>
-            </a:pPr>
-            <a:endParaRPr lang="en-GB" sz="1600" dirty="0">
-              <a:solidFill>
-                <a:srgbClr val="2196F3"/>
-              </a:solidFill>
-              <a:latin typeface="Segoe UI" panose="020B0502040204020203" pitchFamily="34" charset="0"/>
-              <a:cs typeface="Segoe UI" panose="020B0502040204020203" pitchFamily="34" charset="0"/>
-            </a:endParaRPr>
-          </a:p>
-          <a:p>
-            <a:pPr marL="457200" lvl="1" indent="0">
-              <a:buNone/>
-            </a:pPr>
-            <a:r>
-              <a:rPr lang="en-GB" sz="3600" dirty="0">
-                <a:solidFill>
-                  <a:srgbClr val="2196F3"/>
-                </a:solidFill>
-                <a:latin typeface="Segoe UI" panose="020B0502040204020203" pitchFamily="34" charset="0"/>
-                <a:cs typeface="Segoe UI" panose="020B0502040204020203" pitchFamily="34" charset="0"/>
-              </a:rPr>
-              <a:t>JS compilers (not frameworks):</a:t>
-            </a:r>
-          </a:p>
-          <a:p>
-            <a:pPr marL="457200" lvl="1" indent="0">
-              <a:buNone/>
-            </a:pPr>
-            <a:endParaRPr lang="en-GB" sz="1300" dirty="0">
-              <a:solidFill>
-                <a:srgbClr val="2196F3"/>
-              </a:solidFill>
-              <a:latin typeface="Segoe UI" panose="020B0502040204020203" pitchFamily="34" charset="0"/>
-              <a:cs typeface="Segoe UI" panose="020B0502040204020203" pitchFamily="34" charset="0"/>
-            </a:endParaRPr>
-          </a:p>
-          <a:p>
-            <a:pPr marL="914400" lvl="2" indent="0">
-              <a:buNone/>
-            </a:pPr>
-            <a:r>
-              <a:rPr lang="en-GB" sz="3200" dirty="0">
-                <a:solidFill>
-                  <a:srgbClr val="2196F3"/>
-                </a:solidFill>
-                <a:latin typeface="Segoe UI" panose="020B0502040204020203" pitchFamily="34" charset="0"/>
-                <a:cs typeface="Segoe UI" panose="020B0502040204020203" pitchFamily="34" charset="0"/>
-              </a:rPr>
-              <a:t>Stencil JS (Part of Ionic)</a:t>
-            </a:r>
-          </a:p>
-          <a:p>
-            <a:pPr marL="914400" lvl="2" indent="0">
-              <a:buNone/>
-            </a:pPr>
-            <a:r>
-              <a:rPr lang="en-GB" sz="3200" dirty="0">
-                <a:solidFill>
-                  <a:srgbClr val="2196F3"/>
-                </a:solidFill>
-                <a:latin typeface="Segoe UI" panose="020B0502040204020203" pitchFamily="34" charset="0"/>
-                <a:cs typeface="Segoe UI" panose="020B0502040204020203" pitchFamily="34" charset="0"/>
-              </a:rPr>
-              <a:t>Lit Element/Lit HTML</a:t>
-            </a:r>
-          </a:p>
-          <a:p>
-            <a:pPr marL="914400" lvl="2" indent="0">
-              <a:buNone/>
-            </a:pPr>
-            <a:r>
-              <a:rPr lang="en-GB" sz="3200" dirty="0">
-                <a:solidFill>
-                  <a:srgbClr val="2196F3"/>
-                </a:solidFill>
-                <a:latin typeface="Segoe UI" panose="020B0502040204020203" pitchFamily="34" charset="0"/>
-                <a:cs typeface="Segoe UI" panose="020B0502040204020203" pitchFamily="34" charset="0"/>
-              </a:rPr>
-              <a:t>Svelte</a:t>
-            </a:r>
-          </a:p>
-          <a:p>
-            <a:pPr marL="914400" lvl="2" indent="0">
-              <a:buNone/>
-            </a:pPr>
-            <a:r>
-              <a:rPr lang="en-GB" sz="3200" dirty="0">
-                <a:solidFill>
-                  <a:srgbClr val="2196F3"/>
-                </a:solidFill>
-                <a:latin typeface="Segoe UI" panose="020B0502040204020203" pitchFamily="34" charset="0"/>
-                <a:cs typeface="Segoe UI" panose="020B0502040204020203" pitchFamily="34" charset="0"/>
-              </a:rPr>
-              <a:t>Open WC</a:t>
-            </a:r>
-          </a:p>
-          <a:p>
-            <a:pPr marL="457200" lvl="1" indent="0">
-              <a:buNone/>
-            </a:pPr>
-            <a:endParaRPr lang="en-GB" sz="3600" dirty="0">
-              <a:solidFill>
-                <a:srgbClr val="2196F3"/>
-              </a:solidFill>
-              <a:latin typeface="Segoe UI" panose="020B0502040204020203" pitchFamily="34" charset="0"/>
-              <a:cs typeface="Segoe UI" panose="020B0502040204020203" pitchFamily="34" charset="0"/>
-            </a:endParaRPr>
-          </a:p>
-          <a:p>
-            <a:pPr marL="457200" lvl="1" indent="0">
-              <a:buNone/>
-            </a:pPr>
-            <a:r>
-              <a:rPr lang="en-GB" sz="3600" dirty="0">
-                <a:solidFill>
-                  <a:srgbClr val="2196F3"/>
-                </a:solidFill>
-                <a:latin typeface="Segoe UI" panose="020B0502040204020203" pitchFamily="34" charset="0"/>
-                <a:cs typeface="Segoe UI" panose="020B0502040204020203" pitchFamily="34" charset="0"/>
-              </a:rPr>
-              <a:t>Wrappers:</a:t>
-            </a:r>
-          </a:p>
-          <a:p>
-            <a:pPr marL="457200" lvl="1" indent="0">
-              <a:buNone/>
-            </a:pPr>
-            <a:endParaRPr lang="en-GB" sz="1600" dirty="0">
-              <a:solidFill>
-                <a:srgbClr val="2196F3"/>
-              </a:solidFill>
-              <a:latin typeface="Segoe UI" panose="020B0502040204020203" pitchFamily="34" charset="0"/>
-              <a:cs typeface="Segoe UI" panose="020B0502040204020203" pitchFamily="34" charset="0"/>
-            </a:endParaRPr>
-          </a:p>
-          <a:p>
-            <a:pPr marL="914400" lvl="2" indent="0">
-              <a:buNone/>
-            </a:pPr>
-            <a:r>
-              <a:rPr lang="en-GB" sz="3200" dirty="0">
-                <a:solidFill>
-                  <a:srgbClr val="2196F3"/>
-                </a:solidFill>
-                <a:latin typeface="Segoe UI" panose="020B0502040204020203" pitchFamily="34" charset="0"/>
-                <a:cs typeface="Segoe UI" panose="020B0502040204020203" pitchFamily="34" charset="0"/>
-              </a:rPr>
-              <a:t>Vue, Angular, React etc have builds that add a web component wrapper.</a:t>
-            </a:r>
-          </a:p>
-          <a:p>
-            <a:pPr marL="457200" lvl="1" indent="0">
-              <a:buNone/>
-            </a:pPr>
-            <a:endParaRPr lang="en-GB" sz="3600" dirty="0">
-              <a:solidFill>
-                <a:srgbClr val="2196F3"/>
-              </a:solidFill>
-              <a:latin typeface="Segoe UI" panose="020B0502040204020203" pitchFamily="34" charset="0"/>
-              <a:cs typeface="Segoe UI" panose="020B0502040204020203" pitchFamily="34" charset="0"/>
-            </a:endParaRPr>
-          </a:p>
-          <a:p>
-            <a:pPr marL="457200" lvl="1" indent="0">
-              <a:buNone/>
-            </a:pPr>
-            <a:endParaRPr lang="en-GB" sz="3600" dirty="0">
-              <a:solidFill>
-                <a:srgbClr val="2196F3"/>
-              </a:solidFill>
-              <a:latin typeface="Segoe UI" panose="020B0502040204020203" pitchFamily="34" charset="0"/>
-              <a:cs typeface="Segoe UI" panose="020B0502040204020203" pitchFamily="34" charset="0"/>
-            </a:endParaRPr>
-          </a:p>
-          <a:p>
-            <a:pPr marL="457200" lvl="1" indent="0">
-              <a:buNone/>
-            </a:pPr>
-            <a:endParaRPr lang="en-GB" sz="6700" dirty="0">
-              <a:solidFill>
-                <a:srgbClr val="2196F3"/>
-              </a:solidFill>
-              <a:latin typeface="Segoe UI" panose="020B0502040204020203" pitchFamily="34" charset="0"/>
-              <a:cs typeface="Segoe UI" panose="020B0502040204020203" pitchFamily="34" charset="0"/>
-            </a:endParaRPr>
-          </a:p>
-          <a:p>
-            <a:pPr marL="457200" lvl="1" indent="0">
-              <a:buNone/>
-            </a:pPr>
-            <a:endParaRPr lang="en-GB" sz="6700" dirty="0">
-              <a:solidFill>
-                <a:srgbClr val="2196F3"/>
-              </a:solidFill>
-              <a:latin typeface="Segoe UI" panose="020B0502040204020203" pitchFamily="34" charset="0"/>
-              <a:cs typeface="Segoe UI" panose="020B0502040204020203" pitchFamily="34" charset="0"/>
-            </a:endParaRPr>
-          </a:p>
-          <a:p>
-            <a:pPr marL="457200" lvl="1" indent="0">
-              <a:buNone/>
-            </a:pPr>
-            <a:endParaRPr lang="en-GB" sz="6700" dirty="0">
-              <a:latin typeface="Segoe UI" panose="020B0502040204020203" pitchFamily="34" charset="0"/>
-              <a:cs typeface="Segoe UI" panose="020B0502040204020203" pitchFamily="34" charset="0"/>
-            </a:endParaRPr>
-          </a:p>
-          <a:p>
-            <a:pPr marL="0" indent="0">
-              <a:buNone/>
-            </a:pPr>
-            <a:endParaRPr lang="en-GB" dirty="0">
-              <a:latin typeface="Segoe UI" panose="020B0502040204020203" pitchFamily="34" charset="0"/>
-              <a:cs typeface="Segoe UI" panose="020B0502040204020203" pitchFamily="34" charset="0"/>
-            </a:endParaRPr>
-          </a:p>
-          <a:p>
-            <a:endParaRPr lang="en-GB" dirty="0">
-              <a:latin typeface="Segoe UI" panose="020B0502040204020203" pitchFamily="34" charset="0"/>
-              <a:cs typeface="Segoe UI" panose="020B0502040204020203" pitchFamily="34" charset="0"/>
-            </a:endParaRPr>
-          </a:p>
-        </p:txBody>
-      </p:sp>
+            <a:r>
+              <a:rPr lang="en-GB" dirty="0">
+                <a:latin typeface="Segoe UI" panose="020B0502040204020203" pitchFamily="34" charset="0"/>
+                <a:cs typeface="Segoe UI" panose="020B0502040204020203" pitchFamily="34" charset="0"/>
+              </a:rPr>
+              <a:t>Framework ...n</a:t>
+            </a:r>
+          </a:p>
+        </p:txBody>
+      </p:sp>
+      <p:sp>
+        <p:nvSpPr>
+          <p:cNvPr id="20" name="TextBox 19">
+            <a:extLst>
+              <a:ext uri="{FF2B5EF4-FFF2-40B4-BE49-F238E27FC236}">
+                <a16:creationId xmlns:a16="http://schemas.microsoft.com/office/drawing/2014/main" id="{FB923CCF-0EA9-4C2D-AC00-B89B13CB18B9}"/>
+              </a:ext>
+            </a:extLst>
+          </p:cNvPr>
+          <p:cNvSpPr txBox="1"/>
+          <p:nvPr/>
+        </p:nvSpPr>
+        <p:spPr>
+          <a:xfrm>
+            <a:off x="3619499" y="4693298"/>
+            <a:ext cx="1488233" cy="369332"/>
+          </a:xfrm>
+          <a:prstGeom prst="rect">
+            <a:avLst/>
+          </a:prstGeom>
+          <a:noFill/>
+        </p:spPr>
+        <p:txBody>
+          <a:bodyPr wrap="square" rtlCol="0">
+            <a:spAutoFit/>
+          </a:bodyPr>
+          <a:lstStyle/>
+          <a:p>
+            <a:r>
+              <a:rPr lang="en-GB" dirty="0">
+                <a:latin typeface="Segoe UI" panose="020B0502040204020203" pitchFamily="34" charset="0"/>
+                <a:cs typeface="Segoe UI" panose="020B0502040204020203" pitchFamily="34" charset="0"/>
+              </a:rPr>
+              <a:t>Framework 2</a:t>
+            </a:r>
+          </a:p>
+        </p:txBody>
+      </p:sp>
+      <p:sp>
+        <p:nvSpPr>
+          <p:cNvPr id="21" name="TextBox 20">
+            <a:extLst>
+              <a:ext uri="{FF2B5EF4-FFF2-40B4-BE49-F238E27FC236}">
+                <a16:creationId xmlns:a16="http://schemas.microsoft.com/office/drawing/2014/main" id="{000E004F-3DEE-453A-880F-3667A9536687}"/>
+              </a:ext>
+            </a:extLst>
+          </p:cNvPr>
+          <p:cNvSpPr txBox="1"/>
+          <p:nvPr/>
+        </p:nvSpPr>
+        <p:spPr>
+          <a:xfrm>
+            <a:off x="1091681" y="4693298"/>
+            <a:ext cx="1488233" cy="369332"/>
+          </a:xfrm>
+          <a:prstGeom prst="rect">
+            <a:avLst/>
+          </a:prstGeom>
+          <a:noFill/>
+        </p:spPr>
+        <p:txBody>
+          <a:bodyPr wrap="square" rtlCol="0">
+            <a:spAutoFit/>
+          </a:bodyPr>
+          <a:lstStyle/>
+          <a:p>
+            <a:r>
+              <a:rPr lang="en-GB" dirty="0">
+                <a:latin typeface="Segoe UI" panose="020B0502040204020203" pitchFamily="34" charset="0"/>
+                <a:cs typeface="Segoe UI" panose="020B0502040204020203" pitchFamily="34" charset="0"/>
+              </a:rPr>
+              <a:t>Framework 1</a:t>
+            </a:r>
+          </a:p>
+        </p:txBody>
+      </p:sp>
+      <p:sp>
+        <p:nvSpPr>
+          <p:cNvPr id="23" name="Rectangle: Rounded Corners 22">
+            <a:extLst>
+              <a:ext uri="{FF2B5EF4-FFF2-40B4-BE49-F238E27FC236}">
+                <a16:creationId xmlns:a16="http://schemas.microsoft.com/office/drawing/2014/main" id="{B8A217E0-2E19-412E-A686-048F33BFC561}"/>
+              </a:ext>
+            </a:extLst>
+          </p:cNvPr>
+          <p:cNvSpPr/>
+          <p:nvPr/>
+        </p:nvSpPr>
+        <p:spPr>
+          <a:xfrm>
+            <a:off x="9193762" y="709127"/>
+            <a:ext cx="2251787" cy="4609322"/>
+          </a:xfrm>
+          <a:prstGeom prst="roundRect">
+            <a:avLst/>
+          </a:prstGeom>
+          <a:solidFill>
+            <a:schemeClr val="bg1">
+              <a:lumMod val="85000"/>
+            </a:schemeClr>
+          </a:solidFill>
+          <a:ln w="28575">
+            <a:solidFill>
+              <a:srgbClr val="FF0000"/>
+            </a:solidFill>
+          </a:ln>
+        </p:spPr>
+        <p:style>
+          <a:lnRef idx="2">
+            <a:schemeClr val="accent1">
+              <a:shade val="50000"/>
+            </a:schemeClr>
+          </a:lnRef>
+          <a:fillRef idx="1">
+            <a:schemeClr val="accent1"/>
+          </a:fillRef>
+          <a:effectRef idx="0">
+            <a:schemeClr val="accent1"/>
+          </a:effectRef>
+          <a:fontRef idx="minor">
+            <a:schemeClr val="lt1"/>
+          </a:fontRef>
+        </p:style>
+        <p:txBody>
+          <a:bodyPr rtlCol="0" anchor="ctr"/>
+          <a:lstStyle/>
+          <a:p>
+            <a:pPr algn="ctr"/>
+            <a:endParaRPr lang="en-GB">
+              <a:latin typeface="Segoe UI" panose="020B0502040204020203" pitchFamily="34" charset="0"/>
+              <a:cs typeface="Segoe UI" panose="020B0502040204020203" pitchFamily="34" charset="0"/>
+            </a:endParaRPr>
+          </a:p>
+        </p:txBody>
+      </p:sp>
+      <p:cxnSp>
+        <p:nvCxnSpPr>
+          <p:cNvPr id="18" name="Straight Arrow Connector 17">
+            <a:extLst>
+              <a:ext uri="{FF2B5EF4-FFF2-40B4-BE49-F238E27FC236}">
+                <a16:creationId xmlns:a16="http://schemas.microsoft.com/office/drawing/2014/main" id="{5F7D620A-347A-4465-8346-ADDE9EFF331B}"/>
+              </a:ext>
+            </a:extLst>
+          </p:cNvPr>
+          <p:cNvCxnSpPr>
+            <a:cxnSpLocks/>
+          </p:cNvCxnSpPr>
+          <p:nvPr/>
+        </p:nvCxnSpPr>
+        <p:spPr>
+          <a:xfrm flipV="1">
+            <a:off x="1688841" y="1346327"/>
+            <a:ext cx="0" cy="3029730"/>
+          </a:xfrm>
+          <a:prstGeom prst="straightConnector1">
+            <a:avLst/>
+          </a:prstGeom>
+          <a:ln w="38100">
+            <a:solidFill>
+              <a:schemeClr val="accent1">
+                <a:lumMod val="75000"/>
+              </a:schemeClr>
+            </a:solidFill>
+            <a:tailEnd type="triangle"/>
+          </a:ln>
+        </p:spPr>
+        <p:style>
+          <a:lnRef idx="1">
+            <a:schemeClr val="accent1"/>
+          </a:lnRef>
+          <a:fillRef idx="0">
+            <a:schemeClr val="accent1"/>
+          </a:fillRef>
+          <a:effectRef idx="0">
+            <a:schemeClr val="accent1"/>
+          </a:effectRef>
+          <a:fontRef idx="minor">
+            <a:schemeClr val="tx1"/>
+          </a:fontRef>
+        </p:style>
+      </p:cxnSp>
+      <p:cxnSp>
+        <p:nvCxnSpPr>
+          <p:cNvPr id="22" name="Straight Arrow Connector 21">
+            <a:extLst>
+              <a:ext uri="{FF2B5EF4-FFF2-40B4-BE49-F238E27FC236}">
+                <a16:creationId xmlns:a16="http://schemas.microsoft.com/office/drawing/2014/main" id="{58038E94-A816-4097-B154-9278E5E3AEC5}"/>
+              </a:ext>
+            </a:extLst>
+          </p:cNvPr>
+          <p:cNvCxnSpPr>
+            <a:cxnSpLocks/>
+          </p:cNvCxnSpPr>
+          <p:nvPr/>
+        </p:nvCxnSpPr>
+        <p:spPr>
+          <a:xfrm flipV="1">
+            <a:off x="4266429" y="2692866"/>
+            <a:ext cx="0" cy="1713902"/>
+          </a:xfrm>
+          <a:prstGeom prst="straightConnector1">
+            <a:avLst/>
+          </a:prstGeom>
+          <a:ln w="38100">
+            <a:solidFill>
+              <a:schemeClr val="accent1">
+                <a:lumMod val="75000"/>
+              </a:schemeClr>
+            </a:solidFill>
+            <a:tailEnd type="triangle"/>
+          </a:ln>
+        </p:spPr>
+        <p:style>
+          <a:lnRef idx="1">
+            <a:schemeClr val="accent1"/>
+          </a:lnRef>
+          <a:fillRef idx="0">
+            <a:schemeClr val="accent1"/>
+          </a:fillRef>
+          <a:effectRef idx="0">
+            <a:schemeClr val="accent1"/>
+          </a:effectRef>
+          <a:fontRef idx="minor">
+            <a:schemeClr val="tx1"/>
+          </a:fontRef>
+        </p:style>
+      </p:cxnSp>
+      <p:cxnSp>
+        <p:nvCxnSpPr>
+          <p:cNvPr id="25" name="Straight Arrow Connector 24">
+            <a:extLst>
+              <a:ext uri="{FF2B5EF4-FFF2-40B4-BE49-F238E27FC236}">
+                <a16:creationId xmlns:a16="http://schemas.microsoft.com/office/drawing/2014/main" id="{CE3C969B-AEB4-4EC9-9A8E-B3AE9B64804C}"/>
+              </a:ext>
+            </a:extLst>
+          </p:cNvPr>
+          <p:cNvCxnSpPr/>
+          <p:nvPr/>
+        </p:nvCxnSpPr>
+        <p:spPr>
+          <a:xfrm flipV="1">
+            <a:off x="6263180" y="1666564"/>
+            <a:ext cx="0" cy="2740204"/>
+          </a:xfrm>
+          <a:prstGeom prst="straightConnector1">
+            <a:avLst/>
+          </a:prstGeom>
+          <a:ln w="38100">
+            <a:solidFill>
+              <a:schemeClr val="accent1">
+                <a:lumMod val="75000"/>
+              </a:schemeClr>
+            </a:solidFill>
+            <a:tailEnd type="triangle"/>
+          </a:ln>
+        </p:spPr>
+        <p:style>
+          <a:lnRef idx="1">
+            <a:schemeClr val="accent1"/>
+          </a:lnRef>
+          <a:fillRef idx="0">
+            <a:schemeClr val="accent1"/>
+          </a:fillRef>
+          <a:effectRef idx="0">
+            <a:schemeClr val="accent1"/>
+          </a:effectRef>
+          <a:fontRef idx="minor">
+            <a:schemeClr val="tx1"/>
+          </a:fontRef>
+        </p:style>
+      </p:cxnSp>
+      <p:sp>
+        <p:nvSpPr>
+          <p:cNvPr id="2" name="TextBox 1">
+            <a:extLst>
+              <a:ext uri="{FF2B5EF4-FFF2-40B4-BE49-F238E27FC236}">
+                <a16:creationId xmlns:a16="http://schemas.microsoft.com/office/drawing/2014/main" id="{750521FD-EDC1-47B6-839B-F4D55BFCABCF}"/>
+              </a:ext>
+            </a:extLst>
+          </p:cNvPr>
+          <p:cNvSpPr txBox="1"/>
+          <p:nvPr/>
+        </p:nvSpPr>
+        <p:spPr>
+          <a:xfrm>
+            <a:off x="1388706" y="830901"/>
+            <a:ext cx="3590988" cy="646331"/>
+          </a:xfrm>
+          <a:prstGeom prst="rect">
+            <a:avLst/>
+          </a:prstGeom>
+          <a:noFill/>
+        </p:spPr>
+        <p:txBody>
+          <a:bodyPr wrap="square" rtlCol="0">
+            <a:spAutoFit/>
+          </a:bodyPr>
+          <a:lstStyle/>
+          <a:p>
+            <a:r>
+              <a:rPr lang="en-GB" dirty="0">
+                <a:solidFill>
+                  <a:schemeClr val="accent1">
+                    <a:lumMod val="75000"/>
+                  </a:schemeClr>
+                </a:solidFill>
+              </a:rPr>
+              <a:t>&lt;script src=“bundle.js”&gt;&lt;/script&gt;</a:t>
+            </a:r>
+          </a:p>
+          <a:p>
+            <a:r>
+              <a:rPr lang="en-GB" dirty="0">
+                <a:solidFill>
+                  <a:schemeClr val="accent1">
+                    <a:lumMod val="75000"/>
+                  </a:schemeClr>
+                </a:solidFill>
+              </a:rPr>
+              <a:t>&lt;div id=“app”&gt;</a:t>
+            </a:r>
+          </a:p>
+        </p:txBody>
+      </p:sp>
+      <p:sp>
+        <p:nvSpPr>
+          <p:cNvPr id="26" name="TextBox 25">
+            <a:extLst>
+              <a:ext uri="{FF2B5EF4-FFF2-40B4-BE49-F238E27FC236}">
+                <a16:creationId xmlns:a16="http://schemas.microsoft.com/office/drawing/2014/main" id="{92E01203-6628-42AA-B191-2BE8EE04C15B}"/>
+              </a:ext>
+            </a:extLst>
+          </p:cNvPr>
+          <p:cNvSpPr txBox="1"/>
+          <p:nvPr/>
+        </p:nvSpPr>
+        <p:spPr>
+          <a:xfrm>
+            <a:off x="9728713" y="1046454"/>
+            <a:ext cx="1278294" cy="369332"/>
+          </a:xfrm>
+          <a:prstGeom prst="rect">
+            <a:avLst/>
+          </a:prstGeom>
+          <a:solidFill>
+            <a:schemeClr val="accent1">
+              <a:lumMod val="60000"/>
+              <a:lumOff val="40000"/>
+            </a:schemeClr>
+          </a:solidFill>
+        </p:spPr>
+        <p:style>
+          <a:lnRef idx="2">
+            <a:schemeClr val="accent6">
+              <a:shade val="50000"/>
+            </a:schemeClr>
+          </a:lnRef>
+          <a:fillRef idx="1">
+            <a:schemeClr val="accent6"/>
+          </a:fillRef>
+          <a:effectRef idx="0">
+            <a:schemeClr val="accent6"/>
+          </a:effectRef>
+          <a:fontRef idx="minor">
+            <a:schemeClr val="lt1"/>
+          </a:fontRef>
+        </p:style>
+        <p:txBody>
+          <a:bodyPr rtlCol="0" anchor="ctr"/>
+          <a:lstStyle>
+            <a:defPPr>
+              <a:defRPr lang="en-US"/>
+            </a:defPPr>
+            <a:lvl1pPr algn="ctr">
+              <a:defRPr>
+                <a:solidFill>
+                  <a:schemeClr val="lt1"/>
+                </a:solidFill>
+                <a:latin typeface="Segoe UI" panose="020B0502040204020203" pitchFamily="34" charset="0"/>
+                <a:cs typeface="Segoe UI" panose="020B0502040204020203" pitchFamily="34" charset="0"/>
+              </a:defRPr>
+            </a:lvl1pPr>
+            <a:lvl2pPr>
+              <a:defRPr>
+                <a:solidFill>
+                  <a:schemeClr val="lt1"/>
+                </a:solidFill>
+              </a:defRPr>
+            </a:lvl2pPr>
+            <a:lvl3pPr>
+              <a:defRPr>
+                <a:solidFill>
+                  <a:schemeClr val="lt1"/>
+                </a:solidFill>
+              </a:defRPr>
+            </a:lvl3pPr>
+            <a:lvl4pPr>
+              <a:defRPr>
+                <a:solidFill>
+                  <a:schemeClr val="lt1"/>
+                </a:solidFill>
+              </a:defRPr>
+            </a:lvl4pPr>
+            <a:lvl5pPr>
+              <a:defRPr>
+                <a:solidFill>
+                  <a:schemeClr val="lt1"/>
+                </a:solidFill>
+              </a:defRPr>
+            </a:lvl5pPr>
+            <a:lvl6pPr>
+              <a:defRPr>
+                <a:solidFill>
+                  <a:schemeClr val="lt1"/>
+                </a:solidFill>
+              </a:defRPr>
+            </a:lvl6pPr>
+            <a:lvl7pPr>
+              <a:defRPr>
+                <a:solidFill>
+                  <a:schemeClr val="lt1"/>
+                </a:solidFill>
+              </a:defRPr>
+            </a:lvl7pPr>
+            <a:lvl8pPr>
+              <a:defRPr>
+                <a:solidFill>
+                  <a:schemeClr val="lt1"/>
+                </a:solidFill>
+              </a:defRPr>
+            </a:lvl8pPr>
+            <a:lvl9pPr>
+              <a:defRPr>
+                <a:solidFill>
+                  <a:schemeClr val="lt1"/>
+                </a:solidFill>
+              </a:defRPr>
+            </a:lvl9pPr>
+          </a:lstStyle>
+          <a:p>
+            <a:r>
+              <a:rPr lang="en-GB" dirty="0"/>
+              <a:t>WordPress</a:t>
+            </a:r>
+          </a:p>
+        </p:txBody>
+      </p:sp>
+      <p:pic>
+        <p:nvPicPr>
+          <p:cNvPr id="4" name="Graphic 3" descr="Sad face with no fill">
+            <a:extLst>
+              <a:ext uri="{FF2B5EF4-FFF2-40B4-BE49-F238E27FC236}">
+                <a16:creationId xmlns:a16="http://schemas.microsoft.com/office/drawing/2014/main" id="{66A14EB3-BF63-41D8-9A63-AE052D7983C9}"/>
+              </a:ext>
+            </a:extLst>
+          </p:cNvPr>
+          <p:cNvPicPr>
+            <a:picLocks noChangeAspect="1"/>
+          </p:cNvPicPr>
+          <p:nvPr/>
+        </p:nvPicPr>
+        <p:blipFill>
+          <a:blip r:embed="rId2">
+            <a:extLst>
+              <a:ext uri="{28A0092B-C50C-407E-A947-70E740481C1C}">
+                <a14:useLocalDpi xmlns:a14="http://schemas.microsoft.com/office/drawing/2010/main" val="0"/>
+              </a:ext>
+              <a:ext uri="{96DAC541-7B7A-43D3-8B79-37D633B846F1}">
+                <asvg:svgBlip xmlns:asvg="http://schemas.microsoft.com/office/drawing/2016/SVG/main" r:embed="rId3"/>
+              </a:ext>
+            </a:extLst>
+          </a:blip>
+          <a:stretch>
+            <a:fillRect/>
+          </a:stretch>
+        </p:blipFill>
+        <p:spPr>
+          <a:xfrm>
+            <a:off x="9259074" y="1901863"/>
+            <a:ext cx="2155961" cy="2155961"/>
+          </a:xfrm>
+          <a:prstGeom prst="rect">
+            <a:avLst/>
+          </a:prstGeom>
+        </p:spPr>
+      </p:pic>
     </p:spTree>
     <p:extLst>
       <p:ext uri="{BB962C8B-B14F-4D97-AF65-F5344CB8AC3E}">
-        <p14:creationId xmlns:p14="http://schemas.microsoft.com/office/powerpoint/2010/main" val="77845080"/>
+        <p14:creationId xmlns:p14="http://schemas.microsoft.com/office/powerpoint/2010/main" val="2165501006"/>
       </p:ext>
     </p:extLst>
   </p:cSld>
@@ -5758,334 +5294,1335 @@
       </p:grpSpPr>
       <p:sp>
         <p:nvSpPr>
-          <p:cNvPr id="2" name="Title 1">
-            <a:extLst>
-              <a:ext uri="{FF2B5EF4-FFF2-40B4-BE49-F238E27FC236}">
-                <a16:creationId xmlns:a16="http://schemas.microsoft.com/office/drawing/2014/main" id="{5D7568B3-EC9A-45DD-8A17-CFE685194B65}"/>
-              </a:ext>
-            </a:extLst>
-          </p:cNvPr>
-          <p:cNvSpPr>
-            <a:spLocks noGrp="1"/>
-          </p:cNvSpPr>
-          <p:nvPr>
-            <p:ph type="title"/>
-          </p:nvPr>
+          <p:cNvPr id="5" name="Rectangle: Rounded Corners 4">
+            <a:extLst>
+              <a:ext uri="{FF2B5EF4-FFF2-40B4-BE49-F238E27FC236}">
+                <a16:creationId xmlns:a16="http://schemas.microsoft.com/office/drawing/2014/main" id="{65B1CF75-47B8-4AC4-BD1E-926B376FD50D}"/>
+              </a:ext>
+            </a:extLst>
+          </p:cNvPr>
+          <p:cNvSpPr/>
+          <p:nvPr/>
         </p:nvSpPr>
         <p:spPr>
           <a:xfrm>
-            <a:off x="838200" y="0"/>
-            <a:ext cx="10515600" cy="1325563"/>
-          </a:xfrm>
+            <a:off x="886408" y="4376057"/>
+            <a:ext cx="1819470" cy="942392"/>
+          </a:xfrm>
+          <a:prstGeom prst="roundRect">
+            <a:avLst/>
+          </a:prstGeom>
           <a:solidFill>
-            <a:srgbClr val="2196F3"/>
+            <a:schemeClr val="bg1">
+              <a:lumMod val="85000"/>
+            </a:schemeClr>
           </a:solidFill>
-        </p:spPr>
-        <p:txBody>
-          <a:bodyPr>
-            <a:normAutofit/>
+          <a:ln w="28575">
+            <a:solidFill>
+              <a:srgbClr val="FF0000"/>
+            </a:solidFill>
+          </a:ln>
+        </p:spPr>
+        <p:style>
+          <a:lnRef idx="2">
+            <a:schemeClr val="accent1">
+              <a:shade val="50000"/>
+            </a:schemeClr>
+          </a:lnRef>
+          <a:fillRef idx="1">
+            <a:schemeClr val="accent1"/>
+          </a:fillRef>
+          <a:effectRef idx="0">
+            <a:schemeClr val="accent1"/>
+          </a:effectRef>
+          <a:fontRef idx="minor">
+            <a:schemeClr val="lt1"/>
+          </a:fontRef>
+        </p:style>
+        <p:txBody>
+          <a:bodyPr rtlCol="0" anchor="ctr"/>
+          <a:lstStyle/>
+          <a:p>
+            <a:pPr algn="ctr"/>
+            <a:endParaRPr lang="en-GB">
+              <a:latin typeface="Segoe UI" panose="020B0502040204020203" pitchFamily="34" charset="0"/>
+              <a:cs typeface="Segoe UI" panose="020B0502040204020203" pitchFamily="34" charset="0"/>
+            </a:endParaRPr>
+          </a:p>
+        </p:txBody>
+      </p:sp>
+      <p:cxnSp>
+        <p:nvCxnSpPr>
+          <p:cNvPr id="9" name="Straight Connector 8">
+            <a:extLst>
+              <a:ext uri="{FF2B5EF4-FFF2-40B4-BE49-F238E27FC236}">
+                <a16:creationId xmlns:a16="http://schemas.microsoft.com/office/drawing/2014/main" id="{8ECDE257-0E06-4C73-B713-15F600FA91AE}"/>
+              </a:ext>
+            </a:extLst>
+          </p:cNvPr>
+          <p:cNvCxnSpPr>
+            <a:cxnSpLocks/>
+          </p:cNvCxnSpPr>
+          <p:nvPr/>
+        </p:nvCxnSpPr>
+        <p:spPr>
+          <a:xfrm>
+            <a:off x="3097763" y="3437944"/>
+            <a:ext cx="0" cy="2449286"/>
+          </a:xfrm>
+          <a:prstGeom prst="line">
+            <a:avLst/>
+          </a:prstGeom>
+          <a:ln w="15875" cmpd="dbl">
+            <a:solidFill>
+              <a:schemeClr val="accent6">
+                <a:lumMod val="75000"/>
+              </a:schemeClr>
+            </a:solidFill>
+            <a:prstDash val="lgDash"/>
+          </a:ln>
+        </p:spPr>
+        <p:style>
+          <a:lnRef idx="1">
+            <a:schemeClr val="accent1"/>
+          </a:lnRef>
+          <a:fillRef idx="0">
+            <a:schemeClr val="accent1"/>
+          </a:fillRef>
+          <a:effectRef idx="0">
+            <a:schemeClr val="accent1"/>
+          </a:effectRef>
+          <a:fontRef idx="minor">
+            <a:schemeClr val="tx1"/>
+          </a:fontRef>
+        </p:style>
+      </p:cxnSp>
+      <p:sp>
+        <p:nvSpPr>
+          <p:cNvPr id="11" name="Rectangle: Rounded Corners 10">
+            <a:extLst>
+              <a:ext uri="{FF2B5EF4-FFF2-40B4-BE49-F238E27FC236}">
+                <a16:creationId xmlns:a16="http://schemas.microsoft.com/office/drawing/2014/main" id="{1D5DB675-0CE6-474A-B918-0BBB81FDF253}"/>
+              </a:ext>
+            </a:extLst>
+          </p:cNvPr>
+          <p:cNvSpPr/>
+          <p:nvPr/>
+        </p:nvSpPr>
+        <p:spPr>
+          <a:xfrm>
+            <a:off x="9193764" y="709127"/>
+            <a:ext cx="2251787" cy="4609322"/>
+          </a:xfrm>
+          <a:prstGeom prst="roundRect">
+            <a:avLst/>
+          </a:prstGeom>
+          <a:solidFill>
+            <a:schemeClr val="bg1">
+              <a:lumMod val="85000"/>
+            </a:schemeClr>
+          </a:solidFill>
+          <a:ln w="28575">
+            <a:solidFill>
+              <a:srgbClr val="FF0000"/>
+            </a:solidFill>
+          </a:ln>
+        </p:spPr>
+        <p:style>
+          <a:lnRef idx="2">
+            <a:schemeClr val="accent1">
+              <a:shade val="50000"/>
+            </a:schemeClr>
+          </a:lnRef>
+          <a:fillRef idx="1">
+            <a:schemeClr val="accent1"/>
+          </a:fillRef>
+          <a:effectRef idx="0">
+            <a:schemeClr val="accent1"/>
+          </a:effectRef>
+          <a:fontRef idx="minor">
+            <a:schemeClr val="lt1"/>
+          </a:fontRef>
+        </p:style>
+        <p:txBody>
+          <a:bodyPr rtlCol="0" anchor="ctr"/>
+          <a:lstStyle/>
+          <a:p>
+            <a:pPr algn="ctr"/>
+            <a:endParaRPr lang="en-GB">
+              <a:latin typeface="Segoe UI" panose="020B0502040204020203" pitchFamily="34" charset="0"/>
+              <a:cs typeface="Segoe UI" panose="020B0502040204020203" pitchFamily="34" charset="0"/>
+            </a:endParaRPr>
+          </a:p>
+        </p:txBody>
+      </p:sp>
+      <p:sp>
+        <p:nvSpPr>
+          <p:cNvPr id="13" name="Rectangle: Rounded Corners 12">
+            <a:extLst>
+              <a:ext uri="{FF2B5EF4-FFF2-40B4-BE49-F238E27FC236}">
+                <a16:creationId xmlns:a16="http://schemas.microsoft.com/office/drawing/2014/main" id="{497DB97B-039D-4182-8A21-C324F5A05084}"/>
+              </a:ext>
+            </a:extLst>
+          </p:cNvPr>
+          <p:cNvSpPr/>
+          <p:nvPr/>
+        </p:nvSpPr>
+        <p:spPr>
+          <a:xfrm>
+            <a:off x="1003054" y="777913"/>
+            <a:ext cx="6884431" cy="2183363"/>
+          </a:xfrm>
+          <a:prstGeom prst="roundRect">
+            <a:avLst/>
+          </a:prstGeom>
+          <a:solidFill>
+            <a:schemeClr val="bg1">
+              <a:lumMod val="85000"/>
+            </a:schemeClr>
+          </a:solidFill>
+          <a:ln w="28575">
+            <a:solidFill>
+              <a:srgbClr val="FF0000"/>
+            </a:solidFill>
+          </a:ln>
+        </p:spPr>
+        <p:style>
+          <a:lnRef idx="2">
+            <a:schemeClr val="accent1">
+              <a:shade val="50000"/>
+            </a:schemeClr>
+          </a:lnRef>
+          <a:fillRef idx="1">
+            <a:schemeClr val="accent1"/>
+          </a:fillRef>
+          <a:effectRef idx="0">
+            <a:schemeClr val="accent1"/>
+          </a:effectRef>
+          <a:fontRef idx="minor">
+            <a:schemeClr val="lt1"/>
+          </a:fontRef>
+        </p:style>
+        <p:txBody>
+          <a:bodyPr rtlCol="0" anchor="ctr"/>
+          <a:lstStyle/>
+          <a:p>
+            <a:pPr algn="ctr"/>
+            <a:endParaRPr lang="en-GB">
+              <a:latin typeface="Segoe UI" panose="020B0502040204020203" pitchFamily="34" charset="0"/>
+              <a:cs typeface="Segoe UI" panose="020B0502040204020203" pitchFamily="34" charset="0"/>
+            </a:endParaRPr>
+          </a:p>
+        </p:txBody>
+      </p:sp>
+      <p:sp>
+        <p:nvSpPr>
+          <p:cNvPr id="14" name="Rectangle: Rounded Corners 13">
+            <a:extLst>
+              <a:ext uri="{FF2B5EF4-FFF2-40B4-BE49-F238E27FC236}">
+                <a16:creationId xmlns:a16="http://schemas.microsoft.com/office/drawing/2014/main" id="{670B406B-FAA1-4A47-9E0F-388A4554F760}"/>
+              </a:ext>
+            </a:extLst>
+          </p:cNvPr>
+          <p:cNvSpPr/>
+          <p:nvPr/>
+        </p:nvSpPr>
+        <p:spPr>
+          <a:xfrm>
+            <a:off x="5951371" y="4406768"/>
+            <a:ext cx="1819465" cy="942392"/>
+          </a:xfrm>
+          <a:prstGeom prst="roundRect">
+            <a:avLst/>
+          </a:prstGeom>
+          <a:solidFill>
+            <a:schemeClr val="bg1">
+              <a:lumMod val="85000"/>
+            </a:schemeClr>
+          </a:solidFill>
+          <a:ln w="28575">
+            <a:solidFill>
+              <a:srgbClr val="FF0000"/>
+            </a:solidFill>
+          </a:ln>
+        </p:spPr>
+        <p:style>
+          <a:lnRef idx="2">
+            <a:schemeClr val="accent1">
+              <a:shade val="50000"/>
+            </a:schemeClr>
+          </a:lnRef>
+          <a:fillRef idx="1">
+            <a:schemeClr val="accent1"/>
+          </a:fillRef>
+          <a:effectRef idx="0">
+            <a:schemeClr val="accent1"/>
+          </a:effectRef>
+          <a:fontRef idx="minor">
+            <a:schemeClr val="lt1"/>
+          </a:fontRef>
+        </p:style>
+        <p:txBody>
+          <a:bodyPr rtlCol="0" anchor="ctr"/>
+          <a:lstStyle/>
+          <a:p>
+            <a:pPr algn="ctr"/>
+            <a:endParaRPr lang="en-GB">
+              <a:latin typeface="Segoe UI" panose="020B0502040204020203" pitchFamily="34" charset="0"/>
+              <a:cs typeface="Segoe UI" panose="020B0502040204020203" pitchFamily="34" charset="0"/>
+            </a:endParaRPr>
+          </a:p>
+        </p:txBody>
+      </p:sp>
+      <p:sp>
+        <p:nvSpPr>
+          <p:cNvPr id="15" name="Rectangle: Rounded Corners 14">
+            <a:extLst>
+              <a:ext uri="{FF2B5EF4-FFF2-40B4-BE49-F238E27FC236}">
+                <a16:creationId xmlns:a16="http://schemas.microsoft.com/office/drawing/2014/main" id="{56FA4A14-0892-4CE1-BE7A-A2056ECF1DAC}"/>
+              </a:ext>
+            </a:extLst>
+          </p:cNvPr>
+          <p:cNvSpPr/>
+          <p:nvPr/>
+        </p:nvSpPr>
+        <p:spPr>
+          <a:xfrm>
+            <a:off x="3456987" y="4406768"/>
+            <a:ext cx="1895667" cy="942392"/>
+          </a:xfrm>
+          <a:prstGeom prst="roundRect">
+            <a:avLst/>
+          </a:prstGeom>
+          <a:solidFill>
+            <a:schemeClr val="bg1">
+              <a:lumMod val="85000"/>
+            </a:schemeClr>
+          </a:solidFill>
+          <a:ln w="28575">
+            <a:solidFill>
+              <a:srgbClr val="FF0000"/>
+            </a:solidFill>
+          </a:ln>
+        </p:spPr>
+        <p:style>
+          <a:lnRef idx="2">
+            <a:schemeClr val="accent1">
+              <a:shade val="50000"/>
+            </a:schemeClr>
+          </a:lnRef>
+          <a:fillRef idx="1">
+            <a:schemeClr val="accent1"/>
+          </a:fillRef>
+          <a:effectRef idx="0">
+            <a:schemeClr val="accent1"/>
+          </a:effectRef>
+          <a:fontRef idx="minor">
+            <a:schemeClr val="lt1"/>
+          </a:fontRef>
+        </p:style>
+        <p:txBody>
+          <a:bodyPr rtlCol="0" anchor="ctr"/>
+          <a:lstStyle/>
+          <a:p>
+            <a:pPr algn="ctr"/>
+            <a:endParaRPr lang="en-GB">
+              <a:latin typeface="Segoe UI" panose="020B0502040204020203" pitchFamily="34" charset="0"/>
+              <a:cs typeface="Segoe UI" panose="020B0502040204020203" pitchFamily="34" charset="0"/>
+            </a:endParaRPr>
+          </a:p>
+        </p:txBody>
+      </p:sp>
+      <p:cxnSp>
+        <p:nvCxnSpPr>
+          <p:cNvPr id="16" name="Straight Connector 15">
+            <a:extLst>
+              <a:ext uri="{FF2B5EF4-FFF2-40B4-BE49-F238E27FC236}">
+                <a16:creationId xmlns:a16="http://schemas.microsoft.com/office/drawing/2014/main" id="{B8646BD2-FF5F-47C6-9788-5228BF540137}"/>
+              </a:ext>
+            </a:extLst>
+          </p:cNvPr>
+          <p:cNvCxnSpPr>
+            <a:cxnSpLocks/>
+          </p:cNvCxnSpPr>
+          <p:nvPr/>
+        </p:nvCxnSpPr>
+        <p:spPr>
+          <a:xfrm>
+            <a:off x="5592147" y="3429000"/>
+            <a:ext cx="0" cy="2449286"/>
+          </a:xfrm>
+          <a:prstGeom prst="line">
+            <a:avLst/>
+          </a:prstGeom>
+          <a:ln w="15875" cmpd="dbl">
+            <a:solidFill>
+              <a:schemeClr val="accent6">
+                <a:lumMod val="75000"/>
+              </a:schemeClr>
+            </a:solidFill>
+            <a:prstDash val="lgDash"/>
+          </a:ln>
+        </p:spPr>
+        <p:style>
+          <a:lnRef idx="1">
+            <a:schemeClr val="accent1"/>
+          </a:lnRef>
+          <a:fillRef idx="0">
+            <a:schemeClr val="accent1"/>
+          </a:fillRef>
+          <a:effectRef idx="0">
+            <a:schemeClr val="accent1"/>
+          </a:effectRef>
+          <a:fontRef idx="minor">
+            <a:schemeClr val="tx1"/>
+          </a:fontRef>
+        </p:style>
+      </p:cxnSp>
+      <p:sp>
+        <p:nvSpPr>
+          <p:cNvPr id="17" name="TextBox 16">
+            <a:extLst>
+              <a:ext uri="{FF2B5EF4-FFF2-40B4-BE49-F238E27FC236}">
+                <a16:creationId xmlns:a16="http://schemas.microsoft.com/office/drawing/2014/main" id="{6E8BFC32-3AFA-4B4C-9172-2CBE21A80A58}"/>
+              </a:ext>
+            </a:extLst>
+          </p:cNvPr>
+          <p:cNvSpPr txBox="1"/>
+          <p:nvPr/>
+        </p:nvSpPr>
+        <p:spPr>
+          <a:xfrm>
+            <a:off x="2908044" y="1063132"/>
+            <a:ext cx="3187956" cy="1446550"/>
+          </a:xfrm>
+          <a:prstGeom prst="rect">
+            <a:avLst/>
+          </a:prstGeom>
+          <a:noFill/>
+        </p:spPr>
+        <p:txBody>
+          <a:bodyPr wrap="square" rtlCol="0">
+            <a:spAutoFit/>
           </a:bodyPr>
           <a:lstStyle/>
           <a:p>
-            <a:pPr algn="ctr"/>
-            <a:r>
-              <a:rPr lang="en-GB" sz="6600" dirty="0">
-                <a:solidFill>
-                  <a:schemeClr val="bg1"/>
-                </a:solidFill>
-                <a:latin typeface="Segoe UI" panose="020B0502040204020203" pitchFamily="34" charset="0"/>
-                <a:cs typeface="Segoe UI" panose="020B0502040204020203" pitchFamily="34" charset="0"/>
-              </a:rPr>
-              <a:t>Types of components</a:t>
-            </a:r>
-          </a:p>
-        </p:txBody>
-      </p:sp>
-      <p:sp>
-        <p:nvSpPr>
-          <p:cNvPr id="4" name="Content Placeholder 2">
-            <a:extLst>
-              <a:ext uri="{FF2B5EF4-FFF2-40B4-BE49-F238E27FC236}">
-                <a16:creationId xmlns:a16="http://schemas.microsoft.com/office/drawing/2014/main" id="{088CCB65-11B4-408B-9ED3-1304FE85032F}"/>
-              </a:ext>
-            </a:extLst>
-          </p:cNvPr>
-          <p:cNvSpPr>
-            <a:spLocks noGrp="1"/>
-          </p:cNvSpPr>
-          <p:nvPr>
-            <p:ph idx="1"/>
-          </p:nvPr>
+            <a:r>
+              <a:rPr lang="en-GB" sz="8800" dirty="0">
+                <a:latin typeface="Segoe UI" panose="020B0502040204020203" pitchFamily="34" charset="0"/>
+                <a:cs typeface="Segoe UI" panose="020B0502040204020203" pitchFamily="34" charset="0"/>
+              </a:rPr>
+              <a:t>HTML</a:t>
+            </a:r>
+          </a:p>
+        </p:txBody>
+      </p:sp>
+      <p:sp>
+        <p:nvSpPr>
+          <p:cNvPr id="19" name="TextBox 18">
+            <a:extLst>
+              <a:ext uri="{FF2B5EF4-FFF2-40B4-BE49-F238E27FC236}">
+                <a16:creationId xmlns:a16="http://schemas.microsoft.com/office/drawing/2014/main" id="{C81F58F9-1FC7-477B-877C-80F0959EBC0E}"/>
+              </a:ext>
+            </a:extLst>
+          </p:cNvPr>
+          <p:cNvSpPr txBox="1"/>
+          <p:nvPr/>
         </p:nvSpPr>
         <p:spPr>
           <a:xfrm>
-            <a:off x="838200" y="1325563"/>
-            <a:ext cx="10515600" cy="5326907"/>
-          </a:xfrm>
-        </p:spPr>
-        <p:txBody>
-          <a:bodyPr wrap="square" bIns="252000">
-            <a:normAutofit fontScale="92500"/>
+            <a:off x="6019022" y="4693298"/>
+            <a:ext cx="1702057" cy="369332"/>
+          </a:xfrm>
+          <a:prstGeom prst="rect">
+            <a:avLst/>
+          </a:prstGeom>
+          <a:noFill/>
+        </p:spPr>
+        <p:txBody>
+          <a:bodyPr wrap="square" rtlCol="0">
+            <a:spAutoFit/>
           </a:bodyPr>
           <a:lstStyle/>
           <a:p>
-            <a:pPr marL="457200" lvl="1" indent="0" algn="ctr">
-              <a:buNone/>
-            </a:pPr>
-            <a:endParaRPr lang="en-GB" sz="1600" dirty="0">
-              <a:solidFill>
-                <a:srgbClr val="2196F3"/>
-              </a:solidFill>
-              <a:latin typeface="Segoe UI" panose="020B0502040204020203" pitchFamily="34" charset="0"/>
-              <a:cs typeface="Segoe UI" panose="020B0502040204020203" pitchFamily="34" charset="0"/>
-            </a:endParaRPr>
-          </a:p>
-          <a:p>
-            <a:pPr marL="457200" lvl="1" indent="0">
-              <a:buNone/>
-            </a:pPr>
-            <a:r>
-              <a:rPr lang="en-GB" sz="2800" dirty="0">
-                <a:solidFill>
-                  <a:srgbClr val="2196F3"/>
-                </a:solidFill>
-                <a:latin typeface="Segoe UI" panose="020B0502040204020203" pitchFamily="34" charset="0"/>
-                <a:cs typeface="Segoe UI" panose="020B0502040204020203" pitchFamily="34" charset="0"/>
-              </a:rPr>
-              <a:t>These are only limited by JS.</a:t>
-            </a:r>
-          </a:p>
-          <a:p>
-            <a:pPr marL="457200" lvl="1" indent="0">
-              <a:buNone/>
-            </a:pPr>
-            <a:endParaRPr lang="en-GB" sz="1200" dirty="0">
-              <a:solidFill>
-                <a:srgbClr val="2196F3"/>
-              </a:solidFill>
-              <a:latin typeface="Segoe UI" panose="020B0502040204020203" pitchFamily="34" charset="0"/>
-              <a:cs typeface="Segoe UI" panose="020B0502040204020203" pitchFamily="34" charset="0"/>
-            </a:endParaRPr>
-          </a:p>
-          <a:p>
-            <a:pPr marL="457200" lvl="1" indent="0">
-              <a:buNone/>
-            </a:pPr>
-            <a:r>
-              <a:rPr lang="en-GB" sz="2800" dirty="0">
-                <a:solidFill>
-                  <a:srgbClr val="2196F3"/>
-                </a:solidFill>
-                <a:latin typeface="Segoe UI" panose="020B0502040204020203" pitchFamily="34" charset="0"/>
-                <a:cs typeface="Segoe UI" panose="020B0502040204020203" pitchFamily="34" charset="0"/>
-              </a:rPr>
-              <a:t>We will look at couple of UI components and many more highly functional components that have built in:</a:t>
-            </a:r>
-          </a:p>
-          <a:p>
-            <a:pPr marL="457200" lvl="1" indent="0">
-              <a:buNone/>
-            </a:pPr>
-            <a:endParaRPr lang="en-GB" sz="1200" dirty="0">
-              <a:solidFill>
-                <a:srgbClr val="2196F3"/>
-              </a:solidFill>
-              <a:latin typeface="Segoe UI" panose="020B0502040204020203" pitchFamily="34" charset="0"/>
-              <a:cs typeface="Segoe UI" panose="020B0502040204020203" pitchFamily="34" charset="0"/>
-            </a:endParaRPr>
-          </a:p>
-          <a:p>
-            <a:pPr lvl="1"/>
-            <a:r>
-              <a:rPr lang="en-GB" sz="2800" dirty="0">
-                <a:solidFill>
-                  <a:srgbClr val="2196F3"/>
-                </a:solidFill>
-                <a:latin typeface="Segoe UI" panose="020B0502040204020203" pitchFamily="34" charset="0"/>
-                <a:cs typeface="Segoe UI" panose="020B0502040204020203" pitchFamily="34" charset="0"/>
-              </a:rPr>
-              <a:t>Fetch requests.</a:t>
-            </a:r>
-          </a:p>
-          <a:p>
-            <a:pPr lvl="1"/>
-            <a:r>
-              <a:rPr lang="en-GB" sz="2800" dirty="0">
-                <a:solidFill>
-                  <a:srgbClr val="2196F3"/>
-                </a:solidFill>
-                <a:latin typeface="Segoe UI" panose="020B0502040204020203" pitchFamily="34" charset="0"/>
-                <a:cs typeface="Segoe UI" panose="020B0502040204020203" pitchFamily="34" charset="0"/>
-              </a:rPr>
-              <a:t>Lazy loading and dynamic loading (scripts/components).</a:t>
-            </a:r>
-          </a:p>
-          <a:p>
-            <a:pPr lvl="1"/>
-            <a:r>
-              <a:rPr lang="en-GB" sz="2800" dirty="0">
-                <a:solidFill>
-                  <a:srgbClr val="2196F3"/>
-                </a:solidFill>
-                <a:latin typeface="Segoe UI" panose="020B0502040204020203" pitchFamily="34" charset="0"/>
-                <a:cs typeface="Segoe UI" panose="020B0502040204020203" pitchFamily="34" charset="0"/>
-              </a:rPr>
-              <a:t>Storing JSON in IndexedDB and rendering it via templates.</a:t>
-            </a:r>
-          </a:p>
-          <a:p>
-            <a:pPr lvl="1"/>
-            <a:r>
-              <a:rPr lang="en-GB" sz="2800" dirty="0">
-                <a:solidFill>
-                  <a:srgbClr val="2196F3"/>
-                </a:solidFill>
-                <a:latin typeface="Segoe UI" panose="020B0502040204020203" pitchFamily="34" charset="0"/>
-                <a:cs typeface="Segoe UI" panose="020B0502040204020203" pitchFamily="34" charset="0"/>
-              </a:rPr>
-              <a:t>Authentication and storage of JSON Web Tokens.</a:t>
-            </a:r>
-          </a:p>
-          <a:p>
-            <a:pPr lvl="1"/>
-            <a:r>
-              <a:rPr lang="en-GB" sz="2800" dirty="0">
-                <a:solidFill>
-                  <a:srgbClr val="2196F3"/>
-                </a:solidFill>
-                <a:latin typeface="Segoe UI" panose="020B0502040204020203" pitchFamily="34" charset="0"/>
-                <a:cs typeface="Segoe UI" panose="020B0502040204020203" pitchFamily="34" charset="0"/>
-              </a:rPr>
-              <a:t>Added offline capability and ‘instant’ pages.</a:t>
-            </a:r>
-          </a:p>
-          <a:p>
-            <a:pPr marL="457200" lvl="1" indent="0">
-              <a:buNone/>
-            </a:pPr>
-            <a:endParaRPr lang="en-GB" sz="1200" dirty="0">
-              <a:solidFill>
-                <a:srgbClr val="2196F3"/>
-              </a:solidFill>
-              <a:latin typeface="Segoe UI" panose="020B0502040204020203" pitchFamily="34" charset="0"/>
-              <a:cs typeface="Segoe UI" panose="020B0502040204020203" pitchFamily="34" charset="0"/>
-            </a:endParaRPr>
-          </a:p>
-          <a:p>
-            <a:pPr marL="457200" lvl="1" indent="0">
-              <a:buNone/>
-            </a:pPr>
-            <a:r>
-              <a:rPr lang="en-GB" sz="2800" dirty="0">
-                <a:solidFill>
-                  <a:srgbClr val="2196F3"/>
-                </a:solidFill>
-                <a:latin typeface="Segoe UI" panose="020B0502040204020203" pitchFamily="34" charset="0"/>
-                <a:cs typeface="Segoe UI" panose="020B0502040204020203" pitchFamily="34" charset="0"/>
-              </a:rPr>
-              <a:t>Let’s see an example: </a:t>
-            </a:r>
-            <a:r>
-              <a:rPr lang="en-GB" sz="2800" dirty="0">
-                <a:latin typeface="Segoe UI" panose="020B0502040204020203" pitchFamily="34" charset="0"/>
-                <a:cs typeface="Segoe UI" panose="020B0502040204020203" pitchFamily="34" charset="0"/>
-              </a:rPr>
-              <a:t>https://49plus.co.uk/udemy-webcomponents/</a:t>
-            </a:r>
-          </a:p>
-          <a:p>
-            <a:pPr marL="457200" lvl="1" indent="0">
-              <a:buNone/>
-            </a:pPr>
-            <a:r>
-              <a:rPr lang="en-GB" sz="2800" dirty="0">
-                <a:solidFill>
-                  <a:srgbClr val="2196F3"/>
-                </a:solidFill>
-                <a:latin typeface="Segoe UI" panose="020B0502040204020203" pitchFamily="34" charset="0"/>
-                <a:cs typeface="Segoe UI" panose="020B0502040204020203" pitchFamily="34" charset="0"/>
-              </a:rPr>
-              <a:t>(Vanilla JS)</a:t>
-            </a:r>
-          </a:p>
-          <a:p>
-            <a:pPr marL="457200" lvl="1" indent="0">
-              <a:buNone/>
-            </a:pPr>
-            <a:endParaRPr lang="en-GB" sz="3600" dirty="0">
-              <a:solidFill>
-                <a:srgbClr val="2196F3"/>
-              </a:solidFill>
-              <a:latin typeface="Segoe UI" panose="020B0502040204020203" pitchFamily="34" charset="0"/>
-              <a:cs typeface="Segoe UI" panose="020B0502040204020203" pitchFamily="34" charset="0"/>
-            </a:endParaRPr>
-          </a:p>
-          <a:p>
-            <a:pPr marL="457200" lvl="1" indent="0">
-              <a:buNone/>
-            </a:pPr>
-            <a:endParaRPr lang="en-GB" sz="3600" dirty="0">
-              <a:solidFill>
-                <a:srgbClr val="2196F3"/>
-              </a:solidFill>
-              <a:latin typeface="Segoe UI" panose="020B0502040204020203" pitchFamily="34" charset="0"/>
-              <a:cs typeface="Segoe UI" panose="020B0502040204020203" pitchFamily="34" charset="0"/>
-            </a:endParaRPr>
-          </a:p>
-          <a:p>
-            <a:pPr marL="457200" lvl="1" indent="0">
-              <a:buNone/>
-            </a:pPr>
-            <a:endParaRPr lang="en-GB" sz="6700" dirty="0">
-              <a:solidFill>
-                <a:srgbClr val="2196F3"/>
-              </a:solidFill>
-              <a:latin typeface="Segoe UI" panose="020B0502040204020203" pitchFamily="34" charset="0"/>
-              <a:cs typeface="Segoe UI" panose="020B0502040204020203" pitchFamily="34" charset="0"/>
-            </a:endParaRPr>
-          </a:p>
-          <a:p>
-            <a:pPr marL="457200" lvl="1" indent="0">
-              <a:buNone/>
-            </a:pPr>
-            <a:endParaRPr lang="en-GB" sz="6700" dirty="0">
-              <a:solidFill>
-                <a:srgbClr val="2196F3"/>
-              </a:solidFill>
-              <a:latin typeface="Segoe UI" panose="020B0502040204020203" pitchFamily="34" charset="0"/>
-              <a:cs typeface="Segoe UI" panose="020B0502040204020203" pitchFamily="34" charset="0"/>
-            </a:endParaRPr>
-          </a:p>
-          <a:p>
-            <a:pPr marL="457200" lvl="1" indent="0">
-              <a:buNone/>
-            </a:pPr>
-            <a:endParaRPr lang="en-GB" sz="6700" dirty="0">
-              <a:latin typeface="Segoe UI" panose="020B0502040204020203" pitchFamily="34" charset="0"/>
-              <a:cs typeface="Segoe UI" panose="020B0502040204020203" pitchFamily="34" charset="0"/>
-            </a:endParaRPr>
-          </a:p>
-          <a:p>
-            <a:pPr marL="0" indent="0">
-              <a:buNone/>
-            </a:pPr>
-            <a:endParaRPr lang="en-GB" dirty="0">
-              <a:latin typeface="Segoe UI" panose="020B0502040204020203" pitchFamily="34" charset="0"/>
-              <a:cs typeface="Segoe UI" panose="020B0502040204020203" pitchFamily="34" charset="0"/>
-            </a:endParaRPr>
-          </a:p>
-          <a:p>
-            <a:endParaRPr lang="en-GB" dirty="0">
-              <a:latin typeface="Segoe UI" panose="020B0502040204020203" pitchFamily="34" charset="0"/>
-              <a:cs typeface="Segoe UI" panose="020B0502040204020203" pitchFamily="34" charset="0"/>
-            </a:endParaRPr>
+            <a:r>
+              <a:rPr lang="en-GB" dirty="0">
+                <a:latin typeface="Segoe UI" panose="020B0502040204020203" pitchFamily="34" charset="0"/>
+                <a:cs typeface="Segoe UI" panose="020B0502040204020203" pitchFamily="34" charset="0"/>
+              </a:rPr>
+              <a:t>Framework ...n</a:t>
+            </a:r>
+          </a:p>
+        </p:txBody>
+      </p:sp>
+      <p:sp>
+        <p:nvSpPr>
+          <p:cNvPr id="20" name="TextBox 19">
+            <a:extLst>
+              <a:ext uri="{FF2B5EF4-FFF2-40B4-BE49-F238E27FC236}">
+                <a16:creationId xmlns:a16="http://schemas.microsoft.com/office/drawing/2014/main" id="{FB923CCF-0EA9-4C2D-AC00-B89B13CB18B9}"/>
+              </a:ext>
+            </a:extLst>
+          </p:cNvPr>
+          <p:cNvSpPr txBox="1"/>
+          <p:nvPr/>
+        </p:nvSpPr>
+        <p:spPr>
+          <a:xfrm>
+            <a:off x="3619499" y="4693298"/>
+            <a:ext cx="1488233" cy="369332"/>
+          </a:xfrm>
+          <a:prstGeom prst="rect">
+            <a:avLst/>
+          </a:prstGeom>
+          <a:noFill/>
+        </p:spPr>
+        <p:txBody>
+          <a:bodyPr wrap="square" rtlCol="0">
+            <a:spAutoFit/>
+          </a:bodyPr>
+          <a:lstStyle/>
+          <a:p>
+            <a:r>
+              <a:rPr lang="en-GB" dirty="0">
+                <a:latin typeface="Segoe UI" panose="020B0502040204020203" pitchFamily="34" charset="0"/>
+                <a:cs typeface="Segoe UI" panose="020B0502040204020203" pitchFamily="34" charset="0"/>
+              </a:rPr>
+              <a:t>Framework 2</a:t>
+            </a:r>
+          </a:p>
+        </p:txBody>
+      </p:sp>
+      <p:sp>
+        <p:nvSpPr>
+          <p:cNvPr id="21" name="TextBox 20">
+            <a:extLst>
+              <a:ext uri="{FF2B5EF4-FFF2-40B4-BE49-F238E27FC236}">
+                <a16:creationId xmlns:a16="http://schemas.microsoft.com/office/drawing/2014/main" id="{000E004F-3DEE-453A-880F-3667A9536687}"/>
+              </a:ext>
+            </a:extLst>
+          </p:cNvPr>
+          <p:cNvSpPr txBox="1"/>
+          <p:nvPr/>
+        </p:nvSpPr>
+        <p:spPr>
+          <a:xfrm>
+            <a:off x="1091681" y="4693298"/>
+            <a:ext cx="1488233" cy="369332"/>
+          </a:xfrm>
+          <a:prstGeom prst="rect">
+            <a:avLst/>
+          </a:prstGeom>
+          <a:noFill/>
+        </p:spPr>
+        <p:txBody>
+          <a:bodyPr wrap="square" rtlCol="0">
+            <a:spAutoFit/>
+          </a:bodyPr>
+          <a:lstStyle/>
+          <a:p>
+            <a:r>
+              <a:rPr lang="en-GB" dirty="0">
+                <a:latin typeface="Segoe UI" panose="020B0502040204020203" pitchFamily="34" charset="0"/>
+                <a:cs typeface="Segoe UI" panose="020B0502040204020203" pitchFamily="34" charset="0"/>
+              </a:rPr>
+              <a:t>Framework 1</a:t>
+            </a:r>
+          </a:p>
+        </p:txBody>
+      </p:sp>
+      <p:sp>
+        <p:nvSpPr>
+          <p:cNvPr id="2" name="Rectangle 1">
+            <a:extLst>
+              <a:ext uri="{FF2B5EF4-FFF2-40B4-BE49-F238E27FC236}">
+                <a16:creationId xmlns:a16="http://schemas.microsoft.com/office/drawing/2014/main" id="{FDD2DDAE-CA83-4119-9F26-87A3775E731D}"/>
+              </a:ext>
+            </a:extLst>
+          </p:cNvPr>
+          <p:cNvSpPr/>
+          <p:nvPr/>
+        </p:nvSpPr>
+        <p:spPr>
+          <a:xfrm>
+            <a:off x="886406" y="3150607"/>
+            <a:ext cx="6884431" cy="811764"/>
+          </a:xfrm>
+          <a:prstGeom prst="rect">
+            <a:avLst/>
+          </a:prstGeom>
+        </p:spPr>
+        <p:style>
+          <a:lnRef idx="2">
+            <a:schemeClr val="accent6">
+              <a:shade val="50000"/>
+            </a:schemeClr>
+          </a:lnRef>
+          <a:fillRef idx="1">
+            <a:schemeClr val="accent6"/>
+          </a:fillRef>
+          <a:effectRef idx="0">
+            <a:schemeClr val="accent6"/>
+          </a:effectRef>
+          <a:fontRef idx="minor">
+            <a:schemeClr val="lt1"/>
+          </a:fontRef>
+        </p:style>
+        <p:txBody>
+          <a:bodyPr rtlCol="0" anchor="ctr"/>
+          <a:lstStyle/>
+          <a:p>
+            <a:pPr algn="ctr"/>
+            <a:endParaRPr lang="en-GB">
+              <a:latin typeface="Segoe UI" panose="020B0502040204020203" pitchFamily="34" charset="0"/>
+              <a:cs typeface="Segoe UI" panose="020B0502040204020203" pitchFamily="34" charset="0"/>
+            </a:endParaRPr>
+          </a:p>
+        </p:txBody>
+      </p:sp>
+      <p:sp>
+        <p:nvSpPr>
+          <p:cNvPr id="3" name="TextBox 2">
+            <a:extLst>
+              <a:ext uri="{FF2B5EF4-FFF2-40B4-BE49-F238E27FC236}">
+                <a16:creationId xmlns:a16="http://schemas.microsoft.com/office/drawing/2014/main" id="{0F9AD193-E370-4053-AFC8-A661FCE69253}"/>
+              </a:ext>
+            </a:extLst>
+          </p:cNvPr>
+          <p:cNvSpPr txBox="1"/>
+          <p:nvPr/>
+        </p:nvSpPr>
+        <p:spPr>
+          <a:xfrm>
+            <a:off x="2292122" y="3288787"/>
+            <a:ext cx="4123332" cy="584775"/>
+          </a:xfrm>
+          <a:prstGeom prst="rect">
+            <a:avLst/>
+          </a:prstGeom>
+          <a:noFill/>
+        </p:spPr>
+        <p:txBody>
+          <a:bodyPr wrap="square" rtlCol="0">
+            <a:spAutoFit/>
+          </a:bodyPr>
+          <a:lstStyle/>
+          <a:p>
+            <a:r>
+              <a:rPr lang="en-GB" sz="3200" b="1" dirty="0">
+                <a:solidFill>
+                  <a:schemeClr val="bg1"/>
+                </a:solidFill>
+                <a:latin typeface="Segoe UI" panose="020B0502040204020203" pitchFamily="34" charset="0"/>
+                <a:cs typeface="Segoe UI" panose="020B0502040204020203" pitchFamily="34" charset="0"/>
+              </a:rPr>
+              <a:t>WEB COMPONENTS</a:t>
+            </a:r>
+          </a:p>
+        </p:txBody>
+      </p:sp>
+      <p:cxnSp>
+        <p:nvCxnSpPr>
+          <p:cNvPr id="6" name="Straight Arrow Connector 5">
+            <a:extLst>
+              <a:ext uri="{FF2B5EF4-FFF2-40B4-BE49-F238E27FC236}">
+                <a16:creationId xmlns:a16="http://schemas.microsoft.com/office/drawing/2014/main" id="{D229A287-52AB-46FC-9CD3-F99C53ACEF34}"/>
+              </a:ext>
+            </a:extLst>
+          </p:cNvPr>
+          <p:cNvCxnSpPr/>
+          <p:nvPr/>
+        </p:nvCxnSpPr>
+        <p:spPr>
+          <a:xfrm flipV="1">
+            <a:off x="2062065" y="3960073"/>
+            <a:ext cx="0" cy="415984"/>
+          </a:xfrm>
+          <a:prstGeom prst="straightConnector1">
+            <a:avLst/>
+          </a:prstGeom>
+          <a:ln w="50800">
+            <a:tailEnd type="triangle"/>
+          </a:ln>
+        </p:spPr>
+        <p:style>
+          <a:lnRef idx="1">
+            <a:schemeClr val="accent6"/>
+          </a:lnRef>
+          <a:fillRef idx="0">
+            <a:schemeClr val="accent6"/>
+          </a:fillRef>
+          <a:effectRef idx="0">
+            <a:schemeClr val="accent6"/>
+          </a:effectRef>
+          <a:fontRef idx="minor">
+            <a:schemeClr val="tx1"/>
+          </a:fontRef>
+        </p:style>
+      </p:cxnSp>
+      <p:cxnSp>
+        <p:nvCxnSpPr>
+          <p:cNvPr id="22" name="Straight Arrow Connector 21">
+            <a:extLst>
+              <a:ext uri="{FF2B5EF4-FFF2-40B4-BE49-F238E27FC236}">
+                <a16:creationId xmlns:a16="http://schemas.microsoft.com/office/drawing/2014/main" id="{F12C64DB-7B75-4A11-AC0A-77AB2AC81EAD}"/>
+              </a:ext>
+            </a:extLst>
+          </p:cNvPr>
+          <p:cNvCxnSpPr/>
+          <p:nvPr/>
+        </p:nvCxnSpPr>
+        <p:spPr>
+          <a:xfrm flipV="1">
+            <a:off x="4261757" y="3978735"/>
+            <a:ext cx="0" cy="415984"/>
+          </a:xfrm>
+          <a:prstGeom prst="straightConnector1">
+            <a:avLst/>
+          </a:prstGeom>
+          <a:ln w="50800">
+            <a:tailEnd type="triangle"/>
+          </a:ln>
+        </p:spPr>
+        <p:style>
+          <a:lnRef idx="1">
+            <a:schemeClr val="accent6"/>
+          </a:lnRef>
+          <a:fillRef idx="0">
+            <a:schemeClr val="accent6"/>
+          </a:fillRef>
+          <a:effectRef idx="0">
+            <a:schemeClr val="accent6"/>
+          </a:effectRef>
+          <a:fontRef idx="minor">
+            <a:schemeClr val="tx1"/>
+          </a:fontRef>
+        </p:style>
+      </p:cxnSp>
+      <p:cxnSp>
+        <p:nvCxnSpPr>
+          <p:cNvPr id="23" name="Straight Arrow Connector 22">
+            <a:extLst>
+              <a:ext uri="{FF2B5EF4-FFF2-40B4-BE49-F238E27FC236}">
+                <a16:creationId xmlns:a16="http://schemas.microsoft.com/office/drawing/2014/main" id="{8B1C15C1-C3CB-4D87-A0BB-7C3A15158A95}"/>
+              </a:ext>
+            </a:extLst>
+          </p:cNvPr>
+          <p:cNvCxnSpPr/>
+          <p:nvPr/>
+        </p:nvCxnSpPr>
+        <p:spPr>
+          <a:xfrm flipV="1">
+            <a:off x="6304384" y="3962371"/>
+            <a:ext cx="0" cy="415984"/>
+          </a:xfrm>
+          <a:prstGeom prst="straightConnector1">
+            <a:avLst/>
+          </a:prstGeom>
+          <a:ln w="50800">
+            <a:tailEnd type="triangle"/>
+          </a:ln>
+        </p:spPr>
+        <p:style>
+          <a:lnRef idx="1">
+            <a:schemeClr val="accent6"/>
+          </a:lnRef>
+          <a:fillRef idx="0">
+            <a:schemeClr val="accent6"/>
+          </a:fillRef>
+          <a:effectRef idx="0">
+            <a:schemeClr val="accent6"/>
+          </a:effectRef>
+          <a:fontRef idx="minor">
+            <a:schemeClr val="tx1"/>
+          </a:fontRef>
+        </p:style>
+      </p:cxnSp>
+      <p:cxnSp>
+        <p:nvCxnSpPr>
+          <p:cNvPr id="24" name="Straight Arrow Connector 23">
+            <a:extLst>
+              <a:ext uri="{FF2B5EF4-FFF2-40B4-BE49-F238E27FC236}">
+                <a16:creationId xmlns:a16="http://schemas.microsoft.com/office/drawing/2014/main" id="{163353F7-B0B9-4F80-AC63-42827D10FDAE}"/>
+              </a:ext>
+            </a:extLst>
+          </p:cNvPr>
+          <p:cNvCxnSpPr>
+            <a:cxnSpLocks/>
+          </p:cNvCxnSpPr>
+          <p:nvPr/>
+        </p:nvCxnSpPr>
+        <p:spPr>
+          <a:xfrm flipV="1">
+            <a:off x="4261757" y="2220686"/>
+            <a:ext cx="0" cy="929921"/>
+          </a:xfrm>
+          <a:prstGeom prst="straightConnector1">
+            <a:avLst/>
+          </a:prstGeom>
+          <a:ln w="50800">
+            <a:tailEnd type="triangle"/>
+          </a:ln>
+        </p:spPr>
+        <p:style>
+          <a:lnRef idx="1">
+            <a:schemeClr val="accent6"/>
+          </a:lnRef>
+          <a:fillRef idx="0">
+            <a:schemeClr val="accent6"/>
+          </a:fillRef>
+          <a:effectRef idx="0">
+            <a:schemeClr val="accent6"/>
+          </a:effectRef>
+          <a:fontRef idx="minor">
+            <a:schemeClr val="tx1"/>
+          </a:fontRef>
+        </p:style>
+      </p:cxnSp>
+      <p:cxnSp>
+        <p:nvCxnSpPr>
+          <p:cNvPr id="25" name="Straight Arrow Connector 24">
+            <a:extLst>
+              <a:ext uri="{FF2B5EF4-FFF2-40B4-BE49-F238E27FC236}">
+                <a16:creationId xmlns:a16="http://schemas.microsoft.com/office/drawing/2014/main" id="{CC440C1A-3EF4-4B67-8663-C472C2FCEE45}"/>
+              </a:ext>
+            </a:extLst>
+          </p:cNvPr>
+          <p:cNvCxnSpPr>
+            <a:cxnSpLocks/>
+          </p:cNvCxnSpPr>
+          <p:nvPr/>
+        </p:nvCxnSpPr>
+        <p:spPr>
+          <a:xfrm>
+            <a:off x="2062065" y="3997396"/>
+            <a:ext cx="1464906" cy="490628"/>
+          </a:xfrm>
+          <a:prstGeom prst="straightConnector1">
+            <a:avLst/>
+          </a:prstGeom>
+          <a:ln w="50800">
+            <a:tailEnd type="triangle"/>
+          </a:ln>
+        </p:spPr>
+        <p:style>
+          <a:lnRef idx="1">
+            <a:schemeClr val="accent6"/>
+          </a:lnRef>
+          <a:fillRef idx="0">
+            <a:schemeClr val="accent6"/>
+          </a:fillRef>
+          <a:effectRef idx="0">
+            <a:schemeClr val="accent6"/>
+          </a:effectRef>
+          <a:fontRef idx="minor">
+            <a:schemeClr val="tx1"/>
+          </a:fontRef>
+        </p:style>
+      </p:cxnSp>
+      <p:cxnSp>
+        <p:nvCxnSpPr>
+          <p:cNvPr id="28" name="Straight Arrow Connector 27">
+            <a:extLst>
+              <a:ext uri="{FF2B5EF4-FFF2-40B4-BE49-F238E27FC236}">
+                <a16:creationId xmlns:a16="http://schemas.microsoft.com/office/drawing/2014/main" id="{BB158374-8877-4243-9769-72088526DB6A}"/>
+              </a:ext>
+            </a:extLst>
+          </p:cNvPr>
+          <p:cNvCxnSpPr>
+            <a:cxnSpLocks/>
+          </p:cNvCxnSpPr>
+          <p:nvPr/>
+        </p:nvCxnSpPr>
+        <p:spPr>
+          <a:xfrm>
+            <a:off x="4261757" y="3997396"/>
+            <a:ext cx="1689614" cy="490628"/>
+          </a:xfrm>
+          <a:prstGeom prst="straightConnector1">
+            <a:avLst/>
+          </a:prstGeom>
+          <a:ln w="50800">
+            <a:tailEnd type="triangle"/>
+          </a:ln>
+        </p:spPr>
+        <p:style>
+          <a:lnRef idx="1">
+            <a:schemeClr val="accent6"/>
+          </a:lnRef>
+          <a:fillRef idx="0">
+            <a:schemeClr val="accent6"/>
+          </a:fillRef>
+          <a:effectRef idx="0">
+            <a:schemeClr val="accent6"/>
+          </a:effectRef>
+          <a:fontRef idx="minor">
+            <a:schemeClr val="tx1"/>
+          </a:fontRef>
+        </p:style>
+      </p:cxnSp>
+      <p:sp>
+        <p:nvSpPr>
+          <p:cNvPr id="8" name="Arrow: Right 7">
+            <a:extLst>
+              <a:ext uri="{FF2B5EF4-FFF2-40B4-BE49-F238E27FC236}">
+                <a16:creationId xmlns:a16="http://schemas.microsoft.com/office/drawing/2014/main" id="{25BD3FE5-5BA0-48FE-B758-52C44C0D1DC1}"/>
+              </a:ext>
+            </a:extLst>
+          </p:cNvPr>
+          <p:cNvSpPr/>
+          <p:nvPr/>
+        </p:nvSpPr>
+        <p:spPr>
+          <a:xfrm rot="10800000">
+            <a:off x="7770836" y="3134313"/>
+            <a:ext cx="1411331" cy="825759"/>
+          </a:xfrm>
+          <a:prstGeom prst="rightArrow">
+            <a:avLst/>
+          </a:prstGeom>
+        </p:spPr>
+        <p:style>
+          <a:lnRef idx="2">
+            <a:schemeClr val="accent1">
+              <a:shade val="50000"/>
+            </a:schemeClr>
+          </a:lnRef>
+          <a:fillRef idx="1">
+            <a:schemeClr val="accent1"/>
+          </a:fillRef>
+          <a:effectRef idx="0">
+            <a:schemeClr val="accent1"/>
+          </a:effectRef>
+          <a:fontRef idx="minor">
+            <a:schemeClr val="lt1"/>
+          </a:fontRef>
+        </p:style>
+        <p:txBody>
+          <a:bodyPr rtlCol="0" anchor="ctr"/>
+          <a:lstStyle/>
+          <a:p>
+            <a:pPr algn="ctr"/>
+            <a:endParaRPr lang="en-GB"/>
+          </a:p>
+        </p:txBody>
+      </p:sp>
+      <p:sp>
+        <p:nvSpPr>
+          <p:cNvPr id="30" name="TextBox 29">
+            <a:extLst>
+              <a:ext uri="{FF2B5EF4-FFF2-40B4-BE49-F238E27FC236}">
+                <a16:creationId xmlns:a16="http://schemas.microsoft.com/office/drawing/2014/main" id="{20D77E3C-AC7F-43B7-8FF2-980322AACB93}"/>
+              </a:ext>
+            </a:extLst>
+          </p:cNvPr>
+          <p:cNvSpPr txBox="1"/>
+          <p:nvPr/>
+        </p:nvSpPr>
+        <p:spPr>
+          <a:xfrm>
+            <a:off x="9300027" y="3199941"/>
+            <a:ext cx="2070867" cy="649536"/>
+          </a:xfrm>
+          <a:prstGeom prst="rect">
+            <a:avLst/>
+          </a:prstGeom>
+        </p:spPr>
+        <p:style>
+          <a:lnRef idx="2">
+            <a:schemeClr val="accent6">
+              <a:shade val="50000"/>
+            </a:schemeClr>
+          </a:lnRef>
+          <a:fillRef idx="1">
+            <a:schemeClr val="accent6"/>
+          </a:fillRef>
+          <a:effectRef idx="0">
+            <a:schemeClr val="accent6"/>
+          </a:effectRef>
+          <a:fontRef idx="minor">
+            <a:schemeClr val="lt1"/>
+          </a:fontRef>
+        </p:style>
+        <p:txBody>
+          <a:bodyPr rtlCol="0" anchor="ctr"/>
+          <a:lstStyle>
+            <a:defPPr>
+              <a:defRPr lang="en-US"/>
+            </a:defPPr>
+            <a:lvl1pPr algn="ctr">
+              <a:defRPr>
+                <a:solidFill>
+                  <a:schemeClr val="lt1"/>
+                </a:solidFill>
+                <a:latin typeface="Segoe UI" panose="020B0502040204020203" pitchFamily="34" charset="0"/>
+                <a:cs typeface="Segoe UI" panose="020B0502040204020203" pitchFamily="34" charset="0"/>
+              </a:defRPr>
+            </a:lvl1pPr>
+            <a:lvl2pPr>
+              <a:defRPr>
+                <a:solidFill>
+                  <a:schemeClr val="lt1"/>
+                </a:solidFill>
+              </a:defRPr>
+            </a:lvl2pPr>
+            <a:lvl3pPr>
+              <a:defRPr>
+                <a:solidFill>
+                  <a:schemeClr val="lt1"/>
+                </a:solidFill>
+              </a:defRPr>
+            </a:lvl3pPr>
+            <a:lvl4pPr>
+              <a:defRPr>
+                <a:solidFill>
+                  <a:schemeClr val="lt1"/>
+                </a:solidFill>
+              </a:defRPr>
+            </a:lvl4pPr>
+            <a:lvl5pPr>
+              <a:defRPr>
+                <a:solidFill>
+                  <a:schemeClr val="lt1"/>
+                </a:solidFill>
+              </a:defRPr>
+            </a:lvl5pPr>
+            <a:lvl6pPr>
+              <a:defRPr>
+                <a:solidFill>
+                  <a:schemeClr val="lt1"/>
+                </a:solidFill>
+              </a:defRPr>
+            </a:lvl6pPr>
+            <a:lvl7pPr>
+              <a:defRPr>
+                <a:solidFill>
+                  <a:schemeClr val="lt1"/>
+                </a:solidFill>
+              </a:defRPr>
+            </a:lvl7pPr>
+            <a:lvl8pPr>
+              <a:defRPr>
+                <a:solidFill>
+                  <a:schemeClr val="lt1"/>
+                </a:solidFill>
+              </a:defRPr>
+            </a:lvl8pPr>
+            <a:lvl9pPr>
+              <a:defRPr>
+                <a:solidFill>
+                  <a:schemeClr val="lt1"/>
+                </a:solidFill>
+              </a:defRPr>
+            </a:lvl9pPr>
+          </a:lstStyle>
+          <a:p>
+            <a:r>
+              <a:rPr lang="en-GB" dirty="0"/>
+              <a:t>Web Components</a:t>
+            </a:r>
+          </a:p>
+        </p:txBody>
+      </p:sp>
+      <p:sp>
+        <p:nvSpPr>
+          <p:cNvPr id="7" name="TextBox 6">
+            <a:extLst>
+              <a:ext uri="{FF2B5EF4-FFF2-40B4-BE49-F238E27FC236}">
+                <a16:creationId xmlns:a16="http://schemas.microsoft.com/office/drawing/2014/main" id="{E43BE3A4-2CE9-4073-B059-EA24D3386969}"/>
+              </a:ext>
+            </a:extLst>
+          </p:cNvPr>
+          <p:cNvSpPr txBox="1"/>
+          <p:nvPr/>
+        </p:nvSpPr>
+        <p:spPr>
+          <a:xfrm>
+            <a:off x="9461241" y="4416299"/>
+            <a:ext cx="1844351" cy="646331"/>
+          </a:xfrm>
+          <a:prstGeom prst="rect">
+            <a:avLst/>
+          </a:prstGeom>
+          <a:noFill/>
+        </p:spPr>
+        <p:txBody>
+          <a:bodyPr wrap="square" rtlCol="0">
+            <a:spAutoFit/>
+          </a:bodyPr>
+          <a:lstStyle/>
+          <a:p>
+            <a:r>
+              <a:rPr lang="en-GB" dirty="0"/>
+              <a:t>WP PHP PAGES</a:t>
+            </a:r>
+          </a:p>
+          <a:p>
+            <a:r>
+              <a:rPr lang="en-GB" dirty="0"/>
+              <a:t>Gutenberg Blocks</a:t>
+            </a:r>
+          </a:p>
+        </p:txBody>
+      </p:sp>
+      <p:cxnSp>
+        <p:nvCxnSpPr>
+          <p:cNvPr id="34" name="Straight Arrow Connector 33">
+            <a:extLst>
+              <a:ext uri="{FF2B5EF4-FFF2-40B4-BE49-F238E27FC236}">
+                <a16:creationId xmlns:a16="http://schemas.microsoft.com/office/drawing/2014/main" id="{3224BDD2-743D-4365-AF4A-A42C3D6B51E2}"/>
+              </a:ext>
+            </a:extLst>
+          </p:cNvPr>
+          <p:cNvCxnSpPr>
+            <a:cxnSpLocks/>
+          </p:cNvCxnSpPr>
+          <p:nvPr/>
+        </p:nvCxnSpPr>
+        <p:spPr>
+          <a:xfrm>
+            <a:off x="10319390" y="3873562"/>
+            <a:ext cx="8035" cy="562723"/>
+          </a:xfrm>
+          <a:prstGeom prst="straightConnector1">
+            <a:avLst/>
+          </a:prstGeom>
+          <a:ln w="38100">
+            <a:solidFill>
+              <a:schemeClr val="accent1">
+                <a:lumMod val="75000"/>
+              </a:schemeClr>
+            </a:solidFill>
+            <a:tailEnd type="triangle"/>
+          </a:ln>
+        </p:spPr>
+        <p:style>
+          <a:lnRef idx="1">
+            <a:schemeClr val="accent1"/>
+          </a:lnRef>
+          <a:fillRef idx="0">
+            <a:schemeClr val="accent1"/>
+          </a:fillRef>
+          <a:effectRef idx="0">
+            <a:schemeClr val="accent1"/>
+          </a:effectRef>
+          <a:fontRef idx="minor">
+            <a:schemeClr val="tx1"/>
+          </a:fontRef>
+        </p:style>
+      </p:cxnSp>
+      <p:pic>
+        <p:nvPicPr>
+          <p:cNvPr id="10" name="Graphic 9" descr="Smiling face with no fill">
+            <a:extLst>
+              <a:ext uri="{FF2B5EF4-FFF2-40B4-BE49-F238E27FC236}">
+                <a16:creationId xmlns:a16="http://schemas.microsoft.com/office/drawing/2014/main" id="{948FA2EF-7A78-4EE3-B2FE-AE0D3A001999}"/>
+              </a:ext>
+            </a:extLst>
+          </p:cNvPr>
+          <p:cNvPicPr>
+            <a:picLocks noChangeAspect="1"/>
+          </p:cNvPicPr>
+          <p:nvPr/>
+        </p:nvPicPr>
+        <p:blipFill>
+          <a:blip r:embed="rId2">
+            <a:extLst>
+              <a:ext uri="{28A0092B-C50C-407E-A947-70E740481C1C}">
+                <a14:useLocalDpi xmlns:a14="http://schemas.microsoft.com/office/drawing/2010/main" val="0"/>
+              </a:ext>
+              <a:ext uri="{96DAC541-7B7A-43D3-8B79-37D633B846F1}">
+                <asvg:svgBlip xmlns:asvg="http://schemas.microsoft.com/office/drawing/2016/SVG/main" r:embed="rId3"/>
+              </a:ext>
+            </a:extLst>
+          </a:blip>
+          <a:stretch>
+            <a:fillRect/>
+          </a:stretch>
+        </p:blipFill>
+        <p:spPr>
+          <a:xfrm>
+            <a:off x="9541349" y="1296525"/>
+            <a:ext cx="1647597" cy="1647597"/>
+          </a:xfrm>
+          <a:prstGeom prst="rect">
+            <a:avLst/>
+          </a:prstGeom>
+        </p:spPr>
+      </p:pic>
+      <p:cxnSp>
+        <p:nvCxnSpPr>
+          <p:cNvPr id="31" name="Straight Arrow Connector 30">
+            <a:extLst>
+              <a:ext uri="{FF2B5EF4-FFF2-40B4-BE49-F238E27FC236}">
+                <a16:creationId xmlns:a16="http://schemas.microsoft.com/office/drawing/2014/main" id="{337058BE-0D49-4EC0-B972-1EBA8C485F2D}"/>
+              </a:ext>
+            </a:extLst>
+          </p:cNvPr>
+          <p:cNvCxnSpPr>
+            <a:cxnSpLocks/>
+          </p:cNvCxnSpPr>
+          <p:nvPr/>
+        </p:nvCxnSpPr>
+        <p:spPr>
+          <a:xfrm flipH="1" flipV="1">
+            <a:off x="6143841" y="1786407"/>
+            <a:ext cx="3019774" cy="1433290"/>
+          </a:xfrm>
+          <a:prstGeom prst="straightConnector1">
+            <a:avLst/>
+          </a:prstGeom>
+          <a:ln w="76200">
+            <a:solidFill>
+              <a:schemeClr val="accent1">
+                <a:lumMod val="75000"/>
+              </a:schemeClr>
+            </a:solidFill>
+            <a:tailEnd type="triangle"/>
+          </a:ln>
+        </p:spPr>
+        <p:style>
+          <a:lnRef idx="1">
+            <a:schemeClr val="accent1"/>
+          </a:lnRef>
+          <a:fillRef idx="0">
+            <a:schemeClr val="accent1"/>
+          </a:fillRef>
+          <a:effectRef idx="0">
+            <a:schemeClr val="accent1"/>
+          </a:effectRef>
+          <a:fontRef idx="minor">
+            <a:schemeClr val="tx1"/>
+          </a:fontRef>
+        </p:style>
+      </p:cxnSp>
+      <p:sp>
+        <p:nvSpPr>
+          <p:cNvPr id="27" name="TextBox 26">
+            <a:extLst>
+              <a:ext uri="{FF2B5EF4-FFF2-40B4-BE49-F238E27FC236}">
+                <a16:creationId xmlns:a16="http://schemas.microsoft.com/office/drawing/2014/main" id="{1794E5C5-20F5-4436-91DA-BD85E1E31CB0}"/>
+              </a:ext>
+            </a:extLst>
+          </p:cNvPr>
+          <p:cNvSpPr txBox="1"/>
+          <p:nvPr/>
+        </p:nvSpPr>
+        <p:spPr>
+          <a:xfrm>
+            <a:off x="9680243" y="834281"/>
+            <a:ext cx="1278294" cy="369332"/>
+          </a:xfrm>
+          <a:prstGeom prst="rect">
+            <a:avLst/>
+          </a:prstGeom>
+          <a:solidFill>
+            <a:schemeClr val="accent1">
+              <a:lumMod val="60000"/>
+              <a:lumOff val="40000"/>
+            </a:schemeClr>
+          </a:solidFill>
+        </p:spPr>
+        <p:style>
+          <a:lnRef idx="2">
+            <a:schemeClr val="accent6">
+              <a:shade val="50000"/>
+            </a:schemeClr>
+          </a:lnRef>
+          <a:fillRef idx="1">
+            <a:schemeClr val="accent6"/>
+          </a:fillRef>
+          <a:effectRef idx="0">
+            <a:schemeClr val="accent6"/>
+          </a:effectRef>
+          <a:fontRef idx="minor">
+            <a:schemeClr val="lt1"/>
+          </a:fontRef>
+        </p:style>
+        <p:txBody>
+          <a:bodyPr rtlCol="0" anchor="ctr"/>
+          <a:lstStyle>
+            <a:defPPr>
+              <a:defRPr lang="en-US"/>
+            </a:defPPr>
+            <a:lvl1pPr algn="ctr">
+              <a:defRPr>
+                <a:solidFill>
+                  <a:schemeClr val="lt1"/>
+                </a:solidFill>
+                <a:latin typeface="Segoe UI" panose="020B0502040204020203" pitchFamily="34" charset="0"/>
+                <a:cs typeface="Segoe UI" panose="020B0502040204020203" pitchFamily="34" charset="0"/>
+              </a:defRPr>
+            </a:lvl1pPr>
+            <a:lvl2pPr>
+              <a:defRPr>
+                <a:solidFill>
+                  <a:schemeClr val="lt1"/>
+                </a:solidFill>
+              </a:defRPr>
+            </a:lvl2pPr>
+            <a:lvl3pPr>
+              <a:defRPr>
+                <a:solidFill>
+                  <a:schemeClr val="lt1"/>
+                </a:solidFill>
+              </a:defRPr>
+            </a:lvl3pPr>
+            <a:lvl4pPr>
+              <a:defRPr>
+                <a:solidFill>
+                  <a:schemeClr val="lt1"/>
+                </a:solidFill>
+              </a:defRPr>
+            </a:lvl4pPr>
+            <a:lvl5pPr>
+              <a:defRPr>
+                <a:solidFill>
+                  <a:schemeClr val="lt1"/>
+                </a:solidFill>
+              </a:defRPr>
+            </a:lvl5pPr>
+            <a:lvl6pPr>
+              <a:defRPr>
+                <a:solidFill>
+                  <a:schemeClr val="lt1"/>
+                </a:solidFill>
+              </a:defRPr>
+            </a:lvl6pPr>
+            <a:lvl7pPr>
+              <a:defRPr>
+                <a:solidFill>
+                  <a:schemeClr val="lt1"/>
+                </a:solidFill>
+              </a:defRPr>
+            </a:lvl7pPr>
+            <a:lvl8pPr>
+              <a:defRPr>
+                <a:solidFill>
+                  <a:schemeClr val="lt1"/>
+                </a:solidFill>
+              </a:defRPr>
+            </a:lvl8pPr>
+            <a:lvl9pPr>
+              <a:defRPr>
+                <a:solidFill>
+                  <a:schemeClr val="lt1"/>
+                </a:solidFill>
+              </a:defRPr>
+            </a:lvl9pPr>
+          </a:lstStyle>
+          <a:p>
+            <a:r>
+              <a:rPr lang="en-GB" dirty="0"/>
+              <a:t>WordPress</a:t>
+            </a:r>
           </a:p>
         </p:txBody>
       </p:sp>
     </p:spTree>
     <p:extLst>
       <p:ext uri="{BB962C8B-B14F-4D97-AF65-F5344CB8AC3E}">
-        <p14:creationId xmlns:p14="http://schemas.microsoft.com/office/powerpoint/2010/main" val="105346925"/>
+        <p14:creationId xmlns:p14="http://schemas.microsoft.com/office/powerpoint/2010/main" val="3043959635"/>
       </p:ext>
     </p:extLst>
   </p:cSld>
@@ -6114,6 +6651,691 @@
       </p:grpSpPr>
       <p:sp>
         <p:nvSpPr>
+          <p:cNvPr id="2" name="Title 1">
+            <a:extLst>
+              <a:ext uri="{FF2B5EF4-FFF2-40B4-BE49-F238E27FC236}">
+                <a16:creationId xmlns:a16="http://schemas.microsoft.com/office/drawing/2014/main" id="{5D7568B3-EC9A-45DD-8A17-CFE685194B65}"/>
+              </a:ext>
+            </a:extLst>
+          </p:cNvPr>
+          <p:cNvSpPr>
+            <a:spLocks noGrp="1"/>
+          </p:cNvSpPr>
+          <p:nvPr>
+            <p:ph type="title"/>
+          </p:nvPr>
+        </p:nvSpPr>
+        <p:spPr>
+          <a:xfrm>
+            <a:off x="838200" y="0"/>
+            <a:ext cx="10515600" cy="1325563"/>
+          </a:xfrm>
+          <a:solidFill>
+            <a:srgbClr val="2196F3"/>
+          </a:solidFill>
+        </p:spPr>
+        <p:txBody>
+          <a:bodyPr>
+            <a:normAutofit/>
+          </a:bodyPr>
+          <a:lstStyle/>
+          <a:p>
+            <a:pPr algn="ctr"/>
+            <a:r>
+              <a:rPr lang="en-GB" sz="6600" dirty="0">
+                <a:solidFill>
+                  <a:schemeClr val="bg1"/>
+                </a:solidFill>
+                <a:latin typeface="Segoe UI" panose="020B0502040204020203" pitchFamily="34" charset="0"/>
+                <a:cs typeface="Segoe UI" panose="020B0502040204020203" pitchFamily="34" charset="0"/>
+              </a:rPr>
+              <a:t>Build tools</a:t>
+            </a:r>
+          </a:p>
+        </p:txBody>
+      </p:sp>
+      <p:sp>
+        <p:nvSpPr>
+          <p:cNvPr id="4" name="Content Placeholder 2">
+            <a:extLst>
+              <a:ext uri="{FF2B5EF4-FFF2-40B4-BE49-F238E27FC236}">
+                <a16:creationId xmlns:a16="http://schemas.microsoft.com/office/drawing/2014/main" id="{088CCB65-11B4-408B-9ED3-1304FE85032F}"/>
+              </a:ext>
+            </a:extLst>
+          </p:cNvPr>
+          <p:cNvSpPr>
+            <a:spLocks noGrp="1"/>
+          </p:cNvSpPr>
+          <p:nvPr>
+            <p:ph idx="1"/>
+          </p:nvPr>
+        </p:nvSpPr>
+        <p:spPr>
+          <a:xfrm>
+            <a:off x="838200" y="1325563"/>
+            <a:ext cx="10515600" cy="5326907"/>
+          </a:xfrm>
+        </p:spPr>
+        <p:txBody>
+          <a:bodyPr wrap="square" bIns="252000">
+            <a:normAutofit lnSpcReduction="10000"/>
+          </a:bodyPr>
+          <a:lstStyle/>
+          <a:p>
+            <a:pPr marL="457200" lvl="1" indent="0" algn="ctr">
+              <a:buNone/>
+            </a:pPr>
+            <a:endParaRPr lang="en-GB" sz="1600" dirty="0">
+              <a:solidFill>
+                <a:srgbClr val="2196F3"/>
+              </a:solidFill>
+              <a:latin typeface="Segoe UI" panose="020B0502040204020203" pitchFamily="34" charset="0"/>
+              <a:cs typeface="Segoe UI" panose="020B0502040204020203" pitchFamily="34" charset="0"/>
+            </a:endParaRPr>
+          </a:p>
+          <a:p>
+            <a:pPr marL="457200" lvl="1" indent="0">
+              <a:buNone/>
+            </a:pPr>
+            <a:r>
+              <a:rPr lang="en-GB" sz="3600" dirty="0">
+                <a:solidFill>
+                  <a:srgbClr val="2196F3"/>
+                </a:solidFill>
+                <a:latin typeface="Segoe UI" panose="020B0502040204020203" pitchFamily="34" charset="0"/>
+                <a:cs typeface="Segoe UI" panose="020B0502040204020203" pitchFamily="34" charset="0"/>
+              </a:rPr>
+              <a:t>JS compilers (not frameworks):</a:t>
+            </a:r>
+          </a:p>
+          <a:p>
+            <a:pPr marL="457200" lvl="1" indent="0">
+              <a:buNone/>
+            </a:pPr>
+            <a:endParaRPr lang="en-GB" sz="1300" dirty="0">
+              <a:solidFill>
+                <a:srgbClr val="2196F3"/>
+              </a:solidFill>
+              <a:latin typeface="Segoe UI" panose="020B0502040204020203" pitchFamily="34" charset="0"/>
+              <a:cs typeface="Segoe UI" panose="020B0502040204020203" pitchFamily="34" charset="0"/>
+            </a:endParaRPr>
+          </a:p>
+          <a:p>
+            <a:pPr marL="914400" lvl="2" indent="0">
+              <a:buNone/>
+            </a:pPr>
+            <a:r>
+              <a:rPr lang="en-GB" sz="3200" dirty="0">
+                <a:solidFill>
+                  <a:srgbClr val="2196F3"/>
+                </a:solidFill>
+                <a:latin typeface="Segoe UI" panose="020B0502040204020203" pitchFamily="34" charset="0"/>
+                <a:cs typeface="Segoe UI" panose="020B0502040204020203" pitchFamily="34" charset="0"/>
+              </a:rPr>
+              <a:t>Stencil JS (Part of Ionic)</a:t>
+            </a:r>
+          </a:p>
+          <a:p>
+            <a:pPr marL="914400" lvl="2" indent="0">
+              <a:buNone/>
+            </a:pPr>
+            <a:r>
+              <a:rPr lang="en-GB" sz="3200" dirty="0">
+                <a:solidFill>
+                  <a:srgbClr val="2196F3"/>
+                </a:solidFill>
+                <a:latin typeface="Segoe UI" panose="020B0502040204020203" pitchFamily="34" charset="0"/>
+                <a:cs typeface="Segoe UI" panose="020B0502040204020203" pitchFamily="34" charset="0"/>
+              </a:rPr>
+              <a:t>Lit Element/Lit HTML</a:t>
+            </a:r>
+          </a:p>
+          <a:p>
+            <a:pPr marL="914400" lvl="2" indent="0">
+              <a:buNone/>
+            </a:pPr>
+            <a:r>
+              <a:rPr lang="en-GB" sz="3200" dirty="0">
+                <a:solidFill>
+                  <a:srgbClr val="2196F3"/>
+                </a:solidFill>
+                <a:latin typeface="Segoe UI" panose="020B0502040204020203" pitchFamily="34" charset="0"/>
+                <a:cs typeface="Segoe UI" panose="020B0502040204020203" pitchFamily="34" charset="0"/>
+              </a:rPr>
+              <a:t>Svelte</a:t>
+            </a:r>
+          </a:p>
+          <a:p>
+            <a:pPr marL="914400" lvl="2" indent="0">
+              <a:buNone/>
+            </a:pPr>
+            <a:r>
+              <a:rPr lang="en-GB" sz="3200" dirty="0">
+                <a:solidFill>
+                  <a:srgbClr val="2196F3"/>
+                </a:solidFill>
+                <a:latin typeface="Segoe UI" panose="020B0502040204020203" pitchFamily="34" charset="0"/>
+                <a:cs typeface="Segoe UI" panose="020B0502040204020203" pitchFamily="34" charset="0"/>
+              </a:rPr>
+              <a:t>Open WC</a:t>
+            </a:r>
+          </a:p>
+          <a:p>
+            <a:pPr marL="457200" lvl="1" indent="0">
+              <a:buNone/>
+            </a:pPr>
+            <a:endParaRPr lang="en-GB" sz="3600" dirty="0">
+              <a:solidFill>
+                <a:srgbClr val="2196F3"/>
+              </a:solidFill>
+              <a:latin typeface="Segoe UI" panose="020B0502040204020203" pitchFamily="34" charset="0"/>
+              <a:cs typeface="Segoe UI" panose="020B0502040204020203" pitchFamily="34" charset="0"/>
+            </a:endParaRPr>
+          </a:p>
+          <a:p>
+            <a:pPr marL="457200" lvl="1" indent="0">
+              <a:buNone/>
+            </a:pPr>
+            <a:r>
+              <a:rPr lang="en-GB" sz="3600" dirty="0">
+                <a:solidFill>
+                  <a:srgbClr val="2196F3"/>
+                </a:solidFill>
+                <a:latin typeface="Segoe UI" panose="020B0502040204020203" pitchFamily="34" charset="0"/>
+                <a:cs typeface="Segoe UI" panose="020B0502040204020203" pitchFamily="34" charset="0"/>
+              </a:rPr>
+              <a:t>Wrappers:</a:t>
+            </a:r>
+          </a:p>
+          <a:p>
+            <a:pPr marL="457200" lvl="1" indent="0">
+              <a:buNone/>
+            </a:pPr>
+            <a:endParaRPr lang="en-GB" sz="1600" dirty="0">
+              <a:solidFill>
+                <a:srgbClr val="2196F3"/>
+              </a:solidFill>
+              <a:latin typeface="Segoe UI" panose="020B0502040204020203" pitchFamily="34" charset="0"/>
+              <a:cs typeface="Segoe UI" panose="020B0502040204020203" pitchFamily="34" charset="0"/>
+            </a:endParaRPr>
+          </a:p>
+          <a:p>
+            <a:pPr marL="914400" lvl="2" indent="0">
+              <a:buNone/>
+            </a:pPr>
+            <a:r>
+              <a:rPr lang="en-GB" sz="3200" dirty="0">
+                <a:solidFill>
+                  <a:srgbClr val="2196F3"/>
+                </a:solidFill>
+                <a:latin typeface="Segoe UI" panose="020B0502040204020203" pitchFamily="34" charset="0"/>
+                <a:cs typeface="Segoe UI" panose="020B0502040204020203" pitchFamily="34" charset="0"/>
+              </a:rPr>
+              <a:t>Vue, Angular, React etc have builds that add a web component wrapper.</a:t>
+            </a:r>
+          </a:p>
+          <a:p>
+            <a:pPr marL="457200" lvl="1" indent="0">
+              <a:buNone/>
+            </a:pPr>
+            <a:endParaRPr lang="en-GB" sz="3600" dirty="0">
+              <a:solidFill>
+                <a:srgbClr val="2196F3"/>
+              </a:solidFill>
+              <a:latin typeface="Segoe UI" panose="020B0502040204020203" pitchFamily="34" charset="0"/>
+              <a:cs typeface="Segoe UI" panose="020B0502040204020203" pitchFamily="34" charset="0"/>
+            </a:endParaRPr>
+          </a:p>
+          <a:p>
+            <a:pPr marL="457200" lvl="1" indent="0">
+              <a:buNone/>
+            </a:pPr>
+            <a:endParaRPr lang="en-GB" sz="3600" dirty="0">
+              <a:solidFill>
+                <a:srgbClr val="2196F3"/>
+              </a:solidFill>
+              <a:latin typeface="Segoe UI" panose="020B0502040204020203" pitchFamily="34" charset="0"/>
+              <a:cs typeface="Segoe UI" panose="020B0502040204020203" pitchFamily="34" charset="0"/>
+            </a:endParaRPr>
+          </a:p>
+          <a:p>
+            <a:pPr marL="457200" lvl="1" indent="0">
+              <a:buNone/>
+            </a:pPr>
+            <a:endParaRPr lang="en-GB" sz="6700" dirty="0">
+              <a:solidFill>
+                <a:srgbClr val="2196F3"/>
+              </a:solidFill>
+              <a:latin typeface="Segoe UI" panose="020B0502040204020203" pitchFamily="34" charset="0"/>
+              <a:cs typeface="Segoe UI" panose="020B0502040204020203" pitchFamily="34" charset="0"/>
+            </a:endParaRPr>
+          </a:p>
+          <a:p>
+            <a:pPr marL="457200" lvl="1" indent="0">
+              <a:buNone/>
+            </a:pPr>
+            <a:endParaRPr lang="en-GB" sz="6700" dirty="0">
+              <a:solidFill>
+                <a:srgbClr val="2196F3"/>
+              </a:solidFill>
+              <a:latin typeface="Segoe UI" panose="020B0502040204020203" pitchFamily="34" charset="0"/>
+              <a:cs typeface="Segoe UI" panose="020B0502040204020203" pitchFamily="34" charset="0"/>
+            </a:endParaRPr>
+          </a:p>
+          <a:p>
+            <a:pPr marL="457200" lvl="1" indent="0">
+              <a:buNone/>
+            </a:pPr>
+            <a:endParaRPr lang="en-GB" sz="6700" dirty="0">
+              <a:latin typeface="Segoe UI" panose="020B0502040204020203" pitchFamily="34" charset="0"/>
+              <a:cs typeface="Segoe UI" panose="020B0502040204020203" pitchFamily="34" charset="0"/>
+            </a:endParaRPr>
+          </a:p>
+          <a:p>
+            <a:pPr marL="0" indent="0">
+              <a:buNone/>
+            </a:pPr>
+            <a:endParaRPr lang="en-GB" dirty="0">
+              <a:latin typeface="Segoe UI" panose="020B0502040204020203" pitchFamily="34" charset="0"/>
+              <a:cs typeface="Segoe UI" panose="020B0502040204020203" pitchFamily="34" charset="0"/>
+            </a:endParaRPr>
+          </a:p>
+          <a:p>
+            <a:endParaRPr lang="en-GB" dirty="0">
+              <a:latin typeface="Segoe UI" panose="020B0502040204020203" pitchFamily="34" charset="0"/>
+              <a:cs typeface="Segoe UI" panose="020B0502040204020203" pitchFamily="34" charset="0"/>
+            </a:endParaRPr>
+          </a:p>
+        </p:txBody>
+      </p:sp>
+    </p:spTree>
+    <p:extLst>
+      <p:ext uri="{BB962C8B-B14F-4D97-AF65-F5344CB8AC3E}">
+        <p14:creationId xmlns:p14="http://schemas.microsoft.com/office/powerpoint/2010/main" val="77845080"/>
+      </p:ext>
+    </p:extLst>
+  </p:cSld>
+  <p:clrMapOvr>
+    <a:masterClrMapping/>
+  </p:clrMapOvr>
+</p:sld>
+</file>
+
+<file path=ppt/slides/slide14.xml><?xml version="1.0" encoding="utf-8"?>
+<p:sld xmlns:a="http://schemas.openxmlformats.org/drawingml/2006/main" xmlns:r="http://schemas.openxmlformats.org/officeDocument/2006/relationships" xmlns:p="http://schemas.openxmlformats.org/presentationml/2006/main">
+  <p:cSld>
+    <p:spTree>
+      <p:nvGrpSpPr>
+        <p:cNvPr id="1" name=""/>
+        <p:cNvGrpSpPr/>
+        <p:nvPr/>
+      </p:nvGrpSpPr>
+      <p:grpSpPr>
+        <a:xfrm>
+          <a:off x="0" y="0"/>
+          <a:ext cx="0" cy="0"/>
+          <a:chOff x="0" y="0"/>
+          <a:chExt cx="0" cy="0"/>
+        </a:xfrm>
+      </p:grpSpPr>
+      <p:sp>
+        <p:nvSpPr>
+          <p:cNvPr id="2" name="Title 1">
+            <a:extLst>
+              <a:ext uri="{FF2B5EF4-FFF2-40B4-BE49-F238E27FC236}">
+                <a16:creationId xmlns:a16="http://schemas.microsoft.com/office/drawing/2014/main" id="{5D7568B3-EC9A-45DD-8A17-CFE685194B65}"/>
+              </a:ext>
+            </a:extLst>
+          </p:cNvPr>
+          <p:cNvSpPr>
+            <a:spLocks noGrp="1"/>
+          </p:cNvSpPr>
+          <p:nvPr>
+            <p:ph type="title"/>
+          </p:nvPr>
+        </p:nvSpPr>
+        <p:spPr>
+          <a:xfrm>
+            <a:off x="838200" y="0"/>
+            <a:ext cx="10515600" cy="1325563"/>
+          </a:xfrm>
+          <a:solidFill>
+            <a:srgbClr val="2196F3"/>
+          </a:solidFill>
+        </p:spPr>
+        <p:txBody>
+          <a:bodyPr>
+            <a:normAutofit/>
+          </a:bodyPr>
+          <a:lstStyle/>
+          <a:p>
+            <a:pPr algn="ctr"/>
+            <a:r>
+              <a:rPr lang="en-GB" sz="6600" dirty="0">
+                <a:solidFill>
+                  <a:schemeClr val="bg1"/>
+                </a:solidFill>
+                <a:latin typeface="Segoe UI" panose="020B0502040204020203" pitchFamily="34" charset="0"/>
+                <a:cs typeface="Segoe UI" panose="020B0502040204020203" pitchFamily="34" charset="0"/>
+              </a:rPr>
+              <a:t>Types of components</a:t>
+            </a:r>
+          </a:p>
+        </p:txBody>
+      </p:sp>
+      <p:sp>
+        <p:nvSpPr>
+          <p:cNvPr id="4" name="Content Placeholder 2">
+            <a:extLst>
+              <a:ext uri="{FF2B5EF4-FFF2-40B4-BE49-F238E27FC236}">
+                <a16:creationId xmlns:a16="http://schemas.microsoft.com/office/drawing/2014/main" id="{088CCB65-11B4-408B-9ED3-1304FE85032F}"/>
+              </a:ext>
+            </a:extLst>
+          </p:cNvPr>
+          <p:cNvSpPr>
+            <a:spLocks noGrp="1"/>
+          </p:cNvSpPr>
+          <p:nvPr>
+            <p:ph idx="1"/>
+          </p:nvPr>
+        </p:nvSpPr>
+        <p:spPr>
+          <a:xfrm>
+            <a:off x="838200" y="1325563"/>
+            <a:ext cx="10515600" cy="5326907"/>
+          </a:xfrm>
+        </p:spPr>
+        <p:txBody>
+          <a:bodyPr wrap="square" bIns="252000">
+            <a:normAutofit fontScale="92500"/>
+          </a:bodyPr>
+          <a:lstStyle/>
+          <a:p>
+            <a:pPr marL="457200" lvl="1" indent="0" algn="ctr">
+              <a:buNone/>
+            </a:pPr>
+            <a:endParaRPr lang="en-GB" sz="1600" dirty="0">
+              <a:solidFill>
+                <a:srgbClr val="2196F3"/>
+              </a:solidFill>
+              <a:latin typeface="Segoe UI" panose="020B0502040204020203" pitchFamily="34" charset="0"/>
+              <a:cs typeface="Segoe UI" panose="020B0502040204020203" pitchFamily="34" charset="0"/>
+            </a:endParaRPr>
+          </a:p>
+          <a:p>
+            <a:pPr marL="457200" lvl="1" indent="0">
+              <a:buNone/>
+            </a:pPr>
+            <a:r>
+              <a:rPr lang="en-GB" sz="2800" dirty="0">
+                <a:solidFill>
+                  <a:srgbClr val="2196F3"/>
+                </a:solidFill>
+                <a:latin typeface="Segoe UI" panose="020B0502040204020203" pitchFamily="34" charset="0"/>
+                <a:cs typeface="Segoe UI" panose="020B0502040204020203" pitchFamily="34" charset="0"/>
+              </a:rPr>
+              <a:t>These are only limited by JS.</a:t>
+            </a:r>
+          </a:p>
+          <a:p>
+            <a:pPr marL="457200" lvl="1" indent="0">
+              <a:buNone/>
+            </a:pPr>
+            <a:endParaRPr lang="en-GB" sz="1200" dirty="0">
+              <a:solidFill>
+                <a:srgbClr val="2196F3"/>
+              </a:solidFill>
+              <a:latin typeface="Segoe UI" panose="020B0502040204020203" pitchFamily="34" charset="0"/>
+              <a:cs typeface="Segoe UI" panose="020B0502040204020203" pitchFamily="34" charset="0"/>
+            </a:endParaRPr>
+          </a:p>
+          <a:p>
+            <a:pPr marL="457200" lvl="1" indent="0">
+              <a:buNone/>
+            </a:pPr>
+            <a:r>
+              <a:rPr lang="en-GB" sz="2800" dirty="0">
+                <a:solidFill>
+                  <a:srgbClr val="2196F3"/>
+                </a:solidFill>
+                <a:latin typeface="Segoe UI" panose="020B0502040204020203" pitchFamily="34" charset="0"/>
+                <a:cs typeface="Segoe UI" panose="020B0502040204020203" pitchFamily="34" charset="0"/>
+              </a:rPr>
+              <a:t>We will look at couple of UI components and many more highly functional components that have built in:</a:t>
+            </a:r>
+          </a:p>
+          <a:p>
+            <a:pPr marL="457200" lvl="1" indent="0">
+              <a:buNone/>
+            </a:pPr>
+            <a:endParaRPr lang="en-GB" sz="1200" dirty="0">
+              <a:solidFill>
+                <a:srgbClr val="2196F3"/>
+              </a:solidFill>
+              <a:latin typeface="Segoe UI" panose="020B0502040204020203" pitchFamily="34" charset="0"/>
+              <a:cs typeface="Segoe UI" panose="020B0502040204020203" pitchFamily="34" charset="0"/>
+            </a:endParaRPr>
+          </a:p>
+          <a:p>
+            <a:pPr lvl="1"/>
+            <a:r>
+              <a:rPr lang="en-GB" sz="2800" dirty="0">
+                <a:solidFill>
+                  <a:srgbClr val="2196F3"/>
+                </a:solidFill>
+                <a:latin typeface="Segoe UI" panose="020B0502040204020203" pitchFamily="34" charset="0"/>
+                <a:cs typeface="Segoe UI" panose="020B0502040204020203" pitchFamily="34" charset="0"/>
+              </a:rPr>
+              <a:t>Fetch requests.</a:t>
+            </a:r>
+          </a:p>
+          <a:p>
+            <a:pPr lvl="1"/>
+            <a:r>
+              <a:rPr lang="en-GB" sz="2800" dirty="0">
+                <a:solidFill>
+                  <a:srgbClr val="2196F3"/>
+                </a:solidFill>
+                <a:latin typeface="Segoe UI" panose="020B0502040204020203" pitchFamily="34" charset="0"/>
+                <a:cs typeface="Segoe UI" panose="020B0502040204020203" pitchFamily="34" charset="0"/>
+              </a:rPr>
+              <a:t>Lazy loading and dynamic loading (scripts/components).</a:t>
+            </a:r>
+          </a:p>
+          <a:p>
+            <a:pPr lvl="1"/>
+            <a:r>
+              <a:rPr lang="en-GB" sz="2800" dirty="0">
+                <a:solidFill>
+                  <a:srgbClr val="2196F3"/>
+                </a:solidFill>
+                <a:latin typeface="Segoe UI" panose="020B0502040204020203" pitchFamily="34" charset="0"/>
+                <a:cs typeface="Segoe UI" panose="020B0502040204020203" pitchFamily="34" charset="0"/>
+              </a:rPr>
+              <a:t>Storing JSON in IndexedDB and rendering it via templates.</a:t>
+            </a:r>
+          </a:p>
+          <a:p>
+            <a:pPr lvl="1"/>
+            <a:r>
+              <a:rPr lang="en-GB" sz="2800" dirty="0">
+                <a:solidFill>
+                  <a:srgbClr val="2196F3"/>
+                </a:solidFill>
+                <a:latin typeface="Segoe UI" panose="020B0502040204020203" pitchFamily="34" charset="0"/>
+                <a:cs typeface="Segoe UI" panose="020B0502040204020203" pitchFamily="34" charset="0"/>
+              </a:rPr>
+              <a:t>Authentication and storage of JSON Web Tokens.</a:t>
+            </a:r>
+          </a:p>
+          <a:p>
+            <a:pPr lvl="1"/>
+            <a:r>
+              <a:rPr lang="en-GB" sz="2800" dirty="0">
+                <a:solidFill>
+                  <a:srgbClr val="2196F3"/>
+                </a:solidFill>
+                <a:latin typeface="Segoe UI" panose="020B0502040204020203" pitchFamily="34" charset="0"/>
+                <a:cs typeface="Segoe UI" panose="020B0502040204020203" pitchFamily="34" charset="0"/>
+              </a:rPr>
+              <a:t>Added offline capability and ‘instant’ pages.</a:t>
+            </a:r>
+          </a:p>
+          <a:p>
+            <a:pPr marL="457200" lvl="1" indent="0">
+              <a:buNone/>
+            </a:pPr>
+            <a:endParaRPr lang="en-GB" sz="1200" dirty="0">
+              <a:solidFill>
+                <a:srgbClr val="2196F3"/>
+              </a:solidFill>
+              <a:latin typeface="Segoe UI" panose="020B0502040204020203" pitchFamily="34" charset="0"/>
+              <a:cs typeface="Segoe UI" panose="020B0502040204020203" pitchFamily="34" charset="0"/>
+            </a:endParaRPr>
+          </a:p>
+          <a:p>
+            <a:pPr marL="457200" lvl="1" indent="0">
+              <a:buNone/>
+            </a:pPr>
+            <a:r>
+              <a:rPr lang="en-GB" sz="2800" dirty="0">
+                <a:solidFill>
+                  <a:srgbClr val="2196F3"/>
+                </a:solidFill>
+                <a:latin typeface="Segoe UI" panose="020B0502040204020203" pitchFamily="34" charset="0"/>
+                <a:cs typeface="Segoe UI" panose="020B0502040204020203" pitchFamily="34" charset="0"/>
+              </a:rPr>
+              <a:t>Let’s see an example: </a:t>
+            </a:r>
+            <a:r>
+              <a:rPr lang="en-GB" sz="2800" dirty="0">
+                <a:latin typeface="Segoe UI" panose="020B0502040204020203" pitchFamily="34" charset="0"/>
+                <a:cs typeface="Segoe UI" panose="020B0502040204020203" pitchFamily="34" charset="0"/>
+              </a:rPr>
+              <a:t>https://49plus.co.uk/udemy-webcomponents/</a:t>
+            </a:r>
+          </a:p>
+          <a:p>
+            <a:pPr marL="457200" lvl="1" indent="0">
+              <a:buNone/>
+            </a:pPr>
+            <a:r>
+              <a:rPr lang="en-GB" sz="2800" dirty="0">
+                <a:solidFill>
+                  <a:srgbClr val="2196F3"/>
+                </a:solidFill>
+                <a:latin typeface="Segoe UI" panose="020B0502040204020203" pitchFamily="34" charset="0"/>
+                <a:cs typeface="Segoe UI" panose="020B0502040204020203" pitchFamily="34" charset="0"/>
+              </a:rPr>
+              <a:t>(Vanilla JS)</a:t>
+            </a:r>
+          </a:p>
+          <a:p>
+            <a:pPr marL="457200" lvl="1" indent="0">
+              <a:buNone/>
+            </a:pPr>
+            <a:endParaRPr lang="en-GB" sz="3600" dirty="0">
+              <a:solidFill>
+                <a:srgbClr val="2196F3"/>
+              </a:solidFill>
+              <a:latin typeface="Segoe UI" panose="020B0502040204020203" pitchFamily="34" charset="0"/>
+              <a:cs typeface="Segoe UI" panose="020B0502040204020203" pitchFamily="34" charset="0"/>
+            </a:endParaRPr>
+          </a:p>
+          <a:p>
+            <a:pPr marL="457200" lvl="1" indent="0">
+              <a:buNone/>
+            </a:pPr>
+            <a:endParaRPr lang="en-GB" sz="3600" dirty="0">
+              <a:solidFill>
+                <a:srgbClr val="2196F3"/>
+              </a:solidFill>
+              <a:latin typeface="Segoe UI" panose="020B0502040204020203" pitchFamily="34" charset="0"/>
+              <a:cs typeface="Segoe UI" panose="020B0502040204020203" pitchFamily="34" charset="0"/>
+            </a:endParaRPr>
+          </a:p>
+          <a:p>
+            <a:pPr marL="457200" lvl="1" indent="0">
+              <a:buNone/>
+            </a:pPr>
+            <a:endParaRPr lang="en-GB" sz="6700" dirty="0">
+              <a:solidFill>
+                <a:srgbClr val="2196F3"/>
+              </a:solidFill>
+              <a:latin typeface="Segoe UI" panose="020B0502040204020203" pitchFamily="34" charset="0"/>
+              <a:cs typeface="Segoe UI" panose="020B0502040204020203" pitchFamily="34" charset="0"/>
+            </a:endParaRPr>
+          </a:p>
+          <a:p>
+            <a:pPr marL="457200" lvl="1" indent="0">
+              <a:buNone/>
+            </a:pPr>
+            <a:endParaRPr lang="en-GB" sz="6700" dirty="0">
+              <a:solidFill>
+                <a:srgbClr val="2196F3"/>
+              </a:solidFill>
+              <a:latin typeface="Segoe UI" panose="020B0502040204020203" pitchFamily="34" charset="0"/>
+              <a:cs typeface="Segoe UI" panose="020B0502040204020203" pitchFamily="34" charset="0"/>
+            </a:endParaRPr>
+          </a:p>
+          <a:p>
+            <a:pPr marL="457200" lvl="1" indent="0">
+              <a:buNone/>
+            </a:pPr>
+            <a:endParaRPr lang="en-GB" sz="6700" dirty="0">
+              <a:latin typeface="Segoe UI" panose="020B0502040204020203" pitchFamily="34" charset="0"/>
+              <a:cs typeface="Segoe UI" panose="020B0502040204020203" pitchFamily="34" charset="0"/>
+            </a:endParaRPr>
+          </a:p>
+          <a:p>
+            <a:pPr marL="0" indent="0">
+              <a:buNone/>
+            </a:pPr>
+            <a:endParaRPr lang="en-GB" dirty="0">
+              <a:latin typeface="Segoe UI" panose="020B0502040204020203" pitchFamily="34" charset="0"/>
+              <a:cs typeface="Segoe UI" panose="020B0502040204020203" pitchFamily="34" charset="0"/>
+            </a:endParaRPr>
+          </a:p>
+          <a:p>
+            <a:endParaRPr lang="en-GB" dirty="0">
+              <a:latin typeface="Segoe UI" panose="020B0502040204020203" pitchFamily="34" charset="0"/>
+              <a:cs typeface="Segoe UI" panose="020B0502040204020203" pitchFamily="34" charset="0"/>
+            </a:endParaRPr>
+          </a:p>
+        </p:txBody>
+      </p:sp>
+    </p:spTree>
+    <p:extLst>
+      <p:ext uri="{BB962C8B-B14F-4D97-AF65-F5344CB8AC3E}">
+        <p14:creationId xmlns:p14="http://schemas.microsoft.com/office/powerpoint/2010/main" val="105346925"/>
+      </p:ext>
+    </p:extLst>
+  </p:cSld>
+  <p:clrMapOvr>
+    <a:masterClrMapping/>
+  </p:clrMapOvr>
+</p:sld>
+</file>
+
+<file path=ppt/slides/slide15.xml><?xml version="1.0" encoding="utf-8"?>
+<p:sld xmlns:a="http://schemas.openxmlformats.org/drawingml/2006/main" xmlns:r="http://schemas.openxmlformats.org/officeDocument/2006/relationships" xmlns:p="http://schemas.openxmlformats.org/presentationml/2006/main">
+  <p:cSld>
+    <p:spTree>
+      <p:nvGrpSpPr>
+        <p:cNvPr id="1" name=""/>
+        <p:cNvGrpSpPr/>
+        <p:nvPr/>
+      </p:nvGrpSpPr>
+      <p:grpSpPr>
+        <a:xfrm>
+          <a:off x="0" y="0"/>
+          <a:ext cx="0" cy="0"/>
+          <a:chOff x="0" y="0"/>
+          <a:chExt cx="0" cy="0"/>
+        </a:xfrm>
+      </p:grpSpPr>
+      <p:sp>
+        <p:nvSpPr>
           <p:cNvPr id="3" name="Content Placeholder 2">
             <a:extLst>
               <a:ext uri="{FF2B5EF4-FFF2-40B4-BE49-F238E27FC236}">
@@ -6349,7 +7571,7 @@
 </p:sld>
 </file>
 
-<file path=ppt/slides/slide14.xml><?xml version="1.0" encoding="utf-8"?>
+<file path=ppt/slides/slide16.xml><?xml version="1.0" encoding="utf-8"?>
 <p:sld xmlns:a="http://schemas.openxmlformats.org/drawingml/2006/main" xmlns:r="http://schemas.openxmlformats.org/officeDocument/2006/relationships" xmlns:p="http://schemas.openxmlformats.org/presentationml/2006/main">
   <p:cSld>
     <p:spTree>
@@ -6660,7 +7882,7 @@
         </p:nvSpPr>
         <p:spPr>
           <a:xfrm>
-            <a:off x="605637" y="1566983"/>
+            <a:off x="684617" y="1170339"/>
             <a:ext cx="7681859" cy="1015663"/>
           </a:xfrm>
         </p:spPr>
@@ -6686,8 +7908,20 @@
               <a:rPr lang="en-GB" sz="4000" dirty="0"/>
             </a:br>
             <a:r>
-              <a:rPr lang="en-GB" sz="4000" dirty="0"/>
-              <a:t>    </a:t>
+              <a:rPr lang="en-GB" sz="4000" b="1" i="1" dirty="0">
+                <a:solidFill>
+                  <a:srgbClr val="FF0000"/>
+                </a:solidFill>
+              </a:rPr>
+              <a:t>Still find tech hard</a:t>
+            </a:r>
+            <a:r>
+              <a:rPr lang="en-GB" sz="4000" dirty="0">
+                <a:solidFill>
+                  <a:srgbClr val="FF0000"/>
+                </a:solidFill>
+              </a:rPr>
+              <a:t>!    </a:t>
             </a:r>
           </a:p>
         </p:txBody>
@@ -7088,7 +8322,7 @@
         </p:nvSpPr>
         <p:spPr>
           <a:xfrm>
-            <a:off x="5837051" y="563040"/>
+            <a:off x="5836520" y="250095"/>
             <a:ext cx="5944823" cy="718497"/>
           </a:xfrm>
           <a:prstGeom prst="wedgeRoundRectCallout">
@@ -7215,7 +8449,7 @@
         </p:nvSpPr>
         <p:spPr>
           <a:xfrm>
-            <a:off x="713859" y="584084"/>
+            <a:off x="756350" y="371347"/>
             <a:ext cx="5152434" cy="400110"/>
           </a:xfrm>
           <a:prstGeom prst="rect">
@@ -7835,7 +9069,7 @@
                 <a:latin typeface="Segoe UI" panose="020B0502040204020203" pitchFamily="34" charset="0"/>
                 <a:cs typeface="Segoe UI" panose="020B0502040204020203" pitchFamily="34" charset="0"/>
               </a:rPr>
-              <a:t>Web Components</a:t>
+              <a:t>Micro Apps/Services</a:t>
             </a:r>
           </a:p>
         </p:txBody>
@@ -7864,7 +9098,7 @@
         </p:spPr>
         <p:txBody>
           <a:bodyPr wrap="square" bIns="252000">
-            <a:normAutofit/>
+            <a:normAutofit fontScale="92500" lnSpcReduction="20000"/>
           </a:bodyPr>
           <a:lstStyle/>
           <a:p>
@@ -7883,33 +9117,6 @@
             <a:pPr marL="457200" lvl="1" indent="0">
               <a:buNone/>
             </a:pPr>
-            <a:endParaRPr lang="en-GB" sz="1000" dirty="0">
-              <a:solidFill>
-                <a:srgbClr val="2196F3"/>
-              </a:solidFill>
-              <a:latin typeface="Segoe UI" panose="020B0502040204020203" pitchFamily="34" charset="0"/>
-              <a:cs typeface="Segoe UI" panose="020B0502040204020203" pitchFamily="34" charset="0"/>
-            </a:endParaRPr>
-          </a:p>
-          <a:p>
-            <a:pPr marL="457200" lvl="1" indent="0">
-              <a:buNone/>
-            </a:pPr>
-            <a:r>
-              <a:rPr lang="en-GB" sz="3600" dirty="0">
-                <a:solidFill>
-                  <a:srgbClr val="2196F3"/>
-                </a:solidFill>
-                <a:latin typeface="Segoe UI" panose="020B0502040204020203" pitchFamily="34" charset="0"/>
-                <a:cs typeface="Segoe UI" panose="020B0502040204020203" pitchFamily="34" charset="0"/>
-              </a:rPr>
-              <a:t>Who uses Web Components?</a:t>
-            </a:r>
-          </a:p>
-          <a:p>
-            <a:pPr marL="457200" lvl="1" indent="0">
-              <a:buNone/>
-            </a:pPr>
             <a:endParaRPr lang="en-GB" sz="1400" dirty="0">
               <a:solidFill>
                 <a:srgbClr val="2196F3"/>
@@ -7919,7 +9126,24 @@
             </a:endParaRPr>
           </a:p>
           <a:p>
-            <a:pPr lvl="1"/>
+            <a:pPr marL="457200" lvl="1" indent="0">
+              <a:buNone/>
+            </a:pPr>
+            <a:r>
+              <a:rPr lang="en-GB" sz="3600" b="1" dirty="0">
+                <a:solidFill>
+                  <a:srgbClr val="2196F3"/>
+                </a:solidFill>
+                <a:latin typeface="Segoe UI" panose="020B0502040204020203" pitchFamily="34" charset="0"/>
+                <a:cs typeface="Segoe UI" panose="020B0502040204020203" pitchFamily="34" charset="0"/>
+              </a:rPr>
+              <a:t>Micro App: </a:t>
+            </a:r>
+          </a:p>
+          <a:p>
+            <a:pPr marL="457200" lvl="1" indent="0">
+              <a:buNone/>
+            </a:pPr>
             <a:r>
               <a:rPr lang="en-GB" sz="3600" dirty="0">
                 <a:solidFill>
@@ -7928,97 +9152,77 @@
                 <a:latin typeface="Segoe UI" panose="020B0502040204020203" pitchFamily="34" charset="0"/>
                 <a:cs typeface="Segoe UI" panose="020B0502040204020203" pitchFamily="34" charset="0"/>
               </a:rPr>
-              <a:t>Google 20,000+.</a:t>
-            </a:r>
-          </a:p>
-          <a:p>
-            <a:pPr lvl="1"/>
-            <a:r>
-              <a:rPr lang="en-GB" sz="3600" dirty="0">
-                <a:solidFill>
-                  <a:srgbClr val="2196F3"/>
-                </a:solidFill>
-                <a:latin typeface="Segoe UI" panose="020B0502040204020203" pitchFamily="34" charset="0"/>
-                <a:cs typeface="Segoe UI" panose="020B0502040204020203" pitchFamily="34" charset="0"/>
-              </a:rPr>
-              <a:t>Google Accelerated Mobile Pages.</a:t>
-            </a:r>
-          </a:p>
-          <a:p>
-            <a:pPr lvl="1"/>
-            <a:r>
-              <a:rPr lang="en-GB" sz="3600" dirty="0">
-                <a:solidFill>
-                  <a:srgbClr val="2196F3"/>
-                </a:solidFill>
-                <a:latin typeface="Segoe UI" panose="020B0502040204020203" pitchFamily="34" charset="0"/>
-                <a:cs typeface="Segoe UI" panose="020B0502040204020203" pitchFamily="34" charset="0"/>
-              </a:rPr>
-              <a:t>Salesforce.</a:t>
-            </a:r>
-          </a:p>
-          <a:p>
-            <a:pPr lvl="1"/>
-            <a:r>
-              <a:rPr lang="en-GB" sz="3600" dirty="0" err="1">
-                <a:solidFill>
-                  <a:srgbClr val="2196F3"/>
-                </a:solidFill>
-                <a:latin typeface="Segoe UI" panose="020B0502040204020203" pitchFamily="34" charset="0"/>
-                <a:cs typeface="Segoe UI" panose="020B0502040204020203" pitchFamily="34" charset="0"/>
-              </a:rPr>
-              <a:t>Onsen</a:t>
-            </a:r>
-            <a:r>
-              <a:rPr lang="en-GB" sz="3600" dirty="0">
-                <a:solidFill>
-                  <a:srgbClr val="2196F3"/>
-                </a:solidFill>
-                <a:latin typeface="Segoe UI" panose="020B0502040204020203" pitchFamily="34" charset="0"/>
-                <a:cs typeface="Segoe UI" panose="020B0502040204020203" pitchFamily="34" charset="0"/>
-              </a:rPr>
-              <a:t> UI library.</a:t>
-            </a:r>
-          </a:p>
-          <a:p>
-            <a:pPr lvl="1"/>
-            <a:r>
-              <a:rPr lang="en-GB" sz="3600" dirty="0">
-                <a:solidFill>
-                  <a:srgbClr val="2196F3"/>
-                </a:solidFill>
-                <a:latin typeface="Segoe UI" panose="020B0502040204020203" pitchFamily="34" charset="0"/>
-                <a:cs typeface="Segoe UI" panose="020B0502040204020203" pitchFamily="34" charset="0"/>
-              </a:rPr>
-              <a:t>Ionic and Ionic/ReactJS/Angular </a:t>
-            </a:r>
-            <a:r>
-              <a:rPr lang="en-GB" sz="2000" dirty="0">
-                <a:solidFill>
-                  <a:srgbClr val="2196F3"/>
-                </a:solidFill>
-                <a:latin typeface="Segoe UI" panose="020B0502040204020203" pitchFamily="34" charset="0"/>
-                <a:cs typeface="Segoe UI" panose="020B0502040204020203" pitchFamily="34" charset="0"/>
-              </a:rPr>
-              <a:t>(Ionic Apps with Capacitor can run on IOS, Android, Web and Electron). </a:t>
-            </a:r>
-            <a:r>
-              <a:rPr lang="en-GB" sz="2000" i="1" dirty="0">
-                <a:solidFill>
-                  <a:srgbClr val="2196F3"/>
-                </a:solidFill>
-                <a:latin typeface="Segoe UI" panose="020B0502040204020203" pitchFamily="34" charset="0"/>
-                <a:cs typeface="Segoe UI" panose="020B0502040204020203" pitchFamily="34" charset="0"/>
-              </a:rPr>
-              <a:t>‘Write once, run anywhere…’</a:t>
-            </a:r>
-            <a:endParaRPr lang="en-GB" sz="3600" i="1" dirty="0">
+              <a:t>A microapp is an interactive software module designed to perform like a full coded application or website. (Wikipedia)</a:t>
+            </a:r>
+          </a:p>
+          <a:p>
+            <a:pPr marL="457200" lvl="1" indent="0">
+              <a:buNone/>
+            </a:pPr>
+            <a:endParaRPr lang="en-GB" sz="1100" dirty="0">
               <a:solidFill>
                 <a:srgbClr val="2196F3"/>
               </a:solidFill>
               <a:latin typeface="Segoe UI" panose="020B0502040204020203" pitchFamily="34" charset="0"/>
               <a:cs typeface="Segoe UI" panose="020B0502040204020203" pitchFamily="34" charset="0"/>
             </a:endParaRPr>
+          </a:p>
+          <a:p>
+            <a:pPr marL="457200" lvl="1" indent="0">
+              <a:buNone/>
+            </a:pPr>
+            <a:r>
+              <a:rPr lang="en-GB" sz="3600" b="1" dirty="0">
+                <a:solidFill>
+                  <a:srgbClr val="2196F3"/>
+                </a:solidFill>
+                <a:latin typeface="Segoe UI" panose="020B0502040204020203" pitchFamily="34" charset="0"/>
+                <a:cs typeface="Segoe UI" panose="020B0502040204020203" pitchFamily="34" charset="0"/>
+              </a:rPr>
+              <a:t>Micro Service:</a:t>
+            </a:r>
+          </a:p>
+          <a:p>
+            <a:pPr marL="457200" lvl="1" indent="0">
+              <a:buNone/>
+            </a:pPr>
+            <a:r>
+              <a:rPr lang="en-GB" sz="3600" dirty="0">
+                <a:solidFill>
+                  <a:srgbClr val="2196F3"/>
+                </a:solidFill>
+                <a:latin typeface="Segoe UI" panose="020B0502040204020203" pitchFamily="34" charset="0"/>
+                <a:cs typeface="Segoe UI" panose="020B0502040204020203" pitchFamily="34" charset="0"/>
+              </a:rPr>
+              <a:t>A self-contained piece of business functionality with clear interfaces - "Do one thing and do it well". (Paraphrased from Wikipedia)</a:t>
+            </a:r>
+          </a:p>
+          <a:p>
+            <a:pPr marL="457200" lvl="1" indent="0">
+              <a:buNone/>
+            </a:pPr>
+            <a:endParaRPr lang="en-GB" sz="3600" dirty="0">
+              <a:solidFill>
+                <a:srgbClr val="2196F3"/>
+              </a:solidFill>
+              <a:latin typeface="Segoe UI" panose="020B0502040204020203" pitchFamily="34" charset="0"/>
+              <a:cs typeface="Segoe UI" panose="020B0502040204020203" pitchFamily="34" charset="0"/>
+            </a:endParaRPr>
+          </a:p>
+          <a:p>
+            <a:pPr marL="457200" lvl="1" indent="0">
+              <a:buNone/>
+            </a:pPr>
+            <a:r>
+              <a:rPr lang="en-GB" sz="5800" dirty="0">
+                <a:solidFill>
+                  <a:srgbClr val="2196F3"/>
+                </a:solidFill>
+                <a:latin typeface="Segoe UI" panose="020B0502040204020203" pitchFamily="34" charset="0"/>
+                <a:cs typeface="Segoe UI" panose="020B0502040204020203" pitchFamily="34" charset="0"/>
+              </a:rPr>
+              <a:t>or…</a:t>
+            </a:r>
           </a:p>
           <a:p>
             <a:pPr marL="457200" lvl="1" indent="0">
@@ -8128,7 +9332,7 @@
                 <a:latin typeface="Segoe UI" panose="020B0502040204020203" pitchFamily="34" charset="0"/>
                 <a:cs typeface="Segoe UI" panose="020B0502040204020203" pitchFamily="34" charset="0"/>
               </a:rPr>
-              <a:t>What is HTML? </a:t>
+              <a:t>Micro Apps/Services</a:t>
             </a:r>
           </a:p>
         </p:txBody>
@@ -8152,7 +9356,7 @@
         <p:spPr>
           <a:xfrm>
             <a:off x="838200" y="1325563"/>
-            <a:ext cx="10515600" cy="5326907"/>
+            <a:ext cx="10515600" cy="4919125"/>
           </a:xfrm>
         </p:spPr>
         <p:txBody>
@@ -8161,6 +9365,499 @@
           </a:bodyPr>
           <a:lstStyle/>
           <a:p>
+            <a:pPr marL="457200" lvl="1" indent="0">
+              <a:buNone/>
+            </a:pPr>
+            <a:endParaRPr lang="en-GB" sz="300" dirty="0">
+              <a:solidFill>
+                <a:srgbClr val="2196F3"/>
+              </a:solidFill>
+              <a:latin typeface="Segoe UI" panose="020B0502040204020203" pitchFamily="34" charset="0"/>
+              <a:cs typeface="Segoe UI" panose="020B0502040204020203" pitchFamily="34" charset="0"/>
+            </a:endParaRPr>
+          </a:p>
+          <a:p>
+            <a:pPr marL="457200" lvl="1" indent="0">
+              <a:buNone/>
+            </a:pPr>
+            <a:endParaRPr lang="en-GB" sz="1400" dirty="0">
+              <a:solidFill>
+                <a:srgbClr val="2196F3"/>
+              </a:solidFill>
+              <a:latin typeface="Segoe UI" panose="020B0502040204020203" pitchFamily="34" charset="0"/>
+              <a:cs typeface="Segoe UI" panose="020B0502040204020203" pitchFamily="34" charset="0"/>
+            </a:endParaRPr>
+          </a:p>
+          <a:p>
+            <a:pPr marL="457200" lvl="1" indent="0">
+              <a:buNone/>
+            </a:pPr>
+            <a:endParaRPr lang="en-GB" sz="1600" dirty="0">
+              <a:solidFill>
+                <a:srgbClr val="2196F3"/>
+              </a:solidFill>
+              <a:latin typeface="Segoe UI" panose="020B0502040204020203" pitchFamily="34" charset="0"/>
+              <a:cs typeface="Segoe UI" panose="020B0502040204020203" pitchFamily="34" charset="0"/>
+            </a:endParaRPr>
+          </a:p>
+          <a:p>
+            <a:pPr marL="457200" lvl="1" indent="0">
+              <a:buNone/>
+            </a:pPr>
+            <a:endParaRPr lang="en-GB" sz="3600" dirty="0">
+              <a:latin typeface="Segoe UI" panose="020B0502040204020203" pitchFamily="34" charset="0"/>
+              <a:cs typeface="Segoe UI" panose="020B0502040204020203" pitchFamily="34" charset="0"/>
+            </a:endParaRPr>
+          </a:p>
+          <a:p>
+            <a:pPr marL="0" indent="0">
+              <a:buNone/>
+            </a:pPr>
+            <a:endParaRPr lang="en-GB" dirty="0">
+              <a:latin typeface="Segoe UI" panose="020B0502040204020203" pitchFamily="34" charset="0"/>
+              <a:cs typeface="Segoe UI" panose="020B0502040204020203" pitchFamily="34" charset="0"/>
+            </a:endParaRPr>
+          </a:p>
+          <a:p>
+            <a:endParaRPr lang="en-GB" dirty="0">
+              <a:latin typeface="Segoe UI" panose="020B0502040204020203" pitchFamily="34" charset="0"/>
+              <a:cs typeface="Segoe UI" panose="020B0502040204020203" pitchFamily="34" charset="0"/>
+            </a:endParaRPr>
+          </a:p>
+        </p:txBody>
+      </p:sp>
+      <p:pic>
+        <p:nvPicPr>
+          <p:cNvPr id="5" name="Picture 4" descr="Graphical user interface, website, PowerPoint&#10;&#10;Description automatically generated">
+            <a:extLst>
+              <a:ext uri="{FF2B5EF4-FFF2-40B4-BE49-F238E27FC236}">
+                <a16:creationId xmlns:a16="http://schemas.microsoft.com/office/drawing/2014/main" id="{E16C6833-4337-4749-A61C-1BAE4E255728}"/>
+              </a:ext>
+            </a:extLst>
+          </p:cNvPr>
+          <p:cNvPicPr>
+            <a:picLocks noChangeAspect="1"/>
+          </p:cNvPicPr>
+          <p:nvPr/>
+        </p:nvPicPr>
+        <p:blipFill>
+          <a:blip r:embed="rId2">
+            <a:extLst>
+              <a:ext uri="{28A0092B-C50C-407E-A947-70E740481C1C}">
+                <a14:useLocalDpi xmlns:a14="http://schemas.microsoft.com/office/drawing/2010/main" val="0"/>
+              </a:ext>
+            </a:extLst>
+          </a:blip>
+          <a:stretch>
+            <a:fillRect/>
+          </a:stretch>
+        </p:blipFill>
+        <p:spPr>
+          <a:xfrm>
+            <a:off x="0" y="0"/>
+            <a:ext cx="12192000" cy="6858000"/>
+          </a:xfrm>
+          <a:prstGeom prst="rect">
+            <a:avLst/>
+          </a:prstGeom>
+        </p:spPr>
+      </p:pic>
+    </p:spTree>
+    <p:extLst>
+      <p:ext uri="{BB962C8B-B14F-4D97-AF65-F5344CB8AC3E}">
+        <p14:creationId xmlns:p14="http://schemas.microsoft.com/office/powerpoint/2010/main" val="3503397134"/>
+      </p:ext>
+    </p:extLst>
+  </p:cSld>
+  <p:clrMapOvr>
+    <a:masterClrMapping/>
+  </p:clrMapOvr>
+</p:sld>
+</file>
+
+<file path=ppt/slides/slide7.xml><?xml version="1.0" encoding="utf-8"?>
+<p:sld xmlns:a="http://schemas.openxmlformats.org/drawingml/2006/main" xmlns:r="http://schemas.openxmlformats.org/officeDocument/2006/relationships" xmlns:p="http://schemas.openxmlformats.org/presentationml/2006/main">
+  <p:cSld>
+    <p:spTree>
+      <p:nvGrpSpPr>
+        <p:cNvPr id="1" name=""/>
+        <p:cNvGrpSpPr/>
+        <p:nvPr/>
+      </p:nvGrpSpPr>
+      <p:grpSpPr>
+        <a:xfrm>
+          <a:off x="0" y="0"/>
+          <a:ext cx="0" cy="0"/>
+          <a:chOff x="0" y="0"/>
+          <a:chExt cx="0" cy="0"/>
+        </a:xfrm>
+      </p:grpSpPr>
+      <p:sp>
+        <p:nvSpPr>
+          <p:cNvPr id="2" name="Title 1">
+            <a:extLst>
+              <a:ext uri="{FF2B5EF4-FFF2-40B4-BE49-F238E27FC236}">
+                <a16:creationId xmlns:a16="http://schemas.microsoft.com/office/drawing/2014/main" id="{5D7568B3-EC9A-45DD-8A17-CFE685194B65}"/>
+              </a:ext>
+            </a:extLst>
+          </p:cNvPr>
+          <p:cNvSpPr>
+            <a:spLocks noGrp="1"/>
+          </p:cNvSpPr>
+          <p:nvPr>
+            <p:ph type="title"/>
+          </p:nvPr>
+        </p:nvSpPr>
+        <p:spPr>
+          <a:xfrm>
+            <a:off x="838200" y="0"/>
+            <a:ext cx="10515600" cy="1325563"/>
+          </a:xfrm>
+          <a:solidFill>
+            <a:srgbClr val="2196F3"/>
+          </a:solidFill>
+        </p:spPr>
+        <p:txBody>
+          <a:bodyPr>
+            <a:normAutofit/>
+          </a:bodyPr>
+          <a:lstStyle/>
+          <a:p>
+            <a:pPr algn="ctr"/>
+            <a:r>
+              <a:rPr lang="en-GB" sz="6600" dirty="0">
+                <a:solidFill>
+                  <a:schemeClr val="bg1"/>
+                </a:solidFill>
+                <a:latin typeface="Segoe UI" panose="020B0502040204020203" pitchFamily="34" charset="0"/>
+                <a:cs typeface="Segoe UI" panose="020B0502040204020203" pitchFamily="34" charset="0"/>
+              </a:rPr>
+              <a:t>Web Components</a:t>
+            </a:r>
+          </a:p>
+        </p:txBody>
+      </p:sp>
+      <p:sp>
+        <p:nvSpPr>
+          <p:cNvPr id="4" name="Content Placeholder 2">
+            <a:extLst>
+              <a:ext uri="{FF2B5EF4-FFF2-40B4-BE49-F238E27FC236}">
+                <a16:creationId xmlns:a16="http://schemas.microsoft.com/office/drawing/2014/main" id="{088CCB65-11B4-408B-9ED3-1304FE85032F}"/>
+              </a:ext>
+            </a:extLst>
+          </p:cNvPr>
+          <p:cNvSpPr>
+            <a:spLocks noGrp="1"/>
+          </p:cNvSpPr>
+          <p:nvPr>
+            <p:ph idx="1"/>
+          </p:nvPr>
+        </p:nvSpPr>
+        <p:spPr>
+          <a:xfrm>
+            <a:off x="838200" y="1325563"/>
+            <a:ext cx="10515600" cy="4919125"/>
+          </a:xfrm>
+        </p:spPr>
+        <p:txBody>
+          <a:bodyPr wrap="square" bIns="252000">
+            <a:normAutofit/>
+          </a:bodyPr>
+          <a:lstStyle/>
+          <a:p>
+            <a:pPr marL="457200" lvl="1" indent="0">
+              <a:buNone/>
+            </a:pPr>
+            <a:endParaRPr lang="en-GB" sz="300" dirty="0">
+              <a:solidFill>
+                <a:srgbClr val="2196F3"/>
+              </a:solidFill>
+              <a:latin typeface="Segoe UI" panose="020B0502040204020203" pitchFamily="34" charset="0"/>
+              <a:cs typeface="Segoe UI" panose="020B0502040204020203" pitchFamily="34" charset="0"/>
+            </a:endParaRPr>
+          </a:p>
+          <a:p>
+            <a:pPr marL="457200" lvl="1" indent="0">
+              <a:buNone/>
+            </a:pPr>
+            <a:endParaRPr lang="en-GB" sz="1000" dirty="0">
+              <a:solidFill>
+                <a:srgbClr val="2196F3"/>
+              </a:solidFill>
+              <a:latin typeface="Segoe UI" panose="020B0502040204020203" pitchFamily="34" charset="0"/>
+              <a:cs typeface="Segoe UI" panose="020B0502040204020203" pitchFamily="34" charset="0"/>
+            </a:endParaRPr>
+          </a:p>
+          <a:p>
+            <a:pPr marL="457200" lvl="1" indent="0">
+              <a:buNone/>
+            </a:pPr>
+            <a:r>
+              <a:rPr lang="en-GB" sz="3600" dirty="0">
+                <a:solidFill>
+                  <a:srgbClr val="2196F3"/>
+                </a:solidFill>
+                <a:latin typeface="Segoe UI" panose="020B0502040204020203" pitchFamily="34" charset="0"/>
+                <a:cs typeface="Segoe UI" panose="020B0502040204020203" pitchFamily="34" charset="0"/>
+              </a:rPr>
+              <a:t>Who uses Web Components?</a:t>
+            </a:r>
+          </a:p>
+          <a:p>
+            <a:pPr marL="457200" lvl="1" indent="0">
+              <a:buNone/>
+            </a:pPr>
+            <a:endParaRPr lang="en-GB" sz="1400" dirty="0">
+              <a:solidFill>
+                <a:srgbClr val="2196F3"/>
+              </a:solidFill>
+              <a:latin typeface="Segoe UI" panose="020B0502040204020203" pitchFamily="34" charset="0"/>
+              <a:cs typeface="Segoe UI" panose="020B0502040204020203" pitchFamily="34" charset="0"/>
+            </a:endParaRPr>
+          </a:p>
+          <a:p>
+            <a:pPr lvl="1"/>
+            <a:r>
+              <a:rPr lang="en-GB" sz="3600" dirty="0">
+                <a:solidFill>
+                  <a:srgbClr val="2196F3"/>
+                </a:solidFill>
+                <a:latin typeface="Segoe UI" panose="020B0502040204020203" pitchFamily="34" charset="0"/>
+                <a:cs typeface="Segoe UI" panose="020B0502040204020203" pitchFamily="34" charset="0"/>
+              </a:rPr>
+              <a:t>Google 20,000+.</a:t>
+            </a:r>
+          </a:p>
+          <a:p>
+            <a:pPr lvl="1"/>
+            <a:r>
+              <a:rPr lang="en-GB" sz="3600" dirty="0">
+                <a:solidFill>
+                  <a:srgbClr val="2196F3"/>
+                </a:solidFill>
+                <a:latin typeface="Segoe UI" panose="020B0502040204020203" pitchFamily="34" charset="0"/>
+                <a:cs typeface="Segoe UI" panose="020B0502040204020203" pitchFamily="34" charset="0"/>
+              </a:rPr>
+              <a:t>Google Accelerated Mobile Pages.</a:t>
+            </a:r>
+          </a:p>
+          <a:p>
+            <a:pPr lvl="1"/>
+            <a:r>
+              <a:rPr lang="en-GB" sz="3600" dirty="0">
+                <a:solidFill>
+                  <a:srgbClr val="2196F3"/>
+                </a:solidFill>
+                <a:latin typeface="Segoe UI" panose="020B0502040204020203" pitchFamily="34" charset="0"/>
+                <a:cs typeface="Segoe UI" panose="020B0502040204020203" pitchFamily="34" charset="0"/>
+              </a:rPr>
+              <a:t>Salesforce.</a:t>
+            </a:r>
+          </a:p>
+          <a:p>
+            <a:pPr lvl="1"/>
+            <a:r>
+              <a:rPr lang="en-GB" sz="3600" dirty="0" err="1">
+                <a:solidFill>
+                  <a:srgbClr val="2196F3"/>
+                </a:solidFill>
+                <a:latin typeface="Segoe UI" panose="020B0502040204020203" pitchFamily="34" charset="0"/>
+                <a:cs typeface="Segoe UI" panose="020B0502040204020203" pitchFamily="34" charset="0"/>
+              </a:rPr>
+              <a:t>Onsen</a:t>
+            </a:r>
+            <a:r>
+              <a:rPr lang="en-GB" sz="3600" dirty="0">
+                <a:solidFill>
+                  <a:srgbClr val="2196F3"/>
+                </a:solidFill>
+                <a:latin typeface="Segoe UI" panose="020B0502040204020203" pitchFamily="34" charset="0"/>
+                <a:cs typeface="Segoe UI" panose="020B0502040204020203" pitchFamily="34" charset="0"/>
+              </a:rPr>
+              <a:t> UI library.</a:t>
+            </a:r>
+          </a:p>
+          <a:p>
+            <a:pPr lvl="1"/>
+            <a:r>
+              <a:rPr lang="en-GB" sz="3600" dirty="0">
+                <a:solidFill>
+                  <a:srgbClr val="2196F3"/>
+                </a:solidFill>
+                <a:latin typeface="Segoe UI" panose="020B0502040204020203" pitchFamily="34" charset="0"/>
+                <a:cs typeface="Segoe UI" panose="020B0502040204020203" pitchFamily="34" charset="0"/>
+              </a:rPr>
+              <a:t>Ionic and Ionic/ReactJS/Angular </a:t>
+            </a:r>
+            <a:r>
+              <a:rPr lang="en-GB" sz="2000" dirty="0">
+                <a:solidFill>
+                  <a:srgbClr val="2196F3"/>
+                </a:solidFill>
+                <a:latin typeface="Segoe UI" panose="020B0502040204020203" pitchFamily="34" charset="0"/>
+                <a:cs typeface="Segoe UI" panose="020B0502040204020203" pitchFamily="34" charset="0"/>
+              </a:rPr>
+              <a:t>(Ionic Apps with Capacitor can run on IOS, Android, Web and Electron). </a:t>
+            </a:r>
+            <a:r>
+              <a:rPr lang="en-GB" sz="2000" i="1" dirty="0">
+                <a:solidFill>
+                  <a:srgbClr val="2196F3"/>
+                </a:solidFill>
+                <a:latin typeface="Segoe UI" panose="020B0502040204020203" pitchFamily="34" charset="0"/>
+                <a:cs typeface="Segoe UI" panose="020B0502040204020203" pitchFamily="34" charset="0"/>
+              </a:rPr>
+              <a:t>‘Write once, run anywhere…’</a:t>
+            </a:r>
+            <a:endParaRPr lang="en-GB" sz="3600" i="1" dirty="0">
+              <a:solidFill>
+                <a:srgbClr val="2196F3"/>
+              </a:solidFill>
+              <a:latin typeface="Segoe UI" panose="020B0502040204020203" pitchFamily="34" charset="0"/>
+              <a:cs typeface="Segoe UI" panose="020B0502040204020203" pitchFamily="34" charset="0"/>
+            </a:endParaRPr>
+          </a:p>
+          <a:p>
+            <a:pPr marL="457200" lvl="1" indent="0">
+              <a:buNone/>
+            </a:pPr>
+            <a:endParaRPr lang="en-GB" sz="1600" dirty="0">
+              <a:solidFill>
+                <a:srgbClr val="2196F3"/>
+              </a:solidFill>
+              <a:latin typeface="Segoe UI" panose="020B0502040204020203" pitchFamily="34" charset="0"/>
+              <a:cs typeface="Segoe UI" panose="020B0502040204020203" pitchFamily="34" charset="0"/>
+            </a:endParaRPr>
+          </a:p>
+          <a:p>
+            <a:pPr marL="457200" lvl="1" indent="0">
+              <a:buNone/>
+            </a:pPr>
+            <a:endParaRPr lang="en-GB" sz="3600" dirty="0">
+              <a:latin typeface="Segoe UI" panose="020B0502040204020203" pitchFamily="34" charset="0"/>
+              <a:cs typeface="Segoe UI" panose="020B0502040204020203" pitchFamily="34" charset="0"/>
+            </a:endParaRPr>
+          </a:p>
+          <a:p>
+            <a:pPr marL="0" indent="0">
+              <a:buNone/>
+            </a:pPr>
+            <a:endParaRPr lang="en-GB" dirty="0">
+              <a:latin typeface="Segoe UI" panose="020B0502040204020203" pitchFamily="34" charset="0"/>
+              <a:cs typeface="Segoe UI" panose="020B0502040204020203" pitchFamily="34" charset="0"/>
+            </a:endParaRPr>
+          </a:p>
+          <a:p>
+            <a:endParaRPr lang="en-GB" dirty="0">
+              <a:latin typeface="Segoe UI" panose="020B0502040204020203" pitchFamily="34" charset="0"/>
+              <a:cs typeface="Segoe UI" panose="020B0502040204020203" pitchFamily="34" charset="0"/>
+            </a:endParaRPr>
+          </a:p>
+        </p:txBody>
+      </p:sp>
+    </p:spTree>
+    <p:extLst>
+      <p:ext uri="{BB962C8B-B14F-4D97-AF65-F5344CB8AC3E}">
+        <p14:creationId xmlns:p14="http://schemas.microsoft.com/office/powerpoint/2010/main" val="1171458869"/>
+      </p:ext>
+    </p:extLst>
+  </p:cSld>
+  <p:clrMapOvr>
+    <a:masterClrMapping/>
+  </p:clrMapOvr>
+</p:sld>
+</file>
+
+<file path=ppt/slides/slide8.xml><?xml version="1.0" encoding="utf-8"?>
+<p:sld xmlns:a="http://schemas.openxmlformats.org/drawingml/2006/main" xmlns:r="http://schemas.openxmlformats.org/officeDocument/2006/relationships" xmlns:p="http://schemas.openxmlformats.org/presentationml/2006/main">
+  <p:cSld>
+    <p:spTree>
+      <p:nvGrpSpPr>
+        <p:cNvPr id="1" name=""/>
+        <p:cNvGrpSpPr/>
+        <p:nvPr/>
+      </p:nvGrpSpPr>
+      <p:grpSpPr>
+        <a:xfrm>
+          <a:off x="0" y="0"/>
+          <a:ext cx="0" cy="0"/>
+          <a:chOff x="0" y="0"/>
+          <a:chExt cx="0" cy="0"/>
+        </a:xfrm>
+      </p:grpSpPr>
+      <p:sp>
+        <p:nvSpPr>
+          <p:cNvPr id="2" name="Title 1">
+            <a:extLst>
+              <a:ext uri="{FF2B5EF4-FFF2-40B4-BE49-F238E27FC236}">
+                <a16:creationId xmlns:a16="http://schemas.microsoft.com/office/drawing/2014/main" id="{5D7568B3-EC9A-45DD-8A17-CFE685194B65}"/>
+              </a:ext>
+            </a:extLst>
+          </p:cNvPr>
+          <p:cNvSpPr>
+            <a:spLocks noGrp="1"/>
+          </p:cNvSpPr>
+          <p:nvPr>
+            <p:ph type="title"/>
+          </p:nvPr>
+        </p:nvSpPr>
+        <p:spPr>
+          <a:xfrm>
+            <a:off x="838200" y="0"/>
+            <a:ext cx="10515600" cy="1325563"/>
+          </a:xfrm>
+          <a:solidFill>
+            <a:srgbClr val="2196F3"/>
+          </a:solidFill>
+        </p:spPr>
+        <p:txBody>
+          <a:bodyPr>
+            <a:normAutofit/>
+          </a:bodyPr>
+          <a:lstStyle/>
+          <a:p>
+            <a:pPr algn="ctr"/>
+            <a:r>
+              <a:rPr lang="en-GB" sz="6600" dirty="0">
+                <a:solidFill>
+                  <a:schemeClr val="bg1"/>
+                </a:solidFill>
+                <a:latin typeface="Segoe UI" panose="020B0502040204020203" pitchFamily="34" charset="0"/>
+                <a:cs typeface="Segoe UI" panose="020B0502040204020203" pitchFamily="34" charset="0"/>
+              </a:rPr>
+              <a:t>What is HTML? </a:t>
+            </a:r>
+          </a:p>
+        </p:txBody>
+      </p:sp>
+      <p:sp>
+        <p:nvSpPr>
+          <p:cNvPr id="4" name="Content Placeholder 2">
+            <a:extLst>
+              <a:ext uri="{FF2B5EF4-FFF2-40B4-BE49-F238E27FC236}">
+                <a16:creationId xmlns:a16="http://schemas.microsoft.com/office/drawing/2014/main" id="{088CCB65-11B4-408B-9ED3-1304FE85032F}"/>
+              </a:ext>
+            </a:extLst>
+          </p:cNvPr>
+          <p:cNvSpPr>
+            <a:spLocks noGrp="1"/>
+          </p:cNvSpPr>
+          <p:nvPr>
+            <p:ph idx="1"/>
+          </p:nvPr>
+        </p:nvSpPr>
+        <p:spPr>
+          <a:xfrm>
+            <a:off x="838200" y="1325563"/>
+            <a:ext cx="10515600" cy="5326907"/>
+          </a:xfrm>
+        </p:spPr>
+        <p:txBody>
+          <a:bodyPr wrap="square" bIns="252000">
+            <a:normAutofit/>
+          </a:bodyPr>
+          <a:lstStyle/>
+          <a:p>
             <a:pPr marL="0" indent="0" algn="ctr">
               <a:buNone/>
             </a:pPr>
@@ -8235,7 +9932,7 @@
                 <a:latin typeface="Segoe UI" panose="020B0502040204020203" pitchFamily="34" charset="0"/>
                 <a:cs typeface="Segoe UI" panose="020B0502040204020203" pitchFamily="34" charset="0"/>
               </a:rPr>
-              <a:t>							slot </a:t>
+              <a:t>			        built-in click method 		slot </a:t>
             </a:r>
             <a:r>
               <a:rPr lang="en-GB" sz="2000" dirty="0" err="1">
@@ -8249,14 +9946,7 @@
                 <a:latin typeface="Segoe UI" panose="020B0502040204020203" pitchFamily="34" charset="0"/>
                 <a:cs typeface="Segoe UI" panose="020B0502040204020203" pitchFamily="34" charset="0"/>
               </a:rPr>
-              <a:t> &amp; in built click method										</a:t>
-            </a:r>
-            <a:r>
-              <a:rPr lang="en-GB" sz="2000">
-                <a:latin typeface="Segoe UI" panose="020B0502040204020203" pitchFamily="34" charset="0"/>
-                <a:cs typeface="Segoe UI" panose="020B0502040204020203" pitchFamily="34" charset="0"/>
-              </a:rPr>
-              <a:t>	</a:t>
+              <a:t> 											</a:t>
             </a:r>
           </a:p>
           <a:p>
@@ -8264,18 +9954,11 @@
               <a:buNone/>
             </a:pPr>
             <a:r>
-              <a:rPr lang="en-GB" sz="2000">
-                <a:latin typeface="Segoe UI" panose="020B0502040204020203" pitchFamily="34" charset="0"/>
-                <a:cs typeface="Segoe UI" panose="020B0502040204020203" pitchFamily="34" charset="0"/>
-              </a:rPr>
-              <a:t>MY </a:t>
-            </a:r>
-            <a:r>
               <a:rPr lang="en-GB" sz="2000" dirty="0">
                 <a:latin typeface="Segoe UI" panose="020B0502040204020203" pitchFamily="34" charset="0"/>
                 <a:cs typeface="Segoe UI" panose="020B0502040204020203" pitchFamily="34" charset="0"/>
               </a:rPr>
-              <a:t>FRAME:						</a:t>
+              <a:t>MY FRAME:						</a:t>
             </a:r>
           </a:p>
           <a:p>
@@ -8284,9 +9967,6 @@
             </a:pPr>
             <a:r>
               <a:rPr lang="en-GB" sz="2000" i="1" dirty="0">
-                <a:solidFill>
-                  <a:srgbClr val="2196F3"/>
-                </a:solidFill>
                 <a:latin typeface="Segoe UI" panose="020B0502040204020203" pitchFamily="34" charset="0"/>
                 <a:cs typeface="Segoe UI" panose="020B0502040204020203" pitchFamily="34" charset="0"/>
               </a:rPr>
@@ -8294,9 +9974,6 @@
             </a:r>
             <a:r>
               <a:rPr lang="en-GB" sz="2000" i="1" dirty="0" err="1">
-                <a:solidFill>
-                  <a:srgbClr val="2196F3"/>
-                </a:solidFill>
                 <a:latin typeface="Segoe UI" panose="020B0502040204020203" pitchFamily="34" charset="0"/>
                 <a:cs typeface="Segoe UI" panose="020B0502040204020203" pitchFamily="34" charset="0"/>
               </a:rPr>
@@ -8304,9 +9981,6 @@
             </a:r>
             <a:r>
               <a:rPr lang="en-GB" sz="2000" i="1" dirty="0">
-                <a:solidFill>
-                  <a:srgbClr val="2196F3"/>
-                </a:solidFill>
                 <a:latin typeface="Segoe UI" panose="020B0502040204020203" pitchFamily="34" charset="0"/>
                 <a:cs typeface="Segoe UI" panose="020B0502040204020203" pitchFamily="34" charset="0"/>
               </a:rPr>
@@ -8319,9 +9993,6 @@
             </a:pPr>
             <a:r>
               <a:rPr lang="en-GB" sz="2000" i="1" dirty="0">
-                <a:solidFill>
-                  <a:srgbClr val="2196F3"/>
-                </a:solidFill>
                 <a:latin typeface="Segoe UI" panose="020B0502040204020203" pitchFamily="34" charset="0"/>
                 <a:cs typeface="Segoe UI" panose="020B0502040204020203" pitchFamily="34" charset="0"/>
               </a:rPr>
@@ -8329,9 +10000,6 @@
             </a:r>
             <a:r>
               <a:rPr lang="en-GB" sz="2000" i="1" dirty="0" err="1">
-                <a:solidFill>
-                  <a:srgbClr val="2196F3"/>
-                </a:solidFill>
                 <a:latin typeface="Segoe UI" panose="020B0502040204020203" pitchFamily="34" charset="0"/>
                 <a:cs typeface="Segoe UI" panose="020B0502040204020203" pitchFamily="34" charset="0"/>
               </a:rPr>
@@ -8339,9 +10007,6 @@
             </a:r>
             <a:r>
               <a:rPr lang="en-GB" sz="2000" i="1" dirty="0">
-                <a:solidFill>
-                  <a:srgbClr val="2196F3"/>
-                </a:solidFill>
                 <a:latin typeface="Segoe UI" panose="020B0502040204020203" pitchFamily="34" charset="0"/>
                 <a:cs typeface="Segoe UI" panose="020B0502040204020203" pitchFamily="34" charset="0"/>
               </a:rPr>
@@ -8349,18 +10014,12 @@
             </a:r>
             <a:r>
               <a:rPr lang="en-GB" sz="2000" i="1" dirty="0" err="1">
-                <a:solidFill>
-                  <a:srgbClr val="00B0F0"/>
-                </a:solidFill>
                 <a:latin typeface="Segoe UI" panose="020B0502040204020203" pitchFamily="34" charset="0"/>
                 <a:cs typeface="Segoe UI" panose="020B0502040204020203" pitchFamily="34" charset="0"/>
               </a:rPr>
               <a:t>HTMLAnchorElement</a:t>
             </a:r>
             <a:endParaRPr lang="en-GB" sz="2000" i="1" dirty="0">
-              <a:solidFill>
-                <a:srgbClr val="00B0F0"/>
-              </a:solidFill>
               <a:latin typeface="Segoe UI" panose="020B0502040204020203" pitchFamily="34" charset="0"/>
               <a:cs typeface="Segoe UI" panose="020B0502040204020203" pitchFamily="34" charset="0"/>
             </a:endParaRPr>
@@ -8370,9 +10029,6 @@
               <a:buNone/>
             </a:pPr>
             <a:endParaRPr lang="en-GB" sz="2000" i="1" dirty="0">
-              <a:solidFill>
-                <a:srgbClr val="00B0F0"/>
-              </a:solidFill>
               <a:latin typeface="Segoe UI" panose="020B0502040204020203" pitchFamily="34" charset="0"/>
               <a:cs typeface="Segoe UI" panose="020B0502040204020203" pitchFamily="34" charset="0"/>
             </a:endParaRPr>
@@ -8383,9 +10039,6 @@
             </a:pPr>
             <a:r>
               <a:rPr lang="en-GB" sz="2000" i="1" dirty="0">
-                <a:solidFill>
-                  <a:srgbClr val="00B0F0"/>
-                </a:solidFill>
                 <a:latin typeface="Segoe UI" panose="020B0502040204020203" pitchFamily="34" charset="0"/>
                 <a:cs typeface="Segoe UI" panose="020B0502040204020203" pitchFamily="34" charset="0"/>
               </a:rPr>
@@ -8398,9 +10051,6 @@
             </a:pPr>
             <a:r>
               <a:rPr lang="en-GB" sz="2000" i="1" dirty="0">
-                <a:solidFill>
-                  <a:srgbClr val="2196F3"/>
-                </a:solidFill>
                 <a:latin typeface="Segoe UI" panose="020B0502040204020203" pitchFamily="34" charset="0"/>
                 <a:cs typeface="Segoe UI" panose="020B0502040204020203" pitchFamily="34" charset="0"/>
               </a:rPr>
@@ -8408,9 +10058,6 @@
             </a:r>
             <a:r>
               <a:rPr lang="en-GB" sz="2000" i="1" dirty="0" err="1">
-                <a:solidFill>
-                  <a:srgbClr val="2196F3"/>
-                </a:solidFill>
                 <a:latin typeface="Segoe UI" panose="020B0502040204020203" pitchFamily="34" charset="0"/>
                 <a:cs typeface="Segoe UI" panose="020B0502040204020203" pitchFamily="34" charset="0"/>
               </a:rPr>
@@ -8418,9 +10065,6 @@
             </a:r>
             <a:r>
               <a:rPr lang="en-GB" sz="2000" i="1" dirty="0">
-                <a:solidFill>
-                  <a:srgbClr val="2196F3"/>
-                </a:solidFill>
                 <a:latin typeface="Segoe UI" panose="020B0502040204020203" pitchFamily="34" charset="0"/>
                 <a:cs typeface="Segoe UI" panose="020B0502040204020203" pitchFamily="34" charset="0"/>
               </a:rPr>
@@ -8432,9 +10076,6 @@
               <a:buNone/>
             </a:pPr>
             <a:endParaRPr lang="en-GB" sz="2000" dirty="0">
-              <a:solidFill>
-                <a:srgbClr val="2196F3"/>
-              </a:solidFill>
               <a:latin typeface="Segoe UI" panose="020B0502040204020203" pitchFamily="34" charset="0"/>
               <a:cs typeface="Segoe UI" panose="020B0502040204020203" pitchFamily="34" charset="0"/>
             </a:endParaRPr>
@@ -8470,7 +10111,7 @@
         <p:spPr>
           <a:xfrm flipH="1" flipV="1">
             <a:off x="2550253" y="2085906"/>
-            <a:ext cx="335560" cy="506292"/>
+            <a:ext cx="402672" cy="237844"/>
           </a:xfrm>
           <a:prstGeom prst="straightConnector1">
             <a:avLst/>
@@ -8510,8 +10151,8 @@
         </p:nvCxnSpPr>
         <p:spPr>
           <a:xfrm flipV="1">
-            <a:off x="3632719" y="2085907"/>
-            <a:ext cx="650352" cy="506291"/>
+            <a:off x="3641108" y="2085908"/>
+            <a:ext cx="641963" cy="237842"/>
           </a:xfrm>
           <a:prstGeom prst="straightConnector1">
             <a:avLst/>
@@ -8589,723 +10230,6 @@
 </p:sld>
 </file>
 
-<file path=ppt/slides/slide7.xml><?xml version="1.0" encoding="utf-8"?>
-<p:sld xmlns:a="http://schemas.openxmlformats.org/drawingml/2006/main" xmlns:r="http://schemas.openxmlformats.org/officeDocument/2006/relationships" xmlns:p="http://schemas.openxmlformats.org/presentationml/2006/main">
-  <p:cSld>
-    <p:spTree>
-      <p:nvGrpSpPr>
-        <p:cNvPr id="1" name=""/>
-        <p:cNvGrpSpPr/>
-        <p:nvPr/>
-      </p:nvGrpSpPr>
-      <p:grpSpPr>
-        <a:xfrm>
-          <a:off x="0" y="0"/>
-          <a:ext cx="0" cy="0"/>
-          <a:chOff x="0" y="0"/>
-          <a:chExt cx="0" cy="0"/>
-        </a:xfrm>
-      </p:grpSpPr>
-      <p:sp>
-        <p:nvSpPr>
-          <p:cNvPr id="2" name="Title 1">
-            <a:extLst>
-              <a:ext uri="{FF2B5EF4-FFF2-40B4-BE49-F238E27FC236}">
-                <a16:creationId xmlns:a16="http://schemas.microsoft.com/office/drawing/2014/main" id="{5D7568B3-EC9A-45DD-8A17-CFE685194B65}"/>
-              </a:ext>
-            </a:extLst>
-          </p:cNvPr>
-          <p:cNvSpPr>
-            <a:spLocks noGrp="1"/>
-          </p:cNvSpPr>
-          <p:nvPr>
-            <p:ph type="title"/>
-          </p:nvPr>
-        </p:nvSpPr>
-        <p:spPr>
-          <a:xfrm>
-            <a:off x="838200" y="0"/>
-            <a:ext cx="10515600" cy="1325563"/>
-          </a:xfrm>
-          <a:solidFill>
-            <a:srgbClr val="2196F3"/>
-          </a:solidFill>
-        </p:spPr>
-        <p:txBody>
-          <a:bodyPr>
-            <a:normAutofit/>
-          </a:bodyPr>
-          <a:lstStyle/>
-          <a:p>
-            <a:pPr algn="ctr"/>
-            <a:r>
-              <a:rPr lang="en-GB" sz="6600" dirty="0">
-                <a:solidFill>
-                  <a:schemeClr val="bg1"/>
-                </a:solidFill>
-                <a:latin typeface="Segoe UI" panose="020B0502040204020203" pitchFamily="34" charset="0"/>
-                <a:cs typeface="Segoe UI" panose="020B0502040204020203" pitchFamily="34" charset="0"/>
-              </a:rPr>
-              <a:t>What is a Web Component? </a:t>
-            </a:r>
-          </a:p>
-        </p:txBody>
-      </p:sp>
-      <p:sp>
-        <p:nvSpPr>
-          <p:cNvPr id="4" name="Content Placeholder 2">
-            <a:extLst>
-              <a:ext uri="{FF2B5EF4-FFF2-40B4-BE49-F238E27FC236}">
-                <a16:creationId xmlns:a16="http://schemas.microsoft.com/office/drawing/2014/main" id="{088CCB65-11B4-408B-9ED3-1304FE85032F}"/>
-              </a:ext>
-            </a:extLst>
-          </p:cNvPr>
-          <p:cNvSpPr>
-            <a:spLocks noGrp="1"/>
-          </p:cNvSpPr>
-          <p:nvPr>
-            <p:ph idx="1"/>
-          </p:nvPr>
-        </p:nvSpPr>
-        <p:spPr>
-          <a:xfrm>
-            <a:off x="838200" y="1325563"/>
-            <a:ext cx="10515600" cy="5326907"/>
-          </a:xfrm>
-        </p:spPr>
-        <p:txBody>
-          <a:bodyPr wrap="square" bIns="252000">
-            <a:normAutofit fontScale="77500" lnSpcReduction="20000"/>
-          </a:bodyPr>
-          <a:lstStyle/>
-          <a:p>
-            <a:pPr marL="0" indent="0">
-              <a:buNone/>
-            </a:pPr>
-            <a:endParaRPr lang="en-GB" sz="900" dirty="0">
-              <a:latin typeface="Segoe UI" panose="020B0502040204020203" pitchFamily="34" charset="0"/>
-              <a:cs typeface="Segoe UI" panose="020B0502040204020203" pitchFamily="34" charset="0"/>
-            </a:endParaRPr>
-          </a:p>
-          <a:p>
-            <a:pPr marL="457200" lvl="1" indent="0">
-              <a:buNone/>
-            </a:pPr>
-            <a:endParaRPr lang="en-GB" sz="400" dirty="0">
-              <a:solidFill>
-                <a:srgbClr val="2196F3"/>
-              </a:solidFill>
-              <a:latin typeface="Segoe UI" panose="020B0502040204020203" pitchFamily="34" charset="0"/>
-              <a:cs typeface="Segoe UI" panose="020B0502040204020203" pitchFamily="34" charset="0"/>
-            </a:endParaRPr>
-          </a:p>
-          <a:p>
-            <a:pPr marL="457200" lvl="1" indent="0" algn="ctr">
-              <a:buNone/>
-            </a:pPr>
-            <a:r>
-              <a:rPr lang="en-GB" sz="4300" dirty="0">
-                <a:solidFill>
-                  <a:srgbClr val="2196F3"/>
-                </a:solidFill>
-                <a:latin typeface="Segoe UI" panose="020B0502040204020203" pitchFamily="34" charset="0"/>
-                <a:cs typeface="Segoe UI" panose="020B0502040204020203" pitchFamily="34" charset="0"/>
-              </a:rPr>
-              <a:t>&lt;my-component&gt;&lt;/my-component&gt;</a:t>
-            </a:r>
-          </a:p>
-          <a:p>
-            <a:pPr marL="457200" lvl="1" indent="0" algn="ctr">
-              <a:buNone/>
-            </a:pPr>
-            <a:r>
-              <a:rPr lang="en-GB" sz="4300" dirty="0">
-                <a:solidFill>
-                  <a:srgbClr val="2196F3"/>
-                </a:solidFill>
-                <a:latin typeface="Segoe UI" panose="020B0502040204020203" pitchFamily="34" charset="0"/>
-                <a:cs typeface="Segoe UI" panose="020B0502040204020203" pitchFamily="34" charset="0"/>
-              </a:rPr>
-              <a:t>&lt;script src=“file.js”&gt;&lt;/script&gt;</a:t>
-            </a:r>
-          </a:p>
-          <a:p>
-            <a:pPr marL="457200" lvl="1" indent="0" algn="ctr">
-              <a:buNone/>
-            </a:pPr>
-            <a:endParaRPr lang="en-GB" sz="1100" dirty="0">
-              <a:solidFill>
-                <a:srgbClr val="2196F3"/>
-              </a:solidFill>
-              <a:latin typeface="Segoe UI" panose="020B0502040204020203" pitchFamily="34" charset="0"/>
-              <a:cs typeface="Segoe UI" panose="020B0502040204020203" pitchFamily="34" charset="0"/>
-            </a:endParaRPr>
-          </a:p>
-          <a:p>
-            <a:pPr lvl="1">
-              <a:lnSpc>
-                <a:spcPts val="3600"/>
-              </a:lnSpc>
-            </a:pPr>
-            <a:r>
-              <a:rPr lang="en-GB" sz="3600" dirty="0">
-                <a:solidFill>
-                  <a:srgbClr val="2196F3"/>
-                </a:solidFill>
-                <a:latin typeface="Segoe UI" panose="020B0502040204020203" pitchFamily="34" charset="0"/>
-                <a:cs typeface="Segoe UI" panose="020B0502040204020203" pitchFamily="34" charset="0"/>
-              </a:rPr>
-              <a:t>Must contain at least one hyphen.</a:t>
-            </a:r>
-          </a:p>
-          <a:p>
-            <a:pPr lvl="1">
-              <a:lnSpc>
-                <a:spcPts val="3600"/>
-              </a:lnSpc>
-            </a:pPr>
-            <a:r>
-              <a:rPr lang="en-GB" sz="3600" dirty="0">
-                <a:solidFill>
-                  <a:srgbClr val="2196F3"/>
-                </a:solidFill>
-                <a:latin typeface="Segoe UI" panose="020B0502040204020203" pitchFamily="34" charset="0"/>
-                <a:cs typeface="Segoe UI" panose="020B0502040204020203" pitchFamily="34" charset="0"/>
-              </a:rPr>
-              <a:t>Use just like any HTML tag.</a:t>
-            </a:r>
-            <a:endParaRPr lang="en-GB" sz="1200" dirty="0">
-              <a:solidFill>
-                <a:srgbClr val="2196F3"/>
-              </a:solidFill>
-              <a:latin typeface="Segoe UI" panose="020B0502040204020203" pitchFamily="34" charset="0"/>
-              <a:cs typeface="Segoe UI" panose="020B0502040204020203" pitchFamily="34" charset="0"/>
-            </a:endParaRPr>
-          </a:p>
-          <a:p>
-            <a:pPr lvl="1">
-              <a:lnSpc>
-                <a:spcPts val="3600"/>
-              </a:lnSpc>
-            </a:pPr>
-            <a:r>
-              <a:rPr lang="en-GB" sz="3600" dirty="0">
-                <a:solidFill>
-                  <a:srgbClr val="2196F3"/>
-                </a:solidFill>
-                <a:latin typeface="Segoe UI" panose="020B0502040204020203" pitchFamily="34" charset="0"/>
-                <a:cs typeface="Segoe UI" panose="020B0502040204020203" pitchFamily="34" charset="0"/>
-              </a:rPr>
-              <a:t>They extend HTMLElement class.</a:t>
-            </a:r>
-          </a:p>
-          <a:p>
-            <a:pPr lvl="1">
-              <a:lnSpc>
-                <a:spcPts val="3600"/>
-              </a:lnSpc>
-            </a:pPr>
-            <a:r>
-              <a:rPr lang="en-GB" sz="3600" dirty="0">
-                <a:solidFill>
-                  <a:srgbClr val="2196F3"/>
-                </a:solidFill>
-                <a:latin typeface="Segoe UI" panose="020B0502040204020203" pitchFamily="34" charset="0"/>
-                <a:cs typeface="Segoe UI" panose="020B0502040204020203" pitchFamily="34" charset="0"/>
-              </a:rPr>
-              <a:t>Hybrids is a non-class based library - https://hybrids.js.org/</a:t>
-            </a:r>
-          </a:p>
-          <a:p>
-            <a:pPr marL="457200" lvl="1" indent="0">
-              <a:buNone/>
-            </a:pPr>
-            <a:endParaRPr lang="en-GB" sz="300" dirty="0">
-              <a:solidFill>
-                <a:srgbClr val="2196F3"/>
-              </a:solidFill>
-              <a:latin typeface="Segoe UI" panose="020B0502040204020203" pitchFamily="34" charset="0"/>
-              <a:cs typeface="Segoe UI" panose="020B0502040204020203" pitchFamily="34" charset="0"/>
-              <a:hlinkClick r:id="rId2">
-                <a:extLst>
-                  <a:ext uri="{A12FA001-AC4F-418D-AE19-62706E023703}">
-                    <ahyp:hlinkClr xmlns:ahyp="http://schemas.microsoft.com/office/drawing/2018/hyperlinkcolor" val="tx"/>
-                  </a:ext>
-                </a:extLst>
-              </a:hlinkClick>
-            </a:endParaRPr>
-          </a:p>
-          <a:p>
-            <a:pPr marL="457200" lvl="1" indent="0">
-              <a:buNone/>
-            </a:pPr>
-            <a:r>
-              <a:rPr lang="en-GB" sz="3600" dirty="0">
-                <a:solidFill>
-                  <a:srgbClr val="2196F3"/>
-                </a:solidFill>
-                <a:latin typeface="Segoe UI" panose="020B0502040204020203" pitchFamily="34" charset="0"/>
-                <a:cs typeface="Segoe UI" panose="020B0502040204020203" pitchFamily="34" charset="0"/>
-                <a:hlinkClick r:id="rId2">
-                  <a:extLst>
-                    <a:ext uri="{A12FA001-AC4F-418D-AE19-62706E023703}">
-                      <ahyp:hlinkClr xmlns:ahyp="http://schemas.microsoft.com/office/drawing/2018/hyperlinkcolor" val="tx"/>
-                    </a:ext>
-                  </a:extLst>
-                </a:hlinkClick>
-              </a:rPr>
-              <a:t>https://www.webcomponents.org/</a:t>
-            </a:r>
-            <a:endParaRPr lang="en-GB" sz="3600" dirty="0">
-              <a:solidFill>
-                <a:srgbClr val="2196F3"/>
-              </a:solidFill>
-              <a:latin typeface="Segoe UI" panose="020B0502040204020203" pitchFamily="34" charset="0"/>
-              <a:cs typeface="Segoe UI" panose="020B0502040204020203" pitchFamily="34" charset="0"/>
-            </a:endParaRPr>
-          </a:p>
-          <a:p>
-            <a:pPr marL="457200" lvl="1" indent="0">
-              <a:buNone/>
-            </a:pPr>
-            <a:endParaRPr lang="en-GB" sz="1300" dirty="0">
-              <a:solidFill>
-                <a:srgbClr val="2196F3"/>
-              </a:solidFill>
-              <a:latin typeface="Segoe UI" panose="020B0502040204020203" pitchFamily="34" charset="0"/>
-              <a:cs typeface="Segoe UI" panose="020B0502040204020203" pitchFamily="34" charset="0"/>
-            </a:endParaRPr>
-          </a:p>
-          <a:p>
-            <a:pPr marL="457200" lvl="1" indent="0">
-              <a:buNone/>
-            </a:pPr>
-            <a:r>
-              <a:rPr lang="en-GB" sz="3600" dirty="0">
-                <a:solidFill>
-                  <a:srgbClr val="2196F3"/>
-                </a:solidFill>
-                <a:latin typeface="Segoe UI" panose="020B0502040204020203" pitchFamily="34" charset="0"/>
-                <a:cs typeface="Segoe UI" panose="020B0502040204020203" pitchFamily="34" charset="0"/>
-                <a:hlinkClick r:id="rId3">
-                  <a:extLst>
-                    <a:ext uri="{A12FA001-AC4F-418D-AE19-62706E023703}">
-                      <ahyp:hlinkClr xmlns:ahyp="http://schemas.microsoft.com/office/drawing/2018/hyperlinkcolor" val="tx"/>
-                    </a:ext>
-                  </a:extLst>
-                </a:hlinkClick>
-              </a:rPr>
-              <a:t>https://custom-elements-everywhere.com/</a:t>
-            </a:r>
-            <a:r>
-              <a:rPr lang="en-GB" sz="3600" dirty="0">
-                <a:solidFill>
-                  <a:srgbClr val="2196F3"/>
-                </a:solidFill>
-                <a:latin typeface="Segoe UI" panose="020B0502040204020203" pitchFamily="34" charset="0"/>
-                <a:cs typeface="Segoe UI" panose="020B0502040204020203" pitchFamily="34" charset="0"/>
-              </a:rPr>
-              <a:t> </a:t>
-            </a:r>
-          </a:p>
-          <a:p>
-            <a:pPr marL="457200" lvl="1" indent="0">
-              <a:buNone/>
-            </a:pPr>
-            <a:r>
-              <a:rPr lang="en-GB" dirty="0">
-                <a:solidFill>
-                  <a:srgbClr val="2196F3"/>
-                </a:solidFill>
-                <a:latin typeface="Segoe UI" panose="020B0502040204020203" pitchFamily="34" charset="0"/>
-                <a:cs typeface="Segoe UI" panose="020B0502040204020203" pitchFamily="34" charset="0"/>
-              </a:rPr>
-              <a:t>(Making sure frameworks and custom elements can be BFFs )</a:t>
-            </a:r>
-            <a:endParaRPr lang="en-GB" sz="3600" dirty="0">
-              <a:solidFill>
-                <a:srgbClr val="2196F3"/>
-              </a:solidFill>
-              <a:latin typeface="Segoe UI" panose="020B0502040204020203" pitchFamily="34" charset="0"/>
-              <a:cs typeface="Segoe UI" panose="020B0502040204020203" pitchFamily="34" charset="0"/>
-            </a:endParaRPr>
-          </a:p>
-          <a:p>
-            <a:pPr marL="457200" lvl="1" indent="0">
-              <a:buNone/>
-            </a:pPr>
-            <a:endParaRPr lang="en-GB" sz="1200" dirty="0">
-              <a:solidFill>
-                <a:srgbClr val="2196F3"/>
-              </a:solidFill>
-              <a:latin typeface="Segoe UI" panose="020B0502040204020203" pitchFamily="34" charset="0"/>
-              <a:cs typeface="Segoe UI" panose="020B0502040204020203" pitchFamily="34" charset="0"/>
-            </a:endParaRPr>
-          </a:p>
-          <a:p>
-            <a:pPr marL="457200" lvl="1" indent="0">
-              <a:buNone/>
-            </a:pPr>
-            <a:endParaRPr lang="en-GB" sz="6700" dirty="0">
-              <a:solidFill>
-                <a:srgbClr val="2196F3"/>
-              </a:solidFill>
-              <a:latin typeface="Segoe UI" panose="020B0502040204020203" pitchFamily="34" charset="0"/>
-              <a:cs typeface="Segoe UI" panose="020B0502040204020203" pitchFamily="34" charset="0"/>
-            </a:endParaRPr>
-          </a:p>
-          <a:p>
-            <a:pPr marL="457200" lvl="1" indent="0">
-              <a:buNone/>
-            </a:pPr>
-            <a:endParaRPr lang="en-GB" sz="6700" dirty="0">
-              <a:solidFill>
-                <a:srgbClr val="2196F3"/>
-              </a:solidFill>
-              <a:latin typeface="Segoe UI" panose="020B0502040204020203" pitchFamily="34" charset="0"/>
-              <a:cs typeface="Segoe UI" panose="020B0502040204020203" pitchFamily="34" charset="0"/>
-            </a:endParaRPr>
-          </a:p>
-          <a:p>
-            <a:pPr marL="457200" lvl="1" indent="0">
-              <a:buNone/>
-            </a:pPr>
-            <a:endParaRPr lang="en-GB" sz="6700" dirty="0">
-              <a:latin typeface="Segoe UI" panose="020B0502040204020203" pitchFamily="34" charset="0"/>
-              <a:cs typeface="Segoe UI" panose="020B0502040204020203" pitchFamily="34" charset="0"/>
-            </a:endParaRPr>
-          </a:p>
-          <a:p>
-            <a:pPr marL="0" indent="0">
-              <a:buNone/>
-            </a:pPr>
-            <a:endParaRPr lang="en-GB" dirty="0">
-              <a:latin typeface="Segoe UI" panose="020B0502040204020203" pitchFamily="34" charset="0"/>
-              <a:cs typeface="Segoe UI" panose="020B0502040204020203" pitchFamily="34" charset="0"/>
-            </a:endParaRPr>
-          </a:p>
-          <a:p>
-            <a:endParaRPr lang="en-GB" dirty="0">
-              <a:latin typeface="Segoe UI" panose="020B0502040204020203" pitchFamily="34" charset="0"/>
-              <a:cs typeface="Segoe UI" panose="020B0502040204020203" pitchFamily="34" charset="0"/>
-            </a:endParaRPr>
-          </a:p>
-        </p:txBody>
-      </p:sp>
-    </p:spTree>
-    <p:extLst>
-      <p:ext uri="{BB962C8B-B14F-4D97-AF65-F5344CB8AC3E}">
-        <p14:creationId xmlns:p14="http://schemas.microsoft.com/office/powerpoint/2010/main" val="2534555949"/>
-      </p:ext>
-    </p:extLst>
-  </p:cSld>
-  <p:clrMapOvr>
-    <a:masterClrMapping/>
-  </p:clrMapOvr>
-</p:sld>
-</file>
-
-<file path=ppt/slides/slide8.xml><?xml version="1.0" encoding="utf-8"?>
-<p:sld xmlns:a="http://schemas.openxmlformats.org/drawingml/2006/main" xmlns:r="http://schemas.openxmlformats.org/officeDocument/2006/relationships" xmlns:p="http://schemas.openxmlformats.org/presentationml/2006/main">
-  <p:cSld>
-    <p:spTree>
-      <p:nvGrpSpPr>
-        <p:cNvPr id="1" name=""/>
-        <p:cNvGrpSpPr/>
-        <p:nvPr/>
-      </p:nvGrpSpPr>
-      <p:grpSpPr>
-        <a:xfrm>
-          <a:off x="0" y="0"/>
-          <a:ext cx="0" cy="0"/>
-          <a:chOff x="0" y="0"/>
-          <a:chExt cx="0" cy="0"/>
-        </a:xfrm>
-      </p:grpSpPr>
-      <p:sp>
-        <p:nvSpPr>
-          <p:cNvPr id="2" name="Title 1">
-            <a:extLst>
-              <a:ext uri="{FF2B5EF4-FFF2-40B4-BE49-F238E27FC236}">
-                <a16:creationId xmlns:a16="http://schemas.microsoft.com/office/drawing/2014/main" id="{5D7568B3-EC9A-45DD-8A17-CFE685194B65}"/>
-              </a:ext>
-            </a:extLst>
-          </p:cNvPr>
-          <p:cNvSpPr>
-            <a:spLocks noGrp="1"/>
-          </p:cNvSpPr>
-          <p:nvPr>
-            <p:ph type="title"/>
-          </p:nvPr>
-        </p:nvSpPr>
-        <p:spPr>
-          <a:xfrm>
-            <a:off x="838200" y="0"/>
-            <a:ext cx="10515600" cy="1325563"/>
-          </a:xfrm>
-          <a:solidFill>
-            <a:srgbClr val="2196F3"/>
-          </a:solidFill>
-        </p:spPr>
-        <p:txBody>
-          <a:bodyPr>
-            <a:normAutofit/>
-          </a:bodyPr>
-          <a:lstStyle/>
-          <a:p>
-            <a:pPr algn="ctr"/>
-            <a:r>
-              <a:rPr lang="en-GB" sz="6600" dirty="0">
-                <a:solidFill>
-                  <a:schemeClr val="bg1"/>
-                </a:solidFill>
-                <a:latin typeface="Segoe UI" panose="020B0502040204020203" pitchFamily="34" charset="0"/>
-                <a:cs typeface="Segoe UI" panose="020B0502040204020203" pitchFamily="34" charset="0"/>
-              </a:rPr>
-              <a:t>COMMUNICATION </a:t>
-            </a:r>
-          </a:p>
-        </p:txBody>
-      </p:sp>
-      <p:sp>
-        <p:nvSpPr>
-          <p:cNvPr id="4" name="Content Placeholder 2">
-            <a:extLst>
-              <a:ext uri="{FF2B5EF4-FFF2-40B4-BE49-F238E27FC236}">
-                <a16:creationId xmlns:a16="http://schemas.microsoft.com/office/drawing/2014/main" id="{088CCB65-11B4-408B-9ED3-1304FE85032F}"/>
-              </a:ext>
-            </a:extLst>
-          </p:cNvPr>
-          <p:cNvSpPr>
-            <a:spLocks noGrp="1"/>
-          </p:cNvSpPr>
-          <p:nvPr>
-            <p:ph idx="1"/>
-          </p:nvPr>
-        </p:nvSpPr>
-        <p:spPr>
-          <a:xfrm>
-            <a:off x="838200" y="1325563"/>
-            <a:ext cx="10515600" cy="5326907"/>
-          </a:xfrm>
-        </p:spPr>
-        <p:txBody>
-          <a:bodyPr wrap="square" bIns="252000">
-            <a:normAutofit/>
-          </a:bodyPr>
-          <a:lstStyle/>
-          <a:p>
-            <a:pPr marL="0" indent="0">
-              <a:buNone/>
-            </a:pPr>
-            <a:endParaRPr lang="en-GB" sz="900" dirty="0">
-              <a:latin typeface="Segoe UI" panose="020B0502040204020203" pitchFamily="34" charset="0"/>
-              <a:cs typeface="Segoe UI" panose="020B0502040204020203" pitchFamily="34" charset="0"/>
-            </a:endParaRPr>
-          </a:p>
-          <a:p>
-            <a:pPr marL="457200" lvl="1" indent="0">
-              <a:buNone/>
-            </a:pPr>
-            <a:endParaRPr lang="en-GB" sz="400" dirty="0">
-              <a:solidFill>
-                <a:srgbClr val="2196F3"/>
-              </a:solidFill>
-              <a:latin typeface="Segoe UI" panose="020B0502040204020203" pitchFamily="34" charset="0"/>
-              <a:cs typeface="Segoe UI" panose="020B0502040204020203" pitchFamily="34" charset="0"/>
-            </a:endParaRPr>
-          </a:p>
-          <a:p>
-            <a:pPr marL="457200" lvl="1" indent="0">
-              <a:buNone/>
-            </a:pPr>
-            <a:endParaRPr lang="en-GB" sz="2800" dirty="0">
-              <a:solidFill>
-                <a:srgbClr val="2196F3"/>
-              </a:solidFill>
-              <a:latin typeface="Segoe UI" panose="020B0502040204020203" pitchFamily="34" charset="0"/>
-              <a:cs typeface="Segoe UI" panose="020B0502040204020203" pitchFamily="34" charset="0"/>
-            </a:endParaRPr>
-          </a:p>
-          <a:p>
-            <a:pPr marL="457200" lvl="1" indent="0">
-              <a:buNone/>
-            </a:pPr>
-            <a:r>
-              <a:rPr lang="en-GB" sz="2800" b="1" u="sng" dirty="0">
-                <a:solidFill>
-                  <a:srgbClr val="2196F3"/>
-                </a:solidFill>
-                <a:latin typeface="Segoe UI" panose="020B0502040204020203" pitchFamily="34" charset="0"/>
-                <a:cs typeface="Segoe UI" panose="020B0502040204020203" pitchFamily="34" charset="0"/>
-              </a:rPr>
-              <a:t>PROPS DOWN</a:t>
-            </a:r>
-          </a:p>
-          <a:p>
-            <a:pPr marL="457200" lvl="1" indent="0">
-              <a:buNone/>
-            </a:pPr>
-            <a:r>
-              <a:rPr lang="en-GB" sz="2800" dirty="0">
-                <a:solidFill>
-                  <a:srgbClr val="2196F3"/>
-                </a:solidFill>
-                <a:latin typeface="Segoe UI" panose="020B0502040204020203" pitchFamily="34" charset="0"/>
-                <a:cs typeface="Segoe UI" panose="020B0502040204020203" pitchFamily="34" charset="0"/>
-              </a:rPr>
-              <a:t>Demo</a:t>
-            </a:r>
-            <a:r>
-              <a:rPr lang="en-GB" sz="2800" dirty="0">
-                <a:latin typeface="Segoe UI" panose="020B0502040204020203" pitchFamily="34" charset="0"/>
-                <a:cs typeface="Segoe UI" panose="020B0502040204020203" pitchFamily="34" charset="0"/>
-              </a:rPr>
-              <a:t>: 06-library/01-ndc-show-post </a:t>
-            </a:r>
-          </a:p>
-          <a:p>
-            <a:pPr marL="457200" lvl="1" indent="0">
-              <a:buNone/>
-            </a:pPr>
-            <a:endParaRPr lang="en-GB" sz="2800" dirty="0">
-              <a:solidFill>
-                <a:srgbClr val="2196F3"/>
-              </a:solidFill>
-              <a:latin typeface="Segoe UI" panose="020B0502040204020203" pitchFamily="34" charset="0"/>
-              <a:cs typeface="Segoe UI" panose="020B0502040204020203" pitchFamily="34" charset="0"/>
-            </a:endParaRPr>
-          </a:p>
-          <a:p>
-            <a:pPr marL="457200" lvl="1" indent="0">
-              <a:buNone/>
-            </a:pPr>
-            <a:r>
-              <a:rPr lang="en-GB" sz="2800" b="1" u="sng" dirty="0">
-                <a:solidFill>
-                  <a:srgbClr val="2196F3"/>
-                </a:solidFill>
-                <a:latin typeface="Segoe UI" panose="020B0502040204020203" pitchFamily="34" charset="0"/>
-                <a:cs typeface="Segoe UI" panose="020B0502040204020203" pitchFamily="34" charset="0"/>
-              </a:rPr>
-              <a:t>EVENTS UP</a:t>
-            </a:r>
-          </a:p>
-          <a:p>
-            <a:pPr marL="457200" lvl="1" indent="0">
-              <a:buNone/>
-            </a:pPr>
-            <a:r>
-              <a:rPr lang="en-GB" sz="2800" dirty="0">
-                <a:solidFill>
-                  <a:srgbClr val="2196F3"/>
-                </a:solidFill>
-                <a:latin typeface="Segoe UI" panose="020B0502040204020203" pitchFamily="34" charset="0"/>
-                <a:cs typeface="Segoe UI" panose="020B0502040204020203" pitchFamily="34" charset="0"/>
-              </a:rPr>
-              <a:t>Demo: </a:t>
-            </a:r>
-            <a:r>
-              <a:rPr lang="en-GB" sz="2800" dirty="0">
-                <a:latin typeface="Segoe UI" panose="020B0502040204020203" pitchFamily="34" charset="0"/>
-                <a:cs typeface="Segoe UI" panose="020B0502040204020203" pitchFamily="34" charset="0"/>
-              </a:rPr>
-              <a:t>05-events/15-child-to-parent</a:t>
-            </a:r>
-          </a:p>
-          <a:p>
-            <a:pPr marL="457200" lvl="1" indent="0">
-              <a:buNone/>
-            </a:pPr>
-            <a:r>
-              <a:rPr lang="en-GB" sz="2800" dirty="0">
-                <a:solidFill>
-                  <a:srgbClr val="2196F3"/>
-                </a:solidFill>
-                <a:latin typeface="Segoe UI" panose="020B0502040204020203" pitchFamily="34" charset="0"/>
-                <a:cs typeface="Segoe UI" panose="020B0502040204020203" pitchFamily="34" charset="0"/>
-              </a:rPr>
-              <a:t>We use JS Custom Events to send event and data.</a:t>
-            </a:r>
-          </a:p>
-          <a:p>
-            <a:pPr marL="457200" lvl="1" indent="0">
-              <a:buNone/>
-            </a:pPr>
-            <a:endParaRPr lang="en-GB" dirty="0">
-              <a:solidFill>
-                <a:srgbClr val="2196F3"/>
-              </a:solidFill>
-              <a:latin typeface="Segoe UI" panose="020B0502040204020203" pitchFamily="34" charset="0"/>
-              <a:cs typeface="Segoe UI" panose="020B0502040204020203" pitchFamily="34" charset="0"/>
-            </a:endParaRPr>
-          </a:p>
-          <a:p>
-            <a:pPr marL="457200" lvl="1" indent="0">
-              <a:buNone/>
-            </a:pPr>
-            <a:r>
-              <a:rPr lang="en-GB" dirty="0">
-                <a:solidFill>
-                  <a:srgbClr val="2196F3"/>
-                </a:solidFill>
-                <a:latin typeface="Segoe UI" panose="020B0502040204020203" pitchFamily="34" charset="0"/>
-                <a:cs typeface="Segoe UI" panose="020B0502040204020203" pitchFamily="34" charset="0"/>
-              </a:rPr>
-              <a:t>NB Methods and properties on components can be directly accessed. This would be a design choice as components tend to use props down events up, rather than sibling to sibling.</a:t>
-            </a:r>
-          </a:p>
-          <a:p>
-            <a:pPr marL="457200" lvl="1" indent="0">
-              <a:buNone/>
-            </a:pPr>
-            <a:endParaRPr lang="en-GB" sz="6700" dirty="0">
-              <a:solidFill>
-                <a:srgbClr val="2196F3"/>
-              </a:solidFill>
-              <a:latin typeface="Segoe UI" panose="020B0502040204020203" pitchFamily="34" charset="0"/>
-              <a:cs typeface="Segoe UI" panose="020B0502040204020203" pitchFamily="34" charset="0"/>
-            </a:endParaRPr>
-          </a:p>
-          <a:p>
-            <a:pPr marL="457200" lvl="1" indent="0">
-              <a:buNone/>
-            </a:pPr>
-            <a:endParaRPr lang="en-GB" sz="6700" dirty="0">
-              <a:latin typeface="Segoe UI" panose="020B0502040204020203" pitchFamily="34" charset="0"/>
-              <a:cs typeface="Segoe UI" panose="020B0502040204020203" pitchFamily="34" charset="0"/>
-            </a:endParaRPr>
-          </a:p>
-          <a:p>
-            <a:pPr marL="0" indent="0">
-              <a:buNone/>
-            </a:pPr>
-            <a:endParaRPr lang="en-GB" dirty="0">
-              <a:latin typeface="Segoe UI" panose="020B0502040204020203" pitchFamily="34" charset="0"/>
-              <a:cs typeface="Segoe UI" panose="020B0502040204020203" pitchFamily="34" charset="0"/>
-            </a:endParaRPr>
-          </a:p>
-          <a:p>
-            <a:endParaRPr lang="en-GB" dirty="0">
-              <a:latin typeface="Segoe UI" panose="020B0502040204020203" pitchFamily="34" charset="0"/>
-              <a:cs typeface="Segoe UI" panose="020B0502040204020203" pitchFamily="34" charset="0"/>
-            </a:endParaRPr>
-          </a:p>
-        </p:txBody>
-      </p:sp>
-    </p:spTree>
-    <p:extLst>
-      <p:ext uri="{BB962C8B-B14F-4D97-AF65-F5344CB8AC3E}">
-        <p14:creationId xmlns:p14="http://schemas.microsoft.com/office/powerpoint/2010/main" val="3886042273"/>
-      </p:ext>
-    </p:extLst>
-  </p:cSld>
-  <p:clrMapOvr>
-    <a:masterClrMapping/>
-  </p:clrMapOvr>
-</p:sld>
-</file>
-
 <file path=ppt/slides/slide9.xml><?xml version="1.0" encoding="utf-8"?>
 <p:sld xmlns:a="http://schemas.openxmlformats.org/drawingml/2006/main" xmlns:r="http://schemas.openxmlformats.org/officeDocument/2006/relationships" xmlns:p="http://schemas.openxmlformats.org/presentationml/2006/main">
   <p:cSld>
@@ -9325,941 +10249,414 @@
       </p:grpSpPr>
       <p:sp>
         <p:nvSpPr>
-          <p:cNvPr id="5" name="Rectangle: Rounded Corners 4">
-            <a:extLst>
-              <a:ext uri="{FF2B5EF4-FFF2-40B4-BE49-F238E27FC236}">
-                <a16:creationId xmlns:a16="http://schemas.microsoft.com/office/drawing/2014/main" id="{65B1CF75-47B8-4AC4-BD1E-926B376FD50D}"/>
-              </a:ext>
-            </a:extLst>
-          </p:cNvPr>
-          <p:cNvSpPr/>
-          <p:nvPr/>
+          <p:cNvPr id="2" name="Title 1">
+            <a:extLst>
+              <a:ext uri="{FF2B5EF4-FFF2-40B4-BE49-F238E27FC236}">
+                <a16:creationId xmlns:a16="http://schemas.microsoft.com/office/drawing/2014/main" id="{5D7568B3-EC9A-45DD-8A17-CFE685194B65}"/>
+              </a:ext>
+            </a:extLst>
+          </p:cNvPr>
+          <p:cNvSpPr>
+            <a:spLocks noGrp="1"/>
+          </p:cNvSpPr>
+          <p:nvPr>
+            <p:ph type="title"/>
+          </p:nvPr>
         </p:nvSpPr>
         <p:spPr>
           <a:xfrm>
-            <a:off x="886408" y="4376057"/>
-            <a:ext cx="1819470" cy="942392"/>
-          </a:xfrm>
-          <a:prstGeom prst="roundRect">
-            <a:avLst/>
-          </a:prstGeom>
+            <a:off x="838200" y="0"/>
+            <a:ext cx="10515600" cy="1325563"/>
+          </a:xfrm>
           <a:solidFill>
-            <a:schemeClr val="bg1">
-              <a:lumMod val="85000"/>
-            </a:schemeClr>
+            <a:srgbClr val="2196F3"/>
           </a:solidFill>
-          <a:ln w="28575">
-            <a:solidFill>
-              <a:srgbClr val="FF0000"/>
-            </a:solidFill>
-          </a:ln>
-        </p:spPr>
-        <p:style>
-          <a:lnRef idx="2">
-            <a:schemeClr val="accent1">
-              <a:shade val="50000"/>
-            </a:schemeClr>
-          </a:lnRef>
-          <a:fillRef idx="1">
-            <a:schemeClr val="accent1"/>
-          </a:fillRef>
-          <a:effectRef idx="0">
-            <a:schemeClr val="accent1"/>
-          </a:effectRef>
-          <a:fontRef idx="minor">
-            <a:schemeClr val="lt1"/>
-          </a:fontRef>
-        </p:style>
-        <p:txBody>
-          <a:bodyPr rtlCol="0" anchor="ctr"/>
-          <a:lstStyle/>
-          <a:p>
-            <a:pPr algn="ctr"/>
-            <a:endParaRPr lang="en-GB">
-              <a:latin typeface="Segoe UI" panose="020B0502040204020203" pitchFamily="34" charset="0"/>
-              <a:cs typeface="Segoe UI" panose="020B0502040204020203" pitchFamily="34" charset="0"/>
-            </a:endParaRPr>
-          </a:p>
-        </p:txBody>
-      </p:sp>
-      <p:cxnSp>
-        <p:nvCxnSpPr>
-          <p:cNvPr id="7" name="Straight Connector 6">
-            <a:extLst>
-              <a:ext uri="{FF2B5EF4-FFF2-40B4-BE49-F238E27FC236}">
-                <a16:creationId xmlns:a16="http://schemas.microsoft.com/office/drawing/2014/main" id="{5B3AFA23-E550-4B2B-8247-AFA75329D28C}"/>
-              </a:ext>
-            </a:extLst>
-          </p:cNvPr>
-          <p:cNvCxnSpPr>
-            <a:cxnSpLocks/>
-          </p:cNvCxnSpPr>
-          <p:nvPr/>
-        </p:nvCxnSpPr>
-        <p:spPr>
-          <a:xfrm>
-            <a:off x="8238930" y="0"/>
-            <a:ext cx="0" cy="6858000"/>
-          </a:xfrm>
-          <a:prstGeom prst="line">
-            <a:avLst/>
-          </a:prstGeom>
-          <a:ln w="127000">
-            <a:solidFill>
-              <a:schemeClr val="tx1"/>
-            </a:solidFill>
-          </a:ln>
-        </p:spPr>
-        <p:style>
-          <a:lnRef idx="1">
-            <a:schemeClr val="accent1"/>
-          </a:lnRef>
-          <a:fillRef idx="0">
-            <a:schemeClr val="accent1"/>
-          </a:fillRef>
-          <a:effectRef idx="0">
-            <a:schemeClr val="accent1"/>
-          </a:effectRef>
-          <a:fontRef idx="minor">
-            <a:schemeClr val="tx1"/>
-          </a:fontRef>
-        </p:style>
-      </p:cxnSp>
-      <p:cxnSp>
-        <p:nvCxnSpPr>
-          <p:cNvPr id="9" name="Straight Connector 8">
-            <a:extLst>
-              <a:ext uri="{FF2B5EF4-FFF2-40B4-BE49-F238E27FC236}">
-                <a16:creationId xmlns:a16="http://schemas.microsoft.com/office/drawing/2014/main" id="{8ECDE257-0E06-4C73-B713-15F600FA91AE}"/>
-              </a:ext>
-            </a:extLst>
-          </p:cNvPr>
-          <p:cNvCxnSpPr>
-            <a:cxnSpLocks/>
-          </p:cNvCxnSpPr>
-          <p:nvPr/>
-        </p:nvCxnSpPr>
-        <p:spPr>
-          <a:xfrm>
-            <a:off x="3097763" y="3437944"/>
-            <a:ext cx="0" cy="2449286"/>
-          </a:xfrm>
-          <a:prstGeom prst="line">
-            <a:avLst/>
-          </a:prstGeom>
-          <a:ln w="15875" cmpd="dbl">
-            <a:solidFill>
-              <a:schemeClr val="accent6">
-                <a:lumMod val="75000"/>
-              </a:schemeClr>
-            </a:solidFill>
-            <a:prstDash val="lgDash"/>
-          </a:ln>
-        </p:spPr>
-        <p:style>
-          <a:lnRef idx="1">
-            <a:schemeClr val="accent1"/>
-          </a:lnRef>
-          <a:fillRef idx="0">
-            <a:schemeClr val="accent1"/>
-          </a:fillRef>
-          <a:effectRef idx="0">
-            <a:schemeClr val="accent1"/>
-          </a:effectRef>
-          <a:fontRef idx="minor">
-            <a:schemeClr val="tx1"/>
-          </a:fontRef>
-        </p:style>
-      </p:cxnSp>
-      <p:sp>
-        <p:nvSpPr>
-          <p:cNvPr id="13" name="Rectangle: Rounded Corners 12">
-            <a:extLst>
-              <a:ext uri="{FF2B5EF4-FFF2-40B4-BE49-F238E27FC236}">
-                <a16:creationId xmlns:a16="http://schemas.microsoft.com/office/drawing/2014/main" id="{497DB97B-039D-4182-8A21-C324F5A05084}"/>
-              </a:ext>
-            </a:extLst>
-          </p:cNvPr>
-          <p:cNvSpPr/>
-          <p:nvPr/>
-        </p:nvSpPr>
-        <p:spPr>
-          <a:xfrm>
-            <a:off x="1244080" y="709127"/>
-            <a:ext cx="5520611" cy="2183363"/>
-          </a:xfrm>
-          <a:prstGeom prst="roundRect">
-            <a:avLst/>
-          </a:prstGeom>
-          <a:solidFill>
-            <a:schemeClr val="bg1">
-              <a:lumMod val="85000"/>
-            </a:schemeClr>
-          </a:solidFill>
-          <a:ln w="28575">
-            <a:solidFill>
-              <a:srgbClr val="FF0000"/>
-            </a:solidFill>
-          </a:ln>
-        </p:spPr>
-        <p:style>
-          <a:lnRef idx="2">
-            <a:schemeClr val="accent1">
-              <a:shade val="50000"/>
-            </a:schemeClr>
-          </a:lnRef>
-          <a:fillRef idx="1">
-            <a:schemeClr val="accent1"/>
-          </a:fillRef>
-          <a:effectRef idx="0">
-            <a:schemeClr val="accent1"/>
-          </a:effectRef>
-          <a:fontRef idx="minor">
-            <a:schemeClr val="lt1"/>
-          </a:fontRef>
-        </p:style>
-        <p:txBody>
-          <a:bodyPr rtlCol="0" anchor="ctr"/>
-          <a:lstStyle/>
-          <a:p>
-            <a:pPr algn="ctr"/>
-            <a:endParaRPr lang="en-GB">
-              <a:latin typeface="Segoe UI" panose="020B0502040204020203" pitchFamily="34" charset="0"/>
-              <a:cs typeface="Segoe UI" panose="020B0502040204020203" pitchFamily="34" charset="0"/>
-            </a:endParaRPr>
-          </a:p>
-        </p:txBody>
-      </p:sp>
-      <p:sp>
-        <p:nvSpPr>
-          <p:cNvPr id="14" name="Rectangle: Rounded Corners 13">
-            <a:extLst>
-              <a:ext uri="{FF2B5EF4-FFF2-40B4-BE49-F238E27FC236}">
-                <a16:creationId xmlns:a16="http://schemas.microsoft.com/office/drawing/2014/main" id="{670B406B-FAA1-4A47-9E0F-388A4554F760}"/>
-              </a:ext>
-            </a:extLst>
-          </p:cNvPr>
-          <p:cNvSpPr/>
-          <p:nvPr/>
-        </p:nvSpPr>
-        <p:spPr>
-          <a:xfrm>
-            <a:off x="5951371" y="4406768"/>
-            <a:ext cx="1819470" cy="942392"/>
-          </a:xfrm>
-          <a:prstGeom prst="roundRect">
-            <a:avLst/>
-          </a:prstGeom>
-          <a:solidFill>
-            <a:schemeClr val="bg1">
-              <a:lumMod val="85000"/>
-            </a:schemeClr>
-          </a:solidFill>
-          <a:ln w="28575">
-            <a:solidFill>
-              <a:srgbClr val="FF0000"/>
-            </a:solidFill>
-          </a:ln>
-        </p:spPr>
-        <p:style>
-          <a:lnRef idx="2">
-            <a:schemeClr val="accent1">
-              <a:shade val="50000"/>
-            </a:schemeClr>
-          </a:lnRef>
-          <a:fillRef idx="1">
-            <a:schemeClr val="accent1"/>
-          </a:fillRef>
-          <a:effectRef idx="0">
-            <a:schemeClr val="accent1"/>
-          </a:effectRef>
-          <a:fontRef idx="minor">
-            <a:schemeClr val="lt1"/>
-          </a:fontRef>
-        </p:style>
-        <p:txBody>
-          <a:bodyPr rtlCol="0" anchor="ctr"/>
-          <a:lstStyle/>
-          <a:p>
-            <a:pPr algn="ctr"/>
-            <a:endParaRPr lang="en-GB">
-              <a:latin typeface="Segoe UI" panose="020B0502040204020203" pitchFamily="34" charset="0"/>
-              <a:cs typeface="Segoe UI" panose="020B0502040204020203" pitchFamily="34" charset="0"/>
-            </a:endParaRPr>
-          </a:p>
-        </p:txBody>
-      </p:sp>
-      <p:sp>
-        <p:nvSpPr>
-          <p:cNvPr id="15" name="Rectangle: Rounded Corners 14">
-            <a:extLst>
-              <a:ext uri="{FF2B5EF4-FFF2-40B4-BE49-F238E27FC236}">
-                <a16:creationId xmlns:a16="http://schemas.microsoft.com/office/drawing/2014/main" id="{56FA4A14-0892-4CE1-BE7A-A2056ECF1DAC}"/>
-              </a:ext>
-            </a:extLst>
-          </p:cNvPr>
-          <p:cNvSpPr/>
-          <p:nvPr/>
-        </p:nvSpPr>
-        <p:spPr>
-          <a:xfrm>
-            <a:off x="3456988" y="4406768"/>
-            <a:ext cx="1819470" cy="942392"/>
-          </a:xfrm>
-          <a:prstGeom prst="roundRect">
-            <a:avLst/>
-          </a:prstGeom>
-          <a:solidFill>
-            <a:schemeClr val="bg1">
-              <a:lumMod val="85000"/>
-            </a:schemeClr>
-          </a:solidFill>
-          <a:ln w="28575">
-            <a:solidFill>
-              <a:srgbClr val="FF0000"/>
-            </a:solidFill>
-          </a:ln>
-        </p:spPr>
-        <p:style>
-          <a:lnRef idx="2">
-            <a:schemeClr val="accent1">
-              <a:shade val="50000"/>
-            </a:schemeClr>
-          </a:lnRef>
-          <a:fillRef idx="1">
-            <a:schemeClr val="accent1"/>
-          </a:fillRef>
-          <a:effectRef idx="0">
-            <a:schemeClr val="accent1"/>
-          </a:effectRef>
-          <a:fontRef idx="minor">
-            <a:schemeClr val="lt1"/>
-          </a:fontRef>
-        </p:style>
-        <p:txBody>
-          <a:bodyPr rtlCol="0" anchor="ctr"/>
-          <a:lstStyle/>
-          <a:p>
-            <a:pPr algn="ctr"/>
-            <a:endParaRPr lang="en-GB">
-              <a:latin typeface="Segoe UI" panose="020B0502040204020203" pitchFamily="34" charset="0"/>
-              <a:cs typeface="Segoe UI" panose="020B0502040204020203" pitchFamily="34" charset="0"/>
-            </a:endParaRPr>
-          </a:p>
-        </p:txBody>
-      </p:sp>
-      <p:cxnSp>
-        <p:nvCxnSpPr>
-          <p:cNvPr id="16" name="Straight Connector 15">
-            <a:extLst>
-              <a:ext uri="{FF2B5EF4-FFF2-40B4-BE49-F238E27FC236}">
-                <a16:creationId xmlns:a16="http://schemas.microsoft.com/office/drawing/2014/main" id="{B8646BD2-FF5F-47C6-9788-5228BF540137}"/>
-              </a:ext>
-            </a:extLst>
-          </p:cNvPr>
-          <p:cNvCxnSpPr>
-            <a:cxnSpLocks/>
-          </p:cNvCxnSpPr>
-          <p:nvPr/>
-        </p:nvCxnSpPr>
-        <p:spPr>
-          <a:xfrm>
-            <a:off x="5592147" y="3429000"/>
-            <a:ext cx="0" cy="2449286"/>
-          </a:xfrm>
-          <a:prstGeom prst="line">
-            <a:avLst/>
-          </a:prstGeom>
-          <a:ln w="15875" cmpd="dbl">
-            <a:solidFill>
-              <a:schemeClr val="accent6">
-                <a:lumMod val="75000"/>
-              </a:schemeClr>
-            </a:solidFill>
-            <a:prstDash val="lgDash"/>
-          </a:ln>
-        </p:spPr>
-        <p:style>
-          <a:lnRef idx="1">
-            <a:schemeClr val="accent1"/>
-          </a:lnRef>
-          <a:fillRef idx="0">
-            <a:schemeClr val="accent1"/>
-          </a:fillRef>
-          <a:effectRef idx="0">
-            <a:schemeClr val="accent1"/>
-          </a:effectRef>
-          <a:fontRef idx="minor">
-            <a:schemeClr val="tx1"/>
-          </a:fontRef>
-        </p:style>
-      </p:cxnSp>
-      <p:sp>
-        <p:nvSpPr>
-          <p:cNvPr id="17" name="TextBox 16">
-            <a:extLst>
-              <a:ext uri="{FF2B5EF4-FFF2-40B4-BE49-F238E27FC236}">
-                <a16:creationId xmlns:a16="http://schemas.microsoft.com/office/drawing/2014/main" id="{6E8BFC32-3AFA-4B4C-9172-2CBE21A80A58}"/>
-              </a:ext>
-            </a:extLst>
-          </p:cNvPr>
-          <p:cNvSpPr txBox="1"/>
-          <p:nvPr/>
-        </p:nvSpPr>
-        <p:spPr>
-          <a:xfrm>
-            <a:off x="2362465" y="1178588"/>
-            <a:ext cx="3187956" cy="1446550"/>
-          </a:xfrm>
-          <a:prstGeom prst="rect">
-            <a:avLst/>
-          </a:prstGeom>
-          <a:noFill/>
-        </p:spPr>
-        <p:txBody>
-          <a:bodyPr wrap="square" rtlCol="0">
-            <a:spAutoFit/>
+        </p:spPr>
+        <p:txBody>
+          <a:bodyPr>
+            <a:normAutofit/>
           </a:bodyPr>
           <a:lstStyle/>
           <a:p>
-            <a:r>
-              <a:rPr lang="en-GB" sz="8800" dirty="0">
-                <a:latin typeface="Segoe UI" panose="020B0502040204020203" pitchFamily="34" charset="0"/>
-                <a:cs typeface="Segoe UI" panose="020B0502040204020203" pitchFamily="34" charset="0"/>
-              </a:rPr>
-              <a:t>HTML</a:t>
-            </a:r>
-          </a:p>
-        </p:txBody>
-      </p:sp>
-      <p:sp>
-        <p:nvSpPr>
-          <p:cNvPr id="19" name="TextBox 18">
-            <a:extLst>
-              <a:ext uri="{FF2B5EF4-FFF2-40B4-BE49-F238E27FC236}">
-                <a16:creationId xmlns:a16="http://schemas.microsoft.com/office/drawing/2014/main" id="{C81F58F9-1FC7-477B-877C-80F0959EBC0E}"/>
-              </a:ext>
-            </a:extLst>
-          </p:cNvPr>
-          <p:cNvSpPr txBox="1"/>
-          <p:nvPr/>
+            <a:pPr algn="ctr"/>
+            <a:r>
+              <a:rPr lang="en-GB" sz="6600" dirty="0">
+                <a:solidFill>
+                  <a:schemeClr val="bg1"/>
+                </a:solidFill>
+                <a:latin typeface="Segoe UI" panose="020B0502040204020203" pitchFamily="34" charset="0"/>
+                <a:cs typeface="Segoe UI" panose="020B0502040204020203" pitchFamily="34" charset="0"/>
+              </a:rPr>
+              <a:t>What is a Web Component? </a:t>
+            </a:r>
+          </a:p>
+        </p:txBody>
+      </p:sp>
+      <p:sp>
+        <p:nvSpPr>
+          <p:cNvPr id="4" name="Content Placeholder 2">
+            <a:extLst>
+              <a:ext uri="{FF2B5EF4-FFF2-40B4-BE49-F238E27FC236}">
+                <a16:creationId xmlns:a16="http://schemas.microsoft.com/office/drawing/2014/main" id="{088CCB65-11B4-408B-9ED3-1304FE85032F}"/>
+              </a:ext>
+            </a:extLst>
+          </p:cNvPr>
+          <p:cNvSpPr>
+            <a:spLocks noGrp="1"/>
+          </p:cNvSpPr>
+          <p:nvPr>
+            <p:ph idx="1"/>
+          </p:nvPr>
         </p:nvSpPr>
         <p:spPr>
           <a:xfrm>
-            <a:off x="6019022" y="4693298"/>
-            <a:ext cx="1686507" cy="369332"/>
-          </a:xfrm>
-          <a:prstGeom prst="rect">
-            <a:avLst/>
-          </a:prstGeom>
-          <a:noFill/>
-        </p:spPr>
-        <p:txBody>
-          <a:bodyPr wrap="square" rtlCol="0">
-            <a:spAutoFit/>
+            <a:off x="838200" y="1325563"/>
+            <a:ext cx="10515600" cy="5326907"/>
+          </a:xfrm>
+        </p:spPr>
+        <p:txBody>
+          <a:bodyPr wrap="square" bIns="252000">
+            <a:normAutofit fontScale="77500" lnSpcReduction="20000"/>
           </a:bodyPr>
           <a:lstStyle/>
           <a:p>
+            <a:pPr marL="0" indent="0">
+              <a:buNone/>
+            </a:pPr>
+            <a:endParaRPr lang="en-GB" sz="900" dirty="0">
+              <a:latin typeface="Segoe UI" panose="020B0502040204020203" pitchFamily="34" charset="0"/>
+              <a:cs typeface="Segoe UI" panose="020B0502040204020203" pitchFamily="34" charset="0"/>
+            </a:endParaRPr>
+          </a:p>
+          <a:p>
+            <a:pPr marL="457200" lvl="1" indent="0">
+              <a:buNone/>
+            </a:pPr>
+            <a:endParaRPr lang="en-GB" sz="400" dirty="0">
+              <a:solidFill>
+                <a:srgbClr val="2196F3"/>
+              </a:solidFill>
+              <a:latin typeface="Segoe UI" panose="020B0502040204020203" pitchFamily="34" charset="0"/>
+              <a:cs typeface="Segoe UI" panose="020B0502040204020203" pitchFamily="34" charset="0"/>
+            </a:endParaRPr>
+          </a:p>
+          <a:p>
+            <a:pPr marL="457200" lvl="1" indent="0" algn="ctr">
+              <a:buNone/>
+            </a:pPr>
+            <a:r>
+              <a:rPr lang="en-GB" sz="4300" dirty="0">
+                <a:solidFill>
+                  <a:srgbClr val="2196F3"/>
+                </a:solidFill>
+                <a:latin typeface="Segoe UI" panose="020B0502040204020203" pitchFamily="34" charset="0"/>
+                <a:cs typeface="Segoe UI" panose="020B0502040204020203" pitchFamily="34" charset="0"/>
+              </a:rPr>
+              <a:t>&lt;my-component&gt;&lt;/my-component&gt;</a:t>
+            </a:r>
+          </a:p>
+          <a:p>
+            <a:pPr marL="457200" lvl="1" indent="0" algn="ctr">
+              <a:buNone/>
+            </a:pPr>
+            <a:r>
+              <a:rPr lang="en-GB" sz="4300" dirty="0">
+                <a:solidFill>
+                  <a:srgbClr val="2196F3"/>
+                </a:solidFill>
+                <a:latin typeface="Segoe UI" panose="020B0502040204020203" pitchFamily="34" charset="0"/>
+                <a:cs typeface="Segoe UI" panose="020B0502040204020203" pitchFamily="34" charset="0"/>
+              </a:rPr>
+              <a:t>&lt;script src=“file.js”&gt;&lt;/script&gt;</a:t>
+            </a:r>
+          </a:p>
+          <a:p>
+            <a:pPr marL="457200" lvl="1" indent="0" algn="ctr">
+              <a:buNone/>
+            </a:pPr>
+            <a:endParaRPr lang="en-GB" sz="1100" dirty="0">
+              <a:solidFill>
+                <a:srgbClr val="2196F3"/>
+              </a:solidFill>
+              <a:latin typeface="Segoe UI" panose="020B0502040204020203" pitchFamily="34" charset="0"/>
+              <a:cs typeface="Segoe UI" panose="020B0502040204020203" pitchFamily="34" charset="0"/>
+            </a:endParaRPr>
+          </a:p>
+          <a:p>
+            <a:pPr lvl="1">
+              <a:lnSpc>
+                <a:spcPts val="3600"/>
+              </a:lnSpc>
+            </a:pPr>
+            <a:r>
+              <a:rPr lang="en-GB" sz="3600" dirty="0">
+                <a:solidFill>
+                  <a:srgbClr val="2196F3"/>
+                </a:solidFill>
+                <a:latin typeface="Segoe UI" panose="020B0502040204020203" pitchFamily="34" charset="0"/>
+                <a:cs typeface="Segoe UI" panose="020B0502040204020203" pitchFamily="34" charset="0"/>
+              </a:rPr>
+              <a:t>Must contain at least one hyphen.</a:t>
+            </a:r>
+          </a:p>
+          <a:p>
+            <a:pPr lvl="1">
+              <a:lnSpc>
+                <a:spcPts val="3600"/>
+              </a:lnSpc>
+            </a:pPr>
+            <a:r>
+              <a:rPr lang="en-GB" sz="3600" dirty="0">
+                <a:solidFill>
+                  <a:srgbClr val="2196F3"/>
+                </a:solidFill>
+                <a:latin typeface="Segoe UI" panose="020B0502040204020203" pitchFamily="34" charset="0"/>
+                <a:cs typeface="Segoe UI" panose="020B0502040204020203" pitchFamily="34" charset="0"/>
+              </a:rPr>
+              <a:t>Use just like any HTML tag.</a:t>
+            </a:r>
+            <a:endParaRPr lang="en-GB" sz="1200" dirty="0">
+              <a:solidFill>
+                <a:srgbClr val="2196F3"/>
+              </a:solidFill>
+              <a:latin typeface="Segoe UI" panose="020B0502040204020203" pitchFamily="34" charset="0"/>
+              <a:cs typeface="Segoe UI" panose="020B0502040204020203" pitchFamily="34" charset="0"/>
+            </a:endParaRPr>
+          </a:p>
+          <a:p>
+            <a:pPr lvl="1">
+              <a:lnSpc>
+                <a:spcPts val="3600"/>
+              </a:lnSpc>
+            </a:pPr>
+            <a:r>
+              <a:rPr lang="en-GB" sz="3600" dirty="0">
+                <a:solidFill>
+                  <a:srgbClr val="2196F3"/>
+                </a:solidFill>
+                <a:latin typeface="Segoe UI" panose="020B0502040204020203" pitchFamily="34" charset="0"/>
+                <a:cs typeface="Segoe UI" panose="020B0502040204020203" pitchFamily="34" charset="0"/>
+              </a:rPr>
+              <a:t>They extend </a:t>
+            </a:r>
+            <a:r>
+              <a:rPr lang="en-GB" sz="3600" b="1" dirty="0">
+                <a:solidFill>
+                  <a:srgbClr val="2196F3"/>
+                </a:solidFill>
+                <a:latin typeface="Segoe UI" panose="020B0502040204020203" pitchFamily="34" charset="0"/>
+                <a:cs typeface="Segoe UI" panose="020B0502040204020203" pitchFamily="34" charset="0"/>
+              </a:rPr>
+              <a:t>HTMLElement</a:t>
+            </a:r>
+            <a:r>
+              <a:rPr lang="en-GB" sz="3600" dirty="0">
+                <a:solidFill>
+                  <a:srgbClr val="2196F3"/>
+                </a:solidFill>
+                <a:latin typeface="Segoe UI" panose="020B0502040204020203" pitchFamily="34" charset="0"/>
+                <a:cs typeface="Segoe UI" panose="020B0502040204020203" pitchFamily="34" charset="0"/>
+              </a:rPr>
+              <a:t> class.</a:t>
+            </a:r>
+          </a:p>
+          <a:p>
+            <a:pPr lvl="1">
+              <a:lnSpc>
+                <a:spcPts val="3600"/>
+              </a:lnSpc>
+            </a:pPr>
+            <a:r>
+              <a:rPr lang="en-GB" sz="3600" dirty="0">
+                <a:solidFill>
+                  <a:srgbClr val="2196F3"/>
+                </a:solidFill>
+                <a:latin typeface="Segoe UI" panose="020B0502040204020203" pitchFamily="34" charset="0"/>
+                <a:cs typeface="Segoe UI" panose="020B0502040204020203" pitchFamily="34" charset="0"/>
+              </a:rPr>
+              <a:t>Hybrids is a non-class based library - https://hybrids.js.org/</a:t>
+            </a:r>
+          </a:p>
+          <a:p>
+            <a:pPr marL="457200" lvl="1" indent="0">
+              <a:buNone/>
+            </a:pPr>
+            <a:endParaRPr lang="en-GB" sz="300" dirty="0">
+              <a:solidFill>
+                <a:srgbClr val="2196F3"/>
+              </a:solidFill>
+              <a:latin typeface="Segoe UI" panose="020B0502040204020203" pitchFamily="34" charset="0"/>
+              <a:cs typeface="Segoe UI" panose="020B0502040204020203" pitchFamily="34" charset="0"/>
+              <a:hlinkClick r:id="rId2">
+                <a:extLst>
+                  <a:ext uri="{A12FA001-AC4F-418D-AE19-62706E023703}">
+                    <ahyp:hlinkClr xmlns:ahyp="http://schemas.microsoft.com/office/drawing/2018/hyperlinkcolor" val="tx"/>
+                  </a:ext>
+                </a:extLst>
+              </a:hlinkClick>
+            </a:endParaRPr>
+          </a:p>
+          <a:p>
+            <a:pPr marL="457200" lvl="1" indent="0">
+              <a:buNone/>
+            </a:pPr>
+            <a:r>
+              <a:rPr lang="en-GB" sz="3600" dirty="0">
+                <a:solidFill>
+                  <a:srgbClr val="2196F3"/>
+                </a:solidFill>
+                <a:latin typeface="Segoe UI" panose="020B0502040204020203" pitchFamily="34" charset="0"/>
+                <a:cs typeface="Segoe UI" panose="020B0502040204020203" pitchFamily="34" charset="0"/>
+                <a:hlinkClick r:id="rId2">
+                  <a:extLst>
+                    <a:ext uri="{A12FA001-AC4F-418D-AE19-62706E023703}">
+                      <ahyp:hlinkClr xmlns:ahyp="http://schemas.microsoft.com/office/drawing/2018/hyperlinkcolor" val="tx"/>
+                    </a:ext>
+                  </a:extLst>
+                </a:hlinkClick>
+              </a:rPr>
+              <a:t>https://www.webcomponents.org/</a:t>
+            </a:r>
+            <a:endParaRPr lang="en-GB" sz="3600" dirty="0">
+              <a:solidFill>
+                <a:srgbClr val="2196F3"/>
+              </a:solidFill>
+              <a:latin typeface="Segoe UI" panose="020B0502040204020203" pitchFamily="34" charset="0"/>
+              <a:cs typeface="Segoe UI" panose="020B0502040204020203" pitchFamily="34" charset="0"/>
+            </a:endParaRPr>
+          </a:p>
+          <a:p>
+            <a:pPr marL="457200" lvl="1" indent="0">
+              <a:buNone/>
+            </a:pPr>
+            <a:endParaRPr lang="en-GB" sz="1300" dirty="0">
+              <a:solidFill>
+                <a:srgbClr val="2196F3"/>
+              </a:solidFill>
+              <a:latin typeface="Segoe UI" panose="020B0502040204020203" pitchFamily="34" charset="0"/>
+              <a:cs typeface="Segoe UI" panose="020B0502040204020203" pitchFamily="34" charset="0"/>
+            </a:endParaRPr>
+          </a:p>
+          <a:p>
+            <a:pPr marL="457200" lvl="1" indent="0">
+              <a:buNone/>
+            </a:pPr>
+            <a:r>
+              <a:rPr lang="en-GB" sz="3600" dirty="0">
+                <a:solidFill>
+                  <a:srgbClr val="2196F3"/>
+                </a:solidFill>
+                <a:latin typeface="Segoe UI" panose="020B0502040204020203" pitchFamily="34" charset="0"/>
+                <a:cs typeface="Segoe UI" panose="020B0502040204020203" pitchFamily="34" charset="0"/>
+                <a:hlinkClick r:id="rId3">
+                  <a:extLst>
+                    <a:ext uri="{A12FA001-AC4F-418D-AE19-62706E023703}">
+                      <ahyp:hlinkClr xmlns:ahyp="http://schemas.microsoft.com/office/drawing/2018/hyperlinkcolor" val="tx"/>
+                    </a:ext>
+                  </a:extLst>
+                </a:hlinkClick>
+              </a:rPr>
+              <a:t>https://custom-elements-everywhere.com/</a:t>
+            </a:r>
+            <a:r>
+              <a:rPr lang="en-GB" sz="3600" dirty="0">
+                <a:solidFill>
+                  <a:srgbClr val="2196F3"/>
+                </a:solidFill>
+                <a:latin typeface="Segoe UI" panose="020B0502040204020203" pitchFamily="34" charset="0"/>
+                <a:cs typeface="Segoe UI" panose="020B0502040204020203" pitchFamily="34" charset="0"/>
+              </a:rPr>
+              <a:t> </a:t>
+            </a:r>
+          </a:p>
+          <a:p>
+            <a:pPr marL="457200" lvl="1" indent="0">
+              <a:buNone/>
+            </a:pPr>
             <a:r>
               <a:rPr lang="en-GB" dirty="0">
-                <a:latin typeface="Segoe UI" panose="020B0502040204020203" pitchFamily="34" charset="0"/>
-                <a:cs typeface="Segoe UI" panose="020B0502040204020203" pitchFamily="34" charset="0"/>
-              </a:rPr>
-              <a:t>Framework ...n</a:t>
-            </a:r>
-          </a:p>
-        </p:txBody>
-      </p:sp>
-      <p:sp>
-        <p:nvSpPr>
-          <p:cNvPr id="20" name="TextBox 19">
-            <a:extLst>
-              <a:ext uri="{FF2B5EF4-FFF2-40B4-BE49-F238E27FC236}">
-                <a16:creationId xmlns:a16="http://schemas.microsoft.com/office/drawing/2014/main" id="{FB923CCF-0EA9-4C2D-AC00-B89B13CB18B9}"/>
-              </a:ext>
-            </a:extLst>
-          </p:cNvPr>
-          <p:cNvSpPr txBox="1"/>
-          <p:nvPr/>
-        </p:nvSpPr>
-        <p:spPr>
-          <a:xfrm>
-            <a:off x="3619499" y="4693298"/>
-            <a:ext cx="1488233" cy="369332"/>
-          </a:xfrm>
-          <a:prstGeom prst="rect">
-            <a:avLst/>
-          </a:prstGeom>
-          <a:noFill/>
-        </p:spPr>
-        <p:txBody>
-          <a:bodyPr wrap="square" rtlCol="0">
-            <a:spAutoFit/>
-          </a:bodyPr>
-          <a:lstStyle/>
-          <a:p>
-            <a:r>
-              <a:rPr lang="en-GB" dirty="0">
-                <a:latin typeface="Segoe UI" panose="020B0502040204020203" pitchFamily="34" charset="0"/>
-                <a:cs typeface="Segoe UI" panose="020B0502040204020203" pitchFamily="34" charset="0"/>
-              </a:rPr>
-              <a:t>Framework 2</a:t>
-            </a:r>
-          </a:p>
-        </p:txBody>
-      </p:sp>
-      <p:sp>
-        <p:nvSpPr>
-          <p:cNvPr id="21" name="TextBox 20">
-            <a:extLst>
-              <a:ext uri="{FF2B5EF4-FFF2-40B4-BE49-F238E27FC236}">
-                <a16:creationId xmlns:a16="http://schemas.microsoft.com/office/drawing/2014/main" id="{000E004F-3DEE-453A-880F-3667A9536687}"/>
-              </a:ext>
-            </a:extLst>
-          </p:cNvPr>
-          <p:cNvSpPr txBox="1"/>
-          <p:nvPr/>
-        </p:nvSpPr>
-        <p:spPr>
-          <a:xfrm>
-            <a:off x="1091681" y="4693298"/>
-            <a:ext cx="1488233" cy="369332"/>
-          </a:xfrm>
-          <a:prstGeom prst="rect">
-            <a:avLst/>
-          </a:prstGeom>
-          <a:noFill/>
-        </p:spPr>
-        <p:txBody>
-          <a:bodyPr wrap="square" rtlCol="0">
-            <a:spAutoFit/>
-          </a:bodyPr>
-          <a:lstStyle/>
-          <a:p>
-            <a:r>
-              <a:rPr lang="en-GB" dirty="0">
-                <a:latin typeface="Segoe UI" panose="020B0502040204020203" pitchFamily="34" charset="0"/>
-                <a:cs typeface="Segoe UI" panose="020B0502040204020203" pitchFamily="34" charset="0"/>
-              </a:rPr>
-              <a:t>Framework 1</a:t>
-            </a:r>
-          </a:p>
-        </p:txBody>
-      </p:sp>
-      <p:sp>
-        <p:nvSpPr>
-          <p:cNvPr id="23" name="Rectangle: Rounded Corners 22">
-            <a:extLst>
-              <a:ext uri="{FF2B5EF4-FFF2-40B4-BE49-F238E27FC236}">
-                <a16:creationId xmlns:a16="http://schemas.microsoft.com/office/drawing/2014/main" id="{B8A217E0-2E19-412E-A686-048F33BFC561}"/>
-              </a:ext>
-            </a:extLst>
-          </p:cNvPr>
-          <p:cNvSpPr/>
-          <p:nvPr/>
-        </p:nvSpPr>
-        <p:spPr>
-          <a:xfrm>
-            <a:off x="9193762" y="709127"/>
-            <a:ext cx="2251787" cy="4609322"/>
-          </a:xfrm>
-          <a:prstGeom prst="roundRect">
-            <a:avLst/>
-          </a:prstGeom>
-          <a:solidFill>
-            <a:schemeClr val="bg1">
-              <a:lumMod val="85000"/>
-            </a:schemeClr>
-          </a:solidFill>
-          <a:ln w="28575">
-            <a:solidFill>
-              <a:srgbClr val="FF0000"/>
-            </a:solidFill>
-          </a:ln>
-        </p:spPr>
-        <p:style>
-          <a:lnRef idx="2">
-            <a:schemeClr val="accent1">
-              <a:shade val="50000"/>
-            </a:schemeClr>
-          </a:lnRef>
-          <a:fillRef idx="1">
-            <a:schemeClr val="accent1"/>
-          </a:fillRef>
-          <a:effectRef idx="0">
-            <a:schemeClr val="accent1"/>
-          </a:effectRef>
-          <a:fontRef idx="minor">
-            <a:schemeClr val="lt1"/>
-          </a:fontRef>
-        </p:style>
-        <p:txBody>
-          <a:bodyPr rtlCol="0" anchor="ctr"/>
-          <a:lstStyle/>
-          <a:p>
-            <a:pPr algn="ctr"/>
-            <a:endParaRPr lang="en-GB">
-              <a:latin typeface="Segoe UI" panose="020B0502040204020203" pitchFamily="34" charset="0"/>
-              <a:cs typeface="Segoe UI" panose="020B0502040204020203" pitchFamily="34" charset="0"/>
-            </a:endParaRPr>
-          </a:p>
-        </p:txBody>
-      </p:sp>
-      <p:cxnSp>
-        <p:nvCxnSpPr>
-          <p:cNvPr id="18" name="Straight Arrow Connector 17">
-            <a:extLst>
-              <a:ext uri="{FF2B5EF4-FFF2-40B4-BE49-F238E27FC236}">
-                <a16:creationId xmlns:a16="http://schemas.microsoft.com/office/drawing/2014/main" id="{5F7D620A-347A-4465-8346-ADDE9EFF331B}"/>
-              </a:ext>
-            </a:extLst>
-          </p:cNvPr>
-          <p:cNvCxnSpPr>
-            <a:cxnSpLocks/>
-          </p:cNvCxnSpPr>
-          <p:nvPr/>
-        </p:nvCxnSpPr>
-        <p:spPr>
-          <a:xfrm flipV="1">
-            <a:off x="1688841" y="1346327"/>
-            <a:ext cx="0" cy="3029730"/>
-          </a:xfrm>
-          <a:prstGeom prst="straightConnector1">
-            <a:avLst/>
-          </a:prstGeom>
-          <a:ln w="38100">
-            <a:solidFill>
-              <a:schemeClr val="accent1">
-                <a:lumMod val="75000"/>
-              </a:schemeClr>
-            </a:solidFill>
-            <a:tailEnd type="triangle"/>
-          </a:ln>
-        </p:spPr>
-        <p:style>
-          <a:lnRef idx="1">
-            <a:schemeClr val="accent1"/>
-          </a:lnRef>
-          <a:fillRef idx="0">
-            <a:schemeClr val="accent1"/>
-          </a:fillRef>
-          <a:effectRef idx="0">
-            <a:schemeClr val="accent1"/>
-          </a:effectRef>
-          <a:fontRef idx="minor">
-            <a:schemeClr val="tx1"/>
-          </a:fontRef>
-        </p:style>
-      </p:cxnSp>
-      <p:cxnSp>
-        <p:nvCxnSpPr>
-          <p:cNvPr id="22" name="Straight Arrow Connector 21">
-            <a:extLst>
-              <a:ext uri="{FF2B5EF4-FFF2-40B4-BE49-F238E27FC236}">
-                <a16:creationId xmlns:a16="http://schemas.microsoft.com/office/drawing/2014/main" id="{58038E94-A816-4097-B154-9278E5E3AEC5}"/>
-              </a:ext>
-            </a:extLst>
-          </p:cNvPr>
-          <p:cNvCxnSpPr>
-            <a:cxnSpLocks/>
-          </p:cNvCxnSpPr>
-          <p:nvPr/>
-        </p:nvCxnSpPr>
-        <p:spPr>
-          <a:xfrm flipV="1">
-            <a:off x="4266429" y="2692866"/>
-            <a:ext cx="0" cy="1713902"/>
-          </a:xfrm>
-          <a:prstGeom prst="straightConnector1">
-            <a:avLst/>
-          </a:prstGeom>
-          <a:ln w="38100">
-            <a:solidFill>
-              <a:schemeClr val="accent1">
-                <a:lumMod val="75000"/>
-              </a:schemeClr>
-            </a:solidFill>
-            <a:tailEnd type="triangle"/>
-          </a:ln>
-        </p:spPr>
-        <p:style>
-          <a:lnRef idx="1">
-            <a:schemeClr val="accent1"/>
-          </a:lnRef>
-          <a:fillRef idx="0">
-            <a:schemeClr val="accent1"/>
-          </a:fillRef>
-          <a:effectRef idx="0">
-            <a:schemeClr val="accent1"/>
-          </a:effectRef>
-          <a:fontRef idx="minor">
-            <a:schemeClr val="tx1"/>
-          </a:fontRef>
-        </p:style>
-      </p:cxnSp>
-      <p:cxnSp>
-        <p:nvCxnSpPr>
-          <p:cNvPr id="25" name="Straight Arrow Connector 24">
-            <a:extLst>
-              <a:ext uri="{FF2B5EF4-FFF2-40B4-BE49-F238E27FC236}">
-                <a16:creationId xmlns:a16="http://schemas.microsoft.com/office/drawing/2014/main" id="{CE3C969B-AEB4-4EC9-9A8E-B3AE9B64804C}"/>
-              </a:ext>
-            </a:extLst>
-          </p:cNvPr>
-          <p:cNvCxnSpPr/>
-          <p:nvPr/>
-        </p:nvCxnSpPr>
-        <p:spPr>
-          <a:xfrm flipV="1">
-            <a:off x="6263180" y="1666564"/>
-            <a:ext cx="0" cy="2740204"/>
-          </a:xfrm>
-          <a:prstGeom prst="straightConnector1">
-            <a:avLst/>
-          </a:prstGeom>
-          <a:ln w="38100">
-            <a:solidFill>
-              <a:schemeClr val="accent1">
-                <a:lumMod val="75000"/>
-              </a:schemeClr>
-            </a:solidFill>
-            <a:tailEnd type="triangle"/>
-          </a:ln>
-        </p:spPr>
-        <p:style>
-          <a:lnRef idx="1">
-            <a:schemeClr val="accent1"/>
-          </a:lnRef>
-          <a:fillRef idx="0">
-            <a:schemeClr val="accent1"/>
-          </a:fillRef>
-          <a:effectRef idx="0">
-            <a:schemeClr val="accent1"/>
-          </a:effectRef>
-          <a:fontRef idx="minor">
-            <a:schemeClr val="tx1"/>
-          </a:fontRef>
-        </p:style>
-      </p:cxnSp>
-      <p:sp>
-        <p:nvSpPr>
-          <p:cNvPr id="2" name="TextBox 1">
-            <a:extLst>
-              <a:ext uri="{FF2B5EF4-FFF2-40B4-BE49-F238E27FC236}">
-                <a16:creationId xmlns:a16="http://schemas.microsoft.com/office/drawing/2014/main" id="{750521FD-EDC1-47B6-839B-F4D55BFCABCF}"/>
-              </a:ext>
-            </a:extLst>
-          </p:cNvPr>
-          <p:cNvSpPr txBox="1"/>
-          <p:nvPr/>
-        </p:nvSpPr>
-        <p:spPr>
-          <a:xfrm>
-            <a:off x="1388706" y="830901"/>
-            <a:ext cx="3590988" cy="646331"/>
-          </a:xfrm>
-          <a:prstGeom prst="rect">
-            <a:avLst/>
-          </a:prstGeom>
-          <a:noFill/>
-        </p:spPr>
-        <p:txBody>
-          <a:bodyPr wrap="square" rtlCol="0">
-            <a:spAutoFit/>
-          </a:bodyPr>
-          <a:lstStyle/>
-          <a:p>
-            <a:r>
-              <a:rPr lang="en-GB" dirty="0">
-                <a:solidFill>
-                  <a:schemeClr val="accent1">
-                    <a:lumMod val="75000"/>
-                  </a:schemeClr>
-                </a:solidFill>
-              </a:rPr>
-              <a:t>&lt;script src=“bundle.js”&gt;&lt;/script&gt;</a:t>
-            </a:r>
-          </a:p>
-          <a:p>
-            <a:r>
-              <a:rPr lang="en-GB" dirty="0">
-                <a:solidFill>
-                  <a:schemeClr val="accent1">
-                    <a:lumMod val="75000"/>
-                  </a:schemeClr>
-                </a:solidFill>
-              </a:rPr>
-              <a:t>&lt;div id=“app”&gt;</a:t>
-            </a:r>
-          </a:p>
-        </p:txBody>
-      </p:sp>
-      <p:sp>
-        <p:nvSpPr>
-          <p:cNvPr id="26" name="TextBox 25">
-            <a:extLst>
-              <a:ext uri="{FF2B5EF4-FFF2-40B4-BE49-F238E27FC236}">
-                <a16:creationId xmlns:a16="http://schemas.microsoft.com/office/drawing/2014/main" id="{92E01203-6628-42AA-B191-2BE8EE04C15B}"/>
-              </a:ext>
-            </a:extLst>
-          </p:cNvPr>
-          <p:cNvSpPr txBox="1"/>
-          <p:nvPr/>
-        </p:nvSpPr>
-        <p:spPr>
-          <a:xfrm>
-            <a:off x="9728713" y="1046454"/>
-            <a:ext cx="1278294" cy="369332"/>
-          </a:xfrm>
-          <a:prstGeom prst="rect">
-            <a:avLst/>
-          </a:prstGeom>
-          <a:solidFill>
-            <a:schemeClr val="accent1">
-              <a:lumMod val="60000"/>
-              <a:lumOff val="40000"/>
-            </a:schemeClr>
-          </a:solidFill>
-        </p:spPr>
-        <p:style>
-          <a:lnRef idx="2">
-            <a:schemeClr val="accent6">
-              <a:shade val="50000"/>
-            </a:schemeClr>
-          </a:lnRef>
-          <a:fillRef idx="1">
-            <a:schemeClr val="accent6"/>
-          </a:fillRef>
-          <a:effectRef idx="0">
-            <a:schemeClr val="accent6"/>
-          </a:effectRef>
-          <a:fontRef idx="minor">
-            <a:schemeClr val="lt1"/>
-          </a:fontRef>
-        </p:style>
-        <p:txBody>
-          <a:bodyPr rtlCol="0" anchor="ctr"/>
-          <a:lstStyle>
-            <a:defPPr>
-              <a:defRPr lang="en-US"/>
-            </a:defPPr>
-            <a:lvl1pPr algn="ctr">
-              <a:defRPr>
-                <a:solidFill>
-                  <a:schemeClr val="lt1"/>
-                </a:solidFill>
-                <a:latin typeface="Segoe UI" panose="020B0502040204020203" pitchFamily="34" charset="0"/>
-                <a:cs typeface="Segoe UI" panose="020B0502040204020203" pitchFamily="34" charset="0"/>
-              </a:defRPr>
-            </a:lvl1pPr>
-            <a:lvl2pPr>
-              <a:defRPr>
-                <a:solidFill>
-                  <a:schemeClr val="lt1"/>
-                </a:solidFill>
-              </a:defRPr>
-            </a:lvl2pPr>
-            <a:lvl3pPr>
-              <a:defRPr>
-                <a:solidFill>
-                  <a:schemeClr val="lt1"/>
-                </a:solidFill>
-              </a:defRPr>
-            </a:lvl3pPr>
-            <a:lvl4pPr>
-              <a:defRPr>
-                <a:solidFill>
-                  <a:schemeClr val="lt1"/>
-                </a:solidFill>
-              </a:defRPr>
-            </a:lvl4pPr>
-            <a:lvl5pPr>
-              <a:defRPr>
-                <a:solidFill>
-                  <a:schemeClr val="lt1"/>
-                </a:solidFill>
-              </a:defRPr>
-            </a:lvl5pPr>
-            <a:lvl6pPr>
-              <a:defRPr>
-                <a:solidFill>
-                  <a:schemeClr val="lt1"/>
-                </a:solidFill>
-              </a:defRPr>
-            </a:lvl6pPr>
-            <a:lvl7pPr>
-              <a:defRPr>
-                <a:solidFill>
-                  <a:schemeClr val="lt1"/>
-                </a:solidFill>
-              </a:defRPr>
-            </a:lvl7pPr>
-            <a:lvl8pPr>
-              <a:defRPr>
-                <a:solidFill>
-                  <a:schemeClr val="lt1"/>
-                </a:solidFill>
-              </a:defRPr>
-            </a:lvl8pPr>
-            <a:lvl9pPr>
-              <a:defRPr>
-                <a:solidFill>
-                  <a:schemeClr val="lt1"/>
-                </a:solidFill>
-              </a:defRPr>
-            </a:lvl9pPr>
-          </a:lstStyle>
-          <a:p>
-            <a:r>
-              <a:rPr lang="en-GB" dirty="0"/>
-              <a:t>WordPress</a:t>
-            </a:r>
-          </a:p>
-        </p:txBody>
-      </p:sp>
-      <p:pic>
-        <p:nvPicPr>
-          <p:cNvPr id="4" name="Graphic 3" descr="Sad face with no fill">
-            <a:extLst>
-              <a:ext uri="{FF2B5EF4-FFF2-40B4-BE49-F238E27FC236}">
-                <a16:creationId xmlns:a16="http://schemas.microsoft.com/office/drawing/2014/main" id="{66A14EB3-BF63-41D8-9A63-AE052D7983C9}"/>
-              </a:ext>
-            </a:extLst>
-          </p:cNvPr>
-          <p:cNvPicPr>
-            <a:picLocks noChangeAspect="1"/>
-          </p:cNvPicPr>
-          <p:nvPr/>
-        </p:nvPicPr>
-        <p:blipFill>
-          <a:blip r:embed="rId2">
-            <a:extLst>
-              <a:ext uri="{28A0092B-C50C-407E-A947-70E740481C1C}">
-                <a14:useLocalDpi xmlns:a14="http://schemas.microsoft.com/office/drawing/2010/main" val="0"/>
-              </a:ext>
-              <a:ext uri="{96DAC541-7B7A-43D3-8B79-37D633B846F1}">
-                <asvg:svgBlip xmlns:asvg="http://schemas.microsoft.com/office/drawing/2016/SVG/main" r:embed="rId3"/>
-              </a:ext>
-            </a:extLst>
-          </a:blip>
-          <a:stretch>
-            <a:fillRect/>
-          </a:stretch>
-        </p:blipFill>
-        <p:spPr>
-          <a:xfrm>
-            <a:off x="9259074" y="1901863"/>
-            <a:ext cx="2155961" cy="2155961"/>
-          </a:xfrm>
-          <a:prstGeom prst="rect">
-            <a:avLst/>
-          </a:prstGeom>
-        </p:spPr>
-      </p:pic>
+                <a:solidFill>
+                  <a:srgbClr val="2196F3"/>
+                </a:solidFill>
+                <a:latin typeface="Segoe UI" panose="020B0502040204020203" pitchFamily="34" charset="0"/>
+                <a:cs typeface="Segoe UI" panose="020B0502040204020203" pitchFamily="34" charset="0"/>
+              </a:rPr>
+              <a:t>(Making sure frameworks and custom elements can be BFFs )</a:t>
+            </a:r>
+            <a:endParaRPr lang="en-GB" sz="3600" dirty="0">
+              <a:solidFill>
+                <a:srgbClr val="2196F3"/>
+              </a:solidFill>
+              <a:latin typeface="Segoe UI" panose="020B0502040204020203" pitchFamily="34" charset="0"/>
+              <a:cs typeface="Segoe UI" panose="020B0502040204020203" pitchFamily="34" charset="0"/>
+            </a:endParaRPr>
+          </a:p>
+          <a:p>
+            <a:pPr marL="457200" lvl="1" indent="0">
+              <a:buNone/>
+            </a:pPr>
+            <a:endParaRPr lang="en-GB" sz="1200" dirty="0">
+              <a:solidFill>
+                <a:srgbClr val="2196F3"/>
+              </a:solidFill>
+              <a:latin typeface="Segoe UI" panose="020B0502040204020203" pitchFamily="34" charset="0"/>
+              <a:cs typeface="Segoe UI" panose="020B0502040204020203" pitchFamily="34" charset="0"/>
+            </a:endParaRPr>
+          </a:p>
+          <a:p>
+            <a:pPr marL="457200" lvl="1" indent="0">
+              <a:buNone/>
+            </a:pPr>
+            <a:endParaRPr lang="en-GB" sz="6700" dirty="0">
+              <a:solidFill>
+                <a:srgbClr val="2196F3"/>
+              </a:solidFill>
+              <a:latin typeface="Segoe UI" panose="020B0502040204020203" pitchFamily="34" charset="0"/>
+              <a:cs typeface="Segoe UI" panose="020B0502040204020203" pitchFamily="34" charset="0"/>
+            </a:endParaRPr>
+          </a:p>
+          <a:p>
+            <a:pPr marL="457200" lvl="1" indent="0">
+              <a:buNone/>
+            </a:pPr>
+            <a:endParaRPr lang="en-GB" sz="6700" dirty="0">
+              <a:solidFill>
+                <a:srgbClr val="2196F3"/>
+              </a:solidFill>
+              <a:latin typeface="Segoe UI" panose="020B0502040204020203" pitchFamily="34" charset="0"/>
+              <a:cs typeface="Segoe UI" panose="020B0502040204020203" pitchFamily="34" charset="0"/>
+            </a:endParaRPr>
+          </a:p>
+          <a:p>
+            <a:pPr marL="457200" lvl="1" indent="0">
+              <a:buNone/>
+            </a:pPr>
+            <a:endParaRPr lang="en-GB" sz="6700" dirty="0">
+              <a:latin typeface="Segoe UI" panose="020B0502040204020203" pitchFamily="34" charset="0"/>
+              <a:cs typeface="Segoe UI" panose="020B0502040204020203" pitchFamily="34" charset="0"/>
+            </a:endParaRPr>
+          </a:p>
+          <a:p>
+            <a:pPr marL="0" indent="0">
+              <a:buNone/>
+            </a:pPr>
+            <a:endParaRPr lang="en-GB" dirty="0">
+              <a:latin typeface="Segoe UI" panose="020B0502040204020203" pitchFamily="34" charset="0"/>
+              <a:cs typeface="Segoe UI" panose="020B0502040204020203" pitchFamily="34" charset="0"/>
+            </a:endParaRPr>
+          </a:p>
+          <a:p>
+            <a:endParaRPr lang="en-GB" dirty="0">
+              <a:latin typeface="Segoe UI" panose="020B0502040204020203" pitchFamily="34" charset="0"/>
+              <a:cs typeface="Segoe UI" panose="020B0502040204020203" pitchFamily="34" charset="0"/>
+            </a:endParaRPr>
+          </a:p>
+        </p:txBody>
+      </p:sp>
     </p:spTree>
     <p:extLst>
       <p:ext uri="{BB962C8B-B14F-4D97-AF65-F5344CB8AC3E}">
-        <p14:creationId xmlns:p14="http://schemas.microsoft.com/office/powerpoint/2010/main" val="2165501006"/>
+        <p14:creationId xmlns:p14="http://schemas.microsoft.com/office/powerpoint/2010/main" val="2534555949"/>
       </p:ext>
     </p:extLst>
   </p:cSld>

--- a/webcomponents.pptx
+++ b/webcomponents.pptx
@@ -5,7 +5,7 @@
     <p:sldMasterId id="2147483648" r:id="rId1"/>
   </p:sldMasterIdLst>
   <p:notesMasterIdLst>
-    <p:notesMasterId r:id="rId18"/>
+    <p:notesMasterId r:id="rId19"/>
   </p:notesMasterIdLst>
   <p:sldIdLst>
     <p:sldId id="315" r:id="rId2"/>
@@ -15,15 +15,16 @@
     <p:sldId id="328" r:id="rId6"/>
     <p:sldId id="332" r:id="rId7"/>
     <p:sldId id="331" r:id="rId8"/>
-    <p:sldId id="264" r:id="rId9"/>
-    <p:sldId id="330" r:id="rId10"/>
-    <p:sldId id="329" r:id="rId11"/>
-    <p:sldId id="319" r:id="rId12"/>
-    <p:sldId id="321" r:id="rId13"/>
-    <p:sldId id="326" r:id="rId14"/>
+    <p:sldId id="333" r:id="rId9"/>
+    <p:sldId id="264" r:id="rId10"/>
+    <p:sldId id="330" r:id="rId11"/>
+    <p:sldId id="329" r:id="rId12"/>
+    <p:sldId id="319" r:id="rId13"/>
+    <p:sldId id="321" r:id="rId14"/>
     <p:sldId id="325" r:id="rId15"/>
-    <p:sldId id="312" r:id="rId16"/>
-    <p:sldId id="279" r:id="rId17"/>
+    <p:sldId id="326" r:id="rId16"/>
+    <p:sldId id="312" r:id="rId17"/>
+    <p:sldId id="279" r:id="rId18"/>
   </p:sldIdLst>
   <p:sldSz cx="12192000" cy="6858000"/>
   <p:notesSz cx="6858000" cy="9144000"/>
@@ -134,13 +135,14 @@
             <p14:sldId id="328"/>
             <p14:sldId id="332"/>
             <p14:sldId id="331"/>
+            <p14:sldId id="333"/>
             <p14:sldId id="264"/>
             <p14:sldId id="330"/>
             <p14:sldId id="329"/>
             <p14:sldId id="319"/>
             <p14:sldId id="321"/>
+            <p14:sldId id="325"/>
             <p14:sldId id="326"/>
-            <p14:sldId id="325"/>
             <p14:sldId id="312"/>
             <p14:sldId id="279"/>
           </p14:sldIdLst>
@@ -4068,7 +4070,7 @@
                 <a:latin typeface="Segoe UI" panose="020B0502040204020203" pitchFamily="34" charset="0"/>
                 <a:cs typeface="Segoe UI" panose="020B0502040204020203" pitchFamily="34" charset="0"/>
               </a:rPr>
-              <a:t>COMMUNICATION </a:t>
+              <a:t>What is a Web Component? </a:t>
             </a:r>
           </a:p>
         </p:txBody>
@@ -4097,7 +4099,7 @@
         </p:spPr>
         <p:txBody>
           <a:bodyPr wrap="square" bIns="252000">
-            <a:normAutofit/>
+            <a:normAutofit fontScale="77500" lnSpcReduction="20000"/>
           </a:bodyPr>
           <a:lstStyle/>
           <a:p>
@@ -4122,10 +4124,40 @@
             </a:endParaRPr>
           </a:p>
           <a:p>
-            <a:pPr marL="457200" lvl="1" indent="0">
-              <a:buNone/>
-            </a:pPr>
-            <a:endParaRPr lang="en-GB" sz="2800" dirty="0">
+            <a:pPr marL="457200" lvl="1" indent="0" algn="ctr">
+              <a:buNone/>
+            </a:pPr>
+            <a:r>
+              <a:rPr lang="en-GB" sz="4300" dirty="0">
+                <a:solidFill>
+                  <a:srgbClr val="2196F3"/>
+                </a:solidFill>
+                <a:latin typeface="Segoe UI" panose="020B0502040204020203" pitchFamily="34" charset="0"/>
+                <a:cs typeface="Segoe UI" panose="020B0502040204020203" pitchFamily="34" charset="0"/>
+              </a:rPr>
+              <a:t>&lt;my-component&gt;&lt;/my-component&gt;</a:t>
+            </a:r>
+          </a:p>
+          <a:p>
+            <a:pPr marL="457200" lvl="1" indent="0" algn="ctr">
+              <a:buNone/>
+            </a:pPr>
+            <a:r>
+              <a:rPr lang="en-GB" sz="4300" dirty="0">
+                <a:solidFill>
+                  <a:srgbClr val="2196F3"/>
+                </a:solidFill>
+                <a:latin typeface="Segoe UI" panose="020B0502040204020203" pitchFamily="34" charset="0"/>
+                <a:cs typeface="Segoe UI" panose="020B0502040204020203" pitchFamily="34" charset="0"/>
+              </a:rPr>
+              <a:t>&lt;script src=“file.js”&gt;&lt;/script&gt;</a:t>
+            </a:r>
+          </a:p>
+          <a:p>
+            <a:pPr marL="457200" lvl="1" indent="0" algn="ctr">
+              <a:buNone/>
+            </a:pPr>
+            <a:endParaRPr lang="en-GB" sz="1100" dirty="0">
               <a:solidFill>
                 <a:srgbClr val="2196F3"/>
               </a:solidFill>
@@ -4134,47 +4166,39 @@
             </a:endParaRPr>
           </a:p>
           <a:p>
-            <a:pPr marL="457200" lvl="1" indent="0">
-              <a:buNone/>
-            </a:pPr>
-            <a:r>
-              <a:rPr lang="en-GB" sz="2800" b="1" u="sng" dirty="0">
+            <a:pPr lvl="1">
+              <a:lnSpc>
+                <a:spcPts val="3600"/>
+              </a:lnSpc>
+            </a:pPr>
+            <a:r>
+              <a:rPr lang="en-GB" sz="3600" dirty="0">
                 <a:solidFill>
                   <a:srgbClr val="2196F3"/>
                 </a:solidFill>
                 <a:latin typeface="Segoe UI" panose="020B0502040204020203" pitchFamily="34" charset="0"/>
                 <a:cs typeface="Segoe UI" panose="020B0502040204020203" pitchFamily="34" charset="0"/>
               </a:rPr>
-              <a:t>PROPS DOWN</a:t>
-            </a:r>
-          </a:p>
-          <a:p>
-            <a:pPr marL="457200" lvl="1" indent="0">
-              <a:buNone/>
-            </a:pPr>
-            <a:r>
-              <a:rPr lang="en-GB" sz="2800" dirty="0">
+              <a:t>Must contain at least one hyphen.</a:t>
+            </a:r>
+          </a:p>
+          <a:p>
+            <a:pPr lvl="1">
+              <a:lnSpc>
+                <a:spcPts val="3600"/>
+              </a:lnSpc>
+            </a:pPr>
+            <a:r>
+              <a:rPr lang="en-GB" sz="3600" dirty="0">
                 <a:solidFill>
                   <a:srgbClr val="2196F3"/>
                 </a:solidFill>
                 <a:latin typeface="Segoe UI" panose="020B0502040204020203" pitchFamily="34" charset="0"/>
                 <a:cs typeface="Segoe UI" panose="020B0502040204020203" pitchFamily="34" charset="0"/>
               </a:rPr>
-              <a:t>Demo</a:t>
-            </a:r>
-            <a:r>
-              <a:rPr lang="en-GB" sz="2800" dirty="0">
-                <a:latin typeface="Segoe UI" panose="020B0502040204020203" pitchFamily="34" charset="0"/>
-                <a:cs typeface="Segoe UI" panose="020B0502040204020203" pitchFamily="34" charset="0"/>
-              </a:rPr>
-              <a:t>: 06-library/01-ndc-show-post </a:t>
-            </a:r>
-          </a:p>
-          <a:p>
-            <a:pPr marL="457200" lvl="1" indent="0">
-              <a:buNone/>
-            </a:pPr>
-            <a:endParaRPr lang="en-GB" sz="2800" dirty="0">
+              <a:t>Use just like any HTML tag.</a:t>
+            </a:r>
+            <a:endParaRPr lang="en-GB" sz="1200" dirty="0">
               <a:solidFill>
                 <a:srgbClr val="2196F3"/>
               </a:solidFill>
@@ -4183,67 +4207,76 @@
             </a:endParaRPr>
           </a:p>
           <a:p>
+            <a:pPr lvl="1">
+              <a:lnSpc>
+                <a:spcPts val="3600"/>
+              </a:lnSpc>
+            </a:pPr>
+            <a:r>
+              <a:rPr lang="en-GB" sz="3600" dirty="0">
+                <a:solidFill>
+                  <a:srgbClr val="2196F3"/>
+                </a:solidFill>
+                <a:latin typeface="Segoe UI" panose="020B0502040204020203" pitchFamily="34" charset="0"/>
+                <a:cs typeface="Segoe UI" panose="020B0502040204020203" pitchFamily="34" charset="0"/>
+              </a:rPr>
+              <a:t>They extend </a:t>
+            </a:r>
+            <a:r>
+              <a:rPr lang="en-GB" sz="3600" b="1" dirty="0">
+                <a:solidFill>
+                  <a:srgbClr val="2196F3"/>
+                </a:solidFill>
+                <a:latin typeface="Segoe UI" panose="020B0502040204020203" pitchFamily="34" charset="0"/>
+                <a:cs typeface="Segoe UI" panose="020B0502040204020203" pitchFamily="34" charset="0"/>
+              </a:rPr>
+              <a:t>HTMLElement</a:t>
+            </a:r>
+            <a:r>
+              <a:rPr lang="en-GB" sz="3600" dirty="0">
+                <a:solidFill>
+                  <a:srgbClr val="2196F3"/>
+                </a:solidFill>
+                <a:latin typeface="Segoe UI" panose="020B0502040204020203" pitchFamily="34" charset="0"/>
+                <a:cs typeface="Segoe UI" panose="020B0502040204020203" pitchFamily="34" charset="0"/>
+              </a:rPr>
+              <a:t> class.</a:t>
+            </a:r>
+          </a:p>
+          <a:p>
+            <a:pPr lvl="1">
+              <a:lnSpc>
+                <a:spcPts val="3600"/>
+              </a:lnSpc>
+            </a:pPr>
+            <a:r>
+              <a:rPr lang="en-GB" sz="3600" dirty="0">
+                <a:solidFill>
+                  <a:srgbClr val="2196F3"/>
+                </a:solidFill>
+                <a:latin typeface="Segoe UI" panose="020B0502040204020203" pitchFamily="34" charset="0"/>
+                <a:cs typeface="Segoe UI" panose="020B0502040204020203" pitchFamily="34" charset="0"/>
+              </a:rPr>
+              <a:t>Hybrids is a non-class based library - https://hybrids.js.org/</a:t>
+            </a:r>
+          </a:p>
+          <a:p>
             <a:pPr marL="457200" lvl="1" indent="0">
               <a:buNone/>
             </a:pPr>
-            <a:r>
-              <a:rPr lang="en-GB" sz="2800" b="1" u="sng" dirty="0">
-                <a:solidFill>
-                  <a:srgbClr val="2196F3"/>
-                </a:solidFill>
-                <a:latin typeface="Segoe UI" panose="020B0502040204020203" pitchFamily="34" charset="0"/>
-                <a:cs typeface="Segoe UI" panose="020B0502040204020203" pitchFamily="34" charset="0"/>
-              </a:rPr>
-              <a:t>EVENTS UP</a:t>
-            </a:r>
-          </a:p>
-          <a:p>
-            <a:pPr marL="457200" lvl="1" indent="0">
-              <a:buNone/>
-            </a:pPr>
-            <a:r>
-              <a:rPr lang="en-GB" sz="2800" dirty="0">
-                <a:solidFill>
-                  <a:srgbClr val="2196F3"/>
-                </a:solidFill>
-                <a:latin typeface="Segoe UI" panose="020B0502040204020203" pitchFamily="34" charset="0"/>
-                <a:cs typeface="Segoe UI" panose="020B0502040204020203" pitchFamily="34" charset="0"/>
-              </a:rPr>
-              <a:t>Demo: </a:t>
-            </a:r>
-            <a:r>
-              <a:rPr lang="en-GB" sz="2800" dirty="0">
-                <a:latin typeface="Segoe UI" panose="020B0502040204020203" pitchFamily="34" charset="0"/>
-                <a:cs typeface="Segoe UI" panose="020B0502040204020203" pitchFamily="34" charset="0"/>
-              </a:rPr>
-              <a:t>05-events/15-child-to-parent</a:t>
-            </a:r>
-          </a:p>
-          <a:p>
-            <a:pPr marL="457200" lvl="1" indent="0">
-              <a:buNone/>
-            </a:pPr>
-            <a:r>
-              <a:rPr lang="en-GB" sz="2800" dirty="0">
-                <a:solidFill>
-                  <a:srgbClr val="2196F3"/>
-                </a:solidFill>
-                <a:latin typeface="Segoe UI" panose="020B0502040204020203" pitchFamily="34" charset="0"/>
-                <a:cs typeface="Segoe UI" panose="020B0502040204020203" pitchFamily="34" charset="0"/>
-              </a:rPr>
-              <a:t>We use JS Custom Events to send event and data.</a:t>
-            </a:r>
-          </a:p>
-          <a:p>
-            <a:pPr marL="457200" lvl="1" indent="0">
-              <a:buNone/>
-            </a:pPr>
-            <a:endParaRPr lang="en-GB" dirty="0">
+            <a:endParaRPr lang="en-GB" sz="300" dirty="0">
               <a:solidFill>
                 <a:srgbClr val="2196F3"/>
               </a:solidFill>
               <a:latin typeface="Segoe UI" panose="020B0502040204020203" pitchFamily="34" charset="0"/>
               <a:cs typeface="Segoe UI" panose="020B0502040204020203" pitchFamily="34" charset="0"/>
+              <a:hlinkClick r:id="rId2">
+                <a:extLst>
+                  <a:ext uri="{A12FA001-AC4F-418D-AE19-62706E023703}">
+                    <ahyp:hlinkClr xmlns:ahyp="http://schemas.microsoft.com/office/drawing/2018/hyperlinkcolor" val="tx"/>
+                  </a:ext>
+                </a:extLst>
+              </a:hlinkClick>
             </a:endParaRPr>
           </a:p>
           <a:p>
@@ -4251,6 +4284,79 @@
               <a:buNone/>
             </a:pPr>
             <a:r>
+              <a:rPr lang="en-GB" sz="3600" dirty="0">
+                <a:solidFill>
+                  <a:srgbClr val="2196F3"/>
+                </a:solidFill>
+                <a:latin typeface="Segoe UI" panose="020B0502040204020203" pitchFamily="34" charset="0"/>
+                <a:cs typeface="Segoe UI" panose="020B0502040204020203" pitchFamily="34" charset="0"/>
+                <a:hlinkClick r:id="rId2">
+                  <a:extLst>
+                    <a:ext uri="{A12FA001-AC4F-418D-AE19-62706E023703}">
+                      <ahyp:hlinkClr xmlns:ahyp="http://schemas.microsoft.com/office/drawing/2018/hyperlinkcolor" val="tx"/>
+                    </a:ext>
+                  </a:extLst>
+                </a:hlinkClick>
+              </a:rPr>
+              <a:t>https://www.webcomponents.org/</a:t>
+            </a:r>
+            <a:endParaRPr lang="en-GB" sz="3600" dirty="0">
+              <a:solidFill>
+                <a:srgbClr val="2196F3"/>
+              </a:solidFill>
+              <a:latin typeface="Segoe UI" panose="020B0502040204020203" pitchFamily="34" charset="0"/>
+              <a:cs typeface="Segoe UI" panose="020B0502040204020203" pitchFamily="34" charset="0"/>
+            </a:endParaRPr>
+          </a:p>
+          <a:p>
+            <a:pPr marL="457200" lvl="1" indent="0">
+              <a:buNone/>
+            </a:pPr>
+            <a:endParaRPr lang="en-GB" sz="1300" dirty="0">
+              <a:solidFill>
+                <a:srgbClr val="2196F3"/>
+              </a:solidFill>
+              <a:latin typeface="Segoe UI" panose="020B0502040204020203" pitchFamily="34" charset="0"/>
+              <a:cs typeface="Segoe UI" panose="020B0502040204020203" pitchFamily="34" charset="0"/>
+            </a:endParaRPr>
+          </a:p>
+          <a:p>
+            <a:pPr marL="457200" lvl="1" indent="0">
+              <a:buNone/>
+            </a:pPr>
+            <a:r>
+              <a:rPr lang="en-GB" sz="3600" dirty="0">
+                <a:solidFill>
+                  <a:srgbClr val="2196F3"/>
+                </a:solidFill>
+                <a:latin typeface="Segoe UI" panose="020B0502040204020203" pitchFamily="34" charset="0"/>
+                <a:cs typeface="Segoe UI" panose="020B0502040204020203" pitchFamily="34" charset="0"/>
+                <a:hlinkClick r:id="rId3">
+                  <a:extLst>
+                    <a:ext uri="{A12FA001-AC4F-418D-AE19-62706E023703}">
+                      <ahyp:hlinkClr xmlns:ahyp="http://schemas.microsoft.com/office/drawing/2018/hyperlinkcolor" val="tx"/>
+                    </a:ext>
+                  </a:extLst>
+                </a:hlinkClick>
+              </a:rPr>
+              <a:t>https://custom-elements-everywhere.com/</a:t>
+            </a:r>
+            <a:r>
+              <a:rPr lang="en-GB" sz="3600" dirty="0">
+                <a:solidFill>
+                  <a:srgbClr val="2196F3"/>
+                </a:solidFill>
+                <a:latin typeface="Segoe UI" panose="020B0502040204020203" pitchFamily="34" charset="0"/>
+                <a:cs typeface="Segoe UI" panose="020B0502040204020203" pitchFamily="34" charset="0"/>
+              </a:rPr>
+              <a:t> </a:t>
+            </a:r>
+          </a:p>
+          <a:p>
+            <a:pPr marL="457200" lvl="1" indent="0">
+              <a:buNone/>
+            </a:pPr>
+            <a:r>
               <a:rPr lang="en-GB" dirty="0">
                 <a:solidFill>
                   <a:srgbClr val="2196F3"/>
@@ -4258,8 +4364,27 @@
                 <a:latin typeface="Segoe UI" panose="020B0502040204020203" pitchFamily="34" charset="0"/>
                 <a:cs typeface="Segoe UI" panose="020B0502040204020203" pitchFamily="34" charset="0"/>
               </a:rPr>
-              <a:t>NB Methods and properties on components can be directly accessed. This would be a design choice as components tend to use props down events up, rather than sibling to sibling.</a:t>
-            </a:r>
+              <a:t>(Making sure frameworks and custom elements can be BFFs )</a:t>
+            </a:r>
+            <a:endParaRPr lang="en-GB" sz="3600" dirty="0">
+              <a:solidFill>
+                <a:srgbClr val="2196F3"/>
+              </a:solidFill>
+              <a:latin typeface="Segoe UI" panose="020B0502040204020203" pitchFamily="34" charset="0"/>
+              <a:cs typeface="Segoe UI" panose="020B0502040204020203" pitchFamily="34" charset="0"/>
+            </a:endParaRPr>
+          </a:p>
+          <a:p>
+            <a:pPr marL="457200" lvl="1" indent="0">
+              <a:buNone/>
+            </a:pPr>
+            <a:endParaRPr lang="en-GB" sz="1200" dirty="0">
+              <a:solidFill>
+                <a:srgbClr val="2196F3"/>
+              </a:solidFill>
+              <a:latin typeface="Segoe UI" panose="020B0502040204020203" pitchFamily="34" charset="0"/>
+              <a:cs typeface="Segoe UI" panose="020B0502040204020203" pitchFamily="34" charset="0"/>
+            </a:endParaRPr>
           </a:p>
           <a:p>
             <a:pPr marL="457200" lvl="1" indent="0">
@@ -4278,6 +4403,18 @@
               <a:buNone/>
             </a:pPr>
             <a:endParaRPr lang="en-GB" sz="6700" dirty="0">
+              <a:solidFill>
+                <a:srgbClr val="2196F3"/>
+              </a:solidFill>
+              <a:latin typeface="Segoe UI" panose="020B0502040204020203" pitchFamily="34" charset="0"/>
+              <a:cs typeface="Segoe UI" panose="020B0502040204020203" pitchFamily="34" charset="0"/>
+            </a:endParaRPr>
+          </a:p>
+          <a:p>
+            <a:pPr marL="457200" lvl="1" indent="0">
+              <a:buNone/>
+            </a:pPr>
+            <a:endParaRPr lang="en-GB" sz="6700" dirty="0">
               <a:latin typeface="Segoe UI" panose="020B0502040204020203" pitchFamily="34" charset="0"/>
               <a:cs typeface="Segoe UI" panose="020B0502040204020203" pitchFamily="34" charset="0"/>
             </a:endParaRPr>
@@ -4302,7 +4439,7 @@
     </p:spTree>
     <p:extLst>
       <p:ext uri="{BB962C8B-B14F-4D97-AF65-F5344CB8AC3E}">
-        <p14:creationId xmlns:p14="http://schemas.microsoft.com/office/powerpoint/2010/main" val="3886042273"/>
+        <p14:creationId xmlns:p14="http://schemas.microsoft.com/office/powerpoint/2010/main" val="2534555949"/>
       </p:ext>
     </p:extLst>
   </p:cSld>
@@ -4331,941 +4468,279 @@
       </p:grpSpPr>
       <p:sp>
         <p:nvSpPr>
-          <p:cNvPr id="5" name="Rectangle: Rounded Corners 4">
-            <a:extLst>
-              <a:ext uri="{FF2B5EF4-FFF2-40B4-BE49-F238E27FC236}">
-                <a16:creationId xmlns:a16="http://schemas.microsoft.com/office/drawing/2014/main" id="{65B1CF75-47B8-4AC4-BD1E-926B376FD50D}"/>
-              </a:ext>
-            </a:extLst>
-          </p:cNvPr>
-          <p:cNvSpPr/>
-          <p:nvPr/>
+          <p:cNvPr id="2" name="Title 1">
+            <a:extLst>
+              <a:ext uri="{FF2B5EF4-FFF2-40B4-BE49-F238E27FC236}">
+                <a16:creationId xmlns:a16="http://schemas.microsoft.com/office/drawing/2014/main" id="{5D7568B3-EC9A-45DD-8A17-CFE685194B65}"/>
+              </a:ext>
+            </a:extLst>
+          </p:cNvPr>
+          <p:cNvSpPr>
+            <a:spLocks noGrp="1"/>
+          </p:cNvSpPr>
+          <p:nvPr>
+            <p:ph type="title"/>
+          </p:nvPr>
         </p:nvSpPr>
         <p:spPr>
           <a:xfrm>
-            <a:off x="886408" y="4376057"/>
-            <a:ext cx="1819470" cy="942392"/>
-          </a:xfrm>
-          <a:prstGeom prst="roundRect">
-            <a:avLst/>
-          </a:prstGeom>
+            <a:off x="838200" y="0"/>
+            <a:ext cx="10515600" cy="1325563"/>
+          </a:xfrm>
           <a:solidFill>
-            <a:schemeClr val="bg1">
-              <a:lumMod val="85000"/>
-            </a:schemeClr>
+            <a:srgbClr val="2196F3"/>
           </a:solidFill>
-          <a:ln w="28575">
-            <a:solidFill>
-              <a:srgbClr val="FF0000"/>
-            </a:solidFill>
-          </a:ln>
-        </p:spPr>
-        <p:style>
-          <a:lnRef idx="2">
-            <a:schemeClr val="accent1">
-              <a:shade val="50000"/>
-            </a:schemeClr>
-          </a:lnRef>
-          <a:fillRef idx="1">
-            <a:schemeClr val="accent1"/>
-          </a:fillRef>
-          <a:effectRef idx="0">
-            <a:schemeClr val="accent1"/>
-          </a:effectRef>
-          <a:fontRef idx="minor">
-            <a:schemeClr val="lt1"/>
-          </a:fontRef>
-        </p:style>
-        <p:txBody>
-          <a:bodyPr rtlCol="0" anchor="ctr"/>
-          <a:lstStyle/>
-          <a:p>
-            <a:pPr algn="ctr"/>
-            <a:endParaRPr lang="en-GB">
-              <a:latin typeface="Segoe UI" panose="020B0502040204020203" pitchFamily="34" charset="0"/>
-              <a:cs typeface="Segoe UI" panose="020B0502040204020203" pitchFamily="34" charset="0"/>
-            </a:endParaRPr>
-          </a:p>
-        </p:txBody>
-      </p:sp>
-      <p:cxnSp>
-        <p:nvCxnSpPr>
-          <p:cNvPr id="7" name="Straight Connector 6">
-            <a:extLst>
-              <a:ext uri="{FF2B5EF4-FFF2-40B4-BE49-F238E27FC236}">
-                <a16:creationId xmlns:a16="http://schemas.microsoft.com/office/drawing/2014/main" id="{5B3AFA23-E550-4B2B-8247-AFA75329D28C}"/>
-              </a:ext>
-            </a:extLst>
-          </p:cNvPr>
-          <p:cNvCxnSpPr>
-            <a:cxnSpLocks/>
-          </p:cNvCxnSpPr>
-          <p:nvPr/>
-        </p:nvCxnSpPr>
-        <p:spPr>
-          <a:xfrm>
-            <a:off x="8238930" y="0"/>
-            <a:ext cx="0" cy="6858000"/>
-          </a:xfrm>
-          <a:prstGeom prst="line">
-            <a:avLst/>
-          </a:prstGeom>
-          <a:ln w="127000">
-            <a:solidFill>
-              <a:schemeClr val="tx1"/>
-            </a:solidFill>
-          </a:ln>
-        </p:spPr>
-        <p:style>
-          <a:lnRef idx="1">
-            <a:schemeClr val="accent1"/>
-          </a:lnRef>
-          <a:fillRef idx="0">
-            <a:schemeClr val="accent1"/>
-          </a:fillRef>
-          <a:effectRef idx="0">
-            <a:schemeClr val="accent1"/>
-          </a:effectRef>
-          <a:fontRef idx="minor">
-            <a:schemeClr val="tx1"/>
-          </a:fontRef>
-        </p:style>
-      </p:cxnSp>
-      <p:cxnSp>
-        <p:nvCxnSpPr>
-          <p:cNvPr id="9" name="Straight Connector 8">
-            <a:extLst>
-              <a:ext uri="{FF2B5EF4-FFF2-40B4-BE49-F238E27FC236}">
-                <a16:creationId xmlns:a16="http://schemas.microsoft.com/office/drawing/2014/main" id="{8ECDE257-0E06-4C73-B713-15F600FA91AE}"/>
-              </a:ext>
-            </a:extLst>
-          </p:cNvPr>
-          <p:cNvCxnSpPr>
-            <a:cxnSpLocks/>
-          </p:cNvCxnSpPr>
-          <p:nvPr/>
-        </p:nvCxnSpPr>
-        <p:spPr>
-          <a:xfrm>
-            <a:off x="3097763" y="3437944"/>
-            <a:ext cx="0" cy="2449286"/>
-          </a:xfrm>
-          <a:prstGeom prst="line">
-            <a:avLst/>
-          </a:prstGeom>
-          <a:ln w="15875" cmpd="dbl">
-            <a:solidFill>
-              <a:schemeClr val="accent6">
-                <a:lumMod val="75000"/>
-              </a:schemeClr>
-            </a:solidFill>
-            <a:prstDash val="lgDash"/>
-          </a:ln>
-        </p:spPr>
-        <p:style>
-          <a:lnRef idx="1">
-            <a:schemeClr val="accent1"/>
-          </a:lnRef>
-          <a:fillRef idx="0">
-            <a:schemeClr val="accent1"/>
-          </a:fillRef>
-          <a:effectRef idx="0">
-            <a:schemeClr val="accent1"/>
-          </a:effectRef>
-          <a:fontRef idx="minor">
-            <a:schemeClr val="tx1"/>
-          </a:fontRef>
-        </p:style>
-      </p:cxnSp>
-      <p:sp>
-        <p:nvSpPr>
-          <p:cNvPr id="13" name="Rectangle: Rounded Corners 12">
-            <a:extLst>
-              <a:ext uri="{FF2B5EF4-FFF2-40B4-BE49-F238E27FC236}">
-                <a16:creationId xmlns:a16="http://schemas.microsoft.com/office/drawing/2014/main" id="{497DB97B-039D-4182-8A21-C324F5A05084}"/>
-              </a:ext>
-            </a:extLst>
-          </p:cNvPr>
-          <p:cNvSpPr/>
-          <p:nvPr/>
-        </p:nvSpPr>
-        <p:spPr>
-          <a:xfrm>
-            <a:off x="1244080" y="709127"/>
-            <a:ext cx="5520611" cy="2183363"/>
-          </a:xfrm>
-          <a:prstGeom prst="roundRect">
-            <a:avLst/>
-          </a:prstGeom>
-          <a:solidFill>
-            <a:schemeClr val="bg1">
-              <a:lumMod val="85000"/>
-            </a:schemeClr>
-          </a:solidFill>
-          <a:ln w="28575">
-            <a:solidFill>
-              <a:srgbClr val="FF0000"/>
-            </a:solidFill>
-          </a:ln>
-        </p:spPr>
-        <p:style>
-          <a:lnRef idx="2">
-            <a:schemeClr val="accent1">
-              <a:shade val="50000"/>
-            </a:schemeClr>
-          </a:lnRef>
-          <a:fillRef idx="1">
-            <a:schemeClr val="accent1"/>
-          </a:fillRef>
-          <a:effectRef idx="0">
-            <a:schemeClr val="accent1"/>
-          </a:effectRef>
-          <a:fontRef idx="minor">
-            <a:schemeClr val="lt1"/>
-          </a:fontRef>
-        </p:style>
-        <p:txBody>
-          <a:bodyPr rtlCol="0" anchor="ctr"/>
-          <a:lstStyle/>
-          <a:p>
-            <a:pPr algn="ctr"/>
-            <a:endParaRPr lang="en-GB">
-              <a:latin typeface="Segoe UI" panose="020B0502040204020203" pitchFamily="34" charset="0"/>
-              <a:cs typeface="Segoe UI" panose="020B0502040204020203" pitchFamily="34" charset="0"/>
-            </a:endParaRPr>
-          </a:p>
-        </p:txBody>
-      </p:sp>
-      <p:sp>
-        <p:nvSpPr>
-          <p:cNvPr id="14" name="Rectangle: Rounded Corners 13">
-            <a:extLst>
-              <a:ext uri="{FF2B5EF4-FFF2-40B4-BE49-F238E27FC236}">
-                <a16:creationId xmlns:a16="http://schemas.microsoft.com/office/drawing/2014/main" id="{670B406B-FAA1-4A47-9E0F-388A4554F760}"/>
-              </a:ext>
-            </a:extLst>
-          </p:cNvPr>
-          <p:cNvSpPr/>
-          <p:nvPr/>
-        </p:nvSpPr>
-        <p:spPr>
-          <a:xfrm>
-            <a:off x="5951371" y="4406768"/>
-            <a:ext cx="1819470" cy="942392"/>
-          </a:xfrm>
-          <a:prstGeom prst="roundRect">
-            <a:avLst/>
-          </a:prstGeom>
-          <a:solidFill>
-            <a:schemeClr val="bg1">
-              <a:lumMod val="85000"/>
-            </a:schemeClr>
-          </a:solidFill>
-          <a:ln w="28575">
-            <a:solidFill>
-              <a:srgbClr val="FF0000"/>
-            </a:solidFill>
-          </a:ln>
-        </p:spPr>
-        <p:style>
-          <a:lnRef idx="2">
-            <a:schemeClr val="accent1">
-              <a:shade val="50000"/>
-            </a:schemeClr>
-          </a:lnRef>
-          <a:fillRef idx="1">
-            <a:schemeClr val="accent1"/>
-          </a:fillRef>
-          <a:effectRef idx="0">
-            <a:schemeClr val="accent1"/>
-          </a:effectRef>
-          <a:fontRef idx="minor">
-            <a:schemeClr val="lt1"/>
-          </a:fontRef>
-        </p:style>
-        <p:txBody>
-          <a:bodyPr rtlCol="0" anchor="ctr"/>
-          <a:lstStyle/>
-          <a:p>
-            <a:pPr algn="ctr"/>
-            <a:endParaRPr lang="en-GB">
-              <a:latin typeface="Segoe UI" panose="020B0502040204020203" pitchFamily="34" charset="0"/>
-              <a:cs typeface="Segoe UI" panose="020B0502040204020203" pitchFamily="34" charset="0"/>
-            </a:endParaRPr>
-          </a:p>
-        </p:txBody>
-      </p:sp>
-      <p:sp>
-        <p:nvSpPr>
-          <p:cNvPr id="15" name="Rectangle: Rounded Corners 14">
-            <a:extLst>
-              <a:ext uri="{FF2B5EF4-FFF2-40B4-BE49-F238E27FC236}">
-                <a16:creationId xmlns:a16="http://schemas.microsoft.com/office/drawing/2014/main" id="{56FA4A14-0892-4CE1-BE7A-A2056ECF1DAC}"/>
-              </a:ext>
-            </a:extLst>
-          </p:cNvPr>
-          <p:cNvSpPr/>
-          <p:nvPr/>
-        </p:nvSpPr>
-        <p:spPr>
-          <a:xfrm>
-            <a:off x="3456988" y="4406768"/>
-            <a:ext cx="1819470" cy="942392"/>
-          </a:xfrm>
-          <a:prstGeom prst="roundRect">
-            <a:avLst/>
-          </a:prstGeom>
-          <a:solidFill>
-            <a:schemeClr val="bg1">
-              <a:lumMod val="85000"/>
-            </a:schemeClr>
-          </a:solidFill>
-          <a:ln w="28575">
-            <a:solidFill>
-              <a:srgbClr val="FF0000"/>
-            </a:solidFill>
-          </a:ln>
-        </p:spPr>
-        <p:style>
-          <a:lnRef idx="2">
-            <a:schemeClr val="accent1">
-              <a:shade val="50000"/>
-            </a:schemeClr>
-          </a:lnRef>
-          <a:fillRef idx="1">
-            <a:schemeClr val="accent1"/>
-          </a:fillRef>
-          <a:effectRef idx="0">
-            <a:schemeClr val="accent1"/>
-          </a:effectRef>
-          <a:fontRef idx="minor">
-            <a:schemeClr val="lt1"/>
-          </a:fontRef>
-        </p:style>
-        <p:txBody>
-          <a:bodyPr rtlCol="0" anchor="ctr"/>
-          <a:lstStyle/>
-          <a:p>
-            <a:pPr algn="ctr"/>
-            <a:endParaRPr lang="en-GB">
-              <a:latin typeface="Segoe UI" panose="020B0502040204020203" pitchFamily="34" charset="0"/>
-              <a:cs typeface="Segoe UI" panose="020B0502040204020203" pitchFamily="34" charset="0"/>
-            </a:endParaRPr>
-          </a:p>
-        </p:txBody>
-      </p:sp>
-      <p:cxnSp>
-        <p:nvCxnSpPr>
-          <p:cNvPr id="16" name="Straight Connector 15">
-            <a:extLst>
-              <a:ext uri="{FF2B5EF4-FFF2-40B4-BE49-F238E27FC236}">
-                <a16:creationId xmlns:a16="http://schemas.microsoft.com/office/drawing/2014/main" id="{B8646BD2-FF5F-47C6-9788-5228BF540137}"/>
-              </a:ext>
-            </a:extLst>
-          </p:cNvPr>
-          <p:cNvCxnSpPr>
-            <a:cxnSpLocks/>
-          </p:cNvCxnSpPr>
-          <p:nvPr/>
-        </p:nvCxnSpPr>
-        <p:spPr>
-          <a:xfrm>
-            <a:off x="5592147" y="3429000"/>
-            <a:ext cx="0" cy="2449286"/>
-          </a:xfrm>
-          <a:prstGeom prst="line">
-            <a:avLst/>
-          </a:prstGeom>
-          <a:ln w="15875" cmpd="dbl">
-            <a:solidFill>
-              <a:schemeClr val="accent6">
-                <a:lumMod val="75000"/>
-              </a:schemeClr>
-            </a:solidFill>
-            <a:prstDash val="lgDash"/>
-          </a:ln>
-        </p:spPr>
-        <p:style>
-          <a:lnRef idx="1">
-            <a:schemeClr val="accent1"/>
-          </a:lnRef>
-          <a:fillRef idx="0">
-            <a:schemeClr val="accent1"/>
-          </a:fillRef>
-          <a:effectRef idx="0">
-            <a:schemeClr val="accent1"/>
-          </a:effectRef>
-          <a:fontRef idx="minor">
-            <a:schemeClr val="tx1"/>
-          </a:fontRef>
-        </p:style>
-      </p:cxnSp>
-      <p:sp>
-        <p:nvSpPr>
-          <p:cNvPr id="17" name="TextBox 16">
-            <a:extLst>
-              <a:ext uri="{FF2B5EF4-FFF2-40B4-BE49-F238E27FC236}">
-                <a16:creationId xmlns:a16="http://schemas.microsoft.com/office/drawing/2014/main" id="{6E8BFC32-3AFA-4B4C-9172-2CBE21A80A58}"/>
-              </a:ext>
-            </a:extLst>
-          </p:cNvPr>
-          <p:cNvSpPr txBox="1"/>
-          <p:nvPr/>
-        </p:nvSpPr>
-        <p:spPr>
-          <a:xfrm>
-            <a:off x="2362465" y="1178588"/>
-            <a:ext cx="3187956" cy="1446550"/>
-          </a:xfrm>
-          <a:prstGeom prst="rect">
-            <a:avLst/>
-          </a:prstGeom>
-          <a:noFill/>
-        </p:spPr>
-        <p:txBody>
-          <a:bodyPr wrap="square" rtlCol="0">
-            <a:spAutoFit/>
+        </p:spPr>
+        <p:txBody>
+          <a:bodyPr>
+            <a:normAutofit/>
           </a:bodyPr>
           <a:lstStyle/>
           <a:p>
-            <a:r>
-              <a:rPr lang="en-GB" sz="8800" dirty="0">
-                <a:latin typeface="Segoe UI" panose="020B0502040204020203" pitchFamily="34" charset="0"/>
-                <a:cs typeface="Segoe UI" panose="020B0502040204020203" pitchFamily="34" charset="0"/>
-              </a:rPr>
-              <a:t>HTML</a:t>
-            </a:r>
-          </a:p>
-        </p:txBody>
-      </p:sp>
-      <p:sp>
-        <p:nvSpPr>
-          <p:cNvPr id="19" name="TextBox 18">
-            <a:extLst>
-              <a:ext uri="{FF2B5EF4-FFF2-40B4-BE49-F238E27FC236}">
-                <a16:creationId xmlns:a16="http://schemas.microsoft.com/office/drawing/2014/main" id="{C81F58F9-1FC7-477B-877C-80F0959EBC0E}"/>
-              </a:ext>
-            </a:extLst>
-          </p:cNvPr>
-          <p:cNvSpPr txBox="1"/>
-          <p:nvPr/>
+            <a:pPr algn="ctr"/>
+            <a:r>
+              <a:rPr lang="en-GB" sz="6600" dirty="0">
+                <a:solidFill>
+                  <a:schemeClr val="bg1"/>
+                </a:solidFill>
+                <a:latin typeface="Segoe UI" panose="020B0502040204020203" pitchFamily="34" charset="0"/>
+                <a:cs typeface="Segoe UI" panose="020B0502040204020203" pitchFamily="34" charset="0"/>
+              </a:rPr>
+              <a:t>COMMUNICATION </a:t>
+            </a:r>
+          </a:p>
+        </p:txBody>
+      </p:sp>
+      <p:sp>
+        <p:nvSpPr>
+          <p:cNvPr id="4" name="Content Placeholder 2">
+            <a:extLst>
+              <a:ext uri="{FF2B5EF4-FFF2-40B4-BE49-F238E27FC236}">
+                <a16:creationId xmlns:a16="http://schemas.microsoft.com/office/drawing/2014/main" id="{088CCB65-11B4-408B-9ED3-1304FE85032F}"/>
+              </a:ext>
+            </a:extLst>
+          </p:cNvPr>
+          <p:cNvSpPr>
+            <a:spLocks noGrp="1"/>
+          </p:cNvSpPr>
+          <p:nvPr>
+            <p:ph idx="1"/>
+          </p:nvPr>
         </p:nvSpPr>
         <p:spPr>
           <a:xfrm>
-            <a:off x="6019022" y="4693298"/>
-            <a:ext cx="1686507" cy="369332"/>
-          </a:xfrm>
-          <a:prstGeom prst="rect">
-            <a:avLst/>
-          </a:prstGeom>
-          <a:noFill/>
-        </p:spPr>
-        <p:txBody>
-          <a:bodyPr wrap="square" rtlCol="0">
-            <a:spAutoFit/>
+            <a:off x="838200" y="1325563"/>
+            <a:ext cx="10515600" cy="5326907"/>
+          </a:xfrm>
+        </p:spPr>
+        <p:txBody>
+          <a:bodyPr wrap="square" bIns="252000">
+            <a:normAutofit/>
           </a:bodyPr>
           <a:lstStyle/>
           <a:p>
+            <a:pPr marL="0" indent="0">
+              <a:buNone/>
+            </a:pPr>
+            <a:endParaRPr lang="en-GB" sz="900" dirty="0">
+              <a:latin typeface="Segoe UI" panose="020B0502040204020203" pitchFamily="34" charset="0"/>
+              <a:cs typeface="Segoe UI" panose="020B0502040204020203" pitchFamily="34" charset="0"/>
+            </a:endParaRPr>
+          </a:p>
+          <a:p>
+            <a:pPr marL="457200" lvl="1" indent="0">
+              <a:buNone/>
+            </a:pPr>
+            <a:endParaRPr lang="en-GB" sz="400" dirty="0">
+              <a:solidFill>
+                <a:srgbClr val="2196F3"/>
+              </a:solidFill>
+              <a:latin typeface="Segoe UI" panose="020B0502040204020203" pitchFamily="34" charset="0"/>
+              <a:cs typeface="Segoe UI" panose="020B0502040204020203" pitchFamily="34" charset="0"/>
+            </a:endParaRPr>
+          </a:p>
+          <a:p>
+            <a:pPr marL="457200" lvl="1" indent="0">
+              <a:buNone/>
+            </a:pPr>
+            <a:endParaRPr lang="en-GB" sz="2800" dirty="0">
+              <a:solidFill>
+                <a:srgbClr val="2196F3"/>
+              </a:solidFill>
+              <a:latin typeface="Segoe UI" panose="020B0502040204020203" pitchFamily="34" charset="0"/>
+              <a:cs typeface="Segoe UI" panose="020B0502040204020203" pitchFamily="34" charset="0"/>
+            </a:endParaRPr>
+          </a:p>
+          <a:p>
+            <a:pPr marL="457200" lvl="1" indent="0">
+              <a:buNone/>
+            </a:pPr>
+            <a:r>
+              <a:rPr lang="en-GB" sz="2800" b="1" u="sng" dirty="0">
+                <a:solidFill>
+                  <a:srgbClr val="2196F3"/>
+                </a:solidFill>
+                <a:latin typeface="Segoe UI" panose="020B0502040204020203" pitchFamily="34" charset="0"/>
+                <a:cs typeface="Segoe UI" panose="020B0502040204020203" pitchFamily="34" charset="0"/>
+              </a:rPr>
+              <a:t>PROPS DOWN</a:t>
+            </a:r>
+          </a:p>
+          <a:p>
+            <a:pPr marL="457200" lvl="1" indent="0">
+              <a:buNone/>
+            </a:pPr>
+            <a:r>
+              <a:rPr lang="en-GB" sz="2800" dirty="0">
+                <a:solidFill>
+                  <a:srgbClr val="2196F3"/>
+                </a:solidFill>
+                <a:latin typeface="Segoe UI" panose="020B0502040204020203" pitchFamily="34" charset="0"/>
+                <a:cs typeface="Segoe UI" panose="020B0502040204020203" pitchFamily="34" charset="0"/>
+              </a:rPr>
+              <a:t>Demo</a:t>
+            </a:r>
+            <a:r>
+              <a:rPr lang="en-GB" sz="2800" dirty="0">
+                <a:latin typeface="Segoe UI" panose="020B0502040204020203" pitchFamily="34" charset="0"/>
+                <a:cs typeface="Segoe UI" panose="020B0502040204020203" pitchFamily="34" charset="0"/>
+              </a:rPr>
+              <a:t>: 06-library/01-ndc-show-post </a:t>
+            </a:r>
+          </a:p>
+          <a:p>
+            <a:pPr marL="457200" lvl="1" indent="0">
+              <a:buNone/>
+            </a:pPr>
+            <a:endParaRPr lang="en-GB" sz="2800" dirty="0">
+              <a:solidFill>
+                <a:srgbClr val="2196F3"/>
+              </a:solidFill>
+              <a:latin typeface="Segoe UI" panose="020B0502040204020203" pitchFamily="34" charset="0"/>
+              <a:cs typeface="Segoe UI" panose="020B0502040204020203" pitchFamily="34" charset="0"/>
+            </a:endParaRPr>
+          </a:p>
+          <a:p>
+            <a:pPr marL="457200" lvl="1" indent="0">
+              <a:buNone/>
+            </a:pPr>
+            <a:r>
+              <a:rPr lang="en-GB" sz="2800" b="1" u="sng" dirty="0">
+                <a:solidFill>
+                  <a:srgbClr val="2196F3"/>
+                </a:solidFill>
+                <a:latin typeface="Segoe UI" panose="020B0502040204020203" pitchFamily="34" charset="0"/>
+                <a:cs typeface="Segoe UI" panose="020B0502040204020203" pitchFamily="34" charset="0"/>
+              </a:rPr>
+              <a:t>EVENTS UP</a:t>
+            </a:r>
+          </a:p>
+          <a:p>
+            <a:pPr marL="457200" lvl="1" indent="0">
+              <a:buNone/>
+            </a:pPr>
+            <a:r>
+              <a:rPr lang="en-GB" sz="2800" dirty="0">
+                <a:solidFill>
+                  <a:srgbClr val="2196F3"/>
+                </a:solidFill>
+                <a:latin typeface="Segoe UI" panose="020B0502040204020203" pitchFamily="34" charset="0"/>
+                <a:cs typeface="Segoe UI" panose="020B0502040204020203" pitchFamily="34" charset="0"/>
+              </a:rPr>
+              <a:t>Demo: </a:t>
+            </a:r>
+            <a:r>
+              <a:rPr lang="en-GB" sz="2800" dirty="0">
+                <a:latin typeface="Segoe UI" panose="020B0502040204020203" pitchFamily="34" charset="0"/>
+                <a:cs typeface="Segoe UI" panose="020B0502040204020203" pitchFamily="34" charset="0"/>
+              </a:rPr>
+              <a:t>05-events/15-child-to-parent</a:t>
+            </a:r>
+          </a:p>
+          <a:p>
+            <a:pPr marL="457200" lvl="1" indent="0">
+              <a:buNone/>
+            </a:pPr>
+            <a:r>
+              <a:rPr lang="en-GB" sz="2800" dirty="0">
+                <a:solidFill>
+                  <a:srgbClr val="2196F3"/>
+                </a:solidFill>
+                <a:latin typeface="Segoe UI" panose="020B0502040204020203" pitchFamily="34" charset="0"/>
+                <a:cs typeface="Segoe UI" panose="020B0502040204020203" pitchFamily="34" charset="0"/>
+              </a:rPr>
+              <a:t>We use JS Custom Events to send event and data.</a:t>
+            </a:r>
+          </a:p>
+          <a:p>
+            <a:pPr marL="457200" lvl="1" indent="0">
+              <a:buNone/>
+            </a:pPr>
+            <a:endParaRPr lang="en-GB" dirty="0">
+              <a:solidFill>
+                <a:srgbClr val="2196F3"/>
+              </a:solidFill>
+              <a:latin typeface="Segoe UI" panose="020B0502040204020203" pitchFamily="34" charset="0"/>
+              <a:cs typeface="Segoe UI" panose="020B0502040204020203" pitchFamily="34" charset="0"/>
+            </a:endParaRPr>
+          </a:p>
+          <a:p>
+            <a:pPr marL="457200" lvl="1" indent="0">
+              <a:buNone/>
+            </a:pPr>
             <a:r>
               <a:rPr lang="en-GB" dirty="0">
-                <a:latin typeface="Segoe UI" panose="020B0502040204020203" pitchFamily="34" charset="0"/>
-                <a:cs typeface="Segoe UI" panose="020B0502040204020203" pitchFamily="34" charset="0"/>
-              </a:rPr>
-              <a:t>Framework ...n</a:t>
-            </a:r>
-          </a:p>
-        </p:txBody>
-      </p:sp>
-      <p:sp>
-        <p:nvSpPr>
-          <p:cNvPr id="20" name="TextBox 19">
-            <a:extLst>
-              <a:ext uri="{FF2B5EF4-FFF2-40B4-BE49-F238E27FC236}">
-                <a16:creationId xmlns:a16="http://schemas.microsoft.com/office/drawing/2014/main" id="{FB923CCF-0EA9-4C2D-AC00-B89B13CB18B9}"/>
-              </a:ext>
-            </a:extLst>
-          </p:cNvPr>
-          <p:cNvSpPr txBox="1"/>
-          <p:nvPr/>
-        </p:nvSpPr>
-        <p:spPr>
-          <a:xfrm>
-            <a:off x="3619499" y="4693298"/>
-            <a:ext cx="1488233" cy="369332"/>
-          </a:xfrm>
-          <a:prstGeom prst="rect">
-            <a:avLst/>
-          </a:prstGeom>
-          <a:noFill/>
-        </p:spPr>
-        <p:txBody>
-          <a:bodyPr wrap="square" rtlCol="0">
-            <a:spAutoFit/>
-          </a:bodyPr>
-          <a:lstStyle/>
-          <a:p>
-            <a:r>
-              <a:rPr lang="en-GB" dirty="0">
-                <a:latin typeface="Segoe UI" panose="020B0502040204020203" pitchFamily="34" charset="0"/>
-                <a:cs typeface="Segoe UI" panose="020B0502040204020203" pitchFamily="34" charset="0"/>
-              </a:rPr>
-              <a:t>Framework 2</a:t>
-            </a:r>
-          </a:p>
-        </p:txBody>
-      </p:sp>
-      <p:sp>
-        <p:nvSpPr>
-          <p:cNvPr id="21" name="TextBox 20">
-            <a:extLst>
-              <a:ext uri="{FF2B5EF4-FFF2-40B4-BE49-F238E27FC236}">
-                <a16:creationId xmlns:a16="http://schemas.microsoft.com/office/drawing/2014/main" id="{000E004F-3DEE-453A-880F-3667A9536687}"/>
-              </a:ext>
-            </a:extLst>
-          </p:cNvPr>
-          <p:cNvSpPr txBox="1"/>
-          <p:nvPr/>
-        </p:nvSpPr>
-        <p:spPr>
-          <a:xfrm>
-            <a:off x="1091681" y="4693298"/>
-            <a:ext cx="1488233" cy="369332"/>
-          </a:xfrm>
-          <a:prstGeom prst="rect">
-            <a:avLst/>
-          </a:prstGeom>
-          <a:noFill/>
-        </p:spPr>
-        <p:txBody>
-          <a:bodyPr wrap="square" rtlCol="0">
-            <a:spAutoFit/>
-          </a:bodyPr>
-          <a:lstStyle/>
-          <a:p>
-            <a:r>
-              <a:rPr lang="en-GB" dirty="0">
-                <a:latin typeface="Segoe UI" panose="020B0502040204020203" pitchFamily="34" charset="0"/>
-                <a:cs typeface="Segoe UI" panose="020B0502040204020203" pitchFamily="34" charset="0"/>
-              </a:rPr>
-              <a:t>Framework 1</a:t>
-            </a:r>
-          </a:p>
-        </p:txBody>
-      </p:sp>
-      <p:sp>
-        <p:nvSpPr>
-          <p:cNvPr id="23" name="Rectangle: Rounded Corners 22">
-            <a:extLst>
-              <a:ext uri="{FF2B5EF4-FFF2-40B4-BE49-F238E27FC236}">
-                <a16:creationId xmlns:a16="http://schemas.microsoft.com/office/drawing/2014/main" id="{B8A217E0-2E19-412E-A686-048F33BFC561}"/>
-              </a:ext>
-            </a:extLst>
-          </p:cNvPr>
-          <p:cNvSpPr/>
-          <p:nvPr/>
-        </p:nvSpPr>
-        <p:spPr>
-          <a:xfrm>
-            <a:off x="9193762" y="709127"/>
-            <a:ext cx="2251787" cy="4609322"/>
-          </a:xfrm>
-          <a:prstGeom prst="roundRect">
-            <a:avLst/>
-          </a:prstGeom>
-          <a:solidFill>
-            <a:schemeClr val="bg1">
-              <a:lumMod val="85000"/>
-            </a:schemeClr>
-          </a:solidFill>
-          <a:ln w="28575">
-            <a:solidFill>
-              <a:srgbClr val="FF0000"/>
-            </a:solidFill>
-          </a:ln>
-        </p:spPr>
-        <p:style>
-          <a:lnRef idx="2">
-            <a:schemeClr val="accent1">
-              <a:shade val="50000"/>
-            </a:schemeClr>
-          </a:lnRef>
-          <a:fillRef idx="1">
-            <a:schemeClr val="accent1"/>
-          </a:fillRef>
-          <a:effectRef idx="0">
-            <a:schemeClr val="accent1"/>
-          </a:effectRef>
-          <a:fontRef idx="minor">
-            <a:schemeClr val="lt1"/>
-          </a:fontRef>
-        </p:style>
-        <p:txBody>
-          <a:bodyPr rtlCol="0" anchor="ctr"/>
-          <a:lstStyle/>
-          <a:p>
-            <a:pPr algn="ctr"/>
-            <a:endParaRPr lang="en-GB">
-              <a:latin typeface="Segoe UI" panose="020B0502040204020203" pitchFamily="34" charset="0"/>
-              <a:cs typeface="Segoe UI" panose="020B0502040204020203" pitchFamily="34" charset="0"/>
-            </a:endParaRPr>
-          </a:p>
-        </p:txBody>
-      </p:sp>
-      <p:cxnSp>
-        <p:nvCxnSpPr>
-          <p:cNvPr id="18" name="Straight Arrow Connector 17">
-            <a:extLst>
-              <a:ext uri="{FF2B5EF4-FFF2-40B4-BE49-F238E27FC236}">
-                <a16:creationId xmlns:a16="http://schemas.microsoft.com/office/drawing/2014/main" id="{5F7D620A-347A-4465-8346-ADDE9EFF331B}"/>
-              </a:ext>
-            </a:extLst>
-          </p:cNvPr>
-          <p:cNvCxnSpPr>
-            <a:cxnSpLocks/>
-          </p:cNvCxnSpPr>
-          <p:nvPr/>
-        </p:nvCxnSpPr>
-        <p:spPr>
-          <a:xfrm flipV="1">
-            <a:off x="1688841" y="1346327"/>
-            <a:ext cx="0" cy="3029730"/>
-          </a:xfrm>
-          <a:prstGeom prst="straightConnector1">
-            <a:avLst/>
-          </a:prstGeom>
-          <a:ln w="38100">
-            <a:solidFill>
-              <a:schemeClr val="accent1">
-                <a:lumMod val="75000"/>
-              </a:schemeClr>
-            </a:solidFill>
-            <a:tailEnd type="triangle"/>
-          </a:ln>
-        </p:spPr>
-        <p:style>
-          <a:lnRef idx="1">
-            <a:schemeClr val="accent1"/>
-          </a:lnRef>
-          <a:fillRef idx="0">
-            <a:schemeClr val="accent1"/>
-          </a:fillRef>
-          <a:effectRef idx="0">
-            <a:schemeClr val="accent1"/>
-          </a:effectRef>
-          <a:fontRef idx="minor">
-            <a:schemeClr val="tx1"/>
-          </a:fontRef>
-        </p:style>
-      </p:cxnSp>
-      <p:cxnSp>
-        <p:nvCxnSpPr>
-          <p:cNvPr id="22" name="Straight Arrow Connector 21">
-            <a:extLst>
-              <a:ext uri="{FF2B5EF4-FFF2-40B4-BE49-F238E27FC236}">
-                <a16:creationId xmlns:a16="http://schemas.microsoft.com/office/drawing/2014/main" id="{58038E94-A816-4097-B154-9278E5E3AEC5}"/>
-              </a:ext>
-            </a:extLst>
-          </p:cNvPr>
-          <p:cNvCxnSpPr>
-            <a:cxnSpLocks/>
-          </p:cNvCxnSpPr>
-          <p:nvPr/>
-        </p:nvCxnSpPr>
-        <p:spPr>
-          <a:xfrm flipV="1">
-            <a:off x="4266429" y="2692866"/>
-            <a:ext cx="0" cy="1713902"/>
-          </a:xfrm>
-          <a:prstGeom prst="straightConnector1">
-            <a:avLst/>
-          </a:prstGeom>
-          <a:ln w="38100">
-            <a:solidFill>
-              <a:schemeClr val="accent1">
-                <a:lumMod val="75000"/>
-              </a:schemeClr>
-            </a:solidFill>
-            <a:tailEnd type="triangle"/>
-          </a:ln>
-        </p:spPr>
-        <p:style>
-          <a:lnRef idx="1">
-            <a:schemeClr val="accent1"/>
-          </a:lnRef>
-          <a:fillRef idx="0">
-            <a:schemeClr val="accent1"/>
-          </a:fillRef>
-          <a:effectRef idx="0">
-            <a:schemeClr val="accent1"/>
-          </a:effectRef>
-          <a:fontRef idx="minor">
-            <a:schemeClr val="tx1"/>
-          </a:fontRef>
-        </p:style>
-      </p:cxnSp>
-      <p:cxnSp>
-        <p:nvCxnSpPr>
-          <p:cNvPr id="25" name="Straight Arrow Connector 24">
-            <a:extLst>
-              <a:ext uri="{FF2B5EF4-FFF2-40B4-BE49-F238E27FC236}">
-                <a16:creationId xmlns:a16="http://schemas.microsoft.com/office/drawing/2014/main" id="{CE3C969B-AEB4-4EC9-9A8E-B3AE9B64804C}"/>
-              </a:ext>
-            </a:extLst>
-          </p:cNvPr>
-          <p:cNvCxnSpPr/>
-          <p:nvPr/>
-        </p:nvCxnSpPr>
-        <p:spPr>
-          <a:xfrm flipV="1">
-            <a:off x="6263180" y="1666564"/>
-            <a:ext cx="0" cy="2740204"/>
-          </a:xfrm>
-          <a:prstGeom prst="straightConnector1">
-            <a:avLst/>
-          </a:prstGeom>
-          <a:ln w="38100">
-            <a:solidFill>
-              <a:schemeClr val="accent1">
-                <a:lumMod val="75000"/>
-              </a:schemeClr>
-            </a:solidFill>
-            <a:tailEnd type="triangle"/>
-          </a:ln>
-        </p:spPr>
-        <p:style>
-          <a:lnRef idx="1">
-            <a:schemeClr val="accent1"/>
-          </a:lnRef>
-          <a:fillRef idx="0">
-            <a:schemeClr val="accent1"/>
-          </a:fillRef>
-          <a:effectRef idx="0">
-            <a:schemeClr val="accent1"/>
-          </a:effectRef>
-          <a:fontRef idx="minor">
-            <a:schemeClr val="tx1"/>
-          </a:fontRef>
-        </p:style>
-      </p:cxnSp>
-      <p:sp>
-        <p:nvSpPr>
-          <p:cNvPr id="2" name="TextBox 1">
-            <a:extLst>
-              <a:ext uri="{FF2B5EF4-FFF2-40B4-BE49-F238E27FC236}">
-                <a16:creationId xmlns:a16="http://schemas.microsoft.com/office/drawing/2014/main" id="{750521FD-EDC1-47B6-839B-F4D55BFCABCF}"/>
-              </a:ext>
-            </a:extLst>
-          </p:cNvPr>
-          <p:cNvSpPr txBox="1"/>
-          <p:nvPr/>
-        </p:nvSpPr>
-        <p:spPr>
-          <a:xfrm>
-            <a:off x="1388706" y="830901"/>
-            <a:ext cx="3590988" cy="646331"/>
-          </a:xfrm>
-          <a:prstGeom prst="rect">
-            <a:avLst/>
-          </a:prstGeom>
-          <a:noFill/>
-        </p:spPr>
-        <p:txBody>
-          <a:bodyPr wrap="square" rtlCol="0">
-            <a:spAutoFit/>
-          </a:bodyPr>
-          <a:lstStyle/>
-          <a:p>
-            <a:r>
-              <a:rPr lang="en-GB" dirty="0">
-                <a:solidFill>
-                  <a:schemeClr val="accent1">
-                    <a:lumMod val="75000"/>
-                  </a:schemeClr>
-                </a:solidFill>
-              </a:rPr>
-              <a:t>&lt;script src=“bundle.js”&gt;&lt;/script&gt;</a:t>
-            </a:r>
-          </a:p>
-          <a:p>
-            <a:r>
-              <a:rPr lang="en-GB" dirty="0">
-                <a:solidFill>
-                  <a:schemeClr val="accent1">
-                    <a:lumMod val="75000"/>
-                  </a:schemeClr>
-                </a:solidFill>
-              </a:rPr>
-              <a:t>&lt;div id=“app”&gt;</a:t>
-            </a:r>
-          </a:p>
-        </p:txBody>
-      </p:sp>
-      <p:sp>
-        <p:nvSpPr>
-          <p:cNvPr id="26" name="TextBox 25">
-            <a:extLst>
-              <a:ext uri="{FF2B5EF4-FFF2-40B4-BE49-F238E27FC236}">
-                <a16:creationId xmlns:a16="http://schemas.microsoft.com/office/drawing/2014/main" id="{92E01203-6628-42AA-B191-2BE8EE04C15B}"/>
-              </a:ext>
-            </a:extLst>
-          </p:cNvPr>
-          <p:cNvSpPr txBox="1"/>
-          <p:nvPr/>
-        </p:nvSpPr>
-        <p:spPr>
-          <a:xfrm>
-            <a:off x="9728713" y="1046454"/>
-            <a:ext cx="1278294" cy="369332"/>
-          </a:xfrm>
-          <a:prstGeom prst="rect">
-            <a:avLst/>
-          </a:prstGeom>
-          <a:solidFill>
-            <a:schemeClr val="accent1">
-              <a:lumMod val="60000"/>
-              <a:lumOff val="40000"/>
-            </a:schemeClr>
-          </a:solidFill>
-        </p:spPr>
-        <p:style>
-          <a:lnRef idx="2">
-            <a:schemeClr val="accent6">
-              <a:shade val="50000"/>
-            </a:schemeClr>
-          </a:lnRef>
-          <a:fillRef idx="1">
-            <a:schemeClr val="accent6"/>
-          </a:fillRef>
-          <a:effectRef idx="0">
-            <a:schemeClr val="accent6"/>
-          </a:effectRef>
-          <a:fontRef idx="minor">
-            <a:schemeClr val="lt1"/>
-          </a:fontRef>
-        </p:style>
-        <p:txBody>
-          <a:bodyPr rtlCol="0" anchor="ctr"/>
-          <a:lstStyle>
-            <a:defPPr>
-              <a:defRPr lang="en-US"/>
-            </a:defPPr>
-            <a:lvl1pPr algn="ctr">
-              <a:defRPr>
-                <a:solidFill>
-                  <a:schemeClr val="lt1"/>
-                </a:solidFill>
-                <a:latin typeface="Segoe UI" panose="020B0502040204020203" pitchFamily="34" charset="0"/>
-                <a:cs typeface="Segoe UI" panose="020B0502040204020203" pitchFamily="34" charset="0"/>
-              </a:defRPr>
-            </a:lvl1pPr>
-            <a:lvl2pPr>
-              <a:defRPr>
-                <a:solidFill>
-                  <a:schemeClr val="lt1"/>
-                </a:solidFill>
-              </a:defRPr>
-            </a:lvl2pPr>
-            <a:lvl3pPr>
-              <a:defRPr>
-                <a:solidFill>
-                  <a:schemeClr val="lt1"/>
-                </a:solidFill>
-              </a:defRPr>
-            </a:lvl3pPr>
-            <a:lvl4pPr>
-              <a:defRPr>
-                <a:solidFill>
-                  <a:schemeClr val="lt1"/>
-                </a:solidFill>
-              </a:defRPr>
-            </a:lvl4pPr>
-            <a:lvl5pPr>
-              <a:defRPr>
-                <a:solidFill>
-                  <a:schemeClr val="lt1"/>
-                </a:solidFill>
-              </a:defRPr>
-            </a:lvl5pPr>
-            <a:lvl6pPr>
-              <a:defRPr>
-                <a:solidFill>
-                  <a:schemeClr val="lt1"/>
-                </a:solidFill>
-              </a:defRPr>
-            </a:lvl6pPr>
-            <a:lvl7pPr>
-              <a:defRPr>
-                <a:solidFill>
-                  <a:schemeClr val="lt1"/>
-                </a:solidFill>
-              </a:defRPr>
-            </a:lvl7pPr>
-            <a:lvl8pPr>
-              <a:defRPr>
-                <a:solidFill>
-                  <a:schemeClr val="lt1"/>
-                </a:solidFill>
-              </a:defRPr>
-            </a:lvl8pPr>
-            <a:lvl9pPr>
-              <a:defRPr>
-                <a:solidFill>
-                  <a:schemeClr val="lt1"/>
-                </a:solidFill>
-              </a:defRPr>
-            </a:lvl9pPr>
-          </a:lstStyle>
-          <a:p>
-            <a:r>
-              <a:rPr lang="en-GB" dirty="0"/>
-              <a:t>WordPress</a:t>
-            </a:r>
-          </a:p>
-        </p:txBody>
-      </p:sp>
-      <p:pic>
-        <p:nvPicPr>
-          <p:cNvPr id="4" name="Graphic 3" descr="Sad face with no fill">
-            <a:extLst>
-              <a:ext uri="{FF2B5EF4-FFF2-40B4-BE49-F238E27FC236}">
-                <a16:creationId xmlns:a16="http://schemas.microsoft.com/office/drawing/2014/main" id="{66A14EB3-BF63-41D8-9A63-AE052D7983C9}"/>
-              </a:ext>
-            </a:extLst>
-          </p:cNvPr>
-          <p:cNvPicPr>
-            <a:picLocks noChangeAspect="1"/>
-          </p:cNvPicPr>
-          <p:nvPr/>
-        </p:nvPicPr>
-        <p:blipFill>
-          <a:blip r:embed="rId2">
-            <a:extLst>
-              <a:ext uri="{28A0092B-C50C-407E-A947-70E740481C1C}">
-                <a14:useLocalDpi xmlns:a14="http://schemas.microsoft.com/office/drawing/2010/main" val="0"/>
-              </a:ext>
-              <a:ext uri="{96DAC541-7B7A-43D3-8B79-37D633B846F1}">
-                <asvg:svgBlip xmlns:asvg="http://schemas.microsoft.com/office/drawing/2016/SVG/main" r:embed="rId3"/>
-              </a:ext>
-            </a:extLst>
-          </a:blip>
-          <a:stretch>
-            <a:fillRect/>
-          </a:stretch>
-        </p:blipFill>
-        <p:spPr>
-          <a:xfrm>
-            <a:off x="9259074" y="1901863"/>
-            <a:ext cx="2155961" cy="2155961"/>
-          </a:xfrm>
-          <a:prstGeom prst="rect">
-            <a:avLst/>
-          </a:prstGeom>
-        </p:spPr>
-      </p:pic>
+                <a:solidFill>
+                  <a:srgbClr val="2196F3"/>
+                </a:solidFill>
+                <a:latin typeface="Segoe UI" panose="020B0502040204020203" pitchFamily="34" charset="0"/>
+                <a:cs typeface="Segoe UI" panose="020B0502040204020203" pitchFamily="34" charset="0"/>
+              </a:rPr>
+              <a:t>NB Methods and properties on components can be directly accessed. This would be a design choice as components tend to use props down events up, rather than sibling to sibling.</a:t>
+            </a:r>
+          </a:p>
+          <a:p>
+            <a:pPr marL="457200" lvl="1" indent="0">
+              <a:buNone/>
+            </a:pPr>
+            <a:endParaRPr lang="en-GB" sz="6700" dirty="0">
+              <a:solidFill>
+                <a:srgbClr val="2196F3"/>
+              </a:solidFill>
+              <a:latin typeface="Segoe UI" panose="020B0502040204020203" pitchFamily="34" charset="0"/>
+              <a:cs typeface="Segoe UI" panose="020B0502040204020203" pitchFamily="34" charset="0"/>
+            </a:endParaRPr>
+          </a:p>
+          <a:p>
+            <a:pPr marL="457200" lvl="1" indent="0">
+              <a:buNone/>
+            </a:pPr>
+            <a:endParaRPr lang="en-GB" sz="6700" dirty="0">
+              <a:latin typeface="Segoe UI" panose="020B0502040204020203" pitchFamily="34" charset="0"/>
+              <a:cs typeface="Segoe UI" panose="020B0502040204020203" pitchFamily="34" charset="0"/>
+            </a:endParaRPr>
+          </a:p>
+          <a:p>
+            <a:pPr marL="0" indent="0">
+              <a:buNone/>
+            </a:pPr>
+            <a:endParaRPr lang="en-GB" dirty="0">
+              <a:latin typeface="Segoe UI" panose="020B0502040204020203" pitchFamily="34" charset="0"/>
+              <a:cs typeface="Segoe UI" panose="020B0502040204020203" pitchFamily="34" charset="0"/>
+            </a:endParaRPr>
+          </a:p>
+          <a:p>
+            <a:endParaRPr lang="en-GB" dirty="0">
+              <a:latin typeface="Segoe UI" panose="020B0502040204020203" pitchFamily="34" charset="0"/>
+              <a:cs typeface="Segoe UI" panose="020B0502040204020203" pitchFamily="34" charset="0"/>
+            </a:endParaRPr>
+          </a:p>
+        </p:txBody>
+      </p:sp>
     </p:spTree>
     <p:extLst>
       <p:ext uri="{BB962C8B-B14F-4D97-AF65-F5344CB8AC3E}">
-        <p14:creationId xmlns:p14="http://schemas.microsoft.com/office/powerpoint/2010/main" val="2165501006"/>
+        <p14:creationId xmlns:p14="http://schemas.microsoft.com/office/powerpoint/2010/main" val="3886042273"/>
       </p:ext>
     </p:extLst>
   </p:cSld>
@@ -5353,10 +4828,10 @@
       </p:sp>
       <p:cxnSp>
         <p:nvCxnSpPr>
-          <p:cNvPr id="9" name="Straight Connector 8">
-            <a:extLst>
-              <a:ext uri="{FF2B5EF4-FFF2-40B4-BE49-F238E27FC236}">
-                <a16:creationId xmlns:a16="http://schemas.microsoft.com/office/drawing/2014/main" id="{8ECDE257-0E06-4C73-B713-15F600FA91AE}"/>
+          <p:cNvPr id="7" name="Straight Connector 6">
+            <a:extLst>
+              <a:ext uri="{FF2B5EF4-FFF2-40B4-BE49-F238E27FC236}">
+                <a16:creationId xmlns:a16="http://schemas.microsoft.com/office/drawing/2014/main" id="{5B3AFA23-E550-4B2B-8247-AFA75329D28C}"/>
               </a:ext>
             </a:extLst>
           </p:cNvPr>
@@ -5367,19 +4842,16 @@
         </p:nvCxnSpPr>
         <p:spPr>
           <a:xfrm>
-            <a:off x="3097763" y="3437944"/>
-            <a:ext cx="0" cy="2449286"/>
+            <a:off x="8238930" y="0"/>
+            <a:ext cx="0" cy="6858000"/>
           </a:xfrm>
           <a:prstGeom prst="line">
             <a:avLst/>
           </a:prstGeom>
-          <a:ln w="15875" cmpd="dbl">
+          <a:ln w="127000">
             <a:solidFill>
-              <a:schemeClr val="accent6">
-                <a:lumMod val="75000"/>
-              </a:schemeClr>
+              <a:schemeClr val="tx1"/>
             </a:solidFill>
-            <a:prstDash val="lgDash"/>
           </a:ln>
         </p:spPr>
         <p:style>
@@ -5397,12 +4869,58 @@
           </a:fontRef>
         </p:style>
       </p:cxnSp>
-      <p:sp>
-        <p:nvSpPr>
-          <p:cNvPr id="11" name="Rectangle: Rounded Corners 10">
-            <a:extLst>
-              <a:ext uri="{FF2B5EF4-FFF2-40B4-BE49-F238E27FC236}">
-                <a16:creationId xmlns:a16="http://schemas.microsoft.com/office/drawing/2014/main" id="{1D5DB675-0CE6-474A-B918-0BBB81FDF253}"/>
+      <p:cxnSp>
+        <p:nvCxnSpPr>
+          <p:cNvPr id="9" name="Straight Connector 8">
+            <a:extLst>
+              <a:ext uri="{FF2B5EF4-FFF2-40B4-BE49-F238E27FC236}">
+                <a16:creationId xmlns:a16="http://schemas.microsoft.com/office/drawing/2014/main" id="{8ECDE257-0E06-4C73-B713-15F600FA91AE}"/>
+              </a:ext>
+            </a:extLst>
+          </p:cNvPr>
+          <p:cNvCxnSpPr>
+            <a:cxnSpLocks/>
+          </p:cNvCxnSpPr>
+          <p:nvPr/>
+        </p:nvCxnSpPr>
+        <p:spPr>
+          <a:xfrm>
+            <a:off x="3097763" y="3437944"/>
+            <a:ext cx="0" cy="2449286"/>
+          </a:xfrm>
+          <a:prstGeom prst="line">
+            <a:avLst/>
+          </a:prstGeom>
+          <a:ln w="15875" cmpd="dbl">
+            <a:solidFill>
+              <a:schemeClr val="accent6">
+                <a:lumMod val="75000"/>
+              </a:schemeClr>
+            </a:solidFill>
+            <a:prstDash val="lgDash"/>
+          </a:ln>
+        </p:spPr>
+        <p:style>
+          <a:lnRef idx="1">
+            <a:schemeClr val="accent1"/>
+          </a:lnRef>
+          <a:fillRef idx="0">
+            <a:schemeClr val="accent1"/>
+          </a:fillRef>
+          <a:effectRef idx="0">
+            <a:schemeClr val="accent1"/>
+          </a:effectRef>
+          <a:fontRef idx="minor">
+            <a:schemeClr val="tx1"/>
+          </a:fontRef>
+        </p:style>
+      </p:cxnSp>
+      <p:sp>
+        <p:nvSpPr>
+          <p:cNvPr id="13" name="Rectangle: Rounded Corners 12">
+            <a:extLst>
+              <a:ext uri="{FF2B5EF4-FFF2-40B4-BE49-F238E27FC236}">
+                <a16:creationId xmlns:a16="http://schemas.microsoft.com/office/drawing/2014/main" id="{497DB97B-039D-4182-8A21-C324F5A05084}"/>
               </a:ext>
             </a:extLst>
           </p:cNvPr>
@@ -5411,8 +4929,8 @@
         </p:nvSpPr>
         <p:spPr>
           <a:xfrm>
-            <a:off x="9193764" y="709127"/>
-            <a:ext cx="2251787" cy="4609322"/>
+            <a:off x="1244080" y="709127"/>
+            <a:ext cx="5520611" cy="2183363"/>
           </a:xfrm>
           <a:prstGeom prst="roundRect">
             <a:avLst/>
@@ -5458,10 +4976,10 @@
       </p:sp>
       <p:sp>
         <p:nvSpPr>
-          <p:cNvPr id="13" name="Rectangle: Rounded Corners 12">
-            <a:extLst>
-              <a:ext uri="{FF2B5EF4-FFF2-40B4-BE49-F238E27FC236}">
-                <a16:creationId xmlns:a16="http://schemas.microsoft.com/office/drawing/2014/main" id="{497DB97B-039D-4182-8A21-C324F5A05084}"/>
+          <p:cNvPr id="14" name="Rectangle: Rounded Corners 13">
+            <a:extLst>
+              <a:ext uri="{FF2B5EF4-FFF2-40B4-BE49-F238E27FC236}">
+                <a16:creationId xmlns:a16="http://schemas.microsoft.com/office/drawing/2014/main" id="{670B406B-FAA1-4A47-9E0F-388A4554F760}"/>
               </a:ext>
             </a:extLst>
           </p:cNvPr>
@@ -5470,8 +4988,8 @@
         </p:nvSpPr>
         <p:spPr>
           <a:xfrm>
-            <a:off x="1003054" y="777913"/>
-            <a:ext cx="6884431" cy="2183363"/>
+            <a:off x="5951371" y="4406768"/>
+            <a:ext cx="1819470" cy="942392"/>
           </a:xfrm>
           <a:prstGeom prst="roundRect">
             <a:avLst/>
@@ -5517,10 +5035,10 @@
       </p:sp>
       <p:sp>
         <p:nvSpPr>
-          <p:cNvPr id="14" name="Rectangle: Rounded Corners 13">
-            <a:extLst>
-              <a:ext uri="{FF2B5EF4-FFF2-40B4-BE49-F238E27FC236}">
-                <a16:creationId xmlns:a16="http://schemas.microsoft.com/office/drawing/2014/main" id="{670B406B-FAA1-4A47-9E0F-388A4554F760}"/>
+          <p:cNvPr id="15" name="Rectangle: Rounded Corners 14">
+            <a:extLst>
+              <a:ext uri="{FF2B5EF4-FFF2-40B4-BE49-F238E27FC236}">
+                <a16:creationId xmlns:a16="http://schemas.microsoft.com/office/drawing/2014/main" id="{56FA4A14-0892-4CE1-BE7A-A2056ECF1DAC}"/>
               </a:ext>
             </a:extLst>
           </p:cNvPr>
@@ -5529,8 +5047,8 @@
         </p:nvSpPr>
         <p:spPr>
           <a:xfrm>
-            <a:off x="5951371" y="4406768"/>
-            <a:ext cx="1819465" cy="942392"/>
+            <a:off x="3456988" y="4406768"/>
+            <a:ext cx="1819470" cy="942392"/>
           </a:xfrm>
           <a:prstGeom prst="roundRect">
             <a:avLst/>
@@ -5574,12 +5092,210 @@
           </a:p>
         </p:txBody>
       </p:sp>
-      <p:sp>
-        <p:nvSpPr>
-          <p:cNvPr id="15" name="Rectangle: Rounded Corners 14">
-            <a:extLst>
-              <a:ext uri="{FF2B5EF4-FFF2-40B4-BE49-F238E27FC236}">
-                <a16:creationId xmlns:a16="http://schemas.microsoft.com/office/drawing/2014/main" id="{56FA4A14-0892-4CE1-BE7A-A2056ECF1DAC}"/>
+      <p:cxnSp>
+        <p:nvCxnSpPr>
+          <p:cNvPr id="16" name="Straight Connector 15">
+            <a:extLst>
+              <a:ext uri="{FF2B5EF4-FFF2-40B4-BE49-F238E27FC236}">
+                <a16:creationId xmlns:a16="http://schemas.microsoft.com/office/drawing/2014/main" id="{B8646BD2-FF5F-47C6-9788-5228BF540137}"/>
+              </a:ext>
+            </a:extLst>
+          </p:cNvPr>
+          <p:cNvCxnSpPr>
+            <a:cxnSpLocks/>
+          </p:cNvCxnSpPr>
+          <p:nvPr/>
+        </p:nvCxnSpPr>
+        <p:spPr>
+          <a:xfrm>
+            <a:off x="5592147" y="3429000"/>
+            <a:ext cx="0" cy="2449286"/>
+          </a:xfrm>
+          <a:prstGeom prst="line">
+            <a:avLst/>
+          </a:prstGeom>
+          <a:ln w="15875" cmpd="dbl">
+            <a:solidFill>
+              <a:schemeClr val="accent6">
+                <a:lumMod val="75000"/>
+              </a:schemeClr>
+            </a:solidFill>
+            <a:prstDash val="lgDash"/>
+          </a:ln>
+        </p:spPr>
+        <p:style>
+          <a:lnRef idx="1">
+            <a:schemeClr val="accent1"/>
+          </a:lnRef>
+          <a:fillRef idx="0">
+            <a:schemeClr val="accent1"/>
+          </a:fillRef>
+          <a:effectRef idx="0">
+            <a:schemeClr val="accent1"/>
+          </a:effectRef>
+          <a:fontRef idx="minor">
+            <a:schemeClr val="tx1"/>
+          </a:fontRef>
+        </p:style>
+      </p:cxnSp>
+      <p:sp>
+        <p:nvSpPr>
+          <p:cNvPr id="17" name="TextBox 16">
+            <a:extLst>
+              <a:ext uri="{FF2B5EF4-FFF2-40B4-BE49-F238E27FC236}">
+                <a16:creationId xmlns:a16="http://schemas.microsoft.com/office/drawing/2014/main" id="{6E8BFC32-3AFA-4B4C-9172-2CBE21A80A58}"/>
+              </a:ext>
+            </a:extLst>
+          </p:cNvPr>
+          <p:cNvSpPr txBox="1"/>
+          <p:nvPr/>
+        </p:nvSpPr>
+        <p:spPr>
+          <a:xfrm>
+            <a:off x="2362465" y="1178588"/>
+            <a:ext cx="3187956" cy="1446550"/>
+          </a:xfrm>
+          <a:prstGeom prst="rect">
+            <a:avLst/>
+          </a:prstGeom>
+          <a:noFill/>
+        </p:spPr>
+        <p:txBody>
+          <a:bodyPr wrap="square" rtlCol="0">
+            <a:spAutoFit/>
+          </a:bodyPr>
+          <a:lstStyle/>
+          <a:p>
+            <a:r>
+              <a:rPr lang="en-GB" sz="8800" dirty="0">
+                <a:latin typeface="Segoe UI" panose="020B0502040204020203" pitchFamily="34" charset="0"/>
+                <a:cs typeface="Segoe UI" panose="020B0502040204020203" pitchFamily="34" charset="0"/>
+              </a:rPr>
+              <a:t>HTML</a:t>
+            </a:r>
+          </a:p>
+        </p:txBody>
+      </p:sp>
+      <p:sp>
+        <p:nvSpPr>
+          <p:cNvPr id="19" name="TextBox 18">
+            <a:extLst>
+              <a:ext uri="{FF2B5EF4-FFF2-40B4-BE49-F238E27FC236}">
+                <a16:creationId xmlns:a16="http://schemas.microsoft.com/office/drawing/2014/main" id="{C81F58F9-1FC7-477B-877C-80F0959EBC0E}"/>
+              </a:ext>
+            </a:extLst>
+          </p:cNvPr>
+          <p:cNvSpPr txBox="1"/>
+          <p:nvPr/>
+        </p:nvSpPr>
+        <p:spPr>
+          <a:xfrm>
+            <a:off x="6019022" y="4693298"/>
+            <a:ext cx="1686507" cy="369332"/>
+          </a:xfrm>
+          <a:prstGeom prst="rect">
+            <a:avLst/>
+          </a:prstGeom>
+          <a:noFill/>
+        </p:spPr>
+        <p:txBody>
+          <a:bodyPr wrap="square" rtlCol="0">
+            <a:spAutoFit/>
+          </a:bodyPr>
+          <a:lstStyle/>
+          <a:p>
+            <a:r>
+              <a:rPr lang="en-GB" dirty="0">
+                <a:latin typeface="Segoe UI" panose="020B0502040204020203" pitchFamily="34" charset="0"/>
+                <a:cs typeface="Segoe UI" panose="020B0502040204020203" pitchFamily="34" charset="0"/>
+              </a:rPr>
+              <a:t>Framework ...n</a:t>
+            </a:r>
+          </a:p>
+        </p:txBody>
+      </p:sp>
+      <p:sp>
+        <p:nvSpPr>
+          <p:cNvPr id="20" name="TextBox 19">
+            <a:extLst>
+              <a:ext uri="{FF2B5EF4-FFF2-40B4-BE49-F238E27FC236}">
+                <a16:creationId xmlns:a16="http://schemas.microsoft.com/office/drawing/2014/main" id="{FB923CCF-0EA9-4C2D-AC00-B89B13CB18B9}"/>
+              </a:ext>
+            </a:extLst>
+          </p:cNvPr>
+          <p:cNvSpPr txBox="1"/>
+          <p:nvPr/>
+        </p:nvSpPr>
+        <p:spPr>
+          <a:xfrm>
+            <a:off x="3619499" y="4693298"/>
+            <a:ext cx="1488233" cy="369332"/>
+          </a:xfrm>
+          <a:prstGeom prst="rect">
+            <a:avLst/>
+          </a:prstGeom>
+          <a:noFill/>
+        </p:spPr>
+        <p:txBody>
+          <a:bodyPr wrap="square" rtlCol="0">
+            <a:spAutoFit/>
+          </a:bodyPr>
+          <a:lstStyle/>
+          <a:p>
+            <a:r>
+              <a:rPr lang="en-GB" dirty="0">
+                <a:latin typeface="Segoe UI" panose="020B0502040204020203" pitchFamily="34" charset="0"/>
+                <a:cs typeface="Segoe UI" panose="020B0502040204020203" pitchFamily="34" charset="0"/>
+              </a:rPr>
+              <a:t>Framework 2</a:t>
+            </a:r>
+          </a:p>
+        </p:txBody>
+      </p:sp>
+      <p:sp>
+        <p:nvSpPr>
+          <p:cNvPr id="21" name="TextBox 20">
+            <a:extLst>
+              <a:ext uri="{FF2B5EF4-FFF2-40B4-BE49-F238E27FC236}">
+                <a16:creationId xmlns:a16="http://schemas.microsoft.com/office/drawing/2014/main" id="{000E004F-3DEE-453A-880F-3667A9536687}"/>
+              </a:ext>
+            </a:extLst>
+          </p:cNvPr>
+          <p:cNvSpPr txBox="1"/>
+          <p:nvPr/>
+        </p:nvSpPr>
+        <p:spPr>
+          <a:xfrm>
+            <a:off x="1091681" y="4693298"/>
+            <a:ext cx="1488233" cy="369332"/>
+          </a:xfrm>
+          <a:prstGeom prst="rect">
+            <a:avLst/>
+          </a:prstGeom>
+          <a:noFill/>
+        </p:spPr>
+        <p:txBody>
+          <a:bodyPr wrap="square" rtlCol="0">
+            <a:spAutoFit/>
+          </a:bodyPr>
+          <a:lstStyle/>
+          <a:p>
+            <a:r>
+              <a:rPr lang="en-GB" dirty="0">
+                <a:latin typeface="Segoe UI" panose="020B0502040204020203" pitchFamily="34" charset="0"/>
+                <a:cs typeface="Segoe UI" panose="020B0502040204020203" pitchFamily="34" charset="0"/>
+              </a:rPr>
+              <a:t>Framework 1</a:t>
+            </a:r>
+          </a:p>
+        </p:txBody>
+      </p:sp>
+      <p:sp>
+        <p:nvSpPr>
+          <p:cNvPr id="23" name="Rectangle: Rounded Corners 22">
+            <a:extLst>
+              <a:ext uri="{FF2B5EF4-FFF2-40B4-BE49-F238E27FC236}">
+                <a16:creationId xmlns:a16="http://schemas.microsoft.com/office/drawing/2014/main" id="{B8A217E0-2E19-412E-A686-048F33BFC561}"/>
               </a:ext>
             </a:extLst>
           </p:cNvPr>
@@ -5588,8 +5304,8 @@
         </p:nvSpPr>
         <p:spPr>
           <a:xfrm>
-            <a:off x="3456987" y="4406768"/>
-            <a:ext cx="1895667" cy="942392"/>
+            <a:off x="9193762" y="709127"/>
+            <a:ext cx="2251787" cy="4609322"/>
           </a:xfrm>
           <a:prstGeom prst="roundRect">
             <a:avLst/>
@@ -5635,10 +5351,10 @@
       </p:sp>
       <p:cxnSp>
         <p:nvCxnSpPr>
-          <p:cNvPr id="16" name="Straight Connector 15">
-            <a:extLst>
-              <a:ext uri="{FF2B5EF4-FFF2-40B4-BE49-F238E27FC236}">
-                <a16:creationId xmlns:a16="http://schemas.microsoft.com/office/drawing/2014/main" id="{B8646BD2-FF5F-47C6-9788-5228BF540137}"/>
+          <p:cNvPr id="18" name="Straight Arrow Connector 17">
+            <a:extLst>
+              <a:ext uri="{FF2B5EF4-FFF2-40B4-BE49-F238E27FC236}">
+                <a16:creationId xmlns:a16="http://schemas.microsoft.com/office/drawing/2014/main" id="{5F7D620A-347A-4465-8346-ADDE9EFF331B}"/>
               </a:ext>
             </a:extLst>
           </p:cNvPr>
@@ -5648,20 +5364,20 @@
           <p:nvPr/>
         </p:nvCxnSpPr>
         <p:spPr>
-          <a:xfrm>
-            <a:off x="5592147" y="3429000"/>
-            <a:ext cx="0" cy="2449286"/>
-          </a:xfrm>
-          <a:prstGeom prst="line">
+          <a:xfrm flipV="1">
+            <a:off x="1688841" y="1346327"/>
+            <a:ext cx="0" cy="3029730"/>
+          </a:xfrm>
+          <a:prstGeom prst="straightConnector1">
             <a:avLst/>
           </a:prstGeom>
-          <a:ln w="15875" cmpd="dbl">
+          <a:ln w="38100">
             <a:solidFill>
-              <a:schemeClr val="accent6">
+              <a:schemeClr val="accent1">
                 <a:lumMod val="75000"/>
               </a:schemeClr>
             </a:solidFill>
-            <a:prstDash val="lgDash"/>
+            <a:tailEnd type="triangle"/>
           </a:ln>
         </p:spPr>
         <p:style>
@@ -5679,12 +5395,102 @@
           </a:fontRef>
         </p:style>
       </p:cxnSp>
-      <p:sp>
-        <p:nvSpPr>
-          <p:cNvPr id="17" name="TextBox 16">
-            <a:extLst>
-              <a:ext uri="{FF2B5EF4-FFF2-40B4-BE49-F238E27FC236}">
-                <a16:creationId xmlns:a16="http://schemas.microsoft.com/office/drawing/2014/main" id="{6E8BFC32-3AFA-4B4C-9172-2CBE21A80A58}"/>
+      <p:cxnSp>
+        <p:nvCxnSpPr>
+          <p:cNvPr id="22" name="Straight Arrow Connector 21">
+            <a:extLst>
+              <a:ext uri="{FF2B5EF4-FFF2-40B4-BE49-F238E27FC236}">
+                <a16:creationId xmlns:a16="http://schemas.microsoft.com/office/drawing/2014/main" id="{58038E94-A816-4097-B154-9278E5E3AEC5}"/>
+              </a:ext>
+            </a:extLst>
+          </p:cNvPr>
+          <p:cNvCxnSpPr>
+            <a:cxnSpLocks/>
+          </p:cNvCxnSpPr>
+          <p:nvPr/>
+        </p:nvCxnSpPr>
+        <p:spPr>
+          <a:xfrm flipV="1">
+            <a:off x="4266429" y="2692866"/>
+            <a:ext cx="0" cy="1713902"/>
+          </a:xfrm>
+          <a:prstGeom prst="straightConnector1">
+            <a:avLst/>
+          </a:prstGeom>
+          <a:ln w="38100">
+            <a:solidFill>
+              <a:schemeClr val="accent1">
+                <a:lumMod val="75000"/>
+              </a:schemeClr>
+            </a:solidFill>
+            <a:tailEnd type="triangle"/>
+          </a:ln>
+        </p:spPr>
+        <p:style>
+          <a:lnRef idx="1">
+            <a:schemeClr val="accent1"/>
+          </a:lnRef>
+          <a:fillRef idx="0">
+            <a:schemeClr val="accent1"/>
+          </a:fillRef>
+          <a:effectRef idx="0">
+            <a:schemeClr val="accent1"/>
+          </a:effectRef>
+          <a:fontRef idx="minor">
+            <a:schemeClr val="tx1"/>
+          </a:fontRef>
+        </p:style>
+      </p:cxnSp>
+      <p:cxnSp>
+        <p:nvCxnSpPr>
+          <p:cNvPr id="25" name="Straight Arrow Connector 24">
+            <a:extLst>
+              <a:ext uri="{FF2B5EF4-FFF2-40B4-BE49-F238E27FC236}">
+                <a16:creationId xmlns:a16="http://schemas.microsoft.com/office/drawing/2014/main" id="{CE3C969B-AEB4-4EC9-9A8E-B3AE9B64804C}"/>
+              </a:ext>
+            </a:extLst>
+          </p:cNvPr>
+          <p:cNvCxnSpPr/>
+          <p:nvPr/>
+        </p:nvCxnSpPr>
+        <p:spPr>
+          <a:xfrm flipV="1">
+            <a:off x="6263180" y="1666564"/>
+            <a:ext cx="0" cy="2740204"/>
+          </a:xfrm>
+          <a:prstGeom prst="straightConnector1">
+            <a:avLst/>
+          </a:prstGeom>
+          <a:ln w="38100">
+            <a:solidFill>
+              <a:schemeClr val="accent1">
+                <a:lumMod val="75000"/>
+              </a:schemeClr>
+            </a:solidFill>
+            <a:tailEnd type="triangle"/>
+          </a:ln>
+        </p:spPr>
+        <p:style>
+          <a:lnRef idx="1">
+            <a:schemeClr val="accent1"/>
+          </a:lnRef>
+          <a:fillRef idx="0">
+            <a:schemeClr val="accent1"/>
+          </a:fillRef>
+          <a:effectRef idx="0">
+            <a:schemeClr val="accent1"/>
+          </a:effectRef>
+          <a:fontRef idx="minor">
+            <a:schemeClr val="tx1"/>
+          </a:fontRef>
+        </p:style>
+      </p:cxnSp>
+      <p:sp>
+        <p:nvSpPr>
+          <p:cNvPr id="2" name="TextBox 1">
+            <a:extLst>
+              <a:ext uri="{FF2B5EF4-FFF2-40B4-BE49-F238E27FC236}">
+                <a16:creationId xmlns:a16="http://schemas.microsoft.com/office/drawing/2014/main" id="{750521FD-EDC1-47B6-839B-F4D55BFCABCF}"/>
               </a:ext>
             </a:extLst>
           </p:cNvPr>
@@ -5693,8 +5499,8 @@
         </p:nvSpPr>
         <p:spPr>
           <a:xfrm>
-            <a:off x="2908044" y="1063132"/>
-            <a:ext cx="3187956" cy="1446550"/>
+            <a:off x="1388706" y="830901"/>
+            <a:ext cx="3590988" cy="646331"/>
           </a:xfrm>
           <a:prstGeom prst="rect">
             <a:avLst/>
@@ -5708,21 +5514,36 @@
           <a:lstStyle/>
           <a:p>
             <a:r>
-              <a:rPr lang="en-GB" sz="8800" dirty="0">
-                <a:latin typeface="Segoe UI" panose="020B0502040204020203" pitchFamily="34" charset="0"/>
-                <a:cs typeface="Segoe UI" panose="020B0502040204020203" pitchFamily="34" charset="0"/>
-              </a:rPr>
-              <a:t>HTML</a:t>
-            </a:r>
-          </a:p>
-        </p:txBody>
-      </p:sp>
-      <p:sp>
-        <p:nvSpPr>
-          <p:cNvPr id="19" name="TextBox 18">
-            <a:extLst>
-              <a:ext uri="{FF2B5EF4-FFF2-40B4-BE49-F238E27FC236}">
-                <a16:creationId xmlns:a16="http://schemas.microsoft.com/office/drawing/2014/main" id="{C81F58F9-1FC7-477B-877C-80F0959EBC0E}"/>
+              <a:rPr lang="en-GB" dirty="0">
+                <a:solidFill>
+                  <a:schemeClr val="accent1">
+                    <a:lumMod val="75000"/>
+                  </a:schemeClr>
+                </a:solidFill>
+              </a:rPr>
+              <a:t>&lt;script src=“bundle.js”&gt;&lt;/script&gt;</a:t>
+            </a:r>
+          </a:p>
+          <a:p>
+            <a:r>
+              <a:rPr lang="en-GB" dirty="0">
+                <a:solidFill>
+                  <a:schemeClr val="accent1">
+                    <a:lumMod val="75000"/>
+                  </a:schemeClr>
+                </a:solidFill>
+              </a:rPr>
+              <a:t>&lt;div id=“app”&gt;</a:t>
+            </a:r>
+          </a:p>
+        </p:txBody>
+      </p:sp>
+      <p:sp>
+        <p:nvSpPr>
+          <p:cNvPr id="26" name="TextBox 25">
+            <a:extLst>
+              <a:ext uri="{FF2B5EF4-FFF2-40B4-BE49-F238E27FC236}">
+                <a16:creationId xmlns:a16="http://schemas.microsoft.com/office/drawing/2014/main" id="{92E01203-6628-42AA-B191-2BE8EE04C15B}"/>
               </a:ext>
             </a:extLst>
           </p:cNvPr>
@@ -5731,126 +5552,18 @@
         </p:nvSpPr>
         <p:spPr>
           <a:xfrm>
-            <a:off x="6019022" y="4693298"/>
-            <a:ext cx="1702057" cy="369332"/>
+            <a:off x="9728713" y="1046454"/>
+            <a:ext cx="1278294" cy="369332"/>
           </a:xfrm>
           <a:prstGeom prst="rect">
             <a:avLst/>
           </a:prstGeom>
-          <a:noFill/>
-        </p:spPr>
-        <p:txBody>
-          <a:bodyPr wrap="square" rtlCol="0">
-            <a:spAutoFit/>
-          </a:bodyPr>
-          <a:lstStyle/>
-          <a:p>
-            <a:r>
-              <a:rPr lang="en-GB" dirty="0">
-                <a:latin typeface="Segoe UI" panose="020B0502040204020203" pitchFamily="34" charset="0"/>
-                <a:cs typeface="Segoe UI" panose="020B0502040204020203" pitchFamily="34" charset="0"/>
-              </a:rPr>
-              <a:t>Framework ...n</a:t>
-            </a:r>
-          </a:p>
-        </p:txBody>
-      </p:sp>
-      <p:sp>
-        <p:nvSpPr>
-          <p:cNvPr id="20" name="TextBox 19">
-            <a:extLst>
-              <a:ext uri="{FF2B5EF4-FFF2-40B4-BE49-F238E27FC236}">
-                <a16:creationId xmlns:a16="http://schemas.microsoft.com/office/drawing/2014/main" id="{FB923CCF-0EA9-4C2D-AC00-B89B13CB18B9}"/>
-              </a:ext>
-            </a:extLst>
-          </p:cNvPr>
-          <p:cNvSpPr txBox="1"/>
-          <p:nvPr/>
-        </p:nvSpPr>
-        <p:spPr>
-          <a:xfrm>
-            <a:off x="3619499" y="4693298"/>
-            <a:ext cx="1488233" cy="369332"/>
-          </a:xfrm>
-          <a:prstGeom prst="rect">
-            <a:avLst/>
-          </a:prstGeom>
-          <a:noFill/>
-        </p:spPr>
-        <p:txBody>
-          <a:bodyPr wrap="square" rtlCol="0">
-            <a:spAutoFit/>
-          </a:bodyPr>
-          <a:lstStyle/>
-          <a:p>
-            <a:r>
-              <a:rPr lang="en-GB" dirty="0">
-                <a:latin typeface="Segoe UI" panose="020B0502040204020203" pitchFamily="34" charset="0"/>
-                <a:cs typeface="Segoe UI" panose="020B0502040204020203" pitchFamily="34" charset="0"/>
-              </a:rPr>
-              <a:t>Framework 2</a:t>
-            </a:r>
-          </a:p>
-        </p:txBody>
-      </p:sp>
-      <p:sp>
-        <p:nvSpPr>
-          <p:cNvPr id="21" name="TextBox 20">
-            <a:extLst>
-              <a:ext uri="{FF2B5EF4-FFF2-40B4-BE49-F238E27FC236}">
-                <a16:creationId xmlns:a16="http://schemas.microsoft.com/office/drawing/2014/main" id="{000E004F-3DEE-453A-880F-3667A9536687}"/>
-              </a:ext>
-            </a:extLst>
-          </p:cNvPr>
-          <p:cNvSpPr txBox="1"/>
-          <p:nvPr/>
-        </p:nvSpPr>
-        <p:spPr>
-          <a:xfrm>
-            <a:off x="1091681" y="4693298"/>
-            <a:ext cx="1488233" cy="369332"/>
-          </a:xfrm>
-          <a:prstGeom prst="rect">
-            <a:avLst/>
-          </a:prstGeom>
-          <a:noFill/>
-        </p:spPr>
-        <p:txBody>
-          <a:bodyPr wrap="square" rtlCol="0">
-            <a:spAutoFit/>
-          </a:bodyPr>
-          <a:lstStyle/>
-          <a:p>
-            <a:r>
-              <a:rPr lang="en-GB" dirty="0">
-                <a:latin typeface="Segoe UI" panose="020B0502040204020203" pitchFamily="34" charset="0"/>
-                <a:cs typeface="Segoe UI" panose="020B0502040204020203" pitchFamily="34" charset="0"/>
-              </a:rPr>
-              <a:t>Framework 1</a:t>
-            </a:r>
-          </a:p>
-        </p:txBody>
-      </p:sp>
-      <p:sp>
-        <p:nvSpPr>
-          <p:cNvPr id="2" name="Rectangle 1">
-            <a:extLst>
-              <a:ext uri="{FF2B5EF4-FFF2-40B4-BE49-F238E27FC236}">
-                <a16:creationId xmlns:a16="http://schemas.microsoft.com/office/drawing/2014/main" id="{FDD2DDAE-CA83-4119-9F26-87A3775E731D}"/>
-              </a:ext>
-            </a:extLst>
-          </p:cNvPr>
-          <p:cNvSpPr/>
-          <p:nvPr/>
-        </p:nvSpPr>
-        <p:spPr>
-          <a:xfrm>
-            <a:off x="886406" y="3150607"/>
-            <a:ext cx="6884431" cy="811764"/>
-          </a:xfrm>
-          <a:prstGeom prst="rect">
-            <a:avLst/>
-          </a:prstGeom>
+          <a:solidFill>
+            <a:schemeClr val="accent1">
+              <a:lumMod val="60000"/>
+              <a:lumOff val="40000"/>
+            </a:schemeClr>
+          </a:solidFill>
         </p:spPr>
         <p:style>
           <a:lnRef idx="2">
@@ -5870,382 +5583,6 @@
         </p:style>
         <p:txBody>
           <a:bodyPr rtlCol="0" anchor="ctr"/>
-          <a:lstStyle/>
-          <a:p>
-            <a:pPr algn="ctr"/>
-            <a:endParaRPr lang="en-GB">
-              <a:latin typeface="Segoe UI" panose="020B0502040204020203" pitchFamily="34" charset="0"/>
-              <a:cs typeface="Segoe UI" panose="020B0502040204020203" pitchFamily="34" charset="0"/>
-            </a:endParaRPr>
-          </a:p>
-        </p:txBody>
-      </p:sp>
-      <p:sp>
-        <p:nvSpPr>
-          <p:cNvPr id="3" name="TextBox 2">
-            <a:extLst>
-              <a:ext uri="{FF2B5EF4-FFF2-40B4-BE49-F238E27FC236}">
-                <a16:creationId xmlns:a16="http://schemas.microsoft.com/office/drawing/2014/main" id="{0F9AD193-E370-4053-AFC8-A661FCE69253}"/>
-              </a:ext>
-            </a:extLst>
-          </p:cNvPr>
-          <p:cNvSpPr txBox="1"/>
-          <p:nvPr/>
-        </p:nvSpPr>
-        <p:spPr>
-          <a:xfrm>
-            <a:off x="2292122" y="3288787"/>
-            <a:ext cx="4123332" cy="584775"/>
-          </a:xfrm>
-          <a:prstGeom prst="rect">
-            <a:avLst/>
-          </a:prstGeom>
-          <a:noFill/>
-        </p:spPr>
-        <p:txBody>
-          <a:bodyPr wrap="square" rtlCol="0">
-            <a:spAutoFit/>
-          </a:bodyPr>
-          <a:lstStyle/>
-          <a:p>
-            <a:r>
-              <a:rPr lang="en-GB" sz="3200" b="1" dirty="0">
-                <a:solidFill>
-                  <a:schemeClr val="bg1"/>
-                </a:solidFill>
-                <a:latin typeface="Segoe UI" panose="020B0502040204020203" pitchFamily="34" charset="0"/>
-                <a:cs typeface="Segoe UI" panose="020B0502040204020203" pitchFamily="34" charset="0"/>
-              </a:rPr>
-              <a:t>WEB COMPONENTS</a:t>
-            </a:r>
-          </a:p>
-        </p:txBody>
-      </p:sp>
-      <p:cxnSp>
-        <p:nvCxnSpPr>
-          <p:cNvPr id="6" name="Straight Arrow Connector 5">
-            <a:extLst>
-              <a:ext uri="{FF2B5EF4-FFF2-40B4-BE49-F238E27FC236}">
-                <a16:creationId xmlns:a16="http://schemas.microsoft.com/office/drawing/2014/main" id="{D229A287-52AB-46FC-9CD3-F99C53ACEF34}"/>
-              </a:ext>
-            </a:extLst>
-          </p:cNvPr>
-          <p:cNvCxnSpPr/>
-          <p:nvPr/>
-        </p:nvCxnSpPr>
-        <p:spPr>
-          <a:xfrm flipV="1">
-            <a:off x="2062065" y="3960073"/>
-            <a:ext cx="0" cy="415984"/>
-          </a:xfrm>
-          <a:prstGeom prst="straightConnector1">
-            <a:avLst/>
-          </a:prstGeom>
-          <a:ln w="50800">
-            <a:tailEnd type="triangle"/>
-          </a:ln>
-        </p:spPr>
-        <p:style>
-          <a:lnRef idx="1">
-            <a:schemeClr val="accent6"/>
-          </a:lnRef>
-          <a:fillRef idx="0">
-            <a:schemeClr val="accent6"/>
-          </a:fillRef>
-          <a:effectRef idx="0">
-            <a:schemeClr val="accent6"/>
-          </a:effectRef>
-          <a:fontRef idx="minor">
-            <a:schemeClr val="tx1"/>
-          </a:fontRef>
-        </p:style>
-      </p:cxnSp>
-      <p:cxnSp>
-        <p:nvCxnSpPr>
-          <p:cNvPr id="22" name="Straight Arrow Connector 21">
-            <a:extLst>
-              <a:ext uri="{FF2B5EF4-FFF2-40B4-BE49-F238E27FC236}">
-                <a16:creationId xmlns:a16="http://schemas.microsoft.com/office/drawing/2014/main" id="{F12C64DB-7B75-4A11-AC0A-77AB2AC81EAD}"/>
-              </a:ext>
-            </a:extLst>
-          </p:cNvPr>
-          <p:cNvCxnSpPr/>
-          <p:nvPr/>
-        </p:nvCxnSpPr>
-        <p:spPr>
-          <a:xfrm flipV="1">
-            <a:off x="4261757" y="3978735"/>
-            <a:ext cx="0" cy="415984"/>
-          </a:xfrm>
-          <a:prstGeom prst="straightConnector1">
-            <a:avLst/>
-          </a:prstGeom>
-          <a:ln w="50800">
-            <a:tailEnd type="triangle"/>
-          </a:ln>
-        </p:spPr>
-        <p:style>
-          <a:lnRef idx="1">
-            <a:schemeClr val="accent6"/>
-          </a:lnRef>
-          <a:fillRef idx="0">
-            <a:schemeClr val="accent6"/>
-          </a:fillRef>
-          <a:effectRef idx="0">
-            <a:schemeClr val="accent6"/>
-          </a:effectRef>
-          <a:fontRef idx="minor">
-            <a:schemeClr val="tx1"/>
-          </a:fontRef>
-        </p:style>
-      </p:cxnSp>
-      <p:cxnSp>
-        <p:nvCxnSpPr>
-          <p:cNvPr id="23" name="Straight Arrow Connector 22">
-            <a:extLst>
-              <a:ext uri="{FF2B5EF4-FFF2-40B4-BE49-F238E27FC236}">
-                <a16:creationId xmlns:a16="http://schemas.microsoft.com/office/drawing/2014/main" id="{8B1C15C1-C3CB-4D87-A0BB-7C3A15158A95}"/>
-              </a:ext>
-            </a:extLst>
-          </p:cNvPr>
-          <p:cNvCxnSpPr/>
-          <p:nvPr/>
-        </p:nvCxnSpPr>
-        <p:spPr>
-          <a:xfrm flipV="1">
-            <a:off x="6304384" y="3962371"/>
-            <a:ext cx="0" cy="415984"/>
-          </a:xfrm>
-          <a:prstGeom prst="straightConnector1">
-            <a:avLst/>
-          </a:prstGeom>
-          <a:ln w="50800">
-            <a:tailEnd type="triangle"/>
-          </a:ln>
-        </p:spPr>
-        <p:style>
-          <a:lnRef idx="1">
-            <a:schemeClr val="accent6"/>
-          </a:lnRef>
-          <a:fillRef idx="0">
-            <a:schemeClr val="accent6"/>
-          </a:fillRef>
-          <a:effectRef idx="0">
-            <a:schemeClr val="accent6"/>
-          </a:effectRef>
-          <a:fontRef idx="minor">
-            <a:schemeClr val="tx1"/>
-          </a:fontRef>
-        </p:style>
-      </p:cxnSp>
-      <p:cxnSp>
-        <p:nvCxnSpPr>
-          <p:cNvPr id="24" name="Straight Arrow Connector 23">
-            <a:extLst>
-              <a:ext uri="{FF2B5EF4-FFF2-40B4-BE49-F238E27FC236}">
-                <a16:creationId xmlns:a16="http://schemas.microsoft.com/office/drawing/2014/main" id="{163353F7-B0B9-4F80-AC63-42827D10FDAE}"/>
-              </a:ext>
-            </a:extLst>
-          </p:cNvPr>
-          <p:cNvCxnSpPr>
-            <a:cxnSpLocks/>
-          </p:cNvCxnSpPr>
-          <p:nvPr/>
-        </p:nvCxnSpPr>
-        <p:spPr>
-          <a:xfrm flipV="1">
-            <a:off x="4261757" y="2220686"/>
-            <a:ext cx="0" cy="929921"/>
-          </a:xfrm>
-          <a:prstGeom prst="straightConnector1">
-            <a:avLst/>
-          </a:prstGeom>
-          <a:ln w="50800">
-            <a:tailEnd type="triangle"/>
-          </a:ln>
-        </p:spPr>
-        <p:style>
-          <a:lnRef idx="1">
-            <a:schemeClr val="accent6"/>
-          </a:lnRef>
-          <a:fillRef idx="0">
-            <a:schemeClr val="accent6"/>
-          </a:fillRef>
-          <a:effectRef idx="0">
-            <a:schemeClr val="accent6"/>
-          </a:effectRef>
-          <a:fontRef idx="minor">
-            <a:schemeClr val="tx1"/>
-          </a:fontRef>
-        </p:style>
-      </p:cxnSp>
-      <p:cxnSp>
-        <p:nvCxnSpPr>
-          <p:cNvPr id="25" name="Straight Arrow Connector 24">
-            <a:extLst>
-              <a:ext uri="{FF2B5EF4-FFF2-40B4-BE49-F238E27FC236}">
-                <a16:creationId xmlns:a16="http://schemas.microsoft.com/office/drawing/2014/main" id="{CC440C1A-3EF4-4B67-8663-C472C2FCEE45}"/>
-              </a:ext>
-            </a:extLst>
-          </p:cNvPr>
-          <p:cNvCxnSpPr>
-            <a:cxnSpLocks/>
-          </p:cNvCxnSpPr>
-          <p:nvPr/>
-        </p:nvCxnSpPr>
-        <p:spPr>
-          <a:xfrm>
-            <a:off x="2062065" y="3997396"/>
-            <a:ext cx="1464906" cy="490628"/>
-          </a:xfrm>
-          <a:prstGeom prst="straightConnector1">
-            <a:avLst/>
-          </a:prstGeom>
-          <a:ln w="50800">
-            <a:tailEnd type="triangle"/>
-          </a:ln>
-        </p:spPr>
-        <p:style>
-          <a:lnRef idx="1">
-            <a:schemeClr val="accent6"/>
-          </a:lnRef>
-          <a:fillRef idx="0">
-            <a:schemeClr val="accent6"/>
-          </a:fillRef>
-          <a:effectRef idx="0">
-            <a:schemeClr val="accent6"/>
-          </a:effectRef>
-          <a:fontRef idx="minor">
-            <a:schemeClr val="tx1"/>
-          </a:fontRef>
-        </p:style>
-      </p:cxnSp>
-      <p:cxnSp>
-        <p:nvCxnSpPr>
-          <p:cNvPr id="28" name="Straight Arrow Connector 27">
-            <a:extLst>
-              <a:ext uri="{FF2B5EF4-FFF2-40B4-BE49-F238E27FC236}">
-                <a16:creationId xmlns:a16="http://schemas.microsoft.com/office/drawing/2014/main" id="{BB158374-8877-4243-9769-72088526DB6A}"/>
-              </a:ext>
-            </a:extLst>
-          </p:cNvPr>
-          <p:cNvCxnSpPr>
-            <a:cxnSpLocks/>
-          </p:cNvCxnSpPr>
-          <p:nvPr/>
-        </p:nvCxnSpPr>
-        <p:spPr>
-          <a:xfrm>
-            <a:off x="4261757" y="3997396"/>
-            <a:ext cx="1689614" cy="490628"/>
-          </a:xfrm>
-          <a:prstGeom prst="straightConnector1">
-            <a:avLst/>
-          </a:prstGeom>
-          <a:ln w="50800">
-            <a:tailEnd type="triangle"/>
-          </a:ln>
-        </p:spPr>
-        <p:style>
-          <a:lnRef idx="1">
-            <a:schemeClr val="accent6"/>
-          </a:lnRef>
-          <a:fillRef idx="0">
-            <a:schemeClr val="accent6"/>
-          </a:fillRef>
-          <a:effectRef idx="0">
-            <a:schemeClr val="accent6"/>
-          </a:effectRef>
-          <a:fontRef idx="minor">
-            <a:schemeClr val="tx1"/>
-          </a:fontRef>
-        </p:style>
-      </p:cxnSp>
-      <p:sp>
-        <p:nvSpPr>
-          <p:cNvPr id="8" name="Arrow: Right 7">
-            <a:extLst>
-              <a:ext uri="{FF2B5EF4-FFF2-40B4-BE49-F238E27FC236}">
-                <a16:creationId xmlns:a16="http://schemas.microsoft.com/office/drawing/2014/main" id="{25BD3FE5-5BA0-48FE-B758-52C44C0D1DC1}"/>
-              </a:ext>
-            </a:extLst>
-          </p:cNvPr>
-          <p:cNvSpPr/>
-          <p:nvPr/>
-        </p:nvSpPr>
-        <p:spPr>
-          <a:xfrm rot="10800000">
-            <a:off x="7770836" y="3134313"/>
-            <a:ext cx="1411331" cy="825759"/>
-          </a:xfrm>
-          <a:prstGeom prst="rightArrow">
-            <a:avLst/>
-          </a:prstGeom>
-        </p:spPr>
-        <p:style>
-          <a:lnRef idx="2">
-            <a:schemeClr val="accent1">
-              <a:shade val="50000"/>
-            </a:schemeClr>
-          </a:lnRef>
-          <a:fillRef idx="1">
-            <a:schemeClr val="accent1"/>
-          </a:fillRef>
-          <a:effectRef idx="0">
-            <a:schemeClr val="accent1"/>
-          </a:effectRef>
-          <a:fontRef idx="minor">
-            <a:schemeClr val="lt1"/>
-          </a:fontRef>
-        </p:style>
-        <p:txBody>
-          <a:bodyPr rtlCol="0" anchor="ctr"/>
-          <a:lstStyle/>
-          <a:p>
-            <a:pPr algn="ctr"/>
-            <a:endParaRPr lang="en-GB"/>
-          </a:p>
-        </p:txBody>
-      </p:sp>
-      <p:sp>
-        <p:nvSpPr>
-          <p:cNvPr id="30" name="TextBox 29">
-            <a:extLst>
-              <a:ext uri="{FF2B5EF4-FFF2-40B4-BE49-F238E27FC236}">
-                <a16:creationId xmlns:a16="http://schemas.microsoft.com/office/drawing/2014/main" id="{20D77E3C-AC7F-43B7-8FF2-980322AACB93}"/>
-              </a:ext>
-            </a:extLst>
-          </p:cNvPr>
-          <p:cNvSpPr txBox="1"/>
-          <p:nvPr/>
-        </p:nvSpPr>
-        <p:spPr>
-          <a:xfrm>
-            <a:off x="9300027" y="3199941"/>
-            <a:ext cx="2070867" cy="649536"/>
-          </a:xfrm>
-          <a:prstGeom prst="rect">
-            <a:avLst/>
-          </a:prstGeom>
-        </p:spPr>
-        <p:style>
-          <a:lnRef idx="2">
-            <a:schemeClr val="accent6">
-              <a:shade val="50000"/>
-            </a:schemeClr>
-          </a:lnRef>
-          <a:fillRef idx="1">
-            <a:schemeClr val="accent6"/>
-          </a:fillRef>
-          <a:effectRef idx="0">
-            <a:schemeClr val="accent6"/>
-          </a:effectRef>
-          <a:fontRef idx="minor">
-            <a:schemeClr val="lt1"/>
-          </a:fontRef>
-        </p:style>
-        <p:txBody>
-          <a:bodyPr rtlCol="0" anchor="ctr"/>
           <a:lstStyle>
             <a:defPPr>
               <a:defRPr lang="en-US"/>
@@ -6319,104 +5656,17 @@
           <a:p>
             <a:r>
               <a:rPr lang="en-GB" dirty="0"/>
-              <a:t>Web Components</a:t>
-            </a:r>
-          </a:p>
-        </p:txBody>
-      </p:sp>
-      <p:sp>
-        <p:nvSpPr>
-          <p:cNvPr id="7" name="TextBox 6">
-            <a:extLst>
-              <a:ext uri="{FF2B5EF4-FFF2-40B4-BE49-F238E27FC236}">
-                <a16:creationId xmlns:a16="http://schemas.microsoft.com/office/drawing/2014/main" id="{E43BE3A4-2CE9-4073-B059-EA24D3386969}"/>
-              </a:ext>
-            </a:extLst>
-          </p:cNvPr>
-          <p:cNvSpPr txBox="1"/>
-          <p:nvPr/>
-        </p:nvSpPr>
-        <p:spPr>
-          <a:xfrm>
-            <a:off x="9461241" y="4416299"/>
-            <a:ext cx="1844351" cy="646331"/>
-          </a:xfrm>
-          <a:prstGeom prst="rect">
-            <a:avLst/>
-          </a:prstGeom>
-          <a:noFill/>
-        </p:spPr>
-        <p:txBody>
-          <a:bodyPr wrap="square" rtlCol="0">
-            <a:spAutoFit/>
-          </a:bodyPr>
-          <a:lstStyle/>
-          <a:p>
-            <a:r>
-              <a:rPr lang="en-GB" dirty="0"/>
-              <a:t>WP PHP PAGES</a:t>
-            </a:r>
-          </a:p>
-          <a:p>
-            <a:r>
-              <a:rPr lang="en-GB" dirty="0"/>
-              <a:t>Gutenberg Blocks</a:t>
-            </a:r>
-          </a:p>
-        </p:txBody>
-      </p:sp>
-      <p:cxnSp>
-        <p:nvCxnSpPr>
-          <p:cNvPr id="34" name="Straight Arrow Connector 33">
-            <a:extLst>
-              <a:ext uri="{FF2B5EF4-FFF2-40B4-BE49-F238E27FC236}">
-                <a16:creationId xmlns:a16="http://schemas.microsoft.com/office/drawing/2014/main" id="{3224BDD2-743D-4365-AF4A-A42C3D6B51E2}"/>
-              </a:ext>
-            </a:extLst>
-          </p:cNvPr>
-          <p:cNvCxnSpPr>
-            <a:cxnSpLocks/>
-          </p:cNvCxnSpPr>
-          <p:nvPr/>
-        </p:nvCxnSpPr>
-        <p:spPr>
-          <a:xfrm>
-            <a:off x="10319390" y="3873562"/>
-            <a:ext cx="8035" cy="562723"/>
-          </a:xfrm>
-          <a:prstGeom prst="straightConnector1">
-            <a:avLst/>
-          </a:prstGeom>
-          <a:ln w="38100">
-            <a:solidFill>
-              <a:schemeClr val="accent1">
-                <a:lumMod val="75000"/>
-              </a:schemeClr>
-            </a:solidFill>
-            <a:tailEnd type="triangle"/>
-          </a:ln>
-        </p:spPr>
-        <p:style>
-          <a:lnRef idx="1">
-            <a:schemeClr val="accent1"/>
-          </a:lnRef>
-          <a:fillRef idx="0">
-            <a:schemeClr val="accent1"/>
-          </a:fillRef>
-          <a:effectRef idx="0">
-            <a:schemeClr val="accent1"/>
-          </a:effectRef>
-          <a:fontRef idx="minor">
-            <a:schemeClr val="tx1"/>
-          </a:fontRef>
-        </p:style>
-      </p:cxnSp>
+              <a:t>WordPress</a:t>
+            </a:r>
+          </a:p>
+        </p:txBody>
+      </p:sp>
       <p:pic>
         <p:nvPicPr>
-          <p:cNvPr id="10" name="Graphic 9" descr="Smiling face with no fill">
-            <a:extLst>
-              <a:ext uri="{FF2B5EF4-FFF2-40B4-BE49-F238E27FC236}">
-                <a16:creationId xmlns:a16="http://schemas.microsoft.com/office/drawing/2014/main" id="{948FA2EF-7A78-4EE3-B2FE-AE0D3A001999}"/>
+          <p:cNvPr id="4" name="Graphic 3" descr="Sad face with no fill">
+            <a:extLst>
+              <a:ext uri="{FF2B5EF4-FFF2-40B4-BE49-F238E27FC236}">
+                <a16:creationId xmlns:a16="http://schemas.microsoft.com/office/drawing/2014/main" id="{66A14EB3-BF63-41D8-9A63-AE052D7983C9}"/>
               </a:ext>
             </a:extLst>
           </p:cNvPr>
@@ -6442,187 +5692,18 @@
         </p:blipFill>
         <p:spPr>
           <a:xfrm>
-            <a:off x="9541349" y="1296525"/>
-            <a:ext cx="1647597" cy="1647597"/>
+            <a:off x="9259074" y="1901863"/>
+            <a:ext cx="2155961" cy="2155961"/>
           </a:xfrm>
           <a:prstGeom prst="rect">
             <a:avLst/>
           </a:prstGeom>
         </p:spPr>
       </p:pic>
-      <p:cxnSp>
-        <p:nvCxnSpPr>
-          <p:cNvPr id="31" name="Straight Arrow Connector 30">
-            <a:extLst>
-              <a:ext uri="{FF2B5EF4-FFF2-40B4-BE49-F238E27FC236}">
-                <a16:creationId xmlns:a16="http://schemas.microsoft.com/office/drawing/2014/main" id="{337058BE-0D49-4EC0-B972-1EBA8C485F2D}"/>
-              </a:ext>
-            </a:extLst>
-          </p:cNvPr>
-          <p:cNvCxnSpPr>
-            <a:cxnSpLocks/>
-          </p:cNvCxnSpPr>
-          <p:nvPr/>
-        </p:nvCxnSpPr>
-        <p:spPr>
-          <a:xfrm flipH="1" flipV="1">
-            <a:off x="6143841" y="1786407"/>
-            <a:ext cx="3019774" cy="1433290"/>
-          </a:xfrm>
-          <a:prstGeom prst="straightConnector1">
-            <a:avLst/>
-          </a:prstGeom>
-          <a:ln w="76200">
-            <a:solidFill>
-              <a:schemeClr val="accent1">
-                <a:lumMod val="75000"/>
-              </a:schemeClr>
-            </a:solidFill>
-            <a:tailEnd type="triangle"/>
-          </a:ln>
-        </p:spPr>
-        <p:style>
-          <a:lnRef idx="1">
-            <a:schemeClr val="accent1"/>
-          </a:lnRef>
-          <a:fillRef idx="0">
-            <a:schemeClr val="accent1"/>
-          </a:fillRef>
-          <a:effectRef idx="0">
-            <a:schemeClr val="accent1"/>
-          </a:effectRef>
-          <a:fontRef idx="minor">
-            <a:schemeClr val="tx1"/>
-          </a:fontRef>
-        </p:style>
-      </p:cxnSp>
-      <p:sp>
-        <p:nvSpPr>
-          <p:cNvPr id="27" name="TextBox 26">
-            <a:extLst>
-              <a:ext uri="{FF2B5EF4-FFF2-40B4-BE49-F238E27FC236}">
-                <a16:creationId xmlns:a16="http://schemas.microsoft.com/office/drawing/2014/main" id="{1794E5C5-20F5-4436-91DA-BD85E1E31CB0}"/>
-              </a:ext>
-            </a:extLst>
-          </p:cNvPr>
-          <p:cNvSpPr txBox="1"/>
-          <p:nvPr/>
-        </p:nvSpPr>
-        <p:spPr>
-          <a:xfrm>
-            <a:off x="9680243" y="834281"/>
-            <a:ext cx="1278294" cy="369332"/>
-          </a:xfrm>
-          <a:prstGeom prst="rect">
-            <a:avLst/>
-          </a:prstGeom>
-          <a:solidFill>
-            <a:schemeClr val="accent1">
-              <a:lumMod val="60000"/>
-              <a:lumOff val="40000"/>
-            </a:schemeClr>
-          </a:solidFill>
-        </p:spPr>
-        <p:style>
-          <a:lnRef idx="2">
-            <a:schemeClr val="accent6">
-              <a:shade val="50000"/>
-            </a:schemeClr>
-          </a:lnRef>
-          <a:fillRef idx="1">
-            <a:schemeClr val="accent6"/>
-          </a:fillRef>
-          <a:effectRef idx="0">
-            <a:schemeClr val="accent6"/>
-          </a:effectRef>
-          <a:fontRef idx="minor">
-            <a:schemeClr val="lt1"/>
-          </a:fontRef>
-        </p:style>
-        <p:txBody>
-          <a:bodyPr rtlCol="0" anchor="ctr"/>
-          <a:lstStyle>
-            <a:defPPr>
-              <a:defRPr lang="en-US"/>
-            </a:defPPr>
-            <a:lvl1pPr algn="ctr">
-              <a:defRPr>
-                <a:solidFill>
-                  <a:schemeClr val="lt1"/>
-                </a:solidFill>
-                <a:latin typeface="Segoe UI" panose="020B0502040204020203" pitchFamily="34" charset="0"/>
-                <a:cs typeface="Segoe UI" panose="020B0502040204020203" pitchFamily="34" charset="0"/>
-              </a:defRPr>
-            </a:lvl1pPr>
-            <a:lvl2pPr>
-              <a:defRPr>
-                <a:solidFill>
-                  <a:schemeClr val="lt1"/>
-                </a:solidFill>
-              </a:defRPr>
-            </a:lvl2pPr>
-            <a:lvl3pPr>
-              <a:defRPr>
-                <a:solidFill>
-                  <a:schemeClr val="lt1"/>
-                </a:solidFill>
-              </a:defRPr>
-            </a:lvl3pPr>
-            <a:lvl4pPr>
-              <a:defRPr>
-                <a:solidFill>
-                  <a:schemeClr val="lt1"/>
-                </a:solidFill>
-              </a:defRPr>
-            </a:lvl4pPr>
-            <a:lvl5pPr>
-              <a:defRPr>
-                <a:solidFill>
-                  <a:schemeClr val="lt1"/>
-                </a:solidFill>
-              </a:defRPr>
-            </a:lvl5pPr>
-            <a:lvl6pPr>
-              <a:defRPr>
-                <a:solidFill>
-                  <a:schemeClr val="lt1"/>
-                </a:solidFill>
-              </a:defRPr>
-            </a:lvl6pPr>
-            <a:lvl7pPr>
-              <a:defRPr>
-                <a:solidFill>
-                  <a:schemeClr val="lt1"/>
-                </a:solidFill>
-              </a:defRPr>
-            </a:lvl7pPr>
-            <a:lvl8pPr>
-              <a:defRPr>
-                <a:solidFill>
-                  <a:schemeClr val="lt1"/>
-                </a:solidFill>
-              </a:defRPr>
-            </a:lvl8pPr>
-            <a:lvl9pPr>
-              <a:defRPr>
-                <a:solidFill>
-                  <a:schemeClr val="lt1"/>
-                </a:solidFill>
-              </a:defRPr>
-            </a:lvl9pPr>
-          </a:lstStyle>
-          <a:p>
-            <a:r>
-              <a:rPr lang="en-GB" dirty="0"/>
-              <a:t>WordPress</a:t>
-            </a:r>
-          </a:p>
-        </p:txBody>
-      </p:sp>
     </p:spTree>
     <p:extLst>
       <p:ext uri="{BB962C8B-B14F-4D97-AF65-F5344CB8AC3E}">
-        <p14:creationId xmlns:p14="http://schemas.microsoft.com/office/powerpoint/2010/main" val="3043959635"/>
+        <p14:creationId xmlns:p14="http://schemas.microsoft.com/office/powerpoint/2010/main" val="2165501006"/>
       </p:ext>
     </p:extLst>
   </p:cSld>
@@ -6651,307 +5732,1335 @@
       </p:grpSpPr>
       <p:sp>
         <p:nvSpPr>
-          <p:cNvPr id="2" name="Title 1">
-            <a:extLst>
-              <a:ext uri="{FF2B5EF4-FFF2-40B4-BE49-F238E27FC236}">
-                <a16:creationId xmlns:a16="http://schemas.microsoft.com/office/drawing/2014/main" id="{5D7568B3-EC9A-45DD-8A17-CFE685194B65}"/>
-              </a:ext>
-            </a:extLst>
-          </p:cNvPr>
-          <p:cNvSpPr>
-            <a:spLocks noGrp="1"/>
-          </p:cNvSpPr>
-          <p:nvPr>
-            <p:ph type="title"/>
-          </p:nvPr>
+          <p:cNvPr id="5" name="Rectangle: Rounded Corners 4">
+            <a:extLst>
+              <a:ext uri="{FF2B5EF4-FFF2-40B4-BE49-F238E27FC236}">
+                <a16:creationId xmlns:a16="http://schemas.microsoft.com/office/drawing/2014/main" id="{65B1CF75-47B8-4AC4-BD1E-926B376FD50D}"/>
+              </a:ext>
+            </a:extLst>
+          </p:cNvPr>
+          <p:cNvSpPr/>
+          <p:nvPr/>
         </p:nvSpPr>
         <p:spPr>
           <a:xfrm>
-            <a:off x="838200" y="0"/>
-            <a:ext cx="10515600" cy="1325563"/>
-          </a:xfrm>
+            <a:off x="886408" y="4376057"/>
+            <a:ext cx="1819470" cy="942392"/>
+          </a:xfrm>
+          <a:prstGeom prst="roundRect">
+            <a:avLst/>
+          </a:prstGeom>
           <a:solidFill>
-            <a:srgbClr val="2196F3"/>
+            <a:schemeClr val="bg1">
+              <a:lumMod val="85000"/>
+            </a:schemeClr>
           </a:solidFill>
-        </p:spPr>
-        <p:txBody>
-          <a:bodyPr>
-            <a:normAutofit/>
+          <a:ln w="28575">
+            <a:solidFill>
+              <a:srgbClr val="FF0000"/>
+            </a:solidFill>
+          </a:ln>
+        </p:spPr>
+        <p:style>
+          <a:lnRef idx="2">
+            <a:schemeClr val="accent1">
+              <a:shade val="50000"/>
+            </a:schemeClr>
+          </a:lnRef>
+          <a:fillRef idx="1">
+            <a:schemeClr val="accent1"/>
+          </a:fillRef>
+          <a:effectRef idx="0">
+            <a:schemeClr val="accent1"/>
+          </a:effectRef>
+          <a:fontRef idx="minor">
+            <a:schemeClr val="lt1"/>
+          </a:fontRef>
+        </p:style>
+        <p:txBody>
+          <a:bodyPr rtlCol="0" anchor="ctr"/>
+          <a:lstStyle/>
+          <a:p>
+            <a:pPr algn="ctr"/>
+            <a:endParaRPr lang="en-GB">
+              <a:latin typeface="Segoe UI" panose="020B0502040204020203" pitchFamily="34" charset="0"/>
+              <a:cs typeface="Segoe UI" panose="020B0502040204020203" pitchFamily="34" charset="0"/>
+            </a:endParaRPr>
+          </a:p>
+        </p:txBody>
+      </p:sp>
+      <p:cxnSp>
+        <p:nvCxnSpPr>
+          <p:cNvPr id="9" name="Straight Connector 8">
+            <a:extLst>
+              <a:ext uri="{FF2B5EF4-FFF2-40B4-BE49-F238E27FC236}">
+                <a16:creationId xmlns:a16="http://schemas.microsoft.com/office/drawing/2014/main" id="{8ECDE257-0E06-4C73-B713-15F600FA91AE}"/>
+              </a:ext>
+            </a:extLst>
+          </p:cNvPr>
+          <p:cNvCxnSpPr>
+            <a:cxnSpLocks/>
+          </p:cNvCxnSpPr>
+          <p:nvPr/>
+        </p:nvCxnSpPr>
+        <p:spPr>
+          <a:xfrm>
+            <a:off x="3097763" y="3437944"/>
+            <a:ext cx="0" cy="2449286"/>
+          </a:xfrm>
+          <a:prstGeom prst="line">
+            <a:avLst/>
+          </a:prstGeom>
+          <a:ln w="15875" cmpd="dbl">
+            <a:solidFill>
+              <a:schemeClr val="accent6">
+                <a:lumMod val="75000"/>
+              </a:schemeClr>
+            </a:solidFill>
+            <a:prstDash val="lgDash"/>
+          </a:ln>
+        </p:spPr>
+        <p:style>
+          <a:lnRef idx="1">
+            <a:schemeClr val="accent1"/>
+          </a:lnRef>
+          <a:fillRef idx="0">
+            <a:schemeClr val="accent1"/>
+          </a:fillRef>
+          <a:effectRef idx="0">
+            <a:schemeClr val="accent1"/>
+          </a:effectRef>
+          <a:fontRef idx="minor">
+            <a:schemeClr val="tx1"/>
+          </a:fontRef>
+        </p:style>
+      </p:cxnSp>
+      <p:sp>
+        <p:nvSpPr>
+          <p:cNvPr id="11" name="Rectangle: Rounded Corners 10">
+            <a:extLst>
+              <a:ext uri="{FF2B5EF4-FFF2-40B4-BE49-F238E27FC236}">
+                <a16:creationId xmlns:a16="http://schemas.microsoft.com/office/drawing/2014/main" id="{1D5DB675-0CE6-474A-B918-0BBB81FDF253}"/>
+              </a:ext>
+            </a:extLst>
+          </p:cNvPr>
+          <p:cNvSpPr/>
+          <p:nvPr/>
+        </p:nvSpPr>
+        <p:spPr>
+          <a:xfrm>
+            <a:off x="9193764" y="709127"/>
+            <a:ext cx="2251787" cy="4609322"/>
+          </a:xfrm>
+          <a:prstGeom prst="roundRect">
+            <a:avLst/>
+          </a:prstGeom>
+          <a:solidFill>
+            <a:schemeClr val="bg1">
+              <a:lumMod val="85000"/>
+            </a:schemeClr>
+          </a:solidFill>
+          <a:ln w="28575">
+            <a:solidFill>
+              <a:srgbClr val="FF0000"/>
+            </a:solidFill>
+          </a:ln>
+        </p:spPr>
+        <p:style>
+          <a:lnRef idx="2">
+            <a:schemeClr val="accent1">
+              <a:shade val="50000"/>
+            </a:schemeClr>
+          </a:lnRef>
+          <a:fillRef idx="1">
+            <a:schemeClr val="accent1"/>
+          </a:fillRef>
+          <a:effectRef idx="0">
+            <a:schemeClr val="accent1"/>
+          </a:effectRef>
+          <a:fontRef idx="minor">
+            <a:schemeClr val="lt1"/>
+          </a:fontRef>
+        </p:style>
+        <p:txBody>
+          <a:bodyPr rtlCol="0" anchor="ctr"/>
+          <a:lstStyle/>
+          <a:p>
+            <a:pPr algn="ctr"/>
+            <a:endParaRPr lang="en-GB">
+              <a:latin typeface="Segoe UI" panose="020B0502040204020203" pitchFamily="34" charset="0"/>
+              <a:cs typeface="Segoe UI" panose="020B0502040204020203" pitchFamily="34" charset="0"/>
+            </a:endParaRPr>
+          </a:p>
+        </p:txBody>
+      </p:sp>
+      <p:sp>
+        <p:nvSpPr>
+          <p:cNvPr id="13" name="Rectangle: Rounded Corners 12">
+            <a:extLst>
+              <a:ext uri="{FF2B5EF4-FFF2-40B4-BE49-F238E27FC236}">
+                <a16:creationId xmlns:a16="http://schemas.microsoft.com/office/drawing/2014/main" id="{497DB97B-039D-4182-8A21-C324F5A05084}"/>
+              </a:ext>
+            </a:extLst>
+          </p:cNvPr>
+          <p:cNvSpPr/>
+          <p:nvPr/>
+        </p:nvSpPr>
+        <p:spPr>
+          <a:xfrm>
+            <a:off x="1003054" y="777913"/>
+            <a:ext cx="6884431" cy="2183363"/>
+          </a:xfrm>
+          <a:prstGeom prst="roundRect">
+            <a:avLst/>
+          </a:prstGeom>
+          <a:solidFill>
+            <a:schemeClr val="bg1">
+              <a:lumMod val="85000"/>
+            </a:schemeClr>
+          </a:solidFill>
+          <a:ln w="28575">
+            <a:solidFill>
+              <a:srgbClr val="FF0000"/>
+            </a:solidFill>
+          </a:ln>
+        </p:spPr>
+        <p:style>
+          <a:lnRef idx="2">
+            <a:schemeClr val="accent1">
+              <a:shade val="50000"/>
+            </a:schemeClr>
+          </a:lnRef>
+          <a:fillRef idx="1">
+            <a:schemeClr val="accent1"/>
+          </a:fillRef>
+          <a:effectRef idx="0">
+            <a:schemeClr val="accent1"/>
+          </a:effectRef>
+          <a:fontRef idx="minor">
+            <a:schemeClr val="lt1"/>
+          </a:fontRef>
+        </p:style>
+        <p:txBody>
+          <a:bodyPr rtlCol="0" anchor="ctr"/>
+          <a:lstStyle/>
+          <a:p>
+            <a:pPr algn="ctr"/>
+            <a:endParaRPr lang="en-GB">
+              <a:latin typeface="Segoe UI" panose="020B0502040204020203" pitchFamily="34" charset="0"/>
+              <a:cs typeface="Segoe UI" panose="020B0502040204020203" pitchFamily="34" charset="0"/>
+            </a:endParaRPr>
+          </a:p>
+        </p:txBody>
+      </p:sp>
+      <p:sp>
+        <p:nvSpPr>
+          <p:cNvPr id="14" name="Rectangle: Rounded Corners 13">
+            <a:extLst>
+              <a:ext uri="{FF2B5EF4-FFF2-40B4-BE49-F238E27FC236}">
+                <a16:creationId xmlns:a16="http://schemas.microsoft.com/office/drawing/2014/main" id="{670B406B-FAA1-4A47-9E0F-388A4554F760}"/>
+              </a:ext>
+            </a:extLst>
+          </p:cNvPr>
+          <p:cNvSpPr/>
+          <p:nvPr/>
+        </p:nvSpPr>
+        <p:spPr>
+          <a:xfrm>
+            <a:off x="5951371" y="4406768"/>
+            <a:ext cx="1819465" cy="942392"/>
+          </a:xfrm>
+          <a:prstGeom prst="roundRect">
+            <a:avLst/>
+          </a:prstGeom>
+          <a:solidFill>
+            <a:schemeClr val="bg1">
+              <a:lumMod val="85000"/>
+            </a:schemeClr>
+          </a:solidFill>
+          <a:ln w="28575">
+            <a:solidFill>
+              <a:srgbClr val="FF0000"/>
+            </a:solidFill>
+          </a:ln>
+        </p:spPr>
+        <p:style>
+          <a:lnRef idx="2">
+            <a:schemeClr val="accent1">
+              <a:shade val="50000"/>
+            </a:schemeClr>
+          </a:lnRef>
+          <a:fillRef idx="1">
+            <a:schemeClr val="accent1"/>
+          </a:fillRef>
+          <a:effectRef idx="0">
+            <a:schemeClr val="accent1"/>
+          </a:effectRef>
+          <a:fontRef idx="minor">
+            <a:schemeClr val="lt1"/>
+          </a:fontRef>
+        </p:style>
+        <p:txBody>
+          <a:bodyPr rtlCol="0" anchor="ctr"/>
+          <a:lstStyle/>
+          <a:p>
+            <a:pPr algn="ctr"/>
+            <a:endParaRPr lang="en-GB">
+              <a:latin typeface="Segoe UI" panose="020B0502040204020203" pitchFamily="34" charset="0"/>
+              <a:cs typeface="Segoe UI" panose="020B0502040204020203" pitchFamily="34" charset="0"/>
+            </a:endParaRPr>
+          </a:p>
+        </p:txBody>
+      </p:sp>
+      <p:sp>
+        <p:nvSpPr>
+          <p:cNvPr id="15" name="Rectangle: Rounded Corners 14">
+            <a:extLst>
+              <a:ext uri="{FF2B5EF4-FFF2-40B4-BE49-F238E27FC236}">
+                <a16:creationId xmlns:a16="http://schemas.microsoft.com/office/drawing/2014/main" id="{56FA4A14-0892-4CE1-BE7A-A2056ECF1DAC}"/>
+              </a:ext>
+            </a:extLst>
+          </p:cNvPr>
+          <p:cNvSpPr/>
+          <p:nvPr/>
+        </p:nvSpPr>
+        <p:spPr>
+          <a:xfrm>
+            <a:off x="3456987" y="4406768"/>
+            <a:ext cx="1895667" cy="942392"/>
+          </a:xfrm>
+          <a:prstGeom prst="roundRect">
+            <a:avLst/>
+          </a:prstGeom>
+          <a:solidFill>
+            <a:schemeClr val="bg1">
+              <a:lumMod val="85000"/>
+            </a:schemeClr>
+          </a:solidFill>
+          <a:ln w="28575">
+            <a:solidFill>
+              <a:srgbClr val="FF0000"/>
+            </a:solidFill>
+          </a:ln>
+        </p:spPr>
+        <p:style>
+          <a:lnRef idx="2">
+            <a:schemeClr val="accent1">
+              <a:shade val="50000"/>
+            </a:schemeClr>
+          </a:lnRef>
+          <a:fillRef idx="1">
+            <a:schemeClr val="accent1"/>
+          </a:fillRef>
+          <a:effectRef idx="0">
+            <a:schemeClr val="accent1"/>
+          </a:effectRef>
+          <a:fontRef idx="minor">
+            <a:schemeClr val="lt1"/>
+          </a:fontRef>
+        </p:style>
+        <p:txBody>
+          <a:bodyPr rtlCol="0" anchor="ctr"/>
+          <a:lstStyle/>
+          <a:p>
+            <a:pPr algn="ctr"/>
+            <a:endParaRPr lang="en-GB">
+              <a:latin typeface="Segoe UI" panose="020B0502040204020203" pitchFamily="34" charset="0"/>
+              <a:cs typeface="Segoe UI" panose="020B0502040204020203" pitchFamily="34" charset="0"/>
+            </a:endParaRPr>
+          </a:p>
+        </p:txBody>
+      </p:sp>
+      <p:cxnSp>
+        <p:nvCxnSpPr>
+          <p:cNvPr id="16" name="Straight Connector 15">
+            <a:extLst>
+              <a:ext uri="{FF2B5EF4-FFF2-40B4-BE49-F238E27FC236}">
+                <a16:creationId xmlns:a16="http://schemas.microsoft.com/office/drawing/2014/main" id="{B8646BD2-FF5F-47C6-9788-5228BF540137}"/>
+              </a:ext>
+            </a:extLst>
+          </p:cNvPr>
+          <p:cNvCxnSpPr>
+            <a:cxnSpLocks/>
+          </p:cNvCxnSpPr>
+          <p:nvPr/>
+        </p:nvCxnSpPr>
+        <p:spPr>
+          <a:xfrm>
+            <a:off x="5592147" y="3429000"/>
+            <a:ext cx="0" cy="2449286"/>
+          </a:xfrm>
+          <a:prstGeom prst="line">
+            <a:avLst/>
+          </a:prstGeom>
+          <a:ln w="15875" cmpd="dbl">
+            <a:solidFill>
+              <a:schemeClr val="accent6">
+                <a:lumMod val="75000"/>
+              </a:schemeClr>
+            </a:solidFill>
+            <a:prstDash val="lgDash"/>
+          </a:ln>
+        </p:spPr>
+        <p:style>
+          <a:lnRef idx="1">
+            <a:schemeClr val="accent1"/>
+          </a:lnRef>
+          <a:fillRef idx="0">
+            <a:schemeClr val="accent1"/>
+          </a:fillRef>
+          <a:effectRef idx="0">
+            <a:schemeClr val="accent1"/>
+          </a:effectRef>
+          <a:fontRef idx="minor">
+            <a:schemeClr val="tx1"/>
+          </a:fontRef>
+        </p:style>
+      </p:cxnSp>
+      <p:sp>
+        <p:nvSpPr>
+          <p:cNvPr id="17" name="TextBox 16">
+            <a:extLst>
+              <a:ext uri="{FF2B5EF4-FFF2-40B4-BE49-F238E27FC236}">
+                <a16:creationId xmlns:a16="http://schemas.microsoft.com/office/drawing/2014/main" id="{6E8BFC32-3AFA-4B4C-9172-2CBE21A80A58}"/>
+              </a:ext>
+            </a:extLst>
+          </p:cNvPr>
+          <p:cNvSpPr txBox="1"/>
+          <p:nvPr/>
+        </p:nvSpPr>
+        <p:spPr>
+          <a:xfrm>
+            <a:off x="2908044" y="1063132"/>
+            <a:ext cx="3187956" cy="1446550"/>
+          </a:xfrm>
+          <a:prstGeom prst="rect">
+            <a:avLst/>
+          </a:prstGeom>
+          <a:noFill/>
+        </p:spPr>
+        <p:txBody>
+          <a:bodyPr wrap="square" rtlCol="0">
+            <a:spAutoFit/>
           </a:bodyPr>
           <a:lstStyle/>
           <a:p>
-            <a:pPr algn="ctr"/>
-            <a:r>
-              <a:rPr lang="en-GB" sz="6600" dirty="0">
-                <a:solidFill>
-                  <a:schemeClr val="bg1"/>
-                </a:solidFill>
-                <a:latin typeface="Segoe UI" panose="020B0502040204020203" pitchFamily="34" charset="0"/>
-                <a:cs typeface="Segoe UI" panose="020B0502040204020203" pitchFamily="34" charset="0"/>
-              </a:rPr>
-              <a:t>Build tools</a:t>
-            </a:r>
-          </a:p>
-        </p:txBody>
-      </p:sp>
-      <p:sp>
-        <p:nvSpPr>
-          <p:cNvPr id="4" name="Content Placeholder 2">
-            <a:extLst>
-              <a:ext uri="{FF2B5EF4-FFF2-40B4-BE49-F238E27FC236}">
-                <a16:creationId xmlns:a16="http://schemas.microsoft.com/office/drawing/2014/main" id="{088CCB65-11B4-408B-9ED3-1304FE85032F}"/>
-              </a:ext>
-            </a:extLst>
-          </p:cNvPr>
-          <p:cNvSpPr>
-            <a:spLocks noGrp="1"/>
-          </p:cNvSpPr>
-          <p:nvPr>
-            <p:ph idx="1"/>
-          </p:nvPr>
+            <a:r>
+              <a:rPr lang="en-GB" sz="8800" dirty="0">
+                <a:latin typeface="Segoe UI" panose="020B0502040204020203" pitchFamily="34" charset="0"/>
+                <a:cs typeface="Segoe UI" panose="020B0502040204020203" pitchFamily="34" charset="0"/>
+              </a:rPr>
+              <a:t>HTML</a:t>
+            </a:r>
+          </a:p>
+        </p:txBody>
+      </p:sp>
+      <p:sp>
+        <p:nvSpPr>
+          <p:cNvPr id="19" name="TextBox 18">
+            <a:extLst>
+              <a:ext uri="{FF2B5EF4-FFF2-40B4-BE49-F238E27FC236}">
+                <a16:creationId xmlns:a16="http://schemas.microsoft.com/office/drawing/2014/main" id="{C81F58F9-1FC7-477B-877C-80F0959EBC0E}"/>
+              </a:ext>
+            </a:extLst>
+          </p:cNvPr>
+          <p:cNvSpPr txBox="1"/>
+          <p:nvPr/>
         </p:nvSpPr>
         <p:spPr>
           <a:xfrm>
-            <a:off x="838200" y="1325563"/>
-            <a:ext cx="10515600" cy="5326907"/>
-          </a:xfrm>
-        </p:spPr>
-        <p:txBody>
-          <a:bodyPr wrap="square" bIns="252000">
-            <a:normAutofit lnSpcReduction="10000"/>
+            <a:off x="6019022" y="4693298"/>
+            <a:ext cx="1702057" cy="369332"/>
+          </a:xfrm>
+          <a:prstGeom prst="rect">
+            <a:avLst/>
+          </a:prstGeom>
+          <a:noFill/>
+        </p:spPr>
+        <p:txBody>
+          <a:bodyPr wrap="square" rtlCol="0">
+            <a:spAutoFit/>
           </a:bodyPr>
           <a:lstStyle/>
           <a:p>
-            <a:pPr marL="457200" lvl="1" indent="0" algn="ctr">
-              <a:buNone/>
-            </a:pPr>
-            <a:endParaRPr lang="en-GB" sz="1600" dirty="0">
-              <a:solidFill>
-                <a:srgbClr val="2196F3"/>
-              </a:solidFill>
-              <a:latin typeface="Segoe UI" panose="020B0502040204020203" pitchFamily="34" charset="0"/>
-              <a:cs typeface="Segoe UI" panose="020B0502040204020203" pitchFamily="34" charset="0"/>
-            </a:endParaRPr>
-          </a:p>
-          <a:p>
-            <a:pPr marL="457200" lvl="1" indent="0">
-              <a:buNone/>
-            </a:pPr>
-            <a:r>
-              <a:rPr lang="en-GB" sz="3600" dirty="0">
-                <a:solidFill>
-                  <a:srgbClr val="2196F3"/>
-                </a:solidFill>
-                <a:latin typeface="Segoe UI" panose="020B0502040204020203" pitchFamily="34" charset="0"/>
-                <a:cs typeface="Segoe UI" panose="020B0502040204020203" pitchFamily="34" charset="0"/>
-              </a:rPr>
-              <a:t>JS compilers (not frameworks):</a:t>
-            </a:r>
-          </a:p>
-          <a:p>
-            <a:pPr marL="457200" lvl="1" indent="0">
-              <a:buNone/>
-            </a:pPr>
-            <a:endParaRPr lang="en-GB" sz="1300" dirty="0">
-              <a:solidFill>
-                <a:srgbClr val="2196F3"/>
-              </a:solidFill>
-              <a:latin typeface="Segoe UI" panose="020B0502040204020203" pitchFamily="34" charset="0"/>
-              <a:cs typeface="Segoe UI" panose="020B0502040204020203" pitchFamily="34" charset="0"/>
-            </a:endParaRPr>
-          </a:p>
-          <a:p>
-            <a:pPr marL="914400" lvl="2" indent="0">
-              <a:buNone/>
-            </a:pPr>
-            <a:r>
-              <a:rPr lang="en-GB" sz="3200" dirty="0">
-                <a:solidFill>
-                  <a:srgbClr val="2196F3"/>
-                </a:solidFill>
-                <a:latin typeface="Segoe UI" panose="020B0502040204020203" pitchFamily="34" charset="0"/>
-                <a:cs typeface="Segoe UI" panose="020B0502040204020203" pitchFamily="34" charset="0"/>
-              </a:rPr>
-              <a:t>Stencil JS (Part of Ionic)</a:t>
-            </a:r>
-          </a:p>
-          <a:p>
-            <a:pPr marL="914400" lvl="2" indent="0">
-              <a:buNone/>
-            </a:pPr>
-            <a:r>
-              <a:rPr lang="en-GB" sz="3200" dirty="0">
-                <a:solidFill>
-                  <a:srgbClr val="2196F3"/>
-                </a:solidFill>
-                <a:latin typeface="Segoe UI" panose="020B0502040204020203" pitchFamily="34" charset="0"/>
-                <a:cs typeface="Segoe UI" panose="020B0502040204020203" pitchFamily="34" charset="0"/>
-              </a:rPr>
-              <a:t>Lit Element/Lit HTML</a:t>
-            </a:r>
-          </a:p>
-          <a:p>
-            <a:pPr marL="914400" lvl="2" indent="0">
-              <a:buNone/>
-            </a:pPr>
-            <a:r>
-              <a:rPr lang="en-GB" sz="3200" dirty="0">
-                <a:solidFill>
-                  <a:srgbClr val="2196F3"/>
-                </a:solidFill>
-                <a:latin typeface="Segoe UI" panose="020B0502040204020203" pitchFamily="34" charset="0"/>
-                <a:cs typeface="Segoe UI" panose="020B0502040204020203" pitchFamily="34" charset="0"/>
-              </a:rPr>
-              <a:t>Svelte</a:t>
-            </a:r>
-          </a:p>
-          <a:p>
-            <a:pPr marL="914400" lvl="2" indent="0">
-              <a:buNone/>
-            </a:pPr>
-            <a:r>
-              <a:rPr lang="en-GB" sz="3200" dirty="0">
-                <a:solidFill>
-                  <a:srgbClr val="2196F3"/>
-                </a:solidFill>
-                <a:latin typeface="Segoe UI" panose="020B0502040204020203" pitchFamily="34" charset="0"/>
-                <a:cs typeface="Segoe UI" panose="020B0502040204020203" pitchFamily="34" charset="0"/>
-              </a:rPr>
-              <a:t>Open WC</a:t>
-            </a:r>
-          </a:p>
-          <a:p>
-            <a:pPr marL="457200" lvl="1" indent="0">
-              <a:buNone/>
-            </a:pPr>
-            <a:endParaRPr lang="en-GB" sz="3600" dirty="0">
-              <a:solidFill>
-                <a:srgbClr val="2196F3"/>
-              </a:solidFill>
-              <a:latin typeface="Segoe UI" panose="020B0502040204020203" pitchFamily="34" charset="0"/>
-              <a:cs typeface="Segoe UI" panose="020B0502040204020203" pitchFamily="34" charset="0"/>
-            </a:endParaRPr>
-          </a:p>
-          <a:p>
-            <a:pPr marL="457200" lvl="1" indent="0">
-              <a:buNone/>
-            </a:pPr>
-            <a:r>
-              <a:rPr lang="en-GB" sz="3600" dirty="0">
-                <a:solidFill>
-                  <a:srgbClr val="2196F3"/>
-                </a:solidFill>
-                <a:latin typeface="Segoe UI" panose="020B0502040204020203" pitchFamily="34" charset="0"/>
-                <a:cs typeface="Segoe UI" panose="020B0502040204020203" pitchFamily="34" charset="0"/>
-              </a:rPr>
-              <a:t>Wrappers:</a:t>
-            </a:r>
-          </a:p>
-          <a:p>
-            <a:pPr marL="457200" lvl="1" indent="0">
-              <a:buNone/>
-            </a:pPr>
-            <a:endParaRPr lang="en-GB" sz="1600" dirty="0">
-              <a:solidFill>
-                <a:srgbClr val="2196F3"/>
-              </a:solidFill>
-              <a:latin typeface="Segoe UI" panose="020B0502040204020203" pitchFamily="34" charset="0"/>
-              <a:cs typeface="Segoe UI" panose="020B0502040204020203" pitchFamily="34" charset="0"/>
-            </a:endParaRPr>
-          </a:p>
-          <a:p>
-            <a:pPr marL="914400" lvl="2" indent="0">
-              <a:buNone/>
-            </a:pPr>
-            <a:r>
-              <a:rPr lang="en-GB" sz="3200" dirty="0">
-                <a:solidFill>
-                  <a:srgbClr val="2196F3"/>
-                </a:solidFill>
-                <a:latin typeface="Segoe UI" panose="020B0502040204020203" pitchFamily="34" charset="0"/>
-                <a:cs typeface="Segoe UI" panose="020B0502040204020203" pitchFamily="34" charset="0"/>
-              </a:rPr>
-              <a:t>Vue, Angular, React etc have builds that add a web component wrapper.</a:t>
-            </a:r>
-          </a:p>
-          <a:p>
-            <a:pPr marL="457200" lvl="1" indent="0">
-              <a:buNone/>
-            </a:pPr>
-            <a:endParaRPr lang="en-GB" sz="3600" dirty="0">
-              <a:solidFill>
-                <a:srgbClr val="2196F3"/>
-              </a:solidFill>
-              <a:latin typeface="Segoe UI" panose="020B0502040204020203" pitchFamily="34" charset="0"/>
-              <a:cs typeface="Segoe UI" panose="020B0502040204020203" pitchFamily="34" charset="0"/>
-            </a:endParaRPr>
-          </a:p>
-          <a:p>
-            <a:pPr marL="457200" lvl="1" indent="0">
-              <a:buNone/>
-            </a:pPr>
-            <a:endParaRPr lang="en-GB" sz="3600" dirty="0">
-              <a:solidFill>
-                <a:srgbClr val="2196F3"/>
-              </a:solidFill>
-              <a:latin typeface="Segoe UI" panose="020B0502040204020203" pitchFamily="34" charset="0"/>
-              <a:cs typeface="Segoe UI" panose="020B0502040204020203" pitchFamily="34" charset="0"/>
-            </a:endParaRPr>
-          </a:p>
-          <a:p>
-            <a:pPr marL="457200" lvl="1" indent="0">
-              <a:buNone/>
-            </a:pPr>
-            <a:endParaRPr lang="en-GB" sz="6700" dirty="0">
-              <a:solidFill>
-                <a:srgbClr val="2196F3"/>
-              </a:solidFill>
-              <a:latin typeface="Segoe UI" panose="020B0502040204020203" pitchFamily="34" charset="0"/>
-              <a:cs typeface="Segoe UI" panose="020B0502040204020203" pitchFamily="34" charset="0"/>
-            </a:endParaRPr>
-          </a:p>
-          <a:p>
-            <a:pPr marL="457200" lvl="1" indent="0">
-              <a:buNone/>
-            </a:pPr>
-            <a:endParaRPr lang="en-GB" sz="6700" dirty="0">
-              <a:solidFill>
-                <a:srgbClr val="2196F3"/>
-              </a:solidFill>
-              <a:latin typeface="Segoe UI" panose="020B0502040204020203" pitchFamily="34" charset="0"/>
-              <a:cs typeface="Segoe UI" panose="020B0502040204020203" pitchFamily="34" charset="0"/>
-            </a:endParaRPr>
-          </a:p>
-          <a:p>
-            <a:pPr marL="457200" lvl="1" indent="0">
-              <a:buNone/>
-            </a:pPr>
-            <a:endParaRPr lang="en-GB" sz="6700" dirty="0">
-              <a:latin typeface="Segoe UI" panose="020B0502040204020203" pitchFamily="34" charset="0"/>
-              <a:cs typeface="Segoe UI" panose="020B0502040204020203" pitchFamily="34" charset="0"/>
-            </a:endParaRPr>
-          </a:p>
-          <a:p>
-            <a:pPr marL="0" indent="0">
-              <a:buNone/>
-            </a:pPr>
-            <a:endParaRPr lang="en-GB" dirty="0">
-              <a:latin typeface="Segoe UI" panose="020B0502040204020203" pitchFamily="34" charset="0"/>
-              <a:cs typeface="Segoe UI" panose="020B0502040204020203" pitchFamily="34" charset="0"/>
-            </a:endParaRPr>
-          </a:p>
-          <a:p>
-            <a:endParaRPr lang="en-GB" dirty="0">
-              <a:latin typeface="Segoe UI" panose="020B0502040204020203" pitchFamily="34" charset="0"/>
-              <a:cs typeface="Segoe UI" panose="020B0502040204020203" pitchFamily="34" charset="0"/>
-            </a:endParaRPr>
+            <a:r>
+              <a:rPr lang="en-GB" dirty="0">
+                <a:latin typeface="Segoe UI" panose="020B0502040204020203" pitchFamily="34" charset="0"/>
+                <a:cs typeface="Segoe UI" panose="020B0502040204020203" pitchFamily="34" charset="0"/>
+              </a:rPr>
+              <a:t>Framework ...n</a:t>
+            </a:r>
+          </a:p>
+        </p:txBody>
+      </p:sp>
+      <p:sp>
+        <p:nvSpPr>
+          <p:cNvPr id="20" name="TextBox 19">
+            <a:extLst>
+              <a:ext uri="{FF2B5EF4-FFF2-40B4-BE49-F238E27FC236}">
+                <a16:creationId xmlns:a16="http://schemas.microsoft.com/office/drawing/2014/main" id="{FB923CCF-0EA9-4C2D-AC00-B89B13CB18B9}"/>
+              </a:ext>
+            </a:extLst>
+          </p:cNvPr>
+          <p:cNvSpPr txBox="1"/>
+          <p:nvPr/>
+        </p:nvSpPr>
+        <p:spPr>
+          <a:xfrm>
+            <a:off x="3619499" y="4693298"/>
+            <a:ext cx="1488233" cy="369332"/>
+          </a:xfrm>
+          <a:prstGeom prst="rect">
+            <a:avLst/>
+          </a:prstGeom>
+          <a:noFill/>
+        </p:spPr>
+        <p:txBody>
+          <a:bodyPr wrap="square" rtlCol="0">
+            <a:spAutoFit/>
+          </a:bodyPr>
+          <a:lstStyle/>
+          <a:p>
+            <a:r>
+              <a:rPr lang="en-GB" dirty="0">
+                <a:latin typeface="Segoe UI" panose="020B0502040204020203" pitchFamily="34" charset="0"/>
+                <a:cs typeface="Segoe UI" panose="020B0502040204020203" pitchFamily="34" charset="0"/>
+              </a:rPr>
+              <a:t>Framework 2</a:t>
+            </a:r>
+          </a:p>
+        </p:txBody>
+      </p:sp>
+      <p:sp>
+        <p:nvSpPr>
+          <p:cNvPr id="21" name="TextBox 20">
+            <a:extLst>
+              <a:ext uri="{FF2B5EF4-FFF2-40B4-BE49-F238E27FC236}">
+                <a16:creationId xmlns:a16="http://schemas.microsoft.com/office/drawing/2014/main" id="{000E004F-3DEE-453A-880F-3667A9536687}"/>
+              </a:ext>
+            </a:extLst>
+          </p:cNvPr>
+          <p:cNvSpPr txBox="1"/>
+          <p:nvPr/>
+        </p:nvSpPr>
+        <p:spPr>
+          <a:xfrm>
+            <a:off x="1091681" y="4693298"/>
+            <a:ext cx="1488233" cy="369332"/>
+          </a:xfrm>
+          <a:prstGeom prst="rect">
+            <a:avLst/>
+          </a:prstGeom>
+          <a:noFill/>
+        </p:spPr>
+        <p:txBody>
+          <a:bodyPr wrap="square" rtlCol="0">
+            <a:spAutoFit/>
+          </a:bodyPr>
+          <a:lstStyle/>
+          <a:p>
+            <a:r>
+              <a:rPr lang="en-GB" dirty="0">
+                <a:latin typeface="Segoe UI" panose="020B0502040204020203" pitchFamily="34" charset="0"/>
+                <a:cs typeface="Segoe UI" panose="020B0502040204020203" pitchFamily="34" charset="0"/>
+              </a:rPr>
+              <a:t>Framework 1</a:t>
+            </a:r>
+          </a:p>
+        </p:txBody>
+      </p:sp>
+      <p:sp>
+        <p:nvSpPr>
+          <p:cNvPr id="2" name="Rectangle 1">
+            <a:extLst>
+              <a:ext uri="{FF2B5EF4-FFF2-40B4-BE49-F238E27FC236}">
+                <a16:creationId xmlns:a16="http://schemas.microsoft.com/office/drawing/2014/main" id="{FDD2DDAE-CA83-4119-9F26-87A3775E731D}"/>
+              </a:ext>
+            </a:extLst>
+          </p:cNvPr>
+          <p:cNvSpPr/>
+          <p:nvPr/>
+        </p:nvSpPr>
+        <p:spPr>
+          <a:xfrm>
+            <a:off x="886406" y="3150607"/>
+            <a:ext cx="6884431" cy="811764"/>
+          </a:xfrm>
+          <a:prstGeom prst="rect">
+            <a:avLst/>
+          </a:prstGeom>
+        </p:spPr>
+        <p:style>
+          <a:lnRef idx="2">
+            <a:schemeClr val="accent6">
+              <a:shade val="50000"/>
+            </a:schemeClr>
+          </a:lnRef>
+          <a:fillRef idx="1">
+            <a:schemeClr val="accent6"/>
+          </a:fillRef>
+          <a:effectRef idx="0">
+            <a:schemeClr val="accent6"/>
+          </a:effectRef>
+          <a:fontRef idx="minor">
+            <a:schemeClr val="lt1"/>
+          </a:fontRef>
+        </p:style>
+        <p:txBody>
+          <a:bodyPr rtlCol="0" anchor="ctr"/>
+          <a:lstStyle/>
+          <a:p>
+            <a:pPr algn="ctr"/>
+            <a:endParaRPr lang="en-GB">
+              <a:latin typeface="Segoe UI" panose="020B0502040204020203" pitchFamily="34" charset="0"/>
+              <a:cs typeface="Segoe UI" panose="020B0502040204020203" pitchFamily="34" charset="0"/>
+            </a:endParaRPr>
+          </a:p>
+        </p:txBody>
+      </p:sp>
+      <p:sp>
+        <p:nvSpPr>
+          <p:cNvPr id="3" name="TextBox 2">
+            <a:extLst>
+              <a:ext uri="{FF2B5EF4-FFF2-40B4-BE49-F238E27FC236}">
+                <a16:creationId xmlns:a16="http://schemas.microsoft.com/office/drawing/2014/main" id="{0F9AD193-E370-4053-AFC8-A661FCE69253}"/>
+              </a:ext>
+            </a:extLst>
+          </p:cNvPr>
+          <p:cNvSpPr txBox="1"/>
+          <p:nvPr/>
+        </p:nvSpPr>
+        <p:spPr>
+          <a:xfrm>
+            <a:off x="2292122" y="3288787"/>
+            <a:ext cx="4123332" cy="584775"/>
+          </a:xfrm>
+          <a:prstGeom prst="rect">
+            <a:avLst/>
+          </a:prstGeom>
+          <a:noFill/>
+        </p:spPr>
+        <p:txBody>
+          <a:bodyPr wrap="square" rtlCol="0">
+            <a:spAutoFit/>
+          </a:bodyPr>
+          <a:lstStyle/>
+          <a:p>
+            <a:r>
+              <a:rPr lang="en-GB" sz="3200" b="1" dirty="0">
+                <a:solidFill>
+                  <a:schemeClr val="bg1"/>
+                </a:solidFill>
+                <a:latin typeface="Segoe UI" panose="020B0502040204020203" pitchFamily="34" charset="0"/>
+                <a:cs typeface="Segoe UI" panose="020B0502040204020203" pitchFamily="34" charset="0"/>
+              </a:rPr>
+              <a:t>WEB COMPONENTS</a:t>
+            </a:r>
+          </a:p>
+        </p:txBody>
+      </p:sp>
+      <p:cxnSp>
+        <p:nvCxnSpPr>
+          <p:cNvPr id="6" name="Straight Arrow Connector 5">
+            <a:extLst>
+              <a:ext uri="{FF2B5EF4-FFF2-40B4-BE49-F238E27FC236}">
+                <a16:creationId xmlns:a16="http://schemas.microsoft.com/office/drawing/2014/main" id="{D229A287-52AB-46FC-9CD3-F99C53ACEF34}"/>
+              </a:ext>
+            </a:extLst>
+          </p:cNvPr>
+          <p:cNvCxnSpPr/>
+          <p:nvPr/>
+        </p:nvCxnSpPr>
+        <p:spPr>
+          <a:xfrm flipV="1">
+            <a:off x="2062065" y="3960073"/>
+            <a:ext cx="0" cy="415984"/>
+          </a:xfrm>
+          <a:prstGeom prst="straightConnector1">
+            <a:avLst/>
+          </a:prstGeom>
+          <a:ln w="50800">
+            <a:tailEnd type="triangle"/>
+          </a:ln>
+        </p:spPr>
+        <p:style>
+          <a:lnRef idx="1">
+            <a:schemeClr val="accent6"/>
+          </a:lnRef>
+          <a:fillRef idx="0">
+            <a:schemeClr val="accent6"/>
+          </a:fillRef>
+          <a:effectRef idx="0">
+            <a:schemeClr val="accent6"/>
+          </a:effectRef>
+          <a:fontRef idx="minor">
+            <a:schemeClr val="tx1"/>
+          </a:fontRef>
+        </p:style>
+      </p:cxnSp>
+      <p:cxnSp>
+        <p:nvCxnSpPr>
+          <p:cNvPr id="22" name="Straight Arrow Connector 21">
+            <a:extLst>
+              <a:ext uri="{FF2B5EF4-FFF2-40B4-BE49-F238E27FC236}">
+                <a16:creationId xmlns:a16="http://schemas.microsoft.com/office/drawing/2014/main" id="{F12C64DB-7B75-4A11-AC0A-77AB2AC81EAD}"/>
+              </a:ext>
+            </a:extLst>
+          </p:cNvPr>
+          <p:cNvCxnSpPr/>
+          <p:nvPr/>
+        </p:nvCxnSpPr>
+        <p:spPr>
+          <a:xfrm flipV="1">
+            <a:off x="4261757" y="3978735"/>
+            <a:ext cx="0" cy="415984"/>
+          </a:xfrm>
+          <a:prstGeom prst="straightConnector1">
+            <a:avLst/>
+          </a:prstGeom>
+          <a:ln w="50800">
+            <a:tailEnd type="triangle"/>
+          </a:ln>
+        </p:spPr>
+        <p:style>
+          <a:lnRef idx="1">
+            <a:schemeClr val="accent6"/>
+          </a:lnRef>
+          <a:fillRef idx="0">
+            <a:schemeClr val="accent6"/>
+          </a:fillRef>
+          <a:effectRef idx="0">
+            <a:schemeClr val="accent6"/>
+          </a:effectRef>
+          <a:fontRef idx="minor">
+            <a:schemeClr val="tx1"/>
+          </a:fontRef>
+        </p:style>
+      </p:cxnSp>
+      <p:cxnSp>
+        <p:nvCxnSpPr>
+          <p:cNvPr id="23" name="Straight Arrow Connector 22">
+            <a:extLst>
+              <a:ext uri="{FF2B5EF4-FFF2-40B4-BE49-F238E27FC236}">
+                <a16:creationId xmlns:a16="http://schemas.microsoft.com/office/drawing/2014/main" id="{8B1C15C1-C3CB-4D87-A0BB-7C3A15158A95}"/>
+              </a:ext>
+            </a:extLst>
+          </p:cNvPr>
+          <p:cNvCxnSpPr/>
+          <p:nvPr/>
+        </p:nvCxnSpPr>
+        <p:spPr>
+          <a:xfrm flipV="1">
+            <a:off x="6304384" y="3962371"/>
+            <a:ext cx="0" cy="415984"/>
+          </a:xfrm>
+          <a:prstGeom prst="straightConnector1">
+            <a:avLst/>
+          </a:prstGeom>
+          <a:ln w="50800">
+            <a:tailEnd type="triangle"/>
+          </a:ln>
+        </p:spPr>
+        <p:style>
+          <a:lnRef idx="1">
+            <a:schemeClr val="accent6"/>
+          </a:lnRef>
+          <a:fillRef idx="0">
+            <a:schemeClr val="accent6"/>
+          </a:fillRef>
+          <a:effectRef idx="0">
+            <a:schemeClr val="accent6"/>
+          </a:effectRef>
+          <a:fontRef idx="minor">
+            <a:schemeClr val="tx1"/>
+          </a:fontRef>
+        </p:style>
+      </p:cxnSp>
+      <p:cxnSp>
+        <p:nvCxnSpPr>
+          <p:cNvPr id="24" name="Straight Arrow Connector 23">
+            <a:extLst>
+              <a:ext uri="{FF2B5EF4-FFF2-40B4-BE49-F238E27FC236}">
+                <a16:creationId xmlns:a16="http://schemas.microsoft.com/office/drawing/2014/main" id="{163353F7-B0B9-4F80-AC63-42827D10FDAE}"/>
+              </a:ext>
+            </a:extLst>
+          </p:cNvPr>
+          <p:cNvCxnSpPr>
+            <a:cxnSpLocks/>
+          </p:cNvCxnSpPr>
+          <p:nvPr/>
+        </p:nvCxnSpPr>
+        <p:spPr>
+          <a:xfrm flipV="1">
+            <a:off x="4261757" y="2220686"/>
+            <a:ext cx="0" cy="929921"/>
+          </a:xfrm>
+          <a:prstGeom prst="straightConnector1">
+            <a:avLst/>
+          </a:prstGeom>
+          <a:ln w="50800">
+            <a:tailEnd type="triangle"/>
+          </a:ln>
+        </p:spPr>
+        <p:style>
+          <a:lnRef idx="1">
+            <a:schemeClr val="accent6"/>
+          </a:lnRef>
+          <a:fillRef idx="0">
+            <a:schemeClr val="accent6"/>
+          </a:fillRef>
+          <a:effectRef idx="0">
+            <a:schemeClr val="accent6"/>
+          </a:effectRef>
+          <a:fontRef idx="minor">
+            <a:schemeClr val="tx1"/>
+          </a:fontRef>
+        </p:style>
+      </p:cxnSp>
+      <p:cxnSp>
+        <p:nvCxnSpPr>
+          <p:cNvPr id="25" name="Straight Arrow Connector 24">
+            <a:extLst>
+              <a:ext uri="{FF2B5EF4-FFF2-40B4-BE49-F238E27FC236}">
+                <a16:creationId xmlns:a16="http://schemas.microsoft.com/office/drawing/2014/main" id="{CC440C1A-3EF4-4B67-8663-C472C2FCEE45}"/>
+              </a:ext>
+            </a:extLst>
+          </p:cNvPr>
+          <p:cNvCxnSpPr>
+            <a:cxnSpLocks/>
+          </p:cNvCxnSpPr>
+          <p:nvPr/>
+        </p:nvCxnSpPr>
+        <p:spPr>
+          <a:xfrm>
+            <a:off x="2062065" y="3997396"/>
+            <a:ext cx="1464906" cy="490628"/>
+          </a:xfrm>
+          <a:prstGeom prst="straightConnector1">
+            <a:avLst/>
+          </a:prstGeom>
+          <a:ln w="50800">
+            <a:tailEnd type="triangle"/>
+          </a:ln>
+        </p:spPr>
+        <p:style>
+          <a:lnRef idx="1">
+            <a:schemeClr val="accent6"/>
+          </a:lnRef>
+          <a:fillRef idx="0">
+            <a:schemeClr val="accent6"/>
+          </a:fillRef>
+          <a:effectRef idx="0">
+            <a:schemeClr val="accent6"/>
+          </a:effectRef>
+          <a:fontRef idx="minor">
+            <a:schemeClr val="tx1"/>
+          </a:fontRef>
+        </p:style>
+      </p:cxnSp>
+      <p:cxnSp>
+        <p:nvCxnSpPr>
+          <p:cNvPr id="28" name="Straight Arrow Connector 27">
+            <a:extLst>
+              <a:ext uri="{FF2B5EF4-FFF2-40B4-BE49-F238E27FC236}">
+                <a16:creationId xmlns:a16="http://schemas.microsoft.com/office/drawing/2014/main" id="{BB158374-8877-4243-9769-72088526DB6A}"/>
+              </a:ext>
+            </a:extLst>
+          </p:cNvPr>
+          <p:cNvCxnSpPr>
+            <a:cxnSpLocks/>
+          </p:cNvCxnSpPr>
+          <p:nvPr/>
+        </p:nvCxnSpPr>
+        <p:spPr>
+          <a:xfrm>
+            <a:off x="4261757" y="3997396"/>
+            <a:ext cx="1689614" cy="490628"/>
+          </a:xfrm>
+          <a:prstGeom prst="straightConnector1">
+            <a:avLst/>
+          </a:prstGeom>
+          <a:ln w="50800">
+            <a:tailEnd type="triangle"/>
+          </a:ln>
+        </p:spPr>
+        <p:style>
+          <a:lnRef idx="1">
+            <a:schemeClr val="accent6"/>
+          </a:lnRef>
+          <a:fillRef idx="0">
+            <a:schemeClr val="accent6"/>
+          </a:fillRef>
+          <a:effectRef idx="0">
+            <a:schemeClr val="accent6"/>
+          </a:effectRef>
+          <a:fontRef idx="minor">
+            <a:schemeClr val="tx1"/>
+          </a:fontRef>
+        </p:style>
+      </p:cxnSp>
+      <p:sp>
+        <p:nvSpPr>
+          <p:cNvPr id="8" name="Arrow: Right 7">
+            <a:extLst>
+              <a:ext uri="{FF2B5EF4-FFF2-40B4-BE49-F238E27FC236}">
+                <a16:creationId xmlns:a16="http://schemas.microsoft.com/office/drawing/2014/main" id="{25BD3FE5-5BA0-48FE-B758-52C44C0D1DC1}"/>
+              </a:ext>
+            </a:extLst>
+          </p:cNvPr>
+          <p:cNvSpPr/>
+          <p:nvPr/>
+        </p:nvSpPr>
+        <p:spPr>
+          <a:xfrm rot="10800000">
+            <a:off x="7770836" y="3134313"/>
+            <a:ext cx="1411331" cy="825759"/>
+          </a:xfrm>
+          <a:prstGeom prst="rightArrow">
+            <a:avLst/>
+          </a:prstGeom>
+        </p:spPr>
+        <p:style>
+          <a:lnRef idx="2">
+            <a:schemeClr val="accent1">
+              <a:shade val="50000"/>
+            </a:schemeClr>
+          </a:lnRef>
+          <a:fillRef idx="1">
+            <a:schemeClr val="accent1"/>
+          </a:fillRef>
+          <a:effectRef idx="0">
+            <a:schemeClr val="accent1"/>
+          </a:effectRef>
+          <a:fontRef idx="minor">
+            <a:schemeClr val="lt1"/>
+          </a:fontRef>
+        </p:style>
+        <p:txBody>
+          <a:bodyPr rtlCol="0" anchor="ctr"/>
+          <a:lstStyle/>
+          <a:p>
+            <a:pPr algn="ctr"/>
+            <a:endParaRPr lang="en-GB"/>
+          </a:p>
+        </p:txBody>
+      </p:sp>
+      <p:sp>
+        <p:nvSpPr>
+          <p:cNvPr id="30" name="TextBox 29">
+            <a:extLst>
+              <a:ext uri="{FF2B5EF4-FFF2-40B4-BE49-F238E27FC236}">
+                <a16:creationId xmlns:a16="http://schemas.microsoft.com/office/drawing/2014/main" id="{20D77E3C-AC7F-43B7-8FF2-980322AACB93}"/>
+              </a:ext>
+            </a:extLst>
+          </p:cNvPr>
+          <p:cNvSpPr txBox="1"/>
+          <p:nvPr/>
+        </p:nvSpPr>
+        <p:spPr>
+          <a:xfrm>
+            <a:off x="9300027" y="3199941"/>
+            <a:ext cx="2070867" cy="649536"/>
+          </a:xfrm>
+          <a:prstGeom prst="rect">
+            <a:avLst/>
+          </a:prstGeom>
+        </p:spPr>
+        <p:style>
+          <a:lnRef idx="2">
+            <a:schemeClr val="accent6">
+              <a:shade val="50000"/>
+            </a:schemeClr>
+          </a:lnRef>
+          <a:fillRef idx="1">
+            <a:schemeClr val="accent6"/>
+          </a:fillRef>
+          <a:effectRef idx="0">
+            <a:schemeClr val="accent6"/>
+          </a:effectRef>
+          <a:fontRef idx="minor">
+            <a:schemeClr val="lt1"/>
+          </a:fontRef>
+        </p:style>
+        <p:txBody>
+          <a:bodyPr rtlCol="0" anchor="ctr"/>
+          <a:lstStyle>
+            <a:defPPr>
+              <a:defRPr lang="en-US"/>
+            </a:defPPr>
+            <a:lvl1pPr algn="ctr">
+              <a:defRPr>
+                <a:solidFill>
+                  <a:schemeClr val="lt1"/>
+                </a:solidFill>
+                <a:latin typeface="Segoe UI" panose="020B0502040204020203" pitchFamily="34" charset="0"/>
+                <a:cs typeface="Segoe UI" panose="020B0502040204020203" pitchFamily="34" charset="0"/>
+              </a:defRPr>
+            </a:lvl1pPr>
+            <a:lvl2pPr>
+              <a:defRPr>
+                <a:solidFill>
+                  <a:schemeClr val="lt1"/>
+                </a:solidFill>
+              </a:defRPr>
+            </a:lvl2pPr>
+            <a:lvl3pPr>
+              <a:defRPr>
+                <a:solidFill>
+                  <a:schemeClr val="lt1"/>
+                </a:solidFill>
+              </a:defRPr>
+            </a:lvl3pPr>
+            <a:lvl4pPr>
+              <a:defRPr>
+                <a:solidFill>
+                  <a:schemeClr val="lt1"/>
+                </a:solidFill>
+              </a:defRPr>
+            </a:lvl4pPr>
+            <a:lvl5pPr>
+              <a:defRPr>
+                <a:solidFill>
+                  <a:schemeClr val="lt1"/>
+                </a:solidFill>
+              </a:defRPr>
+            </a:lvl5pPr>
+            <a:lvl6pPr>
+              <a:defRPr>
+                <a:solidFill>
+                  <a:schemeClr val="lt1"/>
+                </a:solidFill>
+              </a:defRPr>
+            </a:lvl6pPr>
+            <a:lvl7pPr>
+              <a:defRPr>
+                <a:solidFill>
+                  <a:schemeClr val="lt1"/>
+                </a:solidFill>
+              </a:defRPr>
+            </a:lvl7pPr>
+            <a:lvl8pPr>
+              <a:defRPr>
+                <a:solidFill>
+                  <a:schemeClr val="lt1"/>
+                </a:solidFill>
+              </a:defRPr>
+            </a:lvl8pPr>
+            <a:lvl9pPr>
+              <a:defRPr>
+                <a:solidFill>
+                  <a:schemeClr val="lt1"/>
+                </a:solidFill>
+              </a:defRPr>
+            </a:lvl9pPr>
+          </a:lstStyle>
+          <a:p>
+            <a:r>
+              <a:rPr lang="en-GB" dirty="0"/>
+              <a:t>Web Components</a:t>
+            </a:r>
+          </a:p>
+        </p:txBody>
+      </p:sp>
+      <p:sp>
+        <p:nvSpPr>
+          <p:cNvPr id="7" name="TextBox 6">
+            <a:extLst>
+              <a:ext uri="{FF2B5EF4-FFF2-40B4-BE49-F238E27FC236}">
+                <a16:creationId xmlns:a16="http://schemas.microsoft.com/office/drawing/2014/main" id="{E43BE3A4-2CE9-4073-B059-EA24D3386969}"/>
+              </a:ext>
+            </a:extLst>
+          </p:cNvPr>
+          <p:cNvSpPr txBox="1"/>
+          <p:nvPr/>
+        </p:nvSpPr>
+        <p:spPr>
+          <a:xfrm>
+            <a:off x="9461241" y="4416299"/>
+            <a:ext cx="1844351" cy="646331"/>
+          </a:xfrm>
+          <a:prstGeom prst="rect">
+            <a:avLst/>
+          </a:prstGeom>
+          <a:noFill/>
+        </p:spPr>
+        <p:txBody>
+          <a:bodyPr wrap="square" rtlCol="0">
+            <a:spAutoFit/>
+          </a:bodyPr>
+          <a:lstStyle/>
+          <a:p>
+            <a:r>
+              <a:rPr lang="en-GB" dirty="0"/>
+              <a:t>WP PHP PAGES</a:t>
+            </a:r>
+          </a:p>
+          <a:p>
+            <a:r>
+              <a:rPr lang="en-GB" dirty="0"/>
+              <a:t>Gutenberg Blocks</a:t>
+            </a:r>
+          </a:p>
+        </p:txBody>
+      </p:sp>
+      <p:cxnSp>
+        <p:nvCxnSpPr>
+          <p:cNvPr id="34" name="Straight Arrow Connector 33">
+            <a:extLst>
+              <a:ext uri="{FF2B5EF4-FFF2-40B4-BE49-F238E27FC236}">
+                <a16:creationId xmlns:a16="http://schemas.microsoft.com/office/drawing/2014/main" id="{3224BDD2-743D-4365-AF4A-A42C3D6B51E2}"/>
+              </a:ext>
+            </a:extLst>
+          </p:cNvPr>
+          <p:cNvCxnSpPr>
+            <a:cxnSpLocks/>
+          </p:cNvCxnSpPr>
+          <p:nvPr/>
+        </p:nvCxnSpPr>
+        <p:spPr>
+          <a:xfrm>
+            <a:off x="10319390" y="3873562"/>
+            <a:ext cx="8035" cy="562723"/>
+          </a:xfrm>
+          <a:prstGeom prst="straightConnector1">
+            <a:avLst/>
+          </a:prstGeom>
+          <a:ln w="38100">
+            <a:solidFill>
+              <a:schemeClr val="accent1">
+                <a:lumMod val="75000"/>
+              </a:schemeClr>
+            </a:solidFill>
+            <a:tailEnd type="triangle"/>
+          </a:ln>
+        </p:spPr>
+        <p:style>
+          <a:lnRef idx="1">
+            <a:schemeClr val="accent1"/>
+          </a:lnRef>
+          <a:fillRef idx="0">
+            <a:schemeClr val="accent1"/>
+          </a:fillRef>
+          <a:effectRef idx="0">
+            <a:schemeClr val="accent1"/>
+          </a:effectRef>
+          <a:fontRef idx="minor">
+            <a:schemeClr val="tx1"/>
+          </a:fontRef>
+        </p:style>
+      </p:cxnSp>
+      <p:pic>
+        <p:nvPicPr>
+          <p:cNvPr id="10" name="Graphic 9" descr="Smiling face with no fill">
+            <a:extLst>
+              <a:ext uri="{FF2B5EF4-FFF2-40B4-BE49-F238E27FC236}">
+                <a16:creationId xmlns:a16="http://schemas.microsoft.com/office/drawing/2014/main" id="{948FA2EF-7A78-4EE3-B2FE-AE0D3A001999}"/>
+              </a:ext>
+            </a:extLst>
+          </p:cNvPr>
+          <p:cNvPicPr>
+            <a:picLocks noChangeAspect="1"/>
+          </p:cNvPicPr>
+          <p:nvPr/>
+        </p:nvPicPr>
+        <p:blipFill>
+          <a:blip r:embed="rId2">
+            <a:extLst>
+              <a:ext uri="{28A0092B-C50C-407E-A947-70E740481C1C}">
+                <a14:useLocalDpi xmlns:a14="http://schemas.microsoft.com/office/drawing/2010/main" val="0"/>
+              </a:ext>
+              <a:ext uri="{96DAC541-7B7A-43D3-8B79-37D633B846F1}">
+                <asvg:svgBlip xmlns:asvg="http://schemas.microsoft.com/office/drawing/2016/SVG/main" r:embed="rId3"/>
+              </a:ext>
+            </a:extLst>
+          </a:blip>
+          <a:stretch>
+            <a:fillRect/>
+          </a:stretch>
+        </p:blipFill>
+        <p:spPr>
+          <a:xfrm>
+            <a:off x="9541349" y="1296525"/>
+            <a:ext cx="1647597" cy="1647597"/>
+          </a:xfrm>
+          <a:prstGeom prst="rect">
+            <a:avLst/>
+          </a:prstGeom>
+        </p:spPr>
+      </p:pic>
+      <p:cxnSp>
+        <p:nvCxnSpPr>
+          <p:cNvPr id="31" name="Straight Arrow Connector 30">
+            <a:extLst>
+              <a:ext uri="{FF2B5EF4-FFF2-40B4-BE49-F238E27FC236}">
+                <a16:creationId xmlns:a16="http://schemas.microsoft.com/office/drawing/2014/main" id="{337058BE-0D49-4EC0-B972-1EBA8C485F2D}"/>
+              </a:ext>
+            </a:extLst>
+          </p:cNvPr>
+          <p:cNvCxnSpPr>
+            <a:cxnSpLocks/>
+          </p:cNvCxnSpPr>
+          <p:nvPr/>
+        </p:nvCxnSpPr>
+        <p:spPr>
+          <a:xfrm flipH="1" flipV="1">
+            <a:off x="6143841" y="1786407"/>
+            <a:ext cx="3019774" cy="1433290"/>
+          </a:xfrm>
+          <a:prstGeom prst="straightConnector1">
+            <a:avLst/>
+          </a:prstGeom>
+          <a:ln w="76200">
+            <a:solidFill>
+              <a:schemeClr val="accent1">
+                <a:lumMod val="75000"/>
+              </a:schemeClr>
+            </a:solidFill>
+            <a:tailEnd type="triangle"/>
+          </a:ln>
+        </p:spPr>
+        <p:style>
+          <a:lnRef idx="1">
+            <a:schemeClr val="accent1"/>
+          </a:lnRef>
+          <a:fillRef idx="0">
+            <a:schemeClr val="accent1"/>
+          </a:fillRef>
+          <a:effectRef idx="0">
+            <a:schemeClr val="accent1"/>
+          </a:effectRef>
+          <a:fontRef idx="minor">
+            <a:schemeClr val="tx1"/>
+          </a:fontRef>
+        </p:style>
+      </p:cxnSp>
+      <p:sp>
+        <p:nvSpPr>
+          <p:cNvPr id="27" name="TextBox 26">
+            <a:extLst>
+              <a:ext uri="{FF2B5EF4-FFF2-40B4-BE49-F238E27FC236}">
+                <a16:creationId xmlns:a16="http://schemas.microsoft.com/office/drawing/2014/main" id="{1794E5C5-20F5-4436-91DA-BD85E1E31CB0}"/>
+              </a:ext>
+            </a:extLst>
+          </p:cNvPr>
+          <p:cNvSpPr txBox="1"/>
+          <p:nvPr/>
+        </p:nvSpPr>
+        <p:spPr>
+          <a:xfrm>
+            <a:off x="9680243" y="834281"/>
+            <a:ext cx="1278294" cy="369332"/>
+          </a:xfrm>
+          <a:prstGeom prst="rect">
+            <a:avLst/>
+          </a:prstGeom>
+          <a:solidFill>
+            <a:schemeClr val="accent1">
+              <a:lumMod val="60000"/>
+              <a:lumOff val="40000"/>
+            </a:schemeClr>
+          </a:solidFill>
+        </p:spPr>
+        <p:style>
+          <a:lnRef idx="2">
+            <a:schemeClr val="accent6">
+              <a:shade val="50000"/>
+            </a:schemeClr>
+          </a:lnRef>
+          <a:fillRef idx="1">
+            <a:schemeClr val="accent6"/>
+          </a:fillRef>
+          <a:effectRef idx="0">
+            <a:schemeClr val="accent6"/>
+          </a:effectRef>
+          <a:fontRef idx="minor">
+            <a:schemeClr val="lt1"/>
+          </a:fontRef>
+        </p:style>
+        <p:txBody>
+          <a:bodyPr rtlCol="0" anchor="ctr"/>
+          <a:lstStyle>
+            <a:defPPr>
+              <a:defRPr lang="en-US"/>
+            </a:defPPr>
+            <a:lvl1pPr algn="ctr">
+              <a:defRPr>
+                <a:solidFill>
+                  <a:schemeClr val="lt1"/>
+                </a:solidFill>
+                <a:latin typeface="Segoe UI" panose="020B0502040204020203" pitchFamily="34" charset="0"/>
+                <a:cs typeface="Segoe UI" panose="020B0502040204020203" pitchFamily="34" charset="0"/>
+              </a:defRPr>
+            </a:lvl1pPr>
+            <a:lvl2pPr>
+              <a:defRPr>
+                <a:solidFill>
+                  <a:schemeClr val="lt1"/>
+                </a:solidFill>
+              </a:defRPr>
+            </a:lvl2pPr>
+            <a:lvl3pPr>
+              <a:defRPr>
+                <a:solidFill>
+                  <a:schemeClr val="lt1"/>
+                </a:solidFill>
+              </a:defRPr>
+            </a:lvl3pPr>
+            <a:lvl4pPr>
+              <a:defRPr>
+                <a:solidFill>
+                  <a:schemeClr val="lt1"/>
+                </a:solidFill>
+              </a:defRPr>
+            </a:lvl4pPr>
+            <a:lvl5pPr>
+              <a:defRPr>
+                <a:solidFill>
+                  <a:schemeClr val="lt1"/>
+                </a:solidFill>
+              </a:defRPr>
+            </a:lvl5pPr>
+            <a:lvl6pPr>
+              <a:defRPr>
+                <a:solidFill>
+                  <a:schemeClr val="lt1"/>
+                </a:solidFill>
+              </a:defRPr>
+            </a:lvl6pPr>
+            <a:lvl7pPr>
+              <a:defRPr>
+                <a:solidFill>
+                  <a:schemeClr val="lt1"/>
+                </a:solidFill>
+              </a:defRPr>
+            </a:lvl7pPr>
+            <a:lvl8pPr>
+              <a:defRPr>
+                <a:solidFill>
+                  <a:schemeClr val="lt1"/>
+                </a:solidFill>
+              </a:defRPr>
+            </a:lvl8pPr>
+            <a:lvl9pPr>
+              <a:defRPr>
+                <a:solidFill>
+                  <a:schemeClr val="lt1"/>
+                </a:solidFill>
+              </a:defRPr>
+            </a:lvl9pPr>
+          </a:lstStyle>
+          <a:p>
+            <a:r>
+              <a:rPr lang="en-GB" dirty="0"/>
+              <a:t>WordPress</a:t>
+            </a:r>
           </a:p>
         </p:txBody>
       </p:sp>
     </p:spTree>
     <p:extLst>
       <p:ext uri="{BB962C8B-B14F-4D97-AF65-F5344CB8AC3E}">
-        <p14:creationId xmlns:p14="http://schemas.microsoft.com/office/powerpoint/2010/main" val="77845080"/>
+        <p14:creationId xmlns:p14="http://schemas.microsoft.com/office/powerpoint/2010/main" val="3043959635"/>
       </p:ext>
     </p:extLst>
   </p:cSld>
@@ -7336,6 +7445,335 @@
       </p:grpSpPr>
       <p:sp>
         <p:nvSpPr>
+          <p:cNvPr id="2" name="Title 1">
+            <a:extLst>
+              <a:ext uri="{FF2B5EF4-FFF2-40B4-BE49-F238E27FC236}">
+                <a16:creationId xmlns:a16="http://schemas.microsoft.com/office/drawing/2014/main" id="{5D7568B3-EC9A-45DD-8A17-CFE685194B65}"/>
+              </a:ext>
+            </a:extLst>
+          </p:cNvPr>
+          <p:cNvSpPr>
+            <a:spLocks noGrp="1"/>
+          </p:cNvSpPr>
+          <p:nvPr>
+            <p:ph type="title"/>
+          </p:nvPr>
+        </p:nvSpPr>
+        <p:spPr>
+          <a:xfrm>
+            <a:off x="838200" y="0"/>
+            <a:ext cx="10515600" cy="1325563"/>
+          </a:xfrm>
+          <a:solidFill>
+            <a:srgbClr val="2196F3"/>
+          </a:solidFill>
+        </p:spPr>
+        <p:txBody>
+          <a:bodyPr>
+            <a:normAutofit/>
+          </a:bodyPr>
+          <a:lstStyle/>
+          <a:p>
+            <a:pPr algn="ctr"/>
+            <a:r>
+              <a:rPr lang="en-GB" sz="6600" dirty="0">
+                <a:solidFill>
+                  <a:schemeClr val="bg1"/>
+                </a:solidFill>
+                <a:latin typeface="Segoe UI" panose="020B0502040204020203" pitchFamily="34" charset="0"/>
+                <a:cs typeface="Segoe UI" panose="020B0502040204020203" pitchFamily="34" charset="0"/>
+              </a:rPr>
+              <a:t>Build tools</a:t>
+            </a:r>
+          </a:p>
+        </p:txBody>
+      </p:sp>
+      <p:sp>
+        <p:nvSpPr>
+          <p:cNvPr id="4" name="Content Placeholder 2">
+            <a:extLst>
+              <a:ext uri="{FF2B5EF4-FFF2-40B4-BE49-F238E27FC236}">
+                <a16:creationId xmlns:a16="http://schemas.microsoft.com/office/drawing/2014/main" id="{088CCB65-11B4-408B-9ED3-1304FE85032F}"/>
+              </a:ext>
+            </a:extLst>
+          </p:cNvPr>
+          <p:cNvSpPr>
+            <a:spLocks noGrp="1"/>
+          </p:cNvSpPr>
+          <p:nvPr>
+            <p:ph idx="1"/>
+          </p:nvPr>
+        </p:nvSpPr>
+        <p:spPr>
+          <a:xfrm>
+            <a:off x="838200" y="1325563"/>
+            <a:ext cx="10515600" cy="5326907"/>
+          </a:xfrm>
+        </p:spPr>
+        <p:txBody>
+          <a:bodyPr wrap="square" bIns="252000">
+            <a:normAutofit lnSpcReduction="10000"/>
+          </a:bodyPr>
+          <a:lstStyle/>
+          <a:p>
+            <a:pPr marL="457200" lvl="1" indent="0" algn="ctr">
+              <a:buNone/>
+            </a:pPr>
+            <a:endParaRPr lang="en-GB" sz="1600" dirty="0">
+              <a:solidFill>
+                <a:srgbClr val="2196F3"/>
+              </a:solidFill>
+              <a:latin typeface="Segoe UI" panose="020B0502040204020203" pitchFamily="34" charset="0"/>
+              <a:cs typeface="Segoe UI" panose="020B0502040204020203" pitchFamily="34" charset="0"/>
+            </a:endParaRPr>
+          </a:p>
+          <a:p>
+            <a:pPr marL="457200" lvl="1" indent="0">
+              <a:buNone/>
+            </a:pPr>
+            <a:r>
+              <a:rPr lang="en-GB" sz="3600" dirty="0">
+                <a:solidFill>
+                  <a:srgbClr val="2196F3"/>
+                </a:solidFill>
+                <a:latin typeface="Segoe UI" panose="020B0502040204020203" pitchFamily="34" charset="0"/>
+                <a:cs typeface="Segoe UI" panose="020B0502040204020203" pitchFamily="34" charset="0"/>
+              </a:rPr>
+              <a:t>JS compilers (not frameworks):</a:t>
+            </a:r>
+          </a:p>
+          <a:p>
+            <a:pPr marL="457200" lvl="1" indent="0">
+              <a:buNone/>
+            </a:pPr>
+            <a:endParaRPr lang="en-GB" sz="1300" dirty="0">
+              <a:solidFill>
+                <a:srgbClr val="2196F3"/>
+              </a:solidFill>
+              <a:latin typeface="Segoe UI" panose="020B0502040204020203" pitchFamily="34" charset="0"/>
+              <a:cs typeface="Segoe UI" panose="020B0502040204020203" pitchFamily="34" charset="0"/>
+            </a:endParaRPr>
+          </a:p>
+          <a:p>
+            <a:pPr marL="914400" lvl="2" indent="0">
+              <a:buNone/>
+            </a:pPr>
+            <a:r>
+              <a:rPr lang="en-GB" sz="3200" dirty="0">
+                <a:solidFill>
+                  <a:srgbClr val="2196F3"/>
+                </a:solidFill>
+                <a:latin typeface="Segoe UI" panose="020B0502040204020203" pitchFamily="34" charset="0"/>
+                <a:cs typeface="Segoe UI" panose="020B0502040204020203" pitchFamily="34" charset="0"/>
+              </a:rPr>
+              <a:t>Stencil JS (Part of Ionic)</a:t>
+            </a:r>
+          </a:p>
+          <a:p>
+            <a:pPr marL="914400" lvl="2" indent="0">
+              <a:buNone/>
+            </a:pPr>
+            <a:r>
+              <a:rPr lang="en-GB" sz="3200" dirty="0">
+                <a:solidFill>
+                  <a:srgbClr val="2196F3"/>
+                </a:solidFill>
+                <a:latin typeface="Segoe UI" panose="020B0502040204020203" pitchFamily="34" charset="0"/>
+                <a:cs typeface="Segoe UI" panose="020B0502040204020203" pitchFamily="34" charset="0"/>
+              </a:rPr>
+              <a:t>Lit Element/Lit HTML</a:t>
+            </a:r>
+          </a:p>
+          <a:p>
+            <a:pPr marL="914400" lvl="2" indent="0">
+              <a:buNone/>
+            </a:pPr>
+            <a:r>
+              <a:rPr lang="en-GB" sz="3200" dirty="0">
+                <a:solidFill>
+                  <a:srgbClr val="2196F3"/>
+                </a:solidFill>
+                <a:latin typeface="Segoe UI" panose="020B0502040204020203" pitchFamily="34" charset="0"/>
+                <a:cs typeface="Segoe UI" panose="020B0502040204020203" pitchFamily="34" charset="0"/>
+              </a:rPr>
+              <a:t>Svelte</a:t>
+            </a:r>
+          </a:p>
+          <a:p>
+            <a:pPr marL="914400" lvl="2" indent="0">
+              <a:buNone/>
+            </a:pPr>
+            <a:r>
+              <a:rPr lang="en-GB" sz="3200" dirty="0">
+                <a:solidFill>
+                  <a:srgbClr val="2196F3"/>
+                </a:solidFill>
+                <a:latin typeface="Segoe UI" panose="020B0502040204020203" pitchFamily="34" charset="0"/>
+                <a:cs typeface="Segoe UI" panose="020B0502040204020203" pitchFamily="34" charset="0"/>
+              </a:rPr>
+              <a:t>Open WC</a:t>
+            </a:r>
+          </a:p>
+          <a:p>
+            <a:pPr marL="457200" lvl="1" indent="0">
+              <a:buNone/>
+            </a:pPr>
+            <a:endParaRPr lang="en-GB" sz="3600" dirty="0">
+              <a:solidFill>
+                <a:srgbClr val="2196F3"/>
+              </a:solidFill>
+              <a:latin typeface="Segoe UI" panose="020B0502040204020203" pitchFamily="34" charset="0"/>
+              <a:cs typeface="Segoe UI" panose="020B0502040204020203" pitchFamily="34" charset="0"/>
+            </a:endParaRPr>
+          </a:p>
+          <a:p>
+            <a:pPr marL="457200" lvl="1" indent="0">
+              <a:buNone/>
+            </a:pPr>
+            <a:r>
+              <a:rPr lang="en-GB" sz="3600" dirty="0">
+                <a:solidFill>
+                  <a:srgbClr val="2196F3"/>
+                </a:solidFill>
+                <a:latin typeface="Segoe UI" panose="020B0502040204020203" pitchFamily="34" charset="0"/>
+                <a:cs typeface="Segoe UI" panose="020B0502040204020203" pitchFamily="34" charset="0"/>
+              </a:rPr>
+              <a:t>Wrappers:</a:t>
+            </a:r>
+          </a:p>
+          <a:p>
+            <a:pPr marL="457200" lvl="1" indent="0">
+              <a:buNone/>
+            </a:pPr>
+            <a:endParaRPr lang="en-GB" sz="1600" dirty="0">
+              <a:solidFill>
+                <a:srgbClr val="2196F3"/>
+              </a:solidFill>
+              <a:latin typeface="Segoe UI" panose="020B0502040204020203" pitchFamily="34" charset="0"/>
+              <a:cs typeface="Segoe UI" panose="020B0502040204020203" pitchFamily="34" charset="0"/>
+            </a:endParaRPr>
+          </a:p>
+          <a:p>
+            <a:pPr marL="914400" lvl="2" indent="0">
+              <a:buNone/>
+            </a:pPr>
+            <a:r>
+              <a:rPr lang="en-GB" sz="3200" dirty="0">
+                <a:solidFill>
+                  <a:srgbClr val="2196F3"/>
+                </a:solidFill>
+                <a:latin typeface="Segoe UI" panose="020B0502040204020203" pitchFamily="34" charset="0"/>
+                <a:cs typeface="Segoe UI" panose="020B0502040204020203" pitchFamily="34" charset="0"/>
+              </a:rPr>
+              <a:t>Vue, Angular, React etc have builds that add a web component wrapper.</a:t>
+            </a:r>
+          </a:p>
+          <a:p>
+            <a:pPr marL="457200" lvl="1" indent="0">
+              <a:buNone/>
+            </a:pPr>
+            <a:endParaRPr lang="en-GB" sz="3600" dirty="0">
+              <a:solidFill>
+                <a:srgbClr val="2196F3"/>
+              </a:solidFill>
+              <a:latin typeface="Segoe UI" panose="020B0502040204020203" pitchFamily="34" charset="0"/>
+              <a:cs typeface="Segoe UI" panose="020B0502040204020203" pitchFamily="34" charset="0"/>
+            </a:endParaRPr>
+          </a:p>
+          <a:p>
+            <a:pPr marL="457200" lvl="1" indent="0">
+              <a:buNone/>
+            </a:pPr>
+            <a:endParaRPr lang="en-GB" sz="3600" dirty="0">
+              <a:solidFill>
+                <a:srgbClr val="2196F3"/>
+              </a:solidFill>
+              <a:latin typeface="Segoe UI" panose="020B0502040204020203" pitchFamily="34" charset="0"/>
+              <a:cs typeface="Segoe UI" panose="020B0502040204020203" pitchFamily="34" charset="0"/>
+            </a:endParaRPr>
+          </a:p>
+          <a:p>
+            <a:pPr marL="457200" lvl="1" indent="0">
+              <a:buNone/>
+            </a:pPr>
+            <a:endParaRPr lang="en-GB" sz="6700" dirty="0">
+              <a:solidFill>
+                <a:srgbClr val="2196F3"/>
+              </a:solidFill>
+              <a:latin typeface="Segoe UI" panose="020B0502040204020203" pitchFamily="34" charset="0"/>
+              <a:cs typeface="Segoe UI" panose="020B0502040204020203" pitchFamily="34" charset="0"/>
+            </a:endParaRPr>
+          </a:p>
+          <a:p>
+            <a:pPr marL="457200" lvl="1" indent="0">
+              <a:buNone/>
+            </a:pPr>
+            <a:endParaRPr lang="en-GB" sz="6700" dirty="0">
+              <a:solidFill>
+                <a:srgbClr val="2196F3"/>
+              </a:solidFill>
+              <a:latin typeface="Segoe UI" panose="020B0502040204020203" pitchFamily="34" charset="0"/>
+              <a:cs typeface="Segoe UI" panose="020B0502040204020203" pitchFamily="34" charset="0"/>
+            </a:endParaRPr>
+          </a:p>
+          <a:p>
+            <a:pPr marL="457200" lvl="1" indent="0">
+              <a:buNone/>
+            </a:pPr>
+            <a:endParaRPr lang="en-GB" sz="6700" dirty="0">
+              <a:latin typeface="Segoe UI" panose="020B0502040204020203" pitchFamily="34" charset="0"/>
+              <a:cs typeface="Segoe UI" panose="020B0502040204020203" pitchFamily="34" charset="0"/>
+            </a:endParaRPr>
+          </a:p>
+          <a:p>
+            <a:pPr marL="0" indent="0">
+              <a:buNone/>
+            </a:pPr>
+            <a:endParaRPr lang="en-GB" dirty="0">
+              <a:latin typeface="Segoe UI" panose="020B0502040204020203" pitchFamily="34" charset="0"/>
+              <a:cs typeface="Segoe UI" panose="020B0502040204020203" pitchFamily="34" charset="0"/>
+            </a:endParaRPr>
+          </a:p>
+          <a:p>
+            <a:endParaRPr lang="en-GB" dirty="0">
+              <a:latin typeface="Segoe UI" panose="020B0502040204020203" pitchFamily="34" charset="0"/>
+              <a:cs typeface="Segoe UI" panose="020B0502040204020203" pitchFamily="34" charset="0"/>
+            </a:endParaRPr>
+          </a:p>
+        </p:txBody>
+      </p:sp>
+    </p:spTree>
+    <p:extLst>
+      <p:ext uri="{BB962C8B-B14F-4D97-AF65-F5344CB8AC3E}">
+        <p14:creationId xmlns:p14="http://schemas.microsoft.com/office/powerpoint/2010/main" val="77845080"/>
+      </p:ext>
+    </p:extLst>
+  </p:cSld>
+  <p:clrMapOvr>
+    <a:masterClrMapping/>
+  </p:clrMapOvr>
+</p:sld>
+</file>
+
+<file path=ppt/slides/slide16.xml><?xml version="1.0" encoding="utf-8"?>
+<p:sld xmlns:a="http://schemas.openxmlformats.org/drawingml/2006/main" xmlns:r="http://schemas.openxmlformats.org/officeDocument/2006/relationships" xmlns:p="http://schemas.openxmlformats.org/presentationml/2006/main">
+  <p:cSld>
+    <p:spTree>
+      <p:nvGrpSpPr>
+        <p:cNvPr id="1" name=""/>
+        <p:cNvGrpSpPr/>
+        <p:nvPr/>
+      </p:nvGrpSpPr>
+      <p:grpSpPr>
+        <a:xfrm>
+          <a:off x="0" y="0"/>
+          <a:ext cx="0" cy="0"/>
+          <a:chOff x="0" y="0"/>
+          <a:chExt cx="0" cy="0"/>
+        </a:xfrm>
+      </p:grpSpPr>
+      <p:sp>
+        <p:nvSpPr>
           <p:cNvPr id="3" name="Content Placeholder 2">
             <a:extLst>
               <a:ext uri="{FF2B5EF4-FFF2-40B4-BE49-F238E27FC236}">
@@ -7571,7 +8009,7 @@
 </p:sld>
 </file>
 
-<file path=ppt/slides/slide16.xml><?xml version="1.0" encoding="utf-8"?>
+<file path=ppt/slides/slide17.xml><?xml version="1.0" encoding="utf-8"?>
 <p:sld xmlns:a="http://schemas.openxmlformats.org/drawingml/2006/main" xmlns:r="http://schemas.openxmlformats.org/officeDocument/2006/relationships" xmlns:p="http://schemas.openxmlformats.org/presentationml/2006/main">
   <p:cSld>
     <p:spTree>
@@ -8679,7 +9117,7 @@
         </p:spPr>
         <p:txBody>
           <a:bodyPr wrap="square" bIns="252000">
-            <a:normAutofit lnSpcReduction="10000"/>
+            <a:normAutofit fontScale="92500" lnSpcReduction="10000"/>
           </a:bodyPr>
           <a:lstStyle/>
           <a:p>
@@ -8728,7 +9166,7 @@
                 <a:latin typeface="Segoe UI" panose="020B0502040204020203" pitchFamily="34" charset="0"/>
                 <a:cs typeface="Segoe UI" panose="020B0502040204020203" pitchFamily="34" charset="0"/>
               </a:rPr>
-              <a:t>What is a Web Component.</a:t>
+              <a:t>What is a Web Component?</a:t>
             </a:r>
           </a:p>
           <a:p>
@@ -8741,7 +9179,7 @@
                 <a:latin typeface="Segoe UI" panose="020B0502040204020203" pitchFamily="34" charset="0"/>
                 <a:cs typeface="Segoe UI" panose="020B0502040204020203" pitchFamily="34" charset="0"/>
               </a:rPr>
-              <a:t>How do we use them.</a:t>
+              <a:t>How do we use them?</a:t>
             </a:r>
           </a:p>
           <a:p>
@@ -8754,7 +9192,7 @@
                 <a:latin typeface="Segoe UI" panose="020B0502040204020203" pitchFamily="34" charset="0"/>
                 <a:cs typeface="Segoe UI" panose="020B0502040204020203" pitchFamily="34" charset="0"/>
               </a:rPr>
-              <a:t>How do we make them:</a:t>
+              <a:t>How we make them:</a:t>
             </a:r>
           </a:p>
           <a:p>
@@ -8773,15 +9211,18 @@
           <a:p>
             <a:pPr lvl="1"/>
             <a:r>
-              <a:rPr lang="en-GB" sz="3600">
+              <a:rPr lang="en-GB" sz="3600" dirty="0">
                 <a:solidFill>
                   <a:srgbClr val="2196F3"/>
                 </a:solidFill>
                 <a:latin typeface="Segoe UI" panose="020B0502040204020203" pitchFamily="34" charset="0"/>
                 <a:cs typeface="Segoe UI" panose="020B0502040204020203" pitchFamily="34" charset="0"/>
               </a:rPr>
-              <a:t>    - using </a:t>
-            </a:r>
+              <a:t>    - using frameworks.</a:t>
+            </a:r>
+          </a:p>
+          <a:p>
+            <a:pPr lvl="1"/>
             <a:r>
               <a:rPr lang="en-GB" sz="3600" dirty="0">
                 <a:solidFill>
@@ -8790,7 +9231,7 @@
                 <a:latin typeface="Segoe UI" panose="020B0502040204020203" pitchFamily="34" charset="0"/>
                 <a:cs typeface="Segoe UI" panose="020B0502040204020203" pitchFamily="34" charset="0"/>
               </a:rPr>
-              <a:t>frameworks.</a:t>
+              <a:t>Using Web Components as interconnected micro apps/services.</a:t>
             </a:r>
           </a:p>
           <a:p>
@@ -8803,7 +9244,7 @@
                 <a:latin typeface="Segoe UI" panose="020B0502040204020203" pitchFamily="34" charset="0"/>
                 <a:cs typeface="Segoe UI" panose="020B0502040204020203" pitchFamily="34" charset="0"/>
               </a:rPr>
-              <a:t>Using Web Components as interconnected micro apps/services.</a:t>
+              <a:t>Use them as business widgets for not-tech users. </a:t>
             </a:r>
           </a:p>
           <a:p>
@@ -9454,7 +9895,7 @@
         </p:blipFill>
         <p:spPr>
           <a:xfrm>
-            <a:off x="0" y="0"/>
+            <a:off x="117446" y="0"/>
             <a:ext cx="12192000" cy="6858000"/>
           </a:xfrm>
           <a:prstGeom prst="rect">
@@ -9462,6 +9903,158 @@
           </a:prstGeom>
         </p:spPr>
       </p:pic>
+      <p:sp>
+        <p:nvSpPr>
+          <p:cNvPr id="3" name="TextBox 2">
+            <a:extLst>
+              <a:ext uri="{FF2B5EF4-FFF2-40B4-BE49-F238E27FC236}">
+                <a16:creationId xmlns:a16="http://schemas.microsoft.com/office/drawing/2014/main" id="{DF08594F-9984-44EA-9571-BDA236DC2F32}"/>
+              </a:ext>
+            </a:extLst>
+          </p:cNvPr>
+          <p:cNvSpPr txBox="1"/>
+          <p:nvPr/>
+        </p:nvSpPr>
+        <p:spPr>
+          <a:xfrm>
+            <a:off x="4769141" y="3271706"/>
+            <a:ext cx="3078760" cy="523220"/>
+          </a:xfrm>
+          <a:prstGeom prst="rect">
+            <a:avLst/>
+          </a:prstGeom>
+          <a:noFill/>
+        </p:spPr>
+        <p:txBody>
+          <a:bodyPr wrap="square" rtlCol="0">
+            <a:spAutoFit/>
+          </a:bodyPr>
+          <a:lstStyle/>
+          <a:p>
+            <a:r>
+              <a:rPr lang="en-GB" sz="2800" dirty="0"/>
+              <a:t>Single Purpose</a:t>
+            </a:r>
+          </a:p>
+        </p:txBody>
+      </p:sp>
+      <p:sp>
+        <p:nvSpPr>
+          <p:cNvPr id="6" name="TextBox 5">
+            <a:extLst>
+              <a:ext uri="{FF2B5EF4-FFF2-40B4-BE49-F238E27FC236}">
+                <a16:creationId xmlns:a16="http://schemas.microsoft.com/office/drawing/2014/main" id="{8C2A1792-5D4E-425D-B940-136572290B4C}"/>
+              </a:ext>
+            </a:extLst>
+          </p:cNvPr>
+          <p:cNvSpPr txBox="1"/>
+          <p:nvPr/>
+        </p:nvSpPr>
+        <p:spPr>
+          <a:xfrm>
+            <a:off x="4778928" y="3883452"/>
+            <a:ext cx="3762463" cy="523220"/>
+          </a:xfrm>
+          <a:prstGeom prst="rect">
+            <a:avLst/>
+          </a:prstGeom>
+          <a:noFill/>
+        </p:spPr>
+        <p:txBody>
+          <a:bodyPr wrap="square" rtlCol="0">
+            <a:spAutoFit/>
+          </a:bodyPr>
+          <a:lstStyle/>
+          <a:p>
+            <a:r>
+              <a:rPr lang="en-GB" sz="2800" dirty="0"/>
+              <a:t>Connect</a:t>
+            </a:r>
+            <a:r>
+              <a:rPr lang="en-GB" sz="2400" dirty="0"/>
+              <a:t> only through APIs</a:t>
+            </a:r>
+          </a:p>
+        </p:txBody>
+      </p:sp>
+      <p:sp>
+        <p:nvSpPr>
+          <p:cNvPr id="7" name="TextBox 6">
+            <a:extLst>
+              <a:ext uri="{FF2B5EF4-FFF2-40B4-BE49-F238E27FC236}">
+                <a16:creationId xmlns:a16="http://schemas.microsoft.com/office/drawing/2014/main" id="{ADE2F14E-799B-424B-80F9-2F8F2907C9EB}"/>
+              </a:ext>
+            </a:extLst>
+          </p:cNvPr>
+          <p:cNvSpPr txBox="1"/>
+          <p:nvPr/>
+        </p:nvSpPr>
+        <p:spPr>
+          <a:xfrm>
+            <a:off x="4778928" y="4556753"/>
+            <a:ext cx="3492617" cy="523220"/>
+          </a:xfrm>
+          <a:prstGeom prst="rect">
+            <a:avLst/>
+          </a:prstGeom>
+          <a:noFill/>
+        </p:spPr>
+        <p:txBody>
+          <a:bodyPr wrap="square" rtlCol="0">
+            <a:spAutoFit/>
+          </a:bodyPr>
+          <a:lstStyle/>
+          <a:p>
+            <a:r>
+              <a:rPr lang="en-GB" sz="2800" dirty="0"/>
+              <a:t>Connect over HTTPS</a:t>
+            </a:r>
+          </a:p>
+        </p:txBody>
+      </p:sp>
+      <p:sp>
+        <p:nvSpPr>
+          <p:cNvPr id="8" name="TextBox 7">
+            <a:extLst>
+              <a:ext uri="{FF2B5EF4-FFF2-40B4-BE49-F238E27FC236}">
+                <a16:creationId xmlns:a16="http://schemas.microsoft.com/office/drawing/2014/main" id="{C04F7F11-50E9-43AF-AA6A-5BBB87CAFC93}"/>
+              </a:ext>
+            </a:extLst>
+          </p:cNvPr>
+          <p:cNvSpPr txBox="1"/>
+          <p:nvPr/>
+        </p:nvSpPr>
+        <p:spPr>
+          <a:xfrm>
+            <a:off x="4778928" y="5120489"/>
+            <a:ext cx="3826778" cy="646331"/>
+          </a:xfrm>
+          <a:prstGeom prst="rect">
+            <a:avLst/>
+          </a:prstGeom>
+          <a:noFill/>
+        </p:spPr>
+        <p:txBody>
+          <a:bodyPr wrap="square" rtlCol="0">
+            <a:spAutoFit/>
+          </a:bodyPr>
+          <a:lstStyle/>
+          <a:p>
+            <a:r>
+              <a:rPr lang="en-GB" sz="2800" dirty="0"/>
+              <a:t>= “</a:t>
+            </a:r>
+            <a:r>
+              <a:rPr lang="en-GB" sz="3600" dirty="0"/>
+              <a:t>MICROSERVICES</a:t>
+            </a:r>
+            <a:r>
+              <a:rPr lang="en-GB" sz="2800" dirty="0"/>
+              <a:t>”</a:t>
+            </a:r>
+          </a:p>
+        </p:txBody>
+      </p:sp>
     </p:spTree>
     <p:extLst>
       <p:ext uri="{BB962C8B-B14F-4D97-AF65-F5344CB8AC3E}">
@@ -9532,7 +10125,7 @@
                 <a:latin typeface="Segoe UI" panose="020B0502040204020203" pitchFamily="34" charset="0"/>
                 <a:cs typeface="Segoe UI" panose="020B0502040204020203" pitchFamily="34" charset="0"/>
               </a:rPr>
-              <a:t>Web Components</a:t>
+              <a:t>www.JSconf.demo</a:t>
             </a:r>
           </a:p>
         </p:txBody>
@@ -9561,7 +10154,7 @@
         </p:spPr>
         <p:txBody>
           <a:bodyPr wrap="square" bIns="252000">
-            <a:normAutofit/>
+            <a:normAutofit fontScale="92500" lnSpcReduction="10000"/>
           </a:bodyPr>
           <a:lstStyle/>
           <a:p>
@@ -9580,7 +10173,7 @@
             <a:pPr marL="457200" lvl="1" indent="0">
               <a:buNone/>
             </a:pPr>
-            <a:endParaRPr lang="en-GB" sz="1000" dirty="0">
+            <a:endParaRPr lang="en-GB" sz="100" dirty="0">
               <a:solidFill>
                 <a:srgbClr val="2196F3"/>
               </a:solidFill>
@@ -9600,122 +10193,8 @@
                 <a:latin typeface="Segoe UI" panose="020B0502040204020203" pitchFamily="34" charset="0"/>
                 <a:cs typeface="Segoe UI" panose="020B0502040204020203" pitchFamily="34" charset="0"/>
               </a:rPr>
-              <a:t>Who uses Web Components?</a:t>
-            </a:r>
-          </a:p>
-          <a:p>
-            <a:pPr marL="457200" lvl="1" indent="0">
-              <a:buNone/>
-            </a:pPr>
-            <a:endParaRPr lang="en-GB" sz="1400" dirty="0">
-              <a:solidFill>
-                <a:srgbClr val="2196F3"/>
-              </a:solidFill>
-              <a:latin typeface="Segoe UI" panose="020B0502040204020203" pitchFamily="34" charset="0"/>
-              <a:cs typeface="Segoe UI" panose="020B0502040204020203" pitchFamily="34" charset="0"/>
-            </a:endParaRPr>
-          </a:p>
-          <a:p>
-            <a:pPr lvl="1"/>
-            <a:r>
-              <a:rPr lang="en-GB" sz="3600" dirty="0">
-                <a:solidFill>
-                  <a:srgbClr val="2196F3"/>
-                </a:solidFill>
-                <a:latin typeface="Segoe UI" panose="020B0502040204020203" pitchFamily="34" charset="0"/>
-                <a:cs typeface="Segoe UI" panose="020B0502040204020203" pitchFamily="34" charset="0"/>
-              </a:rPr>
-              <a:t>Google 20,000+.</a:t>
-            </a:r>
-          </a:p>
-          <a:p>
-            <a:pPr lvl="1"/>
-            <a:r>
-              <a:rPr lang="en-GB" sz="3600" dirty="0">
-                <a:solidFill>
-                  <a:srgbClr val="2196F3"/>
-                </a:solidFill>
-                <a:latin typeface="Segoe UI" panose="020B0502040204020203" pitchFamily="34" charset="0"/>
-                <a:cs typeface="Segoe UI" panose="020B0502040204020203" pitchFamily="34" charset="0"/>
-              </a:rPr>
-              <a:t>Google Accelerated Mobile Pages.</a:t>
-            </a:r>
-          </a:p>
-          <a:p>
-            <a:pPr lvl="1"/>
-            <a:r>
-              <a:rPr lang="en-GB" sz="3600" dirty="0">
-                <a:solidFill>
-                  <a:srgbClr val="2196F3"/>
-                </a:solidFill>
-                <a:latin typeface="Segoe UI" panose="020B0502040204020203" pitchFamily="34" charset="0"/>
-                <a:cs typeface="Segoe UI" panose="020B0502040204020203" pitchFamily="34" charset="0"/>
-              </a:rPr>
-              <a:t>Salesforce.</a:t>
-            </a:r>
-          </a:p>
-          <a:p>
-            <a:pPr lvl="1"/>
-            <a:r>
-              <a:rPr lang="en-GB" sz="3600" dirty="0" err="1">
-                <a:solidFill>
-                  <a:srgbClr val="2196F3"/>
-                </a:solidFill>
-                <a:latin typeface="Segoe UI" panose="020B0502040204020203" pitchFamily="34" charset="0"/>
-                <a:cs typeface="Segoe UI" panose="020B0502040204020203" pitchFamily="34" charset="0"/>
-              </a:rPr>
-              <a:t>Onsen</a:t>
-            </a:r>
-            <a:r>
-              <a:rPr lang="en-GB" sz="3600" dirty="0">
-                <a:solidFill>
-                  <a:srgbClr val="2196F3"/>
-                </a:solidFill>
-                <a:latin typeface="Segoe UI" panose="020B0502040204020203" pitchFamily="34" charset="0"/>
-                <a:cs typeface="Segoe UI" panose="020B0502040204020203" pitchFamily="34" charset="0"/>
-              </a:rPr>
-              <a:t> UI library.</a:t>
-            </a:r>
-          </a:p>
-          <a:p>
-            <a:pPr lvl="1"/>
-            <a:r>
-              <a:rPr lang="en-GB" sz="3600" dirty="0">
-                <a:solidFill>
-                  <a:srgbClr val="2196F3"/>
-                </a:solidFill>
-                <a:latin typeface="Segoe UI" panose="020B0502040204020203" pitchFamily="34" charset="0"/>
-                <a:cs typeface="Segoe UI" panose="020B0502040204020203" pitchFamily="34" charset="0"/>
-              </a:rPr>
-              <a:t>Ionic and Ionic/ReactJS/Angular </a:t>
-            </a:r>
-            <a:r>
-              <a:rPr lang="en-GB" sz="2000" dirty="0">
-                <a:solidFill>
-                  <a:srgbClr val="2196F3"/>
-                </a:solidFill>
-                <a:latin typeface="Segoe UI" panose="020B0502040204020203" pitchFamily="34" charset="0"/>
-                <a:cs typeface="Segoe UI" panose="020B0502040204020203" pitchFamily="34" charset="0"/>
-              </a:rPr>
-              <a:t>(Ionic Apps with Capacitor can run on IOS, Android, Web and Electron). </a:t>
-            </a:r>
-            <a:r>
-              <a:rPr lang="en-GB" sz="2000" i="1" dirty="0">
-                <a:solidFill>
-                  <a:srgbClr val="2196F3"/>
-                </a:solidFill>
-                <a:latin typeface="Segoe UI" panose="020B0502040204020203" pitchFamily="34" charset="0"/>
-                <a:cs typeface="Segoe UI" panose="020B0502040204020203" pitchFamily="34" charset="0"/>
-              </a:rPr>
-              <a:t>‘Write once, run anywhere…’</a:t>
-            </a:r>
-            <a:endParaRPr lang="en-GB" sz="3600" i="1" dirty="0">
-              <a:solidFill>
-                <a:srgbClr val="2196F3"/>
-              </a:solidFill>
-              <a:latin typeface="Segoe UI" panose="020B0502040204020203" pitchFamily="34" charset="0"/>
-              <a:cs typeface="Segoe UI" panose="020B0502040204020203" pitchFamily="34" charset="0"/>
-            </a:endParaRPr>
+              <a:t>Create an app that finds all conferences, enables booking place, booking flight and hotel along with a travel blog of that city. Finally, does some very heavy calculations on which attendees one will have things in common:</a:t>
+            </a:r>
           </a:p>
           <a:p>
             <a:pPr marL="457200" lvl="1" indent="0">
@@ -9730,18 +10209,56 @@
             </a:endParaRPr>
           </a:p>
           <a:p>
-            <a:pPr marL="457200" lvl="1" indent="0">
-              <a:buNone/>
-            </a:pPr>
-            <a:endParaRPr lang="en-GB" sz="3600" dirty="0">
-              <a:latin typeface="Segoe UI" panose="020B0502040204020203" pitchFamily="34" charset="0"/>
-              <a:cs typeface="Segoe UI" panose="020B0502040204020203" pitchFamily="34" charset="0"/>
-            </a:endParaRPr>
-          </a:p>
-          <a:p>
-            <a:pPr marL="0" indent="0">
-              <a:buNone/>
-            </a:pPr>
+            <a:pPr lvl="1"/>
+            <a:r>
+              <a:rPr lang="en-GB" sz="2800" dirty="0">
+                <a:latin typeface="Segoe UI" panose="020B0502040204020203" pitchFamily="34" charset="0"/>
+                <a:cs typeface="Segoe UI" panose="020B0502040204020203" pitchFamily="34" charset="0"/>
+              </a:rPr>
+              <a:t>&lt;show-all-conferences /&gt; ‘Angular’</a:t>
+            </a:r>
+          </a:p>
+          <a:p>
+            <a:pPr lvl="1"/>
+            <a:r>
+              <a:rPr lang="en-GB" sz="2800" dirty="0">
+                <a:latin typeface="Segoe UI" panose="020B0502040204020203" pitchFamily="34" charset="0"/>
+                <a:cs typeface="Segoe UI" panose="020B0502040204020203" pitchFamily="34" charset="0"/>
+              </a:rPr>
+              <a:t>&lt;select-book-place /&gt; ‘Vue’</a:t>
+            </a:r>
+          </a:p>
+          <a:p>
+            <a:pPr lvl="1"/>
+            <a:r>
+              <a:rPr lang="en-GB" sz="2800" dirty="0">
+                <a:latin typeface="Segoe UI" panose="020B0502040204020203" pitchFamily="34" charset="0"/>
+                <a:cs typeface="Segoe UI" panose="020B0502040204020203" pitchFamily="34" charset="0"/>
+              </a:rPr>
+              <a:t>&lt;book-flight-hotel /&gt; ‘React’</a:t>
+            </a:r>
+          </a:p>
+          <a:p>
+            <a:pPr lvl="1"/>
+            <a:r>
+              <a:rPr lang="en-GB" sz="2800" dirty="0">
+                <a:latin typeface="Segoe UI" panose="020B0502040204020203" pitchFamily="34" charset="0"/>
+                <a:cs typeface="Segoe UI" panose="020B0502040204020203" pitchFamily="34" charset="0"/>
+              </a:rPr>
+              <a:t>&lt;show-blog-for-city /&gt; ‘WordPress’</a:t>
+            </a:r>
+          </a:p>
+          <a:p>
+            <a:pPr lvl="1"/>
+            <a:r>
+              <a:rPr lang="en-GB" sz="2800" dirty="0">
+                <a:latin typeface="Segoe UI" panose="020B0502040204020203" pitchFamily="34" charset="0"/>
+                <a:cs typeface="Segoe UI" panose="020B0502040204020203" pitchFamily="34" charset="0"/>
+              </a:rPr>
+              <a:t>&lt;show-people-connections /&gt; ‘Web Assembly’</a:t>
+            </a:r>
+          </a:p>
+          <a:p>
             <a:endParaRPr lang="en-GB" dirty="0">
               <a:latin typeface="Segoe UI" panose="020B0502040204020203" pitchFamily="34" charset="0"/>
               <a:cs typeface="Segoe UI" panose="020B0502040204020203" pitchFamily="34" charset="0"/>
@@ -9825,7 +10342,7 @@
                 <a:latin typeface="Segoe UI" panose="020B0502040204020203" pitchFamily="34" charset="0"/>
                 <a:cs typeface="Segoe UI" panose="020B0502040204020203" pitchFamily="34" charset="0"/>
               </a:rPr>
-              <a:t>What is HTML? </a:t>
+              <a:t>Web Components</a:t>
             </a:r>
           </a:p>
         </p:txBody>
@@ -9849,7 +10366,7 @@
         <p:spPr>
           <a:xfrm>
             <a:off x="838200" y="1325563"/>
-            <a:ext cx="10515600" cy="5326907"/>
+            <a:ext cx="10515600" cy="4919125"/>
           </a:xfrm>
         </p:spPr>
         <p:txBody>
@@ -9858,10 +10375,10 @@
           </a:bodyPr>
           <a:lstStyle/>
           <a:p>
-            <a:pPr marL="0" indent="0" algn="ctr">
-              <a:buNone/>
-            </a:pPr>
-            <a:endParaRPr lang="en-GB" sz="1050" dirty="0">
+            <a:pPr marL="457200" lvl="1" indent="0">
+              <a:buNone/>
+            </a:pPr>
+            <a:endParaRPr lang="en-GB" sz="300" dirty="0">
               <a:solidFill>
                 <a:srgbClr val="2196F3"/>
               </a:solidFill>
@@ -9870,52 +10387,10 @@
             </a:endParaRPr>
           </a:p>
           <a:p>
-            <a:pPr marL="0" indent="0" algn="ctr">
-              <a:buNone/>
-            </a:pPr>
-            <a:r>
-              <a:rPr lang="en-GB" sz="3600" dirty="0">
-                <a:solidFill>
-                  <a:srgbClr val="2196F3"/>
-                </a:solidFill>
-                <a:latin typeface="Segoe UI" panose="020B0502040204020203" pitchFamily="34" charset="0"/>
-                <a:cs typeface="Segoe UI" panose="020B0502040204020203" pitchFamily="34" charset="0"/>
-              </a:rPr>
-              <a:t>&lt;a </a:t>
-            </a:r>
-            <a:r>
-              <a:rPr lang="en-GB" sz="3600" dirty="0" err="1">
-                <a:solidFill>
-                  <a:srgbClr val="2196F3"/>
-                </a:solidFill>
-                <a:latin typeface="Segoe UI" panose="020B0502040204020203" pitchFamily="34" charset="0"/>
-                <a:cs typeface="Segoe UI" panose="020B0502040204020203" pitchFamily="34" charset="0"/>
-              </a:rPr>
-              <a:t>href</a:t>
-            </a:r>
-            <a:r>
-              <a:rPr lang="en-GB" sz="3600" dirty="0">
-                <a:solidFill>
-                  <a:srgbClr val="2196F3"/>
-                </a:solidFill>
-                <a:latin typeface="Segoe UI" panose="020B0502040204020203" pitchFamily="34" charset="0"/>
-                <a:cs typeface="Segoe UI" panose="020B0502040204020203" pitchFamily="34" charset="0"/>
-              </a:rPr>
-              <a:t>=“#” target=“_blank&gt;CLICK EVENT&lt;/a&gt;</a:t>
-            </a:r>
-          </a:p>
-          <a:p>
             <a:pPr marL="457200" lvl="1" indent="0">
               <a:buNone/>
             </a:pPr>
-            <a:r>
-              <a:rPr lang="en-GB" sz="1800" dirty="0">
-                <a:latin typeface="Segoe UI" panose="020B0502040204020203" pitchFamily="34" charset="0"/>
-                <a:cs typeface="Segoe UI" panose="020B0502040204020203" pitchFamily="34" charset="0"/>
-              </a:rPr>
-              <a:t>                          props </a:t>
-            </a:r>
-            <a:endParaRPr lang="en-GB" sz="1800" dirty="0">
+            <a:endParaRPr lang="en-GB" sz="1000" dirty="0">
               <a:solidFill>
                 <a:srgbClr val="2196F3"/>
               </a:solidFill>
@@ -9928,299 +10403,172 @@
               <a:buNone/>
             </a:pPr>
             <a:r>
+              <a:rPr lang="en-GB" sz="3600" dirty="0">
+                <a:solidFill>
+                  <a:srgbClr val="2196F3"/>
+                </a:solidFill>
+                <a:latin typeface="Segoe UI" panose="020B0502040204020203" pitchFamily="34" charset="0"/>
+                <a:cs typeface="Segoe UI" panose="020B0502040204020203" pitchFamily="34" charset="0"/>
+              </a:rPr>
+              <a:t>Who uses Web Components?</a:t>
+            </a:r>
+          </a:p>
+          <a:p>
+            <a:pPr marL="457200" lvl="1" indent="0">
+              <a:buNone/>
+            </a:pPr>
+            <a:endParaRPr lang="en-GB" sz="1400" dirty="0">
+              <a:solidFill>
+                <a:srgbClr val="2196F3"/>
+              </a:solidFill>
+              <a:latin typeface="Segoe UI" panose="020B0502040204020203" pitchFamily="34" charset="0"/>
+              <a:cs typeface="Segoe UI" panose="020B0502040204020203" pitchFamily="34" charset="0"/>
+            </a:endParaRPr>
+          </a:p>
+          <a:p>
+            <a:pPr lvl="1"/>
+            <a:r>
+              <a:rPr lang="en-GB" sz="3600" dirty="0">
+                <a:solidFill>
+                  <a:srgbClr val="2196F3"/>
+                </a:solidFill>
+                <a:latin typeface="Segoe UI" panose="020B0502040204020203" pitchFamily="34" charset="0"/>
+                <a:cs typeface="Segoe UI" panose="020B0502040204020203" pitchFamily="34" charset="0"/>
+              </a:rPr>
+              <a:t>Google 20,000+.</a:t>
+            </a:r>
+          </a:p>
+          <a:p>
+            <a:pPr lvl="1"/>
+            <a:r>
+              <a:rPr lang="en-GB" sz="3600" dirty="0">
+                <a:solidFill>
+                  <a:srgbClr val="2196F3"/>
+                </a:solidFill>
+                <a:latin typeface="Segoe UI" panose="020B0502040204020203" pitchFamily="34" charset="0"/>
+                <a:cs typeface="Segoe UI" panose="020B0502040204020203" pitchFamily="34" charset="0"/>
+              </a:rPr>
+              <a:t>Google Accelerated Mobile Pages.</a:t>
+            </a:r>
+          </a:p>
+          <a:p>
+            <a:pPr lvl="1"/>
+            <a:r>
+              <a:rPr lang="en-GB" sz="3600" dirty="0">
+                <a:solidFill>
+                  <a:srgbClr val="2196F3"/>
+                </a:solidFill>
+                <a:latin typeface="Segoe UI" panose="020B0502040204020203" pitchFamily="34" charset="0"/>
+                <a:cs typeface="Segoe UI" panose="020B0502040204020203" pitchFamily="34" charset="0"/>
+              </a:rPr>
+              <a:t>Salesforce.</a:t>
+            </a:r>
+          </a:p>
+          <a:p>
+            <a:pPr lvl="1"/>
+            <a:r>
+              <a:rPr lang="en-GB" sz="3600" dirty="0" err="1">
+                <a:solidFill>
+                  <a:srgbClr val="2196F3"/>
+                </a:solidFill>
+                <a:latin typeface="Segoe UI" panose="020B0502040204020203" pitchFamily="34" charset="0"/>
+                <a:cs typeface="Segoe UI" panose="020B0502040204020203" pitchFamily="34" charset="0"/>
+              </a:rPr>
+              <a:t>Onsen</a:t>
+            </a:r>
+            <a:r>
+              <a:rPr lang="en-GB" sz="3600" dirty="0">
+                <a:solidFill>
+                  <a:srgbClr val="2196F3"/>
+                </a:solidFill>
+                <a:latin typeface="Segoe UI" panose="020B0502040204020203" pitchFamily="34" charset="0"/>
+                <a:cs typeface="Segoe UI" panose="020B0502040204020203" pitchFamily="34" charset="0"/>
+              </a:rPr>
+              <a:t> UI library.</a:t>
+            </a:r>
+          </a:p>
+          <a:p>
+            <a:pPr lvl="1"/>
+            <a:r>
+              <a:rPr lang="en-GB" sz="3600" dirty="0">
+                <a:solidFill>
+                  <a:srgbClr val="2196F3"/>
+                </a:solidFill>
+                <a:latin typeface="Segoe UI" panose="020B0502040204020203" pitchFamily="34" charset="0"/>
+                <a:cs typeface="Segoe UI" panose="020B0502040204020203" pitchFamily="34" charset="0"/>
+              </a:rPr>
+              <a:t>Ionic and Ionic/ReactJS/Angular </a:t>
+            </a:r>
+            <a:r>
               <a:rPr lang="en-GB" sz="2000" dirty="0">
-                <a:latin typeface="Segoe UI" panose="020B0502040204020203" pitchFamily="34" charset="0"/>
-                <a:cs typeface="Segoe UI" panose="020B0502040204020203" pitchFamily="34" charset="0"/>
-              </a:rPr>
-              <a:t>			        built-in click method 		slot </a:t>
-            </a:r>
-            <a:r>
-              <a:rPr lang="en-GB" sz="2000" dirty="0" err="1">
-                <a:latin typeface="Segoe UI" panose="020B0502040204020203" pitchFamily="34" charset="0"/>
-                <a:cs typeface="Segoe UI" panose="020B0502040204020203" pitchFamily="34" charset="0"/>
-              </a:rPr>
-              <a:t>api</a:t>
-            </a:r>
-            <a:r>
-              <a:rPr lang="en-GB" sz="2000" dirty="0">
-                <a:latin typeface="Segoe UI" panose="020B0502040204020203" pitchFamily="34" charset="0"/>
-                <a:cs typeface="Segoe UI" panose="020B0502040204020203" pitchFamily="34" charset="0"/>
-              </a:rPr>
-              <a:t> 											</a:t>
-            </a:r>
+                <a:solidFill>
+                  <a:srgbClr val="2196F3"/>
+                </a:solidFill>
+                <a:latin typeface="Segoe UI" panose="020B0502040204020203" pitchFamily="34" charset="0"/>
+                <a:cs typeface="Segoe UI" panose="020B0502040204020203" pitchFamily="34" charset="0"/>
+              </a:rPr>
+              <a:t>(Ionic Apps with Capacitor can run on IOS, Android, Web and Electron). </a:t>
+            </a:r>
+            <a:r>
+              <a:rPr lang="en-GB" sz="2000" i="1" dirty="0">
+                <a:solidFill>
+                  <a:srgbClr val="2196F3"/>
+                </a:solidFill>
+                <a:latin typeface="Segoe UI" panose="020B0502040204020203" pitchFamily="34" charset="0"/>
+                <a:cs typeface="Segoe UI" panose="020B0502040204020203" pitchFamily="34" charset="0"/>
+              </a:rPr>
+              <a:t>‘Write once, run anywhere…’</a:t>
+            </a:r>
+            <a:endParaRPr lang="en-GB" sz="3600" i="1" dirty="0">
+              <a:solidFill>
+                <a:srgbClr val="2196F3"/>
+              </a:solidFill>
+              <a:latin typeface="Segoe UI" panose="020B0502040204020203" pitchFamily="34" charset="0"/>
+              <a:cs typeface="Segoe UI" panose="020B0502040204020203" pitchFamily="34" charset="0"/>
+            </a:endParaRPr>
           </a:p>
           <a:p>
             <a:pPr marL="457200" lvl="1" indent="0">
               <a:buNone/>
             </a:pPr>
-            <a:r>
-              <a:rPr lang="en-GB" sz="2000" dirty="0">
-                <a:latin typeface="Segoe UI" panose="020B0502040204020203" pitchFamily="34" charset="0"/>
-                <a:cs typeface="Segoe UI" panose="020B0502040204020203" pitchFamily="34" charset="0"/>
-              </a:rPr>
-              <a:t>MY FRAME:						</a:t>
-            </a:r>
+            <a:endParaRPr lang="en-GB" sz="1600" dirty="0">
+              <a:solidFill>
+                <a:srgbClr val="2196F3"/>
+              </a:solidFill>
+              <a:latin typeface="Segoe UI" panose="020B0502040204020203" pitchFamily="34" charset="0"/>
+              <a:cs typeface="Segoe UI" panose="020B0502040204020203" pitchFamily="34" charset="0"/>
+            </a:endParaRPr>
           </a:p>
           <a:p>
             <a:pPr marL="457200" lvl="1" indent="0">
               <a:buNone/>
             </a:pPr>
-            <a:r>
-              <a:rPr lang="en-GB" sz="2000" i="1" dirty="0">
-                <a:latin typeface="Segoe UI" panose="020B0502040204020203" pitchFamily="34" charset="0"/>
-                <a:cs typeface="Segoe UI" panose="020B0502040204020203" pitchFamily="34" charset="0"/>
-              </a:rPr>
-              <a:t>It is like &lt;a&gt; is syntax to create an instance of a class, </a:t>
-            </a:r>
-            <a:r>
-              <a:rPr lang="en-GB" sz="2000" i="1" dirty="0" err="1">
-                <a:latin typeface="Segoe UI" panose="020B0502040204020203" pitchFamily="34" charset="0"/>
-                <a:cs typeface="Segoe UI" panose="020B0502040204020203" pitchFamily="34" charset="0"/>
-              </a:rPr>
-              <a:t>HTMLAnchorElement</a:t>
-            </a:r>
-            <a:r>
-              <a:rPr lang="en-GB" sz="2000" i="1" dirty="0">
-                <a:latin typeface="Segoe UI" panose="020B0502040204020203" pitchFamily="34" charset="0"/>
-                <a:cs typeface="Segoe UI" panose="020B0502040204020203" pitchFamily="34" charset="0"/>
-              </a:rPr>
-              <a:t>, which can then have its methods and properties used:</a:t>
-            </a:r>
-          </a:p>
-          <a:p>
-            <a:pPr marL="457200" lvl="1" indent="0">
-              <a:buNone/>
-            </a:pPr>
-            <a:r>
-              <a:rPr lang="en-GB" sz="2000" i="1" dirty="0">
-                <a:latin typeface="Segoe UI" panose="020B0502040204020203" pitchFamily="34" charset="0"/>
-                <a:cs typeface="Segoe UI" panose="020B0502040204020203" pitchFamily="34" charset="0"/>
-              </a:rPr>
-              <a:t>&lt;a&gt;&lt;/a&gt; === </a:t>
-            </a:r>
-            <a:r>
-              <a:rPr lang="en-GB" sz="2000" i="1" dirty="0" err="1">
-                <a:latin typeface="Segoe UI" panose="020B0502040204020203" pitchFamily="34" charset="0"/>
-                <a:cs typeface="Segoe UI" panose="020B0502040204020203" pitchFamily="34" charset="0"/>
-              </a:rPr>
-              <a:t>objA</a:t>
-            </a:r>
-            <a:r>
-              <a:rPr lang="en-GB" sz="2000" i="1" dirty="0">
-                <a:latin typeface="Segoe UI" panose="020B0502040204020203" pitchFamily="34" charset="0"/>
-                <a:cs typeface="Segoe UI" panose="020B0502040204020203" pitchFamily="34" charset="0"/>
-              </a:rPr>
-              <a:t> = new </a:t>
-            </a:r>
-            <a:r>
-              <a:rPr lang="en-GB" sz="2000" i="1" dirty="0" err="1">
-                <a:latin typeface="Segoe UI" panose="020B0502040204020203" pitchFamily="34" charset="0"/>
-                <a:cs typeface="Segoe UI" panose="020B0502040204020203" pitchFamily="34" charset="0"/>
-              </a:rPr>
-              <a:t>HTMLAnchorElement</a:t>
-            </a:r>
-            <a:endParaRPr lang="en-GB" sz="2000" i="1" dirty="0">
-              <a:latin typeface="Segoe UI" panose="020B0502040204020203" pitchFamily="34" charset="0"/>
-              <a:cs typeface="Segoe UI" panose="020B0502040204020203" pitchFamily="34" charset="0"/>
-            </a:endParaRPr>
-          </a:p>
-          <a:p>
-            <a:pPr marL="457200" lvl="1" indent="0">
-              <a:buNone/>
-            </a:pPr>
-            <a:endParaRPr lang="en-GB" sz="2000" i="1" dirty="0">
-              <a:latin typeface="Segoe UI" panose="020B0502040204020203" pitchFamily="34" charset="0"/>
-              <a:cs typeface="Segoe UI" panose="020B0502040204020203" pitchFamily="34" charset="0"/>
-            </a:endParaRPr>
-          </a:p>
-          <a:p>
-            <a:pPr marL="457200" lvl="1" indent="0">
-              <a:buNone/>
-            </a:pPr>
-            <a:r>
-              <a:rPr lang="en-GB" sz="2000" i="1" dirty="0">
-                <a:latin typeface="Segoe UI" panose="020B0502040204020203" pitchFamily="34" charset="0"/>
-                <a:cs typeface="Segoe UI" panose="020B0502040204020203" pitchFamily="34" charset="0"/>
-              </a:rPr>
-              <a:t>Thus with web components in index.html we can do the following:</a:t>
-            </a:r>
-          </a:p>
-          <a:p>
-            <a:pPr marL="457200" lvl="1" indent="0">
-              <a:buNone/>
-            </a:pPr>
-            <a:r>
-              <a:rPr lang="en-GB" sz="2000" i="1" dirty="0">
-                <a:latin typeface="Segoe UI" panose="020B0502040204020203" pitchFamily="34" charset="0"/>
-                <a:cs typeface="Segoe UI" panose="020B0502040204020203" pitchFamily="34" charset="0"/>
-              </a:rPr>
-              <a:t>document.querySelector(‘my-</a:t>
-            </a:r>
-            <a:r>
-              <a:rPr lang="en-GB" sz="2000" i="1" dirty="0" err="1">
-                <a:latin typeface="Segoe UI" panose="020B0502040204020203" pitchFamily="34" charset="0"/>
-                <a:cs typeface="Segoe UI" panose="020B0502040204020203" pitchFamily="34" charset="0"/>
-              </a:rPr>
-              <a:t>webcomponent</a:t>
-            </a:r>
-            <a:r>
-              <a:rPr lang="en-GB" sz="2000" i="1" dirty="0">
-                <a:latin typeface="Segoe UI" panose="020B0502040204020203" pitchFamily="34" charset="0"/>
-                <a:cs typeface="Segoe UI" panose="020B0502040204020203" pitchFamily="34" charset="0"/>
-              </a:rPr>
-              <a:t>’).method()</a:t>
-            </a:r>
-          </a:p>
-          <a:p>
-            <a:pPr marL="457200" lvl="1" indent="0">
-              <a:buNone/>
-            </a:pPr>
-            <a:endParaRPr lang="en-GB" sz="2000" dirty="0">
-              <a:latin typeface="Segoe UI" panose="020B0502040204020203" pitchFamily="34" charset="0"/>
-              <a:cs typeface="Segoe UI" panose="020B0502040204020203" pitchFamily="34" charset="0"/>
-            </a:endParaRPr>
-          </a:p>
-          <a:p>
-            <a:pPr marL="457200" lvl="1" indent="0">
-              <a:buNone/>
-            </a:pPr>
-            <a:r>
-              <a:rPr lang="en-GB" sz="2000" dirty="0">
-                <a:latin typeface="Segoe UI" panose="020B0502040204020203" pitchFamily="34" charset="0"/>
-                <a:cs typeface="Segoe UI" panose="020B0502040204020203" pitchFamily="34" charset="0"/>
-              </a:rPr>
-              <a:t>https://developer.mozilla.org/en-US/docs/Web/API/HTMLAnchorElement</a:t>
-            </a:r>
-          </a:p>
-        </p:txBody>
-      </p:sp>
-      <p:cxnSp>
-        <p:nvCxnSpPr>
-          <p:cNvPr id="5" name="Straight Arrow Connector 4">
-            <a:extLst>
-              <a:ext uri="{FF2B5EF4-FFF2-40B4-BE49-F238E27FC236}">
-                <a16:creationId xmlns:a16="http://schemas.microsoft.com/office/drawing/2014/main" id="{EEDCF59B-98C5-4D8D-9EDC-5F14C5E98A23}"/>
-              </a:ext>
-            </a:extLst>
-          </p:cNvPr>
-          <p:cNvCxnSpPr>
-            <a:cxnSpLocks/>
-          </p:cNvCxnSpPr>
-          <p:nvPr/>
-        </p:nvCxnSpPr>
-        <p:spPr>
-          <a:xfrm flipH="1" flipV="1">
-            <a:off x="2550253" y="2085906"/>
-            <a:ext cx="402672" cy="237844"/>
-          </a:xfrm>
-          <a:prstGeom prst="straightConnector1">
-            <a:avLst/>
-          </a:prstGeom>
-          <a:ln w="50800">
-            <a:tailEnd type="triangle"/>
-          </a:ln>
-        </p:spPr>
-        <p:style>
-          <a:lnRef idx="1">
-            <a:schemeClr val="accent1"/>
-          </a:lnRef>
-          <a:fillRef idx="0">
-            <a:schemeClr val="accent1"/>
-          </a:fillRef>
-          <a:effectRef idx="0">
-            <a:schemeClr val="accent1"/>
-          </a:effectRef>
-          <a:fontRef idx="minor">
-            <a:schemeClr val="tx1"/>
-          </a:fontRef>
-        </p:style>
-      </p:cxnSp>
-      <p:cxnSp>
-        <p:nvCxnSpPr>
-          <p:cNvPr id="8" name="Straight Arrow Connector 7">
-            <a:extLst>
-              <a:ext uri="{FF2B5EF4-FFF2-40B4-BE49-F238E27FC236}">
-                <a16:creationId xmlns:a16="http://schemas.microsoft.com/office/drawing/2014/main" id="{8A86BFA2-7BAB-4060-9F65-764DADE73518}"/>
-              </a:ext>
-            </a:extLst>
-          </p:cNvPr>
-          <p:cNvCxnSpPr>
-            <a:cxnSpLocks/>
-          </p:cNvCxnSpPr>
-          <p:nvPr/>
-        </p:nvCxnSpPr>
-        <p:spPr>
-          <a:xfrm flipV="1">
-            <a:off x="3641108" y="2085908"/>
-            <a:ext cx="641963" cy="237842"/>
-          </a:xfrm>
-          <a:prstGeom prst="straightConnector1">
-            <a:avLst/>
-          </a:prstGeom>
-          <a:ln w="50800">
-            <a:tailEnd type="triangle"/>
-          </a:ln>
-        </p:spPr>
-        <p:style>
-          <a:lnRef idx="1">
-            <a:schemeClr val="accent1"/>
-          </a:lnRef>
-          <a:fillRef idx="0">
-            <a:schemeClr val="accent1"/>
-          </a:fillRef>
-          <a:effectRef idx="0">
-            <a:schemeClr val="accent1"/>
-          </a:effectRef>
-          <a:fontRef idx="minor">
-            <a:schemeClr val="tx1"/>
-          </a:fontRef>
-        </p:style>
-      </p:cxnSp>
-      <p:cxnSp>
-        <p:nvCxnSpPr>
-          <p:cNvPr id="14" name="Straight Arrow Connector 13">
-            <a:extLst>
-              <a:ext uri="{FF2B5EF4-FFF2-40B4-BE49-F238E27FC236}">
-                <a16:creationId xmlns:a16="http://schemas.microsoft.com/office/drawing/2014/main" id="{607DA826-7495-45D1-81E3-7623EBC87E8D}"/>
-              </a:ext>
-            </a:extLst>
-          </p:cNvPr>
-          <p:cNvCxnSpPr>
-            <a:cxnSpLocks/>
-          </p:cNvCxnSpPr>
-          <p:nvPr/>
-        </p:nvCxnSpPr>
-        <p:spPr>
-          <a:xfrm flipV="1">
-            <a:off x="8550893" y="2060889"/>
-            <a:ext cx="0" cy="380307"/>
-          </a:xfrm>
-          <a:prstGeom prst="straightConnector1">
-            <a:avLst/>
-          </a:prstGeom>
-          <a:ln w="50800">
-            <a:tailEnd type="triangle"/>
-          </a:ln>
-        </p:spPr>
-        <p:style>
-          <a:lnRef idx="1">
-            <a:schemeClr val="accent1"/>
-          </a:lnRef>
-          <a:fillRef idx="0">
-            <a:schemeClr val="accent1"/>
-          </a:fillRef>
-          <a:effectRef idx="0">
-            <a:schemeClr val="accent1"/>
-          </a:effectRef>
-          <a:fontRef idx="minor">
-            <a:schemeClr val="tx1"/>
-          </a:fontRef>
-        </p:style>
-      </p:cxnSp>
+            <a:endParaRPr lang="en-GB" sz="3600" dirty="0">
+              <a:latin typeface="Segoe UI" panose="020B0502040204020203" pitchFamily="34" charset="0"/>
+              <a:cs typeface="Segoe UI" panose="020B0502040204020203" pitchFamily="34" charset="0"/>
+            </a:endParaRPr>
+          </a:p>
+          <a:p>
+            <a:pPr marL="0" indent="0">
+              <a:buNone/>
+            </a:pPr>
+            <a:endParaRPr lang="en-GB" dirty="0">
+              <a:latin typeface="Segoe UI" panose="020B0502040204020203" pitchFamily="34" charset="0"/>
+              <a:cs typeface="Segoe UI" panose="020B0502040204020203" pitchFamily="34" charset="0"/>
+            </a:endParaRPr>
+          </a:p>
+          <a:p>
+            <a:endParaRPr lang="en-GB" dirty="0">
+              <a:latin typeface="Segoe UI" panose="020B0502040204020203" pitchFamily="34" charset="0"/>
+              <a:cs typeface="Segoe UI" panose="020B0502040204020203" pitchFamily="34" charset="0"/>
+            </a:endParaRPr>
+          </a:p>
+        </p:txBody>
+      </p:sp>
     </p:spTree>
     <p:extLst>
       <p:ext uri="{BB962C8B-B14F-4D97-AF65-F5344CB8AC3E}">
-        <p14:creationId xmlns:p14="http://schemas.microsoft.com/office/powerpoint/2010/main" val="520367034"/>
+        <p14:creationId xmlns:p14="http://schemas.microsoft.com/office/powerpoint/2010/main" val="3791855023"/>
       </p:ext>
     </p:extLst>
   </p:cSld>
@@ -10287,7 +10635,7 @@
                 <a:latin typeface="Segoe UI" panose="020B0502040204020203" pitchFamily="34" charset="0"/>
                 <a:cs typeface="Segoe UI" panose="020B0502040204020203" pitchFamily="34" charset="0"/>
               </a:rPr>
-              <a:t>What is a Web Component? </a:t>
+              <a:t>What is HTML? </a:t>
             </a:r>
           </a:p>
         </p:txBody>
@@ -10316,23 +10664,14 @@
         </p:spPr>
         <p:txBody>
           <a:bodyPr wrap="square" bIns="252000">
-            <a:normAutofit fontScale="77500" lnSpcReduction="20000"/>
+            <a:normAutofit/>
           </a:bodyPr>
           <a:lstStyle/>
           <a:p>
-            <a:pPr marL="0" indent="0">
-              <a:buNone/>
-            </a:pPr>
-            <a:endParaRPr lang="en-GB" sz="900" dirty="0">
-              <a:latin typeface="Segoe UI" panose="020B0502040204020203" pitchFamily="34" charset="0"/>
-              <a:cs typeface="Segoe UI" panose="020B0502040204020203" pitchFamily="34" charset="0"/>
-            </a:endParaRPr>
-          </a:p>
-          <a:p>
-            <a:pPr marL="457200" lvl="1" indent="0">
-              <a:buNone/>
-            </a:pPr>
-            <a:endParaRPr lang="en-GB" sz="400" dirty="0">
+            <a:pPr marL="0" indent="0" algn="ctr">
+              <a:buNone/>
+            </a:pPr>
+            <a:endParaRPr lang="en-GB" sz="1050" dirty="0">
               <a:solidFill>
                 <a:srgbClr val="2196F3"/>
               </a:solidFill>
@@ -10341,40 +10680,52 @@
             </a:endParaRPr>
           </a:p>
           <a:p>
-            <a:pPr marL="457200" lvl="1" indent="0" algn="ctr">
-              <a:buNone/>
-            </a:pPr>
-            <a:r>
-              <a:rPr lang="en-GB" sz="4300" dirty="0">
+            <a:pPr marL="0" indent="0" algn="ctr">
+              <a:buNone/>
+            </a:pPr>
+            <a:r>
+              <a:rPr lang="en-GB" sz="3600" dirty="0">
                 <a:solidFill>
                   <a:srgbClr val="2196F3"/>
                 </a:solidFill>
                 <a:latin typeface="Segoe UI" panose="020B0502040204020203" pitchFamily="34" charset="0"/>
                 <a:cs typeface="Segoe UI" panose="020B0502040204020203" pitchFamily="34" charset="0"/>
               </a:rPr>
-              <a:t>&lt;my-component&gt;&lt;/my-component&gt;</a:t>
-            </a:r>
-          </a:p>
-          <a:p>
-            <a:pPr marL="457200" lvl="1" indent="0" algn="ctr">
-              <a:buNone/>
-            </a:pPr>
-            <a:r>
-              <a:rPr lang="en-GB" sz="4300" dirty="0">
+              <a:t>&lt;a </a:t>
+            </a:r>
+            <a:r>
+              <a:rPr lang="en-GB" sz="3600" dirty="0" err="1">
                 <a:solidFill>
                   <a:srgbClr val="2196F3"/>
                 </a:solidFill>
                 <a:latin typeface="Segoe UI" panose="020B0502040204020203" pitchFamily="34" charset="0"/>
                 <a:cs typeface="Segoe UI" panose="020B0502040204020203" pitchFamily="34" charset="0"/>
               </a:rPr>
-              <a:t>&lt;script src=“file.js”&gt;&lt;/script&gt;</a:t>
-            </a:r>
-          </a:p>
-          <a:p>
-            <a:pPr marL="457200" lvl="1" indent="0" algn="ctr">
-              <a:buNone/>
-            </a:pPr>
-            <a:endParaRPr lang="en-GB" sz="1100" dirty="0">
+              <a:t>href</a:t>
+            </a:r>
+            <a:r>
+              <a:rPr lang="en-GB" sz="3600" dirty="0">
+                <a:solidFill>
+                  <a:srgbClr val="2196F3"/>
+                </a:solidFill>
+                <a:latin typeface="Segoe UI" panose="020B0502040204020203" pitchFamily="34" charset="0"/>
+                <a:cs typeface="Segoe UI" panose="020B0502040204020203" pitchFamily="34" charset="0"/>
+              </a:rPr>
+              <a:t>=“#” target=“_blank&gt;CLICK EVENT&lt;/a&gt;</a:t>
+            </a:r>
+          </a:p>
+          <a:p>
+            <a:pPr marL="457200" lvl="1" indent="0">
+              <a:buNone/>
+            </a:pPr>
+            <a:r>
+              <a:rPr lang="en-GB" sz="1800" dirty="0">
+                <a:latin typeface="Segoe UI" panose="020B0502040204020203" pitchFamily="34" charset="0"/>
+                <a:cs typeface="Segoe UI" panose="020B0502040204020203" pitchFamily="34" charset="0"/>
+              </a:rPr>
+              <a:t>                          props </a:t>
+            </a:r>
+            <a:endParaRPr lang="en-GB" sz="1800" dirty="0">
               <a:solidFill>
                 <a:srgbClr val="2196F3"/>
               </a:solidFill>
@@ -10383,210 +10734,58 @@
             </a:endParaRPr>
           </a:p>
           <a:p>
-            <a:pPr lvl="1">
-              <a:lnSpc>
-                <a:spcPts val="3600"/>
-              </a:lnSpc>
-            </a:pPr>
-            <a:r>
-              <a:rPr lang="en-GB" sz="3600" dirty="0">
-                <a:solidFill>
-                  <a:srgbClr val="2196F3"/>
-                </a:solidFill>
-                <a:latin typeface="Segoe UI" panose="020B0502040204020203" pitchFamily="34" charset="0"/>
-                <a:cs typeface="Segoe UI" panose="020B0502040204020203" pitchFamily="34" charset="0"/>
-              </a:rPr>
-              <a:t>Must contain at least one hyphen.</a:t>
-            </a:r>
-          </a:p>
-          <a:p>
-            <a:pPr lvl="1">
-              <a:lnSpc>
-                <a:spcPts val="3600"/>
-              </a:lnSpc>
-            </a:pPr>
-            <a:r>
-              <a:rPr lang="en-GB" sz="3600" dirty="0">
-                <a:solidFill>
-                  <a:srgbClr val="2196F3"/>
-                </a:solidFill>
-                <a:latin typeface="Segoe UI" panose="020B0502040204020203" pitchFamily="34" charset="0"/>
-                <a:cs typeface="Segoe UI" panose="020B0502040204020203" pitchFamily="34" charset="0"/>
-              </a:rPr>
-              <a:t>Use just like any HTML tag.</a:t>
-            </a:r>
-            <a:endParaRPr lang="en-GB" sz="1200" dirty="0">
-              <a:solidFill>
-                <a:srgbClr val="2196F3"/>
-              </a:solidFill>
-              <a:latin typeface="Segoe UI" panose="020B0502040204020203" pitchFamily="34" charset="0"/>
-              <a:cs typeface="Segoe UI" panose="020B0502040204020203" pitchFamily="34" charset="0"/>
-            </a:endParaRPr>
-          </a:p>
-          <a:p>
-            <a:pPr lvl="1">
-              <a:lnSpc>
-                <a:spcPts val="3600"/>
-              </a:lnSpc>
-            </a:pPr>
-            <a:r>
-              <a:rPr lang="en-GB" sz="3600" dirty="0">
-                <a:solidFill>
-                  <a:srgbClr val="2196F3"/>
-                </a:solidFill>
-                <a:latin typeface="Segoe UI" panose="020B0502040204020203" pitchFamily="34" charset="0"/>
-                <a:cs typeface="Segoe UI" panose="020B0502040204020203" pitchFamily="34" charset="0"/>
-              </a:rPr>
-              <a:t>They extend </a:t>
-            </a:r>
-            <a:r>
-              <a:rPr lang="en-GB" sz="3600" b="1" dirty="0">
-                <a:solidFill>
-                  <a:srgbClr val="2196F3"/>
-                </a:solidFill>
-                <a:latin typeface="Segoe UI" panose="020B0502040204020203" pitchFamily="34" charset="0"/>
-                <a:cs typeface="Segoe UI" panose="020B0502040204020203" pitchFamily="34" charset="0"/>
-              </a:rPr>
-              <a:t>HTMLElement</a:t>
-            </a:r>
-            <a:r>
-              <a:rPr lang="en-GB" sz="3600" dirty="0">
-                <a:solidFill>
-                  <a:srgbClr val="2196F3"/>
-                </a:solidFill>
-                <a:latin typeface="Segoe UI" panose="020B0502040204020203" pitchFamily="34" charset="0"/>
-                <a:cs typeface="Segoe UI" panose="020B0502040204020203" pitchFamily="34" charset="0"/>
-              </a:rPr>
-              <a:t> class.</a:t>
-            </a:r>
-          </a:p>
-          <a:p>
-            <a:pPr lvl="1">
-              <a:lnSpc>
-                <a:spcPts val="3600"/>
-              </a:lnSpc>
-            </a:pPr>
-            <a:r>
-              <a:rPr lang="en-GB" sz="3600" dirty="0">
-                <a:solidFill>
-                  <a:srgbClr val="2196F3"/>
-                </a:solidFill>
-                <a:latin typeface="Segoe UI" panose="020B0502040204020203" pitchFamily="34" charset="0"/>
-                <a:cs typeface="Segoe UI" panose="020B0502040204020203" pitchFamily="34" charset="0"/>
-              </a:rPr>
-              <a:t>Hybrids is a non-class based library - https://hybrids.js.org/</a:t>
-            </a:r>
-          </a:p>
-          <a:p>
             <a:pPr marL="457200" lvl="1" indent="0">
               <a:buNone/>
             </a:pPr>
-            <a:endParaRPr lang="en-GB" sz="300" dirty="0">
-              <a:solidFill>
-                <a:srgbClr val="2196F3"/>
-              </a:solidFill>
-              <a:latin typeface="Segoe UI" panose="020B0502040204020203" pitchFamily="34" charset="0"/>
-              <a:cs typeface="Segoe UI" panose="020B0502040204020203" pitchFamily="34" charset="0"/>
-              <a:hlinkClick r:id="rId2">
-                <a:extLst>
-                  <a:ext uri="{A12FA001-AC4F-418D-AE19-62706E023703}">
-                    <ahyp:hlinkClr xmlns:ahyp="http://schemas.microsoft.com/office/drawing/2018/hyperlinkcolor" val="tx"/>
-                  </a:ext>
-                </a:extLst>
-              </a:hlinkClick>
-            </a:endParaRPr>
+            <a:r>
+              <a:rPr lang="en-GB" sz="2000" dirty="0">
+                <a:latin typeface="Segoe UI" panose="020B0502040204020203" pitchFamily="34" charset="0"/>
+                <a:cs typeface="Segoe UI" panose="020B0502040204020203" pitchFamily="34" charset="0"/>
+              </a:rPr>
+              <a:t>			        built-in click method 		slot api 											</a:t>
+            </a:r>
           </a:p>
           <a:p>
             <a:pPr marL="457200" lvl="1" indent="0">
               <a:buNone/>
             </a:pPr>
             <a:r>
-              <a:rPr lang="en-GB" sz="3600" dirty="0">
-                <a:solidFill>
-                  <a:srgbClr val="2196F3"/>
-                </a:solidFill>
-                <a:latin typeface="Segoe UI" panose="020B0502040204020203" pitchFamily="34" charset="0"/>
-                <a:cs typeface="Segoe UI" panose="020B0502040204020203" pitchFamily="34" charset="0"/>
-                <a:hlinkClick r:id="rId2">
-                  <a:extLst>
-                    <a:ext uri="{A12FA001-AC4F-418D-AE19-62706E023703}">
-                      <ahyp:hlinkClr xmlns:ahyp="http://schemas.microsoft.com/office/drawing/2018/hyperlinkcolor" val="tx"/>
-                    </a:ext>
-                  </a:extLst>
-                </a:hlinkClick>
-              </a:rPr>
-              <a:t>https://www.webcomponents.org/</a:t>
-            </a:r>
-            <a:endParaRPr lang="en-GB" sz="3600" dirty="0">
-              <a:solidFill>
-                <a:srgbClr val="2196F3"/>
-              </a:solidFill>
-              <a:latin typeface="Segoe UI" panose="020B0502040204020203" pitchFamily="34" charset="0"/>
-              <a:cs typeface="Segoe UI" panose="020B0502040204020203" pitchFamily="34" charset="0"/>
-            </a:endParaRPr>
+              <a:rPr lang="en-GB" sz="2000" dirty="0">
+                <a:latin typeface="Segoe UI" panose="020B0502040204020203" pitchFamily="34" charset="0"/>
+                <a:cs typeface="Segoe UI" panose="020B0502040204020203" pitchFamily="34" charset="0"/>
+              </a:rPr>
+              <a:t>MY FRAME:						</a:t>
+            </a:r>
           </a:p>
           <a:p>
             <a:pPr marL="457200" lvl="1" indent="0">
               <a:buNone/>
             </a:pPr>
-            <a:endParaRPr lang="en-GB" sz="1300" dirty="0">
-              <a:solidFill>
-                <a:srgbClr val="2196F3"/>
-              </a:solidFill>
-              <a:latin typeface="Segoe UI" panose="020B0502040204020203" pitchFamily="34" charset="0"/>
-              <a:cs typeface="Segoe UI" panose="020B0502040204020203" pitchFamily="34" charset="0"/>
-            </a:endParaRPr>
+            <a:r>
+              <a:rPr lang="en-GB" sz="2000" i="1" dirty="0">
+                <a:latin typeface="Segoe UI" panose="020B0502040204020203" pitchFamily="34" charset="0"/>
+                <a:cs typeface="Segoe UI" panose="020B0502040204020203" pitchFamily="34" charset="0"/>
+              </a:rPr>
+              <a:t>It is like &lt;a&gt; is syntax to create an instance of a class, HTMLAnchorElement, which can then have its methods and properties used:</a:t>
+            </a:r>
           </a:p>
           <a:p>
             <a:pPr marL="457200" lvl="1" indent="0">
               <a:buNone/>
             </a:pPr>
             <a:r>
-              <a:rPr lang="en-GB" sz="3600" dirty="0">
-                <a:solidFill>
-                  <a:srgbClr val="2196F3"/>
-                </a:solidFill>
-                <a:latin typeface="Segoe UI" panose="020B0502040204020203" pitchFamily="34" charset="0"/>
-                <a:cs typeface="Segoe UI" panose="020B0502040204020203" pitchFamily="34" charset="0"/>
-                <a:hlinkClick r:id="rId3">
-                  <a:extLst>
-                    <a:ext uri="{A12FA001-AC4F-418D-AE19-62706E023703}">
-                      <ahyp:hlinkClr xmlns:ahyp="http://schemas.microsoft.com/office/drawing/2018/hyperlinkcolor" val="tx"/>
-                    </a:ext>
-                  </a:extLst>
-                </a:hlinkClick>
-              </a:rPr>
-              <a:t>https://custom-elements-everywhere.com/</a:t>
-            </a:r>
-            <a:r>
-              <a:rPr lang="en-GB" sz="3600" dirty="0">
-                <a:solidFill>
-                  <a:srgbClr val="2196F3"/>
-                </a:solidFill>
-                <a:latin typeface="Segoe UI" panose="020B0502040204020203" pitchFamily="34" charset="0"/>
-                <a:cs typeface="Segoe UI" panose="020B0502040204020203" pitchFamily="34" charset="0"/>
-              </a:rPr>
-              <a:t> </a:t>
+              <a:rPr lang="en-GB" sz="2000" i="1" dirty="0">
+                <a:latin typeface="Segoe UI" panose="020B0502040204020203" pitchFamily="34" charset="0"/>
+                <a:cs typeface="Segoe UI" panose="020B0502040204020203" pitchFamily="34" charset="0"/>
+              </a:rPr>
+              <a:t>&lt;a&gt;&lt;/a&gt; === objA = new HTMLAnchorElement</a:t>
             </a:r>
           </a:p>
           <a:p>
             <a:pPr marL="457200" lvl="1" indent="0">
               <a:buNone/>
             </a:pPr>
-            <a:r>
-              <a:rPr lang="en-GB" dirty="0">
-                <a:solidFill>
-                  <a:srgbClr val="2196F3"/>
-                </a:solidFill>
-                <a:latin typeface="Segoe UI" panose="020B0502040204020203" pitchFamily="34" charset="0"/>
-                <a:cs typeface="Segoe UI" panose="020B0502040204020203" pitchFamily="34" charset="0"/>
-              </a:rPr>
-              <a:t>(Making sure frameworks and custom elements can be BFFs )</a:t>
-            </a:r>
-            <a:endParaRPr lang="en-GB" sz="3600" dirty="0">
-              <a:solidFill>
-                <a:srgbClr val="2196F3"/>
-              </a:solidFill>
+            <a:endParaRPr lang="en-GB" sz="2000" i="1" dirty="0">
               <a:latin typeface="Segoe UI" panose="020B0502040204020203" pitchFamily="34" charset="0"/>
               <a:cs typeface="Segoe UI" panose="020B0502040204020203" pitchFamily="34" charset="0"/>
             </a:endParaRPr>
@@ -10595,34 +10794,45 @@
             <a:pPr marL="457200" lvl="1" indent="0">
               <a:buNone/>
             </a:pPr>
-            <a:endParaRPr lang="en-GB" sz="1200" dirty="0">
-              <a:solidFill>
-                <a:srgbClr val="2196F3"/>
-              </a:solidFill>
-              <a:latin typeface="Segoe UI" panose="020B0502040204020203" pitchFamily="34" charset="0"/>
-              <a:cs typeface="Segoe UI" panose="020B0502040204020203" pitchFamily="34" charset="0"/>
-            </a:endParaRPr>
+            <a:r>
+              <a:rPr lang="en-GB" sz="2000" i="1" dirty="0">
+                <a:latin typeface="Segoe UI" panose="020B0502040204020203" pitchFamily="34" charset="0"/>
+                <a:cs typeface="Segoe UI" panose="020B0502040204020203" pitchFamily="34" charset="0"/>
+              </a:rPr>
+              <a:t>Thus with web components in index.html we can do the following:</a:t>
+            </a:r>
           </a:p>
           <a:p>
             <a:pPr marL="457200" lvl="1" indent="0">
               <a:buNone/>
             </a:pPr>
-            <a:endParaRPr lang="en-GB" sz="6700" dirty="0">
-              <a:solidFill>
-                <a:srgbClr val="2196F3"/>
-              </a:solidFill>
-              <a:latin typeface="Segoe UI" panose="020B0502040204020203" pitchFamily="34" charset="0"/>
-              <a:cs typeface="Segoe UI" panose="020B0502040204020203" pitchFamily="34" charset="0"/>
-            </a:endParaRPr>
+            <a:r>
+              <a:rPr lang="en-GB" sz="2000" i="1" dirty="0">
+                <a:latin typeface="Segoe UI" panose="020B0502040204020203" pitchFamily="34" charset="0"/>
+                <a:cs typeface="Segoe UI" panose="020B0502040204020203" pitchFamily="34" charset="0"/>
+              </a:rPr>
+              <a:t>document.querySelector(‘my-</a:t>
+            </a:r>
+            <a:r>
+              <a:rPr lang="en-GB" sz="2000" i="1" dirty="0" err="1">
+                <a:latin typeface="Segoe UI" panose="020B0502040204020203" pitchFamily="34" charset="0"/>
+                <a:cs typeface="Segoe UI" panose="020B0502040204020203" pitchFamily="34" charset="0"/>
+              </a:rPr>
+              <a:t>webcomponent</a:t>
+            </a:r>
+            <a:r>
+              <a:rPr lang="en-GB" sz="2000" i="1" dirty="0">
+                <a:latin typeface="Segoe UI" panose="020B0502040204020203" pitchFamily="34" charset="0"/>
+                <a:cs typeface="Segoe UI" panose="020B0502040204020203" pitchFamily="34" charset="0"/>
+              </a:rPr>
+              <a:t>’).method()</a:t>
+            </a:r>
           </a:p>
           <a:p>
             <a:pPr marL="457200" lvl="1" indent="0">
               <a:buNone/>
             </a:pPr>
-            <a:endParaRPr lang="en-GB" sz="6700" dirty="0">
-              <a:solidFill>
-                <a:srgbClr val="2196F3"/>
-              </a:solidFill>
+            <a:endParaRPr lang="en-GB" sz="2000" dirty="0">
               <a:latin typeface="Segoe UI" panose="020B0502040204020203" pitchFamily="34" charset="0"/>
               <a:cs typeface="Segoe UI" panose="020B0502040204020203" pitchFamily="34" charset="0"/>
             </a:endParaRPr>
@@ -10631,32 +10841,143 @@
             <a:pPr marL="457200" lvl="1" indent="0">
               <a:buNone/>
             </a:pPr>
-            <a:endParaRPr lang="en-GB" sz="6700" dirty="0">
-              <a:latin typeface="Segoe UI" panose="020B0502040204020203" pitchFamily="34" charset="0"/>
-              <a:cs typeface="Segoe UI" panose="020B0502040204020203" pitchFamily="34" charset="0"/>
-            </a:endParaRPr>
-          </a:p>
-          <a:p>
-            <a:pPr marL="0" indent="0">
-              <a:buNone/>
-            </a:pPr>
-            <a:endParaRPr lang="en-GB" dirty="0">
-              <a:latin typeface="Segoe UI" panose="020B0502040204020203" pitchFamily="34" charset="0"/>
-              <a:cs typeface="Segoe UI" panose="020B0502040204020203" pitchFamily="34" charset="0"/>
-            </a:endParaRPr>
-          </a:p>
-          <a:p>
-            <a:endParaRPr lang="en-GB" dirty="0">
-              <a:latin typeface="Segoe UI" panose="020B0502040204020203" pitchFamily="34" charset="0"/>
-              <a:cs typeface="Segoe UI" panose="020B0502040204020203" pitchFamily="34" charset="0"/>
-            </a:endParaRPr>
-          </a:p>
-        </p:txBody>
-      </p:sp>
+            <a:r>
+              <a:rPr lang="en-GB" sz="2000" dirty="0">
+                <a:latin typeface="Segoe UI" panose="020B0502040204020203" pitchFamily="34" charset="0"/>
+                <a:cs typeface="Segoe UI" panose="020B0502040204020203" pitchFamily="34" charset="0"/>
+              </a:rPr>
+              <a:t>https://developer.mozilla.org/en-US/docs/Web/API/HTMLAnchorElement</a:t>
+            </a:r>
+          </a:p>
+        </p:txBody>
+      </p:sp>
+      <p:cxnSp>
+        <p:nvCxnSpPr>
+          <p:cNvPr id="5" name="Straight Arrow Connector 4">
+            <a:extLst>
+              <a:ext uri="{FF2B5EF4-FFF2-40B4-BE49-F238E27FC236}">
+                <a16:creationId xmlns:a16="http://schemas.microsoft.com/office/drawing/2014/main" id="{EEDCF59B-98C5-4D8D-9EDC-5F14C5E98A23}"/>
+              </a:ext>
+            </a:extLst>
+          </p:cNvPr>
+          <p:cNvCxnSpPr>
+            <a:cxnSpLocks/>
+          </p:cNvCxnSpPr>
+          <p:nvPr/>
+        </p:nvCxnSpPr>
+        <p:spPr>
+          <a:xfrm flipH="1" flipV="1">
+            <a:off x="2550253" y="2085906"/>
+            <a:ext cx="402672" cy="237844"/>
+          </a:xfrm>
+          <a:prstGeom prst="straightConnector1">
+            <a:avLst/>
+          </a:prstGeom>
+          <a:ln w="50800">
+            <a:tailEnd type="triangle"/>
+          </a:ln>
+        </p:spPr>
+        <p:style>
+          <a:lnRef idx="1">
+            <a:schemeClr val="accent1"/>
+          </a:lnRef>
+          <a:fillRef idx="0">
+            <a:schemeClr val="accent1"/>
+          </a:fillRef>
+          <a:effectRef idx="0">
+            <a:schemeClr val="accent1"/>
+          </a:effectRef>
+          <a:fontRef idx="minor">
+            <a:schemeClr val="tx1"/>
+          </a:fontRef>
+        </p:style>
+      </p:cxnSp>
+      <p:cxnSp>
+        <p:nvCxnSpPr>
+          <p:cNvPr id="8" name="Straight Arrow Connector 7">
+            <a:extLst>
+              <a:ext uri="{FF2B5EF4-FFF2-40B4-BE49-F238E27FC236}">
+                <a16:creationId xmlns:a16="http://schemas.microsoft.com/office/drawing/2014/main" id="{8A86BFA2-7BAB-4060-9F65-764DADE73518}"/>
+              </a:ext>
+            </a:extLst>
+          </p:cNvPr>
+          <p:cNvCxnSpPr>
+            <a:cxnSpLocks/>
+          </p:cNvCxnSpPr>
+          <p:nvPr/>
+        </p:nvCxnSpPr>
+        <p:spPr>
+          <a:xfrm flipV="1">
+            <a:off x="3641108" y="2085908"/>
+            <a:ext cx="641963" cy="237842"/>
+          </a:xfrm>
+          <a:prstGeom prst="straightConnector1">
+            <a:avLst/>
+          </a:prstGeom>
+          <a:ln w="50800">
+            <a:tailEnd type="triangle"/>
+          </a:ln>
+        </p:spPr>
+        <p:style>
+          <a:lnRef idx="1">
+            <a:schemeClr val="accent1"/>
+          </a:lnRef>
+          <a:fillRef idx="0">
+            <a:schemeClr val="accent1"/>
+          </a:fillRef>
+          <a:effectRef idx="0">
+            <a:schemeClr val="accent1"/>
+          </a:effectRef>
+          <a:fontRef idx="minor">
+            <a:schemeClr val="tx1"/>
+          </a:fontRef>
+        </p:style>
+      </p:cxnSp>
+      <p:cxnSp>
+        <p:nvCxnSpPr>
+          <p:cNvPr id="14" name="Straight Arrow Connector 13">
+            <a:extLst>
+              <a:ext uri="{FF2B5EF4-FFF2-40B4-BE49-F238E27FC236}">
+                <a16:creationId xmlns:a16="http://schemas.microsoft.com/office/drawing/2014/main" id="{607DA826-7495-45D1-81E3-7623EBC87E8D}"/>
+              </a:ext>
+            </a:extLst>
+          </p:cNvPr>
+          <p:cNvCxnSpPr>
+            <a:cxnSpLocks/>
+          </p:cNvCxnSpPr>
+          <p:nvPr/>
+        </p:nvCxnSpPr>
+        <p:spPr>
+          <a:xfrm flipV="1">
+            <a:off x="8550893" y="2060889"/>
+            <a:ext cx="0" cy="380307"/>
+          </a:xfrm>
+          <a:prstGeom prst="straightConnector1">
+            <a:avLst/>
+          </a:prstGeom>
+          <a:ln w="50800">
+            <a:tailEnd type="triangle"/>
+          </a:ln>
+        </p:spPr>
+        <p:style>
+          <a:lnRef idx="1">
+            <a:schemeClr val="accent1"/>
+          </a:lnRef>
+          <a:fillRef idx="0">
+            <a:schemeClr val="accent1"/>
+          </a:fillRef>
+          <a:effectRef idx="0">
+            <a:schemeClr val="accent1"/>
+          </a:effectRef>
+          <a:fontRef idx="minor">
+            <a:schemeClr val="tx1"/>
+          </a:fontRef>
+        </p:style>
+      </p:cxnSp>
     </p:spTree>
     <p:extLst>
       <p:ext uri="{BB962C8B-B14F-4D97-AF65-F5344CB8AC3E}">
-        <p14:creationId xmlns:p14="http://schemas.microsoft.com/office/powerpoint/2010/main" val="2534555949"/>
+        <p14:creationId xmlns:p14="http://schemas.microsoft.com/office/powerpoint/2010/main" val="520367034"/>
       </p:ext>
     </p:extLst>
   </p:cSld>

--- a/webcomponents.pptx
+++ b/webcomponents.pptx
@@ -5,17 +5,17 @@
     <p:sldMasterId id="2147483648" r:id="rId1"/>
   </p:sldMasterIdLst>
   <p:notesMasterIdLst>
-    <p:notesMasterId r:id="rId19"/>
+    <p:notesMasterId r:id="rId20"/>
   </p:notesMasterIdLst>
   <p:sldIdLst>
     <p:sldId id="315" r:id="rId2"/>
     <p:sldId id="269" r:id="rId3"/>
     <p:sldId id="327" r:id="rId4"/>
-    <p:sldId id="320" r:id="rId5"/>
-    <p:sldId id="328" r:id="rId6"/>
-    <p:sldId id="332" r:id="rId7"/>
-    <p:sldId id="331" r:id="rId8"/>
-    <p:sldId id="333" r:id="rId9"/>
+    <p:sldId id="333" r:id="rId5"/>
+    <p:sldId id="320" r:id="rId6"/>
+    <p:sldId id="328" r:id="rId7"/>
+    <p:sldId id="332" r:id="rId8"/>
+    <p:sldId id="331" r:id="rId9"/>
     <p:sldId id="264" r:id="rId10"/>
     <p:sldId id="330" r:id="rId11"/>
     <p:sldId id="329" r:id="rId12"/>
@@ -24,7 +24,8 @@
     <p:sldId id="325" r:id="rId15"/>
     <p:sldId id="326" r:id="rId16"/>
     <p:sldId id="312" r:id="rId17"/>
-    <p:sldId id="279" r:id="rId18"/>
+    <p:sldId id="334" r:id="rId18"/>
+    <p:sldId id="279" r:id="rId19"/>
   </p:sldIdLst>
   <p:sldSz cx="12192000" cy="6858000"/>
   <p:notesSz cx="6858000" cy="9144000"/>
@@ -131,11 +132,11 @@
             <p14:sldId id="315"/>
             <p14:sldId id="269"/>
             <p14:sldId id="327"/>
+            <p14:sldId id="333"/>
             <p14:sldId id="320"/>
             <p14:sldId id="328"/>
             <p14:sldId id="332"/>
             <p14:sldId id="331"/>
-            <p14:sldId id="333"/>
             <p14:sldId id="264"/>
             <p14:sldId id="330"/>
             <p14:sldId id="329"/>
@@ -144,6 +145,7 @@
             <p14:sldId id="325"/>
             <p14:sldId id="326"/>
             <p14:sldId id="312"/>
+            <p14:sldId id="334"/>
             <p14:sldId id="279"/>
           </p14:sldIdLst>
         </p14:section>
@@ -7886,8 +7888,25 @@
                 <a:latin typeface="Segoe UI" panose="020B0502040204020203" pitchFamily="34" charset="0"/>
                 <a:cs typeface="Segoe UI" panose="020B0502040204020203" pitchFamily="34" charset="0"/>
               </a:rPr>
-              <a:t>In Angular, Vue, React etc. There are well documented procedures.</a:t>
-            </a:r>
+              <a:t>In Angular, Vue, React etc. There are well documented procedures. </a:t>
+            </a:r>
+            <a:r>
+              <a:rPr lang="en-GB" dirty="0">
+                <a:solidFill>
+                  <a:srgbClr val="2196F3"/>
+                </a:solidFill>
+                <a:latin typeface="Segoe UI" panose="020B0502040204020203" pitchFamily="34" charset="0"/>
+                <a:cs typeface="Segoe UI" panose="020B0502040204020203" pitchFamily="34" charset="0"/>
+              </a:rPr>
+              <a:t>(https://stenciljs.com/docs/framework-bindings)</a:t>
+            </a:r>
+            <a:endParaRPr lang="en-GB" sz="3600" dirty="0">
+              <a:solidFill>
+                <a:srgbClr val="2196F3"/>
+              </a:solidFill>
+              <a:latin typeface="Segoe UI" panose="020B0502040204020203" pitchFamily="34" charset="0"/>
+              <a:cs typeface="Segoe UI" panose="020B0502040204020203" pitchFamily="34" charset="0"/>
+            </a:endParaRPr>
           </a:p>
           <a:p>
             <a:pPr marL="0" indent="0">
@@ -8010,6 +8029,197 @@
 </file>
 
 <file path=ppt/slides/slide17.xml><?xml version="1.0" encoding="utf-8"?>
+<p:sld xmlns:a="http://schemas.openxmlformats.org/drawingml/2006/main" xmlns:r="http://schemas.openxmlformats.org/officeDocument/2006/relationships" xmlns:p="http://schemas.openxmlformats.org/presentationml/2006/main">
+  <p:cSld>
+    <p:spTree>
+      <p:nvGrpSpPr>
+        <p:cNvPr id="1" name=""/>
+        <p:cNvGrpSpPr/>
+        <p:nvPr/>
+      </p:nvGrpSpPr>
+      <p:grpSpPr>
+        <a:xfrm>
+          <a:off x="0" y="0"/>
+          <a:ext cx="0" cy="0"/>
+          <a:chOff x="0" y="0"/>
+          <a:chExt cx="0" cy="0"/>
+        </a:xfrm>
+      </p:grpSpPr>
+      <p:sp>
+        <p:nvSpPr>
+          <p:cNvPr id="3" name="Content Placeholder 2">
+            <a:extLst>
+              <a:ext uri="{FF2B5EF4-FFF2-40B4-BE49-F238E27FC236}">
+                <a16:creationId xmlns:a16="http://schemas.microsoft.com/office/drawing/2014/main" id="{380A49C7-87C7-4B50-A695-2297B5304E7B}"/>
+              </a:ext>
+            </a:extLst>
+          </p:cNvPr>
+          <p:cNvSpPr>
+            <a:spLocks noGrp="1"/>
+          </p:cNvSpPr>
+          <p:nvPr>
+            <p:ph idx="1"/>
+          </p:nvPr>
+        </p:nvSpPr>
+        <p:spPr>
+          <a:xfrm>
+            <a:off x="838200" y="1325563"/>
+            <a:ext cx="10515600" cy="4989511"/>
+          </a:xfrm>
+        </p:spPr>
+        <p:txBody>
+          <a:bodyPr>
+            <a:normAutofit/>
+          </a:bodyPr>
+          <a:lstStyle/>
+          <a:p>
+            <a:pPr marL="0" indent="0">
+              <a:buNone/>
+            </a:pPr>
+            <a:endParaRPr lang="en-GB" sz="3600" dirty="0">
+              <a:solidFill>
+                <a:srgbClr val="2196F3"/>
+              </a:solidFill>
+              <a:latin typeface="Segoe UI" panose="020B0502040204020203" pitchFamily="34" charset="0"/>
+              <a:cs typeface="Segoe UI" panose="020B0502040204020203" pitchFamily="34" charset="0"/>
+            </a:endParaRPr>
+          </a:p>
+          <a:p>
+            <a:pPr marL="914400" lvl="2" indent="0">
+              <a:buNone/>
+            </a:pPr>
+            <a:r>
+              <a:rPr lang="en-GB" sz="4000" dirty="0">
+                <a:solidFill>
+                  <a:srgbClr val="2196F3"/>
+                </a:solidFill>
+                <a:latin typeface="Segoe UI" panose="020B0502040204020203" pitchFamily="34" charset="0"/>
+                <a:cs typeface="Segoe UI" panose="020B0502040204020203" pitchFamily="34" charset="0"/>
+              </a:rPr>
+              <a:t>Your thoughts…</a:t>
+            </a:r>
+          </a:p>
+          <a:p>
+            <a:pPr marL="0" indent="0">
+              <a:buNone/>
+            </a:pPr>
+            <a:endParaRPr lang="en-GB" sz="3600" i="1" dirty="0">
+              <a:solidFill>
+                <a:srgbClr val="2196F3"/>
+              </a:solidFill>
+              <a:latin typeface="Segoe UI" panose="020B0502040204020203" pitchFamily="34" charset="0"/>
+              <a:cs typeface="Segoe UI" panose="020B0502040204020203" pitchFamily="34" charset="0"/>
+            </a:endParaRPr>
+          </a:p>
+          <a:p>
+            <a:pPr marL="0" indent="0">
+              <a:buNone/>
+            </a:pPr>
+            <a:endParaRPr lang="en-GB" sz="1400" dirty="0">
+              <a:solidFill>
+                <a:srgbClr val="2196F3"/>
+              </a:solidFill>
+              <a:latin typeface="Segoe UI" panose="020B0502040204020203" pitchFamily="34" charset="0"/>
+              <a:cs typeface="Segoe UI" panose="020B0502040204020203" pitchFamily="34" charset="0"/>
+            </a:endParaRPr>
+          </a:p>
+          <a:p>
+            <a:pPr marL="0" indent="0">
+              <a:buNone/>
+            </a:pPr>
+            <a:endParaRPr lang="en-GB" i="1" dirty="0">
+              <a:solidFill>
+                <a:srgbClr val="2196F3"/>
+              </a:solidFill>
+              <a:latin typeface="Segoe UI" panose="020B0502040204020203" pitchFamily="34" charset="0"/>
+              <a:cs typeface="Segoe UI" panose="020B0502040204020203" pitchFamily="34" charset="0"/>
+            </a:endParaRPr>
+          </a:p>
+          <a:p>
+            <a:endParaRPr lang="en-GB" dirty="0">
+              <a:latin typeface="Segoe UI" panose="020B0502040204020203" pitchFamily="34" charset="0"/>
+              <a:cs typeface="Segoe UI" panose="020B0502040204020203" pitchFamily="34" charset="0"/>
+            </a:endParaRPr>
+          </a:p>
+          <a:p>
+            <a:endParaRPr lang="en-GB" dirty="0">
+              <a:latin typeface="Segoe UI" panose="020B0502040204020203" pitchFamily="34" charset="0"/>
+              <a:cs typeface="Segoe UI" panose="020B0502040204020203" pitchFamily="34" charset="0"/>
+            </a:endParaRPr>
+          </a:p>
+          <a:p>
+            <a:endParaRPr lang="en-GB" dirty="0">
+              <a:latin typeface="Segoe UI" panose="020B0502040204020203" pitchFamily="34" charset="0"/>
+              <a:cs typeface="Segoe UI" panose="020B0502040204020203" pitchFamily="34" charset="0"/>
+            </a:endParaRPr>
+          </a:p>
+          <a:p>
+            <a:endParaRPr lang="en-GB" dirty="0">
+              <a:latin typeface="Segoe UI" panose="020B0502040204020203" pitchFamily="34" charset="0"/>
+              <a:cs typeface="Segoe UI" panose="020B0502040204020203" pitchFamily="34" charset="0"/>
+            </a:endParaRPr>
+          </a:p>
+        </p:txBody>
+      </p:sp>
+      <p:sp>
+        <p:nvSpPr>
+          <p:cNvPr id="6" name="Title 1">
+            <a:extLst>
+              <a:ext uri="{FF2B5EF4-FFF2-40B4-BE49-F238E27FC236}">
+                <a16:creationId xmlns:a16="http://schemas.microsoft.com/office/drawing/2014/main" id="{A9FE3B7A-AB00-444C-B7E7-EA48B7D72F9E}"/>
+              </a:ext>
+            </a:extLst>
+          </p:cNvPr>
+          <p:cNvSpPr>
+            <a:spLocks noGrp="1"/>
+          </p:cNvSpPr>
+          <p:nvPr>
+            <p:ph type="title"/>
+          </p:nvPr>
+        </p:nvSpPr>
+        <p:spPr>
+          <a:xfrm>
+            <a:off x="838200" y="0"/>
+            <a:ext cx="10515600" cy="1325563"/>
+          </a:xfrm>
+          <a:solidFill>
+            <a:srgbClr val="2196F3"/>
+          </a:solidFill>
+        </p:spPr>
+        <p:txBody>
+          <a:bodyPr>
+            <a:normAutofit/>
+          </a:bodyPr>
+          <a:lstStyle/>
+          <a:p>
+            <a:pPr algn="ctr"/>
+            <a:r>
+              <a:rPr lang="en-GB" sz="6600" dirty="0">
+                <a:solidFill>
+                  <a:schemeClr val="bg1"/>
+                </a:solidFill>
+                <a:latin typeface="Segoe UI" panose="020B0502040204020203" pitchFamily="34" charset="0"/>
+                <a:cs typeface="Segoe UI" panose="020B0502040204020203" pitchFamily="34" charset="0"/>
+              </a:rPr>
+              <a:t>Framework integration…</a:t>
+            </a:r>
+          </a:p>
+        </p:txBody>
+      </p:sp>
+    </p:spTree>
+    <p:extLst>
+      <p:ext uri="{BB962C8B-B14F-4D97-AF65-F5344CB8AC3E}">
+        <p14:creationId xmlns:p14="http://schemas.microsoft.com/office/powerpoint/2010/main" val="887881681"/>
+      </p:ext>
+    </p:extLst>
+  </p:cSld>
+  <p:clrMapOvr>
+    <a:masterClrMapping/>
+  </p:clrMapOvr>
+</p:sld>
+</file>
+
+<file path=ppt/slides/slide18.xml><?xml version="1.0" encoding="utf-8"?>
 <p:sld xmlns:a="http://schemas.openxmlformats.org/drawingml/2006/main" xmlns:r="http://schemas.openxmlformats.org/officeDocument/2006/relationships" xmlns:p="http://schemas.openxmlformats.org/presentationml/2006/main">
   <p:cSld>
     <p:spTree>
@@ -9328,122 +9538,258 @@
           <a:chExt cx="0" cy="0"/>
         </a:xfrm>
       </p:grpSpPr>
-      <p:pic>
-        <p:nvPicPr>
-          <p:cNvPr id="5" name="Picture 4" descr="A picture containing food&#10;&#10;Description automatically generated">
-            <a:extLst>
-              <a:ext uri="{FF2B5EF4-FFF2-40B4-BE49-F238E27FC236}">
-                <a16:creationId xmlns:a16="http://schemas.microsoft.com/office/drawing/2014/main" id="{8E85D67E-6196-4971-9517-B5CA032300BF}"/>
-              </a:ext>
-            </a:extLst>
-          </p:cNvPr>
-          <p:cNvPicPr>
-            <a:picLocks noChangeAspect="1"/>
-          </p:cNvPicPr>
-          <p:nvPr/>
-        </p:nvPicPr>
-        <p:blipFill>
-          <a:blip r:embed="rId2">
-            <a:extLst>
-              <a:ext uri="{28A0092B-C50C-407E-A947-70E740481C1C}">
-                <a14:useLocalDpi xmlns:a14="http://schemas.microsoft.com/office/drawing/2010/main" val="0"/>
-              </a:ext>
-            </a:extLst>
-          </a:blip>
-          <a:stretch>
-            <a:fillRect/>
-          </a:stretch>
-        </p:blipFill>
+      <p:sp>
+        <p:nvSpPr>
+          <p:cNvPr id="2" name="Title 1">
+            <a:extLst>
+              <a:ext uri="{FF2B5EF4-FFF2-40B4-BE49-F238E27FC236}">
+                <a16:creationId xmlns:a16="http://schemas.microsoft.com/office/drawing/2014/main" id="{5D7568B3-EC9A-45DD-8A17-CFE685194B65}"/>
+              </a:ext>
+            </a:extLst>
+          </p:cNvPr>
+          <p:cNvSpPr>
+            <a:spLocks noGrp="1"/>
+          </p:cNvSpPr>
+          <p:nvPr>
+            <p:ph type="title"/>
+          </p:nvPr>
+        </p:nvSpPr>
         <p:spPr>
           <a:xfrm>
-            <a:off x="2399693" y="1093664"/>
-            <a:ext cx="7234921" cy="5444100"/>
-          </a:xfrm>
-          <a:prstGeom prst="rect">
-            <a:avLst/>
-          </a:prstGeom>
-        </p:spPr>
-      </p:pic>
-      <p:sp>
-        <p:nvSpPr>
-          <p:cNvPr id="6" name="TextBox 5">
-            <a:extLst>
-              <a:ext uri="{FF2B5EF4-FFF2-40B4-BE49-F238E27FC236}">
-                <a16:creationId xmlns:a16="http://schemas.microsoft.com/office/drawing/2014/main" id="{95FBBC3D-9FC0-49E9-BA50-3C94DE833DEC}"/>
-              </a:ext>
-            </a:extLst>
-          </p:cNvPr>
-          <p:cNvSpPr txBox="1"/>
-          <p:nvPr/>
-        </p:nvSpPr>
-        <p:spPr>
-          <a:xfrm>
-            <a:off x="2292221" y="120181"/>
-            <a:ext cx="7607558" cy="400110"/>
-          </a:xfrm>
-          <a:prstGeom prst="rect">
-            <a:avLst/>
-          </a:prstGeom>
-          <a:noFill/>
-        </p:spPr>
-        <p:txBody>
-          <a:bodyPr wrap="square" rtlCol="0">
-            <a:spAutoFit/>
+            <a:off x="838200" y="0"/>
+            <a:ext cx="10515600" cy="1325563"/>
+          </a:xfrm>
+          <a:solidFill>
+            <a:srgbClr val="2196F3"/>
+          </a:solidFill>
+        </p:spPr>
+        <p:txBody>
+          <a:bodyPr>
+            <a:normAutofit fontScale="90000"/>
           </a:bodyPr>
           <a:lstStyle/>
           <a:p>
-            <a:r>
-              <a:rPr lang="en-GB" sz="2000" b="1" dirty="0">
-                <a:latin typeface="Segoe UI" panose="020B0502040204020203" pitchFamily="34" charset="0"/>
-                <a:cs typeface="Segoe UI" panose="020B0502040204020203" pitchFamily="34" charset="0"/>
-              </a:rPr>
-              <a:t>International JS Conference London 2018 – Key Note Speech</a:t>
-            </a:r>
-          </a:p>
-        </p:txBody>
-      </p:sp>
-      <p:sp>
-        <p:nvSpPr>
-          <p:cNvPr id="2" name="TextBox 1">
-            <a:extLst>
-              <a:ext uri="{FF2B5EF4-FFF2-40B4-BE49-F238E27FC236}">
-                <a16:creationId xmlns:a16="http://schemas.microsoft.com/office/drawing/2014/main" id="{56E8DDCB-DB29-4087-BEFF-1986F270992A}"/>
-              </a:ext>
-            </a:extLst>
-          </p:cNvPr>
-          <p:cNvSpPr txBox="1"/>
-          <p:nvPr/>
+            <a:pPr algn="ctr"/>
+            <a:r>
+              <a:rPr lang="en-GB" sz="6600" dirty="0">
+                <a:solidFill>
+                  <a:schemeClr val="bg1"/>
+                </a:solidFill>
+                <a:latin typeface="Segoe UI" panose="020B0502040204020203" pitchFamily="34" charset="0"/>
+                <a:cs typeface="Segoe UI" panose="020B0502040204020203" pitchFamily="34" charset="0"/>
+              </a:rPr>
+              <a:t>Who uses Web Components?</a:t>
+            </a:r>
+          </a:p>
+        </p:txBody>
+      </p:sp>
+      <p:sp>
+        <p:nvSpPr>
+          <p:cNvPr id="4" name="Content Placeholder 2">
+            <a:extLst>
+              <a:ext uri="{FF2B5EF4-FFF2-40B4-BE49-F238E27FC236}">
+                <a16:creationId xmlns:a16="http://schemas.microsoft.com/office/drawing/2014/main" id="{088CCB65-11B4-408B-9ED3-1304FE85032F}"/>
+              </a:ext>
+            </a:extLst>
+          </p:cNvPr>
+          <p:cNvSpPr>
+            <a:spLocks noGrp="1"/>
+          </p:cNvSpPr>
+          <p:nvPr>
+            <p:ph idx="1"/>
+          </p:nvPr>
         </p:nvSpPr>
         <p:spPr>
           <a:xfrm>
-            <a:off x="2292221" y="622311"/>
-            <a:ext cx="7021586" cy="369332"/>
-          </a:xfrm>
-          <a:prstGeom prst="rect">
-            <a:avLst/>
-          </a:prstGeom>
-          <a:noFill/>
-        </p:spPr>
-        <p:txBody>
-          <a:bodyPr wrap="square" rtlCol="0">
-            <a:spAutoFit/>
+            <a:off x="838200" y="1325563"/>
+            <a:ext cx="10515600" cy="4919125"/>
+          </a:xfrm>
+        </p:spPr>
+        <p:txBody>
+          <a:bodyPr wrap="square" bIns="252000">
+            <a:normAutofit/>
           </a:bodyPr>
           <a:lstStyle/>
           <a:p>
-            <a:r>
-              <a:rPr lang="en-GB" b="1" dirty="0">
-                <a:hlinkClick r:id="rId3"/>
-              </a:rPr>
-              <a:t>https://www.youtube.com/watch?v=1KJQurclLdw</a:t>
-            </a:r>
-            <a:endParaRPr lang="en-GB" b="1" dirty="0"/>
+            <a:pPr marL="457200" lvl="1" indent="0">
+              <a:buNone/>
+            </a:pPr>
+            <a:endParaRPr lang="en-GB" sz="300" dirty="0">
+              <a:solidFill>
+                <a:srgbClr val="2196F3"/>
+              </a:solidFill>
+              <a:latin typeface="Segoe UI" panose="020B0502040204020203" pitchFamily="34" charset="0"/>
+              <a:cs typeface="Segoe UI" panose="020B0502040204020203" pitchFamily="34" charset="0"/>
+            </a:endParaRPr>
+          </a:p>
+          <a:p>
+            <a:pPr marL="457200" lvl="1" indent="0">
+              <a:buNone/>
+            </a:pPr>
+            <a:endParaRPr lang="en-GB" sz="1000" dirty="0">
+              <a:solidFill>
+                <a:srgbClr val="2196F3"/>
+              </a:solidFill>
+              <a:latin typeface="Segoe UI" panose="020B0502040204020203" pitchFamily="34" charset="0"/>
+              <a:cs typeface="Segoe UI" panose="020B0502040204020203" pitchFamily="34" charset="0"/>
+            </a:endParaRPr>
+          </a:p>
+          <a:p>
+            <a:pPr marL="457200" lvl="1" indent="0">
+              <a:buNone/>
+            </a:pPr>
+            <a:endParaRPr lang="en-GB" sz="1400" dirty="0">
+              <a:solidFill>
+                <a:srgbClr val="2196F3"/>
+              </a:solidFill>
+              <a:latin typeface="Segoe UI" panose="020B0502040204020203" pitchFamily="34" charset="0"/>
+              <a:cs typeface="Segoe UI" panose="020B0502040204020203" pitchFamily="34" charset="0"/>
+            </a:endParaRPr>
+          </a:p>
+          <a:p>
+            <a:pPr lvl="1"/>
+            <a:r>
+              <a:rPr lang="en-GB" sz="3600" dirty="0">
+                <a:solidFill>
+                  <a:srgbClr val="2196F3"/>
+                </a:solidFill>
+                <a:latin typeface="Segoe UI" panose="020B0502040204020203" pitchFamily="34" charset="0"/>
+                <a:cs typeface="Segoe UI" panose="020B0502040204020203" pitchFamily="34" charset="0"/>
+              </a:rPr>
+              <a:t>Google 20,000+.</a:t>
+            </a:r>
+          </a:p>
+          <a:p>
+            <a:pPr lvl="1"/>
+            <a:r>
+              <a:rPr lang="en-GB" sz="3600" dirty="0">
+                <a:solidFill>
+                  <a:srgbClr val="2196F3"/>
+                </a:solidFill>
+                <a:latin typeface="Segoe UI" panose="020B0502040204020203" pitchFamily="34" charset="0"/>
+                <a:cs typeface="Segoe UI" panose="020B0502040204020203" pitchFamily="34" charset="0"/>
+              </a:rPr>
+              <a:t>Google Accelerated Mobile Pages.</a:t>
+            </a:r>
+          </a:p>
+          <a:p>
+            <a:pPr lvl="1"/>
+            <a:r>
+              <a:rPr lang="en-GB" sz="3600" dirty="0">
+                <a:solidFill>
+                  <a:srgbClr val="2196F3"/>
+                </a:solidFill>
+                <a:latin typeface="Segoe UI" panose="020B0502040204020203" pitchFamily="34" charset="0"/>
+                <a:cs typeface="Segoe UI" panose="020B0502040204020203" pitchFamily="34" charset="0"/>
+              </a:rPr>
+              <a:t>Salesforce.</a:t>
+            </a:r>
+          </a:p>
+          <a:p>
+            <a:pPr lvl="1"/>
+            <a:r>
+              <a:rPr lang="en-GB" sz="3600" dirty="0" err="1">
+                <a:solidFill>
+                  <a:srgbClr val="2196F3"/>
+                </a:solidFill>
+                <a:latin typeface="Segoe UI" panose="020B0502040204020203" pitchFamily="34" charset="0"/>
+                <a:cs typeface="Segoe UI" panose="020B0502040204020203" pitchFamily="34" charset="0"/>
+              </a:rPr>
+              <a:t>Onsen</a:t>
+            </a:r>
+            <a:r>
+              <a:rPr lang="en-GB" sz="3600" dirty="0">
+                <a:solidFill>
+                  <a:srgbClr val="2196F3"/>
+                </a:solidFill>
+                <a:latin typeface="Segoe UI" panose="020B0502040204020203" pitchFamily="34" charset="0"/>
+                <a:cs typeface="Segoe UI" panose="020B0502040204020203" pitchFamily="34" charset="0"/>
+              </a:rPr>
+              <a:t> UI library.</a:t>
+            </a:r>
+          </a:p>
+          <a:p>
+            <a:pPr lvl="1"/>
+            <a:r>
+              <a:rPr lang="en-GB" sz="3600" dirty="0">
+                <a:solidFill>
+                  <a:srgbClr val="2196F3"/>
+                </a:solidFill>
+                <a:latin typeface="Segoe UI" panose="020B0502040204020203" pitchFamily="34" charset="0"/>
+                <a:cs typeface="Segoe UI" panose="020B0502040204020203" pitchFamily="34" charset="0"/>
+              </a:rPr>
+              <a:t>Ionic and Ionic/ReactJS/Angular </a:t>
+            </a:r>
+            <a:r>
+              <a:rPr lang="en-GB" sz="2000" dirty="0">
+                <a:solidFill>
+                  <a:srgbClr val="2196F3"/>
+                </a:solidFill>
+                <a:latin typeface="Segoe UI" panose="020B0502040204020203" pitchFamily="34" charset="0"/>
+                <a:cs typeface="Segoe UI" panose="020B0502040204020203" pitchFamily="34" charset="0"/>
+              </a:rPr>
+              <a:t>(Ionic Apps with Capacitor can run on IOS, Android, Web and Electron). </a:t>
+            </a:r>
+            <a:r>
+              <a:rPr lang="en-GB" sz="2000" i="1" dirty="0">
+                <a:solidFill>
+                  <a:srgbClr val="2196F3"/>
+                </a:solidFill>
+                <a:latin typeface="Segoe UI" panose="020B0502040204020203" pitchFamily="34" charset="0"/>
+                <a:cs typeface="Segoe UI" panose="020B0502040204020203" pitchFamily="34" charset="0"/>
+              </a:rPr>
+              <a:t>‘Write once, run anywhere…’</a:t>
+            </a:r>
+            <a:endParaRPr lang="en-GB" sz="3600" i="1" dirty="0">
+              <a:solidFill>
+                <a:srgbClr val="2196F3"/>
+              </a:solidFill>
+              <a:latin typeface="Segoe UI" panose="020B0502040204020203" pitchFamily="34" charset="0"/>
+              <a:cs typeface="Segoe UI" panose="020B0502040204020203" pitchFamily="34" charset="0"/>
+            </a:endParaRPr>
+          </a:p>
+          <a:p>
+            <a:pPr marL="457200" lvl="1" indent="0">
+              <a:buNone/>
+            </a:pPr>
+            <a:endParaRPr lang="en-GB" sz="1600" dirty="0">
+              <a:solidFill>
+                <a:srgbClr val="2196F3"/>
+              </a:solidFill>
+              <a:latin typeface="Segoe UI" panose="020B0502040204020203" pitchFamily="34" charset="0"/>
+              <a:cs typeface="Segoe UI" panose="020B0502040204020203" pitchFamily="34" charset="0"/>
+            </a:endParaRPr>
+          </a:p>
+          <a:p>
+            <a:pPr marL="457200" lvl="1" indent="0">
+              <a:buNone/>
+            </a:pPr>
+            <a:endParaRPr lang="en-GB" sz="3600" dirty="0">
+              <a:latin typeface="Segoe UI" panose="020B0502040204020203" pitchFamily="34" charset="0"/>
+              <a:cs typeface="Segoe UI" panose="020B0502040204020203" pitchFamily="34" charset="0"/>
+            </a:endParaRPr>
+          </a:p>
+          <a:p>
+            <a:pPr marL="0" indent="0">
+              <a:buNone/>
+            </a:pPr>
+            <a:endParaRPr lang="en-GB" dirty="0">
+              <a:latin typeface="Segoe UI" panose="020B0502040204020203" pitchFamily="34" charset="0"/>
+              <a:cs typeface="Segoe UI" panose="020B0502040204020203" pitchFamily="34" charset="0"/>
+            </a:endParaRPr>
+          </a:p>
+          <a:p>
+            <a:endParaRPr lang="en-GB" dirty="0">
+              <a:latin typeface="Segoe UI" panose="020B0502040204020203" pitchFamily="34" charset="0"/>
+              <a:cs typeface="Segoe UI" panose="020B0502040204020203" pitchFamily="34" charset="0"/>
+            </a:endParaRPr>
           </a:p>
         </p:txBody>
       </p:sp>
     </p:spTree>
     <p:extLst>
       <p:ext uri="{BB962C8B-B14F-4D97-AF65-F5344CB8AC3E}">
-        <p14:creationId xmlns:p14="http://schemas.microsoft.com/office/powerpoint/2010/main" val="1395185159"/>
+        <p14:creationId xmlns:p14="http://schemas.microsoft.com/office/powerpoint/2010/main" val="3791855023"/>
       </p:ext>
     </p:extLst>
   </p:cSld>
@@ -9470,243 +9816,122 @@
           <a:chExt cx="0" cy="0"/>
         </a:xfrm>
       </p:grpSpPr>
-      <p:sp>
-        <p:nvSpPr>
-          <p:cNvPr id="2" name="Title 1">
-            <a:extLst>
-              <a:ext uri="{FF2B5EF4-FFF2-40B4-BE49-F238E27FC236}">
-                <a16:creationId xmlns:a16="http://schemas.microsoft.com/office/drawing/2014/main" id="{5D7568B3-EC9A-45DD-8A17-CFE685194B65}"/>
-              </a:ext>
-            </a:extLst>
-          </p:cNvPr>
-          <p:cNvSpPr>
-            <a:spLocks noGrp="1"/>
-          </p:cNvSpPr>
-          <p:nvPr>
-            <p:ph type="title"/>
-          </p:nvPr>
-        </p:nvSpPr>
+      <p:pic>
+        <p:nvPicPr>
+          <p:cNvPr id="5" name="Picture 4" descr="A picture containing food&#10;&#10;Description automatically generated">
+            <a:extLst>
+              <a:ext uri="{FF2B5EF4-FFF2-40B4-BE49-F238E27FC236}">
+                <a16:creationId xmlns:a16="http://schemas.microsoft.com/office/drawing/2014/main" id="{8E85D67E-6196-4971-9517-B5CA032300BF}"/>
+              </a:ext>
+            </a:extLst>
+          </p:cNvPr>
+          <p:cNvPicPr>
+            <a:picLocks noChangeAspect="1"/>
+          </p:cNvPicPr>
+          <p:nvPr/>
+        </p:nvPicPr>
+        <p:blipFill>
+          <a:blip r:embed="rId2">
+            <a:extLst>
+              <a:ext uri="{28A0092B-C50C-407E-A947-70E740481C1C}">
+                <a14:useLocalDpi xmlns:a14="http://schemas.microsoft.com/office/drawing/2010/main" val="0"/>
+              </a:ext>
+            </a:extLst>
+          </a:blip>
+          <a:stretch>
+            <a:fillRect/>
+          </a:stretch>
+        </p:blipFill>
         <p:spPr>
           <a:xfrm>
-            <a:off x="838200" y="0"/>
-            <a:ext cx="10515600" cy="1325563"/>
-          </a:xfrm>
-          <a:solidFill>
-            <a:srgbClr val="2196F3"/>
-          </a:solidFill>
-        </p:spPr>
-        <p:txBody>
-          <a:bodyPr>
-            <a:normAutofit/>
+            <a:off x="2399693" y="1093664"/>
+            <a:ext cx="7234921" cy="5444100"/>
+          </a:xfrm>
+          <a:prstGeom prst="rect">
+            <a:avLst/>
+          </a:prstGeom>
+        </p:spPr>
+      </p:pic>
+      <p:sp>
+        <p:nvSpPr>
+          <p:cNvPr id="6" name="TextBox 5">
+            <a:extLst>
+              <a:ext uri="{FF2B5EF4-FFF2-40B4-BE49-F238E27FC236}">
+                <a16:creationId xmlns:a16="http://schemas.microsoft.com/office/drawing/2014/main" id="{95FBBC3D-9FC0-49E9-BA50-3C94DE833DEC}"/>
+              </a:ext>
+            </a:extLst>
+          </p:cNvPr>
+          <p:cNvSpPr txBox="1"/>
+          <p:nvPr/>
+        </p:nvSpPr>
+        <p:spPr>
+          <a:xfrm>
+            <a:off x="2292221" y="120181"/>
+            <a:ext cx="7607558" cy="400110"/>
+          </a:xfrm>
+          <a:prstGeom prst="rect">
+            <a:avLst/>
+          </a:prstGeom>
+          <a:noFill/>
+        </p:spPr>
+        <p:txBody>
+          <a:bodyPr wrap="square" rtlCol="0">
+            <a:spAutoFit/>
           </a:bodyPr>
           <a:lstStyle/>
           <a:p>
-            <a:pPr algn="ctr"/>
-            <a:r>
-              <a:rPr lang="en-GB" sz="6600" dirty="0">
-                <a:solidFill>
-                  <a:schemeClr val="bg1"/>
-                </a:solidFill>
-                <a:latin typeface="Segoe UI" panose="020B0502040204020203" pitchFamily="34" charset="0"/>
-                <a:cs typeface="Segoe UI" panose="020B0502040204020203" pitchFamily="34" charset="0"/>
-              </a:rPr>
-              <a:t>Micro Apps/Services</a:t>
-            </a:r>
-          </a:p>
-        </p:txBody>
-      </p:sp>
-      <p:sp>
-        <p:nvSpPr>
-          <p:cNvPr id="4" name="Content Placeholder 2">
-            <a:extLst>
-              <a:ext uri="{FF2B5EF4-FFF2-40B4-BE49-F238E27FC236}">
-                <a16:creationId xmlns:a16="http://schemas.microsoft.com/office/drawing/2014/main" id="{088CCB65-11B4-408B-9ED3-1304FE85032F}"/>
-              </a:ext>
-            </a:extLst>
-          </p:cNvPr>
-          <p:cNvSpPr>
-            <a:spLocks noGrp="1"/>
-          </p:cNvSpPr>
-          <p:nvPr>
-            <p:ph idx="1"/>
-          </p:nvPr>
+            <a:r>
+              <a:rPr lang="en-GB" sz="2000" b="1" dirty="0">
+                <a:latin typeface="Segoe UI" panose="020B0502040204020203" pitchFamily="34" charset="0"/>
+                <a:cs typeface="Segoe UI" panose="020B0502040204020203" pitchFamily="34" charset="0"/>
+              </a:rPr>
+              <a:t>International JS Conference London 2018 – Key Note Speech</a:t>
+            </a:r>
+          </a:p>
+        </p:txBody>
+      </p:sp>
+      <p:sp>
+        <p:nvSpPr>
+          <p:cNvPr id="2" name="TextBox 1">
+            <a:extLst>
+              <a:ext uri="{FF2B5EF4-FFF2-40B4-BE49-F238E27FC236}">
+                <a16:creationId xmlns:a16="http://schemas.microsoft.com/office/drawing/2014/main" id="{56E8DDCB-DB29-4087-BEFF-1986F270992A}"/>
+              </a:ext>
+            </a:extLst>
+          </p:cNvPr>
+          <p:cNvSpPr txBox="1"/>
+          <p:nvPr/>
         </p:nvSpPr>
         <p:spPr>
           <a:xfrm>
-            <a:off x="838200" y="1325563"/>
-            <a:ext cx="10515600" cy="4919125"/>
-          </a:xfrm>
-        </p:spPr>
-        <p:txBody>
-          <a:bodyPr wrap="square" bIns="252000">
-            <a:normAutofit fontScale="92500" lnSpcReduction="20000"/>
+            <a:off x="2292221" y="622311"/>
+            <a:ext cx="7021586" cy="369332"/>
+          </a:xfrm>
+          <a:prstGeom prst="rect">
+            <a:avLst/>
+          </a:prstGeom>
+          <a:noFill/>
+        </p:spPr>
+        <p:txBody>
+          <a:bodyPr wrap="square" rtlCol="0">
+            <a:spAutoFit/>
           </a:bodyPr>
           <a:lstStyle/>
           <a:p>
-            <a:pPr marL="457200" lvl="1" indent="0">
-              <a:buNone/>
-            </a:pPr>
-            <a:endParaRPr lang="en-GB" sz="300" dirty="0">
-              <a:solidFill>
-                <a:srgbClr val="2196F3"/>
-              </a:solidFill>
-              <a:latin typeface="Segoe UI" panose="020B0502040204020203" pitchFamily="34" charset="0"/>
-              <a:cs typeface="Segoe UI" panose="020B0502040204020203" pitchFamily="34" charset="0"/>
-            </a:endParaRPr>
-          </a:p>
-          <a:p>
-            <a:pPr marL="457200" lvl="1" indent="0">
-              <a:buNone/>
-            </a:pPr>
-            <a:endParaRPr lang="en-GB" sz="1400" dirty="0">
-              <a:solidFill>
-                <a:srgbClr val="2196F3"/>
-              </a:solidFill>
-              <a:latin typeface="Segoe UI" panose="020B0502040204020203" pitchFamily="34" charset="0"/>
-              <a:cs typeface="Segoe UI" panose="020B0502040204020203" pitchFamily="34" charset="0"/>
-            </a:endParaRPr>
-          </a:p>
-          <a:p>
-            <a:pPr marL="457200" lvl="1" indent="0">
-              <a:buNone/>
-            </a:pPr>
-            <a:r>
-              <a:rPr lang="en-GB" sz="3600" b="1" dirty="0">
-                <a:solidFill>
-                  <a:srgbClr val="2196F3"/>
-                </a:solidFill>
-                <a:latin typeface="Segoe UI" panose="020B0502040204020203" pitchFamily="34" charset="0"/>
-                <a:cs typeface="Segoe UI" panose="020B0502040204020203" pitchFamily="34" charset="0"/>
-              </a:rPr>
-              <a:t>Micro App: </a:t>
-            </a:r>
-          </a:p>
-          <a:p>
-            <a:pPr marL="457200" lvl="1" indent="0">
-              <a:buNone/>
-            </a:pPr>
-            <a:r>
-              <a:rPr lang="en-GB" sz="3600" dirty="0">
-                <a:solidFill>
-                  <a:srgbClr val="2196F3"/>
-                </a:solidFill>
-                <a:latin typeface="Segoe UI" panose="020B0502040204020203" pitchFamily="34" charset="0"/>
-                <a:cs typeface="Segoe UI" panose="020B0502040204020203" pitchFamily="34" charset="0"/>
-              </a:rPr>
-              <a:t>A microapp is an interactive software module designed to perform like a full coded application or website. (Wikipedia)</a:t>
-            </a:r>
-          </a:p>
-          <a:p>
-            <a:pPr marL="457200" lvl="1" indent="0">
-              <a:buNone/>
-            </a:pPr>
-            <a:endParaRPr lang="en-GB" sz="1100" dirty="0">
-              <a:solidFill>
-                <a:srgbClr val="2196F3"/>
-              </a:solidFill>
-              <a:latin typeface="Segoe UI" panose="020B0502040204020203" pitchFamily="34" charset="0"/>
-              <a:cs typeface="Segoe UI" panose="020B0502040204020203" pitchFamily="34" charset="0"/>
-            </a:endParaRPr>
-          </a:p>
-          <a:p>
-            <a:pPr marL="457200" lvl="1" indent="0">
-              <a:buNone/>
-            </a:pPr>
-            <a:r>
-              <a:rPr lang="en-GB" sz="3600" b="1" dirty="0">
-                <a:solidFill>
-                  <a:srgbClr val="2196F3"/>
-                </a:solidFill>
-                <a:latin typeface="Segoe UI" panose="020B0502040204020203" pitchFamily="34" charset="0"/>
-                <a:cs typeface="Segoe UI" panose="020B0502040204020203" pitchFamily="34" charset="0"/>
-              </a:rPr>
-              <a:t>Micro Service:</a:t>
-            </a:r>
-          </a:p>
-          <a:p>
-            <a:pPr marL="457200" lvl="1" indent="0">
-              <a:buNone/>
-            </a:pPr>
-            <a:r>
-              <a:rPr lang="en-GB" sz="3600" dirty="0">
-                <a:solidFill>
-                  <a:srgbClr val="2196F3"/>
-                </a:solidFill>
-                <a:latin typeface="Segoe UI" panose="020B0502040204020203" pitchFamily="34" charset="0"/>
-                <a:cs typeface="Segoe UI" panose="020B0502040204020203" pitchFamily="34" charset="0"/>
-              </a:rPr>
-              <a:t>A self-contained piece of business functionality with clear interfaces - "Do one thing and do it well". (Paraphrased from Wikipedia)</a:t>
-            </a:r>
-          </a:p>
-          <a:p>
-            <a:pPr marL="457200" lvl="1" indent="0">
-              <a:buNone/>
-            </a:pPr>
-            <a:endParaRPr lang="en-GB" sz="3600" dirty="0">
-              <a:solidFill>
-                <a:srgbClr val="2196F3"/>
-              </a:solidFill>
-              <a:latin typeface="Segoe UI" panose="020B0502040204020203" pitchFamily="34" charset="0"/>
-              <a:cs typeface="Segoe UI" panose="020B0502040204020203" pitchFamily="34" charset="0"/>
-            </a:endParaRPr>
-          </a:p>
-          <a:p>
-            <a:pPr marL="457200" lvl="1" indent="0">
-              <a:buNone/>
-            </a:pPr>
-            <a:r>
-              <a:rPr lang="en-GB" sz="5800" dirty="0">
-                <a:solidFill>
-                  <a:srgbClr val="2196F3"/>
-                </a:solidFill>
-                <a:latin typeface="Segoe UI" panose="020B0502040204020203" pitchFamily="34" charset="0"/>
-                <a:cs typeface="Segoe UI" panose="020B0502040204020203" pitchFamily="34" charset="0"/>
-              </a:rPr>
-              <a:t>or…</a:t>
-            </a:r>
-          </a:p>
-          <a:p>
-            <a:pPr marL="457200" lvl="1" indent="0">
-              <a:buNone/>
-            </a:pPr>
-            <a:endParaRPr lang="en-GB" sz="1600" dirty="0">
-              <a:solidFill>
-                <a:srgbClr val="2196F3"/>
-              </a:solidFill>
-              <a:latin typeface="Segoe UI" panose="020B0502040204020203" pitchFamily="34" charset="0"/>
-              <a:cs typeface="Segoe UI" panose="020B0502040204020203" pitchFamily="34" charset="0"/>
-            </a:endParaRPr>
-          </a:p>
-          <a:p>
-            <a:pPr marL="457200" lvl="1" indent="0">
-              <a:buNone/>
-            </a:pPr>
-            <a:endParaRPr lang="en-GB" sz="3600" dirty="0">
-              <a:latin typeface="Segoe UI" panose="020B0502040204020203" pitchFamily="34" charset="0"/>
-              <a:cs typeface="Segoe UI" panose="020B0502040204020203" pitchFamily="34" charset="0"/>
-            </a:endParaRPr>
-          </a:p>
-          <a:p>
-            <a:pPr marL="0" indent="0">
-              <a:buNone/>
-            </a:pPr>
-            <a:endParaRPr lang="en-GB" dirty="0">
-              <a:latin typeface="Segoe UI" panose="020B0502040204020203" pitchFamily="34" charset="0"/>
-              <a:cs typeface="Segoe UI" panose="020B0502040204020203" pitchFamily="34" charset="0"/>
-            </a:endParaRPr>
-          </a:p>
-          <a:p>
-            <a:endParaRPr lang="en-GB" dirty="0">
-              <a:latin typeface="Segoe UI" panose="020B0502040204020203" pitchFamily="34" charset="0"/>
-              <a:cs typeface="Segoe UI" panose="020B0502040204020203" pitchFamily="34" charset="0"/>
-            </a:endParaRPr>
+            <a:r>
+              <a:rPr lang="en-GB" b="1" dirty="0">
+                <a:hlinkClick r:id="rId3"/>
+              </a:rPr>
+              <a:t>https://www.youtube.com/watch?v=1KJQurclLdw</a:t>
+            </a:r>
+            <a:endParaRPr lang="en-GB" b="1" dirty="0"/>
           </a:p>
         </p:txBody>
       </p:sp>
     </p:spTree>
     <p:extLst>
       <p:ext uri="{BB962C8B-B14F-4D97-AF65-F5344CB8AC3E}">
-        <p14:creationId xmlns:p14="http://schemas.microsoft.com/office/powerpoint/2010/main" val="4063029811"/>
+        <p14:creationId xmlns:p14="http://schemas.microsoft.com/office/powerpoint/2010/main" val="1395185159"/>
       </p:ext>
     </p:extLst>
   </p:cSld>
@@ -9802,7 +10027,7 @@
         </p:spPr>
         <p:txBody>
           <a:bodyPr wrap="square" bIns="252000">
-            <a:normAutofit/>
+            <a:normAutofit fontScale="92500" lnSpcReduction="20000"/>
           </a:bodyPr>
           <a:lstStyle/>
           <a:p>
@@ -9833,6 +10058,105 @@
             <a:pPr marL="457200" lvl="1" indent="0">
               <a:buNone/>
             </a:pPr>
+            <a:r>
+              <a:rPr lang="en-GB" sz="3600" b="1" dirty="0">
+                <a:solidFill>
+                  <a:srgbClr val="2196F3"/>
+                </a:solidFill>
+                <a:latin typeface="Segoe UI" panose="020B0502040204020203" pitchFamily="34" charset="0"/>
+                <a:cs typeface="Segoe UI" panose="020B0502040204020203" pitchFamily="34" charset="0"/>
+              </a:rPr>
+              <a:t>Micro App: </a:t>
+            </a:r>
+          </a:p>
+          <a:p>
+            <a:pPr marL="457200" lvl="1" indent="0">
+              <a:buNone/>
+            </a:pPr>
+            <a:r>
+              <a:rPr lang="en-GB" sz="3600" dirty="0">
+                <a:solidFill>
+                  <a:srgbClr val="2196F3"/>
+                </a:solidFill>
+                <a:latin typeface="Segoe UI" panose="020B0502040204020203" pitchFamily="34" charset="0"/>
+                <a:cs typeface="Segoe UI" panose="020B0502040204020203" pitchFamily="34" charset="0"/>
+              </a:rPr>
+              <a:t>A microapp is an interactive software module designed to perform like a full coded application or website. (Wikipedia)</a:t>
+            </a:r>
+          </a:p>
+          <a:p>
+            <a:pPr marL="457200" lvl="1" indent="0">
+              <a:buNone/>
+            </a:pPr>
+            <a:endParaRPr lang="en-GB" sz="1100" dirty="0">
+              <a:solidFill>
+                <a:srgbClr val="2196F3"/>
+              </a:solidFill>
+              <a:latin typeface="Segoe UI" panose="020B0502040204020203" pitchFamily="34" charset="0"/>
+              <a:cs typeface="Segoe UI" panose="020B0502040204020203" pitchFamily="34" charset="0"/>
+            </a:endParaRPr>
+          </a:p>
+          <a:p>
+            <a:pPr marL="457200" lvl="1" indent="0">
+              <a:buNone/>
+            </a:pPr>
+            <a:r>
+              <a:rPr lang="en-GB" sz="3600" b="1" dirty="0">
+                <a:solidFill>
+                  <a:srgbClr val="2196F3"/>
+                </a:solidFill>
+                <a:latin typeface="Segoe UI" panose="020B0502040204020203" pitchFamily="34" charset="0"/>
+                <a:cs typeface="Segoe UI" panose="020B0502040204020203" pitchFamily="34" charset="0"/>
+              </a:rPr>
+              <a:t>Micro Service:</a:t>
+            </a:r>
+          </a:p>
+          <a:p>
+            <a:pPr marL="457200" lvl="1" indent="0">
+              <a:buNone/>
+            </a:pPr>
+            <a:r>
+              <a:rPr lang="en-GB" sz="3600" dirty="0">
+                <a:solidFill>
+                  <a:srgbClr val="2196F3"/>
+                </a:solidFill>
+                <a:latin typeface="Segoe UI" panose="020B0502040204020203" pitchFamily="34" charset="0"/>
+                <a:cs typeface="Segoe UI" panose="020B0502040204020203" pitchFamily="34" charset="0"/>
+              </a:rPr>
+              <a:t>A self-contained piece of business functionality with clear interfaces - "Do one thing and do it well". (Paraphrased from Wikipedia)</a:t>
+            </a:r>
+          </a:p>
+          <a:p>
+            <a:pPr marL="457200" lvl="1" indent="0">
+              <a:buNone/>
+            </a:pPr>
+            <a:endParaRPr lang="en-GB" sz="3600" dirty="0">
+              <a:solidFill>
+                <a:srgbClr val="2196F3"/>
+              </a:solidFill>
+              <a:latin typeface="Segoe UI" panose="020B0502040204020203" pitchFamily="34" charset="0"/>
+              <a:cs typeface="Segoe UI" panose="020B0502040204020203" pitchFamily="34" charset="0"/>
+            </a:endParaRPr>
+          </a:p>
+          <a:p>
+            <a:pPr marL="457200" lvl="1" indent="0">
+              <a:buNone/>
+            </a:pPr>
+            <a:r>
+              <a:rPr lang="en-GB" sz="5800" dirty="0">
+                <a:solidFill>
+                  <a:srgbClr val="2196F3"/>
+                </a:solidFill>
+                <a:latin typeface="Segoe UI" panose="020B0502040204020203" pitchFamily="34" charset="0"/>
+                <a:cs typeface="Segoe UI" panose="020B0502040204020203" pitchFamily="34" charset="0"/>
+              </a:rPr>
+              <a:t>or…</a:t>
+            </a:r>
+          </a:p>
+          <a:p>
+            <a:pPr marL="457200" lvl="1" indent="0">
+              <a:buNone/>
+            </a:pPr>
             <a:endParaRPr lang="en-GB" sz="1600" dirty="0">
               <a:solidFill>
                 <a:srgbClr val="2196F3"/>
@@ -9867,198 +10191,10 @@
           </a:p>
         </p:txBody>
       </p:sp>
-      <p:pic>
-        <p:nvPicPr>
-          <p:cNvPr id="5" name="Picture 4" descr="Graphical user interface, website, PowerPoint&#10;&#10;Description automatically generated">
-            <a:extLst>
-              <a:ext uri="{FF2B5EF4-FFF2-40B4-BE49-F238E27FC236}">
-                <a16:creationId xmlns:a16="http://schemas.microsoft.com/office/drawing/2014/main" id="{E16C6833-4337-4749-A61C-1BAE4E255728}"/>
-              </a:ext>
-            </a:extLst>
-          </p:cNvPr>
-          <p:cNvPicPr>
-            <a:picLocks noChangeAspect="1"/>
-          </p:cNvPicPr>
-          <p:nvPr/>
-        </p:nvPicPr>
-        <p:blipFill>
-          <a:blip r:embed="rId2">
-            <a:extLst>
-              <a:ext uri="{28A0092B-C50C-407E-A947-70E740481C1C}">
-                <a14:useLocalDpi xmlns:a14="http://schemas.microsoft.com/office/drawing/2010/main" val="0"/>
-              </a:ext>
-            </a:extLst>
-          </a:blip>
-          <a:stretch>
-            <a:fillRect/>
-          </a:stretch>
-        </p:blipFill>
-        <p:spPr>
-          <a:xfrm>
-            <a:off x="117446" y="0"/>
-            <a:ext cx="12192000" cy="6858000"/>
-          </a:xfrm>
-          <a:prstGeom prst="rect">
-            <a:avLst/>
-          </a:prstGeom>
-        </p:spPr>
-      </p:pic>
-      <p:sp>
-        <p:nvSpPr>
-          <p:cNvPr id="3" name="TextBox 2">
-            <a:extLst>
-              <a:ext uri="{FF2B5EF4-FFF2-40B4-BE49-F238E27FC236}">
-                <a16:creationId xmlns:a16="http://schemas.microsoft.com/office/drawing/2014/main" id="{DF08594F-9984-44EA-9571-BDA236DC2F32}"/>
-              </a:ext>
-            </a:extLst>
-          </p:cNvPr>
-          <p:cNvSpPr txBox="1"/>
-          <p:nvPr/>
-        </p:nvSpPr>
-        <p:spPr>
-          <a:xfrm>
-            <a:off x="4769141" y="3271706"/>
-            <a:ext cx="3078760" cy="523220"/>
-          </a:xfrm>
-          <a:prstGeom prst="rect">
-            <a:avLst/>
-          </a:prstGeom>
-          <a:noFill/>
-        </p:spPr>
-        <p:txBody>
-          <a:bodyPr wrap="square" rtlCol="0">
-            <a:spAutoFit/>
-          </a:bodyPr>
-          <a:lstStyle/>
-          <a:p>
-            <a:r>
-              <a:rPr lang="en-GB" sz="2800" dirty="0"/>
-              <a:t>Single Purpose</a:t>
-            </a:r>
-          </a:p>
-        </p:txBody>
-      </p:sp>
-      <p:sp>
-        <p:nvSpPr>
-          <p:cNvPr id="6" name="TextBox 5">
-            <a:extLst>
-              <a:ext uri="{FF2B5EF4-FFF2-40B4-BE49-F238E27FC236}">
-                <a16:creationId xmlns:a16="http://schemas.microsoft.com/office/drawing/2014/main" id="{8C2A1792-5D4E-425D-B940-136572290B4C}"/>
-              </a:ext>
-            </a:extLst>
-          </p:cNvPr>
-          <p:cNvSpPr txBox="1"/>
-          <p:nvPr/>
-        </p:nvSpPr>
-        <p:spPr>
-          <a:xfrm>
-            <a:off x="4778928" y="3883452"/>
-            <a:ext cx="3762463" cy="523220"/>
-          </a:xfrm>
-          <a:prstGeom prst="rect">
-            <a:avLst/>
-          </a:prstGeom>
-          <a:noFill/>
-        </p:spPr>
-        <p:txBody>
-          <a:bodyPr wrap="square" rtlCol="0">
-            <a:spAutoFit/>
-          </a:bodyPr>
-          <a:lstStyle/>
-          <a:p>
-            <a:r>
-              <a:rPr lang="en-GB" sz="2800" dirty="0"/>
-              <a:t>Connect</a:t>
-            </a:r>
-            <a:r>
-              <a:rPr lang="en-GB" sz="2400" dirty="0"/>
-              <a:t> only through APIs</a:t>
-            </a:r>
-          </a:p>
-        </p:txBody>
-      </p:sp>
-      <p:sp>
-        <p:nvSpPr>
-          <p:cNvPr id="7" name="TextBox 6">
-            <a:extLst>
-              <a:ext uri="{FF2B5EF4-FFF2-40B4-BE49-F238E27FC236}">
-                <a16:creationId xmlns:a16="http://schemas.microsoft.com/office/drawing/2014/main" id="{ADE2F14E-799B-424B-80F9-2F8F2907C9EB}"/>
-              </a:ext>
-            </a:extLst>
-          </p:cNvPr>
-          <p:cNvSpPr txBox="1"/>
-          <p:nvPr/>
-        </p:nvSpPr>
-        <p:spPr>
-          <a:xfrm>
-            <a:off x="4778928" y="4556753"/>
-            <a:ext cx="3492617" cy="523220"/>
-          </a:xfrm>
-          <a:prstGeom prst="rect">
-            <a:avLst/>
-          </a:prstGeom>
-          <a:noFill/>
-        </p:spPr>
-        <p:txBody>
-          <a:bodyPr wrap="square" rtlCol="0">
-            <a:spAutoFit/>
-          </a:bodyPr>
-          <a:lstStyle/>
-          <a:p>
-            <a:r>
-              <a:rPr lang="en-GB" sz="2800" dirty="0"/>
-              <a:t>Connect over HTTPS</a:t>
-            </a:r>
-          </a:p>
-        </p:txBody>
-      </p:sp>
-      <p:sp>
-        <p:nvSpPr>
-          <p:cNvPr id="8" name="TextBox 7">
-            <a:extLst>
-              <a:ext uri="{FF2B5EF4-FFF2-40B4-BE49-F238E27FC236}">
-                <a16:creationId xmlns:a16="http://schemas.microsoft.com/office/drawing/2014/main" id="{C04F7F11-50E9-43AF-AA6A-5BBB87CAFC93}"/>
-              </a:ext>
-            </a:extLst>
-          </p:cNvPr>
-          <p:cNvSpPr txBox="1"/>
-          <p:nvPr/>
-        </p:nvSpPr>
-        <p:spPr>
-          <a:xfrm>
-            <a:off x="4778928" y="5120489"/>
-            <a:ext cx="3826778" cy="646331"/>
-          </a:xfrm>
-          <a:prstGeom prst="rect">
-            <a:avLst/>
-          </a:prstGeom>
-          <a:noFill/>
-        </p:spPr>
-        <p:txBody>
-          <a:bodyPr wrap="square" rtlCol="0">
-            <a:spAutoFit/>
-          </a:bodyPr>
-          <a:lstStyle/>
-          <a:p>
-            <a:r>
-              <a:rPr lang="en-GB" sz="2800" dirty="0"/>
-              <a:t>= “</a:t>
-            </a:r>
-            <a:r>
-              <a:rPr lang="en-GB" sz="3600" dirty="0"/>
-              <a:t>MICROSERVICES</a:t>
-            </a:r>
-            <a:r>
-              <a:rPr lang="en-GB" sz="2800" dirty="0"/>
-              <a:t>”</a:t>
-            </a:r>
-          </a:p>
-        </p:txBody>
-      </p:sp>
     </p:spTree>
     <p:extLst>
       <p:ext uri="{BB962C8B-B14F-4D97-AF65-F5344CB8AC3E}">
-        <p14:creationId xmlns:p14="http://schemas.microsoft.com/office/powerpoint/2010/main" val="3503397134"/>
+        <p14:creationId xmlns:p14="http://schemas.microsoft.com/office/powerpoint/2010/main" val="4063029811"/>
       </p:ext>
     </p:extLst>
   </p:cSld>
@@ -10125,7 +10261,7 @@
                 <a:latin typeface="Segoe UI" panose="020B0502040204020203" pitchFamily="34" charset="0"/>
                 <a:cs typeface="Segoe UI" panose="020B0502040204020203" pitchFamily="34" charset="0"/>
               </a:rPr>
-              <a:t>www.JSconf.demo</a:t>
+              <a:t>Micro Apps/Services</a:t>
             </a:r>
           </a:p>
         </p:txBody>
@@ -10154,7 +10290,7 @@
         </p:spPr>
         <p:txBody>
           <a:bodyPr wrap="square" bIns="252000">
-            <a:normAutofit fontScale="92500" lnSpcReduction="10000"/>
+            <a:normAutofit/>
           </a:bodyPr>
           <a:lstStyle/>
           <a:p>
@@ -10173,28 +10309,13 @@
             <a:pPr marL="457200" lvl="1" indent="0">
               <a:buNone/>
             </a:pPr>
-            <a:endParaRPr lang="en-GB" sz="100" dirty="0">
+            <a:endParaRPr lang="en-GB" sz="1400" dirty="0">
               <a:solidFill>
                 <a:srgbClr val="2196F3"/>
               </a:solidFill>
               <a:latin typeface="Segoe UI" panose="020B0502040204020203" pitchFamily="34" charset="0"/>
               <a:cs typeface="Segoe UI" panose="020B0502040204020203" pitchFamily="34" charset="0"/>
             </a:endParaRPr>
-          </a:p>
-          <a:p>
-            <a:pPr marL="457200" lvl="1" indent="0">
-              <a:buNone/>
-            </a:pPr>
-            <a:r>
-              <a:rPr lang="en-GB" sz="3600" dirty="0">
-                <a:solidFill>
-                  <a:srgbClr val="2196F3"/>
-                </a:solidFill>
-                <a:latin typeface="Segoe UI" panose="020B0502040204020203" pitchFamily="34" charset="0"/>
-                <a:cs typeface="Segoe UI" panose="020B0502040204020203" pitchFamily="34" charset="0"/>
-              </a:rPr>
-              <a:t>Create an app that finds all conferences, enables booking place, booking flight and hotel along with a travel blog of that city. Finally, does some very heavy calculations on which attendees one will have things in common:</a:t>
-            </a:r>
           </a:p>
           <a:p>
             <a:pPr marL="457200" lvl="1" indent="0">
@@ -10209,56 +10330,18 @@
             </a:endParaRPr>
           </a:p>
           <a:p>
-            <a:pPr lvl="1"/>
-            <a:r>
-              <a:rPr lang="en-GB" sz="2800" dirty="0">
-                <a:latin typeface="Segoe UI" panose="020B0502040204020203" pitchFamily="34" charset="0"/>
-                <a:cs typeface="Segoe UI" panose="020B0502040204020203" pitchFamily="34" charset="0"/>
-              </a:rPr>
-              <a:t>&lt;show-all-conferences /&gt; ‘Angular’</a:t>
-            </a:r>
-          </a:p>
-          <a:p>
-            <a:pPr lvl="1"/>
-            <a:r>
-              <a:rPr lang="en-GB" sz="2800" dirty="0">
-                <a:latin typeface="Segoe UI" panose="020B0502040204020203" pitchFamily="34" charset="0"/>
-                <a:cs typeface="Segoe UI" panose="020B0502040204020203" pitchFamily="34" charset="0"/>
-              </a:rPr>
-              <a:t>&lt;select-book-place /&gt; ‘Vue’</a:t>
-            </a:r>
-          </a:p>
-          <a:p>
-            <a:pPr lvl="1"/>
-            <a:r>
-              <a:rPr lang="en-GB" sz="2800" dirty="0">
-                <a:latin typeface="Segoe UI" panose="020B0502040204020203" pitchFamily="34" charset="0"/>
-                <a:cs typeface="Segoe UI" panose="020B0502040204020203" pitchFamily="34" charset="0"/>
-              </a:rPr>
-              <a:t>&lt;book-flight-hotel /&gt; ‘React’</a:t>
-            </a:r>
-          </a:p>
-          <a:p>
-            <a:pPr lvl="1"/>
-            <a:r>
-              <a:rPr lang="en-GB" sz="2800" dirty="0">
-                <a:latin typeface="Segoe UI" panose="020B0502040204020203" pitchFamily="34" charset="0"/>
-                <a:cs typeface="Segoe UI" panose="020B0502040204020203" pitchFamily="34" charset="0"/>
-              </a:rPr>
-              <a:t>&lt;show-blog-for-city /&gt; ‘WordPress’</a:t>
-            </a:r>
-          </a:p>
-          <a:p>
-            <a:pPr lvl="1"/>
-            <a:r>
-              <a:rPr lang="en-GB" sz="2800" dirty="0">
-                <a:latin typeface="Segoe UI" panose="020B0502040204020203" pitchFamily="34" charset="0"/>
-                <a:cs typeface="Segoe UI" panose="020B0502040204020203" pitchFamily="34" charset="0"/>
-              </a:rPr>
-              <a:t>&lt;show-people-connections /&gt; ‘Web Assembly’</a:t>
-            </a:r>
-          </a:p>
-          <a:p>
+            <a:pPr marL="457200" lvl="1" indent="0">
+              <a:buNone/>
+            </a:pPr>
+            <a:endParaRPr lang="en-GB" sz="3600" dirty="0">
+              <a:latin typeface="Segoe UI" panose="020B0502040204020203" pitchFamily="34" charset="0"/>
+              <a:cs typeface="Segoe UI" panose="020B0502040204020203" pitchFamily="34" charset="0"/>
+            </a:endParaRPr>
+          </a:p>
+          <a:p>
+            <a:pPr marL="0" indent="0">
+              <a:buNone/>
+            </a:pPr>
             <a:endParaRPr lang="en-GB" dirty="0">
               <a:latin typeface="Segoe UI" panose="020B0502040204020203" pitchFamily="34" charset="0"/>
               <a:cs typeface="Segoe UI" panose="020B0502040204020203" pitchFamily="34" charset="0"/>
@@ -10272,10 +10355,279 @@
           </a:p>
         </p:txBody>
       </p:sp>
+      <p:pic>
+        <p:nvPicPr>
+          <p:cNvPr id="5" name="Picture 4" descr="Graphical user interface, website, PowerPoint&#10;&#10;Description automatically generated">
+            <a:extLst>
+              <a:ext uri="{FF2B5EF4-FFF2-40B4-BE49-F238E27FC236}">
+                <a16:creationId xmlns:a16="http://schemas.microsoft.com/office/drawing/2014/main" id="{E16C6833-4337-4749-A61C-1BAE4E255728}"/>
+              </a:ext>
+            </a:extLst>
+          </p:cNvPr>
+          <p:cNvPicPr>
+            <a:picLocks noChangeAspect="1"/>
+          </p:cNvPicPr>
+          <p:nvPr/>
+        </p:nvPicPr>
+        <p:blipFill>
+          <a:blip r:embed="rId2">
+            <a:extLst>
+              <a:ext uri="{28A0092B-C50C-407E-A947-70E740481C1C}">
+                <a14:useLocalDpi xmlns:a14="http://schemas.microsoft.com/office/drawing/2010/main" val="0"/>
+              </a:ext>
+            </a:extLst>
+          </a:blip>
+          <a:stretch>
+            <a:fillRect/>
+          </a:stretch>
+        </p:blipFill>
+        <p:spPr>
+          <a:xfrm>
+            <a:off x="212521" y="0"/>
+            <a:ext cx="12192000" cy="6858000"/>
+          </a:xfrm>
+          <a:prstGeom prst="rect">
+            <a:avLst/>
+          </a:prstGeom>
+        </p:spPr>
+      </p:pic>
+      <p:sp>
+        <p:nvSpPr>
+          <p:cNvPr id="3" name="TextBox 2">
+            <a:extLst>
+              <a:ext uri="{FF2B5EF4-FFF2-40B4-BE49-F238E27FC236}">
+                <a16:creationId xmlns:a16="http://schemas.microsoft.com/office/drawing/2014/main" id="{DF08594F-9984-44EA-9571-BDA236DC2F32}"/>
+              </a:ext>
+            </a:extLst>
+          </p:cNvPr>
+          <p:cNvSpPr txBox="1"/>
+          <p:nvPr/>
+        </p:nvSpPr>
+        <p:spPr>
+          <a:xfrm>
+            <a:off x="4769141" y="3271706"/>
+            <a:ext cx="3078760" cy="523220"/>
+          </a:xfrm>
+          <a:prstGeom prst="rect">
+            <a:avLst/>
+          </a:prstGeom>
+          <a:noFill/>
+        </p:spPr>
+        <p:txBody>
+          <a:bodyPr wrap="square" rtlCol="0">
+            <a:spAutoFit/>
+          </a:bodyPr>
+          <a:lstStyle/>
+          <a:p>
+            <a:r>
+              <a:rPr lang="en-GB" sz="2800" dirty="0"/>
+              <a:t>Single Purpose</a:t>
+            </a:r>
+          </a:p>
+        </p:txBody>
+      </p:sp>
+      <p:sp>
+        <p:nvSpPr>
+          <p:cNvPr id="6" name="TextBox 5">
+            <a:extLst>
+              <a:ext uri="{FF2B5EF4-FFF2-40B4-BE49-F238E27FC236}">
+                <a16:creationId xmlns:a16="http://schemas.microsoft.com/office/drawing/2014/main" id="{8C2A1792-5D4E-425D-B940-136572290B4C}"/>
+              </a:ext>
+            </a:extLst>
+          </p:cNvPr>
+          <p:cNvSpPr txBox="1"/>
+          <p:nvPr/>
+        </p:nvSpPr>
+        <p:spPr>
+          <a:xfrm>
+            <a:off x="4778928" y="3883452"/>
+            <a:ext cx="3762463" cy="523220"/>
+          </a:xfrm>
+          <a:prstGeom prst="rect">
+            <a:avLst/>
+          </a:prstGeom>
+          <a:noFill/>
+        </p:spPr>
+        <p:txBody>
+          <a:bodyPr wrap="square" rtlCol="0">
+            <a:spAutoFit/>
+          </a:bodyPr>
+          <a:lstStyle/>
+          <a:p>
+            <a:r>
+              <a:rPr lang="en-GB" sz="2800" dirty="0"/>
+              <a:t>Connect</a:t>
+            </a:r>
+            <a:r>
+              <a:rPr lang="en-GB" sz="2400" dirty="0"/>
+              <a:t> only through APIs</a:t>
+            </a:r>
+          </a:p>
+        </p:txBody>
+      </p:sp>
+      <p:sp>
+        <p:nvSpPr>
+          <p:cNvPr id="7" name="TextBox 6">
+            <a:extLst>
+              <a:ext uri="{FF2B5EF4-FFF2-40B4-BE49-F238E27FC236}">
+                <a16:creationId xmlns:a16="http://schemas.microsoft.com/office/drawing/2014/main" id="{ADE2F14E-799B-424B-80F9-2F8F2907C9EB}"/>
+              </a:ext>
+            </a:extLst>
+          </p:cNvPr>
+          <p:cNvSpPr txBox="1"/>
+          <p:nvPr/>
+        </p:nvSpPr>
+        <p:spPr>
+          <a:xfrm>
+            <a:off x="4778928" y="4556753"/>
+            <a:ext cx="3492617" cy="523220"/>
+          </a:xfrm>
+          <a:prstGeom prst="rect">
+            <a:avLst/>
+          </a:prstGeom>
+          <a:noFill/>
+        </p:spPr>
+        <p:txBody>
+          <a:bodyPr wrap="square" rtlCol="0">
+            <a:spAutoFit/>
+          </a:bodyPr>
+          <a:lstStyle/>
+          <a:p>
+            <a:r>
+              <a:rPr lang="en-GB" sz="2800" dirty="0"/>
+              <a:t>Connect over HTTPS</a:t>
+            </a:r>
+          </a:p>
+        </p:txBody>
+      </p:sp>
+      <p:sp>
+        <p:nvSpPr>
+          <p:cNvPr id="8" name="TextBox 7">
+            <a:extLst>
+              <a:ext uri="{FF2B5EF4-FFF2-40B4-BE49-F238E27FC236}">
+                <a16:creationId xmlns:a16="http://schemas.microsoft.com/office/drawing/2014/main" id="{C04F7F11-50E9-43AF-AA6A-5BBB87CAFC93}"/>
+              </a:ext>
+            </a:extLst>
+          </p:cNvPr>
+          <p:cNvSpPr txBox="1"/>
+          <p:nvPr/>
+        </p:nvSpPr>
+        <p:spPr>
+          <a:xfrm>
+            <a:off x="4778928" y="5120489"/>
+            <a:ext cx="3826778" cy="646331"/>
+          </a:xfrm>
+          <a:prstGeom prst="rect">
+            <a:avLst/>
+          </a:prstGeom>
+          <a:noFill/>
+        </p:spPr>
+        <p:txBody>
+          <a:bodyPr wrap="square" rtlCol="0">
+            <a:spAutoFit/>
+          </a:bodyPr>
+          <a:lstStyle/>
+          <a:p>
+            <a:r>
+              <a:rPr lang="en-GB" sz="2800" dirty="0"/>
+              <a:t>= “</a:t>
+            </a:r>
+            <a:r>
+              <a:rPr lang="en-GB" sz="3600" dirty="0"/>
+              <a:t>MICROSERVICES</a:t>
+            </a:r>
+            <a:r>
+              <a:rPr lang="en-GB" sz="2800" dirty="0"/>
+              <a:t>”</a:t>
+            </a:r>
+          </a:p>
+        </p:txBody>
+      </p:sp>
+      <p:sp>
+        <p:nvSpPr>
+          <p:cNvPr id="9" name="TextBox 8">
+            <a:extLst>
+              <a:ext uri="{FF2B5EF4-FFF2-40B4-BE49-F238E27FC236}">
+                <a16:creationId xmlns:a16="http://schemas.microsoft.com/office/drawing/2014/main" id="{777E74FC-4DCD-46D6-8B87-40786E23899A}"/>
+              </a:ext>
+            </a:extLst>
+          </p:cNvPr>
+          <p:cNvSpPr txBox="1"/>
+          <p:nvPr/>
+        </p:nvSpPr>
+        <p:spPr>
+          <a:xfrm>
+            <a:off x="454403" y="1808547"/>
+            <a:ext cx="4324525" cy="461665"/>
+          </a:xfrm>
+          <a:prstGeom prst="rect">
+            <a:avLst/>
+          </a:prstGeom>
+          <a:noFill/>
+        </p:spPr>
+        <p:txBody>
+          <a:bodyPr wrap="square" rtlCol="0">
+            <a:spAutoFit/>
+          </a:bodyPr>
+          <a:lstStyle/>
+          <a:p>
+            <a:r>
+              <a:rPr lang="en-GB" sz="2400" i="1" dirty="0">
+                <a:solidFill>
+                  <a:schemeClr val="bg1"/>
+                </a:solidFill>
+              </a:rPr>
+              <a:t>Docs for all their Microservices</a:t>
+            </a:r>
+          </a:p>
+        </p:txBody>
+      </p:sp>
+      <p:cxnSp>
+        <p:nvCxnSpPr>
+          <p:cNvPr id="11" name="Straight Arrow Connector 10">
+            <a:extLst>
+              <a:ext uri="{FF2B5EF4-FFF2-40B4-BE49-F238E27FC236}">
+                <a16:creationId xmlns:a16="http://schemas.microsoft.com/office/drawing/2014/main" id="{454F5E00-D11E-4C46-B178-5034EF5E1CBF}"/>
+              </a:ext>
+            </a:extLst>
+          </p:cNvPr>
+          <p:cNvCxnSpPr/>
+          <p:nvPr/>
+        </p:nvCxnSpPr>
+        <p:spPr>
+          <a:xfrm>
+            <a:off x="1333850" y="2189527"/>
+            <a:ext cx="310392" cy="436227"/>
+          </a:xfrm>
+          <a:prstGeom prst="straightConnector1">
+            <a:avLst/>
+          </a:prstGeom>
+          <a:ln w="50800">
+            <a:solidFill>
+              <a:srgbClr val="FF0000"/>
+            </a:solidFill>
+            <a:tailEnd type="triangle"/>
+          </a:ln>
+        </p:spPr>
+        <p:style>
+          <a:lnRef idx="1">
+            <a:schemeClr val="accent1"/>
+          </a:lnRef>
+          <a:fillRef idx="0">
+            <a:schemeClr val="accent1"/>
+          </a:fillRef>
+          <a:effectRef idx="0">
+            <a:schemeClr val="accent1"/>
+          </a:effectRef>
+          <a:fontRef idx="minor">
+            <a:schemeClr val="tx1"/>
+          </a:fontRef>
+        </p:style>
+      </p:cxnSp>
     </p:spTree>
     <p:extLst>
       <p:ext uri="{BB962C8B-B14F-4D97-AF65-F5344CB8AC3E}">
-        <p14:creationId xmlns:p14="http://schemas.microsoft.com/office/powerpoint/2010/main" val="1171458869"/>
+        <p14:creationId xmlns:p14="http://schemas.microsoft.com/office/powerpoint/2010/main" val="3503397134"/>
       </p:ext>
     </p:extLst>
   </p:cSld>
@@ -10342,7 +10694,7 @@
                 <a:latin typeface="Segoe UI" panose="020B0502040204020203" pitchFamily="34" charset="0"/>
                 <a:cs typeface="Segoe UI" panose="020B0502040204020203" pitchFamily="34" charset="0"/>
               </a:rPr>
-              <a:t>Web Components</a:t>
+              <a:t>www.JSconf.demo</a:t>
             </a:r>
           </a:p>
         </p:txBody>
@@ -10371,7 +10723,7 @@
         </p:spPr>
         <p:txBody>
           <a:bodyPr wrap="square" bIns="252000">
-            <a:normAutofit/>
+            <a:normAutofit fontScale="92500"/>
           </a:bodyPr>
           <a:lstStyle/>
           <a:p>
@@ -10390,7 +10742,7 @@
             <a:pPr marL="457200" lvl="1" indent="0">
               <a:buNone/>
             </a:pPr>
-            <a:endParaRPr lang="en-GB" sz="1000" dirty="0">
+            <a:endParaRPr lang="en-GB" sz="100" dirty="0">
               <a:solidFill>
                 <a:srgbClr val="2196F3"/>
               </a:solidFill>
@@ -10403,129 +10755,130 @@
               <a:buNone/>
             </a:pPr>
             <a:r>
-              <a:rPr lang="en-GB" sz="3600" dirty="0">
+              <a:rPr lang="en-GB" sz="2800" dirty="0">
                 <a:solidFill>
                   <a:srgbClr val="2196F3"/>
                 </a:solidFill>
                 <a:latin typeface="Segoe UI" panose="020B0502040204020203" pitchFamily="34" charset="0"/>
                 <a:cs typeface="Segoe UI" panose="020B0502040204020203" pitchFamily="34" charset="0"/>
               </a:rPr>
-              <a:t>Who uses Web Components?</a:t>
+              <a:t>Create an app that </a:t>
+            </a:r>
+            <a:r>
+              <a:rPr lang="en-GB" sz="2800" b="1" dirty="0">
+                <a:solidFill>
+                  <a:srgbClr val="2196F3"/>
+                </a:solidFill>
+                <a:latin typeface="Segoe UI" panose="020B0502040204020203" pitchFamily="34" charset="0"/>
+                <a:cs typeface="Segoe UI" panose="020B0502040204020203" pitchFamily="34" charset="0"/>
+              </a:rPr>
+              <a:t>finds</a:t>
+            </a:r>
+            <a:r>
+              <a:rPr lang="en-GB" sz="2800" dirty="0">
+                <a:solidFill>
+                  <a:srgbClr val="2196F3"/>
+                </a:solidFill>
+                <a:latin typeface="Segoe UI" panose="020B0502040204020203" pitchFamily="34" charset="0"/>
+                <a:cs typeface="Segoe UI" panose="020B0502040204020203" pitchFamily="34" charset="0"/>
+              </a:rPr>
+              <a:t> all conferences, enables </a:t>
+            </a:r>
+            <a:r>
+              <a:rPr lang="en-GB" sz="2800" b="1" dirty="0">
+                <a:solidFill>
+                  <a:srgbClr val="2196F3"/>
+                </a:solidFill>
+                <a:latin typeface="Segoe UI" panose="020B0502040204020203" pitchFamily="34" charset="0"/>
+                <a:cs typeface="Segoe UI" panose="020B0502040204020203" pitchFamily="34" charset="0"/>
+              </a:rPr>
+              <a:t>booking place</a:t>
+            </a:r>
+            <a:r>
+              <a:rPr lang="en-GB" sz="2800" dirty="0">
+                <a:solidFill>
+                  <a:srgbClr val="2196F3"/>
+                </a:solidFill>
+                <a:latin typeface="Segoe UI" panose="020B0502040204020203" pitchFamily="34" charset="0"/>
+                <a:cs typeface="Segoe UI" panose="020B0502040204020203" pitchFamily="34" charset="0"/>
+              </a:rPr>
+              <a:t>, booking</a:t>
+            </a:r>
+            <a:r>
+              <a:rPr lang="en-GB" sz="2800" b="1" dirty="0">
+                <a:solidFill>
+                  <a:srgbClr val="2196F3"/>
+                </a:solidFill>
+                <a:latin typeface="Segoe UI" panose="020B0502040204020203" pitchFamily="34" charset="0"/>
+                <a:cs typeface="Segoe UI" panose="020B0502040204020203" pitchFamily="34" charset="0"/>
+              </a:rPr>
+              <a:t> flight and hotel </a:t>
+            </a:r>
+            <a:r>
+              <a:rPr lang="en-GB" sz="2800" dirty="0">
+                <a:solidFill>
+                  <a:srgbClr val="2196F3"/>
+                </a:solidFill>
+                <a:latin typeface="Segoe UI" panose="020B0502040204020203" pitchFamily="34" charset="0"/>
+                <a:cs typeface="Segoe UI" panose="020B0502040204020203" pitchFamily="34" charset="0"/>
+              </a:rPr>
+              <a:t>along with a </a:t>
+            </a:r>
+            <a:r>
+              <a:rPr lang="en-GB" sz="2800" b="1" dirty="0">
+                <a:solidFill>
+                  <a:srgbClr val="2196F3"/>
+                </a:solidFill>
+                <a:latin typeface="Segoe UI" panose="020B0502040204020203" pitchFamily="34" charset="0"/>
+                <a:cs typeface="Segoe UI" panose="020B0502040204020203" pitchFamily="34" charset="0"/>
+              </a:rPr>
+              <a:t>travel blog </a:t>
+            </a:r>
+            <a:r>
+              <a:rPr lang="en-GB" sz="2800" dirty="0">
+                <a:solidFill>
+                  <a:srgbClr val="2196F3"/>
+                </a:solidFill>
+                <a:latin typeface="Segoe UI" panose="020B0502040204020203" pitchFamily="34" charset="0"/>
+                <a:cs typeface="Segoe UI" panose="020B0502040204020203" pitchFamily="34" charset="0"/>
+              </a:rPr>
+              <a:t>of that </a:t>
+            </a:r>
+            <a:r>
+              <a:rPr lang="en-GB" sz="2800" b="1" dirty="0">
+                <a:solidFill>
+                  <a:srgbClr val="2196F3"/>
+                </a:solidFill>
+                <a:latin typeface="Segoe UI" panose="020B0502040204020203" pitchFamily="34" charset="0"/>
+                <a:cs typeface="Segoe UI" panose="020B0502040204020203" pitchFamily="34" charset="0"/>
+              </a:rPr>
+              <a:t>city</a:t>
+            </a:r>
+            <a:r>
+              <a:rPr lang="en-GB" sz="2800" dirty="0">
+                <a:solidFill>
+                  <a:srgbClr val="2196F3"/>
+                </a:solidFill>
+                <a:latin typeface="Segoe UI" panose="020B0502040204020203" pitchFamily="34" charset="0"/>
+                <a:cs typeface="Segoe UI" panose="020B0502040204020203" pitchFamily="34" charset="0"/>
+              </a:rPr>
+              <a:t>. </a:t>
             </a:r>
           </a:p>
           <a:p>
             <a:pPr marL="457200" lvl="1" indent="0">
               <a:buNone/>
             </a:pPr>
-            <a:endParaRPr lang="en-GB" sz="1400" dirty="0">
-              <a:solidFill>
-                <a:srgbClr val="2196F3"/>
-              </a:solidFill>
-              <a:latin typeface="Segoe UI" panose="020B0502040204020203" pitchFamily="34" charset="0"/>
-              <a:cs typeface="Segoe UI" panose="020B0502040204020203" pitchFamily="34" charset="0"/>
-            </a:endParaRPr>
-          </a:p>
-          <a:p>
-            <a:pPr lvl="1"/>
-            <a:r>
-              <a:rPr lang="en-GB" sz="3600" dirty="0">
+            <a:r>
+              <a:rPr lang="en-GB" sz="2800" dirty="0">
                 <a:solidFill>
                   <a:srgbClr val="2196F3"/>
                 </a:solidFill>
                 <a:latin typeface="Segoe UI" panose="020B0502040204020203" pitchFamily="34" charset="0"/>
                 <a:cs typeface="Segoe UI" panose="020B0502040204020203" pitchFamily="34" charset="0"/>
               </a:rPr>
-              <a:t>Google 20,000+.</a:t>
-            </a:r>
-          </a:p>
-          <a:p>
-            <a:pPr lvl="1"/>
-            <a:r>
-              <a:rPr lang="en-GB" sz="3600" dirty="0">
-                <a:solidFill>
-                  <a:srgbClr val="2196F3"/>
-                </a:solidFill>
-                <a:latin typeface="Segoe UI" panose="020B0502040204020203" pitchFamily="34" charset="0"/>
-                <a:cs typeface="Segoe UI" panose="020B0502040204020203" pitchFamily="34" charset="0"/>
-              </a:rPr>
-              <a:t>Google Accelerated Mobile Pages.</a:t>
-            </a:r>
-          </a:p>
-          <a:p>
-            <a:pPr lvl="1"/>
-            <a:r>
-              <a:rPr lang="en-GB" sz="3600" dirty="0">
-                <a:solidFill>
-                  <a:srgbClr val="2196F3"/>
-                </a:solidFill>
-                <a:latin typeface="Segoe UI" panose="020B0502040204020203" pitchFamily="34" charset="0"/>
-                <a:cs typeface="Segoe UI" panose="020B0502040204020203" pitchFamily="34" charset="0"/>
-              </a:rPr>
-              <a:t>Salesforce.</a:t>
-            </a:r>
-          </a:p>
-          <a:p>
-            <a:pPr lvl="1"/>
-            <a:r>
-              <a:rPr lang="en-GB" sz="3600" dirty="0" err="1">
-                <a:solidFill>
-                  <a:srgbClr val="2196F3"/>
-                </a:solidFill>
-                <a:latin typeface="Segoe UI" panose="020B0502040204020203" pitchFamily="34" charset="0"/>
-                <a:cs typeface="Segoe UI" panose="020B0502040204020203" pitchFamily="34" charset="0"/>
-              </a:rPr>
-              <a:t>Onsen</a:t>
-            </a:r>
-            <a:r>
-              <a:rPr lang="en-GB" sz="3600" dirty="0">
-                <a:solidFill>
-                  <a:srgbClr val="2196F3"/>
-                </a:solidFill>
-                <a:latin typeface="Segoe UI" panose="020B0502040204020203" pitchFamily="34" charset="0"/>
-                <a:cs typeface="Segoe UI" panose="020B0502040204020203" pitchFamily="34" charset="0"/>
-              </a:rPr>
-              <a:t> UI library.</a:t>
-            </a:r>
-          </a:p>
-          <a:p>
-            <a:pPr lvl="1"/>
-            <a:r>
-              <a:rPr lang="en-GB" sz="3600" dirty="0">
-                <a:solidFill>
-                  <a:srgbClr val="2196F3"/>
-                </a:solidFill>
-                <a:latin typeface="Segoe UI" panose="020B0502040204020203" pitchFamily="34" charset="0"/>
-                <a:cs typeface="Segoe UI" panose="020B0502040204020203" pitchFamily="34" charset="0"/>
-              </a:rPr>
-              <a:t>Ionic and Ionic/ReactJS/Angular </a:t>
-            </a:r>
-            <a:r>
-              <a:rPr lang="en-GB" sz="2000" dirty="0">
-                <a:solidFill>
-                  <a:srgbClr val="2196F3"/>
-                </a:solidFill>
-                <a:latin typeface="Segoe UI" panose="020B0502040204020203" pitchFamily="34" charset="0"/>
-                <a:cs typeface="Segoe UI" panose="020B0502040204020203" pitchFamily="34" charset="0"/>
-              </a:rPr>
-              <a:t>(Ionic Apps with Capacitor can run on IOS, Android, Web and Electron). </a:t>
-            </a:r>
-            <a:r>
-              <a:rPr lang="en-GB" sz="2000" i="1" dirty="0">
-                <a:solidFill>
-                  <a:srgbClr val="2196F3"/>
-                </a:solidFill>
-                <a:latin typeface="Segoe UI" panose="020B0502040204020203" pitchFamily="34" charset="0"/>
-                <a:cs typeface="Segoe UI" panose="020B0502040204020203" pitchFamily="34" charset="0"/>
-              </a:rPr>
-              <a:t>‘Write once, run anywhere…’</a:t>
-            </a:r>
-            <a:endParaRPr lang="en-GB" sz="3600" i="1" dirty="0">
-              <a:solidFill>
-                <a:srgbClr val="2196F3"/>
-              </a:solidFill>
-              <a:latin typeface="Segoe UI" panose="020B0502040204020203" pitchFamily="34" charset="0"/>
-              <a:cs typeface="Segoe UI" panose="020B0502040204020203" pitchFamily="34" charset="0"/>
-            </a:endParaRPr>
+              <a:t>Finally, does some very heavy calculations on which attendees one will have things in common:</a:t>
+            </a:r>
           </a:p>
           <a:p>
             <a:pPr marL="457200" lvl="1" indent="0">
@@ -10540,18 +10893,73 @@
             </a:endParaRPr>
           </a:p>
           <a:p>
-            <a:pPr marL="457200" lvl="1" indent="0">
-              <a:buNone/>
-            </a:pPr>
-            <a:endParaRPr lang="en-GB" sz="3600" dirty="0">
-              <a:latin typeface="Segoe UI" panose="020B0502040204020203" pitchFamily="34" charset="0"/>
-              <a:cs typeface="Segoe UI" panose="020B0502040204020203" pitchFamily="34" charset="0"/>
-            </a:endParaRPr>
+            <a:pPr lvl="1"/>
+            <a:r>
+              <a:rPr lang="en-GB" sz="2800" dirty="0">
+                <a:latin typeface="Segoe UI" panose="020B0502040204020203" pitchFamily="34" charset="0"/>
+                <a:cs typeface="Segoe UI" panose="020B0502040204020203" pitchFamily="34" charset="0"/>
+              </a:rPr>
+              <a:t>&lt;show-all-conferences /&gt; ‘Angular’</a:t>
+            </a:r>
+          </a:p>
+          <a:p>
+            <a:pPr lvl="1"/>
+            <a:r>
+              <a:rPr lang="en-GB" sz="2800" dirty="0">
+                <a:latin typeface="Segoe UI" panose="020B0502040204020203" pitchFamily="34" charset="0"/>
+                <a:cs typeface="Segoe UI" panose="020B0502040204020203" pitchFamily="34" charset="0"/>
+              </a:rPr>
+              <a:t>&lt;select-book-place /&gt; ‘Vue’</a:t>
+            </a:r>
+          </a:p>
+          <a:p>
+            <a:pPr lvl="1"/>
+            <a:r>
+              <a:rPr lang="en-GB" sz="2800" dirty="0">
+                <a:latin typeface="Segoe UI" panose="020B0502040204020203" pitchFamily="34" charset="0"/>
+                <a:cs typeface="Segoe UI" panose="020B0502040204020203" pitchFamily="34" charset="0"/>
+              </a:rPr>
+              <a:t>&lt;book-flight-hotel /&gt; ‘React’</a:t>
+            </a:r>
+          </a:p>
+          <a:p>
+            <a:pPr lvl="1"/>
+            <a:r>
+              <a:rPr lang="en-GB" sz="2800" dirty="0">
+                <a:latin typeface="Segoe UI" panose="020B0502040204020203" pitchFamily="34" charset="0"/>
+                <a:cs typeface="Segoe UI" panose="020B0502040204020203" pitchFamily="34" charset="0"/>
+              </a:rPr>
+              <a:t>&lt;show-blog-for-city /&gt; ‘WordPress’</a:t>
+            </a:r>
+          </a:p>
+          <a:p>
+            <a:pPr lvl="1"/>
+            <a:r>
+              <a:rPr lang="en-GB" sz="2800" dirty="0">
+                <a:latin typeface="Segoe UI" panose="020B0502040204020203" pitchFamily="34" charset="0"/>
+                <a:cs typeface="Segoe UI" panose="020B0502040204020203" pitchFamily="34" charset="0"/>
+              </a:rPr>
+              <a:t>&lt;show-people-connections /&gt; ‘Web Assembly’</a:t>
+            </a:r>
           </a:p>
           <a:p>
             <a:pPr marL="0" indent="0">
               <a:buNone/>
             </a:pPr>
+            <a:r>
+              <a:rPr lang="en-GB" dirty="0">
+                <a:latin typeface="Segoe UI" panose="020B0502040204020203" pitchFamily="34" charset="0"/>
+                <a:cs typeface="Segoe UI" panose="020B0502040204020203" pitchFamily="34" charset="0"/>
+              </a:rPr>
+              <a:t>     Business has some web dev skills to configure </a:t>
+            </a:r>
+            <a:r>
+              <a:rPr lang="en-GB">
+                <a:latin typeface="Segoe UI" panose="020B0502040204020203" pitchFamily="34" charset="0"/>
+                <a:cs typeface="Segoe UI" panose="020B0502040204020203" pitchFamily="34" charset="0"/>
+              </a:rPr>
+              <a:t>and connect them.</a:t>
+            </a:r>
             <a:endParaRPr lang="en-GB" dirty="0">
               <a:latin typeface="Segoe UI" panose="020B0502040204020203" pitchFamily="34" charset="0"/>
               <a:cs typeface="Segoe UI" panose="020B0502040204020203" pitchFamily="34" charset="0"/>
@@ -10568,7 +10976,7 @@
     </p:spTree>
     <p:extLst>
       <p:ext uri="{BB962C8B-B14F-4D97-AF65-F5344CB8AC3E}">
-        <p14:creationId xmlns:p14="http://schemas.microsoft.com/office/powerpoint/2010/main" val="3791855023"/>
+        <p14:creationId xmlns:p14="http://schemas.microsoft.com/office/powerpoint/2010/main" val="1171458869"/>
       </p:ext>
     </p:extLst>
   </p:cSld>
